--- a/netdevconf0x18-sharedmem.pptx
+++ b/netdevconf0x18-sharedmem.pptx
@@ -9,6 +9,7 @@
     <p:sldId id="257" r:id="rId3"/>
     <p:sldId id="258" r:id="rId4"/>
     <p:sldId id="259" r:id="rId5"/>
+    <p:sldId id="260" r:id="rId6"/>
   </p:sldIdLst>
   <p:sldSz cx="12192000" cy="6858000"/>
   <p:notesSz cx="6858000" cy="9144000"/>
@@ -4820,7 +4821,7 @@
             <a:pPr algn="ctr"/>
             <a:r>
               <a:rPr lang="en-US" sz="1400" dirty="0"/>
-              <a:t>VM/ Container</a:t>
+              <a:t>VM1/ Container</a:t>
             </a:r>
           </a:p>
         </p:txBody>
@@ -4996,7 +4997,7 @@
             <a:pPr algn="ctr"/>
             <a:r>
               <a:rPr lang="en-US" sz="1400" dirty="0"/>
-              <a:t>VM/ Container</a:t>
+              <a:t>VM2/ Container</a:t>
             </a:r>
           </a:p>
         </p:txBody>
@@ -5114,6 +5115,13 @@
             <a:r>
               <a:rPr lang="en-US" sz="1600" dirty="0"/>
               <a:t>Software Switch</a:t>
+            </a:r>
+          </a:p>
+          <a:p>
+            <a:pPr algn="ctr"/>
+            <a:r>
+              <a:rPr lang="en-US" sz="1400" dirty="0"/>
+              <a:t>OVS / Linux bridge</a:t>
             </a:r>
           </a:p>
         </p:txBody>
@@ -5501,8 +5509,8 @@
         </p:nvSpPr>
         <p:spPr>
           <a:xfrm>
-            <a:off x="1495168" y="630195"/>
-            <a:ext cx="593176" cy="369332"/>
+            <a:off x="0" y="197576"/>
+            <a:ext cx="1024704" cy="369332"/>
           </a:xfrm>
           <a:prstGeom prst="rect">
             <a:avLst/>
@@ -5516,9 +5524,10 @@
           <a:lstStyle/>
           <a:p>
             <a:r>
-              <a:rPr lang="en-US" dirty="0"/>
-              <a:t>Fig1</a:t>
-            </a:r>
+              <a:rPr lang="en-US" dirty="0" err="1"/>
+              <a:t>arch.pdf</a:t>
+            </a:r>
+            <a:endParaRPr lang="en-US" dirty="0"/>
           </a:p>
         </p:txBody>
       </p:sp>
@@ -5679,6 +5688,76 @@
             <a:r>
               <a:rPr lang="en-US" sz="1600" dirty="0"/>
               <a:t>Slow-path</a:t>
+            </a:r>
+          </a:p>
+        </p:txBody>
+      </p:sp>
+      <p:sp>
+        <p:nvSpPr>
+          <p:cNvPr id="50" name="TextBox 49">
+            <a:extLst>
+              <a:ext uri="{FF2B5EF4-FFF2-40B4-BE49-F238E27FC236}">
+                <a16:creationId xmlns:a16="http://schemas.microsoft.com/office/drawing/2014/main" id="{37259F81-18CC-A3EE-79AE-9E277C9F4FCD}"/>
+              </a:ext>
+            </a:extLst>
+          </p:cNvPr>
+          <p:cNvSpPr txBox="1"/>
+          <p:nvPr/>
+        </p:nvSpPr>
+        <p:spPr>
+          <a:xfrm>
+            <a:off x="8223374" y="2416477"/>
+            <a:ext cx="973215" cy="307777"/>
+          </a:xfrm>
+          <a:prstGeom prst="rect">
+            <a:avLst/>
+          </a:prstGeom>
+          <a:noFill/>
+        </p:spPr>
+        <p:txBody>
+          <a:bodyPr wrap="none" rtlCol="0">
+            <a:spAutoFit/>
+          </a:bodyPr>
+          <a:lstStyle/>
+          <a:p>
+            <a:r>
+              <a:rPr lang="en-US" sz="1400" dirty="0"/>
+              <a:t>Slow-path</a:t>
+            </a:r>
+          </a:p>
+        </p:txBody>
+      </p:sp>
+      <p:sp>
+        <p:nvSpPr>
+          <p:cNvPr id="51" name="TextBox 50">
+            <a:extLst>
+              <a:ext uri="{FF2B5EF4-FFF2-40B4-BE49-F238E27FC236}">
+                <a16:creationId xmlns:a16="http://schemas.microsoft.com/office/drawing/2014/main" id="{FFEFE3A5-B2B3-0995-0EF1-65AFDCDE396C}"/>
+              </a:ext>
+            </a:extLst>
+          </p:cNvPr>
+          <p:cNvSpPr txBox="1"/>
+          <p:nvPr/>
+        </p:nvSpPr>
+        <p:spPr>
+          <a:xfrm>
+            <a:off x="2982786" y="3581658"/>
+            <a:ext cx="928716" cy="307777"/>
+          </a:xfrm>
+          <a:prstGeom prst="rect">
+            <a:avLst/>
+          </a:prstGeom>
+          <a:noFill/>
+        </p:spPr>
+        <p:txBody>
+          <a:bodyPr wrap="none" rtlCol="0">
+            <a:spAutoFit/>
+          </a:bodyPr>
+          <a:lstStyle/>
+          <a:p>
+            <a:r>
+              <a:rPr lang="en-US" sz="1400" dirty="0"/>
+              <a:t>Fast-path</a:t>
             </a:r>
           </a:p>
         </p:txBody>
@@ -5715,6 +5794,739 @@
       </p:grpSpPr>
       <p:sp>
         <p:nvSpPr>
+          <p:cNvPr id="7" name="Rounded Rectangle 6">
+            <a:extLst>
+              <a:ext uri="{FF2B5EF4-FFF2-40B4-BE49-F238E27FC236}">
+                <a16:creationId xmlns:a16="http://schemas.microsoft.com/office/drawing/2014/main" id="{F7916BC9-BB9D-F3AD-9945-33C79E239913}"/>
+              </a:ext>
+            </a:extLst>
+          </p:cNvPr>
+          <p:cNvSpPr/>
+          <p:nvPr/>
+        </p:nvSpPr>
+        <p:spPr>
+          <a:xfrm>
+            <a:off x="5955259" y="4125790"/>
+            <a:ext cx="717332" cy="291662"/>
+          </a:xfrm>
+          <a:prstGeom prst="roundRect">
+            <a:avLst/>
+          </a:prstGeom>
+          <a:solidFill>
+            <a:schemeClr val="bg1">
+              <a:lumMod val="95000"/>
+            </a:schemeClr>
+          </a:solidFill>
+        </p:spPr>
+        <p:style>
+          <a:lnRef idx="2">
+            <a:schemeClr val="accent6"/>
+          </a:lnRef>
+          <a:fillRef idx="1">
+            <a:schemeClr val="lt1"/>
+          </a:fillRef>
+          <a:effectRef idx="0">
+            <a:schemeClr val="accent6"/>
+          </a:effectRef>
+          <a:fontRef idx="minor">
+            <a:schemeClr val="dk1"/>
+          </a:fontRef>
+        </p:style>
+        <p:txBody>
+          <a:bodyPr rtlCol="0" anchor="ctr"/>
+          <a:lstStyle/>
+          <a:p>
+            <a:pPr algn="ctr"/>
+            <a:r>
+              <a:rPr lang="en-US" sz="1400" dirty="0"/>
+              <a:t>repr1</a:t>
+            </a:r>
+          </a:p>
+        </p:txBody>
+      </p:sp>
+      <p:sp>
+        <p:nvSpPr>
+          <p:cNvPr id="14" name="Rounded Rectangle 13">
+            <a:extLst>
+              <a:ext uri="{FF2B5EF4-FFF2-40B4-BE49-F238E27FC236}">
+                <a16:creationId xmlns:a16="http://schemas.microsoft.com/office/drawing/2014/main" id="{CE9DFE42-196A-E6E6-29AE-2CCBB39BACD9}"/>
+              </a:ext>
+            </a:extLst>
+          </p:cNvPr>
+          <p:cNvSpPr/>
+          <p:nvPr/>
+        </p:nvSpPr>
+        <p:spPr>
+          <a:xfrm>
+            <a:off x="5939768" y="3097925"/>
+            <a:ext cx="717332" cy="291662"/>
+          </a:xfrm>
+          <a:prstGeom prst="roundRect">
+            <a:avLst/>
+          </a:prstGeom>
+        </p:spPr>
+        <p:style>
+          <a:lnRef idx="2">
+            <a:schemeClr val="accent6"/>
+          </a:lnRef>
+          <a:fillRef idx="1">
+            <a:schemeClr val="lt1"/>
+          </a:fillRef>
+          <a:effectRef idx="0">
+            <a:schemeClr val="accent6"/>
+          </a:effectRef>
+          <a:fontRef idx="minor">
+            <a:schemeClr val="dk1"/>
+          </a:fontRef>
+        </p:style>
+        <p:txBody>
+          <a:bodyPr rtlCol="0" anchor="ctr"/>
+          <a:lstStyle/>
+          <a:p>
+            <a:pPr algn="ctr"/>
+            <a:r>
+              <a:rPr lang="en-US" sz="1400" dirty="0"/>
+              <a:t>vport1</a:t>
+            </a:r>
+          </a:p>
+        </p:txBody>
+      </p:sp>
+      <p:cxnSp>
+        <p:nvCxnSpPr>
+          <p:cNvPr id="16" name="Straight Connector 15">
+            <a:extLst>
+              <a:ext uri="{FF2B5EF4-FFF2-40B4-BE49-F238E27FC236}">
+                <a16:creationId xmlns:a16="http://schemas.microsoft.com/office/drawing/2014/main" id="{529999F8-139E-8534-1EAE-0C47DA09CBF3}"/>
+              </a:ext>
+            </a:extLst>
+          </p:cNvPr>
+          <p:cNvCxnSpPr>
+            <a:cxnSpLocks/>
+          </p:cNvCxnSpPr>
+          <p:nvPr/>
+        </p:nvCxnSpPr>
+        <p:spPr>
+          <a:xfrm flipV="1">
+            <a:off x="6313925" y="3542127"/>
+            <a:ext cx="0" cy="533399"/>
+          </a:xfrm>
+          <a:prstGeom prst="line">
+            <a:avLst/>
+          </a:prstGeom>
+          <a:ln>
+            <a:prstDash val="dash"/>
+            <a:headEnd type="triangle"/>
+            <a:tailEnd type="none"/>
+          </a:ln>
+        </p:spPr>
+        <p:style>
+          <a:lnRef idx="2">
+            <a:schemeClr val="accent1"/>
+          </a:lnRef>
+          <a:fillRef idx="0">
+            <a:schemeClr val="accent1"/>
+          </a:fillRef>
+          <a:effectRef idx="1">
+            <a:schemeClr val="accent1"/>
+          </a:effectRef>
+          <a:fontRef idx="minor">
+            <a:schemeClr val="tx1"/>
+          </a:fontRef>
+        </p:style>
+      </p:cxnSp>
+      <p:sp>
+        <p:nvSpPr>
+          <p:cNvPr id="18" name="TextBox 17">
+            <a:extLst>
+              <a:ext uri="{FF2B5EF4-FFF2-40B4-BE49-F238E27FC236}">
+                <a16:creationId xmlns:a16="http://schemas.microsoft.com/office/drawing/2014/main" id="{5CD5E337-699E-D3BB-8464-A8B73B10AAC5}"/>
+              </a:ext>
+            </a:extLst>
+          </p:cNvPr>
+          <p:cNvSpPr txBox="1"/>
+          <p:nvPr/>
+        </p:nvSpPr>
+        <p:spPr>
+          <a:xfrm>
+            <a:off x="5776703" y="3542127"/>
+            <a:ext cx="554960" cy="307777"/>
+          </a:xfrm>
+          <a:prstGeom prst="rect">
+            <a:avLst/>
+          </a:prstGeom>
+          <a:noFill/>
+        </p:spPr>
+        <p:txBody>
+          <a:bodyPr wrap="none" rtlCol="0">
+            <a:spAutoFit/>
+          </a:bodyPr>
+          <a:lstStyle/>
+          <a:p>
+            <a:r>
+              <a:rPr lang="en-US" sz="1400" dirty="0"/>
+              <a:t>miss</a:t>
+            </a:r>
+          </a:p>
+        </p:txBody>
+      </p:sp>
+      <p:sp>
+        <p:nvSpPr>
+          <p:cNvPr id="19" name="TextBox 18">
+            <a:extLst>
+              <a:ext uri="{FF2B5EF4-FFF2-40B4-BE49-F238E27FC236}">
+                <a16:creationId xmlns:a16="http://schemas.microsoft.com/office/drawing/2014/main" id="{B0EF0CA5-8BE1-AA9F-DE3C-6B2C87B6FC90}"/>
+              </a:ext>
+            </a:extLst>
+          </p:cNvPr>
+          <p:cNvSpPr txBox="1"/>
+          <p:nvPr/>
+        </p:nvSpPr>
+        <p:spPr>
+          <a:xfrm>
+            <a:off x="6014210" y="2236825"/>
+            <a:ext cx="566181" cy="523220"/>
+          </a:xfrm>
+          <a:prstGeom prst="rect">
+            <a:avLst/>
+          </a:prstGeom>
+          <a:noFill/>
+        </p:spPr>
+        <p:txBody>
+          <a:bodyPr wrap="none" rtlCol="0">
+            <a:spAutoFit/>
+          </a:bodyPr>
+          <a:lstStyle/>
+          <a:p>
+            <a:r>
+              <a:rPr lang="en-US" sz="1400" dirty="0"/>
+              <a:t>VM</a:t>
+            </a:r>
+          </a:p>
+          <a:p>
+            <a:r>
+              <a:rPr lang="en-US" sz="1400" dirty="0"/>
+              <a:t>send</a:t>
+            </a:r>
+          </a:p>
+        </p:txBody>
+      </p:sp>
+      <p:cxnSp>
+        <p:nvCxnSpPr>
+          <p:cNvPr id="20" name="Straight Connector 19">
+            <a:extLst>
+              <a:ext uri="{FF2B5EF4-FFF2-40B4-BE49-F238E27FC236}">
+                <a16:creationId xmlns:a16="http://schemas.microsoft.com/office/drawing/2014/main" id="{9BBC5139-9DA8-F141-D779-412F7F57830B}"/>
+              </a:ext>
+            </a:extLst>
+          </p:cNvPr>
+          <p:cNvCxnSpPr>
+            <a:cxnSpLocks/>
+            <a:stCxn id="14" idx="0"/>
+            <a:endCxn id="19" idx="2"/>
+          </p:cNvCxnSpPr>
+          <p:nvPr/>
+        </p:nvCxnSpPr>
+        <p:spPr>
+          <a:xfrm flipH="1" flipV="1">
+            <a:off x="6297301" y="2760045"/>
+            <a:ext cx="1133" cy="337880"/>
+          </a:xfrm>
+          <a:prstGeom prst="line">
+            <a:avLst/>
+          </a:prstGeom>
+          <a:ln>
+            <a:prstDash val="dash"/>
+            <a:headEnd type="triangle"/>
+            <a:tailEnd type="none"/>
+          </a:ln>
+        </p:spPr>
+        <p:style>
+          <a:lnRef idx="2">
+            <a:schemeClr val="accent1"/>
+          </a:lnRef>
+          <a:fillRef idx="0">
+            <a:schemeClr val="accent1"/>
+          </a:fillRef>
+          <a:effectRef idx="1">
+            <a:schemeClr val="accent1"/>
+          </a:effectRef>
+          <a:fontRef idx="minor">
+            <a:schemeClr val="tx1"/>
+          </a:fontRef>
+        </p:style>
+      </p:cxnSp>
+      <p:sp>
+        <p:nvSpPr>
+          <p:cNvPr id="23" name="TextBox 22">
+            <a:extLst>
+              <a:ext uri="{FF2B5EF4-FFF2-40B4-BE49-F238E27FC236}">
+                <a16:creationId xmlns:a16="http://schemas.microsoft.com/office/drawing/2014/main" id="{B3098634-9BFB-47D3-FC5F-3E955AE1F6C3}"/>
+              </a:ext>
+            </a:extLst>
+          </p:cNvPr>
+          <p:cNvSpPr txBox="1"/>
+          <p:nvPr/>
+        </p:nvSpPr>
+        <p:spPr>
+          <a:xfrm>
+            <a:off x="6332972" y="3821207"/>
+            <a:ext cx="324128" cy="307777"/>
+          </a:xfrm>
+          <a:prstGeom prst="rect">
+            <a:avLst/>
+          </a:prstGeom>
+          <a:noFill/>
+        </p:spPr>
+        <p:txBody>
+          <a:bodyPr wrap="none" rtlCol="0">
+            <a:spAutoFit/>
+          </a:bodyPr>
+          <a:lstStyle/>
+          <a:p>
+            <a:r>
+              <a:rPr lang="en-US" sz="1400" dirty="0" err="1">
+                <a:solidFill>
+                  <a:srgbClr val="C00000"/>
+                </a:solidFill>
+              </a:rPr>
+              <a:t>rx</a:t>
+            </a:r>
+            <a:endParaRPr lang="en-US" sz="1400" dirty="0">
+              <a:solidFill>
+                <a:srgbClr val="C00000"/>
+              </a:solidFill>
+            </a:endParaRPr>
+          </a:p>
+        </p:txBody>
+      </p:sp>
+      <p:sp>
+        <p:nvSpPr>
+          <p:cNvPr id="25" name="TextBox 24">
+            <a:extLst>
+              <a:ext uri="{FF2B5EF4-FFF2-40B4-BE49-F238E27FC236}">
+                <a16:creationId xmlns:a16="http://schemas.microsoft.com/office/drawing/2014/main" id="{AA2FA901-92B3-F91B-382A-433C1EFB4F76}"/>
+              </a:ext>
+            </a:extLst>
+          </p:cNvPr>
+          <p:cNvSpPr txBox="1"/>
+          <p:nvPr/>
+        </p:nvSpPr>
+        <p:spPr>
+          <a:xfrm>
+            <a:off x="6313925" y="2801400"/>
+            <a:ext cx="322524" cy="307777"/>
+          </a:xfrm>
+          <a:prstGeom prst="rect">
+            <a:avLst/>
+          </a:prstGeom>
+          <a:noFill/>
+        </p:spPr>
+        <p:txBody>
+          <a:bodyPr wrap="none" rtlCol="0">
+            <a:spAutoFit/>
+          </a:bodyPr>
+          <a:lstStyle/>
+          <a:p>
+            <a:r>
+              <a:rPr lang="en-US" sz="1400" dirty="0" err="1">
+                <a:solidFill>
+                  <a:srgbClr val="C00000"/>
+                </a:solidFill>
+              </a:rPr>
+              <a:t>tx</a:t>
+            </a:r>
+            <a:endParaRPr lang="en-US" sz="1400" dirty="0">
+              <a:solidFill>
+                <a:srgbClr val="C00000"/>
+              </a:solidFill>
+            </a:endParaRPr>
+          </a:p>
+        </p:txBody>
+      </p:sp>
+      <p:sp>
+        <p:nvSpPr>
+          <p:cNvPr id="27" name="Rounded Rectangle 26">
+            <a:extLst>
+              <a:ext uri="{FF2B5EF4-FFF2-40B4-BE49-F238E27FC236}">
+                <a16:creationId xmlns:a16="http://schemas.microsoft.com/office/drawing/2014/main" id="{F8B0AD5B-4340-99CB-7A6C-534550760D04}"/>
+              </a:ext>
+            </a:extLst>
+          </p:cNvPr>
+          <p:cNvSpPr/>
+          <p:nvPr/>
+        </p:nvSpPr>
+        <p:spPr>
+          <a:xfrm>
+            <a:off x="7062239" y="4125790"/>
+            <a:ext cx="717332" cy="291662"/>
+          </a:xfrm>
+          <a:prstGeom prst="roundRect">
+            <a:avLst/>
+          </a:prstGeom>
+        </p:spPr>
+        <p:style>
+          <a:lnRef idx="2">
+            <a:schemeClr val="accent6"/>
+          </a:lnRef>
+          <a:fillRef idx="1">
+            <a:schemeClr val="lt1"/>
+          </a:fillRef>
+          <a:effectRef idx="0">
+            <a:schemeClr val="accent6"/>
+          </a:effectRef>
+          <a:fontRef idx="minor">
+            <a:schemeClr val="dk1"/>
+          </a:fontRef>
+        </p:style>
+        <p:txBody>
+          <a:bodyPr rtlCol="0" anchor="ctr"/>
+          <a:lstStyle/>
+          <a:p>
+            <a:pPr algn="ctr"/>
+            <a:r>
+              <a:rPr lang="en-US" sz="1400" dirty="0"/>
+              <a:t>vport1</a:t>
+            </a:r>
+          </a:p>
+        </p:txBody>
+      </p:sp>
+      <p:sp>
+        <p:nvSpPr>
+          <p:cNvPr id="28" name="Rounded Rectangle 27">
+            <a:extLst>
+              <a:ext uri="{FF2B5EF4-FFF2-40B4-BE49-F238E27FC236}">
+                <a16:creationId xmlns:a16="http://schemas.microsoft.com/office/drawing/2014/main" id="{6076CDB8-3200-BAD4-9206-0BC5299F704C}"/>
+              </a:ext>
+            </a:extLst>
+          </p:cNvPr>
+          <p:cNvSpPr/>
+          <p:nvPr/>
+        </p:nvSpPr>
+        <p:spPr>
+          <a:xfrm>
+            <a:off x="7046748" y="3097925"/>
+            <a:ext cx="717332" cy="291662"/>
+          </a:xfrm>
+          <a:prstGeom prst="roundRect">
+            <a:avLst/>
+          </a:prstGeom>
+          <a:solidFill>
+            <a:schemeClr val="bg1">
+              <a:lumMod val="95000"/>
+            </a:schemeClr>
+          </a:solidFill>
+        </p:spPr>
+        <p:style>
+          <a:lnRef idx="2">
+            <a:schemeClr val="accent6"/>
+          </a:lnRef>
+          <a:fillRef idx="1">
+            <a:schemeClr val="lt1"/>
+          </a:fillRef>
+          <a:effectRef idx="0">
+            <a:schemeClr val="accent6"/>
+          </a:effectRef>
+          <a:fontRef idx="minor">
+            <a:schemeClr val="dk1"/>
+          </a:fontRef>
+        </p:style>
+        <p:txBody>
+          <a:bodyPr rtlCol="0" anchor="ctr"/>
+          <a:lstStyle/>
+          <a:p>
+            <a:pPr algn="ctr"/>
+            <a:r>
+              <a:rPr lang="en-US" sz="1400" dirty="0"/>
+              <a:t>repr1</a:t>
+            </a:r>
+          </a:p>
+        </p:txBody>
+      </p:sp>
+      <p:cxnSp>
+        <p:nvCxnSpPr>
+          <p:cNvPr id="29" name="Straight Connector 28">
+            <a:extLst>
+              <a:ext uri="{FF2B5EF4-FFF2-40B4-BE49-F238E27FC236}">
+                <a16:creationId xmlns:a16="http://schemas.microsoft.com/office/drawing/2014/main" id="{AE1E0126-E096-5973-0A6D-957EDE11E879}"/>
+              </a:ext>
+            </a:extLst>
+          </p:cNvPr>
+          <p:cNvCxnSpPr>
+            <a:cxnSpLocks/>
+          </p:cNvCxnSpPr>
+          <p:nvPr/>
+        </p:nvCxnSpPr>
+        <p:spPr>
+          <a:xfrm flipV="1">
+            <a:off x="7420905" y="3542127"/>
+            <a:ext cx="0" cy="533399"/>
+          </a:xfrm>
+          <a:prstGeom prst="line">
+            <a:avLst/>
+          </a:prstGeom>
+          <a:ln>
+            <a:prstDash val="dash"/>
+            <a:headEnd type="triangle"/>
+            <a:tailEnd type="none"/>
+          </a:ln>
+        </p:spPr>
+        <p:style>
+          <a:lnRef idx="2">
+            <a:schemeClr val="accent1"/>
+          </a:lnRef>
+          <a:fillRef idx="0">
+            <a:schemeClr val="accent1"/>
+          </a:fillRef>
+          <a:effectRef idx="1">
+            <a:schemeClr val="accent1"/>
+          </a:effectRef>
+          <a:fontRef idx="minor">
+            <a:schemeClr val="tx1"/>
+          </a:fontRef>
+        </p:style>
+      </p:cxnSp>
+      <p:sp>
+        <p:nvSpPr>
+          <p:cNvPr id="31" name="TextBox 30">
+            <a:extLst>
+              <a:ext uri="{FF2B5EF4-FFF2-40B4-BE49-F238E27FC236}">
+                <a16:creationId xmlns:a16="http://schemas.microsoft.com/office/drawing/2014/main" id="{94C9BC3F-6D1E-EC44-A044-9839E3F4EC41}"/>
+              </a:ext>
+            </a:extLst>
+          </p:cNvPr>
+          <p:cNvSpPr txBox="1"/>
+          <p:nvPr/>
+        </p:nvSpPr>
+        <p:spPr>
+          <a:xfrm>
+            <a:off x="7118150" y="2246657"/>
+            <a:ext cx="566181" cy="523220"/>
+          </a:xfrm>
+          <a:prstGeom prst="rect">
+            <a:avLst/>
+          </a:prstGeom>
+          <a:noFill/>
+        </p:spPr>
+        <p:txBody>
+          <a:bodyPr wrap="none" rtlCol="0">
+            <a:spAutoFit/>
+          </a:bodyPr>
+          <a:lstStyle/>
+          <a:p>
+            <a:r>
+              <a:rPr lang="en-US" sz="1400" dirty="0"/>
+              <a:t>DPU</a:t>
+            </a:r>
+          </a:p>
+          <a:p>
+            <a:r>
+              <a:rPr lang="en-US" sz="1400" dirty="0"/>
+              <a:t>send</a:t>
+            </a:r>
+          </a:p>
+        </p:txBody>
+      </p:sp>
+      <p:cxnSp>
+        <p:nvCxnSpPr>
+          <p:cNvPr id="32" name="Straight Connector 31">
+            <a:extLst>
+              <a:ext uri="{FF2B5EF4-FFF2-40B4-BE49-F238E27FC236}">
+                <a16:creationId xmlns:a16="http://schemas.microsoft.com/office/drawing/2014/main" id="{9F72F0C7-9D11-A2C3-D193-C5552CF19CA9}"/>
+              </a:ext>
+            </a:extLst>
+          </p:cNvPr>
+          <p:cNvCxnSpPr>
+            <a:cxnSpLocks/>
+            <a:stCxn id="28" idx="0"/>
+            <a:endCxn id="31" idx="2"/>
+          </p:cNvCxnSpPr>
+          <p:nvPr/>
+        </p:nvCxnSpPr>
+        <p:spPr>
+          <a:xfrm flipH="1" flipV="1">
+            <a:off x="7401241" y="2769877"/>
+            <a:ext cx="4173" cy="328048"/>
+          </a:xfrm>
+          <a:prstGeom prst="line">
+            <a:avLst/>
+          </a:prstGeom>
+          <a:ln>
+            <a:prstDash val="dash"/>
+            <a:headEnd type="triangle"/>
+            <a:tailEnd type="none"/>
+          </a:ln>
+        </p:spPr>
+        <p:style>
+          <a:lnRef idx="2">
+            <a:schemeClr val="accent1"/>
+          </a:lnRef>
+          <a:fillRef idx="0">
+            <a:schemeClr val="accent1"/>
+          </a:fillRef>
+          <a:effectRef idx="1">
+            <a:schemeClr val="accent1"/>
+          </a:effectRef>
+          <a:fontRef idx="minor">
+            <a:schemeClr val="tx1"/>
+          </a:fontRef>
+        </p:style>
+      </p:cxnSp>
+      <p:sp>
+        <p:nvSpPr>
+          <p:cNvPr id="33" name="TextBox 32">
+            <a:extLst>
+              <a:ext uri="{FF2B5EF4-FFF2-40B4-BE49-F238E27FC236}">
+                <a16:creationId xmlns:a16="http://schemas.microsoft.com/office/drawing/2014/main" id="{3F760E2C-62CD-1D21-D010-82D5B0F0A295}"/>
+              </a:ext>
+            </a:extLst>
+          </p:cNvPr>
+          <p:cNvSpPr txBox="1"/>
+          <p:nvPr/>
+        </p:nvSpPr>
+        <p:spPr>
+          <a:xfrm>
+            <a:off x="7439952" y="3821207"/>
+            <a:ext cx="324128" cy="307777"/>
+          </a:xfrm>
+          <a:prstGeom prst="rect">
+            <a:avLst/>
+          </a:prstGeom>
+          <a:noFill/>
+        </p:spPr>
+        <p:txBody>
+          <a:bodyPr wrap="none" rtlCol="0">
+            <a:spAutoFit/>
+          </a:bodyPr>
+          <a:lstStyle/>
+          <a:p>
+            <a:r>
+              <a:rPr lang="en-US" sz="1400" dirty="0" err="1">
+                <a:solidFill>
+                  <a:srgbClr val="C00000"/>
+                </a:solidFill>
+              </a:rPr>
+              <a:t>rx</a:t>
+            </a:r>
+            <a:endParaRPr lang="en-US" sz="1400" dirty="0">
+              <a:solidFill>
+                <a:srgbClr val="C00000"/>
+              </a:solidFill>
+            </a:endParaRPr>
+          </a:p>
+        </p:txBody>
+      </p:sp>
+      <p:sp>
+        <p:nvSpPr>
+          <p:cNvPr id="34" name="TextBox 33">
+            <a:extLst>
+              <a:ext uri="{FF2B5EF4-FFF2-40B4-BE49-F238E27FC236}">
+                <a16:creationId xmlns:a16="http://schemas.microsoft.com/office/drawing/2014/main" id="{B548456C-D9E8-1C4B-98E3-A2A5BAB49EB2}"/>
+              </a:ext>
+            </a:extLst>
+          </p:cNvPr>
+          <p:cNvSpPr txBox="1"/>
+          <p:nvPr/>
+        </p:nvSpPr>
+        <p:spPr>
+          <a:xfrm>
+            <a:off x="7420905" y="2801400"/>
+            <a:ext cx="322524" cy="307777"/>
+          </a:xfrm>
+          <a:prstGeom prst="rect">
+            <a:avLst/>
+          </a:prstGeom>
+          <a:noFill/>
+        </p:spPr>
+        <p:txBody>
+          <a:bodyPr wrap="none" rtlCol="0">
+            <a:spAutoFit/>
+          </a:bodyPr>
+          <a:lstStyle/>
+          <a:p>
+            <a:r>
+              <a:rPr lang="en-US" sz="1400" dirty="0" err="1">
+                <a:solidFill>
+                  <a:srgbClr val="C00000"/>
+                </a:solidFill>
+              </a:rPr>
+              <a:t>tx</a:t>
+            </a:r>
+            <a:endParaRPr lang="en-US" sz="1400" dirty="0">
+              <a:solidFill>
+                <a:srgbClr val="C00000"/>
+              </a:solidFill>
+            </a:endParaRPr>
+          </a:p>
+        </p:txBody>
+      </p:sp>
+      <p:sp>
+        <p:nvSpPr>
+          <p:cNvPr id="38" name="TextBox 37">
+            <a:extLst>
+              <a:ext uri="{FF2B5EF4-FFF2-40B4-BE49-F238E27FC236}">
+                <a16:creationId xmlns:a16="http://schemas.microsoft.com/office/drawing/2014/main" id="{3624EACB-7A75-D033-6C11-F7754A92D981}"/>
+              </a:ext>
+            </a:extLst>
+          </p:cNvPr>
+          <p:cNvSpPr txBox="1"/>
+          <p:nvPr/>
+        </p:nvSpPr>
+        <p:spPr>
+          <a:xfrm>
+            <a:off x="1307690" y="757084"/>
+            <a:ext cx="1008033" cy="369332"/>
+          </a:xfrm>
+          <a:prstGeom prst="rect">
+            <a:avLst/>
+          </a:prstGeom>
+          <a:noFill/>
+        </p:spPr>
+        <p:txBody>
+          <a:bodyPr wrap="none" rtlCol="0">
+            <a:spAutoFit/>
+          </a:bodyPr>
+          <a:lstStyle/>
+          <a:p>
+            <a:r>
+              <a:rPr lang="en-US" dirty="0" err="1"/>
+              <a:t>pipe.pdf</a:t>
+            </a:r>
+            <a:endParaRPr lang="en-US" dirty="0"/>
+          </a:p>
+        </p:txBody>
+      </p:sp>
+    </p:spTree>
+    <p:extLst>
+      <p:ext uri="{BB962C8B-B14F-4D97-AF65-F5344CB8AC3E}">
+        <p14:creationId xmlns:p14="http://schemas.microsoft.com/office/powerpoint/2010/main" val="569685561"/>
+      </p:ext>
+    </p:extLst>
+  </p:cSld>
+  <p:clrMapOvr>
+    <a:masterClrMapping/>
+  </p:clrMapOvr>
+</p:sld>
+</file>
+
+<file path=ppt/slides/slide5.xml><?xml version="1.0" encoding="utf-8"?>
+<p:sld xmlns:a="http://schemas.openxmlformats.org/drawingml/2006/main" xmlns:r="http://schemas.openxmlformats.org/officeDocument/2006/relationships" xmlns:p="http://schemas.openxmlformats.org/presentationml/2006/main">
+  <p:cSld>
+    <p:spTree>
+      <p:nvGrpSpPr>
+        <p:cNvPr id="1" name=""/>
+        <p:cNvGrpSpPr/>
+        <p:nvPr/>
+      </p:nvGrpSpPr>
+      <p:grpSpPr>
+        <a:xfrm>
+          <a:off x="0" y="0"/>
+          <a:ext cx="0" cy="0"/>
+          <a:chOff x="0" y="0"/>
+          <a:chExt cx="0" cy="0"/>
+        </a:xfrm>
+      </p:grpSpPr>
+      <p:sp>
+        <p:nvSpPr>
           <p:cNvPr id="2" name="Title 1">
             <a:extLst>
               <a:ext uri="{FF2B5EF4-FFF2-40B4-BE49-F238E27FC236}">
@@ -6111,7 +6923,7 @@
     </p:spTree>
     <p:extLst>
       <p:ext uri="{BB962C8B-B14F-4D97-AF65-F5344CB8AC3E}">
-        <p14:creationId xmlns:p14="http://schemas.microsoft.com/office/powerpoint/2010/main" val="569685561"/>
+        <p14:creationId xmlns:p14="http://schemas.microsoft.com/office/powerpoint/2010/main" val="3720233427"/>
       </p:ext>
     </p:extLst>
   </p:cSld>

--- a/netdevconf0x18-sharedmem.pptx
+++ b/netdevconf0x18-sharedmem.pptx
@@ -9,7 +9,8 @@
     <p:sldId id="257" r:id="rId3"/>
     <p:sldId id="258" r:id="rId4"/>
     <p:sldId id="259" r:id="rId5"/>
-    <p:sldId id="260" r:id="rId6"/>
+    <p:sldId id="261" r:id="rId6"/>
+    <p:sldId id="260" r:id="rId7"/>
   </p:sldIdLst>
   <p:sldSz cx="12192000" cy="6858000"/>
   <p:notesSz cx="6858000" cy="9144000"/>
@@ -263,7 +264,7 @@
           <a:p>
             <a:fld id="{1E7953D9-2557-2445-9A3D-2952E9A21483}" type="datetimeFigureOut">
               <a:rPr lang="en-US" smtClean="0"/>
-              <a:t>6/23/24</a:t>
+              <a:t>7/1/24</a:t>
             </a:fld>
             <a:endParaRPr lang="en-US"/>
           </a:p>
@@ -461,7 +462,7 @@
           <a:p>
             <a:fld id="{1E7953D9-2557-2445-9A3D-2952E9A21483}" type="datetimeFigureOut">
               <a:rPr lang="en-US" smtClean="0"/>
-              <a:t>6/23/24</a:t>
+              <a:t>7/1/24</a:t>
             </a:fld>
             <a:endParaRPr lang="en-US"/>
           </a:p>
@@ -669,7 +670,7 @@
           <a:p>
             <a:fld id="{1E7953D9-2557-2445-9A3D-2952E9A21483}" type="datetimeFigureOut">
               <a:rPr lang="en-US" smtClean="0"/>
-              <a:t>6/23/24</a:t>
+              <a:t>7/1/24</a:t>
             </a:fld>
             <a:endParaRPr lang="en-US"/>
           </a:p>
@@ -867,7 +868,7 @@
           <a:p>
             <a:fld id="{1E7953D9-2557-2445-9A3D-2952E9A21483}" type="datetimeFigureOut">
               <a:rPr lang="en-US" smtClean="0"/>
-              <a:t>6/23/24</a:t>
+              <a:t>7/1/24</a:t>
             </a:fld>
             <a:endParaRPr lang="en-US"/>
           </a:p>
@@ -1142,7 +1143,7 @@
           <a:p>
             <a:fld id="{1E7953D9-2557-2445-9A3D-2952E9A21483}" type="datetimeFigureOut">
               <a:rPr lang="en-US" smtClean="0"/>
-              <a:t>6/23/24</a:t>
+              <a:t>7/1/24</a:t>
             </a:fld>
             <a:endParaRPr lang="en-US"/>
           </a:p>
@@ -1407,7 +1408,7 @@
           <a:p>
             <a:fld id="{1E7953D9-2557-2445-9A3D-2952E9A21483}" type="datetimeFigureOut">
               <a:rPr lang="en-US" smtClean="0"/>
-              <a:t>6/23/24</a:t>
+              <a:t>7/1/24</a:t>
             </a:fld>
             <a:endParaRPr lang="en-US"/>
           </a:p>
@@ -1819,7 +1820,7 @@
           <a:p>
             <a:fld id="{1E7953D9-2557-2445-9A3D-2952E9A21483}" type="datetimeFigureOut">
               <a:rPr lang="en-US" smtClean="0"/>
-              <a:t>6/23/24</a:t>
+              <a:t>7/1/24</a:t>
             </a:fld>
             <a:endParaRPr lang="en-US"/>
           </a:p>
@@ -1960,7 +1961,7 @@
           <a:p>
             <a:fld id="{1E7953D9-2557-2445-9A3D-2952E9A21483}" type="datetimeFigureOut">
               <a:rPr lang="en-US" smtClean="0"/>
-              <a:t>6/23/24</a:t>
+              <a:t>7/1/24</a:t>
             </a:fld>
             <a:endParaRPr lang="en-US"/>
           </a:p>
@@ -2073,7 +2074,7 @@
           <a:p>
             <a:fld id="{1E7953D9-2557-2445-9A3D-2952E9A21483}" type="datetimeFigureOut">
               <a:rPr lang="en-US" smtClean="0"/>
-              <a:t>6/23/24</a:t>
+              <a:t>7/1/24</a:t>
             </a:fld>
             <a:endParaRPr lang="en-US"/>
           </a:p>
@@ -2384,7 +2385,7 @@
           <a:p>
             <a:fld id="{1E7953D9-2557-2445-9A3D-2952E9A21483}" type="datetimeFigureOut">
               <a:rPr lang="en-US" smtClean="0"/>
-              <a:t>6/23/24</a:t>
+              <a:t>7/1/24</a:t>
             </a:fld>
             <a:endParaRPr lang="en-US"/>
           </a:p>
@@ -2672,7 +2673,7 @@
           <a:p>
             <a:fld id="{1E7953D9-2557-2445-9A3D-2952E9A21483}" type="datetimeFigureOut">
               <a:rPr lang="en-US" smtClean="0"/>
-              <a:t>6/23/24</a:t>
+              <a:t>7/1/24</a:t>
             </a:fld>
             <a:endParaRPr lang="en-US"/>
           </a:p>
@@ -2913,7 +2914,7 @@
           <a:p>
             <a:fld id="{1E7953D9-2557-2445-9A3D-2952E9A21483}" type="datetimeFigureOut">
               <a:rPr lang="en-US" smtClean="0"/>
-              <a:t>6/23/24</a:t>
+              <a:t>7/1/24</a:t>
             </a:fld>
             <a:endParaRPr lang="en-US"/>
           </a:p>
@@ -5858,7 +5859,7 @@
         </p:nvSpPr>
         <p:spPr>
           <a:xfrm>
-            <a:off x="5939768" y="3097925"/>
+            <a:off x="5939768" y="3206077"/>
             <a:ext cx="717332" cy="291662"/>
           </a:xfrm>
           <a:prstGeom prst="roundRect">
@@ -5948,7 +5949,7 @@
         </p:nvSpPr>
         <p:spPr>
           <a:xfrm>
-            <a:off x="5776703" y="3542127"/>
+            <a:off x="5718640" y="3625785"/>
             <a:ext cx="554960" cy="307777"/>
           </a:xfrm>
           <a:prstGeom prst="rect">
@@ -5983,8 +5984,8 @@
         </p:nvSpPr>
         <p:spPr>
           <a:xfrm>
-            <a:off x="6014210" y="2236825"/>
-            <a:ext cx="566181" cy="523220"/>
+            <a:off x="5848173" y="2525505"/>
+            <a:ext cx="900524" cy="307777"/>
           </a:xfrm>
           <a:prstGeom prst="rect">
             <a:avLst/>
@@ -5992,20 +5993,14 @@
           <a:noFill/>
         </p:spPr>
         <p:txBody>
-          <a:bodyPr wrap="none" rtlCol="0">
+          <a:bodyPr wrap="square" rtlCol="0">
             <a:spAutoFit/>
           </a:bodyPr>
           <a:lstStyle/>
           <a:p>
             <a:r>
               <a:rPr lang="en-US" sz="1400" dirty="0"/>
-              <a:t>VM</a:t>
-            </a:r>
-          </a:p>
-          <a:p>
-            <a:r>
-              <a:rPr lang="en-US" sz="1400" dirty="0"/>
-              <a:t>send</a:t>
+              <a:t>VM send</a:t>
             </a:r>
           </a:p>
         </p:txBody>
@@ -6027,9 +6022,9 @@
           <p:nvPr/>
         </p:nvCxnSpPr>
         <p:spPr>
-          <a:xfrm flipH="1" flipV="1">
-            <a:off x="6297301" y="2760045"/>
-            <a:ext cx="1133" cy="337880"/>
+          <a:xfrm flipV="1">
+            <a:off x="6298434" y="2833282"/>
+            <a:ext cx="1" cy="372795"/>
           </a:xfrm>
           <a:prstGeom prst="line">
             <a:avLst/>
@@ -6086,14 +6081,20 @@
             <a:r>
               <a:rPr lang="en-US" sz="1400" dirty="0" err="1">
                 <a:solidFill>
-                  <a:srgbClr val="C00000"/>
+                  <a:schemeClr val="tx1">
+                    <a:lumMod val="50000"/>
+                    <a:lumOff val="50000"/>
+                  </a:schemeClr>
                 </a:solidFill>
               </a:rPr>
               <a:t>rx</a:t>
             </a:r>
             <a:endParaRPr lang="en-US" sz="1400" dirty="0">
               <a:solidFill>
-                <a:srgbClr val="C00000"/>
+                <a:schemeClr val="tx1">
+                  <a:lumMod val="50000"/>
+                  <a:lumOff val="50000"/>
+                </a:schemeClr>
               </a:solidFill>
             </a:endParaRPr>
           </a:p>
@@ -6113,7 +6114,7 @@
         </p:nvSpPr>
         <p:spPr>
           <a:xfrm>
-            <a:off x="6313925" y="2801400"/>
+            <a:off x="6313925" y="2909552"/>
             <a:ext cx="322524" cy="307777"/>
           </a:xfrm>
           <a:prstGeom prst="rect">
@@ -6130,14 +6131,20 @@
             <a:r>
               <a:rPr lang="en-US" sz="1400" dirty="0" err="1">
                 <a:solidFill>
-                  <a:srgbClr val="C00000"/>
+                  <a:schemeClr val="tx1">
+                    <a:lumMod val="50000"/>
+                    <a:lumOff val="50000"/>
+                  </a:schemeClr>
                 </a:solidFill>
               </a:rPr>
               <a:t>tx</a:t>
             </a:r>
             <a:endParaRPr lang="en-US" sz="1400" dirty="0">
               <a:solidFill>
-                <a:srgbClr val="C00000"/>
+                <a:schemeClr val="tx1">
+                  <a:lumMod val="50000"/>
+                  <a:lumOff val="50000"/>
+                </a:schemeClr>
               </a:solidFill>
             </a:endParaRPr>
           </a:p>
@@ -6204,7 +6211,7 @@
         </p:nvSpPr>
         <p:spPr>
           <a:xfrm>
-            <a:off x="7046748" y="3097925"/>
+            <a:off x="7046748" y="3206077"/>
             <a:ext cx="717332" cy="291662"/>
           </a:xfrm>
           <a:prstGeom prst="roundRect">
@@ -6299,8 +6306,8 @@
         </p:nvSpPr>
         <p:spPr>
           <a:xfrm>
-            <a:off x="7118150" y="2246657"/>
-            <a:ext cx="566181" cy="523220"/>
+            <a:off x="6929161" y="2532585"/>
+            <a:ext cx="952505" cy="307777"/>
           </a:xfrm>
           <a:prstGeom prst="rect">
             <a:avLst/>
@@ -6315,13 +6322,7 @@
           <a:p>
             <a:r>
               <a:rPr lang="en-US" sz="1400" dirty="0"/>
-              <a:t>DPU</a:t>
-            </a:r>
-          </a:p>
-          <a:p>
-            <a:r>
-              <a:rPr lang="en-US" sz="1400" dirty="0"/>
-              <a:t>send</a:t>
+              <a:t>DPU send</a:t>
             </a:r>
           </a:p>
         </p:txBody>
@@ -6343,9 +6344,9 @@
           <p:nvPr/>
         </p:nvCxnSpPr>
         <p:spPr>
-          <a:xfrm flipH="1" flipV="1">
-            <a:off x="7401241" y="2769877"/>
-            <a:ext cx="4173" cy="328048"/>
+          <a:xfrm flipV="1">
+            <a:off x="7405414" y="2840362"/>
+            <a:ext cx="0" cy="365715"/>
           </a:xfrm>
           <a:prstGeom prst="line">
             <a:avLst/>
@@ -6402,14 +6403,20 @@
             <a:r>
               <a:rPr lang="en-US" sz="1400" dirty="0" err="1">
                 <a:solidFill>
-                  <a:srgbClr val="C00000"/>
+                  <a:schemeClr val="tx1">
+                    <a:lumMod val="50000"/>
+                    <a:lumOff val="50000"/>
+                  </a:schemeClr>
                 </a:solidFill>
               </a:rPr>
               <a:t>rx</a:t>
             </a:r>
             <a:endParaRPr lang="en-US" sz="1400" dirty="0">
               <a:solidFill>
-                <a:srgbClr val="C00000"/>
+                <a:schemeClr val="tx1">
+                  <a:lumMod val="50000"/>
+                  <a:lumOff val="50000"/>
+                </a:schemeClr>
               </a:solidFill>
             </a:endParaRPr>
           </a:p>
@@ -6429,7 +6436,7 @@
         </p:nvSpPr>
         <p:spPr>
           <a:xfrm>
-            <a:off x="7420905" y="2801400"/>
+            <a:off x="7420905" y="2909552"/>
             <a:ext cx="322524" cy="307777"/>
           </a:xfrm>
           <a:prstGeom prst="rect">
@@ -6446,14 +6453,20 @@
             <a:r>
               <a:rPr lang="en-US" sz="1400" dirty="0" err="1">
                 <a:solidFill>
-                  <a:srgbClr val="C00000"/>
+                  <a:schemeClr val="tx1">
+                    <a:lumMod val="50000"/>
+                    <a:lumOff val="50000"/>
+                  </a:schemeClr>
                 </a:solidFill>
               </a:rPr>
               <a:t>tx</a:t>
             </a:r>
             <a:endParaRPr lang="en-US" sz="1400" dirty="0">
               <a:solidFill>
-                <a:srgbClr val="C00000"/>
+                <a:schemeClr val="tx1">
+                  <a:lumMod val="50000"/>
+                  <a:lumOff val="50000"/>
+                </a:schemeClr>
               </a:solidFill>
             </a:endParaRPr>
           </a:p>
@@ -6509,6 +6522,769 @@
 </file>
 
 <file path=ppt/slides/slide5.xml><?xml version="1.0" encoding="utf-8"?>
+<p:sld xmlns:a="http://schemas.openxmlformats.org/drawingml/2006/main" xmlns:r="http://schemas.openxmlformats.org/officeDocument/2006/relationships" xmlns:p="http://schemas.openxmlformats.org/presentationml/2006/main">
+  <p:cSld>
+    <p:spTree>
+      <p:nvGrpSpPr>
+        <p:cNvPr id="1" name=""/>
+        <p:cNvGrpSpPr/>
+        <p:nvPr/>
+      </p:nvGrpSpPr>
+      <p:grpSpPr>
+        <a:xfrm>
+          <a:off x="0" y="0"/>
+          <a:ext cx="0" cy="0"/>
+          <a:chOff x="0" y="0"/>
+          <a:chExt cx="0" cy="0"/>
+        </a:xfrm>
+      </p:grpSpPr>
+      <p:sp>
+        <p:nvSpPr>
+          <p:cNvPr id="7" name="Rounded Rectangle 6">
+            <a:extLst>
+              <a:ext uri="{FF2B5EF4-FFF2-40B4-BE49-F238E27FC236}">
+                <a16:creationId xmlns:a16="http://schemas.microsoft.com/office/drawing/2014/main" id="{F7916BC9-BB9D-F3AD-9945-33C79E239913}"/>
+              </a:ext>
+            </a:extLst>
+          </p:cNvPr>
+          <p:cNvSpPr/>
+          <p:nvPr/>
+        </p:nvSpPr>
+        <p:spPr>
+          <a:xfrm>
+            <a:off x="5066661" y="4742085"/>
+            <a:ext cx="2214999" cy="341926"/>
+          </a:xfrm>
+          <a:prstGeom prst="roundRect">
+            <a:avLst/>
+          </a:prstGeom>
+          <a:solidFill>
+            <a:schemeClr val="bg1">
+              <a:lumMod val="95000"/>
+            </a:schemeClr>
+          </a:solidFill>
+        </p:spPr>
+        <p:style>
+          <a:lnRef idx="2">
+            <a:schemeClr val="accent6"/>
+          </a:lnRef>
+          <a:fillRef idx="1">
+            <a:schemeClr val="lt1"/>
+          </a:fillRef>
+          <a:effectRef idx="0">
+            <a:schemeClr val="accent6"/>
+          </a:effectRef>
+          <a:fontRef idx="minor">
+            <a:schemeClr val="dk1"/>
+          </a:fontRef>
+        </p:style>
+        <p:txBody>
+          <a:bodyPr rtlCol="0" anchor="ctr"/>
+          <a:lstStyle/>
+          <a:p>
+            <a:pPr algn="ctr"/>
+            <a:r>
+              <a:rPr lang="en-US" sz="1400" dirty="0"/>
+              <a:t>RX Steering</a:t>
+            </a:r>
+          </a:p>
+        </p:txBody>
+      </p:sp>
+      <p:sp>
+        <p:nvSpPr>
+          <p:cNvPr id="27" name="Rounded Rectangle 26">
+            <a:extLst>
+              <a:ext uri="{FF2B5EF4-FFF2-40B4-BE49-F238E27FC236}">
+                <a16:creationId xmlns:a16="http://schemas.microsoft.com/office/drawing/2014/main" id="{F8B0AD5B-4340-99CB-7A6C-534550760D04}"/>
+              </a:ext>
+            </a:extLst>
+          </p:cNvPr>
+          <p:cNvSpPr/>
+          <p:nvPr/>
+        </p:nvSpPr>
+        <p:spPr>
+          <a:xfrm>
+            <a:off x="4870387" y="4167176"/>
+            <a:ext cx="1007689" cy="291662"/>
+          </a:xfrm>
+          <a:prstGeom prst="roundRect">
+            <a:avLst/>
+          </a:prstGeom>
+        </p:spPr>
+        <p:style>
+          <a:lnRef idx="2">
+            <a:schemeClr val="accent6"/>
+          </a:lnRef>
+          <a:fillRef idx="1">
+            <a:schemeClr val="lt1"/>
+          </a:fillRef>
+          <a:effectRef idx="0">
+            <a:schemeClr val="accent6"/>
+          </a:effectRef>
+          <a:fontRef idx="minor">
+            <a:schemeClr val="dk1"/>
+          </a:fontRef>
+        </p:style>
+        <p:txBody>
+          <a:bodyPr rtlCol="0" anchor="ctr"/>
+          <a:lstStyle/>
+          <a:p>
+            <a:pPr algn="ctr"/>
+            <a:r>
+              <a:rPr lang="en-US" sz="1400" dirty="0"/>
+              <a:t>PF/</a:t>
+            </a:r>
+            <a:r>
+              <a:rPr lang="en-US" sz="1400" dirty="0" err="1"/>
+              <a:t>ul</a:t>
+            </a:r>
+            <a:r>
+              <a:rPr lang="en-US" sz="1400" dirty="0"/>
+              <a:t>-rep</a:t>
+            </a:r>
+          </a:p>
+        </p:txBody>
+      </p:sp>
+      <p:sp>
+        <p:nvSpPr>
+          <p:cNvPr id="38" name="TextBox 37">
+            <a:extLst>
+              <a:ext uri="{FF2B5EF4-FFF2-40B4-BE49-F238E27FC236}">
+                <a16:creationId xmlns:a16="http://schemas.microsoft.com/office/drawing/2014/main" id="{3624EACB-7A75-D033-6C11-F7754A92D981}"/>
+              </a:ext>
+            </a:extLst>
+          </p:cNvPr>
+          <p:cNvSpPr txBox="1"/>
+          <p:nvPr/>
+        </p:nvSpPr>
+        <p:spPr>
+          <a:xfrm>
+            <a:off x="1307690" y="757084"/>
+            <a:ext cx="1359668" cy="369332"/>
+          </a:xfrm>
+          <a:prstGeom prst="rect">
+            <a:avLst/>
+          </a:prstGeom>
+          <a:noFill/>
+        </p:spPr>
+        <p:txBody>
+          <a:bodyPr wrap="none" rtlCol="0">
+            <a:spAutoFit/>
+          </a:bodyPr>
+          <a:lstStyle/>
+          <a:p>
+            <a:r>
+              <a:rPr lang="en-US" dirty="0"/>
+              <a:t>design1.pdf</a:t>
+            </a:r>
+          </a:p>
+        </p:txBody>
+      </p:sp>
+      <p:sp>
+        <p:nvSpPr>
+          <p:cNvPr id="3" name="Rounded Rectangle 2">
+            <a:extLst>
+              <a:ext uri="{FF2B5EF4-FFF2-40B4-BE49-F238E27FC236}">
+                <a16:creationId xmlns:a16="http://schemas.microsoft.com/office/drawing/2014/main" id="{75698F78-A5D2-EEC5-C4AF-C0AB3427D9C1}"/>
+              </a:ext>
+            </a:extLst>
+          </p:cNvPr>
+          <p:cNvSpPr/>
+          <p:nvPr/>
+        </p:nvSpPr>
+        <p:spPr>
+          <a:xfrm>
+            <a:off x="6046881" y="4178576"/>
+            <a:ext cx="602210" cy="291662"/>
+          </a:xfrm>
+          <a:prstGeom prst="roundRect">
+            <a:avLst/>
+          </a:prstGeom>
+        </p:spPr>
+        <p:style>
+          <a:lnRef idx="2">
+            <a:schemeClr val="accent6"/>
+          </a:lnRef>
+          <a:fillRef idx="1">
+            <a:schemeClr val="lt1"/>
+          </a:fillRef>
+          <a:effectRef idx="0">
+            <a:schemeClr val="accent6"/>
+          </a:effectRef>
+          <a:fontRef idx="minor">
+            <a:schemeClr val="dk1"/>
+          </a:fontRef>
+        </p:style>
+        <p:txBody>
+          <a:bodyPr rtlCol="0" anchor="ctr"/>
+          <a:lstStyle/>
+          <a:p>
+            <a:pPr algn="ctr"/>
+            <a:r>
+              <a:rPr lang="en-US" sz="1400" dirty="0"/>
+              <a:t>rep1</a:t>
+            </a:r>
+          </a:p>
+        </p:txBody>
+      </p:sp>
+      <p:sp>
+        <p:nvSpPr>
+          <p:cNvPr id="4" name="Rounded Rectangle 3">
+            <a:extLst>
+              <a:ext uri="{FF2B5EF4-FFF2-40B4-BE49-F238E27FC236}">
+                <a16:creationId xmlns:a16="http://schemas.microsoft.com/office/drawing/2014/main" id="{9F73A902-96F4-73D0-20DF-4E8B46A93E6C}"/>
+              </a:ext>
+            </a:extLst>
+          </p:cNvPr>
+          <p:cNvSpPr/>
+          <p:nvPr/>
+        </p:nvSpPr>
+        <p:spPr>
+          <a:xfrm>
+            <a:off x="6922994" y="4187373"/>
+            <a:ext cx="717332" cy="291662"/>
+          </a:xfrm>
+          <a:prstGeom prst="roundRect">
+            <a:avLst/>
+          </a:prstGeom>
+        </p:spPr>
+        <p:style>
+          <a:lnRef idx="2">
+            <a:schemeClr val="accent6"/>
+          </a:lnRef>
+          <a:fillRef idx="1">
+            <a:schemeClr val="lt1"/>
+          </a:fillRef>
+          <a:effectRef idx="0">
+            <a:schemeClr val="accent6"/>
+          </a:effectRef>
+          <a:fontRef idx="minor">
+            <a:schemeClr val="dk1"/>
+          </a:fontRef>
+        </p:style>
+        <p:txBody>
+          <a:bodyPr rtlCol="0" anchor="ctr"/>
+          <a:lstStyle/>
+          <a:p>
+            <a:pPr algn="ctr"/>
+            <a:r>
+              <a:rPr lang="en-US" sz="1400" dirty="0"/>
+              <a:t>rep-N</a:t>
+            </a:r>
+          </a:p>
+        </p:txBody>
+      </p:sp>
+      <p:cxnSp>
+        <p:nvCxnSpPr>
+          <p:cNvPr id="5" name="Straight Connector 4">
+            <a:extLst>
+              <a:ext uri="{FF2B5EF4-FFF2-40B4-BE49-F238E27FC236}">
+                <a16:creationId xmlns:a16="http://schemas.microsoft.com/office/drawing/2014/main" id="{8D3295C9-0C85-8739-C62A-E9AD1E2502D8}"/>
+              </a:ext>
+            </a:extLst>
+          </p:cNvPr>
+          <p:cNvCxnSpPr>
+            <a:cxnSpLocks/>
+          </p:cNvCxnSpPr>
+          <p:nvPr/>
+        </p:nvCxnSpPr>
+        <p:spPr>
+          <a:xfrm>
+            <a:off x="6539921" y="5060708"/>
+            <a:ext cx="0" cy="317722"/>
+          </a:xfrm>
+          <a:prstGeom prst="line">
+            <a:avLst/>
+          </a:prstGeom>
+          <a:ln>
+            <a:prstDash val="dash"/>
+            <a:headEnd type="triangle"/>
+            <a:tailEnd type="none"/>
+          </a:ln>
+        </p:spPr>
+        <p:style>
+          <a:lnRef idx="2">
+            <a:schemeClr val="accent1"/>
+          </a:lnRef>
+          <a:fillRef idx="0">
+            <a:schemeClr val="accent1"/>
+          </a:fillRef>
+          <a:effectRef idx="1">
+            <a:schemeClr val="accent1"/>
+          </a:effectRef>
+          <a:fontRef idx="minor">
+            <a:schemeClr val="tx1"/>
+          </a:fontRef>
+        </p:style>
+      </p:cxnSp>
+      <p:sp>
+        <p:nvSpPr>
+          <p:cNvPr id="9" name="TextBox 8">
+            <a:extLst>
+              <a:ext uri="{FF2B5EF4-FFF2-40B4-BE49-F238E27FC236}">
+                <a16:creationId xmlns:a16="http://schemas.microsoft.com/office/drawing/2014/main" id="{2EE3CB55-5DA5-D051-5FBF-A4282A511974}"/>
+              </a:ext>
+            </a:extLst>
+          </p:cNvPr>
+          <p:cNvSpPr txBox="1"/>
+          <p:nvPr/>
+        </p:nvSpPr>
+        <p:spPr>
+          <a:xfrm>
+            <a:off x="5007688" y="5101431"/>
+            <a:ext cx="1472519" cy="276999"/>
+          </a:xfrm>
+          <a:prstGeom prst="rect">
+            <a:avLst/>
+          </a:prstGeom>
+          <a:noFill/>
+        </p:spPr>
+        <p:txBody>
+          <a:bodyPr wrap="none" rtlCol="0">
+            <a:spAutoFit/>
+          </a:bodyPr>
+          <a:lstStyle/>
+          <a:p>
+            <a:r>
+              <a:rPr lang="en-US" sz="1200" dirty="0"/>
+              <a:t>All slow-path traffic</a:t>
+            </a:r>
+          </a:p>
+        </p:txBody>
+      </p:sp>
+      <p:cxnSp>
+        <p:nvCxnSpPr>
+          <p:cNvPr id="10" name="Straight Connector 9">
+            <a:extLst>
+              <a:ext uri="{FF2B5EF4-FFF2-40B4-BE49-F238E27FC236}">
+                <a16:creationId xmlns:a16="http://schemas.microsoft.com/office/drawing/2014/main" id="{F8514FBA-2E0F-FC74-7A28-0B8D2C3DA1EA}"/>
+              </a:ext>
+            </a:extLst>
+          </p:cNvPr>
+          <p:cNvCxnSpPr>
+            <a:cxnSpLocks/>
+          </p:cNvCxnSpPr>
+          <p:nvPr/>
+        </p:nvCxnSpPr>
+        <p:spPr>
+          <a:xfrm>
+            <a:off x="5322771" y="4479035"/>
+            <a:ext cx="0" cy="277328"/>
+          </a:xfrm>
+          <a:prstGeom prst="line">
+            <a:avLst/>
+          </a:prstGeom>
+          <a:ln>
+            <a:prstDash val="dash"/>
+            <a:headEnd type="triangle"/>
+            <a:tailEnd type="none"/>
+          </a:ln>
+        </p:spPr>
+        <p:style>
+          <a:lnRef idx="2">
+            <a:schemeClr val="accent1"/>
+          </a:lnRef>
+          <a:fillRef idx="0">
+            <a:schemeClr val="accent1"/>
+          </a:fillRef>
+          <a:effectRef idx="1">
+            <a:schemeClr val="accent1"/>
+          </a:effectRef>
+          <a:fontRef idx="minor">
+            <a:schemeClr val="tx1"/>
+          </a:fontRef>
+        </p:style>
+      </p:cxnSp>
+      <p:cxnSp>
+        <p:nvCxnSpPr>
+          <p:cNvPr id="13" name="Straight Connector 12">
+            <a:extLst>
+              <a:ext uri="{FF2B5EF4-FFF2-40B4-BE49-F238E27FC236}">
+                <a16:creationId xmlns:a16="http://schemas.microsoft.com/office/drawing/2014/main" id="{4490B00C-ECA6-F3A0-2AD4-B887D2CCA810}"/>
+              </a:ext>
+            </a:extLst>
+          </p:cNvPr>
+          <p:cNvCxnSpPr>
+            <a:cxnSpLocks/>
+          </p:cNvCxnSpPr>
+          <p:nvPr/>
+        </p:nvCxnSpPr>
+        <p:spPr>
+          <a:xfrm>
+            <a:off x="6335735" y="4444712"/>
+            <a:ext cx="0" cy="317722"/>
+          </a:xfrm>
+          <a:prstGeom prst="line">
+            <a:avLst/>
+          </a:prstGeom>
+          <a:ln>
+            <a:prstDash val="dash"/>
+            <a:headEnd type="triangle"/>
+            <a:tailEnd type="none"/>
+          </a:ln>
+        </p:spPr>
+        <p:style>
+          <a:lnRef idx="2">
+            <a:schemeClr val="accent1"/>
+          </a:lnRef>
+          <a:fillRef idx="0">
+            <a:schemeClr val="accent1"/>
+          </a:fillRef>
+          <a:effectRef idx="1">
+            <a:schemeClr val="accent1"/>
+          </a:effectRef>
+          <a:fontRef idx="minor">
+            <a:schemeClr val="tx1"/>
+          </a:fontRef>
+        </p:style>
+      </p:cxnSp>
+      <p:cxnSp>
+        <p:nvCxnSpPr>
+          <p:cNvPr id="15" name="Straight Connector 14">
+            <a:extLst>
+              <a:ext uri="{FF2B5EF4-FFF2-40B4-BE49-F238E27FC236}">
+                <a16:creationId xmlns:a16="http://schemas.microsoft.com/office/drawing/2014/main" id="{2B8CB2B0-19AB-E9D5-35FF-8769399E1087}"/>
+              </a:ext>
+            </a:extLst>
+          </p:cNvPr>
+          <p:cNvCxnSpPr>
+            <a:cxnSpLocks/>
+          </p:cNvCxnSpPr>
+          <p:nvPr/>
+        </p:nvCxnSpPr>
+        <p:spPr>
+          <a:xfrm>
+            <a:off x="7144708" y="4458838"/>
+            <a:ext cx="0" cy="317722"/>
+          </a:xfrm>
+          <a:prstGeom prst="line">
+            <a:avLst/>
+          </a:prstGeom>
+          <a:ln>
+            <a:prstDash val="dash"/>
+            <a:headEnd type="triangle"/>
+            <a:tailEnd type="none"/>
+          </a:ln>
+        </p:spPr>
+        <p:style>
+          <a:lnRef idx="2">
+            <a:schemeClr val="accent1"/>
+          </a:lnRef>
+          <a:fillRef idx="0">
+            <a:schemeClr val="accent1"/>
+          </a:fillRef>
+          <a:effectRef idx="1">
+            <a:schemeClr val="accent1"/>
+          </a:effectRef>
+          <a:fontRef idx="minor">
+            <a:schemeClr val="tx1"/>
+          </a:fontRef>
+        </p:style>
+      </p:cxnSp>
+      <p:sp>
+        <p:nvSpPr>
+          <p:cNvPr id="17" name="TextBox 16">
+            <a:extLst>
+              <a:ext uri="{FF2B5EF4-FFF2-40B4-BE49-F238E27FC236}">
+                <a16:creationId xmlns:a16="http://schemas.microsoft.com/office/drawing/2014/main" id="{E0678356-4878-3386-E2E8-954A98E8EE76}"/>
+              </a:ext>
+            </a:extLst>
+          </p:cNvPr>
+          <p:cNvSpPr txBox="1"/>
+          <p:nvPr/>
+        </p:nvSpPr>
+        <p:spPr>
+          <a:xfrm>
+            <a:off x="6966455" y="4490822"/>
+            <a:ext cx="292068" cy="307777"/>
+          </a:xfrm>
+          <a:prstGeom prst="rect">
+            <a:avLst/>
+          </a:prstGeom>
+          <a:noFill/>
+        </p:spPr>
+        <p:txBody>
+          <a:bodyPr wrap="none" rtlCol="0">
+            <a:spAutoFit/>
+          </a:bodyPr>
+          <a:lstStyle/>
+          <a:p>
+            <a:r>
+              <a:rPr lang="en-US" sz="1400" b="1" dirty="0">
+                <a:solidFill>
+                  <a:srgbClr val="C00000"/>
+                </a:solidFill>
+              </a:rPr>
+              <a:t>X</a:t>
+            </a:r>
+          </a:p>
+        </p:txBody>
+      </p:sp>
+      <p:sp>
+        <p:nvSpPr>
+          <p:cNvPr id="21" name="TextBox 20">
+            <a:extLst>
+              <a:ext uri="{FF2B5EF4-FFF2-40B4-BE49-F238E27FC236}">
+                <a16:creationId xmlns:a16="http://schemas.microsoft.com/office/drawing/2014/main" id="{035FBBED-07FA-016F-C1E7-97EC52AA61CF}"/>
+              </a:ext>
+            </a:extLst>
+          </p:cNvPr>
+          <p:cNvSpPr txBox="1"/>
+          <p:nvPr/>
+        </p:nvSpPr>
+        <p:spPr>
+          <a:xfrm>
+            <a:off x="6149681" y="4470238"/>
+            <a:ext cx="292068" cy="307777"/>
+          </a:xfrm>
+          <a:prstGeom prst="rect">
+            <a:avLst/>
+          </a:prstGeom>
+          <a:noFill/>
+        </p:spPr>
+        <p:txBody>
+          <a:bodyPr wrap="none" rtlCol="0">
+            <a:spAutoFit/>
+          </a:bodyPr>
+          <a:lstStyle/>
+          <a:p>
+            <a:r>
+              <a:rPr lang="en-US" sz="1400" b="1" dirty="0">
+                <a:solidFill>
+                  <a:srgbClr val="C00000"/>
+                </a:solidFill>
+              </a:rPr>
+              <a:t>X</a:t>
+            </a:r>
+          </a:p>
+        </p:txBody>
+      </p:sp>
+      <p:cxnSp>
+        <p:nvCxnSpPr>
+          <p:cNvPr id="22" name="Straight Connector 21">
+            <a:extLst>
+              <a:ext uri="{FF2B5EF4-FFF2-40B4-BE49-F238E27FC236}">
+                <a16:creationId xmlns:a16="http://schemas.microsoft.com/office/drawing/2014/main" id="{B86400CE-CCE8-5FC5-3091-90A21E64EEEB}"/>
+              </a:ext>
+            </a:extLst>
+          </p:cNvPr>
+          <p:cNvCxnSpPr>
+            <a:cxnSpLocks/>
+          </p:cNvCxnSpPr>
+          <p:nvPr/>
+        </p:nvCxnSpPr>
+        <p:spPr>
+          <a:xfrm>
+            <a:off x="5436669" y="4470238"/>
+            <a:ext cx="0" cy="277328"/>
+          </a:xfrm>
+          <a:prstGeom prst="line">
+            <a:avLst/>
+          </a:prstGeom>
+          <a:ln>
+            <a:prstDash val="dash"/>
+            <a:headEnd type="triangle"/>
+            <a:tailEnd type="none"/>
+          </a:ln>
+        </p:spPr>
+        <p:style>
+          <a:lnRef idx="2">
+            <a:schemeClr val="accent1"/>
+          </a:lnRef>
+          <a:fillRef idx="0">
+            <a:schemeClr val="accent1"/>
+          </a:fillRef>
+          <a:effectRef idx="1">
+            <a:schemeClr val="accent1"/>
+          </a:effectRef>
+          <a:fontRef idx="minor">
+            <a:schemeClr val="tx1"/>
+          </a:fontRef>
+        </p:style>
+      </p:cxnSp>
+      <p:cxnSp>
+        <p:nvCxnSpPr>
+          <p:cNvPr id="24" name="Straight Connector 23">
+            <a:extLst>
+              <a:ext uri="{FF2B5EF4-FFF2-40B4-BE49-F238E27FC236}">
+                <a16:creationId xmlns:a16="http://schemas.microsoft.com/office/drawing/2014/main" id="{24047EB7-F7F0-1548-70BB-9A0EED1D53FF}"/>
+              </a:ext>
+            </a:extLst>
+          </p:cNvPr>
+          <p:cNvCxnSpPr>
+            <a:cxnSpLocks/>
+          </p:cNvCxnSpPr>
+          <p:nvPr/>
+        </p:nvCxnSpPr>
+        <p:spPr>
+          <a:xfrm>
+            <a:off x="5562174" y="4477940"/>
+            <a:ext cx="0" cy="277328"/>
+          </a:xfrm>
+          <a:prstGeom prst="line">
+            <a:avLst/>
+          </a:prstGeom>
+          <a:ln>
+            <a:prstDash val="dash"/>
+            <a:headEnd type="triangle"/>
+            <a:tailEnd type="none"/>
+          </a:ln>
+        </p:spPr>
+        <p:style>
+          <a:lnRef idx="2">
+            <a:schemeClr val="accent1"/>
+          </a:lnRef>
+          <a:fillRef idx="0">
+            <a:schemeClr val="accent1"/>
+          </a:fillRef>
+          <a:effectRef idx="1">
+            <a:schemeClr val="accent1"/>
+          </a:effectRef>
+          <a:fontRef idx="minor">
+            <a:schemeClr val="tx1"/>
+          </a:fontRef>
+        </p:style>
+      </p:cxnSp>
+      <p:sp>
+        <p:nvSpPr>
+          <p:cNvPr id="26" name="Rounded Rectangle 25">
+            <a:extLst>
+              <a:ext uri="{FF2B5EF4-FFF2-40B4-BE49-F238E27FC236}">
+                <a16:creationId xmlns:a16="http://schemas.microsoft.com/office/drawing/2014/main" id="{12455343-DA35-E6D5-433C-BCB7414CAC40}"/>
+              </a:ext>
+            </a:extLst>
+          </p:cNvPr>
+          <p:cNvSpPr/>
+          <p:nvPr/>
+        </p:nvSpPr>
+        <p:spPr>
+          <a:xfrm>
+            <a:off x="4870387" y="3706850"/>
+            <a:ext cx="2681676" cy="255722"/>
+          </a:xfrm>
+          <a:prstGeom prst="roundRect">
+            <a:avLst/>
+          </a:prstGeom>
+        </p:spPr>
+        <p:style>
+          <a:lnRef idx="2">
+            <a:schemeClr val="accent6"/>
+          </a:lnRef>
+          <a:fillRef idx="1">
+            <a:schemeClr val="lt1"/>
+          </a:fillRef>
+          <a:effectRef idx="0">
+            <a:schemeClr val="accent6"/>
+          </a:effectRef>
+          <a:fontRef idx="minor">
+            <a:schemeClr val="dk1"/>
+          </a:fontRef>
+        </p:style>
+        <p:txBody>
+          <a:bodyPr rtlCol="0" anchor="ctr"/>
+          <a:lstStyle/>
+          <a:p>
+            <a:pPr algn="ctr"/>
+            <a:r>
+              <a:rPr lang="en-US" sz="1400" dirty="0"/>
+              <a:t>Linux Network Stack</a:t>
+            </a:r>
+          </a:p>
+        </p:txBody>
+      </p:sp>
+      <p:cxnSp>
+        <p:nvCxnSpPr>
+          <p:cNvPr id="30" name="Straight Connector 29">
+            <a:extLst>
+              <a:ext uri="{FF2B5EF4-FFF2-40B4-BE49-F238E27FC236}">
+                <a16:creationId xmlns:a16="http://schemas.microsoft.com/office/drawing/2014/main" id="{DDB3E96D-B390-A488-B452-836F6F13528E}"/>
+              </a:ext>
+            </a:extLst>
+          </p:cNvPr>
+          <p:cNvCxnSpPr>
+            <a:cxnSpLocks/>
+            <a:endCxn id="27" idx="0"/>
+          </p:cNvCxnSpPr>
+          <p:nvPr/>
+        </p:nvCxnSpPr>
+        <p:spPr>
+          <a:xfrm>
+            <a:off x="5374232" y="3939138"/>
+            <a:ext cx="0" cy="228038"/>
+          </a:xfrm>
+          <a:prstGeom prst="line">
+            <a:avLst/>
+          </a:prstGeom>
+          <a:ln w="44450">
+            <a:prstDash val="solid"/>
+            <a:headEnd type="triangle"/>
+            <a:tailEnd type="none"/>
+          </a:ln>
+        </p:spPr>
+        <p:style>
+          <a:lnRef idx="2">
+            <a:schemeClr val="accent1"/>
+          </a:lnRef>
+          <a:fillRef idx="0">
+            <a:schemeClr val="accent1"/>
+          </a:fillRef>
+          <a:effectRef idx="1">
+            <a:schemeClr val="accent1"/>
+          </a:effectRef>
+          <a:fontRef idx="minor">
+            <a:schemeClr val="tx1"/>
+          </a:fontRef>
+        </p:style>
+      </p:cxnSp>
+      <p:sp>
+        <p:nvSpPr>
+          <p:cNvPr id="37" name="TextBox 36">
+            <a:extLst>
+              <a:ext uri="{FF2B5EF4-FFF2-40B4-BE49-F238E27FC236}">
+                <a16:creationId xmlns:a16="http://schemas.microsoft.com/office/drawing/2014/main" id="{538CB8A5-D402-9640-E3D4-116758D76AEB}"/>
+              </a:ext>
+            </a:extLst>
+          </p:cNvPr>
+          <p:cNvSpPr txBox="1"/>
+          <p:nvPr/>
+        </p:nvSpPr>
+        <p:spPr>
+          <a:xfrm>
+            <a:off x="6632664" y="4187373"/>
+            <a:ext cx="332142" cy="307777"/>
+          </a:xfrm>
+          <a:prstGeom prst="rect">
+            <a:avLst/>
+          </a:prstGeom>
+          <a:noFill/>
+        </p:spPr>
+        <p:txBody>
+          <a:bodyPr wrap="none" rtlCol="0">
+            <a:spAutoFit/>
+          </a:bodyPr>
+          <a:lstStyle/>
+          <a:p>
+            <a:r>
+              <a:rPr lang="en-US" sz="1400" dirty="0"/>
+              <a:t>…</a:t>
+            </a:r>
+          </a:p>
+        </p:txBody>
+      </p:sp>
+    </p:spTree>
+    <p:extLst>
+      <p:ext uri="{BB962C8B-B14F-4D97-AF65-F5344CB8AC3E}">
+        <p14:creationId xmlns:p14="http://schemas.microsoft.com/office/powerpoint/2010/main" val="2882161948"/>
+      </p:ext>
+    </p:extLst>
+  </p:cSld>
+  <p:clrMapOvr>
+    <a:masterClrMapping/>
+  </p:clrMapOvr>
+</p:sld>
+</file>
+
+<file path=ppt/slides/slide6.xml><?xml version="1.0" encoding="utf-8"?>
 <p:sld xmlns:a="http://schemas.openxmlformats.org/drawingml/2006/main" xmlns:r="http://schemas.openxmlformats.org/officeDocument/2006/relationships" xmlns:p="http://schemas.openxmlformats.org/presentationml/2006/main">
   <p:cSld>
     <p:spTree>

--- a/netdevconf0x18-sharedmem.pptx
+++ b/netdevconf0x18-sharedmem.pptx
@@ -34073,8 +34073,8 @@
         </p:nvSpPr>
         <p:spPr>
           <a:xfrm>
-            <a:off x="3161907" y="1391174"/>
-            <a:ext cx="2546914" cy="1870812"/>
+            <a:off x="3161907" y="1826303"/>
+            <a:ext cx="2546914" cy="1618560"/>
           </a:xfrm>
           <a:prstGeom prst="rect">
             <a:avLst/>
@@ -34366,7 +34366,7 @@
         </p:nvSpPr>
         <p:spPr>
           <a:xfrm>
-            <a:off x="3553064" y="2710486"/>
+            <a:off x="3553064" y="2893363"/>
             <a:ext cx="717332" cy="291662"/>
           </a:xfrm>
           <a:prstGeom prst="roundRect">
@@ -34413,7 +34413,7 @@
         </p:nvSpPr>
         <p:spPr>
           <a:xfrm>
-            <a:off x="4629311" y="2710486"/>
+            <a:off x="4629311" y="2893363"/>
             <a:ext cx="717332" cy="291662"/>
           </a:xfrm>
           <a:prstGeom prst="roundRect">
@@ -34460,7 +34460,7 @@
         </p:nvSpPr>
         <p:spPr>
           <a:xfrm>
-            <a:off x="3274541" y="1739594"/>
+            <a:off x="3274541" y="1922471"/>
             <a:ext cx="1147757" cy="970892"/>
           </a:xfrm>
           <a:prstGeom prst="roundRect">
@@ -34510,8 +34510,8 @@
         </p:nvCxnSpPr>
         <p:spPr>
           <a:xfrm flipV="1">
-            <a:off x="3901224" y="3002148"/>
-            <a:ext cx="10506" cy="1095703"/>
+            <a:off x="3901224" y="3185025"/>
+            <a:ext cx="10506" cy="912826"/>
           </a:xfrm>
           <a:prstGeom prst="line">
             <a:avLst/>
@@ -34596,8 +34596,8 @@
         </p:nvCxnSpPr>
         <p:spPr>
           <a:xfrm flipV="1">
-            <a:off x="4970652" y="3002148"/>
-            <a:ext cx="17325" cy="1090447"/>
+            <a:off x="4970652" y="3185025"/>
+            <a:ext cx="17325" cy="907570"/>
           </a:xfrm>
           <a:prstGeom prst="line">
             <a:avLst/>
@@ -34636,7 +34636,7 @@
         </p:nvSpPr>
         <p:spPr>
           <a:xfrm>
-            <a:off x="4474567" y="1728896"/>
+            <a:off x="4474567" y="1911773"/>
             <a:ext cx="1147757" cy="970892"/>
           </a:xfrm>
           <a:prstGeom prst="roundRect">
@@ -34718,7 +34718,7 @@
         </p:nvSpPr>
         <p:spPr>
           <a:xfrm>
-            <a:off x="5110758" y="2985216"/>
+            <a:off x="5110758" y="3168093"/>
             <a:ext cx="608243" cy="338554"/>
           </a:xfrm>
           <a:prstGeom prst="rect">
@@ -35249,7 +35249,7 @@
         </p:nvCxnSpPr>
         <p:spPr>
           <a:xfrm flipH="1">
-            <a:off x="6196061" y="1531630"/>
+            <a:off x="6025791" y="1922626"/>
             <a:ext cx="574239" cy="0"/>
           </a:xfrm>
           <a:prstGeom prst="line">
@@ -35291,7 +35291,7 @@
         </p:nvCxnSpPr>
         <p:spPr>
           <a:xfrm flipH="1">
-            <a:off x="6196061" y="1813178"/>
+            <a:off x="6025791" y="2204174"/>
             <a:ext cx="574239" cy="0"/>
           </a:xfrm>
           <a:prstGeom prst="line">
@@ -35332,7 +35332,7 @@
         </p:nvSpPr>
         <p:spPr>
           <a:xfrm>
-            <a:off x="6794481" y="1359172"/>
+            <a:off x="6624211" y="1750168"/>
             <a:ext cx="1084977" cy="584775"/>
           </a:xfrm>
           <a:prstGeom prst="rect">
@@ -36360,8 +36360,8 @@
         </p:nvSpPr>
         <p:spPr>
           <a:xfrm>
-            <a:off x="6046881" y="4178576"/>
-            <a:ext cx="602210" cy="291662"/>
+            <a:off x="5991973" y="4178576"/>
+            <a:ext cx="657118" cy="291662"/>
           </a:xfrm>
           <a:prstGeom prst="roundRect">
             <a:avLst/>
@@ -36388,7 +36388,7 @@
             <a:pPr algn="ctr"/>
             <a:r>
               <a:rPr lang="en-US" sz="1400" dirty="0"/>
-              <a:t>rep1</a:t>
+              <a:t>repr1</a:t>
             </a:r>
           </a:p>
         </p:txBody>
@@ -36434,8 +36434,12 @@
           <a:p>
             <a:pPr algn="ctr"/>
             <a:r>
+              <a:rPr lang="en-US" sz="1400" dirty="0" err="1"/>
+              <a:t>repr</a:t>
+            </a:r>
+            <a:r>
               <a:rPr lang="en-US" sz="1400" dirty="0"/>
-              <a:t>rep-N</a:t>
+              <a:t>-N</a:t>
             </a:r>
           </a:p>
         </p:txBody>
@@ -38105,10 +38109,10 @@
         </p:nvGrpSpPr>
         <p:grpSpPr>
           <a:xfrm>
-            <a:off x="8007104" y="2176589"/>
-            <a:ext cx="1604362" cy="276999"/>
+            <a:off x="7743861" y="2300903"/>
+            <a:ext cx="1392894" cy="246221"/>
             <a:chOff x="10094651" y="2695411"/>
-            <a:chExt cx="1604362" cy="276999"/>
+            <a:chExt cx="1392894" cy="246221"/>
           </a:xfrm>
         </p:grpSpPr>
         <p:sp>
@@ -38196,7 +38200,7 @@
           <p:spPr>
             <a:xfrm>
               <a:off x="10235279" y="2695411"/>
-              <a:ext cx="1463734" cy="276999"/>
+              <a:ext cx="1252266" cy="246221"/>
             </a:xfrm>
             <a:prstGeom prst="rect">
               <a:avLst/>
@@ -38210,7 +38214,7 @@
             <a:lstStyle/>
             <a:p>
               <a:r>
-                <a:rPr lang="en-US" sz="1200" dirty="0"/>
+                <a:rPr lang="en-US" sz="1000" dirty="0"/>
                 <a:t>No buffer allocated</a:t>
               </a:r>
             </a:p>
@@ -38231,10 +38235,10 @@
         </p:nvGrpSpPr>
         <p:grpSpPr>
           <a:xfrm>
-            <a:off x="6457990" y="2176588"/>
-            <a:ext cx="1366007" cy="276999"/>
+            <a:off x="6452935" y="2300903"/>
+            <a:ext cx="1193011" cy="246221"/>
             <a:chOff x="10120455" y="3068727"/>
-            <a:chExt cx="1366007" cy="276999"/>
+            <a:chExt cx="1193011" cy="246221"/>
           </a:xfrm>
         </p:grpSpPr>
         <p:sp>
@@ -38327,7 +38331,7 @@
           <p:spPr>
             <a:xfrm>
               <a:off x="10242339" y="3068727"/>
-              <a:ext cx="1244123" cy="276999"/>
+              <a:ext cx="1071127" cy="246221"/>
             </a:xfrm>
             <a:prstGeom prst="rect">
               <a:avLst/>
@@ -38341,7 +38345,7 @@
             <a:lstStyle/>
             <a:p>
               <a:r>
-                <a:rPr lang="en-US" sz="1200" dirty="0"/>
+                <a:rPr lang="en-US" sz="1000" dirty="0"/>
                 <a:t>Buffer allocated</a:t>
               </a:r>
             </a:p>

--- a/netdevconf0x18-sharedmem.pptx
+++ b/netdevconf0x18-sharedmem.pptx
@@ -10,13 +10,13 @@
   </p:notesMasterIdLst>
   <p:sldIdLst>
     <p:sldId id="256" r:id="rId3"/>
-    <p:sldId id="257" r:id="rId4"/>
-    <p:sldId id="258" r:id="rId5"/>
-    <p:sldId id="259" r:id="rId6"/>
-    <p:sldId id="261" r:id="rId7"/>
-    <p:sldId id="260" r:id="rId8"/>
-    <p:sldId id="550145305" r:id="rId9"/>
-    <p:sldId id="550145277" r:id="rId10"/>
+    <p:sldId id="258" r:id="rId4"/>
+    <p:sldId id="259" r:id="rId5"/>
+    <p:sldId id="261" r:id="rId6"/>
+    <p:sldId id="260" r:id="rId7"/>
+    <p:sldId id="550145305" r:id="rId8"/>
+    <p:sldId id="550145277" r:id="rId9"/>
+    <p:sldId id="550145306" r:id="rId10"/>
     <p:sldId id="262" r:id="rId11"/>
   </p:sldIdLst>
   <p:sldSz cx="12192000" cy="6858000"/>
@@ -206,7 +206,7 @@
           <a:p>
             <a:fld id="{97ACDE5B-5D5B-F84E-88C8-D6BC282A347E}" type="datetimeFigureOut">
               <a:rPr lang="en-US" smtClean="0"/>
-              <a:t>7/1/24</a:t>
+              <a:t>7/9/24</a:t>
             </a:fld>
             <a:endParaRPr lang="en-US"/>
           </a:p>
@@ -626,7 +626,7 @@
                 <a:tabLst/>
                 <a:defRPr/>
               </a:pPr>
-              <a:t>7</a:t>
+              <a:t>6</a:t>
             </a:fld>
             <a:endParaRPr kumimoji="0" lang="en-US" sz="1200" b="0" i="0" u="none" strike="noStrike" kern="1200" cap="none" spc="0" normalizeH="0" baseline="0" noProof="0">
               <a:ln>
@@ -863,7 +863,7 @@
                 <a:tabLst/>
                 <a:defRPr/>
               </a:pPr>
-              <a:t>8</a:t>
+              <a:t>7</a:t>
             </a:fld>
             <a:endParaRPr kumimoji="0" lang="en-US" sz="1200" b="0" i="0" u="none" strike="noStrike" kern="1200" cap="none" spc="0" normalizeH="0" baseline="0" noProof="0">
               <a:ln>
@@ -1042,7 +1042,7 @@
           <a:p>
             <a:fld id="{1E7953D9-2557-2445-9A3D-2952E9A21483}" type="datetimeFigureOut">
               <a:rPr lang="en-US" smtClean="0"/>
-              <a:t>7/1/24</a:t>
+              <a:t>7/9/24</a:t>
             </a:fld>
             <a:endParaRPr lang="en-US"/>
           </a:p>
@@ -1240,7 +1240,7 @@
           <a:p>
             <a:fld id="{1E7953D9-2557-2445-9A3D-2952E9A21483}" type="datetimeFigureOut">
               <a:rPr lang="en-US" smtClean="0"/>
-              <a:t>7/1/24</a:t>
+              <a:t>7/9/24</a:t>
             </a:fld>
             <a:endParaRPr lang="en-US"/>
           </a:p>
@@ -1448,7 +1448,7 @@
           <a:p>
             <a:fld id="{1E7953D9-2557-2445-9A3D-2952E9A21483}" type="datetimeFigureOut">
               <a:rPr lang="en-US" smtClean="0"/>
-              <a:t>7/1/24</a:t>
+              <a:t>7/9/24</a:t>
             </a:fld>
             <a:endParaRPr lang="en-US"/>
           </a:p>
@@ -1747,7 +1747,7 @@
     <mc:Choice Requires="p14">
       <p:transition p14:dur="10"/>
     </mc:Choice>
-    <mc:Fallback xmlns:a16="http://schemas.microsoft.com/office/drawing/2014/main" xmlns:a14="http://schemas.microsoft.com/office/drawing/2010/main" xmlns="">
+    <mc:Fallback xmlns="" xmlns:a14="http://schemas.microsoft.com/office/drawing/2010/main" xmlns:a16="http://schemas.microsoft.com/office/drawing/2014/main">
       <p:transition/>
     </mc:Fallback>
   </mc:AlternateContent>
@@ -2041,7 +2041,7 @@
     <mc:Choice Requires="p14">
       <p:transition p14:dur="10"/>
     </mc:Choice>
-    <mc:Fallback xmlns:a16="http://schemas.microsoft.com/office/drawing/2014/main" xmlns="">
+    <mc:Fallback xmlns="" xmlns:a16="http://schemas.microsoft.com/office/drawing/2014/main">
       <p:transition/>
     </mc:Fallback>
   </mc:AlternateContent>
@@ -2643,7 +2643,7 @@
     <mc:Choice Requires="p14">
       <p:transition p14:dur="10"/>
     </mc:Choice>
-    <mc:Fallback xmlns:a16="http://schemas.microsoft.com/office/drawing/2014/main" xmlns="">
+    <mc:Fallback xmlns="" xmlns:a16="http://schemas.microsoft.com/office/drawing/2014/main">
       <p:transition/>
     </mc:Fallback>
   </mc:AlternateContent>
@@ -2801,7 +2801,7 @@
     <mc:Choice Requires="p14">
       <p:transition p14:dur="10"/>
     </mc:Choice>
-    <mc:Fallback xmlns:a16="http://schemas.microsoft.com/office/drawing/2014/main" xmlns="">
+    <mc:Fallback xmlns="" xmlns:a16="http://schemas.microsoft.com/office/drawing/2014/main">
       <p:transition/>
     </mc:Fallback>
   </mc:AlternateContent>
@@ -3136,7 +3136,7 @@
     <mc:Choice Requires="p14">
       <p:transition p14:dur="10"/>
     </mc:Choice>
-    <mc:Fallback xmlns:a16="http://schemas.microsoft.com/office/drawing/2014/main" xmlns="">
+    <mc:Fallback xmlns="" xmlns:a16="http://schemas.microsoft.com/office/drawing/2014/main">
       <p:transition/>
     </mc:Fallback>
   </mc:AlternateContent>
@@ -3439,7 +3439,7 @@
     <mc:Choice Requires="p14">
       <p:transition p14:dur="10"/>
     </mc:Choice>
-    <mc:Fallback xmlns:a16="http://schemas.microsoft.com/office/drawing/2014/main" xmlns="">
+    <mc:Fallback xmlns="" xmlns:a16="http://schemas.microsoft.com/office/drawing/2014/main">
       <p:transition/>
     </mc:Fallback>
   </mc:AlternateContent>
@@ -3783,7 +3783,7 @@
     <mc:Choice Requires="p14">
       <p:transition p14:dur="10"/>
     </mc:Choice>
-    <mc:Fallback xmlns:a16="http://schemas.microsoft.com/office/drawing/2014/main" xmlns="">
+    <mc:Fallback xmlns="" xmlns:a16="http://schemas.microsoft.com/office/drawing/2014/main">
       <p:transition/>
     </mc:Fallback>
   </mc:AlternateContent>
@@ -4213,7 +4213,7 @@
     <mc:Choice Requires="p14">
       <p:transition p14:dur="10"/>
     </mc:Choice>
-    <mc:Fallback xmlns:a16="http://schemas.microsoft.com/office/drawing/2014/main" xmlns="">
+    <mc:Fallback xmlns="" xmlns:a16="http://schemas.microsoft.com/office/drawing/2014/main">
       <p:transition/>
     </mc:Fallback>
   </mc:AlternateContent>
@@ -4345,7 +4345,7 @@
           <a:p>
             <a:fld id="{1E7953D9-2557-2445-9A3D-2952E9A21483}" type="datetimeFigureOut">
               <a:rPr lang="en-US" smtClean="0"/>
-              <a:t>7/1/24</a:t>
+              <a:t>7/9/24</a:t>
             </a:fld>
             <a:endParaRPr lang="en-US"/>
           </a:p>
@@ -4882,7 +4882,7 @@
     <mc:Choice Requires="p14">
       <p:transition p14:dur="10"/>
     </mc:Choice>
-    <mc:Fallback xmlns:a16="http://schemas.microsoft.com/office/drawing/2014/main" xmlns="">
+    <mc:Fallback xmlns="" xmlns:a16="http://schemas.microsoft.com/office/drawing/2014/main">
       <p:transition/>
     </mc:Fallback>
   </mc:AlternateContent>
@@ -5289,7 +5289,7 @@
     <mc:Choice Requires="p14">
       <p:transition p14:dur="10"/>
     </mc:Choice>
-    <mc:Fallback xmlns:a16="http://schemas.microsoft.com/office/drawing/2014/main" xmlns="">
+    <mc:Fallback xmlns="" xmlns:a16="http://schemas.microsoft.com/office/drawing/2014/main">
       <p:transition/>
     </mc:Fallback>
   </mc:AlternateContent>
@@ -5613,7 +5613,7 @@
     <mc:Choice Requires="p14">
       <p:transition p14:dur="10"/>
     </mc:Choice>
-    <mc:Fallback xmlns:a16="http://schemas.microsoft.com/office/drawing/2014/main" xmlns="">
+    <mc:Fallback xmlns="" xmlns:a16="http://schemas.microsoft.com/office/drawing/2014/main">
       <p:transition/>
     </mc:Fallback>
   </mc:AlternateContent>
@@ -6199,7 +6199,7 @@
     <mc:Choice Requires="p14">
       <p:transition p14:dur="10"/>
     </mc:Choice>
-    <mc:Fallback xmlns:a16="http://schemas.microsoft.com/office/drawing/2014/main" xmlns:a14="http://schemas.microsoft.com/office/drawing/2010/main" xmlns="">
+    <mc:Fallback xmlns="" xmlns:a14="http://schemas.microsoft.com/office/drawing/2010/main" xmlns:a16="http://schemas.microsoft.com/office/drawing/2014/main">
       <p:transition/>
     </mc:Fallback>
   </mc:AlternateContent>
@@ -6785,7 +6785,7 @@
     <mc:Choice Requires="p14">
       <p:transition p14:dur="10"/>
     </mc:Choice>
-    <mc:Fallback xmlns:a16="http://schemas.microsoft.com/office/drawing/2014/main" xmlns:a14="http://schemas.microsoft.com/office/drawing/2010/main" xmlns="">
+    <mc:Fallback xmlns="" xmlns:a14="http://schemas.microsoft.com/office/drawing/2010/main" xmlns:a16="http://schemas.microsoft.com/office/drawing/2014/main">
       <p:transition/>
     </mc:Fallback>
   </mc:AlternateContent>
@@ -7288,7 +7288,7 @@
     <mc:Choice Requires="p14">
       <p:transition p14:dur="10"/>
     </mc:Choice>
-    <mc:Fallback xmlns:a16="http://schemas.microsoft.com/office/drawing/2014/main" xmlns:a14="http://schemas.microsoft.com/office/drawing/2010/main" xmlns="">
+    <mc:Fallback xmlns="" xmlns:a14="http://schemas.microsoft.com/office/drawing/2010/main" xmlns:a16="http://schemas.microsoft.com/office/drawing/2014/main">
       <p:transition/>
     </mc:Fallback>
   </mc:AlternateContent>
@@ -7612,7 +7612,7 @@
     <mc:Choice Requires="p14">
       <p:transition p14:dur="10"/>
     </mc:Choice>
-    <mc:Fallback xmlns:a16="http://schemas.microsoft.com/office/drawing/2014/main" xmlns:a14="http://schemas.microsoft.com/office/drawing/2010/main" xmlns="">
+    <mc:Fallback xmlns="" xmlns:a14="http://schemas.microsoft.com/office/drawing/2010/main" xmlns:a16="http://schemas.microsoft.com/office/drawing/2014/main">
       <p:transition/>
     </mc:Fallback>
   </mc:AlternateContent>
@@ -8019,7 +8019,7 @@
     <mc:Choice Requires="p14">
       <p:transition p14:dur="10"/>
     </mc:Choice>
-    <mc:Fallback xmlns:a16="http://schemas.microsoft.com/office/drawing/2014/main" xmlns:a14="http://schemas.microsoft.com/office/drawing/2010/main" xmlns="">
+    <mc:Fallback xmlns="" xmlns:a14="http://schemas.microsoft.com/office/drawing/2010/main" xmlns:a16="http://schemas.microsoft.com/office/drawing/2014/main">
       <p:transition/>
     </mc:Fallback>
   </mc:AlternateContent>
@@ -8420,7 +8420,7 @@
     <mc:Choice Requires="p14">
       <p:transition p14:dur="10"/>
     </mc:Choice>
-    <mc:Fallback xmlns:a16="http://schemas.microsoft.com/office/drawing/2014/main" xmlns="">
+    <mc:Fallback xmlns="" xmlns:a16="http://schemas.microsoft.com/office/drawing/2014/main">
       <p:transition/>
     </mc:Fallback>
   </mc:AlternateContent>
@@ -8957,7 +8957,7 @@
     <mc:Choice Requires="p14">
       <p:transition p14:dur="10"/>
     </mc:Choice>
-    <mc:Fallback xmlns:a16="http://schemas.microsoft.com/office/drawing/2014/main" xmlns="">
+    <mc:Fallback xmlns="" xmlns:a16="http://schemas.microsoft.com/office/drawing/2014/main">
       <p:transition/>
     </mc:Fallback>
   </mc:AlternateContent>
@@ -9166,7 +9166,7 @@
           <a:p>
             <a:fld id="{1E7953D9-2557-2445-9A3D-2952E9A21483}" type="datetimeFigureOut">
               <a:rPr lang="en-US" smtClean="0"/>
-              <a:t>7/1/24</a:t>
+              <a:t>7/9/24</a:t>
             </a:fld>
             <a:endParaRPr lang="en-US"/>
           </a:p>
@@ -9876,7 +9876,7 @@
     <mc:Choice Requires="p14">
       <p:transition p14:dur="10"/>
     </mc:Choice>
-    <mc:Fallback xmlns:a16="http://schemas.microsoft.com/office/drawing/2014/main" xmlns="">
+    <mc:Fallback xmlns="" xmlns:a16="http://schemas.microsoft.com/office/drawing/2014/main">
       <p:transition/>
     </mc:Fallback>
   </mc:AlternateContent>
@@ -10792,7 +10792,7 @@
     <mc:Choice Requires="p14">
       <p:transition p14:dur="10"/>
     </mc:Choice>
-    <mc:Fallback xmlns:a16="http://schemas.microsoft.com/office/drawing/2014/main" xmlns="">
+    <mc:Fallback xmlns="" xmlns:a16="http://schemas.microsoft.com/office/drawing/2014/main">
       <p:transition/>
     </mc:Fallback>
   </mc:AlternateContent>
@@ -11679,7 +11679,7 @@
     <mc:Choice Requires="p14">
       <p:transition p14:dur="10"/>
     </mc:Choice>
-    <mc:Fallback xmlns:a16="http://schemas.microsoft.com/office/drawing/2014/main" xmlns="">
+    <mc:Fallback xmlns="" xmlns:a16="http://schemas.microsoft.com/office/drawing/2014/main">
       <p:transition/>
     </mc:Fallback>
   </mc:AlternateContent>
@@ -12813,7 +12813,7 @@
     <mc:Choice Requires="p14">
       <p:transition p14:dur="10"/>
     </mc:Choice>
-    <mc:Fallback xmlns:a16="http://schemas.microsoft.com/office/drawing/2014/main" xmlns="">
+    <mc:Fallback xmlns="" xmlns:a16="http://schemas.microsoft.com/office/drawing/2014/main">
       <p:transition/>
     </mc:Fallback>
   </mc:AlternateContent>
@@ -14188,7 +14188,7 @@
     <mc:Choice Requires="p14">
       <p:transition p14:dur="10"/>
     </mc:Choice>
-    <mc:Fallback xmlns:a16="http://schemas.microsoft.com/office/drawing/2014/main" xmlns="">
+    <mc:Fallback xmlns="" xmlns:a16="http://schemas.microsoft.com/office/drawing/2014/main">
       <p:transition/>
     </mc:Fallback>
   </mc:AlternateContent>
@@ -15804,7 +15804,7 @@
     <mc:Choice Requires="p14">
       <p:transition p14:dur="10"/>
     </mc:Choice>
-    <mc:Fallback xmlns:a16="http://schemas.microsoft.com/office/drawing/2014/main" xmlns="">
+    <mc:Fallback xmlns="" xmlns:a16="http://schemas.microsoft.com/office/drawing/2014/main">
       <p:transition/>
     </mc:Fallback>
   </mc:AlternateContent>
@@ -17663,7 +17663,7 @@
     <mc:Choice Requires="p14">
       <p:transition p14:dur="10"/>
     </mc:Choice>
-    <mc:Fallback xmlns:a16="http://schemas.microsoft.com/office/drawing/2014/main" xmlns="">
+    <mc:Fallback xmlns="" xmlns:a16="http://schemas.microsoft.com/office/drawing/2014/main">
       <p:transition/>
     </mc:Fallback>
   </mc:AlternateContent>
@@ -19765,7 +19765,7 @@
     <mc:Choice Requires="p14">
       <p:transition p14:dur="10"/>
     </mc:Choice>
-    <mc:Fallback xmlns:a16="http://schemas.microsoft.com/office/drawing/2014/main" xmlns="">
+    <mc:Fallback xmlns="" xmlns:a16="http://schemas.microsoft.com/office/drawing/2014/main">
       <p:transition/>
     </mc:Fallback>
   </mc:AlternateContent>
@@ -22110,7 +22110,7 @@
     <mc:Choice Requires="p14">
       <p:transition p14:dur="10"/>
     </mc:Choice>
-    <mc:Fallback xmlns:a16="http://schemas.microsoft.com/office/drawing/2014/main" xmlns="">
+    <mc:Fallback xmlns="" xmlns:a16="http://schemas.microsoft.com/office/drawing/2014/main">
       <p:transition/>
     </mc:Fallback>
   </mc:AlternateContent>
@@ -24698,7 +24698,7 @@
     <mc:Choice Requires="p14">
       <p:transition p14:dur="10"/>
     </mc:Choice>
-    <mc:Fallback xmlns:a16="http://schemas.microsoft.com/office/drawing/2014/main" xmlns="">
+    <mc:Fallback xmlns="" xmlns:a16="http://schemas.microsoft.com/office/drawing/2014/main">
       <p:transition/>
     </mc:Fallback>
   </mc:AlternateContent>
@@ -24897,7 +24897,7 @@
           <a:p>
             <a:fld id="{1E7953D9-2557-2445-9A3D-2952E9A21483}" type="datetimeFigureOut">
               <a:rPr lang="en-US" smtClean="0"/>
-              <a:t>7/1/24</a:t>
+              <a:t>7/9/24</a:t>
             </a:fld>
             <a:endParaRPr lang="en-US"/>
           </a:p>
@@ -25092,7 +25092,7 @@
     <mc:Choice Requires="p14">
       <p:transition p14:dur="10"/>
     </mc:Choice>
-    <mc:Fallback xmlns:a16="http://schemas.microsoft.com/office/drawing/2014/main" xmlns:a14="http://schemas.microsoft.com/office/drawing/2010/main" xmlns="">
+    <mc:Fallback xmlns="" xmlns:a14="http://schemas.microsoft.com/office/drawing/2010/main" xmlns:a16="http://schemas.microsoft.com/office/drawing/2014/main">
       <p:transition/>
     </mc:Fallback>
   </mc:AlternateContent>
@@ -25221,7 +25221,7 @@
     <mc:Choice Requires="p14">
       <p:transition p14:dur="10"/>
     </mc:Choice>
-    <mc:Fallback xmlns:a16="http://schemas.microsoft.com/office/drawing/2014/main" xmlns:a14="http://schemas.microsoft.com/office/drawing/2010/main" xmlns="">
+    <mc:Fallback xmlns="" xmlns:a14="http://schemas.microsoft.com/office/drawing/2010/main" xmlns:a16="http://schemas.microsoft.com/office/drawing/2014/main">
       <p:transition/>
     </mc:Fallback>
   </mc:AlternateContent>
@@ -25376,7 +25376,7 @@
     <mc:Choice Requires="p14">
       <p:transition p14:dur="10"/>
     </mc:Choice>
-    <mc:Fallback xmlns:a16="http://schemas.microsoft.com/office/drawing/2014/main" xmlns="">
+    <mc:Fallback xmlns="" xmlns:a16="http://schemas.microsoft.com/office/drawing/2014/main">
       <p:transition/>
     </mc:Fallback>
   </mc:AlternateContent>
@@ -25690,7 +25690,7 @@
     <mc:Choice Requires="p14">
       <p:transition p14:dur="10"/>
     </mc:Choice>
-    <mc:Fallback xmlns:a16="http://schemas.microsoft.com/office/drawing/2014/main" xmlns:a14="http://schemas.microsoft.com/office/drawing/2010/main" xmlns="">
+    <mc:Fallback xmlns="" xmlns:a14="http://schemas.microsoft.com/office/drawing/2010/main" xmlns:a16="http://schemas.microsoft.com/office/drawing/2014/main">
       <p:transition/>
     </mc:Fallback>
   </mc:AlternateContent>
@@ -25963,7 +25963,7 @@
     <mc:Choice Requires="p14">
       <p:transition p14:dur="10"/>
     </mc:Choice>
-    <mc:Fallback xmlns:a16="http://schemas.microsoft.com/office/drawing/2014/main" xmlns:a14="http://schemas.microsoft.com/office/drawing/2010/main" xmlns="">
+    <mc:Fallback xmlns="" xmlns:a14="http://schemas.microsoft.com/office/drawing/2010/main" xmlns:a16="http://schemas.microsoft.com/office/drawing/2014/main">
       <p:transition/>
     </mc:Fallback>
   </mc:AlternateContent>
@@ -27947,7 +27947,7 @@
     <mc:Choice Requires="p14">
       <p:transition p14:dur="10"/>
     </mc:Choice>
-    <mc:Fallback xmlns:a16="http://schemas.microsoft.com/office/drawing/2014/main" xmlns:a14="http://schemas.microsoft.com/office/drawing/2010/main" xmlns="">
+    <mc:Fallback xmlns="" xmlns:a14="http://schemas.microsoft.com/office/drawing/2010/main" xmlns:a16="http://schemas.microsoft.com/office/drawing/2014/main">
       <p:transition/>
     </mc:Fallback>
   </mc:AlternateContent>
@@ -28689,7 +28689,7 @@
     <mc:Choice Requires="p14">
       <p:transition p14:dur="10"/>
     </mc:Choice>
-    <mc:Fallback xmlns:a16="http://schemas.microsoft.com/office/drawing/2014/main" xmlns:a14="http://schemas.microsoft.com/office/drawing/2010/main" xmlns="">
+    <mc:Fallback xmlns="" xmlns:a14="http://schemas.microsoft.com/office/drawing/2010/main" xmlns:a16="http://schemas.microsoft.com/office/drawing/2014/main">
       <p:transition/>
     </mc:Fallback>
   </mc:AlternateContent>
@@ -29515,7 +29515,7 @@
     <mc:Choice Requires="p14">
       <p:transition p14:dur="10"/>
     </mc:Choice>
-    <mc:Fallback xmlns:a16="http://schemas.microsoft.com/office/drawing/2014/main" xmlns:a14="http://schemas.microsoft.com/office/drawing/2010/main" xmlns="">
+    <mc:Fallback xmlns="" xmlns:a14="http://schemas.microsoft.com/office/drawing/2010/main" xmlns:a16="http://schemas.microsoft.com/office/drawing/2014/main">
       <p:transition/>
     </mc:Fallback>
   </mc:AlternateContent>
@@ -29712,7 +29712,7 @@
     <mc:Choice Requires="p14">
       <p:transition p14:dur="10"/>
     </mc:Choice>
-    <mc:Fallback xmlns:a14="http://schemas.microsoft.com/office/drawing/2010/main" xmlns:a16="http://schemas.microsoft.com/office/drawing/2014/main" xmlns="">
+    <mc:Fallback xmlns="" xmlns:a16="http://schemas.microsoft.com/office/drawing/2014/main" xmlns:a14="http://schemas.microsoft.com/office/drawing/2010/main">
       <p:transition/>
     </mc:Fallback>
   </mc:AlternateContent>
@@ -29948,7 +29948,7 @@
     <mc:Choice Requires="p14">
       <p:transition p14:dur="10"/>
     </mc:Choice>
-    <mc:Fallback xmlns:a16="http://schemas.microsoft.com/office/drawing/2014/main" xmlns:a14="http://schemas.microsoft.com/office/drawing/2010/main" xmlns="">
+    <mc:Fallback xmlns="" xmlns:a14="http://schemas.microsoft.com/office/drawing/2010/main" xmlns:a16="http://schemas.microsoft.com/office/drawing/2014/main">
       <p:transition/>
     </mc:Fallback>
   </mc:AlternateContent>
@@ -30294,7 +30294,7 @@
           <a:p>
             <a:fld id="{1E7953D9-2557-2445-9A3D-2952E9A21483}" type="datetimeFigureOut">
               <a:rPr lang="en-US" smtClean="0"/>
-              <a:t>7/1/24</a:t>
+              <a:t>7/9/24</a:t>
             </a:fld>
             <a:endParaRPr lang="en-US"/>
           </a:p>
@@ -30611,7 +30611,7 @@
     <mc:Choice Requires="p14">
       <p:transition p14:dur="10"/>
     </mc:Choice>
-    <mc:Fallback xmlns:a16="http://schemas.microsoft.com/office/drawing/2014/main" xmlns="">
+    <mc:Fallback xmlns="" xmlns:a16="http://schemas.microsoft.com/office/drawing/2014/main">
       <p:transition/>
     </mc:Fallback>
   </mc:AlternateContent>
@@ -30721,7 +30721,7 @@
     <mc:Choice Requires="p14">
       <p:transition p14:dur="10"/>
     </mc:Choice>
-    <mc:Fallback xmlns:a16="http://schemas.microsoft.com/office/drawing/2014/main" xmlns:a14="http://schemas.microsoft.com/office/drawing/2010/main" xmlns="">
+    <mc:Fallback xmlns="" xmlns:a14="http://schemas.microsoft.com/office/drawing/2010/main" xmlns:a16="http://schemas.microsoft.com/office/drawing/2014/main">
       <p:transition/>
     </mc:Fallback>
   </mc:AlternateContent>
@@ -31110,7 +31110,7 @@
           <a:p>
             <a:fld id="{1E7953D9-2557-2445-9A3D-2952E9A21483}" type="datetimeFigureOut">
               <a:rPr lang="en-US" smtClean="0"/>
-              <a:t>7/1/24</a:t>
+              <a:t>7/9/24</a:t>
             </a:fld>
             <a:endParaRPr lang="en-US"/>
           </a:p>
@@ -31223,7 +31223,7 @@
           <a:p>
             <a:fld id="{1E7953D9-2557-2445-9A3D-2952E9A21483}" type="datetimeFigureOut">
               <a:rPr lang="en-US" smtClean="0"/>
-              <a:t>7/1/24</a:t>
+              <a:t>7/9/24</a:t>
             </a:fld>
             <a:endParaRPr lang="en-US"/>
           </a:p>
@@ -31534,7 +31534,7 @@
           <a:p>
             <a:fld id="{1E7953D9-2557-2445-9A3D-2952E9A21483}" type="datetimeFigureOut">
               <a:rPr lang="en-US" smtClean="0"/>
-              <a:t>7/1/24</a:t>
+              <a:t>7/9/24</a:t>
             </a:fld>
             <a:endParaRPr lang="en-US"/>
           </a:p>
@@ -31822,7 +31822,7 @@
           <a:p>
             <a:fld id="{1E7953D9-2557-2445-9A3D-2952E9A21483}" type="datetimeFigureOut">
               <a:rPr lang="en-US" smtClean="0"/>
-              <a:t>7/1/24</a:t>
+              <a:t>7/9/24</a:t>
             </a:fld>
             <a:endParaRPr lang="en-US"/>
           </a:p>
@@ -32063,7 +32063,7 @@
           <a:p>
             <a:fld id="{1E7953D9-2557-2445-9A3D-2952E9A21483}" type="datetimeFigureOut">
               <a:rPr lang="en-US" smtClean="0"/>
-              <a:t>7/1/24</a:t>
+              <a:t>7/9/24</a:t>
             </a:fld>
             <a:endParaRPr lang="en-US"/>
           </a:p>
@@ -32693,7 +32693,7 @@
     <mc:Choice Requires="p14">
       <p:transition p14:dur="10"/>
     </mc:Choice>
-    <mc:Fallback xmlns:a16="http://schemas.microsoft.com/office/drawing/2014/main" xmlns:a14="http://schemas.microsoft.com/office/drawing/2010/main" xmlns="">
+    <mc:Fallback xmlns="" xmlns:a14="http://schemas.microsoft.com/office/drawing/2010/main" xmlns:a16="http://schemas.microsoft.com/office/drawing/2014/main">
       <p:transition/>
     </mc:Fallback>
   </mc:AlternateContent>
@@ -33086,10 +33086,10 @@
       </p:grpSpPr>
       <p:sp>
         <p:nvSpPr>
-          <p:cNvPr id="36" name="Rectangle 35">
-            <a:extLst>
-              <a:ext uri="{FF2B5EF4-FFF2-40B4-BE49-F238E27FC236}">
-                <a16:creationId xmlns:a16="http://schemas.microsoft.com/office/drawing/2014/main" id="{089E44BC-B77A-7C91-19EC-95C2A48B3E51}"/>
+          <p:cNvPr id="42" name="Rectangle 41">
+            <a:extLst>
+              <a:ext uri="{FF2B5EF4-FFF2-40B4-BE49-F238E27FC236}">
+                <a16:creationId xmlns:a16="http://schemas.microsoft.com/office/drawing/2014/main" id="{54B9F686-A756-06E5-BDC0-453DDF783D92}"/>
               </a:ext>
             </a:extLst>
           </p:cNvPr>
@@ -33098,8 +33098,8 @@
         </p:nvSpPr>
         <p:spPr>
           <a:xfrm>
-            <a:off x="5787655" y="3743162"/>
-            <a:ext cx="2849717" cy="1889233"/>
+            <a:off x="5950767" y="2714333"/>
+            <a:ext cx="3109285" cy="3040181"/>
           </a:xfrm>
           <a:prstGeom prst="rect">
             <a:avLst/>
@@ -33107,6 +33107,7 @@
           <a:solidFill>
             <a:schemeClr val="bg2">
               <a:lumMod val="90000"/>
+              <a:alpha val="34000"/>
             </a:schemeClr>
           </a:solidFill>
         </p:spPr>
@@ -33137,10 +33138,10 @@
       </p:sp>
       <p:sp>
         <p:nvSpPr>
-          <p:cNvPr id="32" name="Rectangle 31">
-            <a:extLst>
-              <a:ext uri="{FF2B5EF4-FFF2-40B4-BE49-F238E27FC236}">
-                <a16:creationId xmlns:a16="http://schemas.microsoft.com/office/drawing/2014/main" id="{407A2C3E-1F0C-4A50-D3CC-17EEC621C19F}"/>
+          <p:cNvPr id="25" name="Rectangle 24">
+            <a:extLst>
+              <a:ext uri="{FF2B5EF4-FFF2-40B4-BE49-F238E27FC236}">
+                <a16:creationId xmlns:a16="http://schemas.microsoft.com/office/drawing/2014/main" id="{AA27AF0C-9891-0B35-9B75-A2F7135EBEA1}"/>
               </a:ext>
             </a:extLst>
           </p:cNvPr>
@@ -33149,8 +33150,8 @@
         </p:nvSpPr>
         <p:spPr>
           <a:xfrm>
-            <a:off x="3150973" y="3945486"/>
-            <a:ext cx="2397211" cy="1889233"/>
+            <a:off x="3161907" y="1826303"/>
+            <a:ext cx="2546914" cy="1618560"/>
           </a:xfrm>
           <a:prstGeom prst="rect">
             <a:avLst/>
@@ -33158,6 +33159,7 @@
           <a:solidFill>
             <a:schemeClr val="bg2">
               <a:lumMod val="90000"/>
+              <a:alpha val="34000"/>
             </a:schemeClr>
           </a:solidFill>
         </p:spPr>
@@ -33188,10 +33190,10 @@
       </p:sp>
       <p:sp>
         <p:nvSpPr>
-          <p:cNvPr id="4" name="Rounded Rectangle 3">
-            <a:extLst>
-              <a:ext uri="{FF2B5EF4-FFF2-40B4-BE49-F238E27FC236}">
-                <a16:creationId xmlns:a16="http://schemas.microsoft.com/office/drawing/2014/main" id="{FCED59A4-2AF4-6159-C09C-9137FCA1EA61}"/>
+          <p:cNvPr id="32" name="Rectangle 31">
+            <a:extLst>
+              <a:ext uri="{FF2B5EF4-FFF2-40B4-BE49-F238E27FC236}">
+                <a16:creationId xmlns:a16="http://schemas.microsoft.com/office/drawing/2014/main" id="{407A2C3E-1F0C-4A50-D3CC-17EEC621C19F}"/>
               </a:ext>
             </a:extLst>
           </p:cNvPr>
@@ -33200,7 +33202,59 @@
         </p:nvSpPr>
         <p:spPr>
           <a:xfrm>
-            <a:off x="3468418" y="4446041"/>
+            <a:off x="3225113" y="3883702"/>
+            <a:ext cx="2397211" cy="1889233"/>
+          </a:xfrm>
+          <a:prstGeom prst="rect">
+            <a:avLst/>
+          </a:prstGeom>
+          <a:solidFill>
+            <a:schemeClr val="bg2">
+              <a:lumMod val="90000"/>
+              <a:alpha val="34000"/>
+            </a:schemeClr>
+          </a:solidFill>
+        </p:spPr>
+        <p:style>
+          <a:lnRef idx="2">
+            <a:schemeClr val="accent1">
+              <a:shade val="15000"/>
+            </a:schemeClr>
+          </a:lnRef>
+          <a:fillRef idx="1">
+            <a:schemeClr val="accent1"/>
+          </a:fillRef>
+          <a:effectRef idx="0">
+            <a:schemeClr val="accent1"/>
+          </a:effectRef>
+          <a:fontRef idx="minor">
+            <a:schemeClr val="lt1"/>
+          </a:fontRef>
+        </p:style>
+        <p:txBody>
+          <a:bodyPr rtlCol="0" anchor="ctr"/>
+          <a:lstStyle/>
+          <a:p>
+            <a:pPr algn="ctr"/>
+            <a:endParaRPr lang="en-US"/>
+          </a:p>
+        </p:txBody>
+      </p:sp>
+      <p:sp>
+        <p:nvSpPr>
+          <p:cNvPr id="4" name="Rounded Rectangle 3">
+            <a:extLst>
+              <a:ext uri="{FF2B5EF4-FFF2-40B4-BE49-F238E27FC236}">
+                <a16:creationId xmlns:a16="http://schemas.microsoft.com/office/drawing/2014/main" id="{FCED59A4-2AF4-6159-C09C-9137FCA1EA61}"/>
+              </a:ext>
+            </a:extLst>
+          </p:cNvPr>
+          <p:cNvSpPr/>
+          <p:nvPr/>
+        </p:nvSpPr>
+        <p:spPr>
+          <a:xfrm>
+            <a:off x="3542558" y="4384257"/>
             <a:ext cx="1797269" cy="830317"/>
           </a:xfrm>
           <a:prstGeom prst="roundRect">
@@ -33227,10 +33281,10 @@
           <a:p>
             <a:pPr algn="ctr"/>
             <a:r>
-              <a:rPr lang="en-US" dirty="0" err="1"/>
+              <a:rPr lang="en-US" sz="1600" dirty="0" err="1"/>
               <a:t>switchdev</a:t>
             </a:r>
-            <a:endParaRPr lang="en-US" dirty="0"/>
+            <a:endParaRPr lang="en-US" sz="1600" dirty="0"/>
           </a:p>
         </p:txBody>
       </p:sp>
@@ -33248,7 +33302,7 @@
         </p:nvSpPr>
         <p:spPr>
           <a:xfrm>
-            <a:off x="3970287" y="5276358"/>
+            <a:off x="4044427" y="5214574"/>
             <a:ext cx="717332" cy="291662"/>
           </a:xfrm>
           <a:prstGeom prst="roundRect">
@@ -33295,7 +33349,7 @@
         </p:nvSpPr>
         <p:spPr>
           <a:xfrm>
-            <a:off x="3468418" y="4159635"/>
+            <a:off x="3542558" y="4097851"/>
             <a:ext cx="717332" cy="291662"/>
           </a:xfrm>
           <a:prstGeom prst="roundRect">
@@ -33342,7 +33396,7 @@
         </p:nvSpPr>
         <p:spPr>
           <a:xfrm>
-            <a:off x="4537846" y="4154379"/>
+            <a:off x="4611986" y="4092595"/>
             <a:ext cx="717332" cy="291662"/>
           </a:xfrm>
           <a:prstGeom prst="roundRect">
@@ -33377,10 +33431,10 @@
       </p:sp>
       <p:sp>
         <p:nvSpPr>
-          <p:cNvPr id="9" name="Rounded Rectangle 8">
-            <a:extLst>
-              <a:ext uri="{FF2B5EF4-FFF2-40B4-BE49-F238E27FC236}">
-                <a16:creationId xmlns:a16="http://schemas.microsoft.com/office/drawing/2014/main" id="{F4CE8F7A-3F3B-1FFE-8E4F-314B4FD7121F}"/>
+          <p:cNvPr id="13" name="Rounded Rectangle 12">
+            <a:extLst>
+              <a:ext uri="{FF2B5EF4-FFF2-40B4-BE49-F238E27FC236}">
+                <a16:creationId xmlns:a16="http://schemas.microsoft.com/office/drawing/2014/main" id="{E16450AA-71B2-CE6B-4031-984245D788E5}"/>
               </a:ext>
             </a:extLst>
           </p:cNvPr>
@@ -33389,8 +33443,8 @@
         </p:nvSpPr>
         <p:spPr>
           <a:xfrm>
-            <a:off x="5896344" y="4237148"/>
-            <a:ext cx="1797269" cy="830317"/>
+            <a:off x="3553064" y="2893363"/>
+            <a:ext cx="717332" cy="291662"/>
           </a:xfrm>
           <a:prstGeom prst="roundRect">
             <a:avLst/>
@@ -33416,18 +33470,18 @@
           <a:p>
             <a:pPr algn="ctr"/>
             <a:r>
-              <a:rPr lang="en-US" dirty="0"/>
-              <a:t>OVS / Linux Bridge</a:t>
-            </a:r>
-          </a:p>
-        </p:txBody>
-      </p:sp>
-      <p:sp>
-        <p:nvSpPr>
-          <p:cNvPr id="10" name="Rounded Rectangle 9">
-            <a:extLst>
-              <a:ext uri="{FF2B5EF4-FFF2-40B4-BE49-F238E27FC236}">
-                <a16:creationId xmlns:a16="http://schemas.microsoft.com/office/drawing/2014/main" id="{D91DC31B-EB00-3408-64C5-A08F579FE36E}"/>
+              <a:rPr lang="en-US" sz="1400" dirty="0"/>
+              <a:t>vport1</a:t>
+            </a:r>
+          </a:p>
+        </p:txBody>
+      </p:sp>
+      <p:sp>
+        <p:nvSpPr>
+          <p:cNvPr id="14" name="Rounded Rectangle 13">
+            <a:extLst>
+              <a:ext uri="{FF2B5EF4-FFF2-40B4-BE49-F238E27FC236}">
+                <a16:creationId xmlns:a16="http://schemas.microsoft.com/office/drawing/2014/main" id="{30CF6CEE-47AF-F165-2A90-28511E99A420}"/>
               </a:ext>
             </a:extLst>
           </p:cNvPr>
@@ -33436,8 +33490,8 @@
         </p:nvSpPr>
         <p:spPr>
           <a:xfrm>
-            <a:off x="7678703" y="4500223"/>
-            <a:ext cx="835572" cy="417786"/>
+            <a:off x="4629311" y="2893363"/>
+            <a:ext cx="717332" cy="291662"/>
           </a:xfrm>
           <a:prstGeom prst="roundRect">
             <a:avLst/>
@@ -33464,22 +33518,17 @@
             <a:pPr algn="ctr"/>
             <a:r>
               <a:rPr lang="en-US" sz="1400" dirty="0"/>
-              <a:t>Uplink </a:t>
-            </a:r>
-            <a:r>
-              <a:rPr lang="en-US" sz="1400" dirty="0" err="1"/>
-              <a:t>repr</a:t>
-            </a:r>
-            <a:endParaRPr lang="en-US" sz="1400" dirty="0"/>
-          </a:p>
-        </p:txBody>
-      </p:sp>
-      <p:sp>
-        <p:nvSpPr>
-          <p:cNvPr id="11" name="Rounded Rectangle 10">
-            <a:extLst>
-              <a:ext uri="{FF2B5EF4-FFF2-40B4-BE49-F238E27FC236}">
-                <a16:creationId xmlns:a16="http://schemas.microsoft.com/office/drawing/2014/main" id="{D8C13A7E-AD03-6D5C-BD86-735E5225706D}"/>
+              <a:t>vport2</a:t>
+            </a:r>
+          </a:p>
+        </p:txBody>
+      </p:sp>
+      <p:sp>
+        <p:nvSpPr>
+          <p:cNvPr id="15" name="Rounded Rectangle 14">
+            <a:extLst>
+              <a:ext uri="{FF2B5EF4-FFF2-40B4-BE49-F238E27FC236}">
+                <a16:creationId xmlns:a16="http://schemas.microsoft.com/office/drawing/2014/main" id="{C213DFA3-8113-B454-271D-99E1414F4237}"/>
               </a:ext>
             </a:extLst>
           </p:cNvPr>
@@ -33488,8 +33537,8 @@
         </p:nvSpPr>
         <p:spPr>
           <a:xfrm>
-            <a:off x="5896344" y="3950742"/>
-            <a:ext cx="717332" cy="291662"/>
+            <a:off x="3274541" y="1922471"/>
+            <a:ext cx="1147757" cy="970892"/>
           </a:xfrm>
           <a:prstGeom prst="roundRect">
             <a:avLst/>
@@ -33516,242 +33565,7 @@
             <a:pPr algn="ctr"/>
             <a:r>
               <a:rPr lang="en-US" sz="1400" dirty="0"/>
-              <a:t>repr1</a:t>
-            </a:r>
-          </a:p>
-        </p:txBody>
-      </p:sp>
-      <p:sp>
-        <p:nvSpPr>
-          <p:cNvPr id="12" name="Rounded Rectangle 11">
-            <a:extLst>
-              <a:ext uri="{FF2B5EF4-FFF2-40B4-BE49-F238E27FC236}">
-                <a16:creationId xmlns:a16="http://schemas.microsoft.com/office/drawing/2014/main" id="{3D4A5475-B20B-4B0A-3264-75B21E926C34}"/>
-              </a:ext>
-            </a:extLst>
-          </p:cNvPr>
-          <p:cNvSpPr/>
-          <p:nvPr/>
-        </p:nvSpPr>
-        <p:spPr>
-          <a:xfrm>
-            <a:off x="6965772" y="3945486"/>
-            <a:ext cx="717332" cy="291662"/>
-          </a:xfrm>
-          <a:prstGeom prst="roundRect">
-            <a:avLst/>
-          </a:prstGeom>
-        </p:spPr>
-        <p:style>
-          <a:lnRef idx="2">
-            <a:schemeClr val="accent6"/>
-          </a:lnRef>
-          <a:fillRef idx="1">
-            <a:schemeClr val="lt1"/>
-          </a:fillRef>
-          <a:effectRef idx="0">
-            <a:schemeClr val="accent6"/>
-          </a:effectRef>
-          <a:fontRef idx="minor">
-            <a:schemeClr val="dk1"/>
-          </a:fontRef>
-        </p:style>
-        <p:txBody>
-          <a:bodyPr rtlCol="0" anchor="ctr"/>
-          <a:lstStyle/>
-          <a:p>
-            <a:pPr algn="ctr"/>
-            <a:r>
-              <a:rPr lang="en-US" sz="1400" dirty="0"/>
-              <a:t>repr2</a:t>
-            </a:r>
-          </a:p>
-        </p:txBody>
-      </p:sp>
-      <p:sp>
-        <p:nvSpPr>
-          <p:cNvPr id="13" name="Rounded Rectangle 12">
-            <a:extLst>
-              <a:ext uri="{FF2B5EF4-FFF2-40B4-BE49-F238E27FC236}">
-                <a16:creationId xmlns:a16="http://schemas.microsoft.com/office/drawing/2014/main" id="{E16450AA-71B2-CE6B-4031-984245D788E5}"/>
-              </a:ext>
-            </a:extLst>
-          </p:cNvPr>
-          <p:cNvSpPr/>
-          <p:nvPr/>
-        </p:nvSpPr>
-        <p:spPr>
-          <a:xfrm>
-            <a:off x="4712617" y="2772270"/>
-            <a:ext cx="717332" cy="291662"/>
-          </a:xfrm>
-          <a:prstGeom prst="roundRect">
-            <a:avLst/>
-          </a:prstGeom>
-        </p:spPr>
-        <p:style>
-          <a:lnRef idx="2">
-            <a:schemeClr val="accent6"/>
-          </a:lnRef>
-          <a:fillRef idx="1">
-            <a:schemeClr val="lt1"/>
-          </a:fillRef>
-          <a:effectRef idx="0">
-            <a:schemeClr val="accent6"/>
-          </a:effectRef>
-          <a:fontRef idx="minor">
-            <a:schemeClr val="dk1"/>
-          </a:fontRef>
-        </p:style>
-        <p:txBody>
-          <a:bodyPr rtlCol="0" anchor="ctr"/>
-          <a:lstStyle/>
-          <a:p>
-            <a:pPr algn="ctr"/>
-            <a:r>
-              <a:rPr lang="en-US" sz="1400" dirty="0"/>
-              <a:t>vport1</a:t>
-            </a:r>
-          </a:p>
-        </p:txBody>
-      </p:sp>
-      <p:sp>
-        <p:nvSpPr>
-          <p:cNvPr id="14" name="Rounded Rectangle 13">
-            <a:extLst>
-              <a:ext uri="{FF2B5EF4-FFF2-40B4-BE49-F238E27FC236}">
-                <a16:creationId xmlns:a16="http://schemas.microsoft.com/office/drawing/2014/main" id="{30CF6CEE-47AF-F165-2A90-28511E99A420}"/>
-              </a:ext>
-            </a:extLst>
-          </p:cNvPr>
-          <p:cNvSpPr/>
-          <p:nvPr/>
-        </p:nvSpPr>
-        <p:spPr>
-          <a:xfrm>
-            <a:off x="5813578" y="2772270"/>
-            <a:ext cx="717332" cy="291662"/>
-          </a:xfrm>
-          <a:prstGeom prst="roundRect">
-            <a:avLst/>
-          </a:prstGeom>
-        </p:spPr>
-        <p:style>
-          <a:lnRef idx="2">
-            <a:schemeClr val="accent6"/>
-          </a:lnRef>
-          <a:fillRef idx="1">
-            <a:schemeClr val="lt1"/>
-          </a:fillRef>
-          <a:effectRef idx="0">
-            <a:schemeClr val="accent6"/>
-          </a:effectRef>
-          <a:fontRef idx="minor">
-            <a:schemeClr val="dk1"/>
-          </a:fontRef>
-        </p:style>
-        <p:txBody>
-          <a:bodyPr rtlCol="0" anchor="ctr"/>
-          <a:lstStyle/>
-          <a:p>
-            <a:pPr algn="ctr"/>
-            <a:r>
-              <a:rPr lang="en-US" sz="1400" dirty="0"/>
-              <a:t>vport2</a:t>
-            </a:r>
-          </a:p>
-        </p:txBody>
-      </p:sp>
-      <p:sp>
-        <p:nvSpPr>
-          <p:cNvPr id="15" name="Rounded Rectangle 14">
-            <a:extLst>
-              <a:ext uri="{FF2B5EF4-FFF2-40B4-BE49-F238E27FC236}">
-                <a16:creationId xmlns:a16="http://schemas.microsoft.com/office/drawing/2014/main" id="{C213DFA3-8113-B454-271D-99E1414F4237}"/>
-              </a:ext>
-            </a:extLst>
-          </p:cNvPr>
-          <p:cNvSpPr/>
-          <p:nvPr/>
-        </p:nvSpPr>
-        <p:spPr>
-          <a:xfrm>
-            <a:off x="4586493" y="1801378"/>
-            <a:ext cx="945930" cy="970892"/>
-          </a:xfrm>
-          <a:prstGeom prst="roundRect">
-            <a:avLst/>
-          </a:prstGeom>
-        </p:spPr>
-        <p:style>
-          <a:lnRef idx="2">
-            <a:schemeClr val="accent6"/>
-          </a:lnRef>
-          <a:fillRef idx="1">
-            <a:schemeClr val="lt1"/>
-          </a:fillRef>
-          <a:effectRef idx="0">
-            <a:schemeClr val="accent6"/>
-          </a:effectRef>
-          <a:fontRef idx="minor">
-            <a:schemeClr val="dk1"/>
-          </a:fontRef>
-        </p:style>
-        <p:txBody>
-          <a:bodyPr rtlCol="0" anchor="ctr"/>
-          <a:lstStyle/>
-          <a:p>
-            <a:pPr algn="ctr"/>
-            <a:r>
-              <a:rPr lang="en-US" sz="1400" dirty="0"/>
-              <a:t>VM/Container</a:t>
-            </a:r>
-          </a:p>
-        </p:txBody>
-      </p:sp>
-      <p:sp>
-        <p:nvSpPr>
-          <p:cNvPr id="17" name="Rounded Rectangle 16">
-            <a:extLst>
-              <a:ext uri="{FF2B5EF4-FFF2-40B4-BE49-F238E27FC236}">
-                <a16:creationId xmlns:a16="http://schemas.microsoft.com/office/drawing/2014/main" id="{16C87CD5-ED9C-D600-A7D1-73F953E2FC3C}"/>
-              </a:ext>
-            </a:extLst>
-          </p:cNvPr>
-          <p:cNvSpPr/>
-          <p:nvPr/>
-        </p:nvSpPr>
-        <p:spPr>
-          <a:xfrm>
-            <a:off x="5667746" y="1801378"/>
-            <a:ext cx="945930" cy="970892"/>
-          </a:xfrm>
-          <a:prstGeom prst="roundRect">
-            <a:avLst/>
-          </a:prstGeom>
-        </p:spPr>
-        <p:style>
-          <a:lnRef idx="2">
-            <a:schemeClr val="accent6"/>
-          </a:lnRef>
-          <a:fillRef idx="1">
-            <a:schemeClr val="lt1"/>
-          </a:fillRef>
-          <a:effectRef idx="0">
-            <a:schemeClr val="accent6"/>
-          </a:effectRef>
-          <a:fontRef idx="minor">
-            <a:schemeClr val="dk1"/>
-          </a:fontRef>
-        </p:style>
-        <p:txBody>
-          <a:bodyPr rtlCol="0" anchor="ctr"/>
-          <a:lstStyle/>
-          <a:p>
-            <a:pPr algn="ctr"/>
-            <a:r>
-              <a:rPr lang="en-US" sz="1400" dirty="0"/>
-              <a:t>VM/Container</a:t>
+              <a:t>VM1/ Container</a:t>
             </a:r>
           </a:p>
         </p:txBody>
@@ -33773,8 +33587,8 @@
         </p:nvCxnSpPr>
         <p:spPr>
           <a:xfrm flipV="1">
-            <a:off x="3827084" y="3063932"/>
-            <a:ext cx="1244199" cy="1095703"/>
+            <a:off x="3901224" y="3185025"/>
+            <a:ext cx="10506" cy="912826"/>
           </a:xfrm>
           <a:prstGeom prst="line">
             <a:avLst/>
@@ -33801,30 +33615,27 @@
       </p:cxnSp>
       <p:cxnSp>
         <p:nvCxnSpPr>
-          <p:cNvPr id="20" name="Straight Connector 19">
-            <a:extLst>
-              <a:ext uri="{FF2B5EF4-FFF2-40B4-BE49-F238E27FC236}">
-                <a16:creationId xmlns:a16="http://schemas.microsoft.com/office/drawing/2014/main" id="{11A0FAEB-005E-5D3C-90AE-C38214DE4BB7}"/>
+          <p:cNvPr id="31" name="Straight Connector 30">
+            <a:extLst>
+              <a:ext uri="{FF2B5EF4-FFF2-40B4-BE49-F238E27FC236}">
+                <a16:creationId xmlns:a16="http://schemas.microsoft.com/office/drawing/2014/main" id="{09E6552B-7A37-0DC4-39B3-04D462A13EC2}"/>
               </a:ext>
             </a:extLst>
           </p:cNvPr>
           <p:cNvCxnSpPr>
             <a:cxnSpLocks/>
-            <a:stCxn id="12" idx="0"/>
-            <a:endCxn id="14" idx="2"/>
           </p:cNvCxnSpPr>
           <p:nvPr/>
         </p:nvCxnSpPr>
         <p:spPr>
-          <a:xfrm flipH="1" flipV="1">
-            <a:off x="6172244" y="3063932"/>
-            <a:ext cx="1152194" cy="881554"/>
+          <a:xfrm flipV="1">
+            <a:off x="4372870" y="5506236"/>
+            <a:ext cx="0" cy="533399"/>
           </a:xfrm>
           <a:prstGeom prst="line">
             <a:avLst/>
           </a:prstGeom>
           <a:ln>
-            <a:prstDash val="dash"/>
             <a:headEnd type="triangle"/>
             <a:tailEnd type="triangle"/>
           </a:ln>
@@ -33846,29 +33657,29 @@
       </p:cxnSp>
       <p:cxnSp>
         <p:nvCxnSpPr>
-          <p:cNvPr id="24" name="Straight Connector 23">
-            <a:extLst>
-              <a:ext uri="{FF2B5EF4-FFF2-40B4-BE49-F238E27FC236}">
-                <a16:creationId xmlns:a16="http://schemas.microsoft.com/office/drawing/2014/main" id="{A7223666-EBF8-F8D0-FF40-3648CBA0F63A}"/>
+          <p:cNvPr id="3" name="Straight Connector 2">
+            <a:extLst>
+              <a:ext uri="{FF2B5EF4-FFF2-40B4-BE49-F238E27FC236}">
+                <a16:creationId xmlns:a16="http://schemas.microsoft.com/office/drawing/2014/main" id="{218834F3-413C-62B1-FB5B-3757EC44C060}"/>
               </a:ext>
             </a:extLst>
           </p:cNvPr>
           <p:cNvCxnSpPr>
             <a:cxnSpLocks/>
-            <a:endCxn id="28" idx="2"/>
+            <a:stCxn id="8" idx="0"/>
+            <a:endCxn id="14" idx="2"/>
           </p:cNvCxnSpPr>
           <p:nvPr/>
         </p:nvCxnSpPr>
         <p:spPr>
           <a:xfrm flipV="1">
-            <a:off x="6782269" y="5353871"/>
-            <a:ext cx="0" cy="533399"/>
+            <a:off x="4970652" y="3185025"/>
+            <a:ext cx="17325" cy="907570"/>
           </a:xfrm>
           <a:prstGeom prst="line">
             <a:avLst/>
           </a:prstGeom>
           <a:ln>
-            <a:prstDash val="dash"/>
             <a:headEnd type="triangle"/>
             <a:tailEnd type="triangle"/>
           </a:ln>
@@ -33890,10 +33701,10 @@
       </p:cxnSp>
       <p:sp>
         <p:nvSpPr>
-          <p:cNvPr id="28" name="Rounded Rectangle 27">
-            <a:extLst>
-              <a:ext uri="{FF2B5EF4-FFF2-40B4-BE49-F238E27FC236}">
-                <a16:creationId xmlns:a16="http://schemas.microsoft.com/office/drawing/2014/main" id="{3B10B41D-AE49-35C6-0629-15CF019DD9C4}"/>
+          <p:cNvPr id="22" name="Rounded Rectangle 21">
+            <a:extLst>
+              <a:ext uri="{FF2B5EF4-FFF2-40B4-BE49-F238E27FC236}">
+                <a16:creationId xmlns:a16="http://schemas.microsoft.com/office/drawing/2014/main" id="{81A3C4DF-ABA0-DD59-C471-37FB40C3FDE3}"/>
               </a:ext>
             </a:extLst>
           </p:cNvPr>
@@ -33902,8 +33713,8 @@
         </p:nvSpPr>
         <p:spPr>
           <a:xfrm>
-            <a:off x="6423603" y="5062209"/>
-            <a:ext cx="717332" cy="291662"/>
+            <a:off x="4474567" y="1911773"/>
+            <a:ext cx="1147757" cy="970892"/>
           </a:xfrm>
           <a:prstGeom prst="roundRect">
             <a:avLst/>
@@ -33930,34 +33741,306 @@
             <a:pPr algn="ctr"/>
             <a:r>
               <a:rPr lang="en-US" sz="1400" dirty="0"/>
-              <a:t>uplink</a:t>
+              <a:t>VM2/ Container</a:t>
+            </a:r>
+          </a:p>
+        </p:txBody>
+      </p:sp>
+      <p:sp>
+        <p:nvSpPr>
+          <p:cNvPr id="23" name="TextBox 22">
+            <a:extLst>
+              <a:ext uri="{FF2B5EF4-FFF2-40B4-BE49-F238E27FC236}">
+                <a16:creationId xmlns:a16="http://schemas.microsoft.com/office/drawing/2014/main" id="{7C1CAE90-8E34-0ECF-D2BF-1242B673F955}"/>
+              </a:ext>
+            </a:extLst>
+          </p:cNvPr>
+          <p:cNvSpPr txBox="1"/>
+          <p:nvPr/>
+        </p:nvSpPr>
+        <p:spPr>
+          <a:xfrm>
+            <a:off x="5075108" y="5415960"/>
+            <a:ext cx="524503" cy="338554"/>
+          </a:xfrm>
+          <a:prstGeom prst="rect">
+            <a:avLst/>
+          </a:prstGeom>
+          <a:noFill/>
+        </p:spPr>
+        <p:txBody>
+          <a:bodyPr wrap="none" rtlCol="0">
+            <a:spAutoFit/>
+          </a:bodyPr>
+          <a:lstStyle/>
+          <a:p>
+            <a:r>
+              <a:rPr lang="en-US" sz="1600" dirty="0"/>
+              <a:t>NIC</a:t>
+            </a:r>
+          </a:p>
+        </p:txBody>
+      </p:sp>
+      <p:sp>
+        <p:nvSpPr>
+          <p:cNvPr id="26" name="TextBox 25">
+            <a:extLst>
+              <a:ext uri="{FF2B5EF4-FFF2-40B4-BE49-F238E27FC236}">
+                <a16:creationId xmlns:a16="http://schemas.microsoft.com/office/drawing/2014/main" id="{7FD9F989-26F1-65BE-6A2A-A34AD53FA089}"/>
+              </a:ext>
+            </a:extLst>
+          </p:cNvPr>
+          <p:cNvSpPr txBox="1"/>
+          <p:nvPr/>
+        </p:nvSpPr>
+        <p:spPr>
+          <a:xfrm>
+            <a:off x="5110758" y="3168093"/>
+            <a:ext cx="608243" cy="338554"/>
+          </a:xfrm>
+          <a:prstGeom prst="rect">
+            <a:avLst/>
+          </a:prstGeom>
+          <a:noFill/>
+        </p:spPr>
+        <p:txBody>
+          <a:bodyPr wrap="none" rtlCol="0">
+            <a:spAutoFit/>
+          </a:bodyPr>
+          <a:lstStyle/>
+          <a:p>
+            <a:r>
+              <a:rPr lang="en-US" sz="1600" dirty="0"/>
+              <a:t>Host</a:t>
+            </a:r>
+          </a:p>
+        </p:txBody>
+      </p:sp>
+      <p:sp>
+        <p:nvSpPr>
+          <p:cNvPr id="27" name="Rounded Rectangle 26">
+            <a:extLst>
+              <a:ext uri="{FF2B5EF4-FFF2-40B4-BE49-F238E27FC236}">
+                <a16:creationId xmlns:a16="http://schemas.microsoft.com/office/drawing/2014/main" id="{216D8A09-5F0D-C44D-EB1C-A741802E532E}"/>
+              </a:ext>
+            </a:extLst>
+          </p:cNvPr>
+          <p:cNvSpPr/>
+          <p:nvPr/>
+        </p:nvSpPr>
+        <p:spPr>
+          <a:xfrm>
+            <a:off x="6312911" y="4366706"/>
+            <a:ext cx="1797269" cy="830317"/>
+          </a:xfrm>
+          <a:prstGeom prst="roundRect">
+            <a:avLst/>
+          </a:prstGeom>
+        </p:spPr>
+        <p:style>
+          <a:lnRef idx="2">
+            <a:schemeClr val="accent6"/>
+          </a:lnRef>
+          <a:fillRef idx="1">
+            <a:schemeClr val="lt1"/>
+          </a:fillRef>
+          <a:effectRef idx="0">
+            <a:schemeClr val="accent6"/>
+          </a:effectRef>
+          <a:fontRef idx="minor">
+            <a:schemeClr val="dk1"/>
+          </a:fontRef>
+        </p:style>
+        <p:txBody>
+          <a:bodyPr rtlCol="0" anchor="ctr"/>
+          <a:lstStyle/>
+          <a:p>
+            <a:pPr algn="ctr"/>
+            <a:r>
+              <a:rPr lang="en-US" sz="1600" dirty="0"/>
+              <a:t>Software Switch</a:t>
+            </a:r>
+          </a:p>
+          <a:p>
+            <a:pPr algn="ctr"/>
+            <a:r>
+              <a:rPr lang="en-US" sz="1400" dirty="0"/>
+              <a:t>OVS / Linux bridge</a:t>
+            </a:r>
+          </a:p>
+        </p:txBody>
+      </p:sp>
+      <p:sp>
+        <p:nvSpPr>
+          <p:cNvPr id="29" name="Rounded Rectangle 28">
+            <a:extLst>
+              <a:ext uri="{FF2B5EF4-FFF2-40B4-BE49-F238E27FC236}">
+                <a16:creationId xmlns:a16="http://schemas.microsoft.com/office/drawing/2014/main" id="{7B6B2C8C-5712-86B2-ED70-4C329C25A505}"/>
+              </a:ext>
+            </a:extLst>
+          </p:cNvPr>
+          <p:cNvSpPr/>
+          <p:nvPr/>
+        </p:nvSpPr>
+        <p:spPr>
+          <a:xfrm>
+            <a:off x="8095270" y="4629781"/>
+            <a:ext cx="717332" cy="270324"/>
+          </a:xfrm>
+          <a:prstGeom prst="roundRect">
+            <a:avLst/>
+          </a:prstGeom>
+        </p:spPr>
+        <p:style>
+          <a:lnRef idx="2">
+            <a:schemeClr val="accent6"/>
+          </a:lnRef>
+          <a:fillRef idx="1">
+            <a:schemeClr val="lt1"/>
+          </a:fillRef>
+          <a:effectRef idx="0">
+            <a:schemeClr val="accent6"/>
+          </a:effectRef>
+          <a:fontRef idx="minor">
+            <a:schemeClr val="dk1"/>
+          </a:fontRef>
+        </p:style>
+        <p:txBody>
+          <a:bodyPr rtlCol="0" anchor="ctr"/>
+          <a:lstStyle/>
+          <a:p>
+            <a:pPr algn="ctr"/>
+            <a:r>
+              <a:rPr lang="en-US" sz="1200" dirty="0"/>
+              <a:t>PF </a:t>
+            </a:r>
+            <a:r>
+              <a:rPr lang="en-US" sz="1200" dirty="0" err="1"/>
+              <a:t>repr</a:t>
+            </a:r>
+            <a:endParaRPr lang="en-US" sz="1200" dirty="0"/>
+          </a:p>
+        </p:txBody>
+      </p:sp>
+      <p:sp>
+        <p:nvSpPr>
+          <p:cNvPr id="30" name="Rounded Rectangle 29">
+            <a:extLst>
+              <a:ext uri="{FF2B5EF4-FFF2-40B4-BE49-F238E27FC236}">
+                <a16:creationId xmlns:a16="http://schemas.microsoft.com/office/drawing/2014/main" id="{1B1D8E42-31AD-8F48-8278-A55C620E8CAC}"/>
+              </a:ext>
+            </a:extLst>
+          </p:cNvPr>
+          <p:cNvSpPr/>
+          <p:nvPr/>
+        </p:nvSpPr>
+        <p:spPr>
+          <a:xfrm>
+            <a:off x="6312911" y="4080300"/>
+            <a:ext cx="717332" cy="291662"/>
+          </a:xfrm>
+          <a:prstGeom prst="roundRect">
+            <a:avLst/>
+          </a:prstGeom>
+        </p:spPr>
+        <p:style>
+          <a:lnRef idx="2">
+            <a:schemeClr val="accent6"/>
+          </a:lnRef>
+          <a:fillRef idx="1">
+            <a:schemeClr val="lt1"/>
+          </a:fillRef>
+          <a:effectRef idx="0">
+            <a:schemeClr val="accent6"/>
+          </a:effectRef>
+          <a:fontRef idx="minor">
+            <a:schemeClr val="dk1"/>
+          </a:fontRef>
+        </p:style>
+        <p:txBody>
+          <a:bodyPr rtlCol="0" anchor="ctr"/>
+          <a:lstStyle/>
+          <a:p>
+            <a:pPr algn="ctr"/>
+            <a:r>
+              <a:rPr lang="en-US" sz="1400" dirty="0"/>
+              <a:t>repr1</a:t>
+            </a:r>
+          </a:p>
+        </p:txBody>
+      </p:sp>
+      <p:sp>
+        <p:nvSpPr>
+          <p:cNvPr id="33" name="Rounded Rectangle 32">
+            <a:extLst>
+              <a:ext uri="{FF2B5EF4-FFF2-40B4-BE49-F238E27FC236}">
+                <a16:creationId xmlns:a16="http://schemas.microsoft.com/office/drawing/2014/main" id="{9A8FDF0E-0D96-EF6C-AC8D-92523127615D}"/>
+              </a:ext>
+            </a:extLst>
+          </p:cNvPr>
+          <p:cNvSpPr/>
+          <p:nvPr/>
+        </p:nvSpPr>
+        <p:spPr>
+          <a:xfrm>
+            <a:off x="7382339" y="4075044"/>
+            <a:ext cx="717332" cy="291662"/>
+          </a:xfrm>
+          <a:prstGeom prst="roundRect">
+            <a:avLst/>
+          </a:prstGeom>
+        </p:spPr>
+        <p:style>
+          <a:lnRef idx="2">
+            <a:schemeClr val="accent6"/>
+          </a:lnRef>
+          <a:fillRef idx="1">
+            <a:schemeClr val="lt1"/>
+          </a:fillRef>
+          <a:effectRef idx="0">
+            <a:schemeClr val="accent6"/>
+          </a:effectRef>
+          <a:fontRef idx="minor">
+            <a:schemeClr val="dk1"/>
+          </a:fontRef>
+        </p:style>
+        <p:txBody>
+          <a:bodyPr rtlCol="0" anchor="ctr"/>
+          <a:lstStyle/>
+          <a:p>
+            <a:pPr algn="ctr"/>
+            <a:r>
+              <a:rPr lang="en-US" sz="1400" dirty="0"/>
+              <a:t>repr2</a:t>
             </a:r>
           </a:p>
         </p:txBody>
       </p:sp>
       <p:cxnSp>
         <p:nvCxnSpPr>
-          <p:cNvPr id="31" name="Straight Connector 30">
-            <a:extLst>
-              <a:ext uri="{FF2B5EF4-FFF2-40B4-BE49-F238E27FC236}">
-                <a16:creationId xmlns:a16="http://schemas.microsoft.com/office/drawing/2014/main" id="{09E6552B-7A37-0DC4-39B3-04D462A13EC2}"/>
+          <p:cNvPr id="34" name="Straight Connector 33">
+            <a:extLst>
+              <a:ext uri="{FF2B5EF4-FFF2-40B4-BE49-F238E27FC236}">
+                <a16:creationId xmlns:a16="http://schemas.microsoft.com/office/drawing/2014/main" id="{40DF36BD-0424-CE5F-3591-84A7A4F64ADE}"/>
               </a:ext>
             </a:extLst>
           </p:cNvPr>
           <p:cNvCxnSpPr>
             <a:cxnSpLocks/>
+            <a:endCxn id="35" idx="2"/>
           </p:cNvCxnSpPr>
           <p:nvPr/>
         </p:nvCxnSpPr>
         <p:spPr>
           <a:xfrm flipV="1">
-            <a:off x="4298730" y="5568020"/>
-            <a:ext cx="0" cy="533399"/>
+            <a:off x="7198836" y="5576413"/>
+            <a:ext cx="0" cy="440415"/>
           </a:xfrm>
           <a:prstGeom prst="line">
             <a:avLst/>
           </a:prstGeom>
           <a:ln>
+            <a:prstDash val="dash"/>
             <a:headEnd type="triangle"/>
             <a:tailEnd type="triangle"/>
           </a:ln>
@@ -33977,10 +34060,508 @@
           </a:fontRef>
         </p:style>
       </p:cxnSp>
+      <p:sp>
+        <p:nvSpPr>
+          <p:cNvPr id="35" name="Rounded Rectangle 34">
+            <a:extLst>
+              <a:ext uri="{FF2B5EF4-FFF2-40B4-BE49-F238E27FC236}">
+                <a16:creationId xmlns:a16="http://schemas.microsoft.com/office/drawing/2014/main" id="{648C944C-E705-200B-403D-32D45A8CD4CF}"/>
+              </a:ext>
+            </a:extLst>
+          </p:cNvPr>
+          <p:cNvSpPr/>
+          <p:nvPr/>
+        </p:nvSpPr>
+        <p:spPr>
+          <a:xfrm>
+            <a:off x="6840170" y="5191767"/>
+            <a:ext cx="717332" cy="384646"/>
+          </a:xfrm>
+          <a:prstGeom prst="roundRect">
+            <a:avLst/>
+          </a:prstGeom>
+        </p:spPr>
+        <p:style>
+          <a:lnRef idx="2">
+            <a:schemeClr val="accent6"/>
+          </a:lnRef>
+          <a:fillRef idx="1">
+            <a:schemeClr val="lt1"/>
+          </a:fillRef>
+          <a:effectRef idx="0">
+            <a:schemeClr val="accent6"/>
+          </a:effectRef>
+          <a:fontRef idx="minor">
+            <a:schemeClr val="dk1"/>
+          </a:fontRef>
+        </p:style>
+        <p:txBody>
+          <a:bodyPr rtlCol="0" anchor="ctr"/>
+          <a:lstStyle/>
+          <a:p>
+            <a:pPr algn="ctr"/>
+            <a:r>
+              <a:rPr lang="en-US" sz="1200" dirty="0"/>
+              <a:t>Uplink </a:t>
+            </a:r>
+            <a:r>
+              <a:rPr lang="en-US" sz="1200" dirty="0" err="1"/>
+              <a:t>repr</a:t>
+            </a:r>
+            <a:endParaRPr lang="en-US" sz="1200" dirty="0"/>
+          </a:p>
+        </p:txBody>
+      </p:sp>
+      <p:cxnSp>
+        <p:nvCxnSpPr>
+          <p:cNvPr id="37" name="Straight Connector 36">
+            <a:extLst>
+              <a:ext uri="{FF2B5EF4-FFF2-40B4-BE49-F238E27FC236}">
+                <a16:creationId xmlns:a16="http://schemas.microsoft.com/office/drawing/2014/main" id="{DC2A839C-3424-6D20-5EAA-FA212BAC78A5}"/>
+              </a:ext>
+            </a:extLst>
+          </p:cNvPr>
+          <p:cNvCxnSpPr>
+            <a:cxnSpLocks/>
+          </p:cNvCxnSpPr>
+          <p:nvPr/>
+        </p:nvCxnSpPr>
+        <p:spPr>
+          <a:xfrm flipV="1">
+            <a:off x="6634544" y="3529002"/>
+            <a:ext cx="0" cy="533399"/>
+          </a:xfrm>
+          <a:prstGeom prst="line">
+            <a:avLst/>
+          </a:prstGeom>
+          <a:ln>
+            <a:prstDash val="dash"/>
+            <a:headEnd type="triangle"/>
+            <a:tailEnd type="triangle"/>
+          </a:ln>
+        </p:spPr>
+        <p:style>
+          <a:lnRef idx="2">
+            <a:schemeClr val="accent1"/>
+          </a:lnRef>
+          <a:fillRef idx="0">
+            <a:schemeClr val="accent1"/>
+          </a:fillRef>
+          <a:effectRef idx="1">
+            <a:schemeClr val="accent1"/>
+          </a:effectRef>
+          <a:fontRef idx="minor">
+            <a:schemeClr val="tx1"/>
+          </a:fontRef>
+        </p:style>
+      </p:cxnSp>
+      <p:cxnSp>
+        <p:nvCxnSpPr>
+          <p:cNvPr id="38" name="Straight Connector 37">
+            <a:extLst>
+              <a:ext uri="{FF2B5EF4-FFF2-40B4-BE49-F238E27FC236}">
+                <a16:creationId xmlns:a16="http://schemas.microsoft.com/office/drawing/2014/main" id="{95C79122-6135-02DA-C609-6C600FADFCD4}"/>
+              </a:ext>
+            </a:extLst>
+          </p:cNvPr>
+          <p:cNvCxnSpPr>
+            <a:cxnSpLocks/>
+          </p:cNvCxnSpPr>
+          <p:nvPr/>
+        </p:nvCxnSpPr>
+        <p:spPr>
+          <a:xfrm flipV="1">
+            <a:off x="7763128" y="3541645"/>
+            <a:ext cx="0" cy="533399"/>
+          </a:xfrm>
+          <a:prstGeom prst="line">
+            <a:avLst/>
+          </a:prstGeom>
+          <a:ln>
+            <a:prstDash val="dash"/>
+            <a:headEnd type="triangle"/>
+            <a:tailEnd type="triangle"/>
+          </a:ln>
+        </p:spPr>
+        <p:style>
+          <a:lnRef idx="2">
+            <a:schemeClr val="accent1"/>
+          </a:lnRef>
+          <a:fillRef idx="0">
+            <a:schemeClr val="accent1"/>
+          </a:fillRef>
+          <a:effectRef idx="1">
+            <a:schemeClr val="accent1"/>
+          </a:effectRef>
+          <a:fontRef idx="minor">
+            <a:schemeClr val="tx1"/>
+          </a:fontRef>
+        </p:style>
+      </p:cxnSp>
+      <p:sp>
+        <p:nvSpPr>
+          <p:cNvPr id="39" name="TextBox 38">
+            <a:extLst>
+              <a:ext uri="{FF2B5EF4-FFF2-40B4-BE49-F238E27FC236}">
+                <a16:creationId xmlns:a16="http://schemas.microsoft.com/office/drawing/2014/main" id="{B91EA664-9637-6C19-90B2-55F99CB7B8C0}"/>
+              </a:ext>
+            </a:extLst>
+          </p:cNvPr>
+          <p:cNvSpPr txBox="1"/>
+          <p:nvPr/>
+        </p:nvSpPr>
+        <p:spPr>
+          <a:xfrm>
+            <a:off x="6099978" y="2880776"/>
+            <a:ext cx="2633670" cy="584775"/>
+          </a:xfrm>
+          <a:prstGeom prst="rect">
+            <a:avLst/>
+          </a:prstGeom>
+          <a:noFill/>
+          <a:ln>
+            <a:solidFill>
+              <a:schemeClr val="accent6"/>
+            </a:solidFill>
+          </a:ln>
+        </p:spPr>
+        <p:txBody>
+          <a:bodyPr wrap="none" rtlCol="0">
+            <a:spAutoFit/>
+          </a:bodyPr>
+          <a:lstStyle/>
+          <a:p>
+            <a:r>
+              <a:rPr lang="en-US" sz="1600" dirty="0"/>
+              <a:t>Software handles/programs</a:t>
+            </a:r>
+          </a:p>
+          <a:p>
+            <a:r>
+              <a:rPr lang="en-US" sz="1600" dirty="0"/>
+              <a:t>offload rules</a:t>
+            </a:r>
+          </a:p>
+        </p:txBody>
+      </p:sp>
+      <p:sp>
+        <p:nvSpPr>
+          <p:cNvPr id="41" name="TextBox 40">
+            <a:extLst>
+              <a:ext uri="{FF2B5EF4-FFF2-40B4-BE49-F238E27FC236}">
+                <a16:creationId xmlns:a16="http://schemas.microsoft.com/office/drawing/2014/main" id="{0FACC784-3695-2C23-C952-6EB78EBD2982}"/>
+              </a:ext>
+            </a:extLst>
+          </p:cNvPr>
+          <p:cNvSpPr txBox="1"/>
+          <p:nvPr/>
+        </p:nvSpPr>
+        <p:spPr>
+          <a:xfrm>
+            <a:off x="0" y="197576"/>
+            <a:ext cx="1024704" cy="369332"/>
+          </a:xfrm>
+          <a:prstGeom prst="rect">
+            <a:avLst/>
+          </a:prstGeom>
+          <a:noFill/>
+        </p:spPr>
+        <p:txBody>
+          <a:bodyPr wrap="none" rtlCol="0">
+            <a:spAutoFit/>
+          </a:bodyPr>
+          <a:lstStyle/>
+          <a:p>
+            <a:r>
+              <a:rPr lang="en-US" dirty="0" err="1"/>
+              <a:t>arch.pdf</a:t>
+            </a:r>
+            <a:endParaRPr lang="en-US" dirty="0"/>
+          </a:p>
+        </p:txBody>
+      </p:sp>
+      <p:sp>
+        <p:nvSpPr>
+          <p:cNvPr id="43" name="TextBox 42">
+            <a:extLst>
+              <a:ext uri="{FF2B5EF4-FFF2-40B4-BE49-F238E27FC236}">
+                <a16:creationId xmlns:a16="http://schemas.microsoft.com/office/drawing/2014/main" id="{248AEE48-4A82-8BFE-AE9A-8C4402CAB65C}"/>
+              </a:ext>
+            </a:extLst>
+          </p:cNvPr>
+          <p:cNvSpPr txBox="1"/>
+          <p:nvPr/>
+        </p:nvSpPr>
+        <p:spPr>
+          <a:xfrm>
+            <a:off x="7986232" y="5406012"/>
+            <a:ext cx="1073820" cy="338554"/>
+          </a:xfrm>
+          <a:prstGeom prst="rect">
+            <a:avLst/>
+          </a:prstGeom>
+          <a:noFill/>
+        </p:spPr>
+        <p:txBody>
+          <a:bodyPr wrap="none" rtlCol="0">
+            <a:spAutoFit/>
+          </a:bodyPr>
+          <a:lstStyle/>
+          <a:p>
+            <a:r>
+              <a:rPr lang="en-US" sz="1600" dirty="0"/>
+              <a:t>DPU/Host</a:t>
+            </a:r>
+          </a:p>
+        </p:txBody>
+      </p:sp>
+      <p:cxnSp>
+        <p:nvCxnSpPr>
+          <p:cNvPr id="44" name="Straight Connector 43">
+            <a:extLst>
+              <a:ext uri="{FF2B5EF4-FFF2-40B4-BE49-F238E27FC236}">
+                <a16:creationId xmlns:a16="http://schemas.microsoft.com/office/drawing/2014/main" id="{21E21F01-4EA9-9851-C6DF-AEDCDE26E773}"/>
+              </a:ext>
+            </a:extLst>
+          </p:cNvPr>
+          <p:cNvCxnSpPr>
+            <a:cxnSpLocks/>
+          </p:cNvCxnSpPr>
+          <p:nvPr/>
+        </p:nvCxnSpPr>
+        <p:spPr>
+          <a:xfrm flipH="1">
+            <a:off x="6025791" y="1922626"/>
+            <a:ext cx="574239" cy="0"/>
+          </a:xfrm>
+          <a:prstGeom prst="line">
+            <a:avLst/>
+          </a:prstGeom>
+          <a:ln>
+            <a:headEnd type="triangle"/>
+            <a:tailEnd type="triangle"/>
+          </a:ln>
+        </p:spPr>
+        <p:style>
+          <a:lnRef idx="2">
+            <a:schemeClr val="accent1"/>
+          </a:lnRef>
+          <a:fillRef idx="0">
+            <a:schemeClr val="accent1"/>
+          </a:fillRef>
+          <a:effectRef idx="1">
+            <a:schemeClr val="accent1"/>
+          </a:effectRef>
+          <a:fontRef idx="minor">
+            <a:schemeClr val="tx1"/>
+          </a:fontRef>
+        </p:style>
+      </p:cxnSp>
+      <p:cxnSp>
+        <p:nvCxnSpPr>
+          <p:cNvPr id="46" name="Straight Connector 45">
+            <a:extLst>
+              <a:ext uri="{FF2B5EF4-FFF2-40B4-BE49-F238E27FC236}">
+                <a16:creationId xmlns:a16="http://schemas.microsoft.com/office/drawing/2014/main" id="{3ED0B107-97F4-D72B-6B33-0F9CD36F8E8A}"/>
+              </a:ext>
+            </a:extLst>
+          </p:cNvPr>
+          <p:cNvCxnSpPr>
+            <a:cxnSpLocks/>
+          </p:cNvCxnSpPr>
+          <p:nvPr/>
+        </p:nvCxnSpPr>
+        <p:spPr>
+          <a:xfrm flipH="1">
+            <a:off x="6025791" y="2204174"/>
+            <a:ext cx="574239" cy="0"/>
+          </a:xfrm>
+          <a:prstGeom prst="line">
+            <a:avLst/>
+          </a:prstGeom>
+          <a:ln>
+            <a:prstDash val="dash"/>
+            <a:headEnd type="triangle"/>
+            <a:tailEnd type="triangle"/>
+          </a:ln>
+        </p:spPr>
+        <p:style>
+          <a:lnRef idx="2">
+            <a:schemeClr val="accent1"/>
+          </a:lnRef>
+          <a:fillRef idx="0">
+            <a:schemeClr val="accent1"/>
+          </a:fillRef>
+          <a:effectRef idx="1">
+            <a:schemeClr val="accent1"/>
+          </a:effectRef>
+          <a:fontRef idx="minor">
+            <a:schemeClr val="tx1"/>
+          </a:fontRef>
+        </p:style>
+      </p:cxnSp>
+      <p:sp>
+        <p:nvSpPr>
+          <p:cNvPr id="48" name="TextBox 47">
+            <a:extLst>
+              <a:ext uri="{FF2B5EF4-FFF2-40B4-BE49-F238E27FC236}">
+                <a16:creationId xmlns:a16="http://schemas.microsoft.com/office/drawing/2014/main" id="{D9496C08-86FC-8684-834F-9CC317D8A13F}"/>
+              </a:ext>
+            </a:extLst>
+          </p:cNvPr>
+          <p:cNvSpPr txBox="1"/>
+          <p:nvPr/>
+        </p:nvSpPr>
+        <p:spPr>
+          <a:xfrm>
+            <a:off x="6624211" y="1750168"/>
+            <a:ext cx="1084977" cy="584775"/>
+          </a:xfrm>
+          <a:prstGeom prst="rect">
+            <a:avLst/>
+          </a:prstGeom>
+          <a:noFill/>
+        </p:spPr>
+        <p:txBody>
+          <a:bodyPr wrap="none" rtlCol="0">
+            <a:spAutoFit/>
+          </a:bodyPr>
+          <a:lstStyle/>
+          <a:p>
+            <a:r>
+              <a:rPr lang="en-US" sz="1600" dirty="0"/>
+              <a:t>Fast-path</a:t>
+            </a:r>
+          </a:p>
+          <a:p>
+            <a:r>
+              <a:rPr lang="en-US" sz="1600" dirty="0"/>
+              <a:t>Slow-path</a:t>
+            </a:r>
+          </a:p>
+        </p:txBody>
+      </p:sp>
+      <p:sp>
+        <p:nvSpPr>
+          <p:cNvPr id="50" name="TextBox 49">
+            <a:extLst>
+              <a:ext uri="{FF2B5EF4-FFF2-40B4-BE49-F238E27FC236}">
+                <a16:creationId xmlns:a16="http://schemas.microsoft.com/office/drawing/2014/main" id="{37259F81-18CC-A3EE-79AE-9E277C9F4FCD}"/>
+              </a:ext>
+            </a:extLst>
+          </p:cNvPr>
+          <p:cNvSpPr txBox="1"/>
+          <p:nvPr/>
+        </p:nvSpPr>
+        <p:spPr>
+          <a:xfrm>
+            <a:off x="8223374" y="2416477"/>
+            <a:ext cx="973215" cy="307777"/>
+          </a:xfrm>
+          <a:prstGeom prst="rect">
+            <a:avLst/>
+          </a:prstGeom>
+          <a:noFill/>
+        </p:spPr>
+        <p:txBody>
+          <a:bodyPr wrap="none" rtlCol="0">
+            <a:spAutoFit/>
+          </a:bodyPr>
+          <a:lstStyle/>
+          <a:p>
+            <a:r>
+              <a:rPr lang="en-US" sz="1400" dirty="0"/>
+              <a:t>Slow-path</a:t>
+            </a:r>
+          </a:p>
+        </p:txBody>
+      </p:sp>
+      <p:sp>
+        <p:nvSpPr>
+          <p:cNvPr id="51" name="TextBox 50">
+            <a:extLst>
+              <a:ext uri="{FF2B5EF4-FFF2-40B4-BE49-F238E27FC236}">
+                <a16:creationId xmlns:a16="http://schemas.microsoft.com/office/drawing/2014/main" id="{FFEFE3A5-B2B3-0995-0EF1-65AFDCDE396C}"/>
+              </a:ext>
+            </a:extLst>
+          </p:cNvPr>
+          <p:cNvSpPr txBox="1"/>
+          <p:nvPr/>
+        </p:nvSpPr>
+        <p:spPr>
+          <a:xfrm>
+            <a:off x="2982786" y="3581658"/>
+            <a:ext cx="928716" cy="307777"/>
+          </a:xfrm>
+          <a:prstGeom prst="rect">
+            <a:avLst/>
+          </a:prstGeom>
+          <a:noFill/>
+        </p:spPr>
+        <p:txBody>
+          <a:bodyPr wrap="none" rtlCol="0">
+            <a:spAutoFit/>
+          </a:bodyPr>
+          <a:lstStyle/>
+          <a:p>
+            <a:r>
+              <a:rPr lang="en-US" sz="1400" dirty="0"/>
+              <a:t>Fast-path</a:t>
+            </a:r>
+          </a:p>
+        </p:txBody>
+      </p:sp>
+      <p:sp>
+        <p:nvSpPr>
+          <p:cNvPr id="2" name="Rounded Rectangle 1">
+            <a:extLst>
+              <a:ext uri="{FF2B5EF4-FFF2-40B4-BE49-F238E27FC236}">
+                <a16:creationId xmlns:a16="http://schemas.microsoft.com/office/drawing/2014/main" id="{C430559F-F57A-27E4-8766-759F949F060D}"/>
+              </a:ext>
+            </a:extLst>
+          </p:cNvPr>
+          <p:cNvSpPr/>
+          <p:nvPr/>
+        </p:nvSpPr>
+        <p:spPr>
+          <a:xfrm>
+            <a:off x="4226213" y="3259719"/>
+            <a:ext cx="351123" cy="179607"/>
+          </a:xfrm>
+          <a:prstGeom prst="roundRect">
+            <a:avLst/>
+          </a:prstGeom>
+        </p:spPr>
+        <p:style>
+          <a:lnRef idx="2">
+            <a:schemeClr val="accent6"/>
+          </a:lnRef>
+          <a:fillRef idx="1">
+            <a:schemeClr val="lt1"/>
+          </a:fillRef>
+          <a:effectRef idx="0">
+            <a:schemeClr val="accent6"/>
+          </a:effectRef>
+          <a:fontRef idx="minor">
+            <a:schemeClr val="dk1"/>
+          </a:fontRef>
+        </p:style>
+        <p:txBody>
+          <a:bodyPr rtlCol="0" anchor="ctr"/>
+          <a:lstStyle/>
+          <a:p>
+            <a:pPr algn="ctr"/>
+            <a:r>
+              <a:rPr lang="en-US" sz="1000" dirty="0"/>
+              <a:t>PF</a:t>
+            </a:r>
+          </a:p>
+        </p:txBody>
+      </p:sp>
     </p:spTree>
     <p:extLst>
       <p:ext uri="{BB962C8B-B14F-4D97-AF65-F5344CB8AC3E}">
-        <p14:creationId xmlns:p14="http://schemas.microsoft.com/office/powerpoint/2010/main" val="230723431"/>
+        <p14:creationId xmlns:p14="http://schemas.microsoft.com/office/powerpoint/2010/main" val="494623301"/>
       </p:ext>
     </p:extLst>
   </p:cSld>
@@ -34009,10 +34590,10 @@
       </p:grpSpPr>
       <p:sp>
         <p:nvSpPr>
-          <p:cNvPr id="42" name="Rectangle 41">
-            <a:extLst>
-              <a:ext uri="{FF2B5EF4-FFF2-40B4-BE49-F238E27FC236}">
-                <a16:creationId xmlns:a16="http://schemas.microsoft.com/office/drawing/2014/main" id="{54B9F686-A756-06E5-BDC0-453DDF783D92}"/>
+          <p:cNvPr id="7" name="Rounded Rectangle 6">
+            <a:extLst>
+              <a:ext uri="{FF2B5EF4-FFF2-40B4-BE49-F238E27FC236}">
+                <a16:creationId xmlns:a16="http://schemas.microsoft.com/office/drawing/2014/main" id="{F7916BC9-BB9D-F3AD-9945-33C79E239913}"/>
               </a:ext>
             </a:extLst>
           </p:cNvPr>
@@ -34021,168 +34602,17 @@
         </p:nvSpPr>
         <p:spPr>
           <a:xfrm>
-            <a:off x="5950767" y="2714333"/>
-            <a:ext cx="3109285" cy="3040181"/>
-          </a:xfrm>
-          <a:prstGeom prst="rect">
+            <a:off x="5955259" y="4125790"/>
+            <a:ext cx="717332" cy="291662"/>
+          </a:xfrm>
+          <a:prstGeom prst="roundRect">
             <a:avLst/>
           </a:prstGeom>
           <a:solidFill>
-            <a:schemeClr val="bg2">
-              <a:lumMod val="90000"/>
-              <a:alpha val="34000"/>
+            <a:schemeClr val="bg1">
+              <a:lumMod val="95000"/>
             </a:schemeClr>
           </a:solidFill>
-        </p:spPr>
-        <p:style>
-          <a:lnRef idx="2">
-            <a:schemeClr val="accent1">
-              <a:shade val="15000"/>
-            </a:schemeClr>
-          </a:lnRef>
-          <a:fillRef idx="1">
-            <a:schemeClr val="accent1"/>
-          </a:fillRef>
-          <a:effectRef idx="0">
-            <a:schemeClr val="accent1"/>
-          </a:effectRef>
-          <a:fontRef idx="minor">
-            <a:schemeClr val="lt1"/>
-          </a:fontRef>
-        </p:style>
-        <p:txBody>
-          <a:bodyPr rtlCol="0" anchor="ctr"/>
-          <a:lstStyle/>
-          <a:p>
-            <a:pPr algn="ctr"/>
-            <a:endParaRPr lang="en-US"/>
-          </a:p>
-        </p:txBody>
-      </p:sp>
-      <p:sp>
-        <p:nvSpPr>
-          <p:cNvPr id="25" name="Rectangle 24">
-            <a:extLst>
-              <a:ext uri="{FF2B5EF4-FFF2-40B4-BE49-F238E27FC236}">
-                <a16:creationId xmlns:a16="http://schemas.microsoft.com/office/drawing/2014/main" id="{AA27AF0C-9891-0B35-9B75-A2F7135EBEA1}"/>
-              </a:ext>
-            </a:extLst>
-          </p:cNvPr>
-          <p:cNvSpPr/>
-          <p:nvPr/>
-        </p:nvSpPr>
-        <p:spPr>
-          <a:xfrm>
-            <a:off x="3161907" y="1826303"/>
-            <a:ext cx="2546914" cy="1618560"/>
-          </a:xfrm>
-          <a:prstGeom prst="rect">
-            <a:avLst/>
-          </a:prstGeom>
-          <a:solidFill>
-            <a:schemeClr val="bg2">
-              <a:lumMod val="90000"/>
-              <a:alpha val="34000"/>
-            </a:schemeClr>
-          </a:solidFill>
-        </p:spPr>
-        <p:style>
-          <a:lnRef idx="2">
-            <a:schemeClr val="accent1">
-              <a:shade val="15000"/>
-            </a:schemeClr>
-          </a:lnRef>
-          <a:fillRef idx="1">
-            <a:schemeClr val="accent1"/>
-          </a:fillRef>
-          <a:effectRef idx="0">
-            <a:schemeClr val="accent1"/>
-          </a:effectRef>
-          <a:fontRef idx="minor">
-            <a:schemeClr val="lt1"/>
-          </a:fontRef>
-        </p:style>
-        <p:txBody>
-          <a:bodyPr rtlCol="0" anchor="ctr"/>
-          <a:lstStyle/>
-          <a:p>
-            <a:pPr algn="ctr"/>
-            <a:endParaRPr lang="en-US"/>
-          </a:p>
-        </p:txBody>
-      </p:sp>
-      <p:sp>
-        <p:nvSpPr>
-          <p:cNvPr id="32" name="Rectangle 31">
-            <a:extLst>
-              <a:ext uri="{FF2B5EF4-FFF2-40B4-BE49-F238E27FC236}">
-                <a16:creationId xmlns:a16="http://schemas.microsoft.com/office/drawing/2014/main" id="{407A2C3E-1F0C-4A50-D3CC-17EEC621C19F}"/>
-              </a:ext>
-            </a:extLst>
-          </p:cNvPr>
-          <p:cNvSpPr/>
-          <p:nvPr/>
-        </p:nvSpPr>
-        <p:spPr>
-          <a:xfrm>
-            <a:off x="3225113" y="3883702"/>
-            <a:ext cx="2397211" cy="1889233"/>
-          </a:xfrm>
-          <a:prstGeom prst="rect">
-            <a:avLst/>
-          </a:prstGeom>
-          <a:solidFill>
-            <a:schemeClr val="bg2">
-              <a:lumMod val="90000"/>
-              <a:alpha val="34000"/>
-            </a:schemeClr>
-          </a:solidFill>
-        </p:spPr>
-        <p:style>
-          <a:lnRef idx="2">
-            <a:schemeClr val="accent1">
-              <a:shade val="15000"/>
-            </a:schemeClr>
-          </a:lnRef>
-          <a:fillRef idx="1">
-            <a:schemeClr val="accent1"/>
-          </a:fillRef>
-          <a:effectRef idx="0">
-            <a:schemeClr val="accent1"/>
-          </a:effectRef>
-          <a:fontRef idx="minor">
-            <a:schemeClr val="lt1"/>
-          </a:fontRef>
-        </p:style>
-        <p:txBody>
-          <a:bodyPr rtlCol="0" anchor="ctr"/>
-          <a:lstStyle/>
-          <a:p>
-            <a:pPr algn="ctr"/>
-            <a:endParaRPr lang="en-US"/>
-          </a:p>
-        </p:txBody>
-      </p:sp>
-      <p:sp>
-        <p:nvSpPr>
-          <p:cNvPr id="4" name="Rounded Rectangle 3">
-            <a:extLst>
-              <a:ext uri="{FF2B5EF4-FFF2-40B4-BE49-F238E27FC236}">
-                <a16:creationId xmlns:a16="http://schemas.microsoft.com/office/drawing/2014/main" id="{FCED59A4-2AF4-6159-C09C-9137FCA1EA61}"/>
-              </a:ext>
-            </a:extLst>
-          </p:cNvPr>
-          <p:cNvSpPr/>
-          <p:nvPr/>
-        </p:nvSpPr>
-        <p:spPr>
-          <a:xfrm>
-            <a:off x="3542558" y="4384257"/>
-            <a:ext cx="1797269" cy="830317"/>
-          </a:xfrm>
-          <a:prstGeom prst="roundRect">
-            <a:avLst/>
-          </a:prstGeom>
         </p:spPr>
         <p:style>
           <a:lnRef idx="2">
@@ -34204,19 +34634,18 @@
           <a:p>
             <a:pPr algn="ctr"/>
             <a:r>
-              <a:rPr lang="en-US" sz="1600" dirty="0" err="1"/>
-              <a:t>switchdev</a:t>
-            </a:r>
-            <a:endParaRPr lang="en-US" sz="1600" dirty="0"/>
-          </a:p>
-        </p:txBody>
-      </p:sp>
-      <p:sp>
-        <p:nvSpPr>
-          <p:cNvPr id="6" name="Rounded Rectangle 5">
-            <a:extLst>
-              <a:ext uri="{FF2B5EF4-FFF2-40B4-BE49-F238E27FC236}">
-                <a16:creationId xmlns:a16="http://schemas.microsoft.com/office/drawing/2014/main" id="{A93F171A-9E89-8481-8C6C-AA9F88BF5F37}"/>
+              <a:rPr lang="en-US" sz="1400" dirty="0"/>
+              <a:t>repr1</a:t>
+            </a:r>
+          </a:p>
+        </p:txBody>
+      </p:sp>
+      <p:sp>
+        <p:nvSpPr>
+          <p:cNvPr id="14" name="Rounded Rectangle 13">
+            <a:extLst>
+              <a:ext uri="{FF2B5EF4-FFF2-40B4-BE49-F238E27FC236}">
+                <a16:creationId xmlns:a16="http://schemas.microsoft.com/office/drawing/2014/main" id="{CE9DFE42-196A-E6E6-29AE-2CCBB39BACD9}"/>
               </a:ext>
             </a:extLst>
           </p:cNvPr>
@@ -34225,7 +34654,7 @@
         </p:nvSpPr>
         <p:spPr>
           <a:xfrm>
-            <a:off x="4044427" y="5214574"/>
+            <a:off x="5939768" y="3206077"/>
             <a:ext cx="717332" cy="291662"/>
           </a:xfrm>
           <a:prstGeom prst="roundRect">
@@ -34253,272 +34682,37 @@
             <a:pPr algn="ctr"/>
             <a:r>
               <a:rPr lang="en-US" sz="1400" dirty="0"/>
-              <a:t>uplink</a:t>
-            </a:r>
-          </a:p>
-        </p:txBody>
-      </p:sp>
-      <p:sp>
-        <p:nvSpPr>
-          <p:cNvPr id="7" name="Rounded Rectangle 6">
-            <a:extLst>
-              <a:ext uri="{FF2B5EF4-FFF2-40B4-BE49-F238E27FC236}">
-                <a16:creationId xmlns:a16="http://schemas.microsoft.com/office/drawing/2014/main" id="{E0671EE7-922E-219B-7DD1-76A5A6EF1E8D}"/>
-              </a:ext>
-            </a:extLst>
-          </p:cNvPr>
-          <p:cNvSpPr/>
-          <p:nvPr/>
-        </p:nvSpPr>
-        <p:spPr>
-          <a:xfrm>
-            <a:off x="3542558" y="4097851"/>
-            <a:ext cx="717332" cy="291662"/>
-          </a:xfrm>
-          <a:prstGeom prst="roundRect">
-            <a:avLst/>
-          </a:prstGeom>
-        </p:spPr>
-        <p:style>
-          <a:lnRef idx="2">
-            <a:schemeClr val="accent6"/>
-          </a:lnRef>
-          <a:fillRef idx="1">
-            <a:schemeClr val="lt1"/>
-          </a:fillRef>
-          <a:effectRef idx="0">
-            <a:schemeClr val="accent6"/>
-          </a:effectRef>
-          <a:fontRef idx="minor">
-            <a:schemeClr val="dk1"/>
-          </a:fontRef>
-        </p:style>
-        <p:txBody>
-          <a:bodyPr rtlCol="0" anchor="ctr"/>
-          <a:lstStyle/>
-          <a:p>
-            <a:pPr algn="ctr"/>
-            <a:r>
-              <a:rPr lang="en-US" sz="1400" dirty="0"/>
               <a:t>vport1</a:t>
-            </a:r>
-          </a:p>
-        </p:txBody>
-      </p:sp>
-      <p:sp>
-        <p:nvSpPr>
-          <p:cNvPr id="8" name="Rounded Rectangle 7">
-            <a:extLst>
-              <a:ext uri="{FF2B5EF4-FFF2-40B4-BE49-F238E27FC236}">
-                <a16:creationId xmlns:a16="http://schemas.microsoft.com/office/drawing/2014/main" id="{8C42BB90-43B4-D29B-D8D4-1E78E273261B}"/>
-              </a:ext>
-            </a:extLst>
-          </p:cNvPr>
-          <p:cNvSpPr/>
-          <p:nvPr/>
-        </p:nvSpPr>
-        <p:spPr>
-          <a:xfrm>
-            <a:off x="4611986" y="4092595"/>
-            <a:ext cx="717332" cy="291662"/>
-          </a:xfrm>
-          <a:prstGeom prst="roundRect">
-            <a:avLst/>
-          </a:prstGeom>
-        </p:spPr>
-        <p:style>
-          <a:lnRef idx="2">
-            <a:schemeClr val="accent6"/>
-          </a:lnRef>
-          <a:fillRef idx="1">
-            <a:schemeClr val="lt1"/>
-          </a:fillRef>
-          <a:effectRef idx="0">
-            <a:schemeClr val="accent6"/>
-          </a:effectRef>
-          <a:fontRef idx="minor">
-            <a:schemeClr val="dk1"/>
-          </a:fontRef>
-        </p:style>
-        <p:txBody>
-          <a:bodyPr rtlCol="0" anchor="ctr"/>
-          <a:lstStyle/>
-          <a:p>
-            <a:pPr algn="ctr"/>
-            <a:r>
-              <a:rPr lang="en-US" sz="1400" dirty="0"/>
-              <a:t>vport2</a:t>
-            </a:r>
-          </a:p>
-        </p:txBody>
-      </p:sp>
-      <p:sp>
-        <p:nvSpPr>
-          <p:cNvPr id="13" name="Rounded Rectangle 12">
-            <a:extLst>
-              <a:ext uri="{FF2B5EF4-FFF2-40B4-BE49-F238E27FC236}">
-                <a16:creationId xmlns:a16="http://schemas.microsoft.com/office/drawing/2014/main" id="{E16450AA-71B2-CE6B-4031-984245D788E5}"/>
-              </a:ext>
-            </a:extLst>
-          </p:cNvPr>
-          <p:cNvSpPr/>
-          <p:nvPr/>
-        </p:nvSpPr>
-        <p:spPr>
-          <a:xfrm>
-            <a:off x="3553064" y="2893363"/>
-            <a:ext cx="717332" cy="291662"/>
-          </a:xfrm>
-          <a:prstGeom prst="roundRect">
-            <a:avLst/>
-          </a:prstGeom>
-        </p:spPr>
-        <p:style>
-          <a:lnRef idx="2">
-            <a:schemeClr val="accent6"/>
-          </a:lnRef>
-          <a:fillRef idx="1">
-            <a:schemeClr val="lt1"/>
-          </a:fillRef>
-          <a:effectRef idx="0">
-            <a:schemeClr val="accent6"/>
-          </a:effectRef>
-          <a:fontRef idx="minor">
-            <a:schemeClr val="dk1"/>
-          </a:fontRef>
-        </p:style>
-        <p:txBody>
-          <a:bodyPr rtlCol="0" anchor="ctr"/>
-          <a:lstStyle/>
-          <a:p>
-            <a:pPr algn="ctr"/>
-            <a:r>
-              <a:rPr lang="en-US" sz="1400" dirty="0"/>
-              <a:t>vport1</a:t>
-            </a:r>
-          </a:p>
-        </p:txBody>
-      </p:sp>
-      <p:sp>
-        <p:nvSpPr>
-          <p:cNvPr id="14" name="Rounded Rectangle 13">
-            <a:extLst>
-              <a:ext uri="{FF2B5EF4-FFF2-40B4-BE49-F238E27FC236}">
-                <a16:creationId xmlns:a16="http://schemas.microsoft.com/office/drawing/2014/main" id="{30CF6CEE-47AF-F165-2A90-28511E99A420}"/>
-              </a:ext>
-            </a:extLst>
-          </p:cNvPr>
-          <p:cNvSpPr/>
-          <p:nvPr/>
-        </p:nvSpPr>
-        <p:spPr>
-          <a:xfrm>
-            <a:off x="4629311" y="2893363"/>
-            <a:ext cx="717332" cy="291662"/>
-          </a:xfrm>
-          <a:prstGeom prst="roundRect">
-            <a:avLst/>
-          </a:prstGeom>
-        </p:spPr>
-        <p:style>
-          <a:lnRef idx="2">
-            <a:schemeClr val="accent6"/>
-          </a:lnRef>
-          <a:fillRef idx="1">
-            <a:schemeClr val="lt1"/>
-          </a:fillRef>
-          <a:effectRef idx="0">
-            <a:schemeClr val="accent6"/>
-          </a:effectRef>
-          <a:fontRef idx="minor">
-            <a:schemeClr val="dk1"/>
-          </a:fontRef>
-        </p:style>
-        <p:txBody>
-          <a:bodyPr rtlCol="0" anchor="ctr"/>
-          <a:lstStyle/>
-          <a:p>
-            <a:pPr algn="ctr"/>
-            <a:r>
-              <a:rPr lang="en-US" sz="1400" dirty="0"/>
-              <a:t>vport2</a:t>
-            </a:r>
-          </a:p>
-        </p:txBody>
-      </p:sp>
-      <p:sp>
-        <p:nvSpPr>
-          <p:cNvPr id="15" name="Rounded Rectangle 14">
-            <a:extLst>
-              <a:ext uri="{FF2B5EF4-FFF2-40B4-BE49-F238E27FC236}">
-                <a16:creationId xmlns:a16="http://schemas.microsoft.com/office/drawing/2014/main" id="{C213DFA3-8113-B454-271D-99E1414F4237}"/>
-              </a:ext>
-            </a:extLst>
-          </p:cNvPr>
-          <p:cNvSpPr/>
-          <p:nvPr/>
-        </p:nvSpPr>
-        <p:spPr>
-          <a:xfrm>
-            <a:off x="3274541" y="1922471"/>
-            <a:ext cx="1147757" cy="970892"/>
-          </a:xfrm>
-          <a:prstGeom prst="roundRect">
-            <a:avLst/>
-          </a:prstGeom>
-        </p:spPr>
-        <p:style>
-          <a:lnRef idx="2">
-            <a:schemeClr val="accent6"/>
-          </a:lnRef>
-          <a:fillRef idx="1">
-            <a:schemeClr val="lt1"/>
-          </a:fillRef>
-          <a:effectRef idx="0">
-            <a:schemeClr val="accent6"/>
-          </a:effectRef>
-          <a:fontRef idx="minor">
-            <a:schemeClr val="dk1"/>
-          </a:fontRef>
-        </p:style>
-        <p:txBody>
-          <a:bodyPr rtlCol="0" anchor="ctr"/>
-          <a:lstStyle/>
-          <a:p>
-            <a:pPr algn="ctr"/>
-            <a:r>
-              <a:rPr lang="en-US" sz="1400" dirty="0"/>
-              <a:t>VM1/ Container</a:t>
             </a:r>
           </a:p>
         </p:txBody>
       </p:sp>
       <p:cxnSp>
         <p:nvCxnSpPr>
-          <p:cNvPr id="19" name="Straight Connector 18">
-            <a:extLst>
-              <a:ext uri="{FF2B5EF4-FFF2-40B4-BE49-F238E27FC236}">
-                <a16:creationId xmlns:a16="http://schemas.microsoft.com/office/drawing/2014/main" id="{3AAAD41C-ADED-7257-0486-651BA21CFD75}"/>
+          <p:cNvPr id="16" name="Straight Connector 15">
+            <a:extLst>
+              <a:ext uri="{FF2B5EF4-FFF2-40B4-BE49-F238E27FC236}">
+                <a16:creationId xmlns:a16="http://schemas.microsoft.com/office/drawing/2014/main" id="{529999F8-139E-8534-1EAE-0C47DA09CBF3}"/>
               </a:ext>
             </a:extLst>
           </p:cNvPr>
           <p:cNvCxnSpPr>
-            <a:stCxn id="7" idx="0"/>
-            <a:endCxn id="13" idx="2"/>
+            <a:cxnSpLocks/>
           </p:cNvCxnSpPr>
           <p:nvPr/>
         </p:nvCxnSpPr>
         <p:spPr>
           <a:xfrm flipV="1">
-            <a:off x="3901224" y="3185025"/>
-            <a:ext cx="10506" cy="912826"/>
+            <a:off x="6313925" y="3542127"/>
+            <a:ext cx="0" cy="533399"/>
           </a:xfrm>
           <a:prstGeom prst="line">
             <a:avLst/>
           </a:prstGeom>
           <a:ln>
+            <a:prstDash val="dash"/>
             <a:headEnd type="triangle"/>
-            <a:tailEnd type="triangle"/>
+            <a:tailEnd type="none"/>
           </a:ln>
         </p:spPr>
         <p:style>
@@ -34536,31 +34730,104 @@
           </a:fontRef>
         </p:style>
       </p:cxnSp>
+      <p:sp>
+        <p:nvSpPr>
+          <p:cNvPr id="18" name="TextBox 17">
+            <a:extLst>
+              <a:ext uri="{FF2B5EF4-FFF2-40B4-BE49-F238E27FC236}">
+                <a16:creationId xmlns:a16="http://schemas.microsoft.com/office/drawing/2014/main" id="{5CD5E337-699E-D3BB-8464-A8B73B10AAC5}"/>
+              </a:ext>
+            </a:extLst>
+          </p:cNvPr>
+          <p:cNvSpPr txBox="1"/>
+          <p:nvPr/>
+        </p:nvSpPr>
+        <p:spPr>
+          <a:xfrm>
+            <a:off x="5718640" y="3625785"/>
+            <a:ext cx="554960" cy="307777"/>
+          </a:xfrm>
+          <a:prstGeom prst="rect">
+            <a:avLst/>
+          </a:prstGeom>
+          <a:noFill/>
+        </p:spPr>
+        <p:txBody>
+          <a:bodyPr wrap="none" rtlCol="0">
+            <a:spAutoFit/>
+          </a:bodyPr>
+          <a:lstStyle/>
+          <a:p>
+            <a:r>
+              <a:rPr lang="en-US" sz="1400" dirty="0"/>
+              <a:t>miss</a:t>
+            </a:r>
+          </a:p>
+        </p:txBody>
+      </p:sp>
+      <p:sp>
+        <p:nvSpPr>
+          <p:cNvPr id="19" name="TextBox 18">
+            <a:extLst>
+              <a:ext uri="{FF2B5EF4-FFF2-40B4-BE49-F238E27FC236}">
+                <a16:creationId xmlns:a16="http://schemas.microsoft.com/office/drawing/2014/main" id="{B0EF0CA5-8BE1-AA9F-DE3C-6B2C87B6FC90}"/>
+              </a:ext>
+            </a:extLst>
+          </p:cNvPr>
+          <p:cNvSpPr txBox="1"/>
+          <p:nvPr/>
+        </p:nvSpPr>
+        <p:spPr>
+          <a:xfrm>
+            <a:off x="5848173" y="2525505"/>
+            <a:ext cx="900524" cy="307777"/>
+          </a:xfrm>
+          <a:prstGeom prst="rect">
+            <a:avLst/>
+          </a:prstGeom>
+          <a:noFill/>
+        </p:spPr>
+        <p:txBody>
+          <a:bodyPr wrap="square" rtlCol="0">
+            <a:spAutoFit/>
+          </a:bodyPr>
+          <a:lstStyle/>
+          <a:p>
+            <a:r>
+              <a:rPr lang="en-US" sz="1400" dirty="0"/>
+              <a:t>VM send</a:t>
+            </a:r>
+          </a:p>
+        </p:txBody>
+      </p:sp>
       <p:cxnSp>
         <p:nvCxnSpPr>
-          <p:cNvPr id="31" name="Straight Connector 30">
-            <a:extLst>
-              <a:ext uri="{FF2B5EF4-FFF2-40B4-BE49-F238E27FC236}">
-                <a16:creationId xmlns:a16="http://schemas.microsoft.com/office/drawing/2014/main" id="{09E6552B-7A37-0DC4-39B3-04D462A13EC2}"/>
+          <p:cNvPr id="20" name="Straight Connector 19">
+            <a:extLst>
+              <a:ext uri="{FF2B5EF4-FFF2-40B4-BE49-F238E27FC236}">
+                <a16:creationId xmlns:a16="http://schemas.microsoft.com/office/drawing/2014/main" id="{9BBC5139-9DA8-F141-D779-412F7F57830B}"/>
               </a:ext>
             </a:extLst>
           </p:cNvPr>
           <p:cNvCxnSpPr>
             <a:cxnSpLocks/>
+            <a:stCxn id="14" idx="0"/>
+            <a:endCxn id="19" idx="2"/>
           </p:cNvCxnSpPr>
           <p:nvPr/>
         </p:nvCxnSpPr>
         <p:spPr>
           <a:xfrm flipV="1">
-            <a:off x="4372870" y="5506236"/>
-            <a:ext cx="0" cy="533399"/>
+            <a:off x="6298434" y="2833282"/>
+            <a:ext cx="1" cy="372795"/>
           </a:xfrm>
           <a:prstGeom prst="line">
             <a:avLst/>
           </a:prstGeom>
           <a:ln>
+            <a:prstDash val="dash"/>
             <a:headEnd type="triangle"/>
-            <a:tailEnd type="triangle"/>
+            <a:tailEnd type="none"/>
           </a:ln>
         </p:spPr>
         <p:style>
@@ -34578,33 +34845,231 @@
           </a:fontRef>
         </p:style>
       </p:cxnSp>
+      <p:sp>
+        <p:nvSpPr>
+          <p:cNvPr id="23" name="TextBox 22">
+            <a:extLst>
+              <a:ext uri="{FF2B5EF4-FFF2-40B4-BE49-F238E27FC236}">
+                <a16:creationId xmlns:a16="http://schemas.microsoft.com/office/drawing/2014/main" id="{B3098634-9BFB-47D3-FC5F-3E955AE1F6C3}"/>
+              </a:ext>
+            </a:extLst>
+          </p:cNvPr>
+          <p:cNvSpPr txBox="1"/>
+          <p:nvPr/>
+        </p:nvSpPr>
+        <p:spPr>
+          <a:xfrm>
+            <a:off x="6332972" y="3821207"/>
+            <a:ext cx="324128" cy="307777"/>
+          </a:xfrm>
+          <a:prstGeom prst="rect">
+            <a:avLst/>
+          </a:prstGeom>
+          <a:noFill/>
+        </p:spPr>
+        <p:txBody>
+          <a:bodyPr wrap="none" rtlCol="0">
+            <a:spAutoFit/>
+          </a:bodyPr>
+          <a:lstStyle/>
+          <a:p>
+            <a:r>
+              <a:rPr lang="en-US" sz="1400" dirty="0" err="1">
+                <a:solidFill>
+                  <a:schemeClr val="tx1">
+                    <a:lumMod val="50000"/>
+                    <a:lumOff val="50000"/>
+                  </a:schemeClr>
+                </a:solidFill>
+              </a:rPr>
+              <a:t>rx</a:t>
+            </a:r>
+            <a:endParaRPr lang="en-US" sz="1400" dirty="0">
+              <a:solidFill>
+                <a:schemeClr val="tx1">
+                  <a:lumMod val="50000"/>
+                  <a:lumOff val="50000"/>
+                </a:schemeClr>
+              </a:solidFill>
+            </a:endParaRPr>
+          </a:p>
+        </p:txBody>
+      </p:sp>
+      <p:sp>
+        <p:nvSpPr>
+          <p:cNvPr id="25" name="TextBox 24">
+            <a:extLst>
+              <a:ext uri="{FF2B5EF4-FFF2-40B4-BE49-F238E27FC236}">
+                <a16:creationId xmlns:a16="http://schemas.microsoft.com/office/drawing/2014/main" id="{AA2FA901-92B3-F91B-382A-433C1EFB4F76}"/>
+              </a:ext>
+            </a:extLst>
+          </p:cNvPr>
+          <p:cNvSpPr txBox="1"/>
+          <p:nvPr/>
+        </p:nvSpPr>
+        <p:spPr>
+          <a:xfrm>
+            <a:off x="6313925" y="2909552"/>
+            <a:ext cx="322524" cy="307777"/>
+          </a:xfrm>
+          <a:prstGeom prst="rect">
+            <a:avLst/>
+          </a:prstGeom>
+          <a:noFill/>
+        </p:spPr>
+        <p:txBody>
+          <a:bodyPr wrap="none" rtlCol="0">
+            <a:spAutoFit/>
+          </a:bodyPr>
+          <a:lstStyle/>
+          <a:p>
+            <a:r>
+              <a:rPr lang="en-US" sz="1400" dirty="0" err="1">
+                <a:solidFill>
+                  <a:schemeClr val="tx1">
+                    <a:lumMod val="50000"/>
+                    <a:lumOff val="50000"/>
+                  </a:schemeClr>
+                </a:solidFill>
+              </a:rPr>
+              <a:t>tx</a:t>
+            </a:r>
+            <a:endParaRPr lang="en-US" sz="1400" dirty="0">
+              <a:solidFill>
+                <a:schemeClr val="tx1">
+                  <a:lumMod val="50000"/>
+                  <a:lumOff val="50000"/>
+                </a:schemeClr>
+              </a:solidFill>
+            </a:endParaRPr>
+          </a:p>
+        </p:txBody>
+      </p:sp>
+      <p:sp>
+        <p:nvSpPr>
+          <p:cNvPr id="27" name="Rounded Rectangle 26">
+            <a:extLst>
+              <a:ext uri="{FF2B5EF4-FFF2-40B4-BE49-F238E27FC236}">
+                <a16:creationId xmlns:a16="http://schemas.microsoft.com/office/drawing/2014/main" id="{F8B0AD5B-4340-99CB-7A6C-534550760D04}"/>
+              </a:ext>
+            </a:extLst>
+          </p:cNvPr>
+          <p:cNvSpPr/>
+          <p:nvPr/>
+        </p:nvSpPr>
+        <p:spPr>
+          <a:xfrm>
+            <a:off x="7062239" y="4125790"/>
+            <a:ext cx="717332" cy="291662"/>
+          </a:xfrm>
+          <a:prstGeom prst="roundRect">
+            <a:avLst/>
+          </a:prstGeom>
+        </p:spPr>
+        <p:style>
+          <a:lnRef idx="2">
+            <a:schemeClr val="accent6"/>
+          </a:lnRef>
+          <a:fillRef idx="1">
+            <a:schemeClr val="lt1"/>
+          </a:fillRef>
+          <a:effectRef idx="0">
+            <a:schemeClr val="accent6"/>
+          </a:effectRef>
+          <a:fontRef idx="minor">
+            <a:schemeClr val="dk1"/>
+          </a:fontRef>
+        </p:style>
+        <p:txBody>
+          <a:bodyPr rtlCol="0" anchor="ctr"/>
+          <a:lstStyle/>
+          <a:p>
+            <a:pPr algn="ctr"/>
+            <a:r>
+              <a:rPr lang="en-US" sz="1400" dirty="0"/>
+              <a:t>vport1</a:t>
+            </a:r>
+          </a:p>
+        </p:txBody>
+      </p:sp>
+      <p:sp>
+        <p:nvSpPr>
+          <p:cNvPr id="28" name="Rounded Rectangle 27">
+            <a:extLst>
+              <a:ext uri="{FF2B5EF4-FFF2-40B4-BE49-F238E27FC236}">
+                <a16:creationId xmlns:a16="http://schemas.microsoft.com/office/drawing/2014/main" id="{6076CDB8-3200-BAD4-9206-0BC5299F704C}"/>
+              </a:ext>
+            </a:extLst>
+          </p:cNvPr>
+          <p:cNvSpPr/>
+          <p:nvPr/>
+        </p:nvSpPr>
+        <p:spPr>
+          <a:xfrm>
+            <a:off x="7046748" y="3206077"/>
+            <a:ext cx="717332" cy="291662"/>
+          </a:xfrm>
+          <a:prstGeom prst="roundRect">
+            <a:avLst/>
+          </a:prstGeom>
+          <a:solidFill>
+            <a:schemeClr val="bg1">
+              <a:lumMod val="95000"/>
+            </a:schemeClr>
+          </a:solidFill>
+        </p:spPr>
+        <p:style>
+          <a:lnRef idx="2">
+            <a:schemeClr val="accent6"/>
+          </a:lnRef>
+          <a:fillRef idx="1">
+            <a:schemeClr val="lt1"/>
+          </a:fillRef>
+          <a:effectRef idx="0">
+            <a:schemeClr val="accent6"/>
+          </a:effectRef>
+          <a:fontRef idx="minor">
+            <a:schemeClr val="dk1"/>
+          </a:fontRef>
+        </p:style>
+        <p:txBody>
+          <a:bodyPr rtlCol="0" anchor="ctr"/>
+          <a:lstStyle/>
+          <a:p>
+            <a:pPr algn="ctr"/>
+            <a:r>
+              <a:rPr lang="en-US" sz="1400" dirty="0"/>
+              <a:t>repr1</a:t>
+            </a:r>
+          </a:p>
+        </p:txBody>
+      </p:sp>
       <p:cxnSp>
         <p:nvCxnSpPr>
-          <p:cNvPr id="3" name="Straight Connector 2">
-            <a:extLst>
-              <a:ext uri="{FF2B5EF4-FFF2-40B4-BE49-F238E27FC236}">
-                <a16:creationId xmlns:a16="http://schemas.microsoft.com/office/drawing/2014/main" id="{218834F3-413C-62B1-FB5B-3757EC44C060}"/>
+          <p:cNvPr id="29" name="Straight Connector 28">
+            <a:extLst>
+              <a:ext uri="{FF2B5EF4-FFF2-40B4-BE49-F238E27FC236}">
+                <a16:creationId xmlns:a16="http://schemas.microsoft.com/office/drawing/2014/main" id="{AE1E0126-E096-5973-0A6D-957EDE11E879}"/>
               </a:ext>
             </a:extLst>
           </p:cNvPr>
           <p:cNvCxnSpPr>
             <a:cxnSpLocks/>
-            <a:stCxn id="8" idx="0"/>
-            <a:endCxn id="14" idx="2"/>
           </p:cNvCxnSpPr>
           <p:nvPr/>
         </p:nvCxnSpPr>
         <p:spPr>
           <a:xfrm flipV="1">
-            <a:off x="4970652" y="3185025"/>
-            <a:ext cx="17325" cy="907570"/>
+            <a:off x="7420905" y="3542127"/>
+            <a:ext cx="0" cy="533399"/>
           </a:xfrm>
           <a:prstGeom prst="line">
             <a:avLst/>
           </a:prstGeom>
           <a:ln>
+            <a:prstDash val="dash"/>
             <a:headEnd type="triangle"/>
-            <a:tailEnd type="triangle"/>
+            <a:tailEnd type="none"/>
           </a:ln>
         </p:spPr>
         <p:style>
@@ -34624,57 +35089,10 @@
       </p:cxnSp>
       <p:sp>
         <p:nvSpPr>
-          <p:cNvPr id="22" name="Rounded Rectangle 21">
-            <a:extLst>
-              <a:ext uri="{FF2B5EF4-FFF2-40B4-BE49-F238E27FC236}">
-                <a16:creationId xmlns:a16="http://schemas.microsoft.com/office/drawing/2014/main" id="{81A3C4DF-ABA0-DD59-C471-37FB40C3FDE3}"/>
-              </a:ext>
-            </a:extLst>
-          </p:cNvPr>
-          <p:cNvSpPr/>
-          <p:nvPr/>
-        </p:nvSpPr>
-        <p:spPr>
-          <a:xfrm>
-            <a:off x="4474567" y="1911773"/>
-            <a:ext cx="1147757" cy="970892"/>
-          </a:xfrm>
-          <a:prstGeom prst="roundRect">
-            <a:avLst/>
-          </a:prstGeom>
-        </p:spPr>
-        <p:style>
-          <a:lnRef idx="2">
-            <a:schemeClr val="accent6"/>
-          </a:lnRef>
-          <a:fillRef idx="1">
-            <a:schemeClr val="lt1"/>
-          </a:fillRef>
-          <a:effectRef idx="0">
-            <a:schemeClr val="accent6"/>
-          </a:effectRef>
-          <a:fontRef idx="minor">
-            <a:schemeClr val="dk1"/>
-          </a:fontRef>
-        </p:style>
-        <p:txBody>
-          <a:bodyPr rtlCol="0" anchor="ctr"/>
-          <a:lstStyle/>
-          <a:p>
-            <a:pPr algn="ctr"/>
-            <a:r>
-              <a:rPr lang="en-US" sz="1400" dirty="0"/>
-              <a:t>VM2/ Container</a:t>
-            </a:r>
-          </a:p>
-        </p:txBody>
-      </p:sp>
-      <p:sp>
-        <p:nvSpPr>
-          <p:cNvPr id="23" name="TextBox 22">
-            <a:extLst>
-              <a:ext uri="{FF2B5EF4-FFF2-40B4-BE49-F238E27FC236}">
-                <a16:creationId xmlns:a16="http://schemas.microsoft.com/office/drawing/2014/main" id="{7C1CAE90-8E34-0ECF-D2BF-1242B673F955}"/>
+          <p:cNvPr id="31" name="TextBox 30">
+            <a:extLst>
+              <a:ext uri="{FF2B5EF4-FFF2-40B4-BE49-F238E27FC236}">
+                <a16:creationId xmlns:a16="http://schemas.microsoft.com/office/drawing/2014/main" id="{94C9BC3F-6D1E-EC44-A044-9839E3F4EC41}"/>
               </a:ext>
             </a:extLst>
           </p:cNvPr>
@@ -34683,8 +35101,8 @@
         </p:nvSpPr>
         <p:spPr>
           <a:xfrm>
-            <a:off x="5075108" y="5415960"/>
-            <a:ext cx="524503" cy="338554"/>
+            <a:off x="6929161" y="2532585"/>
+            <a:ext cx="952505" cy="307777"/>
           </a:xfrm>
           <a:prstGeom prst="rect">
             <a:avLst/>
@@ -34698,266 +35116,32 @@
           <a:lstStyle/>
           <a:p>
             <a:r>
-              <a:rPr lang="en-US" sz="1600" dirty="0"/>
-              <a:t>NIC</a:t>
-            </a:r>
-          </a:p>
-        </p:txBody>
-      </p:sp>
-      <p:sp>
-        <p:nvSpPr>
-          <p:cNvPr id="26" name="TextBox 25">
-            <a:extLst>
-              <a:ext uri="{FF2B5EF4-FFF2-40B4-BE49-F238E27FC236}">
-                <a16:creationId xmlns:a16="http://schemas.microsoft.com/office/drawing/2014/main" id="{7FD9F989-26F1-65BE-6A2A-A34AD53FA089}"/>
-              </a:ext>
-            </a:extLst>
-          </p:cNvPr>
-          <p:cNvSpPr txBox="1"/>
-          <p:nvPr/>
-        </p:nvSpPr>
-        <p:spPr>
-          <a:xfrm>
-            <a:off x="5110758" y="3168093"/>
-            <a:ext cx="608243" cy="338554"/>
-          </a:xfrm>
-          <a:prstGeom prst="rect">
-            <a:avLst/>
-          </a:prstGeom>
-          <a:noFill/>
-        </p:spPr>
-        <p:txBody>
-          <a:bodyPr wrap="none" rtlCol="0">
-            <a:spAutoFit/>
-          </a:bodyPr>
-          <a:lstStyle/>
-          <a:p>
-            <a:r>
-              <a:rPr lang="en-US" sz="1600" dirty="0"/>
-              <a:t>Host</a:t>
-            </a:r>
-          </a:p>
-        </p:txBody>
-      </p:sp>
-      <p:sp>
-        <p:nvSpPr>
-          <p:cNvPr id="27" name="Rounded Rectangle 26">
-            <a:extLst>
-              <a:ext uri="{FF2B5EF4-FFF2-40B4-BE49-F238E27FC236}">
-                <a16:creationId xmlns:a16="http://schemas.microsoft.com/office/drawing/2014/main" id="{216D8A09-5F0D-C44D-EB1C-A741802E532E}"/>
-              </a:ext>
-            </a:extLst>
-          </p:cNvPr>
-          <p:cNvSpPr/>
-          <p:nvPr/>
-        </p:nvSpPr>
-        <p:spPr>
-          <a:xfrm>
-            <a:off x="6312911" y="4366706"/>
-            <a:ext cx="1797269" cy="830317"/>
-          </a:xfrm>
-          <a:prstGeom prst="roundRect">
-            <a:avLst/>
-          </a:prstGeom>
-        </p:spPr>
-        <p:style>
-          <a:lnRef idx="2">
-            <a:schemeClr val="accent6"/>
-          </a:lnRef>
-          <a:fillRef idx="1">
-            <a:schemeClr val="lt1"/>
-          </a:fillRef>
-          <a:effectRef idx="0">
-            <a:schemeClr val="accent6"/>
-          </a:effectRef>
-          <a:fontRef idx="minor">
-            <a:schemeClr val="dk1"/>
-          </a:fontRef>
-        </p:style>
-        <p:txBody>
-          <a:bodyPr rtlCol="0" anchor="ctr"/>
-          <a:lstStyle/>
-          <a:p>
-            <a:pPr algn="ctr"/>
-            <a:r>
-              <a:rPr lang="en-US" sz="1600" dirty="0"/>
-              <a:t>Software Switch</a:t>
-            </a:r>
-          </a:p>
-          <a:p>
-            <a:pPr algn="ctr"/>
-            <a:r>
               <a:rPr lang="en-US" sz="1400" dirty="0"/>
-              <a:t>OVS / Linux bridge</a:t>
-            </a:r>
-          </a:p>
-        </p:txBody>
-      </p:sp>
-      <p:sp>
-        <p:nvSpPr>
-          <p:cNvPr id="29" name="Rounded Rectangle 28">
-            <a:extLst>
-              <a:ext uri="{FF2B5EF4-FFF2-40B4-BE49-F238E27FC236}">
-                <a16:creationId xmlns:a16="http://schemas.microsoft.com/office/drawing/2014/main" id="{7B6B2C8C-5712-86B2-ED70-4C329C25A505}"/>
-              </a:ext>
-            </a:extLst>
-          </p:cNvPr>
-          <p:cNvSpPr/>
-          <p:nvPr/>
-        </p:nvSpPr>
-        <p:spPr>
-          <a:xfrm>
-            <a:off x="8095270" y="4629781"/>
-            <a:ext cx="835572" cy="417786"/>
-          </a:xfrm>
-          <a:prstGeom prst="roundRect">
-            <a:avLst/>
-          </a:prstGeom>
-        </p:spPr>
-        <p:style>
-          <a:lnRef idx="2">
-            <a:schemeClr val="accent6"/>
-          </a:lnRef>
-          <a:fillRef idx="1">
-            <a:schemeClr val="lt1"/>
-          </a:fillRef>
-          <a:effectRef idx="0">
-            <a:schemeClr val="accent6"/>
-          </a:effectRef>
-          <a:fontRef idx="minor">
-            <a:schemeClr val="dk1"/>
-          </a:fontRef>
-        </p:style>
-        <p:txBody>
-          <a:bodyPr rtlCol="0" anchor="ctr"/>
-          <a:lstStyle/>
-          <a:p>
-            <a:pPr algn="ctr"/>
-            <a:r>
-              <a:rPr lang="en-US" sz="1400" dirty="0"/>
-              <a:t>Uplink </a:t>
-            </a:r>
-            <a:r>
-              <a:rPr lang="en-US" sz="1400" dirty="0" err="1"/>
-              <a:t>repr</a:t>
-            </a:r>
-            <a:endParaRPr lang="en-US" sz="1400" dirty="0"/>
-          </a:p>
-        </p:txBody>
-      </p:sp>
-      <p:sp>
-        <p:nvSpPr>
-          <p:cNvPr id="30" name="Rounded Rectangle 29">
-            <a:extLst>
-              <a:ext uri="{FF2B5EF4-FFF2-40B4-BE49-F238E27FC236}">
-                <a16:creationId xmlns:a16="http://schemas.microsoft.com/office/drawing/2014/main" id="{1B1D8E42-31AD-8F48-8278-A55C620E8CAC}"/>
-              </a:ext>
-            </a:extLst>
-          </p:cNvPr>
-          <p:cNvSpPr/>
-          <p:nvPr/>
-        </p:nvSpPr>
-        <p:spPr>
-          <a:xfrm>
-            <a:off x="6312911" y="4080300"/>
-            <a:ext cx="717332" cy="291662"/>
-          </a:xfrm>
-          <a:prstGeom prst="roundRect">
-            <a:avLst/>
-          </a:prstGeom>
-        </p:spPr>
-        <p:style>
-          <a:lnRef idx="2">
-            <a:schemeClr val="accent6"/>
-          </a:lnRef>
-          <a:fillRef idx="1">
-            <a:schemeClr val="lt1"/>
-          </a:fillRef>
-          <a:effectRef idx="0">
-            <a:schemeClr val="accent6"/>
-          </a:effectRef>
-          <a:fontRef idx="minor">
-            <a:schemeClr val="dk1"/>
-          </a:fontRef>
-        </p:style>
-        <p:txBody>
-          <a:bodyPr rtlCol="0" anchor="ctr"/>
-          <a:lstStyle/>
-          <a:p>
-            <a:pPr algn="ctr"/>
-            <a:r>
-              <a:rPr lang="en-US" sz="1400" dirty="0"/>
-              <a:t>repr1</a:t>
-            </a:r>
-          </a:p>
-        </p:txBody>
-      </p:sp>
-      <p:sp>
-        <p:nvSpPr>
-          <p:cNvPr id="33" name="Rounded Rectangle 32">
-            <a:extLst>
-              <a:ext uri="{FF2B5EF4-FFF2-40B4-BE49-F238E27FC236}">
-                <a16:creationId xmlns:a16="http://schemas.microsoft.com/office/drawing/2014/main" id="{9A8FDF0E-0D96-EF6C-AC8D-92523127615D}"/>
-              </a:ext>
-            </a:extLst>
-          </p:cNvPr>
-          <p:cNvSpPr/>
-          <p:nvPr/>
-        </p:nvSpPr>
-        <p:spPr>
-          <a:xfrm>
-            <a:off x="7382339" y="4075044"/>
-            <a:ext cx="717332" cy="291662"/>
-          </a:xfrm>
-          <a:prstGeom prst="roundRect">
-            <a:avLst/>
-          </a:prstGeom>
-        </p:spPr>
-        <p:style>
-          <a:lnRef idx="2">
-            <a:schemeClr val="accent6"/>
-          </a:lnRef>
-          <a:fillRef idx="1">
-            <a:schemeClr val="lt1"/>
-          </a:fillRef>
-          <a:effectRef idx="0">
-            <a:schemeClr val="accent6"/>
-          </a:effectRef>
-          <a:fontRef idx="minor">
-            <a:schemeClr val="dk1"/>
-          </a:fontRef>
-        </p:style>
-        <p:txBody>
-          <a:bodyPr rtlCol="0" anchor="ctr"/>
-          <a:lstStyle/>
-          <a:p>
-            <a:pPr algn="ctr"/>
-            <a:r>
-              <a:rPr lang="en-US" sz="1400" dirty="0"/>
-              <a:t>repr2</a:t>
+              <a:t>DPU send</a:t>
             </a:r>
           </a:p>
         </p:txBody>
       </p:sp>
       <p:cxnSp>
         <p:nvCxnSpPr>
-          <p:cNvPr id="34" name="Straight Connector 33">
-            <a:extLst>
-              <a:ext uri="{FF2B5EF4-FFF2-40B4-BE49-F238E27FC236}">
-                <a16:creationId xmlns:a16="http://schemas.microsoft.com/office/drawing/2014/main" id="{40DF36BD-0424-CE5F-3591-84A7A4F64ADE}"/>
+          <p:cNvPr id="32" name="Straight Connector 31">
+            <a:extLst>
+              <a:ext uri="{FF2B5EF4-FFF2-40B4-BE49-F238E27FC236}">
+                <a16:creationId xmlns:a16="http://schemas.microsoft.com/office/drawing/2014/main" id="{9F72F0C7-9D11-A2C3-D193-C5552CF19CA9}"/>
               </a:ext>
             </a:extLst>
           </p:cNvPr>
           <p:cNvCxnSpPr>
             <a:cxnSpLocks/>
-            <a:endCxn id="35" idx="2"/>
+            <a:stCxn id="28" idx="0"/>
+            <a:endCxn id="31" idx="2"/>
           </p:cNvCxnSpPr>
           <p:nvPr/>
         </p:nvCxnSpPr>
         <p:spPr>
           <a:xfrm flipV="1">
-            <a:off x="7198836" y="5483429"/>
-            <a:ext cx="0" cy="533399"/>
+            <a:off x="7405414" y="2840362"/>
+            <a:ext cx="0" cy="365715"/>
           </a:xfrm>
           <a:prstGeom prst="line">
             <a:avLst/>
@@ -34965,7 +35149,7 @@
           <a:ln>
             <a:prstDash val="dash"/>
             <a:headEnd type="triangle"/>
-            <a:tailEnd type="triangle"/>
+            <a:tailEnd type="none"/>
           </a:ln>
         </p:spPr>
         <p:style>
@@ -34985,143 +35169,10 @@
       </p:cxnSp>
       <p:sp>
         <p:nvSpPr>
-          <p:cNvPr id="35" name="Rounded Rectangle 34">
-            <a:extLst>
-              <a:ext uri="{FF2B5EF4-FFF2-40B4-BE49-F238E27FC236}">
-                <a16:creationId xmlns:a16="http://schemas.microsoft.com/office/drawing/2014/main" id="{648C944C-E705-200B-403D-32D45A8CD4CF}"/>
-              </a:ext>
-            </a:extLst>
-          </p:cNvPr>
-          <p:cNvSpPr/>
-          <p:nvPr/>
-        </p:nvSpPr>
-        <p:spPr>
-          <a:xfrm>
-            <a:off x="6840170" y="5191767"/>
-            <a:ext cx="717332" cy="291662"/>
-          </a:xfrm>
-          <a:prstGeom prst="roundRect">
-            <a:avLst/>
-          </a:prstGeom>
-        </p:spPr>
-        <p:style>
-          <a:lnRef idx="2">
-            <a:schemeClr val="accent6"/>
-          </a:lnRef>
-          <a:fillRef idx="1">
-            <a:schemeClr val="lt1"/>
-          </a:fillRef>
-          <a:effectRef idx="0">
-            <a:schemeClr val="accent6"/>
-          </a:effectRef>
-          <a:fontRef idx="minor">
-            <a:schemeClr val="dk1"/>
-          </a:fontRef>
-        </p:style>
-        <p:txBody>
-          <a:bodyPr rtlCol="0" anchor="ctr"/>
-          <a:lstStyle/>
-          <a:p>
-            <a:pPr algn="ctr"/>
-            <a:r>
-              <a:rPr lang="en-US" sz="1400" dirty="0"/>
-              <a:t>uplink</a:t>
-            </a:r>
-          </a:p>
-        </p:txBody>
-      </p:sp>
-      <p:cxnSp>
-        <p:nvCxnSpPr>
-          <p:cNvPr id="37" name="Straight Connector 36">
-            <a:extLst>
-              <a:ext uri="{FF2B5EF4-FFF2-40B4-BE49-F238E27FC236}">
-                <a16:creationId xmlns:a16="http://schemas.microsoft.com/office/drawing/2014/main" id="{DC2A839C-3424-6D20-5EAA-FA212BAC78A5}"/>
-              </a:ext>
-            </a:extLst>
-          </p:cNvPr>
-          <p:cNvCxnSpPr>
-            <a:cxnSpLocks/>
-          </p:cNvCxnSpPr>
-          <p:nvPr/>
-        </p:nvCxnSpPr>
-        <p:spPr>
-          <a:xfrm flipV="1">
-            <a:off x="6634544" y="3529002"/>
-            <a:ext cx="0" cy="533399"/>
-          </a:xfrm>
-          <a:prstGeom prst="line">
-            <a:avLst/>
-          </a:prstGeom>
-          <a:ln>
-            <a:prstDash val="dash"/>
-            <a:headEnd type="triangle"/>
-            <a:tailEnd type="triangle"/>
-          </a:ln>
-        </p:spPr>
-        <p:style>
-          <a:lnRef idx="2">
-            <a:schemeClr val="accent1"/>
-          </a:lnRef>
-          <a:fillRef idx="0">
-            <a:schemeClr val="accent1"/>
-          </a:fillRef>
-          <a:effectRef idx="1">
-            <a:schemeClr val="accent1"/>
-          </a:effectRef>
-          <a:fontRef idx="minor">
-            <a:schemeClr val="tx1"/>
-          </a:fontRef>
-        </p:style>
-      </p:cxnSp>
-      <p:cxnSp>
-        <p:nvCxnSpPr>
-          <p:cNvPr id="38" name="Straight Connector 37">
-            <a:extLst>
-              <a:ext uri="{FF2B5EF4-FFF2-40B4-BE49-F238E27FC236}">
-                <a16:creationId xmlns:a16="http://schemas.microsoft.com/office/drawing/2014/main" id="{95C79122-6135-02DA-C609-6C600FADFCD4}"/>
-              </a:ext>
-            </a:extLst>
-          </p:cNvPr>
-          <p:cNvCxnSpPr>
-            <a:cxnSpLocks/>
-          </p:cNvCxnSpPr>
-          <p:nvPr/>
-        </p:nvCxnSpPr>
-        <p:spPr>
-          <a:xfrm flipV="1">
-            <a:off x="7763128" y="3541645"/>
-            <a:ext cx="0" cy="533399"/>
-          </a:xfrm>
-          <a:prstGeom prst="line">
-            <a:avLst/>
-          </a:prstGeom>
-          <a:ln>
-            <a:prstDash val="dash"/>
-            <a:headEnd type="triangle"/>
-            <a:tailEnd type="triangle"/>
-          </a:ln>
-        </p:spPr>
-        <p:style>
-          <a:lnRef idx="2">
-            <a:schemeClr val="accent1"/>
-          </a:lnRef>
-          <a:fillRef idx="0">
-            <a:schemeClr val="accent1"/>
-          </a:fillRef>
-          <a:effectRef idx="1">
-            <a:schemeClr val="accent1"/>
-          </a:effectRef>
-          <a:fontRef idx="minor">
-            <a:schemeClr val="tx1"/>
-          </a:fontRef>
-        </p:style>
-      </p:cxnSp>
-      <p:sp>
-        <p:nvSpPr>
-          <p:cNvPr id="39" name="TextBox 38">
-            <a:extLst>
-              <a:ext uri="{FF2B5EF4-FFF2-40B4-BE49-F238E27FC236}">
-                <a16:creationId xmlns:a16="http://schemas.microsoft.com/office/drawing/2014/main" id="{B91EA664-9637-6C19-90B2-55F99CB7B8C0}"/>
+          <p:cNvPr id="33" name="TextBox 32">
+            <a:extLst>
+              <a:ext uri="{FF2B5EF4-FFF2-40B4-BE49-F238E27FC236}">
+                <a16:creationId xmlns:a16="http://schemas.microsoft.com/office/drawing/2014/main" id="{3F760E2C-62CD-1D21-D010-82D5B0F0A295}"/>
               </a:ext>
             </a:extLst>
           </p:cNvPr>
@@ -35130,18 +35181,13 @@
         </p:nvSpPr>
         <p:spPr>
           <a:xfrm>
-            <a:off x="6099978" y="2880776"/>
-            <a:ext cx="2633670" cy="584775"/>
+            <a:off x="7439952" y="3821207"/>
+            <a:ext cx="324128" cy="307777"/>
           </a:xfrm>
           <a:prstGeom prst="rect">
             <a:avLst/>
           </a:prstGeom>
           <a:noFill/>
-          <a:ln>
-            <a:solidFill>
-              <a:schemeClr val="accent6"/>
-            </a:solidFill>
-          </a:ln>
         </p:spPr>
         <p:txBody>
           <a:bodyPr wrap="none" rtlCol="0">
@@ -35150,24 +35196,33 @@
           <a:lstStyle/>
           <a:p>
             <a:r>
-              <a:rPr lang="en-US" sz="1600" dirty="0"/>
-              <a:t>Software handles/programs</a:t>
-            </a:r>
-          </a:p>
-          <a:p>
-            <a:r>
-              <a:rPr lang="en-US" sz="1600" dirty="0"/>
-              <a:t>offload rules</a:t>
-            </a:r>
-          </a:p>
-        </p:txBody>
-      </p:sp>
-      <p:sp>
-        <p:nvSpPr>
-          <p:cNvPr id="41" name="TextBox 40">
-            <a:extLst>
-              <a:ext uri="{FF2B5EF4-FFF2-40B4-BE49-F238E27FC236}">
-                <a16:creationId xmlns:a16="http://schemas.microsoft.com/office/drawing/2014/main" id="{0FACC784-3695-2C23-C952-6EB78EBD2982}"/>
+              <a:rPr lang="en-US" sz="1400" dirty="0" err="1">
+                <a:solidFill>
+                  <a:schemeClr val="tx1">
+                    <a:lumMod val="50000"/>
+                    <a:lumOff val="50000"/>
+                  </a:schemeClr>
+                </a:solidFill>
+              </a:rPr>
+              <a:t>rx</a:t>
+            </a:r>
+            <a:endParaRPr lang="en-US" sz="1400" dirty="0">
+              <a:solidFill>
+                <a:schemeClr val="tx1">
+                  <a:lumMod val="50000"/>
+                  <a:lumOff val="50000"/>
+                </a:schemeClr>
+              </a:solidFill>
+            </a:endParaRPr>
+          </a:p>
+        </p:txBody>
+      </p:sp>
+      <p:sp>
+        <p:nvSpPr>
+          <p:cNvPr id="34" name="TextBox 33">
+            <a:extLst>
+              <a:ext uri="{FF2B5EF4-FFF2-40B4-BE49-F238E27FC236}">
+                <a16:creationId xmlns:a16="http://schemas.microsoft.com/office/drawing/2014/main" id="{B548456C-D9E8-1C4B-98E3-A2A5BAB49EB2}"/>
               </a:ext>
             </a:extLst>
           </p:cNvPr>
@@ -35176,8 +35231,8 @@
         </p:nvSpPr>
         <p:spPr>
           <a:xfrm>
-            <a:off x="0" y="197576"/>
-            <a:ext cx="1024704" cy="369332"/>
+            <a:off x="7420905" y="2909552"/>
+            <a:ext cx="322524" cy="307777"/>
           </a:xfrm>
           <a:prstGeom prst="rect">
             <a:avLst/>
@@ -35191,19 +35246,33 @@
           <a:lstStyle/>
           <a:p>
             <a:r>
-              <a:rPr lang="en-US" dirty="0" err="1"/>
-              <a:t>arch.pdf</a:t>
-            </a:r>
-            <a:endParaRPr lang="en-US" dirty="0"/>
-          </a:p>
-        </p:txBody>
-      </p:sp>
-      <p:sp>
-        <p:nvSpPr>
-          <p:cNvPr id="43" name="TextBox 42">
-            <a:extLst>
-              <a:ext uri="{FF2B5EF4-FFF2-40B4-BE49-F238E27FC236}">
-                <a16:creationId xmlns:a16="http://schemas.microsoft.com/office/drawing/2014/main" id="{248AEE48-4A82-8BFE-AE9A-8C4402CAB65C}"/>
+              <a:rPr lang="en-US" sz="1400" dirty="0" err="1">
+                <a:solidFill>
+                  <a:schemeClr val="tx1">
+                    <a:lumMod val="50000"/>
+                    <a:lumOff val="50000"/>
+                  </a:schemeClr>
+                </a:solidFill>
+              </a:rPr>
+              <a:t>tx</a:t>
+            </a:r>
+            <a:endParaRPr lang="en-US" sz="1400" dirty="0">
+              <a:solidFill>
+                <a:schemeClr val="tx1">
+                  <a:lumMod val="50000"/>
+                  <a:lumOff val="50000"/>
+                </a:schemeClr>
+              </a:solidFill>
+            </a:endParaRPr>
+          </a:p>
+        </p:txBody>
+      </p:sp>
+      <p:sp>
+        <p:nvSpPr>
+          <p:cNvPr id="38" name="TextBox 37">
+            <a:extLst>
+              <a:ext uri="{FF2B5EF4-FFF2-40B4-BE49-F238E27FC236}">
+                <a16:creationId xmlns:a16="http://schemas.microsoft.com/office/drawing/2014/main" id="{3624EACB-7A75-D033-6C11-F7754A92D981}"/>
               </a:ext>
             </a:extLst>
           </p:cNvPr>
@@ -35212,8 +35281,8 @@
         </p:nvSpPr>
         <p:spPr>
           <a:xfrm>
-            <a:off x="8418075" y="5360405"/>
-            <a:ext cx="583814" cy="338554"/>
+            <a:off x="1307690" y="757084"/>
+            <a:ext cx="1008033" cy="369332"/>
           </a:xfrm>
           <a:prstGeom prst="rect">
             <a:avLst/>
@@ -35227,212 +35296,17 @@
           <a:lstStyle/>
           <a:p>
             <a:r>
-              <a:rPr lang="en-US" sz="1600" dirty="0"/>
-              <a:t>DPU</a:t>
-            </a:r>
-          </a:p>
-        </p:txBody>
-      </p:sp>
-      <p:cxnSp>
-        <p:nvCxnSpPr>
-          <p:cNvPr id="44" name="Straight Connector 43">
-            <a:extLst>
-              <a:ext uri="{FF2B5EF4-FFF2-40B4-BE49-F238E27FC236}">
-                <a16:creationId xmlns:a16="http://schemas.microsoft.com/office/drawing/2014/main" id="{21E21F01-4EA9-9851-C6DF-AEDCDE26E773}"/>
-              </a:ext>
-            </a:extLst>
-          </p:cNvPr>
-          <p:cNvCxnSpPr>
-            <a:cxnSpLocks/>
-          </p:cNvCxnSpPr>
-          <p:nvPr/>
-        </p:nvCxnSpPr>
-        <p:spPr>
-          <a:xfrm flipH="1">
-            <a:off x="6025791" y="1922626"/>
-            <a:ext cx="574239" cy="0"/>
-          </a:xfrm>
-          <a:prstGeom prst="line">
-            <a:avLst/>
-          </a:prstGeom>
-          <a:ln>
-            <a:headEnd type="triangle"/>
-            <a:tailEnd type="triangle"/>
-          </a:ln>
-        </p:spPr>
-        <p:style>
-          <a:lnRef idx="2">
-            <a:schemeClr val="accent1"/>
-          </a:lnRef>
-          <a:fillRef idx="0">
-            <a:schemeClr val="accent1"/>
-          </a:fillRef>
-          <a:effectRef idx="1">
-            <a:schemeClr val="accent1"/>
-          </a:effectRef>
-          <a:fontRef idx="minor">
-            <a:schemeClr val="tx1"/>
-          </a:fontRef>
-        </p:style>
-      </p:cxnSp>
-      <p:cxnSp>
-        <p:nvCxnSpPr>
-          <p:cNvPr id="46" name="Straight Connector 45">
-            <a:extLst>
-              <a:ext uri="{FF2B5EF4-FFF2-40B4-BE49-F238E27FC236}">
-                <a16:creationId xmlns:a16="http://schemas.microsoft.com/office/drawing/2014/main" id="{3ED0B107-97F4-D72B-6B33-0F9CD36F8E8A}"/>
-              </a:ext>
-            </a:extLst>
-          </p:cNvPr>
-          <p:cNvCxnSpPr>
-            <a:cxnSpLocks/>
-          </p:cNvCxnSpPr>
-          <p:nvPr/>
-        </p:nvCxnSpPr>
-        <p:spPr>
-          <a:xfrm flipH="1">
-            <a:off x="6025791" y="2204174"/>
-            <a:ext cx="574239" cy="0"/>
-          </a:xfrm>
-          <a:prstGeom prst="line">
-            <a:avLst/>
-          </a:prstGeom>
-          <a:ln>
-            <a:prstDash val="dash"/>
-            <a:headEnd type="triangle"/>
-            <a:tailEnd type="triangle"/>
-          </a:ln>
-        </p:spPr>
-        <p:style>
-          <a:lnRef idx="2">
-            <a:schemeClr val="accent1"/>
-          </a:lnRef>
-          <a:fillRef idx="0">
-            <a:schemeClr val="accent1"/>
-          </a:fillRef>
-          <a:effectRef idx="1">
-            <a:schemeClr val="accent1"/>
-          </a:effectRef>
-          <a:fontRef idx="minor">
-            <a:schemeClr val="tx1"/>
-          </a:fontRef>
-        </p:style>
-      </p:cxnSp>
-      <p:sp>
-        <p:nvSpPr>
-          <p:cNvPr id="48" name="TextBox 47">
-            <a:extLst>
-              <a:ext uri="{FF2B5EF4-FFF2-40B4-BE49-F238E27FC236}">
-                <a16:creationId xmlns:a16="http://schemas.microsoft.com/office/drawing/2014/main" id="{D9496C08-86FC-8684-834F-9CC317D8A13F}"/>
-              </a:ext>
-            </a:extLst>
-          </p:cNvPr>
-          <p:cNvSpPr txBox="1"/>
-          <p:nvPr/>
-        </p:nvSpPr>
-        <p:spPr>
-          <a:xfrm>
-            <a:off x="6624211" y="1750168"/>
-            <a:ext cx="1084977" cy="584775"/>
-          </a:xfrm>
-          <a:prstGeom prst="rect">
-            <a:avLst/>
-          </a:prstGeom>
-          <a:noFill/>
-        </p:spPr>
-        <p:txBody>
-          <a:bodyPr wrap="none" rtlCol="0">
-            <a:spAutoFit/>
-          </a:bodyPr>
-          <a:lstStyle/>
-          <a:p>
-            <a:r>
-              <a:rPr lang="en-US" sz="1600" dirty="0"/>
-              <a:t>Fast-path</a:t>
-            </a:r>
-          </a:p>
-          <a:p>
-            <a:r>
-              <a:rPr lang="en-US" sz="1600" dirty="0"/>
-              <a:t>Slow-path</a:t>
-            </a:r>
-          </a:p>
-        </p:txBody>
-      </p:sp>
-      <p:sp>
-        <p:nvSpPr>
-          <p:cNvPr id="50" name="TextBox 49">
-            <a:extLst>
-              <a:ext uri="{FF2B5EF4-FFF2-40B4-BE49-F238E27FC236}">
-                <a16:creationId xmlns:a16="http://schemas.microsoft.com/office/drawing/2014/main" id="{37259F81-18CC-A3EE-79AE-9E277C9F4FCD}"/>
-              </a:ext>
-            </a:extLst>
-          </p:cNvPr>
-          <p:cNvSpPr txBox="1"/>
-          <p:nvPr/>
-        </p:nvSpPr>
-        <p:spPr>
-          <a:xfrm>
-            <a:off x="8223374" y="2416477"/>
-            <a:ext cx="973215" cy="307777"/>
-          </a:xfrm>
-          <a:prstGeom prst="rect">
-            <a:avLst/>
-          </a:prstGeom>
-          <a:noFill/>
-        </p:spPr>
-        <p:txBody>
-          <a:bodyPr wrap="none" rtlCol="0">
-            <a:spAutoFit/>
-          </a:bodyPr>
-          <a:lstStyle/>
-          <a:p>
-            <a:r>
-              <a:rPr lang="en-US" sz="1400" dirty="0"/>
-              <a:t>Slow-path</a:t>
-            </a:r>
-          </a:p>
-        </p:txBody>
-      </p:sp>
-      <p:sp>
-        <p:nvSpPr>
-          <p:cNvPr id="51" name="TextBox 50">
-            <a:extLst>
-              <a:ext uri="{FF2B5EF4-FFF2-40B4-BE49-F238E27FC236}">
-                <a16:creationId xmlns:a16="http://schemas.microsoft.com/office/drawing/2014/main" id="{FFEFE3A5-B2B3-0995-0EF1-65AFDCDE396C}"/>
-              </a:ext>
-            </a:extLst>
-          </p:cNvPr>
-          <p:cNvSpPr txBox="1"/>
-          <p:nvPr/>
-        </p:nvSpPr>
-        <p:spPr>
-          <a:xfrm>
-            <a:off x="2982786" y="3581658"/>
-            <a:ext cx="928716" cy="307777"/>
-          </a:xfrm>
-          <a:prstGeom prst="rect">
-            <a:avLst/>
-          </a:prstGeom>
-          <a:noFill/>
-        </p:spPr>
-        <p:txBody>
-          <a:bodyPr wrap="none" rtlCol="0">
-            <a:spAutoFit/>
-          </a:bodyPr>
-          <a:lstStyle/>
-          <a:p>
-            <a:r>
-              <a:rPr lang="en-US" sz="1400" dirty="0"/>
-              <a:t>Fast-path</a:t>
-            </a:r>
+              <a:rPr lang="en-US" dirty="0" err="1"/>
+              <a:t>pipe.pdf</a:t>
+            </a:r>
+            <a:endParaRPr lang="en-US" dirty="0"/>
           </a:p>
         </p:txBody>
       </p:sp>
     </p:spTree>
     <p:extLst>
       <p:ext uri="{BB962C8B-B14F-4D97-AF65-F5344CB8AC3E}">
-        <p14:creationId xmlns:p14="http://schemas.microsoft.com/office/powerpoint/2010/main" val="494623301"/>
+        <p14:creationId xmlns:p14="http://schemas.microsoft.com/office/powerpoint/2010/main" val="569685561"/>
       </p:ext>
     </p:extLst>
   </p:cSld>
@@ -35473,751 +35347,6 @@
         </p:nvSpPr>
         <p:spPr>
           <a:xfrm>
-            <a:off x="5955259" y="4125790"/>
-            <a:ext cx="717332" cy="291662"/>
-          </a:xfrm>
-          <a:prstGeom prst="roundRect">
-            <a:avLst/>
-          </a:prstGeom>
-          <a:solidFill>
-            <a:schemeClr val="bg1">
-              <a:lumMod val="95000"/>
-            </a:schemeClr>
-          </a:solidFill>
-        </p:spPr>
-        <p:style>
-          <a:lnRef idx="2">
-            <a:schemeClr val="accent6"/>
-          </a:lnRef>
-          <a:fillRef idx="1">
-            <a:schemeClr val="lt1"/>
-          </a:fillRef>
-          <a:effectRef idx="0">
-            <a:schemeClr val="accent6"/>
-          </a:effectRef>
-          <a:fontRef idx="minor">
-            <a:schemeClr val="dk1"/>
-          </a:fontRef>
-        </p:style>
-        <p:txBody>
-          <a:bodyPr rtlCol="0" anchor="ctr"/>
-          <a:lstStyle/>
-          <a:p>
-            <a:pPr algn="ctr"/>
-            <a:r>
-              <a:rPr lang="en-US" sz="1400" dirty="0"/>
-              <a:t>repr1</a:t>
-            </a:r>
-          </a:p>
-        </p:txBody>
-      </p:sp>
-      <p:sp>
-        <p:nvSpPr>
-          <p:cNvPr id="14" name="Rounded Rectangle 13">
-            <a:extLst>
-              <a:ext uri="{FF2B5EF4-FFF2-40B4-BE49-F238E27FC236}">
-                <a16:creationId xmlns:a16="http://schemas.microsoft.com/office/drawing/2014/main" id="{CE9DFE42-196A-E6E6-29AE-2CCBB39BACD9}"/>
-              </a:ext>
-            </a:extLst>
-          </p:cNvPr>
-          <p:cNvSpPr/>
-          <p:nvPr/>
-        </p:nvSpPr>
-        <p:spPr>
-          <a:xfrm>
-            <a:off x="5939768" y="3206077"/>
-            <a:ext cx="717332" cy="291662"/>
-          </a:xfrm>
-          <a:prstGeom prst="roundRect">
-            <a:avLst/>
-          </a:prstGeom>
-        </p:spPr>
-        <p:style>
-          <a:lnRef idx="2">
-            <a:schemeClr val="accent6"/>
-          </a:lnRef>
-          <a:fillRef idx="1">
-            <a:schemeClr val="lt1"/>
-          </a:fillRef>
-          <a:effectRef idx="0">
-            <a:schemeClr val="accent6"/>
-          </a:effectRef>
-          <a:fontRef idx="minor">
-            <a:schemeClr val="dk1"/>
-          </a:fontRef>
-        </p:style>
-        <p:txBody>
-          <a:bodyPr rtlCol="0" anchor="ctr"/>
-          <a:lstStyle/>
-          <a:p>
-            <a:pPr algn="ctr"/>
-            <a:r>
-              <a:rPr lang="en-US" sz="1400" dirty="0"/>
-              <a:t>vport1</a:t>
-            </a:r>
-          </a:p>
-        </p:txBody>
-      </p:sp>
-      <p:cxnSp>
-        <p:nvCxnSpPr>
-          <p:cNvPr id="16" name="Straight Connector 15">
-            <a:extLst>
-              <a:ext uri="{FF2B5EF4-FFF2-40B4-BE49-F238E27FC236}">
-                <a16:creationId xmlns:a16="http://schemas.microsoft.com/office/drawing/2014/main" id="{529999F8-139E-8534-1EAE-0C47DA09CBF3}"/>
-              </a:ext>
-            </a:extLst>
-          </p:cNvPr>
-          <p:cNvCxnSpPr>
-            <a:cxnSpLocks/>
-          </p:cNvCxnSpPr>
-          <p:nvPr/>
-        </p:nvCxnSpPr>
-        <p:spPr>
-          <a:xfrm flipV="1">
-            <a:off x="6313925" y="3542127"/>
-            <a:ext cx="0" cy="533399"/>
-          </a:xfrm>
-          <a:prstGeom prst="line">
-            <a:avLst/>
-          </a:prstGeom>
-          <a:ln>
-            <a:prstDash val="dash"/>
-            <a:headEnd type="triangle"/>
-            <a:tailEnd type="none"/>
-          </a:ln>
-        </p:spPr>
-        <p:style>
-          <a:lnRef idx="2">
-            <a:schemeClr val="accent1"/>
-          </a:lnRef>
-          <a:fillRef idx="0">
-            <a:schemeClr val="accent1"/>
-          </a:fillRef>
-          <a:effectRef idx="1">
-            <a:schemeClr val="accent1"/>
-          </a:effectRef>
-          <a:fontRef idx="minor">
-            <a:schemeClr val="tx1"/>
-          </a:fontRef>
-        </p:style>
-      </p:cxnSp>
-      <p:sp>
-        <p:nvSpPr>
-          <p:cNvPr id="18" name="TextBox 17">
-            <a:extLst>
-              <a:ext uri="{FF2B5EF4-FFF2-40B4-BE49-F238E27FC236}">
-                <a16:creationId xmlns:a16="http://schemas.microsoft.com/office/drawing/2014/main" id="{5CD5E337-699E-D3BB-8464-A8B73B10AAC5}"/>
-              </a:ext>
-            </a:extLst>
-          </p:cNvPr>
-          <p:cNvSpPr txBox="1"/>
-          <p:nvPr/>
-        </p:nvSpPr>
-        <p:spPr>
-          <a:xfrm>
-            <a:off x="5718640" y="3625785"/>
-            <a:ext cx="554960" cy="307777"/>
-          </a:xfrm>
-          <a:prstGeom prst="rect">
-            <a:avLst/>
-          </a:prstGeom>
-          <a:noFill/>
-        </p:spPr>
-        <p:txBody>
-          <a:bodyPr wrap="none" rtlCol="0">
-            <a:spAutoFit/>
-          </a:bodyPr>
-          <a:lstStyle/>
-          <a:p>
-            <a:r>
-              <a:rPr lang="en-US" sz="1400" dirty="0"/>
-              <a:t>miss</a:t>
-            </a:r>
-          </a:p>
-        </p:txBody>
-      </p:sp>
-      <p:sp>
-        <p:nvSpPr>
-          <p:cNvPr id="19" name="TextBox 18">
-            <a:extLst>
-              <a:ext uri="{FF2B5EF4-FFF2-40B4-BE49-F238E27FC236}">
-                <a16:creationId xmlns:a16="http://schemas.microsoft.com/office/drawing/2014/main" id="{B0EF0CA5-8BE1-AA9F-DE3C-6B2C87B6FC90}"/>
-              </a:ext>
-            </a:extLst>
-          </p:cNvPr>
-          <p:cNvSpPr txBox="1"/>
-          <p:nvPr/>
-        </p:nvSpPr>
-        <p:spPr>
-          <a:xfrm>
-            <a:off x="5848173" y="2525505"/>
-            <a:ext cx="900524" cy="307777"/>
-          </a:xfrm>
-          <a:prstGeom prst="rect">
-            <a:avLst/>
-          </a:prstGeom>
-          <a:noFill/>
-        </p:spPr>
-        <p:txBody>
-          <a:bodyPr wrap="square" rtlCol="0">
-            <a:spAutoFit/>
-          </a:bodyPr>
-          <a:lstStyle/>
-          <a:p>
-            <a:r>
-              <a:rPr lang="en-US" sz="1400" dirty="0"/>
-              <a:t>VM send</a:t>
-            </a:r>
-          </a:p>
-        </p:txBody>
-      </p:sp>
-      <p:cxnSp>
-        <p:nvCxnSpPr>
-          <p:cNvPr id="20" name="Straight Connector 19">
-            <a:extLst>
-              <a:ext uri="{FF2B5EF4-FFF2-40B4-BE49-F238E27FC236}">
-                <a16:creationId xmlns:a16="http://schemas.microsoft.com/office/drawing/2014/main" id="{9BBC5139-9DA8-F141-D779-412F7F57830B}"/>
-              </a:ext>
-            </a:extLst>
-          </p:cNvPr>
-          <p:cNvCxnSpPr>
-            <a:cxnSpLocks/>
-            <a:stCxn id="14" idx="0"/>
-            <a:endCxn id="19" idx="2"/>
-          </p:cNvCxnSpPr>
-          <p:nvPr/>
-        </p:nvCxnSpPr>
-        <p:spPr>
-          <a:xfrm flipV="1">
-            <a:off x="6298434" y="2833282"/>
-            <a:ext cx="1" cy="372795"/>
-          </a:xfrm>
-          <a:prstGeom prst="line">
-            <a:avLst/>
-          </a:prstGeom>
-          <a:ln>
-            <a:prstDash val="dash"/>
-            <a:headEnd type="triangle"/>
-            <a:tailEnd type="none"/>
-          </a:ln>
-        </p:spPr>
-        <p:style>
-          <a:lnRef idx="2">
-            <a:schemeClr val="accent1"/>
-          </a:lnRef>
-          <a:fillRef idx="0">
-            <a:schemeClr val="accent1"/>
-          </a:fillRef>
-          <a:effectRef idx="1">
-            <a:schemeClr val="accent1"/>
-          </a:effectRef>
-          <a:fontRef idx="minor">
-            <a:schemeClr val="tx1"/>
-          </a:fontRef>
-        </p:style>
-      </p:cxnSp>
-      <p:sp>
-        <p:nvSpPr>
-          <p:cNvPr id="23" name="TextBox 22">
-            <a:extLst>
-              <a:ext uri="{FF2B5EF4-FFF2-40B4-BE49-F238E27FC236}">
-                <a16:creationId xmlns:a16="http://schemas.microsoft.com/office/drawing/2014/main" id="{B3098634-9BFB-47D3-FC5F-3E955AE1F6C3}"/>
-              </a:ext>
-            </a:extLst>
-          </p:cNvPr>
-          <p:cNvSpPr txBox="1"/>
-          <p:nvPr/>
-        </p:nvSpPr>
-        <p:spPr>
-          <a:xfrm>
-            <a:off x="6332972" y="3821207"/>
-            <a:ext cx="324128" cy="307777"/>
-          </a:xfrm>
-          <a:prstGeom prst="rect">
-            <a:avLst/>
-          </a:prstGeom>
-          <a:noFill/>
-        </p:spPr>
-        <p:txBody>
-          <a:bodyPr wrap="none" rtlCol="0">
-            <a:spAutoFit/>
-          </a:bodyPr>
-          <a:lstStyle/>
-          <a:p>
-            <a:r>
-              <a:rPr lang="en-US" sz="1400" dirty="0" err="1">
-                <a:solidFill>
-                  <a:schemeClr val="tx1">
-                    <a:lumMod val="50000"/>
-                    <a:lumOff val="50000"/>
-                  </a:schemeClr>
-                </a:solidFill>
-              </a:rPr>
-              <a:t>rx</a:t>
-            </a:r>
-            <a:endParaRPr lang="en-US" sz="1400" dirty="0">
-              <a:solidFill>
-                <a:schemeClr val="tx1">
-                  <a:lumMod val="50000"/>
-                  <a:lumOff val="50000"/>
-                </a:schemeClr>
-              </a:solidFill>
-            </a:endParaRPr>
-          </a:p>
-        </p:txBody>
-      </p:sp>
-      <p:sp>
-        <p:nvSpPr>
-          <p:cNvPr id="25" name="TextBox 24">
-            <a:extLst>
-              <a:ext uri="{FF2B5EF4-FFF2-40B4-BE49-F238E27FC236}">
-                <a16:creationId xmlns:a16="http://schemas.microsoft.com/office/drawing/2014/main" id="{AA2FA901-92B3-F91B-382A-433C1EFB4F76}"/>
-              </a:ext>
-            </a:extLst>
-          </p:cNvPr>
-          <p:cNvSpPr txBox="1"/>
-          <p:nvPr/>
-        </p:nvSpPr>
-        <p:spPr>
-          <a:xfrm>
-            <a:off x="6313925" y="2909552"/>
-            <a:ext cx="322524" cy="307777"/>
-          </a:xfrm>
-          <a:prstGeom prst="rect">
-            <a:avLst/>
-          </a:prstGeom>
-          <a:noFill/>
-        </p:spPr>
-        <p:txBody>
-          <a:bodyPr wrap="none" rtlCol="0">
-            <a:spAutoFit/>
-          </a:bodyPr>
-          <a:lstStyle/>
-          <a:p>
-            <a:r>
-              <a:rPr lang="en-US" sz="1400" dirty="0" err="1">
-                <a:solidFill>
-                  <a:schemeClr val="tx1">
-                    <a:lumMod val="50000"/>
-                    <a:lumOff val="50000"/>
-                  </a:schemeClr>
-                </a:solidFill>
-              </a:rPr>
-              <a:t>tx</a:t>
-            </a:r>
-            <a:endParaRPr lang="en-US" sz="1400" dirty="0">
-              <a:solidFill>
-                <a:schemeClr val="tx1">
-                  <a:lumMod val="50000"/>
-                  <a:lumOff val="50000"/>
-                </a:schemeClr>
-              </a:solidFill>
-            </a:endParaRPr>
-          </a:p>
-        </p:txBody>
-      </p:sp>
-      <p:sp>
-        <p:nvSpPr>
-          <p:cNvPr id="27" name="Rounded Rectangle 26">
-            <a:extLst>
-              <a:ext uri="{FF2B5EF4-FFF2-40B4-BE49-F238E27FC236}">
-                <a16:creationId xmlns:a16="http://schemas.microsoft.com/office/drawing/2014/main" id="{F8B0AD5B-4340-99CB-7A6C-534550760D04}"/>
-              </a:ext>
-            </a:extLst>
-          </p:cNvPr>
-          <p:cNvSpPr/>
-          <p:nvPr/>
-        </p:nvSpPr>
-        <p:spPr>
-          <a:xfrm>
-            <a:off x="7062239" y="4125790"/>
-            <a:ext cx="717332" cy="291662"/>
-          </a:xfrm>
-          <a:prstGeom prst="roundRect">
-            <a:avLst/>
-          </a:prstGeom>
-        </p:spPr>
-        <p:style>
-          <a:lnRef idx="2">
-            <a:schemeClr val="accent6"/>
-          </a:lnRef>
-          <a:fillRef idx="1">
-            <a:schemeClr val="lt1"/>
-          </a:fillRef>
-          <a:effectRef idx="0">
-            <a:schemeClr val="accent6"/>
-          </a:effectRef>
-          <a:fontRef idx="minor">
-            <a:schemeClr val="dk1"/>
-          </a:fontRef>
-        </p:style>
-        <p:txBody>
-          <a:bodyPr rtlCol="0" anchor="ctr"/>
-          <a:lstStyle/>
-          <a:p>
-            <a:pPr algn="ctr"/>
-            <a:r>
-              <a:rPr lang="en-US" sz="1400" dirty="0"/>
-              <a:t>vport1</a:t>
-            </a:r>
-          </a:p>
-        </p:txBody>
-      </p:sp>
-      <p:sp>
-        <p:nvSpPr>
-          <p:cNvPr id="28" name="Rounded Rectangle 27">
-            <a:extLst>
-              <a:ext uri="{FF2B5EF4-FFF2-40B4-BE49-F238E27FC236}">
-                <a16:creationId xmlns:a16="http://schemas.microsoft.com/office/drawing/2014/main" id="{6076CDB8-3200-BAD4-9206-0BC5299F704C}"/>
-              </a:ext>
-            </a:extLst>
-          </p:cNvPr>
-          <p:cNvSpPr/>
-          <p:nvPr/>
-        </p:nvSpPr>
-        <p:spPr>
-          <a:xfrm>
-            <a:off x="7046748" y="3206077"/>
-            <a:ext cx="717332" cy="291662"/>
-          </a:xfrm>
-          <a:prstGeom prst="roundRect">
-            <a:avLst/>
-          </a:prstGeom>
-          <a:solidFill>
-            <a:schemeClr val="bg1">
-              <a:lumMod val="95000"/>
-            </a:schemeClr>
-          </a:solidFill>
-        </p:spPr>
-        <p:style>
-          <a:lnRef idx="2">
-            <a:schemeClr val="accent6"/>
-          </a:lnRef>
-          <a:fillRef idx="1">
-            <a:schemeClr val="lt1"/>
-          </a:fillRef>
-          <a:effectRef idx="0">
-            <a:schemeClr val="accent6"/>
-          </a:effectRef>
-          <a:fontRef idx="minor">
-            <a:schemeClr val="dk1"/>
-          </a:fontRef>
-        </p:style>
-        <p:txBody>
-          <a:bodyPr rtlCol="0" anchor="ctr"/>
-          <a:lstStyle/>
-          <a:p>
-            <a:pPr algn="ctr"/>
-            <a:r>
-              <a:rPr lang="en-US" sz="1400" dirty="0"/>
-              <a:t>repr1</a:t>
-            </a:r>
-          </a:p>
-        </p:txBody>
-      </p:sp>
-      <p:cxnSp>
-        <p:nvCxnSpPr>
-          <p:cNvPr id="29" name="Straight Connector 28">
-            <a:extLst>
-              <a:ext uri="{FF2B5EF4-FFF2-40B4-BE49-F238E27FC236}">
-                <a16:creationId xmlns:a16="http://schemas.microsoft.com/office/drawing/2014/main" id="{AE1E0126-E096-5973-0A6D-957EDE11E879}"/>
-              </a:ext>
-            </a:extLst>
-          </p:cNvPr>
-          <p:cNvCxnSpPr>
-            <a:cxnSpLocks/>
-          </p:cNvCxnSpPr>
-          <p:nvPr/>
-        </p:nvCxnSpPr>
-        <p:spPr>
-          <a:xfrm flipV="1">
-            <a:off x="7420905" y="3542127"/>
-            <a:ext cx="0" cy="533399"/>
-          </a:xfrm>
-          <a:prstGeom prst="line">
-            <a:avLst/>
-          </a:prstGeom>
-          <a:ln>
-            <a:prstDash val="dash"/>
-            <a:headEnd type="triangle"/>
-            <a:tailEnd type="none"/>
-          </a:ln>
-        </p:spPr>
-        <p:style>
-          <a:lnRef idx="2">
-            <a:schemeClr val="accent1"/>
-          </a:lnRef>
-          <a:fillRef idx="0">
-            <a:schemeClr val="accent1"/>
-          </a:fillRef>
-          <a:effectRef idx="1">
-            <a:schemeClr val="accent1"/>
-          </a:effectRef>
-          <a:fontRef idx="minor">
-            <a:schemeClr val="tx1"/>
-          </a:fontRef>
-        </p:style>
-      </p:cxnSp>
-      <p:sp>
-        <p:nvSpPr>
-          <p:cNvPr id="31" name="TextBox 30">
-            <a:extLst>
-              <a:ext uri="{FF2B5EF4-FFF2-40B4-BE49-F238E27FC236}">
-                <a16:creationId xmlns:a16="http://schemas.microsoft.com/office/drawing/2014/main" id="{94C9BC3F-6D1E-EC44-A044-9839E3F4EC41}"/>
-              </a:ext>
-            </a:extLst>
-          </p:cNvPr>
-          <p:cNvSpPr txBox="1"/>
-          <p:nvPr/>
-        </p:nvSpPr>
-        <p:spPr>
-          <a:xfrm>
-            <a:off x="6929161" y="2532585"/>
-            <a:ext cx="952505" cy="307777"/>
-          </a:xfrm>
-          <a:prstGeom prst="rect">
-            <a:avLst/>
-          </a:prstGeom>
-          <a:noFill/>
-        </p:spPr>
-        <p:txBody>
-          <a:bodyPr wrap="none" rtlCol="0">
-            <a:spAutoFit/>
-          </a:bodyPr>
-          <a:lstStyle/>
-          <a:p>
-            <a:r>
-              <a:rPr lang="en-US" sz="1400" dirty="0"/>
-              <a:t>DPU send</a:t>
-            </a:r>
-          </a:p>
-        </p:txBody>
-      </p:sp>
-      <p:cxnSp>
-        <p:nvCxnSpPr>
-          <p:cNvPr id="32" name="Straight Connector 31">
-            <a:extLst>
-              <a:ext uri="{FF2B5EF4-FFF2-40B4-BE49-F238E27FC236}">
-                <a16:creationId xmlns:a16="http://schemas.microsoft.com/office/drawing/2014/main" id="{9F72F0C7-9D11-A2C3-D193-C5552CF19CA9}"/>
-              </a:ext>
-            </a:extLst>
-          </p:cNvPr>
-          <p:cNvCxnSpPr>
-            <a:cxnSpLocks/>
-            <a:stCxn id="28" idx="0"/>
-            <a:endCxn id="31" idx="2"/>
-          </p:cNvCxnSpPr>
-          <p:nvPr/>
-        </p:nvCxnSpPr>
-        <p:spPr>
-          <a:xfrm flipV="1">
-            <a:off x="7405414" y="2840362"/>
-            <a:ext cx="0" cy="365715"/>
-          </a:xfrm>
-          <a:prstGeom prst="line">
-            <a:avLst/>
-          </a:prstGeom>
-          <a:ln>
-            <a:prstDash val="dash"/>
-            <a:headEnd type="triangle"/>
-            <a:tailEnd type="none"/>
-          </a:ln>
-        </p:spPr>
-        <p:style>
-          <a:lnRef idx="2">
-            <a:schemeClr val="accent1"/>
-          </a:lnRef>
-          <a:fillRef idx="0">
-            <a:schemeClr val="accent1"/>
-          </a:fillRef>
-          <a:effectRef idx="1">
-            <a:schemeClr val="accent1"/>
-          </a:effectRef>
-          <a:fontRef idx="minor">
-            <a:schemeClr val="tx1"/>
-          </a:fontRef>
-        </p:style>
-      </p:cxnSp>
-      <p:sp>
-        <p:nvSpPr>
-          <p:cNvPr id="33" name="TextBox 32">
-            <a:extLst>
-              <a:ext uri="{FF2B5EF4-FFF2-40B4-BE49-F238E27FC236}">
-                <a16:creationId xmlns:a16="http://schemas.microsoft.com/office/drawing/2014/main" id="{3F760E2C-62CD-1D21-D010-82D5B0F0A295}"/>
-              </a:ext>
-            </a:extLst>
-          </p:cNvPr>
-          <p:cNvSpPr txBox="1"/>
-          <p:nvPr/>
-        </p:nvSpPr>
-        <p:spPr>
-          <a:xfrm>
-            <a:off x="7439952" y="3821207"/>
-            <a:ext cx="324128" cy="307777"/>
-          </a:xfrm>
-          <a:prstGeom prst="rect">
-            <a:avLst/>
-          </a:prstGeom>
-          <a:noFill/>
-        </p:spPr>
-        <p:txBody>
-          <a:bodyPr wrap="none" rtlCol="0">
-            <a:spAutoFit/>
-          </a:bodyPr>
-          <a:lstStyle/>
-          <a:p>
-            <a:r>
-              <a:rPr lang="en-US" sz="1400" dirty="0" err="1">
-                <a:solidFill>
-                  <a:schemeClr val="tx1">
-                    <a:lumMod val="50000"/>
-                    <a:lumOff val="50000"/>
-                  </a:schemeClr>
-                </a:solidFill>
-              </a:rPr>
-              <a:t>rx</a:t>
-            </a:r>
-            <a:endParaRPr lang="en-US" sz="1400" dirty="0">
-              <a:solidFill>
-                <a:schemeClr val="tx1">
-                  <a:lumMod val="50000"/>
-                  <a:lumOff val="50000"/>
-                </a:schemeClr>
-              </a:solidFill>
-            </a:endParaRPr>
-          </a:p>
-        </p:txBody>
-      </p:sp>
-      <p:sp>
-        <p:nvSpPr>
-          <p:cNvPr id="34" name="TextBox 33">
-            <a:extLst>
-              <a:ext uri="{FF2B5EF4-FFF2-40B4-BE49-F238E27FC236}">
-                <a16:creationId xmlns:a16="http://schemas.microsoft.com/office/drawing/2014/main" id="{B548456C-D9E8-1C4B-98E3-A2A5BAB49EB2}"/>
-              </a:ext>
-            </a:extLst>
-          </p:cNvPr>
-          <p:cNvSpPr txBox="1"/>
-          <p:nvPr/>
-        </p:nvSpPr>
-        <p:spPr>
-          <a:xfrm>
-            <a:off x="7420905" y="2909552"/>
-            <a:ext cx="322524" cy="307777"/>
-          </a:xfrm>
-          <a:prstGeom prst="rect">
-            <a:avLst/>
-          </a:prstGeom>
-          <a:noFill/>
-        </p:spPr>
-        <p:txBody>
-          <a:bodyPr wrap="none" rtlCol="0">
-            <a:spAutoFit/>
-          </a:bodyPr>
-          <a:lstStyle/>
-          <a:p>
-            <a:r>
-              <a:rPr lang="en-US" sz="1400" dirty="0" err="1">
-                <a:solidFill>
-                  <a:schemeClr val="tx1">
-                    <a:lumMod val="50000"/>
-                    <a:lumOff val="50000"/>
-                  </a:schemeClr>
-                </a:solidFill>
-              </a:rPr>
-              <a:t>tx</a:t>
-            </a:r>
-            <a:endParaRPr lang="en-US" sz="1400" dirty="0">
-              <a:solidFill>
-                <a:schemeClr val="tx1">
-                  <a:lumMod val="50000"/>
-                  <a:lumOff val="50000"/>
-                </a:schemeClr>
-              </a:solidFill>
-            </a:endParaRPr>
-          </a:p>
-        </p:txBody>
-      </p:sp>
-      <p:sp>
-        <p:nvSpPr>
-          <p:cNvPr id="38" name="TextBox 37">
-            <a:extLst>
-              <a:ext uri="{FF2B5EF4-FFF2-40B4-BE49-F238E27FC236}">
-                <a16:creationId xmlns:a16="http://schemas.microsoft.com/office/drawing/2014/main" id="{3624EACB-7A75-D033-6C11-F7754A92D981}"/>
-              </a:ext>
-            </a:extLst>
-          </p:cNvPr>
-          <p:cNvSpPr txBox="1"/>
-          <p:nvPr/>
-        </p:nvSpPr>
-        <p:spPr>
-          <a:xfrm>
-            <a:off x="1307690" y="757084"/>
-            <a:ext cx="1008033" cy="369332"/>
-          </a:xfrm>
-          <a:prstGeom prst="rect">
-            <a:avLst/>
-          </a:prstGeom>
-          <a:noFill/>
-        </p:spPr>
-        <p:txBody>
-          <a:bodyPr wrap="none" rtlCol="0">
-            <a:spAutoFit/>
-          </a:bodyPr>
-          <a:lstStyle/>
-          <a:p>
-            <a:r>
-              <a:rPr lang="en-US" dirty="0" err="1"/>
-              <a:t>pipe.pdf</a:t>
-            </a:r>
-            <a:endParaRPr lang="en-US" dirty="0"/>
-          </a:p>
-        </p:txBody>
-      </p:sp>
-    </p:spTree>
-    <p:extLst>
-      <p:ext uri="{BB962C8B-B14F-4D97-AF65-F5344CB8AC3E}">
-        <p14:creationId xmlns:p14="http://schemas.microsoft.com/office/powerpoint/2010/main" val="569685561"/>
-      </p:ext>
-    </p:extLst>
-  </p:cSld>
-  <p:clrMapOvr>
-    <a:masterClrMapping/>
-  </p:clrMapOvr>
-</p:sld>
-</file>
-
-<file path=ppt/slides/slide5.xml><?xml version="1.0" encoding="utf-8"?>
-<p:sld xmlns:a="http://schemas.openxmlformats.org/drawingml/2006/main" xmlns:r="http://schemas.openxmlformats.org/officeDocument/2006/relationships" xmlns:p="http://schemas.openxmlformats.org/presentationml/2006/main">
-  <p:cSld>
-    <p:spTree>
-      <p:nvGrpSpPr>
-        <p:cNvPr id="1" name=""/>
-        <p:cNvGrpSpPr/>
-        <p:nvPr/>
-      </p:nvGrpSpPr>
-      <p:grpSpPr>
-        <a:xfrm>
-          <a:off x="0" y="0"/>
-          <a:ext cx="0" cy="0"/>
-          <a:chOff x="0" y="0"/>
-          <a:chExt cx="0" cy="0"/>
-        </a:xfrm>
-      </p:grpSpPr>
-      <p:sp>
-        <p:nvSpPr>
-          <p:cNvPr id="7" name="Rounded Rectangle 6">
-            <a:extLst>
-              <a:ext uri="{FF2B5EF4-FFF2-40B4-BE49-F238E27FC236}">
-                <a16:creationId xmlns:a16="http://schemas.microsoft.com/office/drawing/2014/main" id="{F7916BC9-BB9D-F3AD-9945-33C79E239913}"/>
-              </a:ext>
-            </a:extLst>
-          </p:cNvPr>
-          <p:cNvSpPr/>
-          <p:nvPr/>
-        </p:nvSpPr>
-        <p:spPr>
-          <a:xfrm>
             <a:off x="5066661" y="4742085"/>
             <a:ext cx="2214999" cy="341926"/>
           </a:xfrm>
@@ -36954,7 +36083,7 @@
 </p:sld>
 </file>
 
-<file path=ppt/slides/slide6.xml><?xml version="1.0" encoding="utf-8"?>
+<file path=ppt/slides/slide5.xml><?xml version="1.0" encoding="utf-8"?>
 <p:sld xmlns:a="http://schemas.openxmlformats.org/drawingml/2006/main" xmlns:r="http://schemas.openxmlformats.org/officeDocument/2006/relationships" xmlns:p="http://schemas.openxmlformats.org/presentationml/2006/main">
   <p:cSld>
     <p:spTree>
@@ -38365,7 +37494,7 @@
 </p:sld>
 </file>
 
-<file path=ppt/slides/slide7.xml><?xml version="1.0" encoding="utf-8"?>
+<file path=ppt/slides/slide6.xml><?xml version="1.0" encoding="utf-8"?>
 <p:sld xmlns:a="http://schemas.openxmlformats.org/drawingml/2006/main" xmlns:r="http://schemas.openxmlformats.org/officeDocument/2006/relationships" xmlns:p="http://schemas.openxmlformats.org/presentationml/2006/main">
   <p:cSld>
     <p:spTree>
@@ -40428,14 +39557,14 @@
     <mc:Choice Requires="p14">
       <p:transition p14:dur="10"/>
     </mc:Choice>
-    <mc:Fallback xmlns:a16="http://schemas.microsoft.com/office/drawing/2014/main" xmlns="">
+    <mc:Fallback xmlns="" xmlns:a16="http://schemas.microsoft.com/office/drawing/2014/main">
       <p:transition/>
     </mc:Fallback>
   </mc:AlternateContent>
 </p:sld>
 </file>
 
-<file path=ppt/slides/slide8.xml><?xml version="1.0" encoding="utf-8"?>
+<file path=ppt/slides/slide7.xml><?xml version="1.0" encoding="utf-8"?>
 <p:sld xmlns:a="http://schemas.openxmlformats.org/drawingml/2006/main" xmlns:r="http://schemas.openxmlformats.org/officeDocument/2006/relationships" xmlns:p="http://schemas.openxmlformats.org/presentationml/2006/main">
   <p:cSld>
     <p:spTree>
@@ -44255,10 +43384,2246 @@
     <mc:Choice Requires="p14">
       <p:transition p14:dur="10"/>
     </mc:Choice>
-    <mc:Fallback xmlns:a16="http://schemas.microsoft.com/office/drawing/2014/main" xmlns="">
+    <mc:Fallback xmlns="" xmlns:a16="http://schemas.microsoft.com/office/drawing/2014/main">
       <p:transition/>
     </mc:Fallback>
   </mc:AlternateContent>
+</p:sld>
+</file>
+
+<file path=ppt/slides/slide8.xml><?xml version="1.0" encoding="utf-8"?>
+<p:sld xmlns:a="http://schemas.openxmlformats.org/drawingml/2006/main" xmlns:r="http://schemas.openxmlformats.org/officeDocument/2006/relationships" xmlns:p="http://schemas.openxmlformats.org/presentationml/2006/main">
+  <p:cSld>
+    <p:spTree>
+      <p:nvGrpSpPr>
+        <p:cNvPr id="1" name=""/>
+        <p:cNvGrpSpPr/>
+        <p:nvPr/>
+      </p:nvGrpSpPr>
+      <p:grpSpPr>
+        <a:xfrm>
+          <a:off x="0" y="0"/>
+          <a:ext cx="0" cy="0"/>
+          <a:chOff x="0" y="0"/>
+          <a:chExt cx="0" cy="0"/>
+        </a:xfrm>
+      </p:grpSpPr>
+      <p:sp>
+        <p:nvSpPr>
+          <p:cNvPr id="25" name="Rectangle 24">
+            <a:extLst>
+              <a:ext uri="{FF2B5EF4-FFF2-40B4-BE49-F238E27FC236}">
+                <a16:creationId xmlns:a16="http://schemas.microsoft.com/office/drawing/2014/main" id="{AA27AF0C-9891-0B35-9B75-A2F7135EBEA1}"/>
+              </a:ext>
+            </a:extLst>
+          </p:cNvPr>
+          <p:cNvSpPr/>
+          <p:nvPr/>
+        </p:nvSpPr>
+        <p:spPr>
+          <a:xfrm>
+            <a:off x="1851541" y="1369807"/>
+            <a:ext cx="1684361" cy="1245264"/>
+          </a:xfrm>
+          <a:prstGeom prst="rect">
+            <a:avLst/>
+          </a:prstGeom>
+          <a:solidFill>
+            <a:schemeClr val="bg2">
+              <a:lumMod val="90000"/>
+              <a:alpha val="34000"/>
+            </a:schemeClr>
+          </a:solidFill>
+        </p:spPr>
+        <p:style>
+          <a:lnRef idx="2">
+            <a:schemeClr val="accent1">
+              <a:shade val="15000"/>
+            </a:schemeClr>
+          </a:lnRef>
+          <a:fillRef idx="1">
+            <a:schemeClr val="accent1"/>
+          </a:fillRef>
+          <a:effectRef idx="0">
+            <a:schemeClr val="accent1"/>
+          </a:effectRef>
+          <a:fontRef idx="minor">
+            <a:schemeClr val="lt1"/>
+          </a:fontRef>
+        </p:style>
+        <p:txBody>
+          <a:bodyPr rtlCol="0" anchor="ctr"/>
+          <a:lstStyle/>
+          <a:p>
+            <a:pPr marL="0" marR="0" lvl="0" indent="0" algn="ctr" defTabSz="914400" rtl="0" eaLnBrk="1" fontAlgn="auto" latinLnBrk="0" hangingPunct="1">
+              <a:lnSpc>
+                <a:spcPct val="100000"/>
+              </a:lnSpc>
+              <a:spcBef>
+                <a:spcPts val="0"/>
+              </a:spcBef>
+              <a:spcAft>
+                <a:spcPts val="0"/>
+              </a:spcAft>
+              <a:buClrTx/>
+              <a:buSzTx/>
+              <a:buFontTx/>
+              <a:buNone/>
+              <a:tabLst/>
+              <a:defRPr/>
+            </a:pPr>
+            <a:endParaRPr kumimoji="0" lang="en-US" sz="1800" b="0" i="0" u="none" strike="noStrike" kern="1200" cap="none" spc="0" normalizeH="0" baseline="0" noProof="0">
+              <a:ln>
+                <a:noFill/>
+              </a:ln>
+              <a:solidFill>
+                <a:prstClr val="white"/>
+              </a:solidFill>
+              <a:effectLst/>
+              <a:uLnTx/>
+              <a:uFillTx/>
+              <a:latin typeface="Aptos" panose="02110004020202020204"/>
+              <a:ea typeface="+mn-ea"/>
+              <a:cs typeface="+mn-cs"/>
+            </a:endParaRPr>
+          </a:p>
+        </p:txBody>
+      </p:sp>
+      <p:sp>
+        <p:nvSpPr>
+          <p:cNvPr id="32" name="Rectangle 31">
+            <a:extLst>
+              <a:ext uri="{FF2B5EF4-FFF2-40B4-BE49-F238E27FC236}">
+                <a16:creationId xmlns:a16="http://schemas.microsoft.com/office/drawing/2014/main" id="{407A2C3E-1F0C-4A50-D3CC-17EEC621C19F}"/>
+              </a:ext>
+            </a:extLst>
+          </p:cNvPr>
+          <p:cNvSpPr/>
+          <p:nvPr/>
+        </p:nvSpPr>
+        <p:spPr>
+          <a:xfrm>
+            <a:off x="9219338" y="1846062"/>
+            <a:ext cx="2397211" cy="1889233"/>
+          </a:xfrm>
+          <a:prstGeom prst="rect">
+            <a:avLst/>
+          </a:prstGeom>
+          <a:solidFill>
+            <a:schemeClr val="bg2">
+              <a:lumMod val="90000"/>
+              <a:alpha val="34000"/>
+            </a:schemeClr>
+          </a:solidFill>
+        </p:spPr>
+        <p:style>
+          <a:lnRef idx="2">
+            <a:schemeClr val="accent1">
+              <a:shade val="15000"/>
+            </a:schemeClr>
+          </a:lnRef>
+          <a:fillRef idx="1">
+            <a:schemeClr val="accent1"/>
+          </a:fillRef>
+          <a:effectRef idx="0">
+            <a:schemeClr val="accent1"/>
+          </a:effectRef>
+          <a:fontRef idx="minor">
+            <a:schemeClr val="lt1"/>
+          </a:fontRef>
+        </p:style>
+        <p:txBody>
+          <a:bodyPr rtlCol="0" anchor="ctr"/>
+          <a:lstStyle/>
+          <a:p>
+            <a:pPr marL="0" marR="0" lvl="0" indent="0" algn="ctr" defTabSz="914400" rtl="0" eaLnBrk="1" fontAlgn="auto" latinLnBrk="0" hangingPunct="1">
+              <a:lnSpc>
+                <a:spcPct val="100000"/>
+              </a:lnSpc>
+              <a:spcBef>
+                <a:spcPts val="0"/>
+              </a:spcBef>
+              <a:spcAft>
+                <a:spcPts val="0"/>
+              </a:spcAft>
+              <a:buClrTx/>
+              <a:buSzTx/>
+              <a:buFontTx/>
+              <a:buNone/>
+              <a:tabLst/>
+              <a:defRPr/>
+            </a:pPr>
+            <a:endParaRPr kumimoji="0" lang="en-US" sz="1800" b="0" i="0" u="none" strike="noStrike" kern="1200" cap="none" spc="0" normalizeH="0" baseline="0" noProof="0">
+              <a:ln>
+                <a:noFill/>
+              </a:ln>
+              <a:solidFill>
+                <a:prstClr val="white"/>
+              </a:solidFill>
+              <a:effectLst/>
+              <a:uLnTx/>
+              <a:uFillTx/>
+              <a:latin typeface="Aptos" panose="02110004020202020204"/>
+              <a:ea typeface="+mn-ea"/>
+              <a:cs typeface="+mn-cs"/>
+            </a:endParaRPr>
+          </a:p>
+        </p:txBody>
+      </p:sp>
+      <p:sp>
+        <p:nvSpPr>
+          <p:cNvPr id="4" name="Rounded Rectangle 3">
+            <a:extLst>
+              <a:ext uri="{FF2B5EF4-FFF2-40B4-BE49-F238E27FC236}">
+                <a16:creationId xmlns:a16="http://schemas.microsoft.com/office/drawing/2014/main" id="{FCED59A4-2AF4-6159-C09C-9137FCA1EA61}"/>
+              </a:ext>
+            </a:extLst>
+          </p:cNvPr>
+          <p:cNvSpPr/>
+          <p:nvPr/>
+        </p:nvSpPr>
+        <p:spPr>
+          <a:xfrm>
+            <a:off x="9536783" y="2346617"/>
+            <a:ext cx="1797269" cy="830317"/>
+          </a:xfrm>
+          <a:prstGeom prst="roundRect">
+            <a:avLst/>
+          </a:prstGeom>
+        </p:spPr>
+        <p:style>
+          <a:lnRef idx="2">
+            <a:schemeClr val="accent6"/>
+          </a:lnRef>
+          <a:fillRef idx="1">
+            <a:schemeClr val="lt1"/>
+          </a:fillRef>
+          <a:effectRef idx="0">
+            <a:schemeClr val="accent6"/>
+          </a:effectRef>
+          <a:fontRef idx="minor">
+            <a:schemeClr val="dk1"/>
+          </a:fontRef>
+        </p:style>
+        <p:txBody>
+          <a:bodyPr rtlCol="0" anchor="ctr"/>
+          <a:lstStyle/>
+          <a:p>
+            <a:pPr marL="0" marR="0" lvl="0" indent="0" algn="ctr" defTabSz="914400" rtl="0" eaLnBrk="1" fontAlgn="auto" latinLnBrk="0" hangingPunct="1">
+              <a:lnSpc>
+                <a:spcPct val="100000"/>
+              </a:lnSpc>
+              <a:spcBef>
+                <a:spcPts val="0"/>
+              </a:spcBef>
+              <a:spcAft>
+                <a:spcPts val="0"/>
+              </a:spcAft>
+              <a:buClrTx/>
+              <a:buSzTx/>
+              <a:buFontTx/>
+              <a:buNone/>
+              <a:tabLst/>
+              <a:defRPr/>
+            </a:pPr>
+            <a:r>
+              <a:rPr kumimoji="0" lang="en-US" sz="1600" b="0" i="0" u="none" strike="noStrike" kern="1200" cap="none" spc="0" normalizeH="0" baseline="0" noProof="0" dirty="0" err="1">
+                <a:ln>
+                  <a:noFill/>
+                </a:ln>
+                <a:solidFill>
+                  <a:prstClr val="black"/>
+                </a:solidFill>
+                <a:effectLst/>
+                <a:uLnTx/>
+                <a:uFillTx/>
+                <a:latin typeface="Aptos" panose="02110004020202020204"/>
+                <a:ea typeface="+mn-ea"/>
+                <a:cs typeface="+mn-cs"/>
+              </a:rPr>
+              <a:t>switchdev</a:t>
+            </a:r>
+            <a:endParaRPr kumimoji="0" lang="en-US" sz="1600" b="0" i="0" u="none" strike="noStrike" kern="1200" cap="none" spc="0" normalizeH="0" baseline="0" noProof="0" dirty="0">
+              <a:ln>
+                <a:noFill/>
+              </a:ln>
+              <a:solidFill>
+                <a:prstClr val="black"/>
+              </a:solidFill>
+              <a:effectLst/>
+              <a:uLnTx/>
+              <a:uFillTx/>
+              <a:latin typeface="Aptos" panose="02110004020202020204"/>
+              <a:ea typeface="+mn-ea"/>
+              <a:cs typeface="+mn-cs"/>
+            </a:endParaRPr>
+          </a:p>
+        </p:txBody>
+      </p:sp>
+      <p:sp>
+        <p:nvSpPr>
+          <p:cNvPr id="6" name="Rounded Rectangle 5">
+            <a:extLst>
+              <a:ext uri="{FF2B5EF4-FFF2-40B4-BE49-F238E27FC236}">
+                <a16:creationId xmlns:a16="http://schemas.microsoft.com/office/drawing/2014/main" id="{A93F171A-9E89-8481-8C6C-AA9F88BF5F37}"/>
+              </a:ext>
+            </a:extLst>
+          </p:cNvPr>
+          <p:cNvSpPr/>
+          <p:nvPr/>
+        </p:nvSpPr>
+        <p:spPr>
+          <a:xfrm>
+            <a:off x="10038652" y="3176934"/>
+            <a:ext cx="717332" cy="291662"/>
+          </a:xfrm>
+          <a:prstGeom prst="roundRect">
+            <a:avLst/>
+          </a:prstGeom>
+        </p:spPr>
+        <p:style>
+          <a:lnRef idx="2">
+            <a:schemeClr val="accent6"/>
+          </a:lnRef>
+          <a:fillRef idx="1">
+            <a:schemeClr val="lt1"/>
+          </a:fillRef>
+          <a:effectRef idx="0">
+            <a:schemeClr val="accent6"/>
+          </a:effectRef>
+          <a:fontRef idx="minor">
+            <a:schemeClr val="dk1"/>
+          </a:fontRef>
+        </p:style>
+        <p:txBody>
+          <a:bodyPr rtlCol="0" anchor="ctr"/>
+          <a:lstStyle/>
+          <a:p>
+            <a:pPr marL="0" marR="0" lvl="0" indent="0" algn="ctr" defTabSz="914400" rtl="0" eaLnBrk="1" fontAlgn="auto" latinLnBrk="0" hangingPunct="1">
+              <a:lnSpc>
+                <a:spcPct val="100000"/>
+              </a:lnSpc>
+              <a:spcBef>
+                <a:spcPts val="0"/>
+              </a:spcBef>
+              <a:spcAft>
+                <a:spcPts val="0"/>
+              </a:spcAft>
+              <a:buClrTx/>
+              <a:buSzTx/>
+              <a:buFontTx/>
+              <a:buNone/>
+              <a:tabLst/>
+              <a:defRPr/>
+            </a:pPr>
+            <a:r>
+              <a:rPr kumimoji="0" lang="en-US" sz="1400" b="0" i="0" u="none" strike="noStrike" kern="1200" cap="none" spc="0" normalizeH="0" baseline="0" noProof="0" dirty="0">
+                <a:ln>
+                  <a:noFill/>
+                </a:ln>
+                <a:solidFill>
+                  <a:prstClr val="black"/>
+                </a:solidFill>
+                <a:effectLst/>
+                <a:uLnTx/>
+                <a:uFillTx/>
+                <a:latin typeface="Aptos" panose="02110004020202020204"/>
+                <a:ea typeface="+mn-ea"/>
+                <a:cs typeface="+mn-cs"/>
+              </a:rPr>
+              <a:t>uplink</a:t>
+            </a:r>
+          </a:p>
+        </p:txBody>
+      </p:sp>
+      <p:sp>
+        <p:nvSpPr>
+          <p:cNvPr id="7" name="Rounded Rectangle 6">
+            <a:extLst>
+              <a:ext uri="{FF2B5EF4-FFF2-40B4-BE49-F238E27FC236}">
+                <a16:creationId xmlns:a16="http://schemas.microsoft.com/office/drawing/2014/main" id="{E0671EE7-922E-219B-7DD1-76A5A6EF1E8D}"/>
+              </a:ext>
+            </a:extLst>
+          </p:cNvPr>
+          <p:cNvSpPr/>
+          <p:nvPr/>
+        </p:nvSpPr>
+        <p:spPr>
+          <a:xfrm>
+            <a:off x="9536783" y="2060211"/>
+            <a:ext cx="717332" cy="291662"/>
+          </a:xfrm>
+          <a:prstGeom prst="roundRect">
+            <a:avLst/>
+          </a:prstGeom>
+        </p:spPr>
+        <p:style>
+          <a:lnRef idx="2">
+            <a:schemeClr val="accent6"/>
+          </a:lnRef>
+          <a:fillRef idx="1">
+            <a:schemeClr val="lt1"/>
+          </a:fillRef>
+          <a:effectRef idx="0">
+            <a:schemeClr val="accent6"/>
+          </a:effectRef>
+          <a:fontRef idx="minor">
+            <a:schemeClr val="dk1"/>
+          </a:fontRef>
+        </p:style>
+        <p:txBody>
+          <a:bodyPr rtlCol="0" anchor="ctr"/>
+          <a:lstStyle/>
+          <a:p>
+            <a:pPr marL="0" marR="0" lvl="0" indent="0" algn="ctr" defTabSz="914400" rtl="0" eaLnBrk="1" fontAlgn="auto" latinLnBrk="0" hangingPunct="1">
+              <a:lnSpc>
+                <a:spcPct val="100000"/>
+              </a:lnSpc>
+              <a:spcBef>
+                <a:spcPts val="0"/>
+              </a:spcBef>
+              <a:spcAft>
+                <a:spcPts val="0"/>
+              </a:spcAft>
+              <a:buClrTx/>
+              <a:buSzTx/>
+              <a:buFontTx/>
+              <a:buNone/>
+              <a:tabLst/>
+              <a:defRPr/>
+            </a:pPr>
+            <a:r>
+              <a:rPr kumimoji="0" lang="en-US" sz="1400" b="0" i="0" u="none" strike="noStrike" kern="1200" cap="none" spc="0" normalizeH="0" baseline="0" noProof="0" dirty="0">
+                <a:ln>
+                  <a:noFill/>
+                </a:ln>
+                <a:solidFill>
+                  <a:prstClr val="black"/>
+                </a:solidFill>
+                <a:effectLst/>
+                <a:uLnTx/>
+                <a:uFillTx/>
+                <a:latin typeface="Aptos" panose="02110004020202020204"/>
+                <a:ea typeface="+mn-ea"/>
+                <a:cs typeface="+mn-cs"/>
+              </a:rPr>
+              <a:t>vport1</a:t>
+            </a:r>
+          </a:p>
+        </p:txBody>
+      </p:sp>
+      <p:sp>
+        <p:nvSpPr>
+          <p:cNvPr id="8" name="Rounded Rectangle 7">
+            <a:extLst>
+              <a:ext uri="{FF2B5EF4-FFF2-40B4-BE49-F238E27FC236}">
+                <a16:creationId xmlns:a16="http://schemas.microsoft.com/office/drawing/2014/main" id="{8C42BB90-43B4-D29B-D8D4-1E78E273261B}"/>
+              </a:ext>
+            </a:extLst>
+          </p:cNvPr>
+          <p:cNvSpPr/>
+          <p:nvPr/>
+        </p:nvSpPr>
+        <p:spPr>
+          <a:xfrm>
+            <a:off x="10606211" y="2054955"/>
+            <a:ext cx="717332" cy="291662"/>
+          </a:xfrm>
+          <a:prstGeom prst="roundRect">
+            <a:avLst/>
+          </a:prstGeom>
+        </p:spPr>
+        <p:style>
+          <a:lnRef idx="2">
+            <a:schemeClr val="accent6"/>
+          </a:lnRef>
+          <a:fillRef idx="1">
+            <a:schemeClr val="lt1"/>
+          </a:fillRef>
+          <a:effectRef idx="0">
+            <a:schemeClr val="accent6"/>
+          </a:effectRef>
+          <a:fontRef idx="minor">
+            <a:schemeClr val="dk1"/>
+          </a:fontRef>
+        </p:style>
+        <p:txBody>
+          <a:bodyPr rtlCol="0" anchor="ctr"/>
+          <a:lstStyle/>
+          <a:p>
+            <a:pPr marL="0" marR="0" lvl="0" indent="0" algn="ctr" defTabSz="914400" rtl="0" eaLnBrk="1" fontAlgn="auto" latinLnBrk="0" hangingPunct="1">
+              <a:lnSpc>
+                <a:spcPct val="100000"/>
+              </a:lnSpc>
+              <a:spcBef>
+                <a:spcPts val="0"/>
+              </a:spcBef>
+              <a:spcAft>
+                <a:spcPts val="0"/>
+              </a:spcAft>
+              <a:buClrTx/>
+              <a:buSzTx/>
+              <a:buFontTx/>
+              <a:buNone/>
+              <a:tabLst/>
+              <a:defRPr/>
+            </a:pPr>
+            <a:r>
+              <a:rPr kumimoji="0" lang="en-US" sz="1400" b="0" i="0" u="none" strike="noStrike" kern="1200" cap="none" spc="0" normalizeH="0" baseline="0" noProof="0" dirty="0">
+                <a:ln>
+                  <a:noFill/>
+                </a:ln>
+                <a:solidFill>
+                  <a:prstClr val="black"/>
+                </a:solidFill>
+                <a:effectLst/>
+                <a:uLnTx/>
+                <a:uFillTx/>
+                <a:latin typeface="Aptos" panose="02110004020202020204"/>
+                <a:ea typeface="+mn-ea"/>
+                <a:cs typeface="+mn-cs"/>
+              </a:rPr>
+              <a:t>vport2</a:t>
+            </a:r>
+          </a:p>
+        </p:txBody>
+      </p:sp>
+      <p:sp>
+        <p:nvSpPr>
+          <p:cNvPr id="13" name="Rounded Rectangle 12">
+            <a:extLst>
+              <a:ext uri="{FF2B5EF4-FFF2-40B4-BE49-F238E27FC236}">
+                <a16:creationId xmlns:a16="http://schemas.microsoft.com/office/drawing/2014/main" id="{E16450AA-71B2-CE6B-4031-984245D788E5}"/>
+              </a:ext>
+            </a:extLst>
+          </p:cNvPr>
+          <p:cNvSpPr/>
+          <p:nvPr/>
+        </p:nvSpPr>
+        <p:spPr>
+          <a:xfrm>
+            <a:off x="2753653" y="1804198"/>
+            <a:ext cx="608243" cy="291662"/>
+          </a:xfrm>
+          <a:prstGeom prst="roundRect">
+            <a:avLst/>
+          </a:prstGeom>
+        </p:spPr>
+        <p:style>
+          <a:lnRef idx="2">
+            <a:schemeClr val="accent6"/>
+          </a:lnRef>
+          <a:fillRef idx="1">
+            <a:schemeClr val="lt1"/>
+          </a:fillRef>
+          <a:effectRef idx="0">
+            <a:schemeClr val="accent6"/>
+          </a:effectRef>
+          <a:fontRef idx="minor">
+            <a:schemeClr val="dk1"/>
+          </a:fontRef>
+        </p:style>
+        <p:txBody>
+          <a:bodyPr rtlCol="0" anchor="ctr"/>
+          <a:lstStyle/>
+          <a:p>
+            <a:pPr marL="0" marR="0" lvl="0" indent="0" algn="ctr" defTabSz="914400" rtl="0" eaLnBrk="1" fontAlgn="auto" latinLnBrk="0" hangingPunct="1">
+              <a:lnSpc>
+                <a:spcPct val="100000"/>
+              </a:lnSpc>
+              <a:spcBef>
+                <a:spcPts val="0"/>
+              </a:spcBef>
+              <a:spcAft>
+                <a:spcPts val="0"/>
+              </a:spcAft>
+              <a:buClrTx/>
+              <a:buSzTx/>
+              <a:buFontTx/>
+              <a:buNone/>
+              <a:tabLst/>
+              <a:defRPr/>
+            </a:pPr>
+            <a:r>
+              <a:rPr kumimoji="0" lang="en-US" sz="1400" b="0" i="0" u="none" strike="noStrike" kern="1200" cap="none" spc="0" normalizeH="0" baseline="0" noProof="0" dirty="0" err="1">
+                <a:ln>
+                  <a:noFill/>
+                </a:ln>
+                <a:solidFill>
+                  <a:prstClr val="black"/>
+                </a:solidFill>
+                <a:effectLst/>
+                <a:uLnTx/>
+                <a:uFillTx/>
+                <a:latin typeface="Aptos" panose="02110004020202020204"/>
+                <a:ea typeface="+mn-ea"/>
+                <a:cs typeface="+mn-cs"/>
+              </a:rPr>
+              <a:t>vport</a:t>
+            </a:r>
+            <a:endParaRPr kumimoji="0" lang="en-US" sz="1400" b="0" i="0" u="none" strike="noStrike" kern="1200" cap="none" spc="0" normalizeH="0" baseline="0" noProof="0" dirty="0">
+              <a:ln>
+                <a:noFill/>
+              </a:ln>
+              <a:solidFill>
+                <a:prstClr val="black"/>
+              </a:solidFill>
+              <a:effectLst/>
+              <a:uLnTx/>
+              <a:uFillTx/>
+              <a:latin typeface="Aptos" panose="02110004020202020204"/>
+              <a:ea typeface="+mn-ea"/>
+              <a:cs typeface="+mn-cs"/>
+            </a:endParaRPr>
+          </a:p>
+        </p:txBody>
+      </p:sp>
+      <p:sp>
+        <p:nvSpPr>
+          <p:cNvPr id="15" name="Rounded Rectangle 14">
+            <a:extLst>
+              <a:ext uri="{FF2B5EF4-FFF2-40B4-BE49-F238E27FC236}">
+                <a16:creationId xmlns:a16="http://schemas.microsoft.com/office/drawing/2014/main" id="{C213DFA3-8113-B454-271D-99E1414F4237}"/>
+              </a:ext>
+            </a:extLst>
+          </p:cNvPr>
+          <p:cNvSpPr/>
+          <p:nvPr/>
+        </p:nvSpPr>
+        <p:spPr>
+          <a:xfrm>
+            <a:off x="1964175" y="1465975"/>
+            <a:ext cx="776769" cy="773594"/>
+          </a:xfrm>
+          <a:prstGeom prst="roundRect">
+            <a:avLst/>
+          </a:prstGeom>
+        </p:spPr>
+        <p:style>
+          <a:lnRef idx="2">
+            <a:schemeClr val="accent6"/>
+          </a:lnRef>
+          <a:fillRef idx="1">
+            <a:schemeClr val="lt1"/>
+          </a:fillRef>
+          <a:effectRef idx="0">
+            <a:schemeClr val="accent6"/>
+          </a:effectRef>
+          <a:fontRef idx="minor">
+            <a:schemeClr val="dk1"/>
+          </a:fontRef>
+        </p:style>
+        <p:txBody>
+          <a:bodyPr rtlCol="0" anchor="ctr"/>
+          <a:lstStyle/>
+          <a:p>
+            <a:pPr marL="0" marR="0" lvl="0" indent="0" algn="ctr" defTabSz="914400" rtl="0" eaLnBrk="1" fontAlgn="auto" latinLnBrk="0" hangingPunct="1">
+              <a:lnSpc>
+                <a:spcPct val="100000"/>
+              </a:lnSpc>
+              <a:spcBef>
+                <a:spcPts val="0"/>
+              </a:spcBef>
+              <a:spcAft>
+                <a:spcPts val="0"/>
+              </a:spcAft>
+              <a:buClrTx/>
+              <a:buSzTx/>
+              <a:buFontTx/>
+              <a:buNone/>
+              <a:tabLst/>
+              <a:defRPr/>
+            </a:pPr>
+            <a:r>
+              <a:rPr kumimoji="0" lang="en-US" sz="1100" b="0" i="0" u="none" strike="noStrike" kern="1200" cap="none" spc="0" normalizeH="0" baseline="0" noProof="0" dirty="0">
+                <a:ln>
+                  <a:noFill/>
+                </a:ln>
+                <a:solidFill>
+                  <a:prstClr val="black"/>
+                </a:solidFill>
+                <a:effectLst/>
+                <a:uLnTx/>
+                <a:uFillTx/>
+                <a:latin typeface="Aptos" panose="02110004020202020204"/>
+                <a:ea typeface="+mn-ea"/>
+                <a:cs typeface="+mn-cs"/>
+              </a:rPr>
+              <a:t>ab/</a:t>
+            </a:r>
+            <a:r>
+              <a:rPr kumimoji="0" lang="en-US" sz="1100" b="0" i="0" u="none" strike="noStrike" kern="1200" cap="none" spc="0" normalizeH="0" baseline="0" noProof="0" dirty="0" err="1">
+                <a:ln>
+                  <a:noFill/>
+                </a:ln>
+                <a:solidFill>
+                  <a:prstClr val="black"/>
+                </a:solidFill>
+                <a:effectLst/>
+                <a:uLnTx/>
+                <a:uFillTx/>
+                <a:latin typeface="Aptos" panose="02110004020202020204"/>
+                <a:ea typeface="+mn-ea"/>
+                <a:cs typeface="+mn-cs"/>
+              </a:rPr>
+              <a:t>iperf</a:t>
+            </a:r>
+            <a:r>
+              <a:rPr kumimoji="0" lang="en-US" sz="1100" b="0" i="0" u="none" strike="noStrike" kern="1200" cap="none" spc="0" normalizeH="0" baseline="0" noProof="0" dirty="0">
+                <a:ln>
+                  <a:noFill/>
+                </a:ln>
+                <a:solidFill>
+                  <a:prstClr val="black"/>
+                </a:solidFill>
+                <a:effectLst/>
+                <a:uLnTx/>
+                <a:uFillTx/>
+                <a:latin typeface="Aptos" panose="02110004020202020204"/>
+                <a:ea typeface="+mn-ea"/>
+                <a:cs typeface="+mn-cs"/>
+              </a:rPr>
+              <a:t> Client</a:t>
+            </a:r>
+          </a:p>
+        </p:txBody>
+      </p:sp>
+      <p:cxnSp>
+        <p:nvCxnSpPr>
+          <p:cNvPr id="31" name="Straight Connector 30">
+            <a:extLst>
+              <a:ext uri="{FF2B5EF4-FFF2-40B4-BE49-F238E27FC236}">
+                <a16:creationId xmlns:a16="http://schemas.microsoft.com/office/drawing/2014/main" id="{09E6552B-7A37-0DC4-39B3-04D462A13EC2}"/>
+              </a:ext>
+            </a:extLst>
+          </p:cNvPr>
+          <p:cNvCxnSpPr>
+            <a:cxnSpLocks/>
+          </p:cNvCxnSpPr>
+          <p:nvPr/>
+        </p:nvCxnSpPr>
+        <p:spPr>
+          <a:xfrm flipV="1">
+            <a:off x="10367095" y="3468596"/>
+            <a:ext cx="0" cy="533399"/>
+          </a:xfrm>
+          <a:prstGeom prst="line">
+            <a:avLst/>
+          </a:prstGeom>
+          <a:ln>
+            <a:headEnd type="triangle"/>
+            <a:tailEnd type="triangle"/>
+          </a:ln>
+        </p:spPr>
+        <p:style>
+          <a:lnRef idx="2">
+            <a:schemeClr val="accent1"/>
+          </a:lnRef>
+          <a:fillRef idx="0">
+            <a:schemeClr val="accent1"/>
+          </a:fillRef>
+          <a:effectRef idx="1">
+            <a:schemeClr val="accent1"/>
+          </a:effectRef>
+          <a:fontRef idx="minor">
+            <a:schemeClr val="tx1"/>
+          </a:fontRef>
+        </p:style>
+      </p:cxnSp>
+      <p:cxnSp>
+        <p:nvCxnSpPr>
+          <p:cNvPr id="3" name="Straight Connector 2">
+            <a:extLst>
+              <a:ext uri="{FF2B5EF4-FFF2-40B4-BE49-F238E27FC236}">
+                <a16:creationId xmlns:a16="http://schemas.microsoft.com/office/drawing/2014/main" id="{218834F3-413C-62B1-FB5B-3757EC44C060}"/>
+              </a:ext>
+            </a:extLst>
+          </p:cNvPr>
+          <p:cNvCxnSpPr>
+            <a:cxnSpLocks/>
+            <a:stCxn id="8" idx="0"/>
+          </p:cNvCxnSpPr>
+          <p:nvPr/>
+        </p:nvCxnSpPr>
+        <p:spPr>
+          <a:xfrm flipV="1">
+            <a:off x="10964877" y="602849"/>
+            <a:ext cx="7891" cy="1452106"/>
+          </a:xfrm>
+          <a:prstGeom prst="line">
+            <a:avLst/>
+          </a:prstGeom>
+          <a:ln>
+            <a:headEnd type="triangle"/>
+            <a:tailEnd type="triangle"/>
+          </a:ln>
+        </p:spPr>
+        <p:style>
+          <a:lnRef idx="2">
+            <a:schemeClr val="accent1"/>
+          </a:lnRef>
+          <a:fillRef idx="0">
+            <a:schemeClr val="accent1"/>
+          </a:fillRef>
+          <a:effectRef idx="1">
+            <a:schemeClr val="accent1"/>
+          </a:effectRef>
+          <a:fontRef idx="minor">
+            <a:schemeClr val="tx1"/>
+          </a:fontRef>
+        </p:style>
+      </p:cxnSp>
+      <p:sp>
+        <p:nvSpPr>
+          <p:cNvPr id="23" name="TextBox 22">
+            <a:extLst>
+              <a:ext uri="{FF2B5EF4-FFF2-40B4-BE49-F238E27FC236}">
+                <a16:creationId xmlns:a16="http://schemas.microsoft.com/office/drawing/2014/main" id="{7C1CAE90-8E34-0ECF-D2BF-1242B673F955}"/>
+              </a:ext>
+            </a:extLst>
+          </p:cNvPr>
+          <p:cNvSpPr txBox="1"/>
+          <p:nvPr/>
+        </p:nvSpPr>
+        <p:spPr>
+          <a:xfrm>
+            <a:off x="11069333" y="3378320"/>
+            <a:ext cx="524503" cy="338554"/>
+          </a:xfrm>
+          <a:prstGeom prst="rect">
+            <a:avLst/>
+          </a:prstGeom>
+          <a:noFill/>
+        </p:spPr>
+        <p:txBody>
+          <a:bodyPr wrap="none" rtlCol="0">
+            <a:spAutoFit/>
+          </a:bodyPr>
+          <a:lstStyle/>
+          <a:p>
+            <a:pPr marL="0" marR="0" lvl="0" indent="0" algn="l" defTabSz="914400" rtl="0" eaLnBrk="1" fontAlgn="auto" latinLnBrk="0" hangingPunct="1">
+              <a:lnSpc>
+                <a:spcPct val="100000"/>
+              </a:lnSpc>
+              <a:spcBef>
+                <a:spcPts val="0"/>
+              </a:spcBef>
+              <a:spcAft>
+                <a:spcPts val="0"/>
+              </a:spcAft>
+              <a:buClrTx/>
+              <a:buSzTx/>
+              <a:buFontTx/>
+              <a:buNone/>
+              <a:tabLst/>
+              <a:defRPr/>
+            </a:pPr>
+            <a:r>
+              <a:rPr kumimoji="0" lang="en-US" sz="1600" b="0" i="0" u="none" strike="noStrike" kern="1200" cap="none" spc="0" normalizeH="0" baseline="0" noProof="0" dirty="0">
+                <a:ln>
+                  <a:noFill/>
+                </a:ln>
+                <a:solidFill>
+                  <a:prstClr val="black"/>
+                </a:solidFill>
+                <a:effectLst/>
+                <a:uLnTx/>
+                <a:uFillTx/>
+                <a:latin typeface="Aptos" panose="02110004020202020204"/>
+                <a:ea typeface="+mn-ea"/>
+                <a:cs typeface="+mn-cs"/>
+              </a:rPr>
+              <a:t>NIC</a:t>
+            </a:r>
+          </a:p>
+        </p:txBody>
+      </p:sp>
+      <p:sp>
+        <p:nvSpPr>
+          <p:cNvPr id="26" name="TextBox 25">
+            <a:extLst>
+              <a:ext uri="{FF2B5EF4-FFF2-40B4-BE49-F238E27FC236}">
+                <a16:creationId xmlns:a16="http://schemas.microsoft.com/office/drawing/2014/main" id="{7FD9F989-26F1-65BE-6A2A-A34AD53FA089}"/>
+              </a:ext>
+            </a:extLst>
+          </p:cNvPr>
+          <p:cNvSpPr txBox="1"/>
+          <p:nvPr/>
+        </p:nvSpPr>
+        <p:spPr>
+          <a:xfrm>
+            <a:off x="2731136" y="2289946"/>
+            <a:ext cx="608243" cy="338554"/>
+          </a:xfrm>
+          <a:prstGeom prst="rect">
+            <a:avLst/>
+          </a:prstGeom>
+          <a:noFill/>
+        </p:spPr>
+        <p:txBody>
+          <a:bodyPr wrap="none" rtlCol="0">
+            <a:spAutoFit/>
+          </a:bodyPr>
+          <a:lstStyle/>
+          <a:p>
+            <a:pPr marL="0" marR="0" lvl="0" indent="0" algn="l" defTabSz="914400" rtl="0" eaLnBrk="1" fontAlgn="auto" latinLnBrk="0" hangingPunct="1">
+              <a:lnSpc>
+                <a:spcPct val="100000"/>
+              </a:lnSpc>
+              <a:spcBef>
+                <a:spcPts val="0"/>
+              </a:spcBef>
+              <a:spcAft>
+                <a:spcPts val="0"/>
+              </a:spcAft>
+              <a:buClrTx/>
+              <a:buSzTx/>
+              <a:buFontTx/>
+              <a:buNone/>
+              <a:tabLst/>
+              <a:defRPr/>
+            </a:pPr>
+            <a:r>
+              <a:rPr kumimoji="0" lang="en-US" sz="1600" b="0" i="0" u="none" strike="noStrike" kern="1200" cap="none" spc="0" normalizeH="0" baseline="0" noProof="0" dirty="0">
+                <a:ln>
+                  <a:noFill/>
+                </a:ln>
+                <a:solidFill>
+                  <a:prstClr val="black"/>
+                </a:solidFill>
+                <a:effectLst/>
+                <a:uLnTx/>
+                <a:uFillTx/>
+                <a:latin typeface="Aptos" panose="02110004020202020204"/>
+                <a:ea typeface="+mn-ea"/>
+                <a:cs typeface="+mn-cs"/>
+              </a:rPr>
+              <a:t>Host</a:t>
+            </a:r>
+          </a:p>
+        </p:txBody>
+      </p:sp>
+      <p:sp>
+        <p:nvSpPr>
+          <p:cNvPr id="27" name="Rounded Rectangle 26">
+            <a:extLst>
+              <a:ext uri="{FF2B5EF4-FFF2-40B4-BE49-F238E27FC236}">
+                <a16:creationId xmlns:a16="http://schemas.microsoft.com/office/drawing/2014/main" id="{216D8A09-5F0D-C44D-EB1C-A741802E532E}"/>
+              </a:ext>
+            </a:extLst>
+          </p:cNvPr>
+          <p:cNvSpPr/>
+          <p:nvPr/>
+        </p:nvSpPr>
+        <p:spPr>
+          <a:xfrm>
+            <a:off x="3568363" y="1804198"/>
+            <a:ext cx="555074" cy="324410"/>
+          </a:xfrm>
+          <a:prstGeom prst="roundRect">
+            <a:avLst/>
+          </a:prstGeom>
+        </p:spPr>
+        <p:style>
+          <a:lnRef idx="2">
+            <a:schemeClr val="accent6"/>
+          </a:lnRef>
+          <a:fillRef idx="1">
+            <a:schemeClr val="lt1"/>
+          </a:fillRef>
+          <a:effectRef idx="0">
+            <a:schemeClr val="accent6"/>
+          </a:effectRef>
+          <a:fontRef idx="minor">
+            <a:schemeClr val="dk1"/>
+          </a:fontRef>
+        </p:style>
+        <p:txBody>
+          <a:bodyPr rtlCol="0" anchor="ctr"/>
+          <a:lstStyle/>
+          <a:p>
+            <a:pPr marL="0" marR="0" lvl="0" indent="0" algn="ctr" defTabSz="914400" rtl="0" eaLnBrk="1" fontAlgn="auto" latinLnBrk="0" hangingPunct="1">
+              <a:lnSpc>
+                <a:spcPct val="100000"/>
+              </a:lnSpc>
+              <a:spcBef>
+                <a:spcPts val="0"/>
+              </a:spcBef>
+              <a:spcAft>
+                <a:spcPts val="0"/>
+              </a:spcAft>
+              <a:buClrTx/>
+              <a:buSzTx/>
+              <a:buFontTx/>
+              <a:buNone/>
+              <a:tabLst/>
+              <a:defRPr/>
+            </a:pPr>
+            <a:r>
+              <a:rPr kumimoji="0" lang="en-US" sz="1400" b="0" i="0" u="none" strike="noStrike" kern="1200" cap="none" spc="0" normalizeH="0" baseline="0" noProof="0" dirty="0">
+                <a:ln>
+                  <a:noFill/>
+                </a:ln>
+                <a:solidFill>
+                  <a:prstClr val="black"/>
+                </a:solidFill>
+                <a:effectLst/>
+                <a:uLnTx/>
+                <a:uFillTx/>
+                <a:latin typeface="Aptos" panose="02110004020202020204"/>
+                <a:ea typeface="+mn-ea"/>
+                <a:cs typeface="+mn-cs"/>
+              </a:rPr>
+              <a:t>OVS</a:t>
+            </a:r>
+          </a:p>
+        </p:txBody>
+      </p:sp>
+      <p:sp>
+        <p:nvSpPr>
+          <p:cNvPr id="41" name="TextBox 40">
+            <a:extLst>
+              <a:ext uri="{FF2B5EF4-FFF2-40B4-BE49-F238E27FC236}">
+                <a16:creationId xmlns:a16="http://schemas.microsoft.com/office/drawing/2014/main" id="{0FACC784-3695-2C23-C952-6EB78EBD2982}"/>
+              </a:ext>
+            </a:extLst>
+          </p:cNvPr>
+          <p:cNvSpPr txBox="1"/>
+          <p:nvPr/>
+        </p:nvSpPr>
+        <p:spPr>
+          <a:xfrm>
+            <a:off x="0" y="197576"/>
+            <a:ext cx="1342740" cy="369332"/>
+          </a:xfrm>
+          <a:prstGeom prst="rect">
+            <a:avLst/>
+          </a:prstGeom>
+          <a:noFill/>
+        </p:spPr>
+        <p:txBody>
+          <a:bodyPr wrap="none" rtlCol="0">
+            <a:spAutoFit/>
+          </a:bodyPr>
+          <a:lstStyle/>
+          <a:p>
+            <a:pPr marL="0" marR="0" lvl="0" indent="0" algn="l" defTabSz="914400" rtl="0" eaLnBrk="1" fontAlgn="auto" latinLnBrk="0" hangingPunct="1">
+              <a:lnSpc>
+                <a:spcPct val="100000"/>
+              </a:lnSpc>
+              <a:spcBef>
+                <a:spcPts val="0"/>
+              </a:spcBef>
+              <a:spcAft>
+                <a:spcPts val="0"/>
+              </a:spcAft>
+              <a:buClrTx/>
+              <a:buSzTx/>
+              <a:buFontTx/>
+              <a:buNone/>
+              <a:tabLst/>
+              <a:defRPr/>
+            </a:pPr>
+            <a:r>
+              <a:rPr kumimoji="0" lang="en-US" sz="1800" b="0" i="0" u="none" strike="noStrike" kern="1200" cap="none" spc="0" normalizeH="0" baseline="0" noProof="0" dirty="0" err="1">
+                <a:ln>
+                  <a:noFill/>
+                </a:ln>
+                <a:solidFill>
+                  <a:prstClr val="black"/>
+                </a:solidFill>
+                <a:effectLst/>
+                <a:uLnTx/>
+                <a:uFillTx/>
+                <a:latin typeface="Aptos" panose="02110004020202020204"/>
+                <a:ea typeface="+mn-ea"/>
+                <a:cs typeface="+mn-cs"/>
+              </a:rPr>
+              <a:t>testbed.pdf</a:t>
+            </a:r>
+            <a:endParaRPr kumimoji="0" lang="en-US" sz="1800" b="0" i="0" u="none" strike="noStrike" kern="1200" cap="none" spc="0" normalizeH="0" baseline="0" noProof="0" dirty="0">
+              <a:ln>
+                <a:noFill/>
+              </a:ln>
+              <a:solidFill>
+                <a:prstClr val="black"/>
+              </a:solidFill>
+              <a:effectLst/>
+              <a:uLnTx/>
+              <a:uFillTx/>
+              <a:latin typeface="Aptos" panose="02110004020202020204"/>
+              <a:ea typeface="+mn-ea"/>
+              <a:cs typeface="+mn-cs"/>
+            </a:endParaRPr>
+          </a:p>
+        </p:txBody>
+      </p:sp>
+      <p:cxnSp>
+        <p:nvCxnSpPr>
+          <p:cNvPr id="44" name="Straight Connector 43">
+            <a:extLst>
+              <a:ext uri="{FF2B5EF4-FFF2-40B4-BE49-F238E27FC236}">
+                <a16:creationId xmlns:a16="http://schemas.microsoft.com/office/drawing/2014/main" id="{21E21F01-4EA9-9851-C6DF-AEDCDE26E773}"/>
+              </a:ext>
+            </a:extLst>
+          </p:cNvPr>
+          <p:cNvCxnSpPr>
+            <a:cxnSpLocks/>
+            <a:stCxn id="28" idx="1"/>
+            <a:endCxn id="27" idx="3"/>
+          </p:cNvCxnSpPr>
+          <p:nvPr/>
+        </p:nvCxnSpPr>
+        <p:spPr>
+          <a:xfrm flipH="1">
+            <a:off x="4123437" y="1964521"/>
+            <a:ext cx="703153" cy="1882"/>
+          </a:xfrm>
+          <a:prstGeom prst="line">
+            <a:avLst/>
+          </a:prstGeom>
+          <a:ln>
+            <a:headEnd type="triangle"/>
+            <a:tailEnd type="triangle"/>
+          </a:ln>
+        </p:spPr>
+        <p:style>
+          <a:lnRef idx="2">
+            <a:schemeClr val="accent1"/>
+          </a:lnRef>
+          <a:fillRef idx="0">
+            <a:schemeClr val="accent1"/>
+          </a:fillRef>
+          <a:effectRef idx="1">
+            <a:schemeClr val="accent1"/>
+          </a:effectRef>
+          <a:fontRef idx="minor">
+            <a:schemeClr val="tx1"/>
+          </a:fontRef>
+        </p:style>
+      </p:cxnSp>
+      <p:cxnSp>
+        <p:nvCxnSpPr>
+          <p:cNvPr id="46" name="Straight Connector 45">
+            <a:extLst>
+              <a:ext uri="{FF2B5EF4-FFF2-40B4-BE49-F238E27FC236}">
+                <a16:creationId xmlns:a16="http://schemas.microsoft.com/office/drawing/2014/main" id="{3ED0B107-97F4-D72B-6B33-0F9CD36F8E8A}"/>
+              </a:ext>
+            </a:extLst>
+          </p:cNvPr>
+          <p:cNvCxnSpPr>
+            <a:cxnSpLocks/>
+          </p:cNvCxnSpPr>
+          <p:nvPr/>
+        </p:nvCxnSpPr>
+        <p:spPr>
+          <a:xfrm flipH="1">
+            <a:off x="7494168" y="1133228"/>
+            <a:ext cx="574239" cy="0"/>
+          </a:xfrm>
+          <a:prstGeom prst="line">
+            <a:avLst/>
+          </a:prstGeom>
+          <a:ln>
+            <a:prstDash val="dash"/>
+            <a:headEnd type="triangle"/>
+            <a:tailEnd type="triangle"/>
+          </a:ln>
+        </p:spPr>
+        <p:style>
+          <a:lnRef idx="2">
+            <a:schemeClr val="accent1"/>
+          </a:lnRef>
+          <a:fillRef idx="0">
+            <a:schemeClr val="accent1"/>
+          </a:fillRef>
+          <a:effectRef idx="1">
+            <a:schemeClr val="accent1"/>
+          </a:effectRef>
+          <a:fontRef idx="minor">
+            <a:schemeClr val="tx1"/>
+          </a:fontRef>
+        </p:style>
+      </p:cxnSp>
+      <p:sp>
+        <p:nvSpPr>
+          <p:cNvPr id="48" name="TextBox 47">
+            <a:extLst>
+              <a:ext uri="{FF2B5EF4-FFF2-40B4-BE49-F238E27FC236}">
+                <a16:creationId xmlns:a16="http://schemas.microsoft.com/office/drawing/2014/main" id="{D9496C08-86FC-8684-834F-9CC317D8A13F}"/>
+              </a:ext>
+            </a:extLst>
+          </p:cNvPr>
+          <p:cNvSpPr txBox="1"/>
+          <p:nvPr/>
+        </p:nvSpPr>
+        <p:spPr>
+          <a:xfrm>
+            <a:off x="8110180" y="686891"/>
+            <a:ext cx="1084977" cy="584775"/>
+          </a:xfrm>
+          <a:prstGeom prst="rect">
+            <a:avLst/>
+          </a:prstGeom>
+          <a:noFill/>
+        </p:spPr>
+        <p:txBody>
+          <a:bodyPr wrap="none" rtlCol="0">
+            <a:spAutoFit/>
+          </a:bodyPr>
+          <a:lstStyle/>
+          <a:p>
+            <a:pPr marL="0" marR="0" lvl="0" indent="0" algn="l" defTabSz="914400" rtl="0" eaLnBrk="1" fontAlgn="auto" latinLnBrk="0" hangingPunct="1">
+              <a:lnSpc>
+                <a:spcPct val="100000"/>
+              </a:lnSpc>
+              <a:spcBef>
+                <a:spcPts val="0"/>
+              </a:spcBef>
+              <a:spcAft>
+                <a:spcPts val="0"/>
+              </a:spcAft>
+              <a:buClrTx/>
+              <a:buSzTx/>
+              <a:buFontTx/>
+              <a:buNone/>
+              <a:tabLst/>
+              <a:defRPr/>
+            </a:pPr>
+            <a:r>
+              <a:rPr kumimoji="0" lang="en-US" sz="1600" b="0" i="0" u="none" strike="noStrike" kern="1200" cap="none" spc="0" normalizeH="0" baseline="0" noProof="0" dirty="0">
+                <a:ln>
+                  <a:noFill/>
+                </a:ln>
+                <a:solidFill>
+                  <a:prstClr val="black"/>
+                </a:solidFill>
+                <a:effectLst/>
+                <a:uLnTx/>
+                <a:uFillTx/>
+                <a:latin typeface="Aptos" panose="02110004020202020204"/>
+                <a:ea typeface="+mn-ea"/>
+                <a:cs typeface="+mn-cs"/>
+              </a:rPr>
+              <a:t>Fast-path</a:t>
+            </a:r>
+          </a:p>
+          <a:p>
+            <a:pPr marL="0" marR="0" lvl="0" indent="0" algn="l" defTabSz="914400" rtl="0" eaLnBrk="1" fontAlgn="auto" latinLnBrk="0" hangingPunct="1">
+              <a:lnSpc>
+                <a:spcPct val="100000"/>
+              </a:lnSpc>
+              <a:spcBef>
+                <a:spcPts val="0"/>
+              </a:spcBef>
+              <a:spcAft>
+                <a:spcPts val="0"/>
+              </a:spcAft>
+              <a:buClrTx/>
+              <a:buSzTx/>
+              <a:buFontTx/>
+              <a:buNone/>
+              <a:tabLst/>
+              <a:defRPr/>
+            </a:pPr>
+            <a:r>
+              <a:rPr kumimoji="0" lang="en-US" sz="1600" b="0" i="0" u="none" strike="noStrike" kern="1200" cap="none" spc="0" normalizeH="0" baseline="0" noProof="0" dirty="0">
+                <a:ln>
+                  <a:noFill/>
+                </a:ln>
+                <a:solidFill>
+                  <a:prstClr val="black"/>
+                </a:solidFill>
+                <a:effectLst/>
+                <a:uLnTx/>
+                <a:uFillTx/>
+                <a:latin typeface="Aptos" panose="02110004020202020204"/>
+                <a:ea typeface="+mn-ea"/>
+                <a:cs typeface="+mn-cs"/>
+              </a:rPr>
+              <a:t>Slow-path</a:t>
+            </a:r>
+          </a:p>
+        </p:txBody>
+      </p:sp>
+      <p:sp>
+        <p:nvSpPr>
+          <p:cNvPr id="50" name="TextBox 49">
+            <a:extLst>
+              <a:ext uri="{FF2B5EF4-FFF2-40B4-BE49-F238E27FC236}">
+                <a16:creationId xmlns:a16="http://schemas.microsoft.com/office/drawing/2014/main" id="{37259F81-18CC-A3EE-79AE-9E277C9F4FCD}"/>
+              </a:ext>
+            </a:extLst>
+          </p:cNvPr>
+          <p:cNvSpPr txBox="1"/>
+          <p:nvPr/>
+        </p:nvSpPr>
+        <p:spPr>
+          <a:xfrm>
+            <a:off x="9709343" y="1353200"/>
+            <a:ext cx="973215" cy="307777"/>
+          </a:xfrm>
+          <a:prstGeom prst="rect">
+            <a:avLst/>
+          </a:prstGeom>
+          <a:noFill/>
+        </p:spPr>
+        <p:txBody>
+          <a:bodyPr wrap="none" rtlCol="0">
+            <a:spAutoFit/>
+          </a:bodyPr>
+          <a:lstStyle/>
+          <a:p>
+            <a:pPr marL="0" marR="0" lvl="0" indent="0" algn="l" defTabSz="914400" rtl="0" eaLnBrk="1" fontAlgn="auto" latinLnBrk="0" hangingPunct="1">
+              <a:lnSpc>
+                <a:spcPct val="100000"/>
+              </a:lnSpc>
+              <a:spcBef>
+                <a:spcPts val="0"/>
+              </a:spcBef>
+              <a:spcAft>
+                <a:spcPts val="0"/>
+              </a:spcAft>
+              <a:buClrTx/>
+              <a:buSzTx/>
+              <a:buFontTx/>
+              <a:buNone/>
+              <a:tabLst/>
+              <a:defRPr/>
+            </a:pPr>
+            <a:r>
+              <a:rPr kumimoji="0" lang="en-US" sz="1400" b="0" i="0" u="none" strike="noStrike" kern="1200" cap="none" spc="0" normalizeH="0" baseline="0" noProof="0" dirty="0">
+                <a:ln>
+                  <a:noFill/>
+                </a:ln>
+                <a:solidFill>
+                  <a:prstClr val="black"/>
+                </a:solidFill>
+                <a:effectLst/>
+                <a:uLnTx/>
+                <a:uFillTx/>
+                <a:latin typeface="Aptos" panose="02110004020202020204"/>
+                <a:ea typeface="+mn-ea"/>
+                <a:cs typeface="+mn-cs"/>
+              </a:rPr>
+              <a:t>Slow-path</a:t>
+            </a:r>
+          </a:p>
+        </p:txBody>
+      </p:sp>
+      <p:sp>
+        <p:nvSpPr>
+          <p:cNvPr id="51" name="TextBox 50">
+            <a:extLst>
+              <a:ext uri="{FF2B5EF4-FFF2-40B4-BE49-F238E27FC236}">
+                <a16:creationId xmlns:a16="http://schemas.microsoft.com/office/drawing/2014/main" id="{FFEFE3A5-B2B3-0995-0EF1-65AFDCDE396C}"/>
+              </a:ext>
+            </a:extLst>
+          </p:cNvPr>
+          <p:cNvSpPr txBox="1"/>
+          <p:nvPr/>
+        </p:nvSpPr>
+        <p:spPr>
+          <a:xfrm>
+            <a:off x="8977011" y="1544018"/>
+            <a:ext cx="928716" cy="307777"/>
+          </a:xfrm>
+          <a:prstGeom prst="rect">
+            <a:avLst/>
+          </a:prstGeom>
+          <a:noFill/>
+        </p:spPr>
+        <p:txBody>
+          <a:bodyPr wrap="none" rtlCol="0">
+            <a:spAutoFit/>
+          </a:bodyPr>
+          <a:lstStyle/>
+          <a:p>
+            <a:pPr marL="0" marR="0" lvl="0" indent="0" algn="l" defTabSz="914400" rtl="0" eaLnBrk="1" fontAlgn="auto" latinLnBrk="0" hangingPunct="1">
+              <a:lnSpc>
+                <a:spcPct val="100000"/>
+              </a:lnSpc>
+              <a:spcBef>
+                <a:spcPts val="0"/>
+              </a:spcBef>
+              <a:spcAft>
+                <a:spcPts val="0"/>
+              </a:spcAft>
+              <a:buClrTx/>
+              <a:buSzTx/>
+              <a:buFontTx/>
+              <a:buNone/>
+              <a:tabLst/>
+              <a:defRPr/>
+            </a:pPr>
+            <a:r>
+              <a:rPr kumimoji="0" lang="en-US" sz="1400" b="0" i="0" u="none" strike="noStrike" kern="1200" cap="none" spc="0" normalizeH="0" baseline="0" noProof="0" dirty="0">
+                <a:ln>
+                  <a:noFill/>
+                </a:ln>
+                <a:solidFill>
+                  <a:prstClr val="black"/>
+                </a:solidFill>
+                <a:effectLst/>
+                <a:uLnTx/>
+                <a:uFillTx/>
+                <a:latin typeface="Aptos" panose="02110004020202020204"/>
+                <a:ea typeface="+mn-ea"/>
+                <a:cs typeface="+mn-cs"/>
+              </a:rPr>
+              <a:t>Fast-path</a:t>
+            </a:r>
+          </a:p>
+        </p:txBody>
+      </p:sp>
+      <p:sp>
+        <p:nvSpPr>
+          <p:cNvPr id="11" name="Rectangle 10">
+            <a:extLst>
+              <a:ext uri="{FF2B5EF4-FFF2-40B4-BE49-F238E27FC236}">
+                <a16:creationId xmlns:a16="http://schemas.microsoft.com/office/drawing/2014/main" id="{8AA253E6-74A5-F1AD-373D-0A4CFBC241E6}"/>
+              </a:ext>
+            </a:extLst>
+          </p:cNvPr>
+          <p:cNvSpPr/>
+          <p:nvPr/>
+        </p:nvSpPr>
+        <p:spPr>
+          <a:xfrm>
+            <a:off x="5407954" y="1362138"/>
+            <a:ext cx="1654203" cy="1245264"/>
+          </a:xfrm>
+          <a:prstGeom prst="rect">
+            <a:avLst/>
+          </a:prstGeom>
+          <a:solidFill>
+            <a:schemeClr val="bg2">
+              <a:lumMod val="90000"/>
+              <a:alpha val="34000"/>
+            </a:schemeClr>
+          </a:solidFill>
+        </p:spPr>
+        <p:style>
+          <a:lnRef idx="2">
+            <a:schemeClr val="accent1">
+              <a:shade val="15000"/>
+            </a:schemeClr>
+          </a:lnRef>
+          <a:fillRef idx="1">
+            <a:schemeClr val="accent1"/>
+          </a:fillRef>
+          <a:effectRef idx="0">
+            <a:schemeClr val="accent1"/>
+          </a:effectRef>
+          <a:fontRef idx="minor">
+            <a:schemeClr val="lt1"/>
+          </a:fontRef>
+        </p:style>
+        <p:txBody>
+          <a:bodyPr rtlCol="0" anchor="ctr"/>
+          <a:lstStyle/>
+          <a:p>
+            <a:pPr marL="0" marR="0" lvl="0" indent="0" algn="ctr" defTabSz="914400" rtl="0" eaLnBrk="1" fontAlgn="auto" latinLnBrk="0" hangingPunct="1">
+              <a:lnSpc>
+                <a:spcPct val="100000"/>
+              </a:lnSpc>
+              <a:spcBef>
+                <a:spcPts val="0"/>
+              </a:spcBef>
+              <a:spcAft>
+                <a:spcPts val="0"/>
+              </a:spcAft>
+              <a:buClrTx/>
+              <a:buSzTx/>
+              <a:buFontTx/>
+              <a:buNone/>
+              <a:tabLst/>
+              <a:defRPr/>
+            </a:pPr>
+            <a:endParaRPr kumimoji="0" lang="en-US" sz="1800" b="0" i="0" u="none" strike="noStrike" kern="1200" cap="none" spc="0" normalizeH="0" baseline="0" noProof="0">
+              <a:ln>
+                <a:noFill/>
+              </a:ln>
+              <a:solidFill>
+                <a:prstClr val="white"/>
+              </a:solidFill>
+              <a:effectLst/>
+              <a:uLnTx/>
+              <a:uFillTx/>
+              <a:latin typeface="Aptos" panose="02110004020202020204"/>
+              <a:ea typeface="+mn-ea"/>
+              <a:cs typeface="+mn-cs"/>
+            </a:endParaRPr>
+          </a:p>
+        </p:txBody>
+      </p:sp>
+      <p:sp>
+        <p:nvSpPr>
+          <p:cNvPr id="12" name="Rounded Rectangle 11">
+            <a:extLst>
+              <a:ext uri="{FF2B5EF4-FFF2-40B4-BE49-F238E27FC236}">
+                <a16:creationId xmlns:a16="http://schemas.microsoft.com/office/drawing/2014/main" id="{F570AB7F-E00B-9CFA-E943-0A6923C598D1}"/>
+              </a:ext>
+            </a:extLst>
+          </p:cNvPr>
+          <p:cNvSpPr/>
+          <p:nvPr/>
+        </p:nvSpPr>
+        <p:spPr>
+          <a:xfrm>
+            <a:off x="5449794" y="1796529"/>
+            <a:ext cx="717332" cy="291662"/>
+          </a:xfrm>
+          <a:prstGeom prst="roundRect">
+            <a:avLst/>
+          </a:prstGeom>
+        </p:spPr>
+        <p:style>
+          <a:lnRef idx="2">
+            <a:schemeClr val="accent6"/>
+          </a:lnRef>
+          <a:fillRef idx="1">
+            <a:schemeClr val="lt1"/>
+          </a:fillRef>
+          <a:effectRef idx="0">
+            <a:schemeClr val="accent6"/>
+          </a:effectRef>
+          <a:fontRef idx="minor">
+            <a:schemeClr val="dk1"/>
+          </a:fontRef>
+        </p:style>
+        <p:txBody>
+          <a:bodyPr rtlCol="0" anchor="ctr"/>
+          <a:lstStyle/>
+          <a:p>
+            <a:pPr marL="0" marR="0" lvl="0" indent="0" algn="ctr" defTabSz="914400" rtl="0" eaLnBrk="1" fontAlgn="auto" latinLnBrk="0" hangingPunct="1">
+              <a:lnSpc>
+                <a:spcPct val="100000"/>
+              </a:lnSpc>
+              <a:spcBef>
+                <a:spcPts val="0"/>
+              </a:spcBef>
+              <a:spcAft>
+                <a:spcPts val="0"/>
+              </a:spcAft>
+              <a:buClrTx/>
+              <a:buSzTx/>
+              <a:buFontTx/>
+              <a:buNone/>
+              <a:tabLst/>
+              <a:defRPr/>
+            </a:pPr>
+            <a:r>
+              <a:rPr kumimoji="0" lang="en-US" sz="1400" b="0" i="0" u="none" strike="noStrike" kern="1200" cap="none" spc="0" normalizeH="0" baseline="0" noProof="0" dirty="0" err="1">
+                <a:ln>
+                  <a:noFill/>
+                </a:ln>
+                <a:solidFill>
+                  <a:prstClr val="black"/>
+                </a:solidFill>
+                <a:effectLst/>
+                <a:uLnTx/>
+                <a:uFillTx/>
+                <a:latin typeface="Aptos" panose="02110004020202020204"/>
+                <a:ea typeface="+mn-ea"/>
+                <a:cs typeface="+mn-cs"/>
+              </a:rPr>
+              <a:t>vport</a:t>
+            </a:r>
+            <a:endParaRPr kumimoji="0" lang="en-US" sz="1400" b="0" i="0" u="none" strike="noStrike" kern="1200" cap="none" spc="0" normalizeH="0" baseline="0" noProof="0" dirty="0">
+              <a:ln>
+                <a:noFill/>
+              </a:ln>
+              <a:solidFill>
+                <a:prstClr val="black"/>
+              </a:solidFill>
+              <a:effectLst/>
+              <a:uLnTx/>
+              <a:uFillTx/>
+              <a:latin typeface="Aptos" panose="02110004020202020204"/>
+              <a:ea typeface="+mn-ea"/>
+              <a:cs typeface="+mn-cs"/>
+            </a:endParaRPr>
+          </a:p>
+        </p:txBody>
+      </p:sp>
+      <p:sp>
+        <p:nvSpPr>
+          <p:cNvPr id="16" name="Rounded Rectangle 15">
+            <a:extLst>
+              <a:ext uri="{FF2B5EF4-FFF2-40B4-BE49-F238E27FC236}">
+                <a16:creationId xmlns:a16="http://schemas.microsoft.com/office/drawing/2014/main" id="{75A95216-ED29-B45F-EF96-880C46148966}"/>
+              </a:ext>
+            </a:extLst>
+          </p:cNvPr>
+          <p:cNvSpPr/>
+          <p:nvPr/>
+        </p:nvSpPr>
+        <p:spPr>
+          <a:xfrm>
+            <a:off x="6177280" y="1469932"/>
+            <a:ext cx="776769" cy="773594"/>
+          </a:xfrm>
+          <a:prstGeom prst="roundRect">
+            <a:avLst/>
+          </a:prstGeom>
+        </p:spPr>
+        <p:style>
+          <a:lnRef idx="2">
+            <a:schemeClr val="accent6"/>
+          </a:lnRef>
+          <a:fillRef idx="1">
+            <a:schemeClr val="lt1"/>
+          </a:fillRef>
+          <a:effectRef idx="0">
+            <a:schemeClr val="accent6"/>
+          </a:effectRef>
+          <a:fontRef idx="minor">
+            <a:schemeClr val="dk1"/>
+          </a:fontRef>
+        </p:style>
+        <p:txBody>
+          <a:bodyPr rtlCol="0" anchor="ctr"/>
+          <a:lstStyle/>
+          <a:p>
+            <a:pPr marL="0" marR="0" lvl="0" indent="0" algn="ctr" defTabSz="914400" rtl="0" eaLnBrk="1" fontAlgn="auto" latinLnBrk="0" hangingPunct="1">
+              <a:lnSpc>
+                <a:spcPct val="100000"/>
+              </a:lnSpc>
+              <a:spcBef>
+                <a:spcPts val="0"/>
+              </a:spcBef>
+              <a:spcAft>
+                <a:spcPts val="0"/>
+              </a:spcAft>
+              <a:buClrTx/>
+              <a:buSzTx/>
+              <a:buFontTx/>
+              <a:buNone/>
+              <a:tabLst/>
+              <a:defRPr/>
+            </a:pPr>
+            <a:r>
+              <a:rPr lang="en-US" sz="1100" dirty="0">
+                <a:solidFill>
+                  <a:prstClr val="black"/>
+                </a:solidFill>
+                <a:latin typeface="Aptos" panose="02110004020202020204"/>
+              </a:rPr>
+              <a:t>a</a:t>
+            </a:r>
+            <a:r>
+              <a:rPr kumimoji="0" lang="en-US" sz="1100" b="0" i="0" u="none" strike="noStrike" kern="1200" cap="none" spc="0" normalizeH="0" baseline="0" noProof="0" dirty="0">
+                <a:ln>
+                  <a:noFill/>
+                </a:ln>
+                <a:solidFill>
+                  <a:prstClr val="black"/>
+                </a:solidFill>
+                <a:effectLst/>
+                <a:uLnTx/>
+                <a:uFillTx/>
+                <a:latin typeface="Aptos" panose="02110004020202020204"/>
+                <a:ea typeface="+mn-ea"/>
+                <a:cs typeface="+mn-cs"/>
+              </a:rPr>
+              <a:t>b/</a:t>
+            </a:r>
+            <a:r>
+              <a:rPr kumimoji="0" lang="en-US" sz="1100" b="0" i="0" u="none" strike="noStrike" kern="1200" cap="none" spc="0" normalizeH="0" baseline="0" noProof="0" dirty="0" err="1">
+                <a:ln>
+                  <a:noFill/>
+                </a:ln>
+                <a:solidFill>
+                  <a:prstClr val="black"/>
+                </a:solidFill>
+                <a:effectLst/>
+                <a:uLnTx/>
+                <a:uFillTx/>
+                <a:latin typeface="Aptos" panose="02110004020202020204"/>
+                <a:ea typeface="+mn-ea"/>
+                <a:cs typeface="+mn-cs"/>
+              </a:rPr>
+              <a:t>iperf</a:t>
+            </a:r>
+            <a:r>
+              <a:rPr kumimoji="0" lang="en-US" sz="1100" b="0" i="0" u="none" strike="noStrike" kern="1200" cap="none" spc="0" normalizeH="0" baseline="0" noProof="0" dirty="0">
+                <a:ln>
+                  <a:noFill/>
+                </a:ln>
+                <a:solidFill>
+                  <a:prstClr val="black"/>
+                </a:solidFill>
+                <a:effectLst/>
+                <a:uLnTx/>
+                <a:uFillTx/>
+                <a:latin typeface="Aptos" panose="02110004020202020204"/>
+                <a:ea typeface="+mn-ea"/>
+                <a:cs typeface="+mn-cs"/>
+              </a:rPr>
+              <a:t>  Server</a:t>
+            </a:r>
+          </a:p>
+        </p:txBody>
+      </p:sp>
+      <p:sp>
+        <p:nvSpPr>
+          <p:cNvPr id="17" name="TextBox 16">
+            <a:extLst>
+              <a:ext uri="{FF2B5EF4-FFF2-40B4-BE49-F238E27FC236}">
+                <a16:creationId xmlns:a16="http://schemas.microsoft.com/office/drawing/2014/main" id="{0E11CEA6-7746-A3B9-C6D5-1D7831D1791E}"/>
+              </a:ext>
+            </a:extLst>
+          </p:cNvPr>
+          <p:cNvSpPr txBox="1"/>
+          <p:nvPr/>
+        </p:nvSpPr>
+        <p:spPr>
+          <a:xfrm>
+            <a:off x="6155047" y="2282277"/>
+            <a:ext cx="608243" cy="338554"/>
+          </a:xfrm>
+          <a:prstGeom prst="rect">
+            <a:avLst/>
+          </a:prstGeom>
+          <a:noFill/>
+        </p:spPr>
+        <p:txBody>
+          <a:bodyPr wrap="none" rtlCol="0">
+            <a:spAutoFit/>
+          </a:bodyPr>
+          <a:lstStyle/>
+          <a:p>
+            <a:pPr marL="0" marR="0" lvl="0" indent="0" algn="l" defTabSz="914400" rtl="0" eaLnBrk="1" fontAlgn="auto" latinLnBrk="0" hangingPunct="1">
+              <a:lnSpc>
+                <a:spcPct val="100000"/>
+              </a:lnSpc>
+              <a:spcBef>
+                <a:spcPts val="0"/>
+              </a:spcBef>
+              <a:spcAft>
+                <a:spcPts val="0"/>
+              </a:spcAft>
+              <a:buClrTx/>
+              <a:buSzTx/>
+              <a:buFontTx/>
+              <a:buNone/>
+              <a:tabLst/>
+              <a:defRPr/>
+            </a:pPr>
+            <a:r>
+              <a:rPr kumimoji="0" lang="en-US" sz="1600" b="0" i="0" u="none" strike="noStrike" kern="1200" cap="none" spc="0" normalizeH="0" baseline="0" noProof="0" dirty="0">
+                <a:ln>
+                  <a:noFill/>
+                </a:ln>
+                <a:solidFill>
+                  <a:prstClr val="black"/>
+                </a:solidFill>
+                <a:effectLst/>
+                <a:uLnTx/>
+                <a:uFillTx/>
+                <a:latin typeface="Aptos" panose="02110004020202020204"/>
+                <a:ea typeface="+mn-ea"/>
+                <a:cs typeface="+mn-cs"/>
+              </a:rPr>
+              <a:t>Host</a:t>
+            </a:r>
+          </a:p>
+        </p:txBody>
+      </p:sp>
+      <p:sp>
+        <p:nvSpPr>
+          <p:cNvPr id="18" name="TextBox 17">
+            <a:extLst>
+              <a:ext uri="{FF2B5EF4-FFF2-40B4-BE49-F238E27FC236}">
+                <a16:creationId xmlns:a16="http://schemas.microsoft.com/office/drawing/2014/main" id="{4ABC2791-B56E-8A1B-FA84-21141BCAF374}"/>
+              </a:ext>
+            </a:extLst>
+          </p:cNvPr>
+          <p:cNvSpPr txBox="1"/>
+          <p:nvPr/>
+        </p:nvSpPr>
+        <p:spPr>
+          <a:xfrm>
+            <a:off x="3657600" y="2438400"/>
+            <a:ext cx="184731" cy="369332"/>
+          </a:xfrm>
+          <a:prstGeom prst="rect">
+            <a:avLst/>
+          </a:prstGeom>
+          <a:noFill/>
+        </p:spPr>
+        <p:txBody>
+          <a:bodyPr wrap="none" rtlCol="0">
+            <a:spAutoFit/>
+          </a:bodyPr>
+          <a:lstStyle/>
+          <a:p>
+            <a:endParaRPr lang="en-US" dirty="0"/>
+          </a:p>
+        </p:txBody>
+      </p:sp>
+      <p:sp>
+        <p:nvSpPr>
+          <p:cNvPr id="28" name="Rounded Rectangle 27">
+            <a:extLst>
+              <a:ext uri="{FF2B5EF4-FFF2-40B4-BE49-F238E27FC236}">
+                <a16:creationId xmlns:a16="http://schemas.microsoft.com/office/drawing/2014/main" id="{BD8F4FE3-7043-196C-B4BB-08AB57BAC3D3}"/>
+              </a:ext>
+            </a:extLst>
+          </p:cNvPr>
+          <p:cNvSpPr/>
+          <p:nvPr/>
+        </p:nvSpPr>
+        <p:spPr>
+          <a:xfrm>
+            <a:off x="4826590" y="1802316"/>
+            <a:ext cx="555074" cy="324410"/>
+          </a:xfrm>
+          <a:prstGeom prst="roundRect">
+            <a:avLst/>
+          </a:prstGeom>
+        </p:spPr>
+        <p:style>
+          <a:lnRef idx="2">
+            <a:schemeClr val="accent6"/>
+          </a:lnRef>
+          <a:fillRef idx="1">
+            <a:schemeClr val="lt1"/>
+          </a:fillRef>
+          <a:effectRef idx="0">
+            <a:schemeClr val="accent6"/>
+          </a:effectRef>
+          <a:fontRef idx="minor">
+            <a:schemeClr val="dk1"/>
+          </a:fontRef>
+        </p:style>
+        <p:txBody>
+          <a:bodyPr rtlCol="0" anchor="ctr"/>
+          <a:lstStyle/>
+          <a:p>
+            <a:pPr marL="0" marR="0" lvl="0" indent="0" algn="ctr" defTabSz="914400" rtl="0" eaLnBrk="1" fontAlgn="auto" latinLnBrk="0" hangingPunct="1">
+              <a:lnSpc>
+                <a:spcPct val="100000"/>
+              </a:lnSpc>
+              <a:spcBef>
+                <a:spcPts val="0"/>
+              </a:spcBef>
+              <a:spcAft>
+                <a:spcPts val="0"/>
+              </a:spcAft>
+              <a:buClrTx/>
+              <a:buSzTx/>
+              <a:buFontTx/>
+              <a:buNone/>
+              <a:tabLst/>
+              <a:defRPr/>
+            </a:pPr>
+            <a:r>
+              <a:rPr kumimoji="0" lang="en-US" sz="1400" b="0" i="0" u="none" strike="noStrike" kern="1200" cap="none" spc="0" normalizeH="0" baseline="0" noProof="0" dirty="0">
+                <a:ln>
+                  <a:noFill/>
+                </a:ln>
+                <a:solidFill>
+                  <a:prstClr val="black"/>
+                </a:solidFill>
+                <a:effectLst/>
+                <a:uLnTx/>
+                <a:uFillTx/>
+                <a:latin typeface="Aptos" panose="02110004020202020204"/>
+                <a:ea typeface="+mn-ea"/>
+                <a:cs typeface="+mn-cs"/>
+              </a:rPr>
+              <a:t>OVS</a:t>
+            </a:r>
+          </a:p>
+        </p:txBody>
+      </p:sp>
+      <p:grpSp>
+        <p:nvGrpSpPr>
+          <p:cNvPr id="47" name="Group 46">
+            <a:extLst>
+              <a:ext uri="{FF2B5EF4-FFF2-40B4-BE49-F238E27FC236}">
+                <a16:creationId xmlns:a16="http://schemas.microsoft.com/office/drawing/2014/main" id="{42FC64CA-BE5F-7C87-C8F0-C4AD21F0DBDA}"/>
+              </a:ext>
+            </a:extLst>
+          </p:cNvPr>
+          <p:cNvGrpSpPr/>
+          <p:nvPr/>
+        </p:nvGrpSpPr>
+        <p:grpSpPr>
+          <a:xfrm>
+            <a:off x="3550959" y="1369807"/>
+            <a:ext cx="625844" cy="1245264"/>
+            <a:chOff x="3746808" y="3326954"/>
+            <a:chExt cx="625844" cy="1245264"/>
+          </a:xfrm>
+        </p:grpSpPr>
+        <p:sp>
+          <p:nvSpPr>
+            <p:cNvPr id="20" name="TextBox 19">
+              <a:extLst>
+                <a:ext uri="{FF2B5EF4-FFF2-40B4-BE49-F238E27FC236}">
+                  <a16:creationId xmlns:a16="http://schemas.microsoft.com/office/drawing/2014/main" id="{F98B4354-1D0C-95BC-399B-DF08A8010838}"/>
+                </a:ext>
+              </a:extLst>
+            </p:cNvPr>
+            <p:cNvSpPr txBox="1"/>
+            <p:nvPr/>
+          </p:nvSpPr>
+          <p:spPr>
+            <a:xfrm>
+              <a:off x="3767823" y="4233664"/>
+              <a:ext cx="583814" cy="338554"/>
+            </a:xfrm>
+            <a:prstGeom prst="rect">
+              <a:avLst/>
+            </a:prstGeom>
+            <a:noFill/>
+          </p:spPr>
+          <p:txBody>
+            <a:bodyPr wrap="none" rtlCol="0">
+              <a:spAutoFit/>
+            </a:bodyPr>
+            <a:lstStyle/>
+            <a:p>
+              <a:pPr marL="0" marR="0" lvl="0" indent="0" algn="l" defTabSz="914400" rtl="0" eaLnBrk="1" fontAlgn="auto" latinLnBrk="0" hangingPunct="1">
+                <a:lnSpc>
+                  <a:spcPct val="100000"/>
+                </a:lnSpc>
+                <a:spcBef>
+                  <a:spcPts val="0"/>
+                </a:spcBef>
+                <a:spcAft>
+                  <a:spcPts val="0"/>
+                </a:spcAft>
+                <a:buClrTx/>
+                <a:buSzTx/>
+                <a:buFontTx/>
+                <a:buNone/>
+                <a:tabLst/>
+                <a:defRPr/>
+              </a:pPr>
+              <a:r>
+                <a:rPr kumimoji="0" lang="en-US" sz="1600" b="0" i="0" u="none" strike="noStrike" kern="1200" cap="none" spc="0" normalizeH="0" baseline="0" noProof="0" dirty="0">
+                  <a:ln>
+                    <a:noFill/>
+                  </a:ln>
+                  <a:solidFill>
+                    <a:prstClr val="black"/>
+                  </a:solidFill>
+                  <a:effectLst/>
+                  <a:uLnTx/>
+                  <a:uFillTx/>
+                  <a:latin typeface="Aptos" panose="02110004020202020204"/>
+                  <a:ea typeface="+mn-ea"/>
+                  <a:cs typeface="+mn-cs"/>
+                </a:rPr>
+                <a:t>DPU</a:t>
+              </a:r>
+            </a:p>
+          </p:txBody>
+        </p:sp>
+        <p:sp>
+          <p:nvSpPr>
+            <p:cNvPr id="40" name="Rectangle 39">
+              <a:extLst>
+                <a:ext uri="{FF2B5EF4-FFF2-40B4-BE49-F238E27FC236}">
+                  <a16:creationId xmlns:a16="http://schemas.microsoft.com/office/drawing/2014/main" id="{7B939560-CF90-5682-A9F6-C239497488F7}"/>
+                </a:ext>
+              </a:extLst>
+            </p:cNvPr>
+            <p:cNvSpPr/>
+            <p:nvPr/>
+          </p:nvSpPr>
+          <p:spPr>
+            <a:xfrm>
+              <a:off x="3746808" y="3326954"/>
+              <a:ext cx="625844" cy="1245264"/>
+            </a:xfrm>
+            <a:prstGeom prst="rect">
+              <a:avLst/>
+            </a:prstGeom>
+            <a:solidFill>
+              <a:schemeClr val="bg1">
+                <a:lumMod val="85000"/>
+                <a:alpha val="34000"/>
+              </a:schemeClr>
+            </a:solidFill>
+            <a:ln w="6350">
+              <a:prstDash val="dash"/>
+            </a:ln>
+          </p:spPr>
+          <p:style>
+            <a:lnRef idx="2">
+              <a:schemeClr val="accent1">
+                <a:shade val="15000"/>
+              </a:schemeClr>
+            </a:lnRef>
+            <a:fillRef idx="1">
+              <a:schemeClr val="accent1"/>
+            </a:fillRef>
+            <a:effectRef idx="0">
+              <a:schemeClr val="accent1"/>
+            </a:effectRef>
+            <a:fontRef idx="minor">
+              <a:schemeClr val="lt1"/>
+            </a:fontRef>
+          </p:style>
+          <p:txBody>
+            <a:bodyPr rtlCol="0" anchor="ctr"/>
+            <a:lstStyle/>
+            <a:p>
+              <a:pPr marL="0" marR="0" lvl="0" indent="0" algn="ctr" defTabSz="914400" rtl="0" eaLnBrk="1" fontAlgn="auto" latinLnBrk="0" hangingPunct="1">
+                <a:lnSpc>
+                  <a:spcPct val="100000"/>
+                </a:lnSpc>
+                <a:spcBef>
+                  <a:spcPts val="0"/>
+                </a:spcBef>
+                <a:spcAft>
+                  <a:spcPts val="0"/>
+                </a:spcAft>
+                <a:buClrTx/>
+                <a:buSzTx/>
+                <a:buFontTx/>
+                <a:buNone/>
+                <a:tabLst/>
+                <a:defRPr/>
+              </a:pPr>
+              <a:endParaRPr kumimoji="0" lang="en-US" sz="1800" b="0" i="0" u="none" strike="noStrike" kern="1200" cap="none" spc="0" normalizeH="0" baseline="0" noProof="0" dirty="0">
+                <a:ln>
+                  <a:noFill/>
+                </a:ln>
+                <a:solidFill>
+                  <a:prstClr val="white"/>
+                </a:solidFill>
+                <a:effectLst/>
+                <a:uLnTx/>
+                <a:uFillTx/>
+                <a:latin typeface="Aptos" panose="02110004020202020204"/>
+                <a:ea typeface="+mn-ea"/>
+                <a:cs typeface="+mn-cs"/>
+              </a:endParaRPr>
+            </a:p>
+          </p:txBody>
+        </p:sp>
+      </p:grpSp>
+      <p:grpSp>
+        <p:nvGrpSpPr>
+          <p:cNvPr id="49" name="Group 48">
+            <a:extLst>
+              <a:ext uri="{FF2B5EF4-FFF2-40B4-BE49-F238E27FC236}">
+                <a16:creationId xmlns:a16="http://schemas.microsoft.com/office/drawing/2014/main" id="{F8DCA965-DC4A-2DC4-5EAC-25516D36EAD7}"/>
+              </a:ext>
+            </a:extLst>
+          </p:cNvPr>
+          <p:cNvGrpSpPr/>
+          <p:nvPr/>
+        </p:nvGrpSpPr>
+        <p:grpSpPr>
+          <a:xfrm>
+            <a:off x="4761096" y="1362138"/>
+            <a:ext cx="625844" cy="1245264"/>
+            <a:chOff x="3746808" y="3326954"/>
+            <a:chExt cx="625844" cy="1245264"/>
+          </a:xfrm>
+        </p:grpSpPr>
+        <p:sp>
+          <p:nvSpPr>
+            <p:cNvPr id="52" name="TextBox 51">
+              <a:extLst>
+                <a:ext uri="{FF2B5EF4-FFF2-40B4-BE49-F238E27FC236}">
+                  <a16:creationId xmlns:a16="http://schemas.microsoft.com/office/drawing/2014/main" id="{A678EBCC-9DC5-1B87-B232-2BD51D78ECC1}"/>
+                </a:ext>
+              </a:extLst>
+            </p:cNvPr>
+            <p:cNvSpPr txBox="1"/>
+            <p:nvPr/>
+          </p:nvSpPr>
+          <p:spPr>
+            <a:xfrm>
+              <a:off x="3767823" y="4233664"/>
+              <a:ext cx="583814" cy="338554"/>
+            </a:xfrm>
+            <a:prstGeom prst="rect">
+              <a:avLst/>
+            </a:prstGeom>
+            <a:noFill/>
+          </p:spPr>
+          <p:txBody>
+            <a:bodyPr wrap="none" rtlCol="0">
+              <a:spAutoFit/>
+            </a:bodyPr>
+            <a:lstStyle/>
+            <a:p>
+              <a:pPr marL="0" marR="0" lvl="0" indent="0" algn="l" defTabSz="914400" rtl="0" eaLnBrk="1" fontAlgn="auto" latinLnBrk="0" hangingPunct="1">
+                <a:lnSpc>
+                  <a:spcPct val="100000"/>
+                </a:lnSpc>
+                <a:spcBef>
+                  <a:spcPts val="0"/>
+                </a:spcBef>
+                <a:spcAft>
+                  <a:spcPts val="0"/>
+                </a:spcAft>
+                <a:buClrTx/>
+                <a:buSzTx/>
+                <a:buFontTx/>
+                <a:buNone/>
+                <a:tabLst/>
+                <a:defRPr/>
+              </a:pPr>
+              <a:r>
+                <a:rPr kumimoji="0" lang="en-US" sz="1600" b="0" i="0" u="none" strike="noStrike" kern="1200" cap="none" spc="0" normalizeH="0" baseline="0" noProof="0" dirty="0">
+                  <a:ln>
+                    <a:noFill/>
+                  </a:ln>
+                  <a:solidFill>
+                    <a:prstClr val="black"/>
+                  </a:solidFill>
+                  <a:effectLst/>
+                  <a:uLnTx/>
+                  <a:uFillTx/>
+                  <a:latin typeface="Aptos" panose="02110004020202020204"/>
+                  <a:ea typeface="+mn-ea"/>
+                  <a:cs typeface="+mn-cs"/>
+                </a:rPr>
+                <a:t>DPU</a:t>
+              </a:r>
+            </a:p>
+          </p:txBody>
+        </p:sp>
+        <p:sp>
+          <p:nvSpPr>
+            <p:cNvPr id="53" name="Rectangle 52">
+              <a:extLst>
+                <a:ext uri="{FF2B5EF4-FFF2-40B4-BE49-F238E27FC236}">
+                  <a16:creationId xmlns:a16="http://schemas.microsoft.com/office/drawing/2014/main" id="{293A7EC1-5AED-3A0F-E885-AA20CD14F45F}"/>
+                </a:ext>
+              </a:extLst>
+            </p:cNvPr>
+            <p:cNvSpPr/>
+            <p:nvPr/>
+          </p:nvSpPr>
+          <p:spPr>
+            <a:xfrm>
+              <a:off x="3746808" y="3326954"/>
+              <a:ext cx="625844" cy="1245264"/>
+            </a:xfrm>
+            <a:prstGeom prst="rect">
+              <a:avLst/>
+            </a:prstGeom>
+            <a:solidFill>
+              <a:schemeClr val="bg1">
+                <a:lumMod val="85000"/>
+                <a:alpha val="34000"/>
+              </a:schemeClr>
+            </a:solidFill>
+            <a:ln w="6350">
+              <a:prstDash val="dash"/>
+            </a:ln>
+          </p:spPr>
+          <p:style>
+            <a:lnRef idx="2">
+              <a:schemeClr val="accent1">
+                <a:shade val="15000"/>
+              </a:schemeClr>
+            </a:lnRef>
+            <a:fillRef idx="1">
+              <a:schemeClr val="accent1"/>
+            </a:fillRef>
+            <a:effectRef idx="0">
+              <a:schemeClr val="accent1"/>
+            </a:effectRef>
+            <a:fontRef idx="minor">
+              <a:schemeClr val="lt1"/>
+            </a:fontRef>
+          </p:style>
+          <p:txBody>
+            <a:bodyPr rtlCol="0" anchor="ctr"/>
+            <a:lstStyle/>
+            <a:p>
+              <a:pPr marL="0" marR="0" lvl="0" indent="0" algn="ctr" defTabSz="914400" rtl="0" eaLnBrk="1" fontAlgn="auto" latinLnBrk="0" hangingPunct="1">
+                <a:lnSpc>
+                  <a:spcPct val="100000"/>
+                </a:lnSpc>
+                <a:spcBef>
+                  <a:spcPts val="0"/>
+                </a:spcBef>
+                <a:spcAft>
+                  <a:spcPts val="0"/>
+                </a:spcAft>
+                <a:buClrTx/>
+                <a:buSzTx/>
+                <a:buFontTx/>
+                <a:buNone/>
+                <a:tabLst/>
+                <a:defRPr/>
+              </a:pPr>
+              <a:endParaRPr kumimoji="0" lang="en-US" sz="1800" b="0" i="0" u="none" strike="noStrike" kern="1200" cap="none" spc="0" normalizeH="0" baseline="0" noProof="0" dirty="0">
+                <a:ln>
+                  <a:noFill/>
+                </a:ln>
+                <a:solidFill>
+                  <a:prstClr val="white"/>
+                </a:solidFill>
+                <a:effectLst/>
+                <a:uLnTx/>
+                <a:uFillTx/>
+                <a:latin typeface="Aptos" panose="02110004020202020204"/>
+                <a:ea typeface="+mn-ea"/>
+                <a:cs typeface="+mn-cs"/>
+              </a:endParaRPr>
+            </a:p>
+          </p:txBody>
+        </p:sp>
+      </p:grpSp>
+      <p:sp>
+        <p:nvSpPr>
+          <p:cNvPr id="54" name="TextBox 53">
+            <a:extLst>
+              <a:ext uri="{FF2B5EF4-FFF2-40B4-BE49-F238E27FC236}">
+                <a16:creationId xmlns:a16="http://schemas.microsoft.com/office/drawing/2014/main" id="{AF3CF3D8-0636-4E84-4D86-83EA8AC5DBD8}"/>
+              </a:ext>
+            </a:extLst>
+          </p:cNvPr>
+          <p:cNvSpPr txBox="1"/>
+          <p:nvPr/>
+        </p:nvSpPr>
+        <p:spPr>
+          <a:xfrm>
+            <a:off x="4249177" y="1957386"/>
+            <a:ext cx="439544" cy="261610"/>
+          </a:xfrm>
+          <a:prstGeom prst="rect">
+            <a:avLst/>
+          </a:prstGeom>
+          <a:noFill/>
+        </p:spPr>
+        <p:txBody>
+          <a:bodyPr wrap="none" rtlCol="0">
+            <a:spAutoFit/>
+          </a:bodyPr>
+          <a:lstStyle/>
+          <a:p>
+            <a:r>
+              <a:rPr lang="en-US" sz="1100" dirty="0"/>
+              <a:t>wire</a:t>
+            </a:r>
+          </a:p>
+        </p:txBody>
+      </p:sp>
+    </p:spTree>
+    <p:extLst>
+      <p:ext uri="{BB962C8B-B14F-4D97-AF65-F5344CB8AC3E}">
+        <p14:creationId xmlns:p14="http://schemas.microsoft.com/office/powerpoint/2010/main" val="2820013475"/>
+      </p:ext>
+    </p:extLst>
+  </p:cSld>
+  <p:clrMapOvr>
+    <a:masterClrMapping/>
+  </p:clrMapOvr>
 </p:sld>
 </file>
 

--- a/netdevconf0x18-sharedmem.pptx
+++ b/netdevconf0x18-sharedmem.pptx
@@ -206,7 +206,7 @@
           <a:p>
             <a:fld id="{97ACDE5B-5D5B-F84E-88C8-D6BC282A347E}" type="datetimeFigureOut">
               <a:rPr lang="en-US" smtClean="0"/>
-              <a:t>7/9/24</a:t>
+              <a:t>7/10/24</a:t>
             </a:fld>
             <a:endParaRPr lang="en-US"/>
           </a:p>
@@ -1042,7 +1042,7 @@
           <a:p>
             <a:fld id="{1E7953D9-2557-2445-9A3D-2952E9A21483}" type="datetimeFigureOut">
               <a:rPr lang="en-US" smtClean="0"/>
-              <a:t>7/9/24</a:t>
+              <a:t>7/10/24</a:t>
             </a:fld>
             <a:endParaRPr lang="en-US"/>
           </a:p>
@@ -1240,7 +1240,7 @@
           <a:p>
             <a:fld id="{1E7953D9-2557-2445-9A3D-2952E9A21483}" type="datetimeFigureOut">
               <a:rPr lang="en-US" smtClean="0"/>
-              <a:t>7/9/24</a:t>
+              <a:t>7/10/24</a:t>
             </a:fld>
             <a:endParaRPr lang="en-US"/>
           </a:p>
@@ -1448,7 +1448,7 @@
           <a:p>
             <a:fld id="{1E7953D9-2557-2445-9A3D-2952E9A21483}" type="datetimeFigureOut">
               <a:rPr lang="en-US" smtClean="0"/>
-              <a:t>7/9/24</a:t>
+              <a:t>7/10/24</a:t>
             </a:fld>
             <a:endParaRPr lang="en-US"/>
           </a:p>
@@ -1747,7 +1747,7 @@
     <mc:Choice Requires="p14">
       <p:transition p14:dur="10"/>
     </mc:Choice>
-    <mc:Fallback xmlns="" xmlns:a14="http://schemas.microsoft.com/office/drawing/2010/main" xmlns:a16="http://schemas.microsoft.com/office/drawing/2014/main">
+    <mc:Fallback xmlns:a16="http://schemas.microsoft.com/office/drawing/2014/main" xmlns:a14="http://schemas.microsoft.com/office/drawing/2010/main" xmlns="">
       <p:transition/>
     </mc:Fallback>
   </mc:AlternateContent>
@@ -2041,7 +2041,7 @@
     <mc:Choice Requires="p14">
       <p:transition p14:dur="10"/>
     </mc:Choice>
-    <mc:Fallback xmlns="" xmlns:a16="http://schemas.microsoft.com/office/drawing/2014/main">
+    <mc:Fallback xmlns:a16="http://schemas.microsoft.com/office/drawing/2014/main" xmlns="">
       <p:transition/>
     </mc:Fallback>
   </mc:AlternateContent>
@@ -2643,7 +2643,7 @@
     <mc:Choice Requires="p14">
       <p:transition p14:dur="10"/>
     </mc:Choice>
-    <mc:Fallback xmlns="" xmlns:a16="http://schemas.microsoft.com/office/drawing/2014/main">
+    <mc:Fallback xmlns:a16="http://schemas.microsoft.com/office/drawing/2014/main" xmlns="">
       <p:transition/>
     </mc:Fallback>
   </mc:AlternateContent>
@@ -2801,7 +2801,7 @@
     <mc:Choice Requires="p14">
       <p:transition p14:dur="10"/>
     </mc:Choice>
-    <mc:Fallback xmlns="" xmlns:a16="http://schemas.microsoft.com/office/drawing/2014/main">
+    <mc:Fallback xmlns:a16="http://schemas.microsoft.com/office/drawing/2014/main" xmlns="">
       <p:transition/>
     </mc:Fallback>
   </mc:AlternateContent>
@@ -3136,7 +3136,7 @@
     <mc:Choice Requires="p14">
       <p:transition p14:dur="10"/>
     </mc:Choice>
-    <mc:Fallback xmlns="" xmlns:a16="http://schemas.microsoft.com/office/drawing/2014/main">
+    <mc:Fallback xmlns:a16="http://schemas.microsoft.com/office/drawing/2014/main" xmlns="">
       <p:transition/>
     </mc:Fallback>
   </mc:AlternateContent>
@@ -3439,7 +3439,7 @@
     <mc:Choice Requires="p14">
       <p:transition p14:dur="10"/>
     </mc:Choice>
-    <mc:Fallback xmlns="" xmlns:a16="http://schemas.microsoft.com/office/drawing/2014/main">
+    <mc:Fallback xmlns:a16="http://schemas.microsoft.com/office/drawing/2014/main" xmlns="">
       <p:transition/>
     </mc:Fallback>
   </mc:AlternateContent>
@@ -3783,7 +3783,7 @@
     <mc:Choice Requires="p14">
       <p:transition p14:dur="10"/>
     </mc:Choice>
-    <mc:Fallback xmlns="" xmlns:a16="http://schemas.microsoft.com/office/drawing/2014/main">
+    <mc:Fallback xmlns:a16="http://schemas.microsoft.com/office/drawing/2014/main" xmlns="">
       <p:transition/>
     </mc:Fallback>
   </mc:AlternateContent>
@@ -4213,7 +4213,7 @@
     <mc:Choice Requires="p14">
       <p:transition p14:dur="10"/>
     </mc:Choice>
-    <mc:Fallback xmlns="" xmlns:a16="http://schemas.microsoft.com/office/drawing/2014/main">
+    <mc:Fallback xmlns:a16="http://schemas.microsoft.com/office/drawing/2014/main" xmlns="">
       <p:transition/>
     </mc:Fallback>
   </mc:AlternateContent>
@@ -4345,7 +4345,7 @@
           <a:p>
             <a:fld id="{1E7953D9-2557-2445-9A3D-2952E9A21483}" type="datetimeFigureOut">
               <a:rPr lang="en-US" smtClean="0"/>
-              <a:t>7/9/24</a:t>
+              <a:t>7/10/24</a:t>
             </a:fld>
             <a:endParaRPr lang="en-US"/>
           </a:p>
@@ -4882,7 +4882,7 @@
     <mc:Choice Requires="p14">
       <p:transition p14:dur="10"/>
     </mc:Choice>
-    <mc:Fallback xmlns="" xmlns:a16="http://schemas.microsoft.com/office/drawing/2014/main">
+    <mc:Fallback xmlns:a16="http://schemas.microsoft.com/office/drawing/2014/main" xmlns="">
       <p:transition/>
     </mc:Fallback>
   </mc:AlternateContent>
@@ -5289,7 +5289,7 @@
     <mc:Choice Requires="p14">
       <p:transition p14:dur="10"/>
     </mc:Choice>
-    <mc:Fallback xmlns="" xmlns:a16="http://schemas.microsoft.com/office/drawing/2014/main">
+    <mc:Fallback xmlns:a16="http://schemas.microsoft.com/office/drawing/2014/main" xmlns="">
       <p:transition/>
     </mc:Fallback>
   </mc:AlternateContent>
@@ -5613,7 +5613,7 @@
     <mc:Choice Requires="p14">
       <p:transition p14:dur="10"/>
     </mc:Choice>
-    <mc:Fallback xmlns="" xmlns:a16="http://schemas.microsoft.com/office/drawing/2014/main">
+    <mc:Fallback xmlns:a16="http://schemas.microsoft.com/office/drawing/2014/main" xmlns="">
       <p:transition/>
     </mc:Fallback>
   </mc:AlternateContent>
@@ -6199,7 +6199,7 @@
     <mc:Choice Requires="p14">
       <p:transition p14:dur="10"/>
     </mc:Choice>
-    <mc:Fallback xmlns="" xmlns:a14="http://schemas.microsoft.com/office/drawing/2010/main" xmlns:a16="http://schemas.microsoft.com/office/drawing/2014/main">
+    <mc:Fallback xmlns:a16="http://schemas.microsoft.com/office/drawing/2014/main" xmlns:a14="http://schemas.microsoft.com/office/drawing/2010/main" xmlns="">
       <p:transition/>
     </mc:Fallback>
   </mc:AlternateContent>
@@ -6785,7 +6785,7 @@
     <mc:Choice Requires="p14">
       <p:transition p14:dur="10"/>
     </mc:Choice>
-    <mc:Fallback xmlns="" xmlns:a14="http://schemas.microsoft.com/office/drawing/2010/main" xmlns:a16="http://schemas.microsoft.com/office/drawing/2014/main">
+    <mc:Fallback xmlns:a16="http://schemas.microsoft.com/office/drawing/2014/main" xmlns:a14="http://schemas.microsoft.com/office/drawing/2010/main" xmlns="">
       <p:transition/>
     </mc:Fallback>
   </mc:AlternateContent>
@@ -7288,7 +7288,7 @@
     <mc:Choice Requires="p14">
       <p:transition p14:dur="10"/>
     </mc:Choice>
-    <mc:Fallback xmlns="" xmlns:a14="http://schemas.microsoft.com/office/drawing/2010/main" xmlns:a16="http://schemas.microsoft.com/office/drawing/2014/main">
+    <mc:Fallback xmlns:a16="http://schemas.microsoft.com/office/drawing/2014/main" xmlns:a14="http://schemas.microsoft.com/office/drawing/2010/main" xmlns="">
       <p:transition/>
     </mc:Fallback>
   </mc:AlternateContent>
@@ -7612,7 +7612,7 @@
     <mc:Choice Requires="p14">
       <p:transition p14:dur="10"/>
     </mc:Choice>
-    <mc:Fallback xmlns="" xmlns:a14="http://schemas.microsoft.com/office/drawing/2010/main" xmlns:a16="http://schemas.microsoft.com/office/drawing/2014/main">
+    <mc:Fallback xmlns:a16="http://schemas.microsoft.com/office/drawing/2014/main" xmlns:a14="http://schemas.microsoft.com/office/drawing/2010/main" xmlns="">
       <p:transition/>
     </mc:Fallback>
   </mc:AlternateContent>
@@ -8019,7 +8019,7 @@
     <mc:Choice Requires="p14">
       <p:transition p14:dur="10"/>
     </mc:Choice>
-    <mc:Fallback xmlns="" xmlns:a14="http://schemas.microsoft.com/office/drawing/2010/main" xmlns:a16="http://schemas.microsoft.com/office/drawing/2014/main">
+    <mc:Fallback xmlns:a16="http://schemas.microsoft.com/office/drawing/2014/main" xmlns:a14="http://schemas.microsoft.com/office/drawing/2010/main" xmlns="">
       <p:transition/>
     </mc:Fallback>
   </mc:AlternateContent>
@@ -8420,7 +8420,7 @@
     <mc:Choice Requires="p14">
       <p:transition p14:dur="10"/>
     </mc:Choice>
-    <mc:Fallback xmlns="" xmlns:a16="http://schemas.microsoft.com/office/drawing/2014/main">
+    <mc:Fallback xmlns:a16="http://schemas.microsoft.com/office/drawing/2014/main" xmlns="">
       <p:transition/>
     </mc:Fallback>
   </mc:AlternateContent>
@@ -8957,7 +8957,7 @@
     <mc:Choice Requires="p14">
       <p:transition p14:dur="10"/>
     </mc:Choice>
-    <mc:Fallback xmlns="" xmlns:a16="http://schemas.microsoft.com/office/drawing/2014/main">
+    <mc:Fallback xmlns:a16="http://schemas.microsoft.com/office/drawing/2014/main" xmlns="">
       <p:transition/>
     </mc:Fallback>
   </mc:AlternateContent>
@@ -9166,7 +9166,7 @@
           <a:p>
             <a:fld id="{1E7953D9-2557-2445-9A3D-2952E9A21483}" type="datetimeFigureOut">
               <a:rPr lang="en-US" smtClean="0"/>
-              <a:t>7/9/24</a:t>
+              <a:t>7/10/24</a:t>
             </a:fld>
             <a:endParaRPr lang="en-US"/>
           </a:p>
@@ -9876,7 +9876,7 @@
     <mc:Choice Requires="p14">
       <p:transition p14:dur="10"/>
     </mc:Choice>
-    <mc:Fallback xmlns="" xmlns:a16="http://schemas.microsoft.com/office/drawing/2014/main">
+    <mc:Fallback xmlns:a16="http://schemas.microsoft.com/office/drawing/2014/main" xmlns="">
       <p:transition/>
     </mc:Fallback>
   </mc:AlternateContent>
@@ -10792,7 +10792,7 @@
     <mc:Choice Requires="p14">
       <p:transition p14:dur="10"/>
     </mc:Choice>
-    <mc:Fallback xmlns="" xmlns:a16="http://schemas.microsoft.com/office/drawing/2014/main">
+    <mc:Fallback xmlns:a16="http://schemas.microsoft.com/office/drawing/2014/main" xmlns="">
       <p:transition/>
     </mc:Fallback>
   </mc:AlternateContent>
@@ -11679,7 +11679,7 @@
     <mc:Choice Requires="p14">
       <p:transition p14:dur="10"/>
     </mc:Choice>
-    <mc:Fallback xmlns="" xmlns:a16="http://schemas.microsoft.com/office/drawing/2014/main">
+    <mc:Fallback xmlns:a16="http://schemas.microsoft.com/office/drawing/2014/main" xmlns="">
       <p:transition/>
     </mc:Fallback>
   </mc:AlternateContent>
@@ -12813,7 +12813,7 @@
     <mc:Choice Requires="p14">
       <p:transition p14:dur="10"/>
     </mc:Choice>
-    <mc:Fallback xmlns="" xmlns:a16="http://schemas.microsoft.com/office/drawing/2014/main">
+    <mc:Fallback xmlns:a16="http://schemas.microsoft.com/office/drawing/2014/main" xmlns="">
       <p:transition/>
     </mc:Fallback>
   </mc:AlternateContent>
@@ -14188,7 +14188,7 @@
     <mc:Choice Requires="p14">
       <p:transition p14:dur="10"/>
     </mc:Choice>
-    <mc:Fallback xmlns="" xmlns:a16="http://schemas.microsoft.com/office/drawing/2014/main">
+    <mc:Fallback xmlns:a16="http://schemas.microsoft.com/office/drawing/2014/main" xmlns="">
       <p:transition/>
     </mc:Fallback>
   </mc:AlternateContent>
@@ -15804,7 +15804,7 @@
     <mc:Choice Requires="p14">
       <p:transition p14:dur="10"/>
     </mc:Choice>
-    <mc:Fallback xmlns="" xmlns:a16="http://schemas.microsoft.com/office/drawing/2014/main">
+    <mc:Fallback xmlns:a16="http://schemas.microsoft.com/office/drawing/2014/main" xmlns="">
       <p:transition/>
     </mc:Fallback>
   </mc:AlternateContent>
@@ -17663,7 +17663,7 @@
     <mc:Choice Requires="p14">
       <p:transition p14:dur="10"/>
     </mc:Choice>
-    <mc:Fallback xmlns="" xmlns:a16="http://schemas.microsoft.com/office/drawing/2014/main">
+    <mc:Fallback xmlns:a16="http://schemas.microsoft.com/office/drawing/2014/main" xmlns="">
       <p:transition/>
     </mc:Fallback>
   </mc:AlternateContent>
@@ -19765,7 +19765,7 @@
     <mc:Choice Requires="p14">
       <p:transition p14:dur="10"/>
     </mc:Choice>
-    <mc:Fallback xmlns="" xmlns:a16="http://schemas.microsoft.com/office/drawing/2014/main">
+    <mc:Fallback xmlns:a16="http://schemas.microsoft.com/office/drawing/2014/main" xmlns="">
       <p:transition/>
     </mc:Fallback>
   </mc:AlternateContent>
@@ -22110,7 +22110,7 @@
     <mc:Choice Requires="p14">
       <p:transition p14:dur="10"/>
     </mc:Choice>
-    <mc:Fallback xmlns="" xmlns:a16="http://schemas.microsoft.com/office/drawing/2014/main">
+    <mc:Fallback xmlns:a16="http://schemas.microsoft.com/office/drawing/2014/main" xmlns="">
       <p:transition/>
     </mc:Fallback>
   </mc:AlternateContent>
@@ -24698,7 +24698,7 @@
     <mc:Choice Requires="p14">
       <p:transition p14:dur="10"/>
     </mc:Choice>
-    <mc:Fallback xmlns="" xmlns:a16="http://schemas.microsoft.com/office/drawing/2014/main">
+    <mc:Fallback xmlns:a16="http://schemas.microsoft.com/office/drawing/2014/main" xmlns="">
       <p:transition/>
     </mc:Fallback>
   </mc:AlternateContent>
@@ -24897,7 +24897,7 @@
           <a:p>
             <a:fld id="{1E7953D9-2557-2445-9A3D-2952E9A21483}" type="datetimeFigureOut">
               <a:rPr lang="en-US" smtClean="0"/>
-              <a:t>7/9/24</a:t>
+              <a:t>7/10/24</a:t>
             </a:fld>
             <a:endParaRPr lang="en-US"/>
           </a:p>
@@ -25092,7 +25092,7 @@
     <mc:Choice Requires="p14">
       <p:transition p14:dur="10"/>
     </mc:Choice>
-    <mc:Fallback xmlns="" xmlns:a14="http://schemas.microsoft.com/office/drawing/2010/main" xmlns:a16="http://schemas.microsoft.com/office/drawing/2014/main">
+    <mc:Fallback xmlns:a16="http://schemas.microsoft.com/office/drawing/2014/main" xmlns:a14="http://schemas.microsoft.com/office/drawing/2010/main" xmlns="">
       <p:transition/>
     </mc:Fallback>
   </mc:AlternateContent>
@@ -25221,7 +25221,7 @@
     <mc:Choice Requires="p14">
       <p:transition p14:dur="10"/>
     </mc:Choice>
-    <mc:Fallback xmlns="" xmlns:a14="http://schemas.microsoft.com/office/drawing/2010/main" xmlns:a16="http://schemas.microsoft.com/office/drawing/2014/main">
+    <mc:Fallback xmlns:a16="http://schemas.microsoft.com/office/drawing/2014/main" xmlns:a14="http://schemas.microsoft.com/office/drawing/2010/main" xmlns="">
       <p:transition/>
     </mc:Fallback>
   </mc:AlternateContent>
@@ -25376,7 +25376,7 @@
     <mc:Choice Requires="p14">
       <p:transition p14:dur="10"/>
     </mc:Choice>
-    <mc:Fallback xmlns="" xmlns:a16="http://schemas.microsoft.com/office/drawing/2014/main">
+    <mc:Fallback xmlns:a16="http://schemas.microsoft.com/office/drawing/2014/main" xmlns="">
       <p:transition/>
     </mc:Fallback>
   </mc:AlternateContent>
@@ -25690,7 +25690,7 @@
     <mc:Choice Requires="p14">
       <p:transition p14:dur="10"/>
     </mc:Choice>
-    <mc:Fallback xmlns="" xmlns:a14="http://schemas.microsoft.com/office/drawing/2010/main" xmlns:a16="http://schemas.microsoft.com/office/drawing/2014/main">
+    <mc:Fallback xmlns:a16="http://schemas.microsoft.com/office/drawing/2014/main" xmlns:a14="http://schemas.microsoft.com/office/drawing/2010/main" xmlns="">
       <p:transition/>
     </mc:Fallback>
   </mc:AlternateContent>
@@ -25963,7 +25963,7 @@
     <mc:Choice Requires="p14">
       <p:transition p14:dur="10"/>
     </mc:Choice>
-    <mc:Fallback xmlns="" xmlns:a14="http://schemas.microsoft.com/office/drawing/2010/main" xmlns:a16="http://schemas.microsoft.com/office/drawing/2014/main">
+    <mc:Fallback xmlns:a16="http://schemas.microsoft.com/office/drawing/2014/main" xmlns:a14="http://schemas.microsoft.com/office/drawing/2010/main" xmlns="">
       <p:transition/>
     </mc:Fallback>
   </mc:AlternateContent>
@@ -27947,7 +27947,7 @@
     <mc:Choice Requires="p14">
       <p:transition p14:dur="10"/>
     </mc:Choice>
-    <mc:Fallback xmlns="" xmlns:a14="http://schemas.microsoft.com/office/drawing/2010/main" xmlns:a16="http://schemas.microsoft.com/office/drawing/2014/main">
+    <mc:Fallback xmlns:a16="http://schemas.microsoft.com/office/drawing/2014/main" xmlns:a14="http://schemas.microsoft.com/office/drawing/2010/main" xmlns="">
       <p:transition/>
     </mc:Fallback>
   </mc:AlternateContent>
@@ -28689,7 +28689,7 @@
     <mc:Choice Requires="p14">
       <p:transition p14:dur="10"/>
     </mc:Choice>
-    <mc:Fallback xmlns="" xmlns:a14="http://schemas.microsoft.com/office/drawing/2010/main" xmlns:a16="http://schemas.microsoft.com/office/drawing/2014/main">
+    <mc:Fallback xmlns:a16="http://schemas.microsoft.com/office/drawing/2014/main" xmlns:a14="http://schemas.microsoft.com/office/drawing/2010/main" xmlns="">
       <p:transition/>
     </mc:Fallback>
   </mc:AlternateContent>
@@ -29515,7 +29515,7 @@
     <mc:Choice Requires="p14">
       <p:transition p14:dur="10"/>
     </mc:Choice>
-    <mc:Fallback xmlns="" xmlns:a14="http://schemas.microsoft.com/office/drawing/2010/main" xmlns:a16="http://schemas.microsoft.com/office/drawing/2014/main">
+    <mc:Fallback xmlns:a16="http://schemas.microsoft.com/office/drawing/2014/main" xmlns:a14="http://schemas.microsoft.com/office/drawing/2010/main" xmlns="">
       <p:transition/>
     </mc:Fallback>
   </mc:AlternateContent>
@@ -29712,7 +29712,7 @@
     <mc:Choice Requires="p14">
       <p:transition p14:dur="10"/>
     </mc:Choice>
-    <mc:Fallback xmlns="" xmlns:a16="http://schemas.microsoft.com/office/drawing/2014/main" xmlns:a14="http://schemas.microsoft.com/office/drawing/2010/main">
+    <mc:Fallback xmlns:a14="http://schemas.microsoft.com/office/drawing/2010/main" xmlns:a16="http://schemas.microsoft.com/office/drawing/2014/main" xmlns="">
       <p:transition/>
     </mc:Fallback>
   </mc:AlternateContent>
@@ -29948,7 +29948,7 @@
     <mc:Choice Requires="p14">
       <p:transition p14:dur="10"/>
     </mc:Choice>
-    <mc:Fallback xmlns="" xmlns:a14="http://schemas.microsoft.com/office/drawing/2010/main" xmlns:a16="http://schemas.microsoft.com/office/drawing/2014/main">
+    <mc:Fallback xmlns:a16="http://schemas.microsoft.com/office/drawing/2014/main" xmlns:a14="http://schemas.microsoft.com/office/drawing/2010/main" xmlns="">
       <p:transition/>
     </mc:Fallback>
   </mc:AlternateContent>
@@ -30294,7 +30294,7 @@
           <a:p>
             <a:fld id="{1E7953D9-2557-2445-9A3D-2952E9A21483}" type="datetimeFigureOut">
               <a:rPr lang="en-US" smtClean="0"/>
-              <a:t>7/9/24</a:t>
+              <a:t>7/10/24</a:t>
             </a:fld>
             <a:endParaRPr lang="en-US"/>
           </a:p>
@@ -30611,7 +30611,7 @@
     <mc:Choice Requires="p14">
       <p:transition p14:dur="10"/>
     </mc:Choice>
-    <mc:Fallback xmlns="" xmlns:a16="http://schemas.microsoft.com/office/drawing/2014/main">
+    <mc:Fallback xmlns:a16="http://schemas.microsoft.com/office/drawing/2014/main" xmlns="">
       <p:transition/>
     </mc:Fallback>
   </mc:AlternateContent>
@@ -30721,7 +30721,7 @@
     <mc:Choice Requires="p14">
       <p:transition p14:dur="10"/>
     </mc:Choice>
-    <mc:Fallback xmlns="" xmlns:a14="http://schemas.microsoft.com/office/drawing/2010/main" xmlns:a16="http://schemas.microsoft.com/office/drawing/2014/main">
+    <mc:Fallback xmlns:a16="http://schemas.microsoft.com/office/drawing/2014/main" xmlns:a14="http://schemas.microsoft.com/office/drawing/2010/main" xmlns="">
       <p:transition/>
     </mc:Fallback>
   </mc:AlternateContent>
@@ -31110,7 +31110,7 @@
           <a:p>
             <a:fld id="{1E7953D9-2557-2445-9A3D-2952E9A21483}" type="datetimeFigureOut">
               <a:rPr lang="en-US" smtClean="0"/>
-              <a:t>7/9/24</a:t>
+              <a:t>7/10/24</a:t>
             </a:fld>
             <a:endParaRPr lang="en-US"/>
           </a:p>
@@ -31223,7 +31223,7 @@
           <a:p>
             <a:fld id="{1E7953D9-2557-2445-9A3D-2952E9A21483}" type="datetimeFigureOut">
               <a:rPr lang="en-US" smtClean="0"/>
-              <a:t>7/9/24</a:t>
+              <a:t>7/10/24</a:t>
             </a:fld>
             <a:endParaRPr lang="en-US"/>
           </a:p>
@@ -31534,7 +31534,7 @@
           <a:p>
             <a:fld id="{1E7953D9-2557-2445-9A3D-2952E9A21483}" type="datetimeFigureOut">
               <a:rPr lang="en-US" smtClean="0"/>
-              <a:t>7/9/24</a:t>
+              <a:t>7/10/24</a:t>
             </a:fld>
             <a:endParaRPr lang="en-US"/>
           </a:p>
@@ -31822,7 +31822,7 @@
           <a:p>
             <a:fld id="{1E7953D9-2557-2445-9A3D-2952E9A21483}" type="datetimeFigureOut">
               <a:rPr lang="en-US" smtClean="0"/>
-              <a:t>7/9/24</a:t>
+              <a:t>7/10/24</a:t>
             </a:fld>
             <a:endParaRPr lang="en-US"/>
           </a:p>
@@ -32063,7 +32063,7 @@
           <a:p>
             <a:fld id="{1E7953D9-2557-2445-9A3D-2952E9A21483}" type="datetimeFigureOut">
               <a:rPr lang="en-US" smtClean="0"/>
-              <a:t>7/9/24</a:t>
+              <a:t>7/10/24</a:t>
             </a:fld>
             <a:endParaRPr lang="en-US"/>
           </a:p>
@@ -32693,7 +32693,7 @@
     <mc:Choice Requires="p14">
       <p:transition p14:dur="10"/>
     </mc:Choice>
-    <mc:Fallback xmlns="" xmlns:a14="http://schemas.microsoft.com/office/drawing/2010/main" xmlns:a16="http://schemas.microsoft.com/office/drawing/2014/main">
+    <mc:Fallback xmlns:a16="http://schemas.microsoft.com/office/drawing/2014/main" xmlns:a14="http://schemas.microsoft.com/office/drawing/2010/main" xmlns="">
       <p:transition/>
     </mc:Fallback>
   </mc:AlternateContent>
@@ -34294,8 +34294,8 @@
         </p:nvSpPr>
         <p:spPr>
           <a:xfrm>
-            <a:off x="7986232" y="5406012"/>
-            <a:ext cx="1073820" cy="338554"/>
+            <a:off x="7764529" y="5410263"/>
+            <a:ext cx="1322093" cy="307777"/>
           </a:xfrm>
           <a:prstGeom prst="rect">
             <a:avLst/>
@@ -34309,8 +34309,8 @@
           <a:lstStyle/>
           <a:p>
             <a:r>
-              <a:rPr lang="en-US" sz="1600" dirty="0"/>
-              <a:t>DPU/Host</a:t>
+              <a:rPr lang="en-US" sz="1400" dirty="0"/>
+              <a:t>NIC-DPU/Host</a:t>
             </a:r>
           </a:p>
         </p:txBody>
@@ -38722,7 +38722,7 @@
         <p:spPr>
           <a:xfrm>
             <a:off x="3353462" y="3431206"/>
-            <a:ext cx="1334977" cy="843160"/>
+            <a:ext cx="1244533" cy="843160"/>
           </a:xfrm>
           <a:prstGeom prst="rect">
             <a:avLst/>
@@ -38932,8 +38932,8 @@
         </p:nvSpPr>
         <p:spPr>
           <a:xfrm>
-            <a:off x="6116088" y="3154207"/>
-            <a:ext cx="804516" cy="276999"/>
+            <a:off x="6122535" y="3136377"/>
+            <a:ext cx="976678" cy="276999"/>
           </a:xfrm>
           <a:prstGeom prst="rect">
             <a:avLst/>
@@ -38992,7 +38992,41 @@
                 <a:ea typeface="+mn-ea"/>
                 <a:cs typeface="NVIDIA Sans" panose="020B0503020203020204" pitchFamily="34" charset="0"/>
               </a:rPr>
-              <a:t>dev1 </a:t>
+              <a:t>PF </a:t>
+            </a:r>
+            <a:r>
+              <a:rPr kumimoji="0" lang="en-US" sz="1200" b="0" i="0" u="none" strike="noStrike" kern="1200" cap="none" spc="0" normalizeH="0" baseline="0" noProof="0" dirty="0" err="1">
+                <a:ln>
+                  <a:noFill/>
+                </a:ln>
+                <a:solidFill>
+                  <a:srgbClr val="000000"/>
+                </a:solidFill>
+                <a:effectLst/>
+                <a:uLnTx/>
+                <a:uFillTx/>
+                <a:latin typeface="NVIDIA Sans" panose="020B0503020203020204" pitchFamily="34" charset="0"/>
+                <a:ea typeface="+mn-ea"/>
+                <a:cs typeface="NVIDIA Sans" panose="020B0503020203020204" pitchFamily="34" charset="0"/>
+              </a:rPr>
+              <a:t>repr</a:t>
+            </a:r>
+            <a:r>
+              <a:rPr kumimoji="0" lang="en-US" sz="1200" b="0" i="0" u="none" strike="noStrike" kern="1200" cap="none" spc="0" normalizeH="0" baseline="0" noProof="0" dirty="0">
+                <a:ln>
+                  <a:noFill/>
+                </a:ln>
+                <a:solidFill>
+                  <a:srgbClr val="000000"/>
+                </a:solidFill>
+                <a:effectLst/>
+                <a:uLnTx/>
+                <a:uFillTx/>
+                <a:latin typeface="NVIDIA Sans" panose="020B0503020203020204" pitchFamily="34" charset="0"/>
+                <a:ea typeface="+mn-ea"/>
+                <a:cs typeface="NVIDIA Sans" panose="020B0503020203020204" pitchFamily="34" charset="0"/>
+              </a:rPr>
+              <a:t> </a:t>
             </a:r>
             <a:r>
               <a:rPr kumimoji="0" lang="en-US" sz="1200" b="0" i="0" u="none" strike="noStrike" kern="1200" cap="none" spc="0" normalizeH="0" baseline="0" noProof="0" dirty="0" err="1">
@@ -39042,8 +39076,8 @@
         </p:nvSpPr>
         <p:spPr>
           <a:xfrm>
-            <a:off x="6116088" y="3576317"/>
-            <a:ext cx="804516" cy="276999"/>
+            <a:off x="6114352" y="3576317"/>
+            <a:ext cx="843500" cy="276999"/>
           </a:xfrm>
           <a:prstGeom prst="rect">
             <a:avLst/>
@@ -39102,7 +39136,7 @@
                 <a:ea typeface="+mn-ea"/>
                 <a:cs typeface="NVIDIA Sans" panose="020B0503020203020204" pitchFamily="34" charset="0"/>
               </a:rPr>
-              <a:t>dev2 </a:t>
+              <a:t>repr1 </a:t>
             </a:r>
             <a:r>
               <a:rPr kumimoji="0" lang="en-US" sz="1200" b="0" i="0" u="none" strike="noStrike" kern="1200" cap="none" spc="0" normalizeH="0" baseline="0" noProof="0" dirty="0" err="1">
@@ -39152,8 +39186,8 @@
         </p:nvSpPr>
         <p:spPr>
           <a:xfrm>
-            <a:off x="6132118" y="4279343"/>
-            <a:ext cx="825355" cy="276999"/>
+            <a:off x="6112626" y="4279343"/>
+            <a:ext cx="864339" cy="276999"/>
           </a:xfrm>
           <a:prstGeom prst="rect">
             <a:avLst/>
@@ -39212,7 +39246,7 @@
                 <a:ea typeface="+mn-ea"/>
                 <a:cs typeface="NVIDIA Sans" panose="020B0503020203020204" pitchFamily="34" charset="0"/>
               </a:rPr>
-              <a:t>devN</a:t>
+              <a:t>reprN</a:t>
             </a:r>
             <a:r>
               <a:rPr kumimoji="0" lang="en-US" sz="1200" b="0" i="0" u="none" strike="noStrike" kern="1200" cap="none" spc="0" normalizeH="0" baseline="0" noProof="0" dirty="0">
@@ -39279,8 +39313,8 @@
         </p:nvSpPr>
         <p:spPr>
           <a:xfrm>
-            <a:off x="3924735" y="4532887"/>
-            <a:ext cx="1683474" cy="246221"/>
+            <a:off x="4180418" y="4532887"/>
+            <a:ext cx="1172116" cy="246221"/>
           </a:xfrm>
           <a:prstGeom prst="rect">
             <a:avLst/>
@@ -39311,23 +39345,6 @@
               <a:defRPr/>
             </a:pPr>
             <a:r>
-              <a:rPr kumimoji="0" lang="en-US" sz="1000" b="0" i="0" u="none" strike="noStrike" kern="1200" cap="none" spc="0" normalizeH="0" baseline="0" noProof="0" dirty="0" err="1">
-                <a:ln>
-                  <a:noFill/>
-                </a:ln>
-                <a:solidFill>
-                  <a:srgbClr val="000000"/>
-                </a:solidFill>
-                <a:effectLst/>
-                <a:uLnTx/>
-                <a:uFillTx/>
-                <a:latin typeface="NVIDIA Sans" panose="020B0503020203020204" pitchFamily="34" charset="0"/>
-                <a:ea typeface="+mn-ea"/>
-                <a:cs typeface="NVIDIA Sans" panose="020B0503020203020204" pitchFamily="34" charset="0"/>
-              </a:rPr>
-              <a:t>shared_page_pool_alloc</a:t>
-            </a:r>
-            <a:r>
               <a:rPr kumimoji="0" lang="en-US" sz="1000" b="0" i="0" u="none" strike="noStrike" kern="1200" cap="none" spc="0" normalizeH="0" baseline="0" noProof="0" dirty="0">
                 <a:ln>
                   <a:noFill/>
@@ -39342,7 +39359,7 @@
                 <a:ea typeface="+mn-ea"/>
                 <a:cs typeface="NVIDIA Sans" panose="020B0503020203020204" pitchFamily="34" charset="0"/>
               </a:rPr>
-              <a:t>()</a:t>
+              <a:t>Enforce fairness</a:t>
             </a:r>
           </a:p>
         </p:txBody>
@@ -39361,8 +39378,8 @@
         </p:nvSpPr>
         <p:spPr>
           <a:xfrm>
-            <a:off x="6840251" y="2874088"/>
-            <a:ext cx="1051314" cy="461665"/>
+            <a:off x="7099213" y="3034693"/>
+            <a:ext cx="1413079" cy="461665"/>
           </a:xfrm>
           <a:prstGeom prst="rect">
             <a:avLst/>
@@ -39375,7 +39392,6 @@
           </a:bodyPr>
           <a:lstStyle/>
           <a:p>
-            <a:pPr algn="ctr"/>
             <a:r>
               <a:rPr lang="en-US" sz="1200" dirty="0">
                 <a:solidFill>
@@ -39384,11 +39400,10 @@
                 <a:latin typeface="NVIDIA Sans" panose="020B0503020203020204" pitchFamily="34" charset="0"/>
                 <a:cs typeface="NVIDIA Sans" panose="020B0503020203020204" pitchFamily="34" charset="0"/>
               </a:rPr>
-              <a:t>Driver NAPI </a:t>
-            </a:r>
-          </a:p>
-          <a:p>
-            <a:pPr algn="ctr"/>
+              <a:t>Owner of the</a:t>
+            </a:r>
+          </a:p>
+          <a:p>
             <a:r>
               <a:rPr lang="en-US" sz="1200" dirty="0">
                 <a:solidFill>
@@ -39397,7 +39412,7 @@
                 <a:latin typeface="NVIDIA Sans" panose="020B0503020203020204" pitchFamily="34" charset="0"/>
                 <a:cs typeface="NVIDIA Sans" panose="020B0503020203020204" pitchFamily="34" charset="0"/>
               </a:rPr>
-              <a:t>refill logic</a:t>
+              <a:t>shared page pool</a:t>
             </a:r>
           </a:p>
         </p:txBody>
@@ -39543,6 +39558,291 @@
           </a:p>
         </p:txBody>
       </p:sp>
+      <p:sp>
+        <p:nvSpPr>
+          <p:cNvPr id="2" name="TextBox 1">
+            <a:extLst>
+              <a:ext uri="{FF2B5EF4-FFF2-40B4-BE49-F238E27FC236}">
+                <a16:creationId xmlns:a16="http://schemas.microsoft.com/office/drawing/2014/main" id="{5D2E4CDB-42CA-A40B-D312-61E066DDC7D0}"/>
+              </a:ext>
+            </a:extLst>
+          </p:cNvPr>
+          <p:cNvSpPr txBox="1"/>
+          <p:nvPr/>
+        </p:nvSpPr>
+        <p:spPr>
+          <a:xfrm>
+            <a:off x="6946125" y="3881265"/>
+            <a:ext cx="1719253" cy="461665"/>
+          </a:xfrm>
+          <a:prstGeom prst="rect">
+            <a:avLst/>
+          </a:prstGeom>
+          <a:noFill/>
+        </p:spPr>
+        <p:txBody>
+          <a:bodyPr wrap="none" rtlCol="0">
+            <a:spAutoFit/>
+          </a:bodyPr>
+          <a:lstStyle/>
+          <a:p>
+            <a:r>
+              <a:rPr lang="en-US" sz="1200" dirty="0">
+                <a:solidFill>
+                  <a:schemeClr val="bg1"/>
+                </a:solidFill>
+                <a:latin typeface="NVIDIA Sans" panose="020B0503020203020204" pitchFamily="34" charset="0"/>
+                <a:cs typeface="NVIDIA Sans" panose="020B0503020203020204" pitchFamily="34" charset="0"/>
+              </a:rPr>
+              <a:t>Requests pages from</a:t>
+            </a:r>
+          </a:p>
+          <a:p>
+            <a:r>
+              <a:rPr lang="en-US" sz="1200" dirty="0">
+                <a:solidFill>
+                  <a:schemeClr val="bg1"/>
+                </a:solidFill>
+                <a:latin typeface="NVIDIA Sans" panose="020B0503020203020204" pitchFamily="34" charset="0"/>
+                <a:cs typeface="NVIDIA Sans" panose="020B0503020203020204" pitchFamily="34" charset="0"/>
+              </a:rPr>
+              <a:t>the shared page pool</a:t>
+            </a:r>
+          </a:p>
+        </p:txBody>
+      </p:sp>
+      <p:sp>
+        <p:nvSpPr>
+          <p:cNvPr id="3" name="TextBox 2">
+            <a:extLst>
+              <a:ext uri="{FF2B5EF4-FFF2-40B4-BE49-F238E27FC236}">
+                <a16:creationId xmlns:a16="http://schemas.microsoft.com/office/drawing/2014/main" id="{D94CD5CF-8A23-6A2D-8D31-ECD6FD19116F}"/>
+              </a:ext>
+            </a:extLst>
+          </p:cNvPr>
+          <p:cNvSpPr txBox="1"/>
+          <p:nvPr/>
+        </p:nvSpPr>
+        <p:spPr>
+          <a:xfrm rot="5400000">
+            <a:off x="6507034" y="3900393"/>
+            <a:ext cx="357790" cy="400110"/>
+          </a:xfrm>
+          <a:prstGeom prst="rect">
+            <a:avLst/>
+          </a:prstGeom>
+          <a:noFill/>
+        </p:spPr>
+        <p:txBody>
+          <a:bodyPr wrap="none" rtlCol="0">
+            <a:spAutoFit/>
+          </a:bodyPr>
+          <a:lstStyle/>
+          <a:p>
+            <a:pPr marL="0" marR="0" lvl="0" indent="0" algn="ctr" defTabSz="914400" rtl="0" eaLnBrk="1" fontAlgn="auto" latinLnBrk="0" hangingPunct="1">
+              <a:lnSpc>
+                <a:spcPct val="100000"/>
+              </a:lnSpc>
+              <a:spcBef>
+                <a:spcPts val="0"/>
+              </a:spcBef>
+              <a:spcAft>
+                <a:spcPts val="0"/>
+              </a:spcAft>
+              <a:buClrTx/>
+              <a:buSzTx/>
+              <a:buFontTx/>
+              <a:buNone/>
+              <a:tabLst/>
+              <a:defRPr/>
+            </a:pPr>
+            <a:r>
+              <a:rPr kumimoji="0" lang="en-US" sz="2000" b="0" i="0" u="none" strike="noStrike" kern="1200" cap="none" spc="0" normalizeH="0" baseline="0" noProof="0" dirty="0">
+                <a:ln>
+                  <a:noFill/>
+                </a:ln>
+                <a:solidFill>
+                  <a:srgbClr val="000000"/>
+                </a:solidFill>
+                <a:effectLst/>
+                <a:uLnTx/>
+                <a:uFillTx/>
+                <a:latin typeface="NVIDIA Sans" panose="020B0503020203020204" pitchFamily="34" charset="0"/>
+                <a:ea typeface="+mn-ea"/>
+                <a:cs typeface="NVIDIA Sans" panose="020B0503020203020204" pitchFamily="34" charset="0"/>
+              </a:rPr>
+              <a:t>…</a:t>
+            </a:r>
+          </a:p>
+        </p:txBody>
+      </p:sp>
+      <p:sp>
+        <p:nvSpPr>
+          <p:cNvPr id="4" name="Rectangle 3">
+            <a:extLst>
+              <a:ext uri="{FF2B5EF4-FFF2-40B4-BE49-F238E27FC236}">
+                <a16:creationId xmlns:a16="http://schemas.microsoft.com/office/drawing/2014/main" id="{FCB71929-B9C4-6DA1-3B0E-F73F95DBB1F4}"/>
+              </a:ext>
+            </a:extLst>
+          </p:cNvPr>
+          <p:cNvSpPr/>
+          <p:nvPr/>
+        </p:nvSpPr>
+        <p:spPr>
+          <a:xfrm>
+            <a:off x="4650306" y="3418983"/>
+            <a:ext cx="160406" cy="843160"/>
+          </a:xfrm>
+          <a:prstGeom prst="rect">
+            <a:avLst/>
+          </a:prstGeom>
+          <a:solidFill>
+            <a:schemeClr val="accent3">
+              <a:lumMod val="20000"/>
+              <a:lumOff val="80000"/>
+            </a:schemeClr>
+          </a:solidFill>
+          <a:ln w="12700" cap="flat" cmpd="sng" algn="ctr">
+            <a:solidFill>
+              <a:srgbClr val="4472C4">
+                <a:shade val="50000"/>
+              </a:srgbClr>
+            </a:solidFill>
+            <a:prstDash val="solid"/>
+            <a:miter lim="800000"/>
+          </a:ln>
+          <a:effectLst/>
+        </p:spPr>
+        <p:txBody>
+          <a:bodyPr rtlCol="0" anchor="ctr"/>
+          <a:lstStyle/>
+          <a:p>
+            <a:pPr marL="0" marR="0" lvl="0" indent="0" algn="ctr" defTabSz="304770" rtl="0" eaLnBrk="1" fontAlgn="auto" latinLnBrk="0" hangingPunct="1">
+              <a:lnSpc>
+                <a:spcPct val="100000"/>
+              </a:lnSpc>
+              <a:spcBef>
+                <a:spcPts val="0"/>
+              </a:spcBef>
+              <a:spcAft>
+                <a:spcPts val="0"/>
+              </a:spcAft>
+              <a:buClrTx/>
+              <a:buSzTx/>
+              <a:buFontTx/>
+              <a:buNone/>
+              <a:tabLst/>
+              <a:defRPr/>
+            </a:pPr>
+            <a:endParaRPr kumimoji="0" lang="en-US" sz="1600" b="0" i="0" u="none" strike="noStrike" kern="0" cap="none" spc="0" normalizeH="0" baseline="0" noProof="0" dirty="0">
+              <a:ln>
+                <a:noFill/>
+              </a:ln>
+              <a:solidFill>
+                <a:prstClr val="black"/>
+              </a:solidFill>
+              <a:effectLst/>
+              <a:uLnTx/>
+              <a:uFillTx/>
+              <a:latin typeface="Calibri" panose="020F0502020204030204"/>
+              <a:ea typeface="+mn-ea"/>
+              <a:cs typeface="+mn-cs"/>
+            </a:endParaRPr>
+          </a:p>
+        </p:txBody>
+      </p:sp>
+      <p:cxnSp>
+        <p:nvCxnSpPr>
+          <p:cNvPr id="10" name="Straight Arrow Connector 9">
+            <a:extLst>
+              <a:ext uri="{FF2B5EF4-FFF2-40B4-BE49-F238E27FC236}">
+                <a16:creationId xmlns:a16="http://schemas.microsoft.com/office/drawing/2014/main" id="{FF6B280F-E8BA-7E89-899D-34F05B024A2F}"/>
+              </a:ext>
+            </a:extLst>
+          </p:cNvPr>
+          <p:cNvCxnSpPr>
+            <a:cxnSpLocks/>
+            <a:stCxn id="9" idx="0"/>
+            <a:endCxn id="4" idx="2"/>
+          </p:cNvCxnSpPr>
+          <p:nvPr/>
+        </p:nvCxnSpPr>
+        <p:spPr>
+          <a:xfrm flipH="1" flipV="1">
+            <a:off x="4730509" y="4262143"/>
+            <a:ext cx="35967" cy="270744"/>
+          </a:xfrm>
+          <a:prstGeom prst="straightConnector1">
+            <a:avLst/>
+          </a:prstGeom>
+          <a:ln w="12700">
+            <a:solidFill>
+              <a:schemeClr val="accent5"/>
+            </a:solidFill>
+            <a:prstDash val="solid"/>
+            <a:tailEnd type="triangle"/>
+          </a:ln>
+        </p:spPr>
+        <p:style>
+          <a:lnRef idx="1">
+            <a:schemeClr val="accent1"/>
+          </a:lnRef>
+          <a:fillRef idx="0">
+            <a:schemeClr val="accent1"/>
+          </a:fillRef>
+          <a:effectRef idx="0">
+            <a:schemeClr val="accent1"/>
+          </a:effectRef>
+          <a:fontRef idx="minor">
+            <a:schemeClr val="tx1"/>
+          </a:fontRef>
+        </p:style>
+      </p:cxnSp>
+      <p:cxnSp>
+        <p:nvCxnSpPr>
+          <p:cNvPr id="19" name="Straight Arrow Connector 18">
+            <a:extLst>
+              <a:ext uri="{FF2B5EF4-FFF2-40B4-BE49-F238E27FC236}">
+                <a16:creationId xmlns:a16="http://schemas.microsoft.com/office/drawing/2014/main" id="{1489484B-A225-FC62-F6DE-EAC6FB6DB282}"/>
+              </a:ext>
+            </a:extLst>
+          </p:cNvPr>
+          <p:cNvCxnSpPr>
+            <a:cxnSpLocks/>
+          </p:cNvCxnSpPr>
+          <p:nvPr/>
+        </p:nvCxnSpPr>
+        <p:spPr>
+          <a:xfrm>
+            <a:off x="4386272" y="4064117"/>
+            <a:ext cx="344237" cy="0"/>
+          </a:xfrm>
+          <a:prstGeom prst="straightConnector1">
+            <a:avLst/>
+          </a:prstGeom>
+          <a:ln w="50800">
+            <a:solidFill>
+              <a:schemeClr val="accent5"/>
+            </a:solidFill>
+            <a:prstDash val="solid"/>
+            <a:tailEnd type="triangle"/>
+          </a:ln>
+        </p:spPr>
+        <p:style>
+          <a:lnRef idx="1">
+            <a:schemeClr val="accent1"/>
+          </a:lnRef>
+          <a:fillRef idx="0">
+            <a:schemeClr val="accent1"/>
+          </a:fillRef>
+          <a:effectRef idx="0">
+            <a:schemeClr val="accent1"/>
+          </a:effectRef>
+          <a:fontRef idx="minor">
+            <a:schemeClr val="tx1"/>
+          </a:fontRef>
+        </p:style>
+      </p:cxnSp>
     </p:spTree>
     <p:extLst>
       <p:ext uri="{BB962C8B-B14F-4D97-AF65-F5344CB8AC3E}">
@@ -39557,7 +39857,7 @@
     <mc:Choice Requires="p14">
       <p:transition p14:dur="10"/>
     </mc:Choice>
-    <mc:Fallback xmlns="" xmlns:a16="http://schemas.microsoft.com/office/drawing/2014/main">
+    <mc:Fallback xmlns:a16="http://schemas.microsoft.com/office/drawing/2014/main" xmlns="">
       <p:transition/>
     </mc:Fallback>
   </mc:AlternateContent>
@@ -43384,7 +43684,7 @@
     <mc:Choice Requires="p14">
       <p:transition p14:dur="10"/>
     </mc:Choice>
-    <mc:Fallback xmlns="" xmlns:a16="http://schemas.microsoft.com/office/drawing/2014/main">
+    <mc:Fallback xmlns:a16="http://schemas.microsoft.com/office/drawing/2014/main" xmlns="">
       <p:transition/>
     </mc:Fallback>
   </mc:AlternateContent>

--- a/netdevconf0x18-sharedmem.pptx
+++ b/netdevconf0x18-sharedmem.pptx
@@ -39843,6 +39843,75 @@
           </a:fontRef>
         </p:style>
       </p:cxnSp>
+      <p:sp>
+        <p:nvSpPr>
+          <p:cNvPr id="25" name="TextBox 24">
+            <a:extLst>
+              <a:ext uri="{FF2B5EF4-FFF2-40B4-BE49-F238E27FC236}">
+                <a16:creationId xmlns:a16="http://schemas.microsoft.com/office/drawing/2014/main" id="{264DFB14-1A93-E54D-F4ED-3065DE92C1D9}"/>
+              </a:ext>
+            </a:extLst>
+          </p:cNvPr>
+          <p:cNvSpPr txBox="1"/>
+          <p:nvPr/>
+        </p:nvSpPr>
+        <p:spPr>
+          <a:xfrm>
+            <a:off x="5499522" y="4559588"/>
+            <a:ext cx="764953" cy="230832"/>
+          </a:xfrm>
+          <a:prstGeom prst="rect">
+            <a:avLst/>
+          </a:prstGeom>
+          <a:noFill/>
+        </p:spPr>
+        <p:txBody>
+          <a:bodyPr wrap="square" rtlCol="0">
+            <a:spAutoFit/>
+          </a:bodyPr>
+          <a:lstStyle/>
+          <a:p>
+            <a:pPr marL="0" marR="0" lvl="0" indent="0" defTabSz="914400" eaLnBrk="1" fontAlgn="auto" latinLnBrk="0" hangingPunct="1">
+              <a:lnSpc>
+                <a:spcPct val="100000"/>
+              </a:lnSpc>
+              <a:spcBef>
+                <a:spcPts val="0"/>
+              </a:spcBef>
+              <a:spcAft>
+                <a:spcPts val="0"/>
+              </a:spcAft>
+              <a:buClrTx/>
+              <a:buSzTx/>
+              <a:buFontTx/>
+              <a:buNone/>
+              <a:tabLst/>
+              <a:defRPr/>
+            </a:pPr>
+            <a:r>
+              <a:rPr lang="en-US" sz="900" kern="0" dirty="0">
+                <a:solidFill>
+                  <a:prstClr val="black"/>
+                </a:solidFill>
+                <a:latin typeface="Aptos" panose="02110004020202020204"/>
+              </a:rPr>
+              <a:t>Adj. RXQ</a:t>
+            </a:r>
+            <a:endParaRPr kumimoji="0" lang="en-US" sz="900" b="0" i="0" u="none" strike="noStrike" kern="0" cap="none" spc="0" normalizeH="0" baseline="0" noProof="0" dirty="0">
+              <a:ln>
+                <a:noFill/>
+              </a:ln>
+              <a:solidFill>
+                <a:prstClr val="black"/>
+              </a:solidFill>
+              <a:effectLst/>
+              <a:uLnTx/>
+              <a:uFillTx/>
+              <a:latin typeface="Aptos" panose="02110004020202020204"/>
+            </a:endParaRPr>
+          </a:p>
+        </p:txBody>
+      </p:sp>
     </p:spTree>
     <p:extLst>
       <p:ext uri="{BB962C8B-B14F-4D97-AF65-F5344CB8AC3E}">
@@ -45946,6 +46015,78 @@
       </p:grpSpPr>
       <p:sp>
         <p:nvSpPr>
+          <p:cNvPr id="94" name="Rectangle 93">
+            <a:extLst>
+              <a:ext uri="{FF2B5EF4-FFF2-40B4-BE49-F238E27FC236}">
+                <a16:creationId xmlns:a16="http://schemas.microsoft.com/office/drawing/2014/main" id="{67CAA1AB-95D5-E391-5573-AE484EF2FBC6}"/>
+              </a:ext>
+            </a:extLst>
+          </p:cNvPr>
+          <p:cNvSpPr/>
+          <p:nvPr/>
+        </p:nvSpPr>
+        <p:spPr>
+          <a:xfrm>
+            <a:off x="2014236" y="3012006"/>
+            <a:ext cx="2724306" cy="1847698"/>
+          </a:xfrm>
+          <a:prstGeom prst="rect">
+            <a:avLst/>
+          </a:prstGeom>
+          <a:solidFill>
+            <a:schemeClr val="bg1">
+              <a:lumMod val="85000"/>
+            </a:schemeClr>
+          </a:solidFill>
+          <a:ln w="12700" cap="flat" cmpd="sng" algn="ctr">
+            <a:solidFill>
+              <a:srgbClr val="4472C4">
+                <a:shade val="50000"/>
+              </a:srgbClr>
+            </a:solidFill>
+            <a:prstDash val="solid"/>
+            <a:miter lim="800000"/>
+          </a:ln>
+          <a:effectLst/>
+        </p:spPr>
+        <p:txBody>
+          <a:bodyPr rtlCol="0" anchor="ctr"/>
+          <a:lstStyle/>
+          <a:p>
+            <a:pPr marL="0" marR="0" lvl="0" indent="0" algn="ctr" defTabSz="304770" eaLnBrk="1" fontAlgn="auto" latinLnBrk="0" hangingPunct="1">
+              <a:lnSpc>
+                <a:spcPct val="100000"/>
+              </a:lnSpc>
+              <a:spcBef>
+                <a:spcPts val="0"/>
+              </a:spcBef>
+              <a:spcAft>
+                <a:spcPts val="0"/>
+              </a:spcAft>
+              <a:buClrTx/>
+              <a:buSzTx/>
+              <a:buFontTx/>
+              <a:buNone/>
+              <a:tabLst/>
+              <a:defRPr/>
+            </a:pPr>
+            <a:endParaRPr kumimoji="0" lang="en-US" sz="2000" b="0" i="0" u="none" strike="noStrike" kern="0" cap="none" spc="0" normalizeH="0" baseline="0" noProof="0" dirty="0">
+              <a:ln>
+                <a:noFill/>
+              </a:ln>
+              <a:solidFill>
+                <a:prstClr val="black"/>
+              </a:solidFill>
+              <a:effectLst/>
+              <a:uLnTx/>
+              <a:uFillTx/>
+              <a:latin typeface="Calibri" panose="020F0502020204030204"/>
+            </a:endParaRPr>
+          </a:p>
+        </p:txBody>
+      </p:sp>
+      <p:sp>
+        <p:nvSpPr>
           <p:cNvPr id="2" name="Title 1">
             <a:extLst>
               <a:ext uri="{FF2B5EF4-FFF2-40B4-BE49-F238E27FC236}">
@@ -45969,31 +46110,6 @@
           </a:p>
         </p:txBody>
       </p:sp>
-      <p:sp>
-        <p:nvSpPr>
-          <p:cNvPr id="3" name="Content Placeholder 2">
-            <a:extLst>
-              <a:ext uri="{FF2B5EF4-FFF2-40B4-BE49-F238E27FC236}">
-                <a16:creationId xmlns:a16="http://schemas.microsoft.com/office/drawing/2014/main" id="{7D29D7C2-B3DB-7139-E3AD-A40E355630FB}"/>
-              </a:ext>
-            </a:extLst>
-          </p:cNvPr>
-          <p:cNvSpPr>
-            <a:spLocks noGrp="1"/>
-          </p:cNvSpPr>
-          <p:nvPr>
-            <p:ph idx="1"/>
-          </p:nvPr>
-        </p:nvSpPr>
-        <p:spPr/>
-        <p:txBody>
-          <a:bodyPr/>
-          <a:lstStyle/>
-          <a:p>
-            <a:endParaRPr lang="en-US"/>
-          </a:p>
-        </p:txBody>
-      </p:sp>
       <p:grpSp>
         <p:nvGrpSpPr>
           <p:cNvPr id="4" name="Group 3">
@@ -46008,7 +46124,7 @@
         </p:nvGrpSpPr>
         <p:grpSpPr>
           <a:xfrm>
-            <a:off x="7717277" y="3243997"/>
+            <a:off x="3576392" y="3237680"/>
             <a:ext cx="656665" cy="261610"/>
             <a:chOff x="6985000" y="4827977"/>
             <a:chExt cx="656665" cy="261610"/>
@@ -46254,6 +46370,1954 @@
           </p:style>
         </p:cxnSp>
       </p:grpSp>
+      <p:sp>
+        <p:nvSpPr>
+          <p:cNvPr id="44" name="Rectangle 43">
+            <a:extLst>
+              <a:ext uri="{FF2B5EF4-FFF2-40B4-BE49-F238E27FC236}">
+                <a16:creationId xmlns:a16="http://schemas.microsoft.com/office/drawing/2014/main" id="{F5687A3C-A3E0-CBD4-3561-F426CA4C120D}"/>
+              </a:ext>
+            </a:extLst>
+          </p:cNvPr>
+          <p:cNvSpPr/>
+          <p:nvPr/>
+        </p:nvSpPr>
+        <p:spPr>
+          <a:xfrm>
+            <a:off x="4852397" y="3024811"/>
+            <a:ext cx="1311074" cy="1847698"/>
+          </a:xfrm>
+          <a:prstGeom prst="rect">
+            <a:avLst/>
+          </a:prstGeom>
+          <a:solidFill>
+            <a:srgbClr val="FFFFFF">
+              <a:lumMod val="95000"/>
+            </a:srgbClr>
+          </a:solidFill>
+          <a:ln w="12700" cap="flat" cmpd="sng" algn="ctr">
+            <a:solidFill>
+              <a:srgbClr val="4472C4">
+                <a:shade val="50000"/>
+              </a:srgbClr>
+            </a:solidFill>
+            <a:prstDash val="solid"/>
+            <a:miter lim="800000"/>
+          </a:ln>
+          <a:effectLst/>
+        </p:spPr>
+        <p:txBody>
+          <a:bodyPr rtlCol="0" anchor="ctr"/>
+          <a:lstStyle/>
+          <a:p>
+            <a:pPr marL="0" marR="0" lvl="0" indent="0" algn="ctr" defTabSz="304770" eaLnBrk="1" fontAlgn="auto" latinLnBrk="0" hangingPunct="1">
+              <a:lnSpc>
+                <a:spcPct val="100000"/>
+              </a:lnSpc>
+              <a:spcBef>
+                <a:spcPts val="0"/>
+              </a:spcBef>
+              <a:spcAft>
+                <a:spcPts val="0"/>
+              </a:spcAft>
+              <a:buClrTx/>
+              <a:buSzTx/>
+              <a:buFontTx/>
+              <a:buNone/>
+              <a:tabLst/>
+              <a:defRPr/>
+            </a:pPr>
+            <a:endParaRPr kumimoji="0" lang="en-US" sz="2000" b="0" i="0" u="none" strike="noStrike" kern="0" cap="none" spc="0" normalizeH="0" baseline="0" noProof="0" dirty="0">
+              <a:ln>
+                <a:noFill/>
+              </a:ln>
+              <a:solidFill>
+                <a:prstClr val="black"/>
+              </a:solidFill>
+              <a:effectLst/>
+              <a:uLnTx/>
+              <a:uFillTx/>
+              <a:latin typeface="Calibri" panose="020F0502020204030204"/>
+            </a:endParaRPr>
+          </a:p>
+        </p:txBody>
+      </p:sp>
+      <p:grpSp>
+        <p:nvGrpSpPr>
+          <p:cNvPr id="45" name="Group 44">
+            <a:extLst>
+              <a:ext uri="{FF2B5EF4-FFF2-40B4-BE49-F238E27FC236}">
+                <a16:creationId xmlns:a16="http://schemas.microsoft.com/office/drawing/2014/main" id="{4FEB8FB6-68D7-8A60-1078-3D7A45B58A18}"/>
+              </a:ext>
+            </a:extLst>
+          </p:cNvPr>
+          <p:cNvGrpSpPr/>
+          <p:nvPr/>
+        </p:nvGrpSpPr>
+        <p:grpSpPr>
+          <a:xfrm>
+            <a:off x="3576392" y="3248490"/>
+            <a:ext cx="656665" cy="250799"/>
+            <a:chOff x="6985000" y="4827977"/>
+            <a:chExt cx="656665" cy="261610"/>
+          </a:xfrm>
+        </p:grpSpPr>
+        <p:sp>
+          <p:nvSpPr>
+            <p:cNvPr id="46" name="Rectangle 45">
+              <a:extLst>
+                <a:ext uri="{FF2B5EF4-FFF2-40B4-BE49-F238E27FC236}">
+                  <a16:creationId xmlns:a16="http://schemas.microsoft.com/office/drawing/2014/main" id="{2B6D530F-B45E-5C21-F8A2-372362E4F34D}"/>
+                </a:ext>
+              </a:extLst>
+            </p:cNvPr>
+            <p:cNvSpPr/>
+            <p:nvPr/>
+          </p:nvSpPr>
+          <p:spPr>
+            <a:xfrm>
+              <a:off x="7520299" y="4827977"/>
+              <a:ext cx="121366" cy="261610"/>
+            </a:xfrm>
+            <a:prstGeom prst="rect">
+              <a:avLst/>
+            </a:prstGeom>
+            <a:noFill/>
+            <a:ln w="12700" cap="flat" cmpd="sng" algn="ctr">
+              <a:solidFill>
+                <a:srgbClr val="000000">
+                  <a:lumMod val="95000"/>
+                  <a:lumOff val="5000"/>
+                </a:srgbClr>
+              </a:solidFill>
+              <a:prstDash val="solid"/>
+              <a:miter lim="800000"/>
+            </a:ln>
+            <a:effectLst/>
+          </p:spPr>
+          <p:txBody>
+            <a:bodyPr rtlCol="0" anchor="ctr"/>
+            <a:lstStyle/>
+            <a:p>
+              <a:pPr marL="0" marR="0" lvl="0" indent="0" algn="ctr" defTabSz="304770" eaLnBrk="1" fontAlgn="auto" latinLnBrk="0" hangingPunct="1">
+                <a:lnSpc>
+                  <a:spcPct val="100000"/>
+                </a:lnSpc>
+                <a:spcBef>
+                  <a:spcPts val="0"/>
+                </a:spcBef>
+                <a:spcAft>
+                  <a:spcPts val="0"/>
+                </a:spcAft>
+                <a:buClrTx/>
+                <a:buSzTx/>
+                <a:buFontTx/>
+                <a:buNone/>
+                <a:tabLst/>
+                <a:defRPr/>
+              </a:pPr>
+              <a:endParaRPr kumimoji="0" lang="en-US" sz="467" b="0" i="0" u="none" strike="noStrike" kern="0" cap="none" spc="0" normalizeH="0" baseline="0" noProof="0" dirty="0">
+                <a:ln>
+                  <a:noFill/>
+                </a:ln>
+                <a:solidFill>
+                  <a:prstClr val="black"/>
+                </a:solidFill>
+                <a:effectLst/>
+                <a:uLnTx/>
+                <a:uFillTx/>
+                <a:latin typeface="Calibri" panose="020F0502020204030204"/>
+              </a:endParaRPr>
+            </a:p>
+          </p:txBody>
+        </p:sp>
+        <p:sp>
+          <p:nvSpPr>
+            <p:cNvPr id="47" name="Rectangle 46">
+              <a:extLst>
+                <a:ext uri="{FF2B5EF4-FFF2-40B4-BE49-F238E27FC236}">
+                  <a16:creationId xmlns:a16="http://schemas.microsoft.com/office/drawing/2014/main" id="{63504776-8891-3DB6-A953-6669EEB781FE}"/>
+                </a:ext>
+              </a:extLst>
+            </p:cNvPr>
+            <p:cNvSpPr/>
+            <p:nvPr/>
+          </p:nvSpPr>
+          <p:spPr>
+            <a:xfrm>
+              <a:off x="7398933" y="4827977"/>
+              <a:ext cx="121366" cy="261610"/>
+            </a:xfrm>
+            <a:prstGeom prst="rect">
+              <a:avLst/>
+            </a:prstGeom>
+            <a:noFill/>
+            <a:ln w="12700" cap="flat" cmpd="sng" algn="ctr">
+              <a:solidFill>
+                <a:srgbClr val="000000">
+                  <a:lumMod val="95000"/>
+                  <a:lumOff val="5000"/>
+                </a:srgbClr>
+              </a:solidFill>
+              <a:prstDash val="solid"/>
+              <a:miter lim="800000"/>
+            </a:ln>
+            <a:effectLst/>
+          </p:spPr>
+          <p:txBody>
+            <a:bodyPr rtlCol="0" anchor="ctr"/>
+            <a:lstStyle/>
+            <a:p>
+              <a:pPr marL="0" marR="0" lvl="0" indent="0" algn="ctr" defTabSz="304770" eaLnBrk="1" fontAlgn="auto" latinLnBrk="0" hangingPunct="1">
+                <a:lnSpc>
+                  <a:spcPct val="100000"/>
+                </a:lnSpc>
+                <a:spcBef>
+                  <a:spcPts val="0"/>
+                </a:spcBef>
+                <a:spcAft>
+                  <a:spcPts val="0"/>
+                </a:spcAft>
+                <a:buClrTx/>
+                <a:buSzTx/>
+                <a:buFontTx/>
+                <a:buNone/>
+                <a:tabLst/>
+                <a:defRPr/>
+              </a:pPr>
+              <a:endParaRPr kumimoji="0" lang="en-US" sz="467" b="0" i="0" u="none" strike="noStrike" kern="0" cap="none" spc="0" normalizeH="0" baseline="0" noProof="0" dirty="0">
+                <a:ln>
+                  <a:noFill/>
+                </a:ln>
+                <a:solidFill>
+                  <a:prstClr val="black"/>
+                </a:solidFill>
+                <a:effectLst/>
+                <a:uLnTx/>
+                <a:uFillTx/>
+                <a:latin typeface="Calibri" panose="020F0502020204030204"/>
+              </a:endParaRPr>
+            </a:p>
+          </p:txBody>
+        </p:sp>
+        <p:sp>
+          <p:nvSpPr>
+            <p:cNvPr id="48" name="Rectangle 47">
+              <a:extLst>
+                <a:ext uri="{FF2B5EF4-FFF2-40B4-BE49-F238E27FC236}">
+                  <a16:creationId xmlns:a16="http://schemas.microsoft.com/office/drawing/2014/main" id="{7DED99B3-117B-3172-29CB-957A5D835BDD}"/>
+                </a:ext>
+              </a:extLst>
+            </p:cNvPr>
+            <p:cNvSpPr/>
+            <p:nvPr/>
+          </p:nvSpPr>
+          <p:spPr>
+            <a:xfrm>
+              <a:off x="7275754" y="4827977"/>
+              <a:ext cx="121366" cy="261610"/>
+            </a:xfrm>
+            <a:prstGeom prst="rect">
+              <a:avLst/>
+            </a:prstGeom>
+            <a:noFill/>
+            <a:ln w="12700" cap="flat" cmpd="sng" algn="ctr">
+              <a:solidFill>
+                <a:srgbClr val="000000">
+                  <a:lumMod val="95000"/>
+                  <a:lumOff val="5000"/>
+                </a:srgbClr>
+              </a:solidFill>
+              <a:prstDash val="solid"/>
+              <a:miter lim="800000"/>
+            </a:ln>
+            <a:effectLst/>
+          </p:spPr>
+          <p:txBody>
+            <a:bodyPr rtlCol="0" anchor="ctr"/>
+            <a:lstStyle/>
+            <a:p>
+              <a:pPr marL="0" marR="0" lvl="0" indent="0" algn="ctr" defTabSz="304770" eaLnBrk="1" fontAlgn="auto" latinLnBrk="0" hangingPunct="1">
+                <a:lnSpc>
+                  <a:spcPct val="100000"/>
+                </a:lnSpc>
+                <a:spcBef>
+                  <a:spcPts val="0"/>
+                </a:spcBef>
+                <a:spcAft>
+                  <a:spcPts val="0"/>
+                </a:spcAft>
+                <a:buClrTx/>
+                <a:buSzTx/>
+                <a:buFontTx/>
+                <a:buNone/>
+                <a:tabLst/>
+                <a:defRPr/>
+              </a:pPr>
+              <a:endParaRPr kumimoji="0" lang="en-US" sz="467" b="0" i="0" u="none" strike="noStrike" kern="0" cap="none" spc="0" normalizeH="0" baseline="0" noProof="0" dirty="0">
+                <a:ln>
+                  <a:noFill/>
+                </a:ln>
+                <a:solidFill>
+                  <a:prstClr val="black"/>
+                </a:solidFill>
+                <a:effectLst/>
+                <a:uLnTx/>
+                <a:uFillTx/>
+                <a:latin typeface="Calibri" panose="020F0502020204030204"/>
+              </a:endParaRPr>
+            </a:p>
+          </p:txBody>
+        </p:sp>
+        <p:cxnSp>
+          <p:nvCxnSpPr>
+            <p:cNvPr id="49" name="Straight Connector 48">
+              <a:extLst>
+                <a:ext uri="{FF2B5EF4-FFF2-40B4-BE49-F238E27FC236}">
+                  <a16:creationId xmlns:a16="http://schemas.microsoft.com/office/drawing/2014/main" id="{CBCCB3ED-BFF5-39CD-E242-4818A9D4D098}"/>
+                </a:ext>
+              </a:extLst>
+            </p:cNvPr>
+            <p:cNvCxnSpPr>
+              <a:cxnSpLocks/>
+            </p:cNvCxnSpPr>
+            <p:nvPr/>
+          </p:nvCxnSpPr>
+          <p:spPr>
+            <a:xfrm>
+              <a:off x="6985000" y="4827977"/>
+              <a:ext cx="290754" cy="0"/>
+            </a:xfrm>
+            <a:prstGeom prst="line">
+              <a:avLst/>
+            </a:prstGeom>
+            <a:noFill/>
+            <a:ln w="15875" cap="flat" cmpd="sng" algn="ctr">
+              <a:solidFill>
+                <a:srgbClr val="000000">
+                  <a:lumMod val="95000"/>
+                  <a:lumOff val="5000"/>
+                </a:srgbClr>
+              </a:solidFill>
+              <a:prstDash val="solid"/>
+            </a:ln>
+            <a:effectLst/>
+          </p:spPr>
+        </p:cxnSp>
+        <p:cxnSp>
+          <p:nvCxnSpPr>
+            <p:cNvPr id="50" name="Straight Connector 49">
+              <a:extLst>
+                <a:ext uri="{FF2B5EF4-FFF2-40B4-BE49-F238E27FC236}">
+                  <a16:creationId xmlns:a16="http://schemas.microsoft.com/office/drawing/2014/main" id="{A9F6AA4E-292E-954C-A20A-92D42B487C1F}"/>
+                </a:ext>
+              </a:extLst>
+            </p:cNvPr>
+            <p:cNvCxnSpPr>
+              <a:cxnSpLocks/>
+            </p:cNvCxnSpPr>
+            <p:nvPr/>
+          </p:nvCxnSpPr>
+          <p:spPr>
+            <a:xfrm>
+              <a:off x="6985000" y="5089587"/>
+              <a:ext cx="290754" cy="0"/>
+            </a:xfrm>
+            <a:prstGeom prst="line">
+              <a:avLst/>
+            </a:prstGeom>
+            <a:noFill/>
+            <a:ln w="15875" cap="flat" cmpd="sng" algn="ctr">
+              <a:solidFill>
+                <a:srgbClr val="000000">
+                  <a:lumMod val="95000"/>
+                  <a:lumOff val="5000"/>
+                </a:srgbClr>
+              </a:solidFill>
+              <a:prstDash val="solid"/>
+            </a:ln>
+            <a:effectLst/>
+          </p:spPr>
+        </p:cxnSp>
+      </p:grpSp>
+      <p:grpSp>
+        <p:nvGrpSpPr>
+          <p:cNvPr id="51" name="Group 50">
+            <a:extLst>
+              <a:ext uri="{FF2B5EF4-FFF2-40B4-BE49-F238E27FC236}">
+                <a16:creationId xmlns:a16="http://schemas.microsoft.com/office/drawing/2014/main" id="{7F8F9E3C-6A2E-756F-03B8-F369CB0A87AC}"/>
+              </a:ext>
+            </a:extLst>
+          </p:cNvPr>
+          <p:cNvGrpSpPr/>
+          <p:nvPr/>
+        </p:nvGrpSpPr>
+        <p:grpSpPr>
+          <a:xfrm>
+            <a:off x="3576392" y="3685056"/>
+            <a:ext cx="656665" cy="250799"/>
+            <a:chOff x="6985000" y="4827977"/>
+            <a:chExt cx="656665" cy="261610"/>
+          </a:xfrm>
+        </p:grpSpPr>
+        <p:sp>
+          <p:nvSpPr>
+            <p:cNvPr id="52" name="Rectangle 51">
+              <a:extLst>
+                <a:ext uri="{FF2B5EF4-FFF2-40B4-BE49-F238E27FC236}">
+                  <a16:creationId xmlns:a16="http://schemas.microsoft.com/office/drawing/2014/main" id="{8222E412-511C-C880-198A-F1AAD3107442}"/>
+                </a:ext>
+              </a:extLst>
+            </p:cNvPr>
+            <p:cNvSpPr/>
+            <p:nvPr/>
+          </p:nvSpPr>
+          <p:spPr>
+            <a:xfrm>
+              <a:off x="7520299" y="4827977"/>
+              <a:ext cx="121366" cy="261610"/>
+            </a:xfrm>
+            <a:prstGeom prst="rect">
+              <a:avLst/>
+            </a:prstGeom>
+            <a:noFill/>
+            <a:ln w="12700" cap="flat" cmpd="sng" algn="ctr">
+              <a:solidFill>
+                <a:srgbClr val="000000">
+                  <a:lumMod val="95000"/>
+                  <a:lumOff val="5000"/>
+                </a:srgbClr>
+              </a:solidFill>
+              <a:prstDash val="solid"/>
+              <a:miter lim="800000"/>
+            </a:ln>
+            <a:effectLst/>
+          </p:spPr>
+          <p:txBody>
+            <a:bodyPr rtlCol="0" anchor="ctr"/>
+            <a:lstStyle/>
+            <a:p>
+              <a:pPr marL="0" marR="0" lvl="0" indent="0" algn="ctr" defTabSz="304770" eaLnBrk="1" fontAlgn="auto" latinLnBrk="0" hangingPunct="1">
+                <a:lnSpc>
+                  <a:spcPct val="100000"/>
+                </a:lnSpc>
+                <a:spcBef>
+                  <a:spcPts val="0"/>
+                </a:spcBef>
+                <a:spcAft>
+                  <a:spcPts val="0"/>
+                </a:spcAft>
+                <a:buClrTx/>
+                <a:buSzTx/>
+                <a:buFontTx/>
+                <a:buNone/>
+                <a:tabLst/>
+                <a:defRPr/>
+              </a:pPr>
+              <a:endParaRPr kumimoji="0" lang="en-US" sz="467" b="0" i="0" u="none" strike="noStrike" kern="0" cap="none" spc="0" normalizeH="0" baseline="0" noProof="0" dirty="0">
+                <a:ln>
+                  <a:noFill/>
+                </a:ln>
+                <a:solidFill>
+                  <a:prstClr val="black"/>
+                </a:solidFill>
+                <a:effectLst/>
+                <a:uLnTx/>
+                <a:uFillTx/>
+                <a:latin typeface="Calibri" panose="020F0502020204030204"/>
+              </a:endParaRPr>
+            </a:p>
+          </p:txBody>
+        </p:sp>
+        <p:sp>
+          <p:nvSpPr>
+            <p:cNvPr id="53" name="Rectangle 52">
+              <a:extLst>
+                <a:ext uri="{FF2B5EF4-FFF2-40B4-BE49-F238E27FC236}">
+                  <a16:creationId xmlns:a16="http://schemas.microsoft.com/office/drawing/2014/main" id="{D8A27522-5917-A669-66AE-EFD6C038AF96}"/>
+                </a:ext>
+              </a:extLst>
+            </p:cNvPr>
+            <p:cNvSpPr/>
+            <p:nvPr/>
+          </p:nvSpPr>
+          <p:spPr>
+            <a:xfrm>
+              <a:off x="7398933" y="4827977"/>
+              <a:ext cx="121366" cy="261610"/>
+            </a:xfrm>
+            <a:prstGeom prst="rect">
+              <a:avLst/>
+            </a:prstGeom>
+            <a:noFill/>
+            <a:ln w="12700" cap="flat" cmpd="sng" algn="ctr">
+              <a:solidFill>
+                <a:srgbClr val="000000">
+                  <a:lumMod val="95000"/>
+                  <a:lumOff val="5000"/>
+                </a:srgbClr>
+              </a:solidFill>
+              <a:prstDash val="solid"/>
+              <a:miter lim="800000"/>
+            </a:ln>
+            <a:effectLst/>
+          </p:spPr>
+          <p:txBody>
+            <a:bodyPr rtlCol="0" anchor="ctr"/>
+            <a:lstStyle/>
+            <a:p>
+              <a:pPr marL="0" marR="0" lvl="0" indent="0" algn="ctr" defTabSz="304770" eaLnBrk="1" fontAlgn="auto" latinLnBrk="0" hangingPunct="1">
+                <a:lnSpc>
+                  <a:spcPct val="100000"/>
+                </a:lnSpc>
+                <a:spcBef>
+                  <a:spcPts val="0"/>
+                </a:spcBef>
+                <a:spcAft>
+                  <a:spcPts val="0"/>
+                </a:spcAft>
+                <a:buClrTx/>
+                <a:buSzTx/>
+                <a:buFontTx/>
+                <a:buNone/>
+                <a:tabLst/>
+                <a:defRPr/>
+              </a:pPr>
+              <a:endParaRPr kumimoji="0" lang="en-US" sz="467" b="0" i="0" u="none" strike="noStrike" kern="0" cap="none" spc="0" normalizeH="0" baseline="0" noProof="0" dirty="0">
+                <a:ln>
+                  <a:noFill/>
+                </a:ln>
+                <a:solidFill>
+                  <a:prstClr val="black"/>
+                </a:solidFill>
+                <a:effectLst/>
+                <a:uLnTx/>
+                <a:uFillTx/>
+                <a:latin typeface="Calibri" panose="020F0502020204030204"/>
+              </a:endParaRPr>
+            </a:p>
+          </p:txBody>
+        </p:sp>
+        <p:sp>
+          <p:nvSpPr>
+            <p:cNvPr id="54" name="Rectangle 53">
+              <a:extLst>
+                <a:ext uri="{FF2B5EF4-FFF2-40B4-BE49-F238E27FC236}">
+                  <a16:creationId xmlns:a16="http://schemas.microsoft.com/office/drawing/2014/main" id="{E2A02DB3-86F5-985C-0AA4-F4481AC84FA9}"/>
+                </a:ext>
+              </a:extLst>
+            </p:cNvPr>
+            <p:cNvSpPr/>
+            <p:nvPr/>
+          </p:nvSpPr>
+          <p:spPr>
+            <a:xfrm>
+              <a:off x="7275754" y="4827977"/>
+              <a:ext cx="121366" cy="261610"/>
+            </a:xfrm>
+            <a:prstGeom prst="rect">
+              <a:avLst/>
+            </a:prstGeom>
+            <a:noFill/>
+            <a:ln w="12700" cap="flat" cmpd="sng" algn="ctr">
+              <a:solidFill>
+                <a:srgbClr val="000000">
+                  <a:lumMod val="95000"/>
+                  <a:lumOff val="5000"/>
+                </a:srgbClr>
+              </a:solidFill>
+              <a:prstDash val="solid"/>
+              <a:miter lim="800000"/>
+            </a:ln>
+            <a:effectLst/>
+          </p:spPr>
+          <p:txBody>
+            <a:bodyPr rtlCol="0" anchor="ctr"/>
+            <a:lstStyle/>
+            <a:p>
+              <a:pPr marL="0" marR="0" lvl="0" indent="0" algn="ctr" defTabSz="304770" eaLnBrk="1" fontAlgn="auto" latinLnBrk="0" hangingPunct="1">
+                <a:lnSpc>
+                  <a:spcPct val="100000"/>
+                </a:lnSpc>
+                <a:spcBef>
+                  <a:spcPts val="0"/>
+                </a:spcBef>
+                <a:spcAft>
+                  <a:spcPts val="0"/>
+                </a:spcAft>
+                <a:buClrTx/>
+                <a:buSzTx/>
+                <a:buFontTx/>
+                <a:buNone/>
+                <a:tabLst/>
+                <a:defRPr/>
+              </a:pPr>
+              <a:endParaRPr kumimoji="0" lang="en-US" sz="467" b="0" i="0" u="none" strike="noStrike" kern="0" cap="none" spc="0" normalizeH="0" baseline="0" noProof="0" dirty="0">
+                <a:ln>
+                  <a:noFill/>
+                </a:ln>
+                <a:solidFill>
+                  <a:prstClr val="black"/>
+                </a:solidFill>
+                <a:effectLst/>
+                <a:uLnTx/>
+                <a:uFillTx/>
+                <a:latin typeface="Calibri" panose="020F0502020204030204"/>
+              </a:endParaRPr>
+            </a:p>
+          </p:txBody>
+        </p:sp>
+        <p:cxnSp>
+          <p:nvCxnSpPr>
+            <p:cNvPr id="55" name="Straight Connector 54">
+              <a:extLst>
+                <a:ext uri="{FF2B5EF4-FFF2-40B4-BE49-F238E27FC236}">
+                  <a16:creationId xmlns:a16="http://schemas.microsoft.com/office/drawing/2014/main" id="{6CF900F1-2E1D-9A58-C97A-620F3738C428}"/>
+                </a:ext>
+              </a:extLst>
+            </p:cNvPr>
+            <p:cNvCxnSpPr>
+              <a:cxnSpLocks/>
+            </p:cNvCxnSpPr>
+            <p:nvPr/>
+          </p:nvCxnSpPr>
+          <p:spPr>
+            <a:xfrm>
+              <a:off x="6985000" y="4827977"/>
+              <a:ext cx="290754" cy="0"/>
+            </a:xfrm>
+            <a:prstGeom prst="line">
+              <a:avLst/>
+            </a:prstGeom>
+            <a:noFill/>
+            <a:ln w="15875" cap="flat" cmpd="sng" algn="ctr">
+              <a:solidFill>
+                <a:srgbClr val="000000">
+                  <a:lumMod val="95000"/>
+                  <a:lumOff val="5000"/>
+                </a:srgbClr>
+              </a:solidFill>
+              <a:prstDash val="solid"/>
+            </a:ln>
+            <a:effectLst/>
+          </p:spPr>
+        </p:cxnSp>
+        <p:cxnSp>
+          <p:nvCxnSpPr>
+            <p:cNvPr id="56" name="Straight Connector 55">
+              <a:extLst>
+                <a:ext uri="{FF2B5EF4-FFF2-40B4-BE49-F238E27FC236}">
+                  <a16:creationId xmlns:a16="http://schemas.microsoft.com/office/drawing/2014/main" id="{2485F541-2710-2FCD-EFA2-BB023B5F7501}"/>
+                </a:ext>
+              </a:extLst>
+            </p:cNvPr>
+            <p:cNvCxnSpPr>
+              <a:cxnSpLocks/>
+            </p:cNvCxnSpPr>
+            <p:nvPr/>
+          </p:nvCxnSpPr>
+          <p:spPr>
+            <a:xfrm>
+              <a:off x="6985000" y="5089587"/>
+              <a:ext cx="290754" cy="0"/>
+            </a:xfrm>
+            <a:prstGeom prst="line">
+              <a:avLst/>
+            </a:prstGeom>
+            <a:noFill/>
+            <a:ln w="15875" cap="flat" cmpd="sng" algn="ctr">
+              <a:solidFill>
+                <a:srgbClr val="000000">
+                  <a:lumMod val="95000"/>
+                  <a:lumOff val="5000"/>
+                </a:srgbClr>
+              </a:solidFill>
+              <a:prstDash val="solid"/>
+            </a:ln>
+            <a:effectLst/>
+          </p:spPr>
+        </p:cxnSp>
+      </p:grpSp>
+      <p:grpSp>
+        <p:nvGrpSpPr>
+          <p:cNvPr id="57" name="Group 56">
+            <a:extLst>
+              <a:ext uri="{FF2B5EF4-FFF2-40B4-BE49-F238E27FC236}">
+                <a16:creationId xmlns:a16="http://schemas.microsoft.com/office/drawing/2014/main" id="{0A1B81C8-C7EC-0A1E-0D2A-5C66177BE1A8}"/>
+              </a:ext>
+            </a:extLst>
+          </p:cNvPr>
+          <p:cNvGrpSpPr/>
+          <p:nvPr/>
+        </p:nvGrpSpPr>
+        <p:grpSpPr>
+          <a:xfrm>
+            <a:off x="3576392" y="4380388"/>
+            <a:ext cx="656665" cy="250799"/>
+            <a:chOff x="6985000" y="4827977"/>
+            <a:chExt cx="656665" cy="261610"/>
+          </a:xfrm>
+        </p:grpSpPr>
+        <p:sp>
+          <p:nvSpPr>
+            <p:cNvPr id="58" name="Rectangle 57">
+              <a:extLst>
+                <a:ext uri="{FF2B5EF4-FFF2-40B4-BE49-F238E27FC236}">
+                  <a16:creationId xmlns:a16="http://schemas.microsoft.com/office/drawing/2014/main" id="{8B419F9E-F265-35BF-EB31-6B00C80A6BF3}"/>
+                </a:ext>
+              </a:extLst>
+            </p:cNvPr>
+            <p:cNvSpPr/>
+            <p:nvPr/>
+          </p:nvSpPr>
+          <p:spPr>
+            <a:xfrm>
+              <a:off x="7520299" y="4827977"/>
+              <a:ext cx="121366" cy="261610"/>
+            </a:xfrm>
+            <a:prstGeom prst="rect">
+              <a:avLst/>
+            </a:prstGeom>
+            <a:noFill/>
+            <a:ln w="12700" cap="flat" cmpd="sng" algn="ctr">
+              <a:solidFill>
+                <a:srgbClr val="000000">
+                  <a:lumMod val="95000"/>
+                  <a:lumOff val="5000"/>
+                </a:srgbClr>
+              </a:solidFill>
+              <a:prstDash val="solid"/>
+              <a:miter lim="800000"/>
+            </a:ln>
+            <a:effectLst/>
+          </p:spPr>
+          <p:txBody>
+            <a:bodyPr rtlCol="0" anchor="ctr"/>
+            <a:lstStyle/>
+            <a:p>
+              <a:pPr marL="0" marR="0" lvl="0" indent="0" algn="ctr" defTabSz="304770" eaLnBrk="1" fontAlgn="auto" latinLnBrk="0" hangingPunct="1">
+                <a:lnSpc>
+                  <a:spcPct val="100000"/>
+                </a:lnSpc>
+                <a:spcBef>
+                  <a:spcPts val="0"/>
+                </a:spcBef>
+                <a:spcAft>
+                  <a:spcPts val="0"/>
+                </a:spcAft>
+                <a:buClrTx/>
+                <a:buSzTx/>
+                <a:buFontTx/>
+                <a:buNone/>
+                <a:tabLst/>
+                <a:defRPr/>
+              </a:pPr>
+              <a:endParaRPr kumimoji="0" lang="en-US" sz="467" b="0" i="0" u="none" strike="noStrike" kern="0" cap="none" spc="0" normalizeH="0" baseline="0" noProof="0" dirty="0">
+                <a:ln>
+                  <a:noFill/>
+                </a:ln>
+                <a:solidFill>
+                  <a:prstClr val="black"/>
+                </a:solidFill>
+                <a:effectLst/>
+                <a:uLnTx/>
+                <a:uFillTx/>
+                <a:latin typeface="Calibri" panose="020F0502020204030204"/>
+              </a:endParaRPr>
+            </a:p>
+          </p:txBody>
+        </p:sp>
+        <p:sp>
+          <p:nvSpPr>
+            <p:cNvPr id="59" name="Rectangle 58">
+              <a:extLst>
+                <a:ext uri="{FF2B5EF4-FFF2-40B4-BE49-F238E27FC236}">
+                  <a16:creationId xmlns:a16="http://schemas.microsoft.com/office/drawing/2014/main" id="{EA77254D-C1DB-74C5-511A-987897EDB40C}"/>
+                </a:ext>
+              </a:extLst>
+            </p:cNvPr>
+            <p:cNvSpPr/>
+            <p:nvPr/>
+          </p:nvSpPr>
+          <p:spPr>
+            <a:xfrm>
+              <a:off x="7398933" y="4827977"/>
+              <a:ext cx="121366" cy="261610"/>
+            </a:xfrm>
+            <a:prstGeom prst="rect">
+              <a:avLst/>
+            </a:prstGeom>
+            <a:noFill/>
+            <a:ln w="12700" cap="flat" cmpd="sng" algn="ctr">
+              <a:solidFill>
+                <a:srgbClr val="000000">
+                  <a:lumMod val="95000"/>
+                  <a:lumOff val="5000"/>
+                </a:srgbClr>
+              </a:solidFill>
+              <a:prstDash val="solid"/>
+              <a:miter lim="800000"/>
+            </a:ln>
+            <a:effectLst/>
+          </p:spPr>
+          <p:txBody>
+            <a:bodyPr rtlCol="0" anchor="ctr"/>
+            <a:lstStyle/>
+            <a:p>
+              <a:pPr marL="0" marR="0" lvl="0" indent="0" algn="ctr" defTabSz="304770" eaLnBrk="1" fontAlgn="auto" latinLnBrk="0" hangingPunct="1">
+                <a:lnSpc>
+                  <a:spcPct val="100000"/>
+                </a:lnSpc>
+                <a:spcBef>
+                  <a:spcPts val="0"/>
+                </a:spcBef>
+                <a:spcAft>
+                  <a:spcPts val="0"/>
+                </a:spcAft>
+                <a:buClrTx/>
+                <a:buSzTx/>
+                <a:buFontTx/>
+                <a:buNone/>
+                <a:tabLst/>
+                <a:defRPr/>
+              </a:pPr>
+              <a:endParaRPr kumimoji="0" lang="en-US" sz="467" b="0" i="0" u="none" strike="noStrike" kern="0" cap="none" spc="0" normalizeH="0" baseline="0" noProof="0" dirty="0">
+                <a:ln>
+                  <a:noFill/>
+                </a:ln>
+                <a:solidFill>
+                  <a:prstClr val="black"/>
+                </a:solidFill>
+                <a:effectLst/>
+                <a:uLnTx/>
+                <a:uFillTx/>
+                <a:latin typeface="Calibri" panose="020F0502020204030204"/>
+              </a:endParaRPr>
+            </a:p>
+          </p:txBody>
+        </p:sp>
+        <p:sp>
+          <p:nvSpPr>
+            <p:cNvPr id="60" name="Rectangle 59">
+              <a:extLst>
+                <a:ext uri="{FF2B5EF4-FFF2-40B4-BE49-F238E27FC236}">
+                  <a16:creationId xmlns:a16="http://schemas.microsoft.com/office/drawing/2014/main" id="{483E94DD-5BB0-97B2-52C5-47D3AFEE5A7B}"/>
+                </a:ext>
+              </a:extLst>
+            </p:cNvPr>
+            <p:cNvSpPr/>
+            <p:nvPr/>
+          </p:nvSpPr>
+          <p:spPr>
+            <a:xfrm>
+              <a:off x="7275754" y="4827977"/>
+              <a:ext cx="121366" cy="261610"/>
+            </a:xfrm>
+            <a:prstGeom prst="rect">
+              <a:avLst/>
+            </a:prstGeom>
+            <a:noFill/>
+            <a:ln w="12700" cap="flat" cmpd="sng" algn="ctr">
+              <a:solidFill>
+                <a:srgbClr val="000000">
+                  <a:lumMod val="95000"/>
+                  <a:lumOff val="5000"/>
+                </a:srgbClr>
+              </a:solidFill>
+              <a:prstDash val="solid"/>
+              <a:miter lim="800000"/>
+            </a:ln>
+            <a:effectLst/>
+          </p:spPr>
+          <p:txBody>
+            <a:bodyPr rtlCol="0" anchor="ctr"/>
+            <a:lstStyle/>
+            <a:p>
+              <a:pPr marL="0" marR="0" lvl="0" indent="0" algn="ctr" defTabSz="304770" eaLnBrk="1" fontAlgn="auto" latinLnBrk="0" hangingPunct="1">
+                <a:lnSpc>
+                  <a:spcPct val="100000"/>
+                </a:lnSpc>
+                <a:spcBef>
+                  <a:spcPts val="0"/>
+                </a:spcBef>
+                <a:spcAft>
+                  <a:spcPts val="0"/>
+                </a:spcAft>
+                <a:buClrTx/>
+                <a:buSzTx/>
+                <a:buFontTx/>
+                <a:buNone/>
+                <a:tabLst/>
+                <a:defRPr/>
+              </a:pPr>
+              <a:endParaRPr kumimoji="0" lang="en-US" sz="467" b="0" i="0" u="none" strike="noStrike" kern="0" cap="none" spc="0" normalizeH="0" baseline="0" noProof="0" dirty="0">
+                <a:ln>
+                  <a:noFill/>
+                </a:ln>
+                <a:solidFill>
+                  <a:prstClr val="black"/>
+                </a:solidFill>
+                <a:effectLst/>
+                <a:uLnTx/>
+                <a:uFillTx/>
+                <a:latin typeface="Calibri" panose="020F0502020204030204"/>
+              </a:endParaRPr>
+            </a:p>
+          </p:txBody>
+        </p:sp>
+        <p:cxnSp>
+          <p:nvCxnSpPr>
+            <p:cNvPr id="61" name="Straight Connector 60">
+              <a:extLst>
+                <a:ext uri="{FF2B5EF4-FFF2-40B4-BE49-F238E27FC236}">
+                  <a16:creationId xmlns:a16="http://schemas.microsoft.com/office/drawing/2014/main" id="{67194FB7-EF90-5173-A6F3-32B60A0602E5}"/>
+                </a:ext>
+              </a:extLst>
+            </p:cNvPr>
+            <p:cNvCxnSpPr>
+              <a:cxnSpLocks/>
+            </p:cNvCxnSpPr>
+            <p:nvPr/>
+          </p:nvCxnSpPr>
+          <p:spPr>
+            <a:xfrm>
+              <a:off x="6985000" y="4827977"/>
+              <a:ext cx="290754" cy="0"/>
+            </a:xfrm>
+            <a:prstGeom prst="line">
+              <a:avLst/>
+            </a:prstGeom>
+            <a:noFill/>
+            <a:ln w="15875" cap="flat" cmpd="sng" algn="ctr">
+              <a:solidFill>
+                <a:srgbClr val="000000">
+                  <a:lumMod val="95000"/>
+                  <a:lumOff val="5000"/>
+                </a:srgbClr>
+              </a:solidFill>
+              <a:prstDash val="solid"/>
+            </a:ln>
+            <a:effectLst/>
+          </p:spPr>
+        </p:cxnSp>
+        <p:cxnSp>
+          <p:nvCxnSpPr>
+            <p:cNvPr id="62" name="Straight Connector 61">
+              <a:extLst>
+                <a:ext uri="{FF2B5EF4-FFF2-40B4-BE49-F238E27FC236}">
+                  <a16:creationId xmlns:a16="http://schemas.microsoft.com/office/drawing/2014/main" id="{0DA3EE9F-B19D-6856-5E20-DB038CCE79DA}"/>
+                </a:ext>
+              </a:extLst>
+            </p:cNvPr>
+            <p:cNvCxnSpPr>
+              <a:cxnSpLocks/>
+            </p:cNvCxnSpPr>
+            <p:nvPr/>
+          </p:nvCxnSpPr>
+          <p:spPr>
+            <a:xfrm>
+              <a:off x="6985000" y="5089587"/>
+              <a:ext cx="290754" cy="0"/>
+            </a:xfrm>
+            <a:prstGeom prst="line">
+              <a:avLst/>
+            </a:prstGeom>
+            <a:noFill/>
+            <a:ln w="15875" cap="flat" cmpd="sng" algn="ctr">
+              <a:solidFill>
+                <a:srgbClr val="000000">
+                  <a:lumMod val="95000"/>
+                  <a:lumOff val="5000"/>
+                </a:srgbClr>
+              </a:solidFill>
+              <a:prstDash val="solid"/>
+            </a:ln>
+            <a:effectLst/>
+          </p:spPr>
+        </p:cxnSp>
+      </p:grpSp>
+      <p:sp>
+        <p:nvSpPr>
+          <p:cNvPr id="63" name="TextBox 62">
+            <a:extLst>
+              <a:ext uri="{FF2B5EF4-FFF2-40B4-BE49-F238E27FC236}">
+                <a16:creationId xmlns:a16="http://schemas.microsoft.com/office/drawing/2014/main" id="{A33E3EB5-A726-8EFF-C507-3E1F931E3EA7}"/>
+              </a:ext>
+            </a:extLst>
+          </p:cNvPr>
+          <p:cNvSpPr txBox="1"/>
+          <p:nvPr/>
+        </p:nvSpPr>
+        <p:spPr>
+          <a:xfrm rot="5400000">
+            <a:off x="3846902" y="3979403"/>
+            <a:ext cx="343004" cy="400110"/>
+          </a:xfrm>
+          <a:prstGeom prst="rect">
+            <a:avLst/>
+          </a:prstGeom>
+          <a:noFill/>
+        </p:spPr>
+        <p:txBody>
+          <a:bodyPr wrap="square" rtlCol="0">
+            <a:spAutoFit/>
+          </a:bodyPr>
+          <a:lstStyle/>
+          <a:p>
+            <a:pPr algn="ctr"/>
+            <a:r>
+              <a:rPr lang="en-US" sz="2000" dirty="0">
+                <a:solidFill>
+                  <a:srgbClr val="000000"/>
+                </a:solidFill>
+                <a:latin typeface="NVIDIA Sans" panose="020B0503020203020204" pitchFamily="34" charset="0"/>
+                <a:cs typeface="NVIDIA Sans" panose="020B0503020203020204" pitchFamily="34" charset="0"/>
+              </a:rPr>
+              <a:t>…</a:t>
+            </a:r>
+          </a:p>
+        </p:txBody>
+      </p:sp>
+      <p:cxnSp>
+        <p:nvCxnSpPr>
+          <p:cNvPr id="65" name="Straight Arrow Connector 64">
+            <a:extLst>
+              <a:ext uri="{FF2B5EF4-FFF2-40B4-BE49-F238E27FC236}">
+                <a16:creationId xmlns:a16="http://schemas.microsoft.com/office/drawing/2014/main" id="{32BAA868-C760-78C7-7D3C-0E1199C3C81D}"/>
+              </a:ext>
+            </a:extLst>
+          </p:cNvPr>
+          <p:cNvCxnSpPr>
+            <a:cxnSpLocks/>
+          </p:cNvCxnSpPr>
+          <p:nvPr/>
+        </p:nvCxnSpPr>
+        <p:spPr>
+          <a:xfrm flipV="1">
+            <a:off x="2998509" y="3415375"/>
+            <a:ext cx="577883" cy="437661"/>
+          </a:xfrm>
+          <a:prstGeom prst="straightConnector1">
+            <a:avLst/>
+          </a:prstGeom>
+          <a:noFill/>
+          <a:ln w="15875" cap="flat" cmpd="sng" algn="ctr">
+            <a:solidFill>
+              <a:srgbClr val="8C8C8C"/>
+            </a:solidFill>
+            <a:prstDash val="dash"/>
+            <a:tailEnd type="triangle"/>
+          </a:ln>
+          <a:effectLst/>
+        </p:spPr>
+      </p:cxnSp>
+      <p:cxnSp>
+        <p:nvCxnSpPr>
+          <p:cNvPr id="66" name="Straight Arrow Connector 65">
+            <a:extLst>
+              <a:ext uri="{FF2B5EF4-FFF2-40B4-BE49-F238E27FC236}">
+                <a16:creationId xmlns:a16="http://schemas.microsoft.com/office/drawing/2014/main" id="{EDA14239-0817-7CF3-77CB-F8DC1C40EDCB}"/>
+              </a:ext>
+            </a:extLst>
+          </p:cNvPr>
+          <p:cNvCxnSpPr>
+            <a:cxnSpLocks/>
+          </p:cNvCxnSpPr>
+          <p:nvPr/>
+        </p:nvCxnSpPr>
+        <p:spPr>
+          <a:xfrm flipV="1">
+            <a:off x="2998509" y="3853036"/>
+            <a:ext cx="560950" cy="140134"/>
+          </a:xfrm>
+          <a:prstGeom prst="straightConnector1">
+            <a:avLst/>
+          </a:prstGeom>
+          <a:noFill/>
+          <a:ln w="15875" cap="flat" cmpd="sng" algn="ctr">
+            <a:solidFill>
+              <a:srgbClr val="8C8C8C"/>
+            </a:solidFill>
+            <a:prstDash val="dash"/>
+            <a:tailEnd type="triangle"/>
+          </a:ln>
+          <a:effectLst/>
+        </p:spPr>
+      </p:cxnSp>
+      <p:cxnSp>
+        <p:nvCxnSpPr>
+          <p:cNvPr id="67" name="Straight Arrow Connector 66">
+            <a:extLst>
+              <a:ext uri="{FF2B5EF4-FFF2-40B4-BE49-F238E27FC236}">
+                <a16:creationId xmlns:a16="http://schemas.microsoft.com/office/drawing/2014/main" id="{BDE3F361-6BA1-FF67-B8EF-A764576C9A2E}"/>
+              </a:ext>
+            </a:extLst>
+          </p:cNvPr>
+          <p:cNvCxnSpPr>
+            <a:cxnSpLocks/>
+          </p:cNvCxnSpPr>
+          <p:nvPr/>
+        </p:nvCxnSpPr>
+        <p:spPr>
+          <a:xfrm>
+            <a:off x="2998509" y="4146657"/>
+            <a:ext cx="560950" cy="385028"/>
+          </a:xfrm>
+          <a:prstGeom prst="straightConnector1">
+            <a:avLst/>
+          </a:prstGeom>
+          <a:noFill/>
+          <a:ln w="15875" cap="flat" cmpd="sng" algn="ctr">
+            <a:solidFill>
+              <a:srgbClr val="8C8C8C"/>
+            </a:solidFill>
+            <a:prstDash val="dash"/>
+            <a:tailEnd type="triangle"/>
+          </a:ln>
+          <a:effectLst/>
+        </p:spPr>
+      </p:cxnSp>
+      <p:sp>
+        <p:nvSpPr>
+          <p:cNvPr id="69" name="TextBox 68">
+            <a:extLst>
+              <a:ext uri="{FF2B5EF4-FFF2-40B4-BE49-F238E27FC236}">
+                <a16:creationId xmlns:a16="http://schemas.microsoft.com/office/drawing/2014/main" id="{56ABBD28-FB96-0138-014A-0B09E576CA76}"/>
+              </a:ext>
+            </a:extLst>
+          </p:cNvPr>
+          <p:cNvSpPr txBox="1"/>
+          <p:nvPr/>
+        </p:nvSpPr>
+        <p:spPr>
+          <a:xfrm>
+            <a:off x="4629326" y="3705022"/>
+            <a:ext cx="753731" cy="461665"/>
+          </a:xfrm>
+          <a:prstGeom prst="rect">
+            <a:avLst/>
+          </a:prstGeom>
+          <a:gradFill rotWithShape="1">
+            <a:gsLst>
+              <a:gs pos="0">
+                <a:srgbClr val="008564">
+                  <a:tint val="50000"/>
+                  <a:satMod val="300000"/>
+                </a:srgbClr>
+              </a:gs>
+              <a:gs pos="35000">
+                <a:srgbClr val="008564">
+                  <a:tint val="37000"/>
+                  <a:satMod val="300000"/>
+                </a:srgbClr>
+              </a:gs>
+              <a:gs pos="100000">
+                <a:srgbClr val="008564">
+                  <a:tint val="15000"/>
+                  <a:satMod val="350000"/>
+                </a:srgbClr>
+              </a:gs>
+            </a:gsLst>
+            <a:lin ang="16200000" scaled="1"/>
+          </a:gradFill>
+          <a:ln w="9525" cap="flat" cmpd="sng" algn="ctr">
+            <a:solidFill>
+              <a:srgbClr val="008564">
+                <a:shade val="95000"/>
+                <a:satMod val="105000"/>
+              </a:srgbClr>
+            </a:solidFill>
+            <a:prstDash val="solid"/>
+          </a:ln>
+          <a:effectLst>
+            <a:outerShdw blurRad="40000" dist="20000" dir="5400000" rotWithShape="0">
+              <a:srgbClr val="000000">
+                <a:alpha val="38000"/>
+              </a:srgbClr>
+            </a:outerShdw>
+          </a:effectLst>
+        </p:spPr>
+        <p:txBody>
+          <a:bodyPr wrap="none" rtlCol="0">
+            <a:spAutoFit/>
+          </a:bodyPr>
+          <a:lstStyle/>
+          <a:p>
+            <a:pPr marL="0" marR="0" lvl="0" indent="0" algn="ctr" defTabSz="914400" eaLnBrk="1" fontAlgn="auto" latinLnBrk="0" hangingPunct="1">
+              <a:lnSpc>
+                <a:spcPct val="100000"/>
+              </a:lnSpc>
+              <a:spcBef>
+                <a:spcPts val="0"/>
+              </a:spcBef>
+              <a:spcAft>
+                <a:spcPts val="0"/>
+              </a:spcAft>
+              <a:buClrTx/>
+              <a:buSzTx/>
+              <a:buFontTx/>
+              <a:buNone/>
+              <a:tabLst/>
+              <a:defRPr/>
+            </a:pPr>
+            <a:r>
+              <a:rPr kumimoji="0" lang="en-US" sz="1200" b="0" i="0" u="none" strike="noStrike" kern="0" cap="none" spc="0" normalizeH="0" baseline="0" noProof="0" dirty="0">
+                <a:ln>
+                  <a:noFill/>
+                </a:ln>
+                <a:solidFill>
+                  <a:srgbClr val="000000"/>
+                </a:solidFill>
+                <a:effectLst/>
+                <a:uLnTx/>
+                <a:uFillTx/>
+                <a:latin typeface="NVIDIA Sans" panose="020B0503020203020204" pitchFamily="34" charset="0"/>
+                <a:ea typeface="+mn-ea"/>
+                <a:cs typeface="NVIDIA Sans" panose="020B0503020203020204" pitchFamily="34" charset="0"/>
+              </a:rPr>
+              <a:t>PF </a:t>
+            </a:r>
+            <a:r>
+              <a:rPr kumimoji="0" lang="en-US" sz="1200" b="0" i="0" u="none" strike="noStrike" kern="0" cap="none" spc="0" normalizeH="0" baseline="0" noProof="0" dirty="0" err="1">
+                <a:ln>
+                  <a:noFill/>
+                </a:ln>
+                <a:solidFill>
+                  <a:srgbClr val="000000"/>
+                </a:solidFill>
+                <a:effectLst/>
+                <a:uLnTx/>
+                <a:uFillTx/>
+                <a:latin typeface="NVIDIA Sans" panose="020B0503020203020204" pitchFamily="34" charset="0"/>
+                <a:ea typeface="+mn-ea"/>
+                <a:cs typeface="NVIDIA Sans" panose="020B0503020203020204" pitchFamily="34" charset="0"/>
+              </a:rPr>
+              <a:t>repr</a:t>
+            </a:r>
+            <a:r>
+              <a:rPr kumimoji="0" lang="en-US" sz="1200" b="0" i="0" u="none" strike="noStrike" kern="0" cap="none" spc="0" normalizeH="0" baseline="0" noProof="0" dirty="0">
+                <a:ln>
+                  <a:noFill/>
+                </a:ln>
+                <a:solidFill>
+                  <a:srgbClr val="000000"/>
+                </a:solidFill>
+                <a:effectLst/>
+                <a:uLnTx/>
+                <a:uFillTx/>
+                <a:latin typeface="NVIDIA Sans" panose="020B0503020203020204" pitchFamily="34" charset="0"/>
+                <a:ea typeface="+mn-ea"/>
+                <a:cs typeface="NVIDIA Sans" panose="020B0503020203020204" pitchFamily="34" charset="0"/>
+              </a:rPr>
+              <a:t> </a:t>
+            </a:r>
+          </a:p>
+          <a:p>
+            <a:pPr marL="0" marR="0" lvl="0" indent="0" algn="ctr" defTabSz="914400" eaLnBrk="1" fontAlgn="auto" latinLnBrk="0" hangingPunct="1">
+              <a:lnSpc>
+                <a:spcPct val="100000"/>
+              </a:lnSpc>
+              <a:spcBef>
+                <a:spcPts val="0"/>
+              </a:spcBef>
+              <a:spcAft>
+                <a:spcPts val="0"/>
+              </a:spcAft>
+              <a:buClrTx/>
+              <a:buSzTx/>
+              <a:buFontTx/>
+              <a:buNone/>
+              <a:tabLst/>
+              <a:defRPr/>
+            </a:pPr>
+            <a:r>
+              <a:rPr kumimoji="0" lang="en-US" sz="1200" b="0" i="0" u="none" strike="noStrike" kern="0" cap="none" spc="0" normalizeH="0" baseline="0" noProof="0" dirty="0">
+                <a:ln>
+                  <a:noFill/>
+                </a:ln>
+                <a:solidFill>
+                  <a:srgbClr val="000000"/>
+                </a:solidFill>
+                <a:effectLst/>
+                <a:uLnTx/>
+                <a:uFillTx/>
+                <a:latin typeface="NVIDIA Sans" panose="020B0503020203020204" pitchFamily="34" charset="0"/>
+                <a:ea typeface="+mn-ea"/>
+                <a:cs typeface="NVIDIA Sans" panose="020B0503020203020204" pitchFamily="34" charset="0"/>
+              </a:rPr>
+              <a:t>RXQ</a:t>
+            </a:r>
+          </a:p>
+        </p:txBody>
+      </p:sp>
+      <p:sp>
+        <p:nvSpPr>
+          <p:cNvPr id="70" name="TextBox 69">
+            <a:extLst>
+              <a:ext uri="{FF2B5EF4-FFF2-40B4-BE49-F238E27FC236}">
+                <a16:creationId xmlns:a16="http://schemas.microsoft.com/office/drawing/2014/main" id="{09770520-C4E9-F323-8E01-7C8911BEE8AB}"/>
+              </a:ext>
+            </a:extLst>
+          </p:cNvPr>
+          <p:cNvSpPr txBox="1"/>
+          <p:nvPr/>
+        </p:nvSpPr>
+        <p:spPr>
+          <a:xfrm>
+            <a:off x="5618441" y="4380388"/>
+            <a:ext cx="598241" cy="276999"/>
+          </a:xfrm>
+          <a:prstGeom prst="rect">
+            <a:avLst/>
+          </a:prstGeom>
+          <a:gradFill rotWithShape="1">
+            <a:gsLst>
+              <a:gs pos="0">
+                <a:srgbClr val="008564">
+                  <a:tint val="50000"/>
+                  <a:satMod val="300000"/>
+                </a:srgbClr>
+              </a:gs>
+              <a:gs pos="35000">
+                <a:srgbClr val="008564">
+                  <a:tint val="37000"/>
+                  <a:satMod val="300000"/>
+                </a:srgbClr>
+              </a:gs>
+              <a:gs pos="100000">
+                <a:srgbClr val="008564">
+                  <a:tint val="15000"/>
+                  <a:satMod val="350000"/>
+                </a:srgbClr>
+              </a:gs>
+            </a:gsLst>
+            <a:lin ang="16200000" scaled="1"/>
+          </a:gradFill>
+          <a:ln w="9525" cap="flat" cmpd="sng" algn="ctr">
+            <a:solidFill>
+              <a:srgbClr val="008564">
+                <a:shade val="95000"/>
+                <a:satMod val="105000"/>
+              </a:srgbClr>
+            </a:solidFill>
+            <a:prstDash val="solid"/>
+          </a:ln>
+          <a:effectLst>
+            <a:outerShdw blurRad="40000" dist="20000" dir="5400000" rotWithShape="0">
+              <a:srgbClr val="000000">
+                <a:alpha val="38000"/>
+              </a:srgbClr>
+            </a:outerShdw>
+          </a:effectLst>
+        </p:spPr>
+        <p:txBody>
+          <a:bodyPr wrap="none" rtlCol="0">
+            <a:spAutoFit/>
+          </a:bodyPr>
+          <a:lstStyle/>
+          <a:p>
+            <a:pPr marL="0" marR="0" lvl="0" indent="0" algn="ctr" defTabSz="914400" eaLnBrk="1" fontAlgn="auto" latinLnBrk="0" hangingPunct="1">
+              <a:lnSpc>
+                <a:spcPct val="100000"/>
+              </a:lnSpc>
+              <a:spcBef>
+                <a:spcPts val="0"/>
+              </a:spcBef>
+              <a:spcAft>
+                <a:spcPts val="0"/>
+              </a:spcAft>
+              <a:buClrTx/>
+              <a:buSzTx/>
+              <a:buFontTx/>
+              <a:buNone/>
+              <a:tabLst/>
+              <a:defRPr/>
+            </a:pPr>
+            <a:r>
+              <a:rPr kumimoji="0" lang="en-US" sz="1200" b="0" i="0" u="none" strike="noStrike" kern="0" cap="none" spc="0" normalizeH="0" baseline="0" noProof="0" dirty="0" err="1">
+                <a:ln>
+                  <a:noFill/>
+                </a:ln>
+                <a:solidFill>
+                  <a:srgbClr val="000000"/>
+                </a:solidFill>
+                <a:effectLst/>
+                <a:uLnTx/>
+                <a:uFillTx/>
+                <a:latin typeface="NVIDIA Sans" panose="020B0503020203020204" pitchFamily="34" charset="0"/>
+                <a:ea typeface="+mn-ea"/>
+                <a:cs typeface="NVIDIA Sans" panose="020B0503020203020204" pitchFamily="34" charset="0"/>
+              </a:rPr>
+              <a:t>reprN</a:t>
+            </a:r>
+            <a:endParaRPr kumimoji="0" lang="en-US" sz="1200" b="0" i="0" u="none" strike="noStrike" kern="0" cap="none" spc="0" normalizeH="0" baseline="0" noProof="0" dirty="0">
+              <a:ln>
+                <a:noFill/>
+              </a:ln>
+              <a:solidFill>
+                <a:srgbClr val="000000"/>
+              </a:solidFill>
+              <a:effectLst/>
+              <a:uLnTx/>
+              <a:uFillTx/>
+              <a:latin typeface="NVIDIA Sans" panose="020B0503020203020204" pitchFamily="34" charset="0"/>
+              <a:ea typeface="+mn-ea"/>
+              <a:cs typeface="NVIDIA Sans" panose="020B0503020203020204" pitchFamily="34" charset="0"/>
+            </a:endParaRPr>
+          </a:p>
+        </p:txBody>
+      </p:sp>
+      <p:sp>
+        <p:nvSpPr>
+          <p:cNvPr id="71" name="TextBox 70">
+            <a:extLst>
+              <a:ext uri="{FF2B5EF4-FFF2-40B4-BE49-F238E27FC236}">
+                <a16:creationId xmlns:a16="http://schemas.microsoft.com/office/drawing/2014/main" id="{199D1094-CEAE-A17E-B73E-A5CD531D8EBA}"/>
+              </a:ext>
+            </a:extLst>
+          </p:cNvPr>
+          <p:cNvSpPr txBox="1"/>
+          <p:nvPr/>
+        </p:nvSpPr>
+        <p:spPr>
+          <a:xfrm>
+            <a:off x="3264826" y="3024552"/>
+            <a:ext cx="1326005" cy="246221"/>
+          </a:xfrm>
+          <a:prstGeom prst="rect">
+            <a:avLst/>
+          </a:prstGeom>
+          <a:noFill/>
+        </p:spPr>
+        <p:txBody>
+          <a:bodyPr wrap="none" rtlCol="0">
+            <a:spAutoFit/>
+          </a:bodyPr>
+          <a:lstStyle/>
+          <a:p>
+            <a:pPr algn="ctr"/>
+            <a:r>
+              <a:rPr lang="en-US" sz="1000" dirty="0">
+                <a:solidFill>
+                  <a:srgbClr val="000000"/>
+                </a:solidFill>
+                <a:latin typeface="NVIDIA Sans" panose="020B0503020203020204" pitchFamily="34" charset="0"/>
+                <a:cs typeface="NVIDIA Sans" panose="020B0503020203020204" pitchFamily="34" charset="0"/>
+              </a:rPr>
+              <a:t>HW meter Buckets</a:t>
+            </a:r>
+          </a:p>
+        </p:txBody>
+      </p:sp>
+      <p:sp>
+        <p:nvSpPr>
+          <p:cNvPr id="72" name="TextBox 71">
+            <a:extLst>
+              <a:ext uri="{FF2B5EF4-FFF2-40B4-BE49-F238E27FC236}">
+                <a16:creationId xmlns:a16="http://schemas.microsoft.com/office/drawing/2014/main" id="{D3A81272-8CE3-F35F-C212-5BC1D61AC2D4}"/>
+              </a:ext>
+            </a:extLst>
+          </p:cNvPr>
+          <p:cNvSpPr txBox="1"/>
+          <p:nvPr/>
+        </p:nvSpPr>
+        <p:spPr>
+          <a:xfrm>
+            <a:off x="5639280" y="3251070"/>
+            <a:ext cx="577402" cy="276999"/>
+          </a:xfrm>
+          <a:prstGeom prst="rect">
+            <a:avLst/>
+          </a:prstGeom>
+          <a:gradFill rotWithShape="1">
+            <a:gsLst>
+              <a:gs pos="0">
+                <a:srgbClr val="008564">
+                  <a:tint val="50000"/>
+                  <a:satMod val="300000"/>
+                </a:srgbClr>
+              </a:gs>
+              <a:gs pos="35000">
+                <a:srgbClr val="008564">
+                  <a:tint val="37000"/>
+                  <a:satMod val="300000"/>
+                </a:srgbClr>
+              </a:gs>
+              <a:gs pos="100000">
+                <a:srgbClr val="008564">
+                  <a:tint val="15000"/>
+                  <a:satMod val="350000"/>
+                </a:srgbClr>
+              </a:gs>
+            </a:gsLst>
+            <a:lin ang="16200000" scaled="1"/>
+          </a:gradFill>
+          <a:ln w="9525" cap="flat" cmpd="sng" algn="ctr">
+            <a:solidFill>
+              <a:srgbClr val="008564">
+                <a:shade val="95000"/>
+                <a:satMod val="105000"/>
+              </a:srgbClr>
+            </a:solidFill>
+            <a:prstDash val="solid"/>
+          </a:ln>
+          <a:effectLst>
+            <a:outerShdw blurRad="40000" dist="20000" dir="5400000" rotWithShape="0">
+              <a:srgbClr val="000000">
+                <a:alpha val="38000"/>
+              </a:srgbClr>
+            </a:outerShdw>
+          </a:effectLst>
+        </p:spPr>
+        <p:txBody>
+          <a:bodyPr wrap="none" rtlCol="0">
+            <a:spAutoFit/>
+          </a:bodyPr>
+          <a:lstStyle/>
+          <a:p>
+            <a:pPr marL="0" marR="0" lvl="0" indent="0" algn="ctr" defTabSz="914400" eaLnBrk="1" fontAlgn="auto" latinLnBrk="0" hangingPunct="1">
+              <a:lnSpc>
+                <a:spcPct val="100000"/>
+              </a:lnSpc>
+              <a:spcBef>
+                <a:spcPts val="0"/>
+              </a:spcBef>
+              <a:spcAft>
+                <a:spcPts val="0"/>
+              </a:spcAft>
+              <a:buClrTx/>
+              <a:buSzTx/>
+              <a:buFontTx/>
+              <a:buNone/>
+              <a:tabLst/>
+              <a:defRPr/>
+            </a:pPr>
+            <a:r>
+              <a:rPr kumimoji="0" lang="en-US" sz="1200" b="0" i="0" u="none" strike="noStrike" kern="0" cap="none" spc="0" normalizeH="0" baseline="0" noProof="0" dirty="0">
+                <a:ln>
+                  <a:noFill/>
+                </a:ln>
+                <a:solidFill>
+                  <a:srgbClr val="000000"/>
+                </a:solidFill>
+                <a:effectLst/>
+                <a:uLnTx/>
+                <a:uFillTx/>
+                <a:latin typeface="NVIDIA Sans" panose="020B0503020203020204" pitchFamily="34" charset="0"/>
+                <a:ea typeface="+mn-ea"/>
+                <a:cs typeface="NVIDIA Sans" panose="020B0503020203020204" pitchFamily="34" charset="0"/>
+              </a:rPr>
+              <a:t>repr1</a:t>
+            </a:r>
+          </a:p>
+        </p:txBody>
+      </p:sp>
+      <p:sp>
+        <p:nvSpPr>
+          <p:cNvPr id="73" name="TextBox 72">
+            <a:extLst>
+              <a:ext uri="{FF2B5EF4-FFF2-40B4-BE49-F238E27FC236}">
+                <a16:creationId xmlns:a16="http://schemas.microsoft.com/office/drawing/2014/main" id="{66DE66C0-8727-E68B-7F5A-FAFC46E5847B}"/>
+              </a:ext>
+            </a:extLst>
+          </p:cNvPr>
+          <p:cNvSpPr txBox="1"/>
+          <p:nvPr/>
+        </p:nvSpPr>
+        <p:spPr>
+          <a:xfrm rot="5400000">
+            <a:off x="5825387" y="3855319"/>
+            <a:ext cx="343004" cy="400110"/>
+          </a:xfrm>
+          <a:prstGeom prst="rect">
+            <a:avLst/>
+          </a:prstGeom>
+          <a:noFill/>
+        </p:spPr>
+        <p:txBody>
+          <a:bodyPr wrap="square" rtlCol="0">
+            <a:spAutoFit/>
+          </a:bodyPr>
+          <a:lstStyle/>
+          <a:p>
+            <a:pPr algn="ctr"/>
+            <a:r>
+              <a:rPr lang="en-US" sz="2000" dirty="0">
+                <a:solidFill>
+                  <a:srgbClr val="000000"/>
+                </a:solidFill>
+                <a:latin typeface="NVIDIA Sans" panose="020B0503020203020204" pitchFamily="34" charset="0"/>
+                <a:cs typeface="NVIDIA Sans" panose="020B0503020203020204" pitchFamily="34" charset="0"/>
+              </a:rPr>
+              <a:t>…</a:t>
+            </a:r>
+          </a:p>
+        </p:txBody>
+      </p:sp>
+      <p:sp>
+        <p:nvSpPr>
+          <p:cNvPr id="74" name="TextBox 73">
+            <a:extLst>
+              <a:ext uri="{FF2B5EF4-FFF2-40B4-BE49-F238E27FC236}">
+                <a16:creationId xmlns:a16="http://schemas.microsoft.com/office/drawing/2014/main" id="{840243E1-869D-AA4E-AEA7-33D05EAF64A5}"/>
+              </a:ext>
+            </a:extLst>
+          </p:cNvPr>
+          <p:cNvSpPr txBox="1"/>
+          <p:nvPr/>
+        </p:nvSpPr>
+        <p:spPr>
+          <a:xfrm>
+            <a:off x="2147047" y="3822223"/>
+            <a:ext cx="780984" cy="276999"/>
+          </a:xfrm>
+          <a:prstGeom prst="rect">
+            <a:avLst/>
+          </a:prstGeom>
+          <a:gradFill rotWithShape="1">
+            <a:gsLst>
+              <a:gs pos="0">
+                <a:srgbClr val="890C58">
+                  <a:tint val="50000"/>
+                  <a:satMod val="300000"/>
+                </a:srgbClr>
+              </a:gs>
+              <a:gs pos="35000">
+                <a:srgbClr val="890C58">
+                  <a:tint val="37000"/>
+                  <a:satMod val="300000"/>
+                </a:srgbClr>
+              </a:gs>
+              <a:gs pos="100000">
+                <a:srgbClr val="890C58">
+                  <a:tint val="15000"/>
+                  <a:satMod val="350000"/>
+                </a:srgbClr>
+              </a:gs>
+            </a:gsLst>
+            <a:lin ang="16200000" scaled="1"/>
+          </a:gradFill>
+          <a:ln w="9525" cap="flat" cmpd="sng" algn="ctr">
+            <a:solidFill>
+              <a:srgbClr val="890C58">
+                <a:shade val="95000"/>
+                <a:satMod val="105000"/>
+              </a:srgbClr>
+            </a:solidFill>
+            <a:prstDash val="solid"/>
+          </a:ln>
+          <a:effectLst>
+            <a:outerShdw blurRad="40000" dist="20000" dir="5400000" rotWithShape="0">
+              <a:srgbClr val="000000">
+                <a:alpha val="38000"/>
+              </a:srgbClr>
+            </a:outerShdw>
+          </a:effectLst>
+        </p:spPr>
+        <p:txBody>
+          <a:bodyPr wrap="none" rtlCol="0">
+            <a:spAutoFit/>
+          </a:bodyPr>
+          <a:lstStyle/>
+          <a:p>
+            <a:pPr marL="0" marR="0" lvl="0" indent="0" algn="ctr" defTabSz="914400" eaLnBrk="1" fontAlgn="auto" latinLnBrk="0" hangingPunct="1">
+              <a:lnSpc>
+                <a:spcPct val="100000"/>
+              </a:lnSpc>
+              <a:spcBef>
+                <a:spcPts val="0"/>
+              </a:spcBef>
+              <a:spcAft>
+                <a:spcPts val="0"/>
+              </a:spcAft>
+              <a:buClrTx/>
+              <a:buSzTx/>
+              <a:buFontTx/>
+              <a:buNone/>
+              <a:tabLst/>
+              <a:defRPr/>
+            </a:pPr>
+            <a:r>
+              <a:rPr kumimoji="0" lang="en-US" sz="1200" b="0" i="0" u="none" strike="noStrike" kern="0" cap="none" spc="0" normalizeH="0" baseline="0" noProof="0" dirty="0">
+                <a:ln>
+                  <a:noFill/>
+                </a:ln>
+                <a:solidFill>
+                  <a:srgbClr val="000000"/>
+                </a:solidFill>
+                <a:effectLst/>
+                <a:uLnTx/>
+                <a:uFillTx/>
+                <a:latin typeface="NVIDIA Sans" panose="020B0503020203020204" pitchFamily="34" charset="0"/>
+                <a:ea typeface="+mn-ea"/>
+                <a:cs typeface="NVIDIA Sans" panose="020B0503020203020204" pitchFamily="34" charset="0"/>
+              </a:rPr>
+              <a:t>steering</a:t>
+            </a:r>
+          </a:p>
+        </p:txBody>
+      </p:sp>
+      <p:cxnSp>
+        <p:nvCxnSpPr>
+          <p:cNvPr id="92" name="Straight Arrow Connector 91">
+            <a:extLst>
+              <a:ext uri="{FF2B5EF4-FFF2-40B4-BE49-F238E27FC236}">
+                <a16:creationId xmlns:a16="http://schemas.microsoft.com/office/drawing/2014/main" id="{15328191-D8C1-701F-4A44-4ED1C51530CE}"/>
+              </a:ext>
+            </a:extLst>
+          </p:cNvPr>
+          <p:cNvCxnSpPr>
+            <a:cxnSpLocks/>
+          </p:cNvCxnSpPr>
+          <p:nvPr/>
+        </p:nvCxnSpPr>
+        <p:spPr>
+          <a:xfrm>
+            <a:off x="4246594" y="3963778"/>
+            <a:ext cx="344237" cy="0"/>
+          </a:xfrm>
+          <a:prstGeom prst="straightConnector1">
+            <a:avLst/>
+          </a:prstGeom>
+          <a:ln w="50800">
+            <a:solidFill>
+              <a:schemeClr val="accent5"/>
+            </a:solidFill>
+            <a:prstDash val="solid"/>
+            <a:tailEnd type="triangle"/>
+          </a:ln>
+        </p:spPr>
+        <p:style>
+          <a:lnRef idx="1">
+            <a:schemeClr val="accent1"/>
+          </a:lnRef>
+          <a:fillRef idx="0">
+            <a:schemeClr val="accent1"/>
+          </a:fillRef>
+          <a:effectRef idx="0">
+            <a:schemeClr val="accent1"/>
+          </a:effectRef>
+          <a:fontRef idx="minor">
+            <a:schemeClr val="tx1"/>
+          </a:fontRef>
+        </p:style>
+      </p:cxnSp>
+      <p:sp>
+        <p:nvSpPr>
+          <p:cNvPr id="93" name="TextBox 92">
+            <a:extLst>
+              <a:ext uri="{FF2B5EF4-FFF2-40B4-BE49-F238E27FC236}">
+                <a16:creationId xmlns:a16="http://schemas.microsoft.com/office/drawing/2014/main" id="{4FF6D0D2-0251-2F7A-D893-E2175D8B49EB}"/>
+              </a:ext>
+            </a:extLst>
+          </p:cNvPr>
+          <p:cNvSpPr txBox="1"/>
+          <p:nvPr/>
+        </p:nvSpPr>
+        <p:spPr>
+          <a:xfrm>
+            <a:off x="3762334" y="4600956"/>
+            <a:ext cx="987771" cy="246221"/>
+          </a:xfrm>
+          <a:prstGeom prst="rect">
+            <a:avLst/>
+          </a:prstGeom>
+          <a:noFill/>
+        </p:spPr>
+        <p:txBody>
+          <a:bodyPr wrap="none" rtlCol="0">
+            <a:spAutoFit/>
+          </a:bodyPr>
+          <a:lstStyle/>
+          <a:p>
+            <a:pPr marL="0" marR="0" lvl="0" indent="0" algn="ctr" defTabSz="914400" rtl="0" eaLnBrk="1" fontAlgn="auto" latinLnBrk="0" hangingPunct="1">
+              <a:lnSpc>
+                <a:spcPct val="100000"/>
+              </a:lnSpc>
+              <a:spcBef>
+                <a:spcPts val="0"/>
+              </a:spcBef>
+              <a:spcAft>
+                <a:spcPts val="0"/>
+              </a:spcAft>
+              <a:buClrTx/>
+              <a:buSzTx/>
+              <a:buFontTx/>
+              <a:buNone/>
+              <a:tabLst/>
+              <a:defRPr/>
+            </a:pPr>
+            <a:r>
+              <a:rPr kumimoji="0" lang="en-US" sz="1000" b="0" i="0" u="none" strike="noStrike" kern="1200" cap="none" spc="0" normalizeH="0" baseline="0" noProof="0" dirty="0">
+                <a:ln>
+                  <a:noFill/>
+                </a:ln>
+                <a:solidFill>
+                  <a:srgbClr val="000000"/>
+                </a:solidFill>
+                <a:effectLst/>
+                <a:uLnTx/>
+                <a:uFillTx/>
+                <a:latin typeface="NVIDIA Sans" panose="020B0503020203020204" pitchFamily="34" charset="0"/>
+                <a:ea typeface="+mn-ea"/>
+                <a:cs typeface="NVIDIA Sans" panose="020B0503020203020204" pitchFamily="34" charset="0"/>
+              </a:rPr>
+              <a:t>Drop if &gt; rate</a:t>
+            </a:r>
+          </a:p>
+        </p:txBody>
+      </p:sp>
+      <p:sp>
+        <p:nvSpPr>
+          <p:cNvPr id="95" name="TextBox 94">
+            <a:extLst>
+              <a:ext uri="{FF2B5EF4-FFF2-40B4-BE49-F238E27FC236}">
+                <a16:creationId xmlns:a16="http://schemas.microsoft.com/office/drawing/2014/main" id="{99958FEE-C17D-7775-D2DF-A20F9F1D1A10}"/>
+              </a:ext>
+            </a:extLst>
+          </p:cNvPr>
+          <p:cNvSpPr txBox="1"/>
+          <p:nvPr/>
+        </p:nvSpPr>
+        <p:spPr>
+          <a:xfrm>
+            <a:off x="2014236" y="3061741"/>
+            <a:ext cx="439544" cy="276999"/>
+          </a:xfrm>
+          <a:prstGeom prst="rect">
+            <a:avLst/>
+          </a:prstGeom>
+          <a:noFill/>
+        </p:spPr>
+        <p:txBody>
+          <a:bodyPr wrap="none" rtlCol="0">
+            <a:spAutoFit/>
+          </a:bodyPr>
+          <a:lstStyle/>
+          <a:p>
+            <a:r>
+              <a:rPr lang="en-US" sz="1200" dirty="0"/>
+              <a:t>NIC</a:t>
+            </a:r>
+          </a:p>
+        </p:txBody>
+      </p:sp>
+      <p:cxnSp>
+        <p:nvCxnSpPr>
+          <p:cNvPr id="96" name="Straight Arrow Connector 95">
+            <a:extLst>
+              <a:ext uri="{FF2B5EF4-FFF2-40B4-BE49-F238E27FC236}">
+                <a16:creationId xmlns:a16="http://schemas.microsoft.com/office/drawing/2014/main" id="{DC45AE1C-7649-0C70-F860-B2C8A1697970}"/>
+              </a:ext>
+            </a:extLst>
+          </p:cNvPr>
+          <p:cNvCxnSpPr>
+            <a:cxnSpLocks/>
+          </p:cNvCxnSpPr>
+          <p:nvPr/>
+        </p:nvCxnSpPr>
+        <p:spPr>
+          <a:xfrm>
+            <a:off x="5383057" y="3960722"/>
+            <a:ext cx="344237" cy="0"/>
+          </a:xfrm>
+          <a:prstGeom prst="straightConnector1">
+            <a:avLst/>
+          </a:prstGeom>
+          <a:ln w="50800">
+            <a:solidFill>
+              <a:schemeClr val="accent5"/>
+            </a:solidFill>
+            <a:prstDash val="solid"/>
+            <a:tailEnd type="triangle"/>
+          </a:ln>
+        </p:spPr>
+        <p:style>
+          <a:lnRef idx="1">
+            <a:schemeClr val="accent1"/>
+          </a:lnRef>
+          <a:fillRef idx="0">
+            <a:schemeClr val="accent1"/>
+          </a:fillRef>
+          <a:effectRef idx="0">
+            <a:schemeClr val="accent1"/>
+          </a:effectRef>
+          <a:fontRef idx="minor">
+            <a:schemeClr val="tx1"/>
+          </a:fontRef>
+        </p:style>
+      </p:cxnSp>
+      <p:sp>
+        <p:nvSpPr>
+          <p:cNvPr id="97" name="TextBox 96">
+            <a:extLst>
+              <a:ext uri="{FF2B5EF4-FFF2-40B4-BE49-F238E27FC236}">
+                <a16:creationId xmlns:a16="http://schemas.microsoft.com/office/drawing/2014/main" id="{C9C72E0F-ABB4-36DA-B459-1E4787C47D89}"/>
+              </a:ext>
+            </a:extLst>
+          </p:cNvPr>
+          <p:cNvSpPr txBox="1"/>
+          <p:nvPr/>
+        </p:nvSpPr>
+        <p:spPr>
+          <a:xfrm>
+            <a:off x="4863102" y="3034317"/>
+            <a:ext cx="609782" cy="276999"/>
+          </a:xfrm>
+          <a:prstGeom prst="rect">
+            <a:avLst/>
+          </a:prstGeom>
+          <a:noFill/>
+        </p:spPr>
+        <p:txBody>
+          <a:bodyPr wrap="none" rtlCol="0">
+            <a:spAutoFit/>
+          </a:bodyPr>
+          <a:lstStyle/>
+          <a:p>
+            <a:r>
+              <a:rPr lang="en-US" sz="1200" dirty="0"/>
+              <a:t>Kernel</a:t>
+            </a:r>
+          </a:p>
+        </p:txBody>
+      </p:sp>
+      <p:sp>
+        <p:nvSpPr>
+          <p:cNvPr id="98" name="TextBox 97">
+            <a:extLst>
+              <a:ext uri="{FF2B5EF4-FFF2-40B4-BE49-F238E27FC236}">
+                <a16:creationId xmlns:a16="http://schemas.microsoft.com/office/drawing/2014/main" id="{82BE93A4-386D-5B7F-8919-CA1FB4F0C2E3}"/>
+              </a:ext>
+            </a:extLst>
+          </p:cNvPr>
+          <p:cNvSpPr txBox="1"/>
+          <p:nvPr/>
+        </p:nvSpPr>
+        <p:spPr>
+          <a:xfrm>
+            <a:off x="1162756" y="1964267"/>
+            <a:ext cx="1152495" cy="369332"/>
+          </a:xfrm>
+          <a:prstGeom prst="rect">
+            <a:avLst/>
+          </a:prstGeom>
+          <a:noFill/>
+        </p:spPr>
+        <p:txBody>
+          <a:bodyPr wrap="none" rtlCol="0">
+            <a:spAutoFit/>
+          </a:bodyPr>
+          <a:lstStyle/>
+          <a:p>
+            <a:r>
+              <a:rPr lang="en-US" dirty="0" err="1"/>
+              <a:t>meter.pdf</a:t>
+            </a:r>
+            <a:endParaRPr lang="en-US" dirty="0"/>
+          </a:p>
+        </p:txBody>
+      </p:sp>
     </p:spTree>
     <p:extLst>
       <p:ext uri="{BB962C8B-B14F-4D97-AF65-F5344CB8AC3E}">

--- a/netdevconf0x18-sharedmem.pptx
+++ b/netdevconf0x18-sharedmem.pptx
@@ -35399,8 +35399,8 @@
         </p:nvSpPr>
         <p:spPr>
           <a:xfrm>
-            <a:off x="4870387" y="4167176"/>
-            <a:ext cx="1007689" cy="291662"/>
+            <a:off x="4870387" y="4041833"/>
+            <a:ext cx="1007689" cy="417005"/>
           </a:xfrm>
           <a:prstGeom prst="roundRect">
             <a:avLst/>
@@ -35427,15 +35427,14 @@
             <a:pPr algn="ctr"/>
             <a:r>
               <a:rPr lang="en-US" sz="1400" dirty="0"/>
-              <a:t>PF/</a:t>
-            </a:r>
-            <a:r>
-              <a:rPr lang="en-US" sz="1400" dirty="0" err="1"/>
-              <a:t>ul</a:t>
-            </a:r>
+              <a:t>PF’s</a:t>
+            </a:r>
+          </a:p>
+          <a:p>
+            <a:pPr algn="ctr"/>
             <a:r>
               <a:rPr lang="en-US" sz="1400" dirty="0"/>
-              <a:t>-rep</a:t>
+              <a:t>RXQs</a:t>
             </a:r>
           </a:p>
         </p:txBody>
@@ -35958,7 +35957,7 @@
         </p:nvSpPr>
         <p:spPr>
           <a:xfrm>
-            <a:off x="4870387" y="3706850"/>
+            <a:off x="4870387" y="3558073"/>
             <a:ext cx="2681676" cy="255722"/>
           </a:xfrm>
           <a:prstGeom prst="roundRect">
@@ -36002,13 +36001,12 @@
           </p:cNvPr>
           <p:cNvCxnSpPr>
             <a:cxnSpLocks/>
-            <a:endCxn id="27" idx="0"/>
           </p:cNvCxnSpPr>
           <p:nvPr/>
         </p:nvCxnSpPr>
         <p:spPr>
           <a:xfrm>
-            <a:off x="5374232" y="3939138"/>
+            <a:off x="5374231" y="3813795"/>
             <a:ext cx="0" cy="228038"/>
           </a:xfrm>
           <a:prstGeom prst="line">

--- a/netdevconf0x18-sharedmem.pptx
+++ b/netdevconf0x18-sharedmem.pptx
@@ -37039,7 +37039,7 @@
         <p:spPr>
           <a:xfrm>
             <a:off x="9161222" y="2875120"/>
-            <a:ext cx="663964" cy="276999"/>
+            <a:ext cx="612668" cy="276999"/>
           </a:xfrm>
           <a:prstGeom prst="rect">
             <a:avLst/>
@@ -37054,13 +37054,8 @@
           <a:p>
             <a:r>
               <a:rPr lang="en-US" sz="1200" dirty="0"/>
-              <a:t>NAPI </a:t>
-            </a:r>
-            <a:r>
-              <a:rPr lang="en-US" sz="1200" dirty="0" err="1"/>
-              <a:t>rx</a:t>
-            </a:r>
-            <a:endParaRPr lang="en-US" sz="1200" dirty="0"/>
+              <a:t>NAPI x</a:t>
+            </a:r>
           </a:p>
         </p:txBody>
       </p:sp>
@@ -37115,7 +37110,7 @@
         </p:nvCxnSpPr>
         <p:spPr>
           <a:xfrm flipH="1">
-            <a:off x="7140994" y="2725163"/>
+            <a:off x="7134141" y="2678878"/>
             <a:ext cx="1723246" cy="0"/>
           </a:xfrm>
           <a:prstGeom prst="line">
@@ -37155,7 +37150,7 @@
         </p:nvSpPr>
         <p:spPr>
           <a:xfrm>
-            <a:off x="7467288" y="2560480"/>
+            <a:off x="7460435" y="2514195"/>
             <a:ext cx="1121525" cy="276999"/>
           </a:xfrm>
           <a:prstGeom prst="rect">
@@ -37479,6 +37474,123 @@
           </p:txBody>
         </p:sp>
       </p:grpSp>
+      <p:cxnSp>
+        <p:nvCxnSpPr>
+          <p:cNvPr id="5" name="Curved Connector 4">
+            <a:extLst>
+              <a:ext uri="{FF2B5EF4-FFF2-40B4-BE49-F238E27FC236}">
+                <a16:creationId xmlns:a16="http://schemas.microsoft.com/office/drawing/2014/main" id="{828C89AB-4F53-CF46-DD47-FC6CDAFF0903}"/>
+              </a:ext>
+            </a:extLst>
+          </p:cNvPr>
+          <p:cNvCxnSpPr>
+            <a:cxnSpLocks/>
+            <a:stCxn id="31" idx="3"/>
+            <a:endCxn id="11" idx="1"/>
+          </p:cNvCxnSpPr>
+          <p:nvPr/>
+        </p:nvCxnSpPr>
+        <p:spPr>
+          <a:xfrm flipH="1" flipV="1">
+            <a:off x="8495965" y="2891702"/>
+            <a:ext cx="1277925" cy="121918"/>
+          </a:xfrm>
+          <a:prstGeom prst="curvedConnector4">
+            <a:avLst>
+              <a:gd name="adj1" fmla="val -3390"/>
+              <a:gd name="adj2" fmla="val 193259"/>
+            </a:avLst>
+          </a:prstGeom>
+          <a:ln w="12700">
+            <a:tailEnd type="triangle"/>
+          </a:ln>
+        </p:spPr>
+        <p:style>
+          <a:lnRef idx="2">
+            <a:schemeClr val="accent1"/>
+          </a:lnRef>
+          <a:fillRef idx="0">
+            <a:schemeClr val="accent1"/>
+          </a:fillRef>
+          <a:effectRef idx="1">
+            <a:schemeClr val="accent1"/>
+          </a:effectRef>
+          <a:fontRef idx="minor">
+            <a:schemeClr val="tx1"/>
+          </a:fontRef>
+        </p:style>
+      </p:cxnSp>
+      <p:sp>
+        <p:nvSpPr>
+          <p:cNvPr id="7" name="TextBox 6">
+            <a:extLst>
+              <a:ext uri="{FF2B5EF4-FFF2-40B4-BE49-F238E27FC236}">
+                <a16:creationId xmlns:a16="http://schemas.microsoft.com/office/drawing/2014/main" id="{D764CF19-1D51-67A6-DCB6-EB0BD1909615}"/>
+              </a:ext>
+            </a:extLst>
+          </p:cNvPr>
+          <p:cNvSpPr txBox="1"/>
+          <p:nvPr/>
+        </p:nvSpPr>
+        <p:spPr>
+          <a:xfrm>
+            <a:off x="9128091" y="2587341"/>
+            <a:ext cx="1229824" cy="230832"/>
+          </a:xfrm>
+          <a:prstGeom prst="rect">
+            <a:avLst/>
+          </a:prstGeom>
+          <a:noFill/>
+        </p:spPr>
+        <p:txBody>
+          <a:bodyPr wrap="none" rtlCol="0">
+            <a:spAutoFit/>
+          </a:bodyPr>
+          <a:lstStyle/>
+          <a:p>
+            <a:r>
+              <a:rPr lang="en-US" sz="900" dirty="0"/>
+              <a:t>Refill with new pages</a:t>
+            </a:r>
+          </a:p>
+        </p:txBody>
+      </p:sp>
+      <p:sp>
+        <p:nvSpPr>
+          <p:cNvPr id="17" name="TextBox 16">
+            <a:extLst>
+              <a:ext uri="{FF2B5EF4-FFF2-40B4-BE49-F238E27FC236}">
+                <a16:creationId xmlns:a16="http://schemas.microsoft.com/office/drawing/2014/main" id="{84B55AFD-5BED-059B-C957-F7695F4D795F}"/>
+              </a:ext>
+            </a:extLst>
+          </p:cNvPr>
+          <p:cNvSpPr txBox="1"/>
+          <p:nvPr/>
+        </p:nvSpPr>
+        <p:spPr>
+          <a:xfrm>
+            <a:off x="4955241" y="1351429"/>
+            <a:ext cx="884666" cy="369332"/>
+          </a:xfrm>
+          <a:prstGeom prst="rect">
+            <a:avLst/>
+          </a:prstGeom>
+          <a:noFill/>
+        </p:spPr>
+        <p:txBody>
+          <a:bodyPr wrap="none" rtlCol="0">
+            <a:spAutoFit/>
+          </a:bodyPr>
+          <a:lstStyle/>
+          <a:p>
+            <a:r>
+              <a:rPr lang="en-US" dirty="0" err="1"/>
+              <a:t>rxq.pdf</a:t>
+            </a:r>
+            <a:endParaRPr lang="en-US" dirty="0"/>
+          </a:p>
+        </p:txBody>
+      </p:sp>
     </p:spTree>
     <p:extLst>
       <p:ext uri="{BB962C8B-B14F-4D97-AF65-F5344CB8AC3E}">

--- a/netdevconf0x18-sharedmem.pptx
+++ b/netdevconf0x18-sharedmem.pptx
@@ -1747,7 +1747,7 @@
     <mc:Choice Requires="p14">
       <p:transition p14:dur="10"/>
     </mc:Choice>
-    <mc:Fallback xmlns:a16="http://schemas.microsoft.com/office/drawing/2014/main" xmlns:a14="http://schemas.microsoft.com/office/drawing/2010/main" xmlns="">
+    <mc:Fallback xmlns="" xmlns:a14="http://schemas.microsoft.com/office/drawing/2010/main" xmlns:a16="http://schemas.microsoft.com/office/drawing/2014/main">
       <p:transition/>
     </mc:Fallback>
   </mc:AlternateContent>
@@ -2041,7 +2041,7 @@
     <mc:Choice Requires="p14">
       <p:transition p14:dur="10"/>
     </mc:Choice>
-    <mc:Fallback xmlns:a16="http://schemas.microsoft.com/office/drawing/2014/main" xmlns="">
+    <mc:Fallback xmlns="" xmlns:a16="http://schemas.microsoft.com/office/drawing/2014/main">
       <p:transition/>
     </mc:Fallback>
   </mc:AlternateContent>
@@ -2643,7 +2643,7 @@
     <mc:Choice Requires="p14">
       <p:transition p14:dur="10"/>
     </mc:Choice>
-    <mc:Fallback xmlns:a16="http://schemas.microsoft.com/office/drawing/2014/main" xmlns="">
+    <mc:Fallback xmlns="" xmlns:a16="http://schemas.microsoft.com/office/drawing/2014/main">
       <p:transition/>
     </mc:Fallback>
   </mc:AlternateContent>
@@ -2801,7 +2801,7 @@
     <mc:Choice Requires="p14">
       <p:transition p14:dur="10"/>
     </mc:Choice>
-    <mc:Fallback xmlns:a16="http://schemas.microsoft.com/office/drawing/2014/main" xmlns="">
+    <mc:Fallback xmlns="" xmlns:a16="http://schemas.microsoft.com/office/drawing/2014/main">
       <p:transition/>
     </mc:Fallback>
   </mc:AlternateContent>
@@ -3136,7 +3136,7 @@
     <mc:Choice Requires="p14">
       <p:transition p14:dur="10"/>
     </mc:Choice>
-    <mc:Fallback xmlns:a16="http://schemas.microsoft.com/office/drawing/2014/main" xmlns="">
+    <mc:Fallback xmlns="" xmlns:a16="http://schemas.microsoft.com/office/drawing/2014/main">
       <p:transition/>
     </mc:Fallback>
   </mc:AlternateContent>
@@ -3439,7 +3439,7 @@
     <mc:Choice Requires="p14">
       <p:transition p14:dur="10"/>
     </mc:Choice>
-    <mc:Fallback xmlns:a16="http://schemas.microsoft.com/office/drawing/2014/main" xmlns="">
+    <mc:Fallback xmlns="" xmlns:a16="http://schemas.microsoft.com/office/drawing/2014/main">
       <p:transition/>
     </mc:Fallback>
   </mc:AlternateContent>
@@ -3783,7 +3783,7 @@
     <mc:Choice Requires="p14">
       <p:transition p14:dur="10"/>
     </mc:Choice>
-    <mc:Fallback xmlns:a16="http://schemas.microsoft.com/office/drawing/2014/main" xmlns="">
+    <mc:Fallback xmlns="" xmlns:a16="http://schemas.microsoft.com/office/drawing/2014/main">
       <p:transition/>
     </mc:Fallback>
   </mc:AlternateContent>
@@ -4213,7 +4213,7 @@
     <mc:Choice Requires="p14">
       <p:transition p14:dur="10"/>
     </mc:Choice>
-    <mc:Fallback xmlns:a16="http://schemas.microsoft.com/office/drawing/2014/main" xmlns="">
+    <mc:Fallback xmlns="" xmlns:a16="http://schemas.microsoft.com/office/drawing/2014/main">
       <p:transition/>
     </mc:Fallback>
   </mc:AlternateContent>
@@ -4882,7 +4882,7 @@
     <mc:Choice Requires="p14">
       <p:transition p14:dur="10"/>
     </mc:Choice>
-    <mc:Fallback xmlns:a16="http://schemas.microsoft.com/office/drawing/2014/main" xmlns="">
+    <mc:Fallback xmlns="" xmlns:a16="http://schemas.microsoft.com/office/drawing/2014/main">
       <p:transition/>
     </mc:Fallback>
   </mc:AlternateContent>
@@ -5289,7 +5289,7 @@
     <mc:Choice Requires="p14">
       <p:transition p14:dur="10"/>
     </mc:Choice>
-    <mc:Fallback xmlns:a16="http://schemas.microsoft.com/office/drawing/2014/main" xmlns="">
+    <mc:Fallback xmlns="" xmlns:a16="http://schemas.microsoft.com/office/drawing/2014/main">
       <p:transition/>
     </mc:Fallback>
   </mc:AlternateContent>
@@ -5613,7 +5613,7 @@
     <mc:Choice Requires="p14">
       <p:transition p14:dur="10"/>
     </mc:Choice>
-    <mc:Fallback xmlns:a16="http://schemas.microsoft.com/office/drawing/2014/main" xmlns="">
+    <mc:Fallback xmlns="" xmlns:a16="http://schemas.microsoft.com/office/drawing/2014/main">
       <p:transition/>
     </mc:Fallback>
   </mc:AlternateContent>
@@ -6199,7 +6199,7 @@
     <mc:Choice Requires="p14">
       <p:transition p14:dur="10"/>
     </mc:Choice>
-    <mc:Fallback xmlns:a16="http://schemas.microsoft.com/office/drawing/2014/main" xmlns:a14="http://schemas.microsoft.com/office/drawing/2010/main" xmlns="">
+    <mc:Fallback xmlns="" xmlns:a14="http://schemas.microsoft.com/office/drawing/2010/main" xmlns:a16="http://schemas.microsoft.com/office/drawing/2014/main">
       <p:transition/>
     </mc:Fallback>
   </mc:AlternateContent>
@@ -6785,7 +6785,7 @@
     <mc:Choice Requires="p14">
       <p:transition p14:dur="10"/>
     </mc:Choice>
-    <mc:Fallback xmlns:a16="http://schemas.microsoft.com/office/drawing/2014/main" xmlns:a14="http://schemas.microsoft.com/office/drawing/2010/main" xmlns="">
+    <mc:Fallback xmlns="" xmlns:a14="http://schemas.microsoft.com/office/drawing/2010/main" xmlns:a16="http://schemas.microsoft.com/office/drawing/2014/main">
       <p:transition/>
     </mc:Fallback>
   </mc:AlternateContent>
@@ -7288,7 +7288,7 @@
     <mc:Choice Requires="p14">
       <p:transition p14:dur="10"/>
     </mc:Choice>
-    <mc:Fallback xmlns:a16="http://schemas.microsoft.com/office/drawing/2014/main" xmlns:a14="http://schemas.microsoft.com/office/drawing/2010/main" xmlns="">
+    <mc:Fallback xmlns="" xmlns:a14="http://schemas.microsoft.com/office/drawing/2010/main" xmlns:a16="http://schemas.microsoft.com/office/drawing/2014/main">
       <p:transition/>
     </mc:Fallback>
   </mc:AlternateContent>
@@ -7612,7 +7612,7 @@
     <mc:Choice Requires="p14">
       <p:transition p14:dur="10"/>
     </mc:Choice>
-    <mc:Fallback xmlns:a16="http://schemas.microsoft.com/office/drawing/2014/main" xmlns:a14="http://schemas.microsoft.com/office/drawing/2010/main" xmlns="">
+    <mc:Fallback xmlns="" xmlns:a14="http://schemas.microsoft.com/office/drawing/2010/main" xmlns:a16="http://schemas.microsoft.com/office/drawing/2014/main">
       <p:transition/>
     </mc:Fallback>
   </mc:AlternateContent>
@@ -8019,7 +8019,7 @@
     <mc:Choice Requires="p14">
       <p:transition p14:dur="10"/>
     </mc:Choice>
-    <mc:Fallback xmlns:a16="http://schemas.microsoft.com/office/drawing/2014/main" xmlns:a14="http://schemas.microsoft.com/office/drawing/2010/main" xmlns="">
+    <mc:Fallback xmlns="" xmlns:a14="http://schemas.microsoft.com/office/drawing/2010/main" xmlns:a16="http://schemas.microsoft.com/office/drawing/2014/main">
       <p:transition/>
     </mc:Fallback>
   </mc:AlternateContent>
@@ -8420,7 +8420,7 @@
     <mc:Choice Requires="p14">
       <p:transition p14:dur="10"/>
     </mc:Choice>
-    <mc:Fallback xmlns:a16="http://schemas.microsoft.com/office/drawing/2014/main" xmlns="">
+    <mc:Fallback xmlns="" xmlns:a16="http://schemas.microsoft.com/office/drawing/2014/main">
       <p:transition/>
     </mc:Fallback>
   </mc:AlternateContent>
@@ -8957,7 +8957,7 @@
     <mc:Choice Requires="p14">
       <p:transition p14:dur="10"/>
     </mc:Choice>
-    <mc:Fallback xmlns:a16="http://schemas.microsoft.com/office/drawing/2014/main" xmlns="">
+    <mc:Fallback xmlns="" xmlns:a16="http://schemas.microsoft.com/office/drawing/2014/main">
       <p:transition/>
     </mc:Fallback>
   </mc:AlternateContent>
@@ -9876,7 +9876,7 @@
     <mc:Choice Requires="p14">
       <p:transition p14:dur="10"/>
     </mc:Choice>
-    <mc:Fallback xmlns:a16="http://schemas.microsoft.com/office/drawing/2014/main" xmlns="">
+    <mc:Fallback xmlns="" xmlns:a16="http://schemas.microsoft.com/office/drawing/2014/main">
       <p:transition/>
     </mc:Fallback>
   </mc:AlternateContent>
@@ -10792,7 +10792,7 @@
     <mc:Choice Requires="p14">
       <p:transition p14:dur="10"/>
     </mc:Choice>
-    <mc:Fallback xmlns:a16="http://schemas.microsoft.com/office/drawing/2014/main" xmlns="">
+    <mc:Fallback xmlns="" xmlns:a16="http://schemas.microsoft.com/office/drawing/2014/main">
       <p:transition/>
     </mc:Fallback>
   </mc:AlternateContent>
@@ -11679,7 +11679,7 @@
     <mc:Choice Requires="p14">
       <p:transition p14:dur="10"/>
     </mc:Choice>
-    <mc:Fallback xmlns:a16="http://schemas.microsoft.com/office/drawing/2014/main" xmlns="">
+    <mc:Fallback xmlns="" xmlns:a16="http://schemas.microsoft.com/office/drawing/2014/main">
       <p:transition/>
     </mc:Fallback>
   </mc:AlternateContent>
@@ -12813,7 +12813,7 @@
     <mc:Choice Requires="p14">
       <p:transition p14:dur="10"/>
     </mc:Choice>
-    <mc:Fallback xmlns:a16="http://schemas.microsoft.com/office/drawing/2014/main" xmlns="">
+    <mc:Fallback xmlns="" xmlns:a16="http://schemas.microsoft.com/office/drawing/2014/main">
       <p:transition/>
     </mc:Fallback>
   </mc:AlternateContent>
@@ -14188,7 +14188,7 @@
     <mc:Choice Requires="p14">
       <p:transition p14:dur="10"/>
     </mc:Choice>
-    <mc:Fallback xmlns:a16="http://schemas.microsoft.com/office/drawing/2014/main" xmlns="">
+    <mc:Fallback xmlns="" xmlns:a16="http://schemas.microsoft.com/office/drawing/2014/main">
       <p:transition/>
     </mc:Fallback>
   </mc:AlternateContent>
@@ -15804,7 +15804,7 @@
     <mc:Choice Requires="p14">
       <p:transition p14:dur="10"/>
     </mc:Choice>
-    <mc:Fallback xmlns:a16="http://schemas.microsoft.com/office/drawing/2014/main" xmlns="">
+    <mc:Fallback xmlns="" xmlns:a16="http://schemas.microsoft.com/office/drawing/2014/main">
       <p:transition/>
     </mc:Fallback>
   </mc:AlternateContent>
@@ -17663,7 +17663,7 @@
     <mc:Choice Requires="p14">
       <p:transition p14:dur="10"/>
     </mc:Choice>
-    <mc:Fallback xmlns:a16="http://schemas.microsoft.com/office/drawing/2014/main" xmlns="">
+    <mc:Fallback xmlns="" xmlns:a16="http://schemas.microsoft.com/office/drawing/2014/main">
       <p:transition/>
     </mc:Fallback>
   </mc:AlternateContent>
@@ -19765,7 +19765,7 @@
     <mc:Choice Requires="p14">
       <p:transition p14:dur="10"/>
     </mc:Choice>
-    <mc:Fallback xmlns:a16="http://schemas.microsoft.com/office/drawing/2014/main" xmlns="">
+    <mc:Fallback xmlns="" xmlns:a16="http://schemas.microsoft.com/office/drawing/2014/main">
       <p:transition/>
     </mc:Fallback>
   </mc:AlternateContent>
@@ -22110,7 +22110,7 @@
     <mc:Choice Requires="p14">
       <p:transition p14:dur="10"/>
     </mc:Choice>
-    <mc:Fallback xmlns:a16="http://schemas.microsoft.com/office/drawing/2014/main" xmlns="">
+    <mc:Fallback xmlns="" xmlns:a16="http://schemas.microsoft.com/office/drawing/2014/main">
       <p:transition/>
     </mc:Fallback>
   </mc:AlternateContent>
@@ -24698,7 +24698,7 @@
     <mc:Choice Requires="p14">
       <p:transition p14:dur="10"/>
     </mc:Choice>
-    <mc:Fallback xmlns:a16="http://schemas.microsoft.com/office/drawing/2014/main" xmlns="">
+    <mc:Fallback xmlns="" xmlns:a16="http://schemas.microsoft.com/office/drawing/2014/main">
       <p:transition/>
     </mc:Fallback>
   </mc:AlternateContent>
@@ -25092,7 +25092,7 @@
     <mc:Choice Requires="p14">
       <p:transition p14:dur="10"/>
     </mc:Choice>
-    <mc:Fallback xmlns:a16="http://schemas.microsoft.com/office/drawing/2014/main" xmlns:a14="http://schemas.microsoft.com/office/drawing/2010/main" xmlns="">
+    <mc:Fallback xmlns="" xmlns:a14="http://schemas.microsoft.com/office/drawing/2010/main" xmlns:a16="http://schemas.microsoft.com/office/drawing/2014/main">
       <p:transition/>
     </mc:Fallback>
   </mc:AlternateContent>
@@ -25221,7 +25221,7 @@
     <mc:Choice Requires="p14">
       <p:transition p14:dur="10"/>
     </mc:Choice>
-    <mc:Fallback xmlns:a16="http://schemas.microsoft.com/office/drawing/2014/main" xmlns:a14="http://schemas.microsoft.com/office/drawing/2010/main" xmlns="">
+    <mc:Fallback xmlns="" xmlns:a14="http://schemas.microsoft.com/office/drawing/2010/main" xmlns:a16="http://schemas.microsoft.com/office/drawing/2014/main">
       <p:transition/>
     </mc:Fallback>
   </mc:AlternateContent>
@@ -25376,7 +25376,7 @@
     <mc:Choice Requires="p14">
       <p:transition p14:dur="10"/>
     </mc:Choice>
-    <mc:Fallback xmlns:a16="http://schemas.microsoft.com/office/drawing/2014/main" xmlns="">
+    <mc:Fallback xmlns="" xmlns:a16="http://schemas.microsoft.com/office/drawing/2014/main">
       <p:transition/>
     </mc:Fallback>
   </mc:AlternateContent>
@@ -25690,7 +25690,7 @@
     <mc:Choice Requires="p14">
       <p:transition p14:dur="10"/>
     </mc:Choice>
-    <mc:Fallback xmlns:a16="http://schemas.microsoft.com/office/drawing/2014/main" xmlns:a14="http://schemas.microsoft.com/office/drawing/2010/main" xmlns="">
+    <mc:Fallback xmlns="" xmlns:a14="http://schemas.microsoft.com/office/drawing/2010/main" xmlns:a16="http://schemas.microsoft.com/office/drawing/2014/main">
       <p:transition/>
     </mc:Fallback>
   </mc:AlternateContent>
@@ -25963,7 +25963,7 @@
     <mc:Choice Requires="p14">
       <p:transition p14:dur="10"/>
     </mc:Choice>
-    <mc:Fallback xmlns:a16="http://schemas.microsoft.com/office/drawing/2014/main" xmlns:a14="http://schemas.microsoft.com/office/drawing/2010/main" xmlns="">
+    <mc:Fallback xmlns="" xmlns:a14="http://schemas.microsoft.com/office/drawing/2010/main" xmlns:a16="http://schemas.microsoft.com/office/drawing/2014/main">
       <p:transition/>
     </mc:Fallback>
   </mc:AlternateContent>
@@ -27947,7 +27947,7 @@
     <mc:Choice Requires="p14">
       <p:transition p14:dur="10"/>
     </mc:Choice>
-    <mc:Fallback xmlns:a16="http://schemas.microsoft.com/office/drawing/2014/main" xmlns:a14="http://schemas.microsoft.com/office/drawing/2010/main" xmlns="">
+    <mc:Fallback xmlns="" xmlns:a14="http://schemas.microsoft.com/office/drawing/2010/main" xmlns:a16="http://schemas.microsoft.com/office/drawing/2014/main">
       <p:transition/>
     </mc:Fallback>
   </mc:AlternateContent>
@@ -28689,7 +28689,7 @@
     <mc:Choice Requires="p14">
       <p:transition p14:dur="10"/>
     </mc:Choice>
-    <mc:Fallback xmlns:a16="http://schemas.microsoft.com/office/drawing/2014/main" xmlns:a14="http://schemas.microsoft.com/office/drawing/2010/main" xmlns="">
+    <mc:Fallback xmlns="" xmlns:a14="http://schemas.microsoft.com/office/drawing/2010/main" xmlns:a16="http://schemas.microsoft.com/office/drawing/2014/main">
       <p:transition/>
     </mc:Fallback>
   </mc:AlternateContent>
@@ -29515,7 +29515,7 @@
     <mc:Choice Requires="p14">
       <p:transition p14:dur="10"/>
     </mc:Choice>
-    <mc:Fallback xmlns:a16="http://schemas.microsoft.com/office/drawing/2014/main" xmlns:a14="http://schemas.microsoft.com/office/drawing/2010/main" xmlns="">
+    <mc:Fallback xmlns="" xmlns:a14="http://schemas.microsoft.com/office/drawing/2010/main" xmlns:a16="http://schemas.microsoft.com/office/drawing/2014/main">
       <p:transition/>
     </mc:Fallback>
   </mc:AlternateContent>
@@ -29712,7 +29712,7 @@
     <mc:Choice Requires="p14">
       <p:transition p14:dur="10"/>
     </mc:Choice>
-    <mc:Fallback xmlns:a14="http://schemas.microsoft.com/office/drawing/2010/main" xmlns:a16="http://schemas.microsoft.com/office/drawing/2014/main" xmlns="">
+    <mc:Fallback xmlns="" xmlns:a16="http://schemas.microsoft.com/office/drawing/2014/main" xmlns:a14="http://schemas.microsoft.com/office/drawing/2010/main">
       <p:transition/>
     </mc:Fallback>
   </mc:AlternateContent>
@@ -29948,7 +29948,7 @@
     <mc:Choice Requires="p14">
       <p:transition p14:dur="10"/>
     </mc:Choice>
-    <mc:Fallback xmlns:a16="http://schemas.microsoft.com/office/drawing/2014/main" xmlns:a14="http://schemas.microsoft.com/office/drawing/2010/main" xmlns="">
+    <mc:Fallback xmlns="" xmlns:a14="http://schemas.microsoft.com/office/drawing/2010/main" xmlns:a16="http://schemas.microsoft.com/office/drawing/2014/main">
       <p:transition/>
     </mc:Fallback>
   </mc:AlternateContent>
@@ -30611,7 +30611,7 @@
     <mc:Choice Requires="p14">
       <p:transition p14:dur="10"/>
     </mc:Choice>
-    <mc:Fallback xmlns:a16="http://schemas.microsoft.com/office/drawing/2014/main" xmlns="">
+    <mc:Fallback xmlns="" xmlns:a16="http://schemas.microsoft.com/office/drawing/2014/main">
       <p:transition/>
     </mc:Fallback>
   </mc:AlternateContent>
@@ -30721,7 +30721,7 @@
     <mc:Choice Requires="p14">
       <p:transition p14:dur="10"/>
     </mc:Choice>
-    <mc:Fallback xmlns:a16="http://schemas.microsoft.com/office/drawing/2014/main" xmlns:a14="http://schemas.microsoft.com/office/drawing/2010/main" xmlns="">
+    <mc:Fallback xmlns="" xmlns:a14="http://schemas.microsoft.com/office/drawing/2010/main" xmlns:a16="http://schemas.microsoft.com/office/drawing/2014/main">
       <p:transition/>
     </mc:Fallback>
   </mc:AlternateContent>
@@ -32693,7 +32693,7 @@
     <mc:Choice Requires="p14">
       <p:transition p14:dur="10"/>
     </mc:Choice>
-    <mc:Fallback xmlns:a16="http://schemas.microsoft.com/office/drawing/2014/main" xmlns:a14="http://schemas.microsoft.com/office/drawing/2010/main" xmlns="">
+    <mc:Fallback xmlns="" xmlns:a14="http://schemas.microsoft.com/office/drawing/2010/main" xmlns:a16="http://schemas.microsoft.com/office/drawing/2014/main">
       <p:transition/>
     </mc:Fallback>
   </mc:AlternateContent>
@@ -37039,7 +37039,7 @@
         <p:spPr>
           <a:xfrm>
             <a:off x="9161222" y="2875120"/>
-            <a:ext cx="612668" cy="276999"/>
+            <a:ext cx="663964" cy="276999"/>
           </a:xfrm>
           <a:prstGeom prst="rect">
             <a:avLst/>
@@ -37054,8 +37054,13 @@
           <a:p>
             <a:r>
               <a:rPr lang="en-US" sz="1200" dirty="0"/>
-              <a:t>NAPI x</a:t>
-            </a:r>
+              <a:t>NAPI </a:t>
+            </a:r>
+            <a:r>
+              <a:rPr lang="en-US" sz="1200"/>
+              <a:t>rx</a:t>
+            </a:r>
+            <a:endParaRPr lang="en-US" sz="1200" dirty="0"/>
           </a:p>
         </p:txBody>
       </p:sp>
@@ -37493,12 +37498,12 @@
         <p:spPr>
           <a:xfrm flipH="1" flipV="1">
             <a:off x="8495965" y="2891702"/>
-            <a:ext cx="1277925" cy="121918"/>
+            <a:ext cx="1329221" cy="121918"/>
           </a:xfrm>
           <a:prstGeom prst="curvedConnector4">
             <a:avLst>
-              <a:gd name="adj1" fmla="val -3390"/>
-              <a:gd name="adj2" fmla="val 193259"/>
+              <a:gd name="adj1" fmla="val -17198"/>
+              <a:gd name="adj2" fmla="val 301104"/>
             </a:avLst>
           </a:prstGeom>
           <a:ln w="12700">
@@ -40036,7 +40041,7 @@
     <mc:Choice Requires="p14">
       <p:transition p14:dur="10"/>
     </mc:Choice>
-    <mc:Fallback xmlns:a16="http://schemas.microsoft.com/office/drawing/2014/main" xmlns="">
+    <mc:Fallback xmlns="" xmlns:a16="http://schemas.microsoft.com/office/drawing/2014/main">
       <p:transition/>
     </mc:Fallback>
   </mc:AlternateContent>
@@ -43863,7 +43868,7 @@
     <mc:Choice Requires="p14">
       <p:transition p14:dur="10"/>
     </mc:Choice>
-    <mc:Fallback xmlns:a16="http://schemas.microsoft.com/office/drawing/2014/main" xmlns="">
+    <mc:Fallback xmlns="" xmlns:a16="http://schemas.microsoft.com/office/drawing/2014/main">
       <p:transition/>
     </mc:Fallback>
   </mc:AlternateContent>

--- a/netdevconf0x18-sharedmem.pptx
+++ b/netdevconf0x18-sharedmem.pptx
@@ -6,18 +6,19 @@
     <p:sldMasterId id="2147483660" r:id="rId2"/>
   </p:sldMasterIdLst>
   <p:notesMasterIdLst>
-    <p:notesMasterId r:id="rId12"/>
+    <p:notesMasterId r:id="rId13"/>
   </p:notesMasterIdLst>
   <p:sldIdLst>
     <p:sldId id="256" r:id="rId3"/>
     <p:sldId id="258" r:id="rId4"/>
-    <p:sldId id="259" r:id="rId5"/>
-    <p:sldId id="261" r:id="rId6"/>
-    <p:sldId id="260" r:id="rId7"/>
-    <p:sldId id="550145305" r:id="rId8"/>
-    <p:sldId id="550145277" r:id="rId9"/>
-    <p:sldId id="550145306" r:id="rId10"/>
-    <p:sldId id="262" r:id="rId11"/>
+    <p:sldId id="550145307" r:id="rId5"/>
+    <p:sldId id="259" r:id="rId6"/>
+    <p:sldId id="261" r:id="rId7"/>
+    <p:sldId id="260" r:id="rId8"/>
+    <p:sldId id="550145305" r:id="rId9"/>
+    <p:sldId id="550145277" r:id="rId10"/>
+    <p:sldId id="550145306" r:id="rId11"/>
+    <p:sldId id="262" r:id="rId12"/>
   </p:sldIdLst>
   <p:sldSz cx="12192000" cy="6858000"/>
   <p:notesSz cx="6858000" cy="9144000"/>
@@ -206,7 +207,7 @@
           <a:p>
             <a:fld id="{97ACDE5B-5D5B-F84E-88C8-D6BC282A347E}" type="datetimeFigureOut">
               <a:rPr lang="en-US" smtClean="0"/>
-              <a:t>7/10/24</a:t>
+              <a:t>7/12/24</a:t>
             </a:fld>
             <a:endParaRPr lang="en-US"/>
           </a:p>
@@ -626,7 +627,7 @@
                 <a:tabLst/>
                 <a:defRPr/>
               </a:pPr>
-              <a:t>6</a:t>
+              <a:t>7</a:t>
             </a:fld>
             <a:endParaRPr kumimoji="0" lang="en-US" sz="1200" b="0" i="0" u="none" strike="noStrike" kern="1200" cap="none" spc="0" normalizeH="0" baseline="0" noProof="0">
               <a:ln>
@@ -863,7 +864,7 @@
                 <a:tabLst/>
                 <a:defRPr/>
               </a:pPr>
-              <a:t>7</a:t>
+              <a:t>8</a:t>
             </a:fld>
             <a:endParaRPr kumimoji="0" lang="en-US" sz="1200" b="0" i="0" u="none" strike="noStrike" kern="1200" cap="none" spc="0" normalizeH="0" baseline="0" noProof="0">
               <a:ln>
@@ -1042,7 +1043,7 @@
           <a:p>
             <a:fld id="{1E7953D9-2557-2445-9A3D-2952E9A21483}" type="datetimeFigureOut">
               <a:rPr lang="en-US" smtClean="0"/>
-              <a:t>7/10/24</a:t>
+              <a:t>7/12/24</a:t>
             </a:fld>
             <a:endParaRPr lang="en-US"/>
           </a:p>
@@ -1240,7 +1241,7 @@
           <a:p>
             <a:fld id="{1E7953D9-2557-2445-9A3D-2952E9A21483}" type="datetimeFigureOut">
               <a:rPr lang="en-US" smtClean="0"/>
-              <a:t>7/10/24</a:t>
+              <a:t>7/12/24</a:t>
             </a:fld>
             <a:endParaRPr lang="en-US"/>
           </a:p>
@@ -1448,7 +1449,7 @@
           <a:p>
             <a:fld id="{1E7953D9-2557-2445-9A3D-2952E9A21483}" type="datetimeFigureOut">
               <a:rPr lang="en-US" smtClean="0"/>
-              <a:t>7/10/24</a:t>
+              <a:t>7/12/24</a:t>
             </a:fld>
             <a:endParaRPr lang="en-US"/>
           </a:p>
@@ -1747,7 +1748,7 @@
     <mc:Choice Requires="p14">
       <p:transition p14:dur="10"/>
     </mc:Choice>
-    <mc:Fallback xmlns="" xmlns:a14="http://schemas.microsoft.com/office/drawing/2010/main" xmlns:a16="http://schemas.microsoft.com/office/drawing/2014/main">
+    <mc:Fallback xmlns:a16="http://schemas.microsoft.com/office/drawing/2014/main" xmlns:a14="http://schemas.microsoft.com/office/drawing/2010/main" xmlns="">
       <p:transition/>
     </mc:Fallback>
   </mc:AlternateContent>
@@ -2041,7 +2042,7 @@
     <mc:Choice Requires="p14">
       <p:transition p14:dur="10"/>
     </mc:Choice>
-    <mc:Fallback xmlns="" xmlns:a16="http://schemas.microsoft.com/office/drawing/2014/main">
+    <mc:Fallback xmlns:a16="http://schemas.microsoft.com/office/drawing/2014/main" xmlns="">
       <p:transition/>
     </mc:Fallback>
   </mc:AlternateContent>
@@ -2643,7 +2644,7 @@
     <mc:Choice Requires="p14">
       <p:transition p14:dur="10"/>
     </mc:Choice>
-    <mc:Fallback xmlns="" xmlns:a16="http://schemas.microsoft.com/office/drawing/2014/main">
+    <mc:Fallback xmlns:a16="http://schemas.microsoft.com/office/drawing/2014/main" xmlns="">
       <p:transition/>
     </mc:Fallback>
   </mc:AlternateContent>
@@ -2801,7 +2802,7 @@
     <mc:Choice Requires="p14">
       <p:transition p14:dur="10"/>
     </mc:Choice>
-    <mc:Fallback xmlns="" xmlns:a16="http://schemas.microsoft.com/office/drawing/2014/main">
+    <mc:Fallback xmlns:a16="http://schemas.microsoft.com/office/drawing/2014/main" xmlns="">
       <p:transition/>
     </mc:Fallback>
   </mc:AlternateContent>
@@ -3136,7 +3137,7 @@
     <mc:Choice Requires="p14">
       <p:transition p14:dur="10"/>
     </mc:Choice>
-    <mc:Fallback xmlns="" xmlns:a16="http://schemas.microsoft.com/office/drawing/2014/main">
+    <mc:Fallback xmlns:a16="http://schemas.microsoft.com/office/drawing/2014/main" xmlns="">
       <p:transition/>
     </mc:Fallback>
   </mc:AlternateContent>
@@ -3439,7 +3440,7 @@
     <mc:Choice Requires="p14">
       <p:transition p14:dur="10"/>
     </mc:Choice>
-    <mc:Fallback xmlns="" xmlns:a16="http://schemas.microsoft.com/office/drawing/2014/main">
+    <mc:Fallback xmlns:a16="http://schemas.microsoft.com/office/drawing/2014/main" xmlns="">
       <p:transition/>
     </mc:Fallback>
   </mc:AlternateContent>
@@ -3783,7 +3784,7 @@
     <mc:Choice Requires="p14">
       <p:transition p14:dur="10"/>
     </mc:Choice>
-    <mc:Fallback xmlns="" xmlns:a16="http://schemas.microsoft.com/office/drawing/2014/main">
+    <mc:Fallback xmlns:a16="http://schemas.microsoft.com/office/drawing/2014/main" xmlns="">
       <p:transition/>
     </mc:Fallback>
   </mc:AlternateContent>
@@ -4213,7 +4214,7 @@
     <mc:Choice Requires="p14">
       <p:transition p14:dur="10"/>
     </mc:Choice>
-    <mc:Fallback xmlns="" xmlns:a16="http://schemas.microsoft.com/office/drawing/2014/main">
+    <mc:Fallback xmlns:a16="http://schemas.microsoft.com/office/drawing/2014/main" xmlns="">
       <p:transition/>
     </mc:Fallback>
   </mc:AlternateContent>
@@ -4345,7 +4346,7 @@
           <a:p>
             <a:fld id="{1E7953D9-2557-2445-9A3D-2952E9A21483}" type="datetimeFigureOut">
               <a:rPr lang="en-US" smtClean="0"/>
-              <a:t>7/10/24</a:t>
+              <a:t>7/12/24</a:t>
             </a:fld>
             <a:endParaRPr lang="en-US"/>
           </a:p>
@@ -4882,7 +4883,7 @@
     <mc:Choice Requires="p14">
       <p:transition p14:dur="10"/>
     </mc:Choice>
-    <mc:Fallback xmlns="" xmlns:a16="http://schemas.microsoft.com/office/drawing/2014/main">
+    <mc:Fallback xmlns:a16="http://schemas.microsoft.com/office/drawing/2014/main" xmlns="">
       <p:transition/>
     </mc:Fallback>
   </mc:AlternateContent>
@@ -5289,7 +5290,7 @@
     <mc:Choice Requires="p14">
       <p:transition p14:dur="10"/>
     </mc:Choice>
-    <mc:Fallback xmlns="" xmlns:a16="http://schemas.microsoft.com/office/drawing/2014/main">
+    <mc:Fallback xmlns:a16="http://schemas.microsoft.com/office/drawing/2014/main" xmlns="">
       <p:transition/>
     </mc:Fallback>
   </mc:AlternateContent>
@@ -5613,7 +5614,7 @@
     <mc:Choice Requires="p14">
       <p:transition p14:dur="10"/>
     </mc:Choice>
-    <mc:Fallback xmlns="" xmlns:a16="http://schemas.microsoft.com/office/drawing/2014/main">
+    <mc:Fallback xmlns:a16="http://schemas.microsoft.com/office/drawing/2014/main" xmlns="">
       <p:transition/>
     </mc:Fallback>
   </mc:AlternateContent>
@@ -6199,7 +6200,7 @@
     <mc:Choice Requires="p14">
       <p:transition p14:dur="10"/>
     </mc:Choice>
-    <mc:Fallback xmlns="" xmlns:a14="http://schemas.microsoft.com/office/drawing/2010/main" xmlns:a16="http://schemas.microsoft.com/office/drawing/2014/main">
+    <mc:Fallback xmlns:a16="http://schemas.microsoft.com/office/drawing/2014/main" xmlns:a14="http://schemas.microsoft.com/office/drawing/2010/main" xmlns="">
       <p:transition/>
     </mc:Fallback>
   </mc:AlternateContent>
@@ -6785,7 +6786,7 @@
     <mc:Choice Requires="p14">
       <p:transition p14:dur="10"/>
     </mc:Choice>
-    <mc:Fallback xmlns="" xmlns:a14="http://schemas.microsoft.com/office/drawing/2010/main" xmlns:a16="http://schemas.microsoft.com/office/drawing/2014/main">
+    <mc:Fallback xmlns:a16="http://schemas.microsoft.com/office/drawing/2014/main" xmlns:a14="http://schemas.microsoft.com/office/drawing/2010/main" xmlns="">
       <p:transition/>
     </mc:Fallback>
   </mc:AlternateContent>
@@ -7288,7 +7289,7 @@
     <mc:Choice Requires="p14">
       <p:transition p14:dur="10"/>
     </mc:Choice>
-    <mc:Fallback xmlns="" xmlns:a14="http://schemas.microsoft.com/office/drawing/2010/main" xmlns:a16="http://schemas.microsoft.com/office/drawing/2014/main">
+    <mc:Fallback xmlns:a16="http://schemas.microsoft.com/office/drawing/2014/main" xmlns:a14="http://schemas.microsoft.com/office/drawing/2010/main" xmlns="">
       <p:transition/>
     </mc:Fallback>
   </mc:AlternateContent>
@@ -7612,7 +7613,7 @@
     <mc:Choice Requires="p14">
       <p:transition p14:dur="10"/>
     </mc:Choice>
-    <mc:Fallback xmlns="" xmlns:a14="http://schemas.microsoft.com/office/drawing/2010/main" xmlns:a16="http://schemas.microsoft.com/office/drawing/2014/main">
+    <mc:Fallback xmlns:a16="http://schemas.microsoft.com/office/drawing/2014/main" xmlns:a14="http://schemas.microsoft.com/office/drawing/2010/main" xmlns="">
       <p:transition/>
     </mc:Fallback>
   </mc:AlternateContent>
@@ -8019,7 +8020,7 @@
     <mc:Choice Requires="p14">
       <p:transition p14:dur="10"/>
     </mc:Choice>
-    <mc:Fallback xmlns="" xmlns:a14="http://schemas.microsoft.com/office/drawing/2010/main" xmlns:a16="http://schemas.microsoft.com/office/drawing/2014/main">
+    <mc:Fallback xmlns:a16="http://schemas.microsoft.com/office/drawing/2014/main" xmlns:a14="http://schemas.microsoft.com/office/drawing/2010/main" xmlns="">
       <p:transition/>
     </mc:Fallback>
   </mc:AlternateContent>
@@ -8420,7 +8421,7 @@
     <mc:Choice Requires="p14">
       <p:transition p14:dur="10"/>
     </mc:Choice>
-    <mc:Fallback xmlns="" xmlns:a16="http://schemas.microsoft.com/office/drawing/2014/main">
+    <mc:Fallback xmlns:a16="http://schemas.microsoft.com/office/drawing/2014/main" xmlns="">
       <p:transition/>
     </mc:Fallback>
   </mc:AlternateContent>
@@ -8957,7 +8958,7 @@
     <mc:Choice Requires="p14">
       <p:transition p14:dur="10"/>
     </mc:Choice>
-    <mc:Fallback xmlns="" xmlns:a16="http://schemas.microsoft.com/office/drawing/2014/main">
+    <mc:Fallback xmlns:a16="http://schemas.microsoft.com/office/drawing/2014/main" xmlns="">
       <p:transition/>
     </mc:Fallback>
   </mc:AlternateContent>
@@ -9166,7 +9167,7 @@
           <a:p>
             <a:fld id="{1E7953D9-2557-2445-9A3D-2952E9A21483}" type="datetimeFigureOut">
               <a:rPr lang="en-US" smtClean="0"/>
-              <a:t>7/10/24</a:t>
+              <a:t>7/12/24</a:t>
             </a:fld>
             <a:endParaRPr lang="en-US"/>
           </a:p>
@@ -9876,7 +9877,7 @@
     <mc:Choice Requires="p14">
       <p:transition p14:dur="10"/>
     </mc:Choice>
-    <mc:Fallback xmlns="" xmlns:a16="http://schemas.microsoft.com/office/drawing/2014/main">
+    <mc:Fallback xmlns:a16="http://schemas.microsoft.com/office/drawing/2014/main" xmlns="">
       <p:transition/>
     </mc:Fallback>
   </mc:AlternateContent>
@@ -10792,7 +10793,7 @@
     <mc:Choice Requires="p14">
       <p:transition p14:dur="10"/>
     </mc:Choice>
-    <mc:Fallback xmlns="" xmlns:a16="http://schemas.microsoft.com/office/drawing/2014/main">
+    <mc:Fallback xmlns:a16="http://schemas.microsoft.com/office/drawing/2014/main" xmlns="">
       <p:transition/>
     </mc:Fallback>
   </mc:AlternateContent>
@@ -11679,7 +11680,7 @@
     <mc:Choice Requires="p14">
       <p:transition p14:dur="10"/>
     </mc:Choice>
-    <mc:Fallback xmlns="" xmlns:a16="http://schemas.microsoft.com/office/drawing/2014/main">
+    <mc:Fallback xmlns:a16="http://schemas.microsoft.com/office/drawing/2014/main" xmlns="">
       <p:transition/>
     </mc:Fallback>
   </mc:AlternateContent>
@@ -12813,7 +12814,7 @@
     <mc:Choice Requires="p14">
       <p:transition p14:dur="10"/>
     </mc:Choice>
-    <mc:Fallback xmlns="" xmlns:a16="http://schemas.microsoft.com/office/drawing/2014/main">
+    <mc:Fallback xmlns:a16="http://schemas.microsoft.com/office/drawing/2014/main" xmlns="">
       <p:transition/>
     </mc:Fallback>
   </mc:AlternateContent>
@@ -14188,7 +14189,7 @@
     <mc:Choice Requires="p14">
       <p:transition p14:dur="10"/>
     </mc:Choice>
-    <mc:Fallback xmlns="" xmlns:a16="http://schemas.microsoft.com/office/drawing/2014/main">
+    <mc:Fallback xmlns:a16="http://schemas.microsoft.com/office/drawing/2014/main" xmlns="">
       <p:transition/>
     </mc:Fallback>
   </mc:AlternateContent>
@@ -15804,7 +15805,7 @@
     <mc:Choice Requires="p14">
       <p:transition p14:dur="10"/>
     </mc:Choice>
-    <mc:Fallback xmlns="" xmlns:a16="http://schemas.microsoft.com/office/drawing/2014/main">
+    <mc:Fallback xmlns:a16="http://schemas.microsoft.com/office/drawing/2014/main" xmlns="">
       <p:transition/>
     </mc:Fallback>
   </mc:AlternateContent>
@@ -17663,7 +17664,7 @@
     <mc:Choice Requires="p14">
       <p:transition p14:dur="10"/>
     </mc:Choice>
-    <mc:Fallback xmlns="" xmlns:a16="http://schemas.microsoft.com/office/drawing/2014/main">
+    <mc:Fallback xmlns:a16="http://schemas.microsoft.com/office/drawing/2014/main" xmlns="">
       <p:transition/>
     </mc:Fallback>
   </mc:AlternateContent>
@@ -19765,7 +19766,7 @@
     <mc:Choice Requires="p14">
       <p:transition p14:dur="10"/>
     </mc:Choice>
-    <mc:Fallback xmlns="" xmlns:a16="http://schemas.microsoft.com/office/drawing/2014/main">
+    <mc:Fallback xmlns:a16="http://schemas.microsoft.com/office/drawing/2014/main" xmlns="">
       <p:transition/>
     </mc:Fallback>
   </mc:AlternateContent>
@@ -22110,7 +22111,7 @@
     <mc:Choice Requires="p14">
       <p:transition p14:dur="10"/>
     </mc:Choice>
-    <mc:Fallback xmlns="" xmlns:a16="http://schemas.microsoft.com/office/drawing/2014/main">
+    <mc:Fallback xmlns:a16="http://schemas.microsoft.com/office/drawing/2014/main" xmlns="">
       <p:transition/>
     </mc:Fallback>
   </mc:AlternateContent>
@@ -24698,7 +24699,7 @@
     <mc:Choice Requires="p14">
       <p:transition p14:dur="10"/>
     </mc:Choice>
-    <mc:Fallback xmlns="" xmlns:a16="http://schemas.microsoft.com/office/drawing/2014/main">
+    <mc:Fallback xmlns:a16="http://schemas.microsoft.com/office/drawing/2014/main" xmlns="">
       <p:transition/>
     </mc:Fallback>
   </mc:AlternateContent>
@@ -24897,7 +24898,7 @@
           <a:p>
             <a:fld id="{1E7953D9-2557-2445-9A3D-2952E9A21483}" type="datetimeFigureOut">
               <a:rPr lang="en-US" smtClean="0"/>
-              <a:t>7/10/24</a:t>
+              <a:t>7/12/24</a:t>
             </a:fld>
             <a:endParaRPr lang="en-US"/>
           </a:p>
@@ -25092,7 +25093,7 @@
     <mc:Choice Requires="p14">
       <p:transition p14:dur="10"/>
     </mc:Choice>
-    <mc:Fallback xmlns="" xmlns:a14="http://schemas.microsoft.com/office/drawing/2010/main" xmlns:a16="http://schemas.microsoft.com/office/drawing/2014/main">
+    <mc:Fallback xmlns:a16="http://schemas.microsoft.com/office/drawing/2014/main" xmlns:a14="http://schemas.microsoft.com/office/drawing/2010/main" xmlns="">
       <p:transition/>
     </mc:Fallback>
   </mc:AlternateContent>
@@ -25221,7 +25222,7 @@
     <mc:Choice Requires="p14">
       <p:transition p14:dur="10"/>
     </mc:Choice>
-    <mc:Fallback xmlns="" xmlns:a14="http://schemas.microsoft.com/office/drawing/2010/main" xmlns:a16="http://schemas.microsoft.com/office/drawing/2014/main">
+    <mc:Fallback xmlns:a16="http://schemas.microsoft.com/office/drawing/2014/main" xmlns:a14="http://schemas.microsoft.com/office/drawing/2010/main" xmlns="">
       <p:transition/>
     </mc:Fallback>
   </mc:AlternateContent>
@@ -25376,7 +25377,7 @@
     <mc:Choice Requires="p14">
       <p:transition p14:dur="10"/>
     </mc:Choice>
-    <mc:Fallback xmlns="" xmlns:a16="http://schemas.microsoft.com/office/drawing/2014/main">
+    <mc:Fallback xmlns:a16="http://schemas.microsoft.com/office/drawing/2014/main" xmlns="">
       <p:transition/>
     </mc:Fallback>
   </mc:AlternateContent>
@@ -25690,7 +25691,7 @@
     <mc:Choice Requires="p14">
       <p:transition p14:dur="10"/>
     </mc:Choice>
-    <mc:Fallback xmlns="" xmlns:a14="http://schemas.microsoft.com/office/drawing/2010/main" xmlns:a16="http://schemas.microsoft.com/office/drawing/2014/main">
+    <mc:Fallback xmlns:a16="http://schemas.microsoft.com/office/drawing/2014/main" xmlns:a14="http://schemas.microsoft.com/office/drawing/2010/main" xmlns="">
       <p:transition/>
     </mc:Fallback>
   </mc:AlternateContent>
@@ -25963,7 +25964,7 @@
     <mc:Choice Requires="p14">
       <p:transition p14:dur="10"/>
     </mc:Choice>
-    <mc:Fallback xmlns="" xmlns:a14="http://schemas.microsoft.com/office/drawing/2010/main" xmlns:a16="http://schemas.microsoft.com/office/drawing/2014/main">
+    <mc:Fallback xmlns:a16="http://schemas.microsoft.com/office/drawing/2014/main" xmlns:a14="http://schemas.microsoft.com/office/drawing/2010/main" xmlns="">
       <p:transition/>
     </mc:Fallback>
   </mc:AlternateContent>
@@ -27947,7 +27948,7 @@
     <mc:Choice Requires="p14">
       <p:transition p14:dur="10"/>
     </mc:Choice>
-    <mc:Fallback xmlns="" xmlns:a14="http://schemas.microsoft.com/office/drawing/2010/main" xmlns:a16="http://schemas.microsoft.com/office/drawing/2014/main">
+    <mc:Fallback xmlns:a16="http://schemas.microsoft.com/office/drawing/2014/main" xmlns:a14="http://schemas.microsoft.com/office/drawing/2010/main" xmlns="">
       <p:transition/>
     </mc:Fallback>
   </mc:AlternateContent>
@@ -28689,7 +28690,7 @@
     <mc:Choice Requires="p14">
       <p:transition p14:dur="10"/>
     </mc:Choice>
-    <mc:Fallback xmlns="" xmlns:a14="http://schemas.microsoft.com/office/drawing/2010/main" xmlns:a16="http://schemas.microsoft.com/office/drawing/2014/main">
+    <mc:Fallback xmlns:a16="http://schemas.microsoft.com/office/drawing/2014/main" xmlns:a14="http://schemas.microsoft.com/office/drawing/2010/main" xmlns="">
       <p:transition/>
     </mc:Fallback>
   </mc:AlternateContent>
@@ -29515,7 +29516,7 @@
     <mc:Choice Requires="p14">
       <p:transition p14:dur="10"/>
     </mc:Choice>
-    <mc:Fallback xmlns="" xmlns:a14="http://schemas.microsoft.com/office/drawing/2010/main" xmlns:a16="http://schemas.microsoft.com/office/drawing/2014/main">
+    <mc:Fallback xmlns:a16="http://schemas.microsoft.com/office/drawing/2014/main" xmlns:a14="http://schemas.microsoft.com/office/drawing/2010/main" xmlns="">
       <p:transition/>
     </mc:Fallback>
   </mc:AlternateContent>
@@ -29712,7 +29713,7 @@
     <mc:Choice Requires="p14">
       <p:transition p14:dur="10"/>
     </mc:Choice>
-    <mc:Fallback xmlns="" xmlns:a16="http://schemas.microsoft.com/office/drawing/2014/main" xmlns:a14="http://schemas.microsoft.com/office/drawing/2010/main">
+    <mc:Fallback xmlns:a14="http://schemas.microsoft.com/office/drawing/2010/main" xmlns:a16="http://schemas.microsoft.com/office/drawing/2014/main" xmlns="">
       <p:transition/>
     </mc:Fallback>
   </mc:AlternateContent>
@@ -29948,7 +29949,7 @@
     <mc:Choice Requires="p14">
       <p:transition p14:dur="10"/>
     </mc:Choice>
-    <mc:Fallback xmlns="" xmlns:a14="http://schemas.microsoft.com/office/drawing/2010/main" xmlns:a16="http://schemas.microsoft.com/office/drawing/2014/main">
+    <mc:Fallback xmlns:a16="http://schemas.microsoft.com/office/drawing/2014/main" xmlns:a14="http://schemas.microsoft.com/office/drawing/2010/main" xmlns="">
       <p:transition/>
     </mc:Fallback>
   </mc:AlternateContent>
@@ -30294,7 +30295,7 @@
           <a:p>
             <a:fld id="{1E7953D9-2557-2445-9A3D-2952E9A21483}" type="datetimeFigureOut">
               <a:rPr lang="en-US" smtClean="0"/>
-              <a:t>7/10/24</a:t>
+              <a:t>7/12/24</a:t>
             </a:fld>
             <a:endParaRPr lang="en-US"/>
           </a:p>
@@ -30611,7 +30612,7 @@
     <mc:Choice Requires="p14">
       <p:transition p14:dur="10"/>
     </mc:Choice>
-    <mc:Fallback xmlns="" xmlns:a16="http://schemas.microsoft.com/office/drawing/2014/main">
+    <mc:Fallback xmlns:a16="http://schemas.microsoft.com/office/drawing/2014/main" xmlns="">
       <p:transition/>
     </mc:Fallback>
   </mc:AlternateContent>
@@ -30721,7 +30722,7 @@
     <mc:Choice Requires="p14">
       <p:transition p14:dur="10"/>
     </mc:Choice>
-    <mc:Fallback xmlns="" xmlns:a14="http://schemas.microsoft.com/office/drawing/2010/main" xmlns:a16="http://schemas.microsoft.com/office/drawing/2014/main">
+    <mc:Fallback xmlns:a16="http://schemas.microsoft.com/office/drawing/2014/main" xmlns:a14="http://schemas.microsoft.com/office/drawing/2010/main" xmlns="">
       <p:transition/>
     </mc:Fallback>
   </mc:AlternateContent>
@@ -31110,7 +31111,7 @@
           <a:p>
             <a:fld id="{1E7953D9-2557-2445-9A3D-2952E9A21483}" type="datetimeFigureOut">
               <a:rPr lang="en-US" smtClean="0"/>
-              <a:t>7/10/24</a:t>
+              <a:t>7/12/24</a:t>
             </a:fld>
             <a:endParaRPr lang="en-US"/>
           </a:p>
@@ -31223,7 +31224,7 @@
           <a:p>
             <a:fld id="{1E7953D9-2557-2445-9A3D-2952E9A21483}" type="datetimeFigureOut">
               <a:rPr lang="en-US" smtClean="0"/>
-              <a:t>7/10/24</a:t>
+              <a:t>7/12/24</a:t>
             </a:fld>
             <a:endParaRPr lang="en-US"/>
           </a:p>
@@ -31534,7 +31535,7 @@
           <a:p>
             <a:fld id="{1E7953D9-2557-2445-9A3D-2952E9A21483}" type="datetimeFigureOut">
               <a:rPr lang="en-US" smtClean="0"/>
-              <a:t>7/10/24</a:t>
+              <a:t>7/12/24</a:t>
             </a:fld>
             <a:endParaRPr lang="en-US"/>
           </a:p>
@@ -31822,7 +31823,7 @@
           <a:p>
             <a:fld id="{1E7953D9-2557-2445-9A3D-2952E9A21483}" type="datetimeFigureOut">
               <a:rPr lang="en-US" smtClean="0"/>
-              <a:t>7/10/24</a:t>
+              <a:t>7/12/24</a:t>
             </a:fld>
             <a:endParaRPr lang="en-US"/>
           </a:p>
@@ -32063,7 +32064,7 @@
           <a:p>
             <a:fld id="{1E7953D9-2557-2445-9A3D-2952E9A21483}" type="datetimeFigureOut">
               <a:rPr lang="en-US" smtClean="0"/>
-              <a:t>7/10/24</a:t>
+              <a:t>7/12/24</a:t>
             </a:fld>
             <a:endParaRPr lang="en-US"/>
           </a:p>
@@ -32693,7 +32694,7 @@
     <mc:Choice Requires="p14">
       <p:transition p14:dur="10"/>
     </mc:Choice>
-    <mc:Fallback xmlns="" xmlns:a14="http://schemas.microsoft.com/office/drawing/2010/main" xmlns:a16="http://schemas.microsoft.com/office/drawing/2014/main">
+    <mc:Fallback xmlns:a16="http://schemas.microsoft.com/office/drawing/2014/main" xmlns:a14="http://schemas.microsoft.com/office/drawing/2010/main" xmlns="">
       <p:transition/>
     </mc:Fallback>
   </mc:AlternateContent>
@@ -33067,6 +33068,2341 @@
 </p:sld>
 </file>
 
+<file path=ppt/slides/slide10.xml><?xml version="1.0" encoding="utf-8"?>
+<p:sld xmlns:a="http://schemas.openxmlformats.org/drawingml/2006/main" xmlns:r="http://schemas.openxmlformats.org/officeDocument/2006/relationships" xmlns:p="http://schemas.openxmlformats.org/presentationml/2006/main">
+  <p:cSld>
+    <p:spTree>
+      <p:nvGrpSpPr>
+        <p:cNvPr id="1" name=""/>
+        <p:cNvGrpSpPr/>
+        <p:nvPr/>
+      </p:nvGrpSpPr>
+      <p:grpSpPr>
+        <a:xfrm>
+          <a:off x="0" y="0"/>
+          <a:ext cx="0" cy="0"/>
+          <a:chOff x="0" y="0"/>
+          <a:chExt cx="0" cy="0"/>
+        </a:xfrm>
+      </p:grpSpPr>
+      <p:sp>
+        <p:nvSpPr>
+          <p:cNvPr id="94" name="Rectangle 93">
+            <a:extLst>
+              <a:ext uri="{FF2B5EF4-FFF2-40B4-BE49-F238E27FC236}">
+                <a16:creationId xmlns:a16="http://schemas.microsoft.com/office/drawing/2014/main" id="{67CAA1AB-95D5-E391-5573-AE484EF2FBC6}"/>
+              </a:ext>
+            </a:extLst>
+          </p:cNvPr>
+          <p:cNvSpPr/>
+          <p:nvPr/>
+        </p:nvSpPr>
+        <p:spPr>
+          <a:xfrm>
+            <a:off x="2014236" y="3012006"/>
+            <a:ext cx="2724306" cy="1847698"/>
+          </a:xfrm>
+          <a:prstGeom prst="rect">
+            <a:avLst/>
+          </a:prstGeom>
+          <a:solidFill>
+            <a:schemeClr val="bg1">
+              <a:lumMod val="85000"/>
+            </a:schemeClr>
+          </a:solidFill>
+          <a:ln w="12700" cap="flat" cmpd="sng" algn="ctr">
+            <a:solidFill>
+              <a:srgbClr val="4472C4">
+                <a:shade val="50000"/>
+              </a:srgbClr>
+            </a:solidFill>
+            <a:prstDash val="solid"/>
+            <a:miter lim="800000"/>
+          </a:ln>
+          <a:effectLst/>
+        </p:spPr>
+        <p:txBody>
+          <a:bodyPr rtlCol="0" anchor="ctr"/>
+          <a:lstStyle/>
+          <a:p>
+            <a:pPr marL="0" marR="0" lvl="0" indent="0" algn="ctr" defTabSz="304770" eaLnBrk="1" fontAlgn="auto" latinLnBrk="0" hangingPunct="1">
+              <a:lnSpc>
+                <a:spcPct val="100000"/>
+              </a:lnSpc>
+              <a:spcBef>
+                <a:spcPts val="0"/>
+              </a:spcBef>
+              <a:spcAft>
+                <a:spcPts val="0"/>
+              </a:spcAft>
+              <a:buClrTx/>
+              <a:buSzTx/>
+              <a:buFontTx/>
+              <a:buNone/>
+              <a:tabLst/>
+              <a:defRPr/>
+            </a:pPr>
+            <a:endParaRPr kumimoji="0" lang="en-US" sz="2000" b="0" i="0" u="none" strike="noStrike" kern="0" cap="none" spc="0" normalizeH="0" baseline="0" noProof="0" dirty="0">
+              <a:ln>
+                <a:noFill/>
+              </a:ln>
+              <a:solidFill>
+                <a:prstClr val="black"/>
+              </a:solidFill>
+              <a:effectLst/>
+              <a:uLnTx/>
+              <a:uFillTx/>
+              <a:latin typeface="Calibri" panose="020F0502020204030204"/>
+            </a:endParaRPr>
+          </a:p>
+        </p:txBody>
+      </p:sp>
+      <p:sp>
+        <p:nvSpPr>
+          <p:cNvPr id="2" name="Title 1">
+            <a:extLst>
+              <a:ext uri="{FF2B5EF4-FFF2-40B4-BE49-F238E27FC236}">
+                <a16:creationId xmlns:a16="http://schemas.microsoft.com/office/drawing/2014/main" id="{0DA3CB7C-AA13-229D-3E7C-6AD6B7A42632}"/>
+              </a:ext>
+            </a:extLst>
+          </p:cNvPr>
+          <p:cNvSpPr>
+            <a:spLocks noGrp="1"/>
+          </p:cNvSpPr>
+          <p:nvPr>
+            <p:ph type="title"/>
+          </p:nvPr>
+        </p:nvSpPr>
+        <p:spPr/>
+        <p:txBody>
+          <a:bodyPr/>
+          <a:lstStyle/>
+          <a:p>
+            <a:endParaRPr lang="en-US"/>
+          </a:p>
+        </p:txBody>
+      </p:sp>
+      <p:grpSp>
+        <p:nvGrpSpPr>
+          <p:cNvPr id="4" name="Group 3">
+            <a:extLst>
+              <a:ext uri="{FF2B5EF4-FFF2-40B4-BE49-F238E27FC236}">
+                <a16:creationId xmlns:a16="http://schemas.microsoft.com/office/drawing/2014/main" id="{31188C9F-BC62-6116-625D-8028E673B69A}"/>
+              </a:ext>
+            </a:extLst>
+          </p:cNvPr>
+          <p:cNvGrpSpPr/>
+          <p:nvPr/>
+        </p:nvGrpSpPr>
+        <p:grpSpPr>
+          <a:xfrm>
+            <a:off x="3576392" y="3237680"/>
+            <a:ext cx="656665" cy="261610"/>
+            <a:chOff x="6985000" y="4827977"/>
+            <a:chExt cx="656665" cy="261610"/>
+          </a:xfrm>
+        </p:grpSpPr>
+        <p:sp>
+          <p:nvSpPr>
+            <p:cNvPr id="5" name="Rectangle 4">
+              <a:extLst>
+                <a:ext uri="{FF2B5EF4-FFF2-40B4-BE49-F238E27FC236}">
+                  <a16:creationId xmlns:a16="http://schemas.microsoft.com/office/drawing/2014/main" id="{43FF7F3C-97BC-F130-A0FF-6AE2E0392D57}"/>
+                </a:ext>
+              </a:extLst>
+            </p:cNvPr>
+            <p:cNvSpPr/>
+            <p:nvPr/>
+          </p:nvSpPr>
+          <p:spPr>
+            <a:xfrm>
+              <a:off x="7520299" y="4827977"/>
+              <a:ext cx="121366" cy="261610"/>
+            </a:xfrm>
+            <a:prstGeom prst="rect">
+              <a:avLst/>
+            </a:prstGeom>
+            <a:noFill/>
+            <a:ln w="12700" cap="flat" cmpd="sng" algn="ctr">
+              <a:solidFill>
+                <a:schemeClr val="bg1">
+                  <a:lumMod val="95000"/>
+                  <a:lumOff val="5000"/>
+                </a:schemeClr>
+              </a:solidFill>
+              <a:prstDash val="solid"/>
+              <a:miter lim="800000"/>
+            </a:ln>
+            <a:effectLst/>
+          </p:spPr>
+          <p:txBody>
+            <a:bodyPr rtlCol="0" anchor="ctr"/>
+            <a:lstStyle/>
+            <a:p>
+              <a:pPr algn="ctr" defTabSz="304770">
+                <a:defRPr/>
+              </a:pPr>
+              <a:endParaRPr lang="en-US" sz="467" kern="0" dirty="0">
+                <a:solidFill>
+                  <a:prstClr val="black"/>
+                </a:solidFill>
+                <a:latin typeface="Calibri" panose="020F0502020204030204"/>
+              </a:endParaRPr>
+            </a:p>
+          </p:txBody>
+        </p:sp>
+        <p:sp>
+          <p:nvSpPr>
+            <p:cNvPr id="6" name="Rectangle 5">
+              <a:extLst>
+                <a:ext uri="{FF2B5EF4-FFF2-40B4-BE49-F238E27FC236}">
+                  <a16:creationId xmlns:a16="http://schemas.microsoft.com/office/drawing/2014/main" id="{1BFC69AA-6CF2-6D32-5A9F-18179CF913F0}"/>
+                </a:ext>
+              </a:extLst>
+            </p:cNvPr>
+            <p:cNvSpPr/>
+            <p:nvPr/>
+          </p:nvSpPr>
+          <p:spPr>
+            <a:xfrm>
+              <a:off x="7398933" y="4827977"/>
+              <a:ext cx="121366" cy="261610"/>
+            </a:xfrm>
+            <a:prstGeom prst="rect">
+              <a:avLst/>
+            </a:prstGeom>
+            <a:noFill/>
+            <a:ln w="12700" cap="flat" cmpd="sng" algn="ctr">
+              <a:solidFill>
+                <a:schemeClr val="bg1">
+                  <a:lumMod val="95000"/>
+                  <a:lumOff val="5000"/>
+                </a:schemeClr>
+              </a:solidFill>
+              <a:prstDash val="solid"/>
+              <a:miter lim="800000"/>
+            </a:ln>
+            <a:effectLst/>
+          </p:spPr>
+          <p:txBody>
+            <a:bodyPr rtlCol="0" anchor="ctr"/>
+            <a:lstStyle/>
+            <a:p>
+              <a:pPr algn="ctr" defTabSz="304770">
+                <a:defRPr/>
+              </a:pPr>
+              <a:endParaRPr lang="en-US" sz="467" kern="0" dirty="0">
+                <a:solidFill>
+                  <a:prstClr val="black"/>
+                </a:solidFill>
+                <a:latin typeface="Calibri" panose="020F0502020204030204"/>
+              </a:endParaRPr>
+            </a:p>
+          </p:txBody>
+        </p:sp>
+        <p:sp>
+          <p:nvSpPr>
+            <p:cNvPr id="7" name="Rectangle 6">
+              <a:extLst>
+                <a:ext uri="{FF2B5EF4-FFF2-40B4-BE49-F238E27FC236}">
+                  <a16:creationId xmlns:a16="http://schemas.microsoft.com/office/drawing/2014/main" id="{42A253E6-9521-5422-7874-BE213F2751D7}"/>
+                </a:ext>
+              </a:extLst>
+            </p:cNvPr>
+            <p:cNvSpPr/>
+            <p:nvPr/>
+          </p:nvSpPr>
+          <p:spPr>
+            <a:xfrm>
+              <a:off x="7275754" y="4827977"/>
+              <a:ext cx="121366" cy="261610"/>
+            </a:xfrm>
+            <a:prstGeom prst="rect">
+              <a:avLst/>
+            </a:prstGeom>
+            <a:noFill/>
+            <a:ln w="12700" cap="flat" cmpd="sng" algn="ctr">
+              <a:solidFill>
+                <a:schemeClr val="bg1">
+                  <a:lumMod val="95000"/>
+                  <a:lumOff val="5000"/>
+                </a:schemeClr>
+              </a:solidFill>
+              <a:prstDash val="solid"/>
+              <a:miter lim="800000"/>
+            </a:ln>
+            <a:effectLst/>
+          </p:spPr>
+          <p:txBody>
+            <a:bodyPr rtlCol="0" anchor="ctr"/>
+            <a:lstStyle/>
+            <a:p>
+              <a:pPr algn="ctr" defTabSz="304770">
+                <a:defRPr/>
+              </a:pPr>
+              <a:endParaRPr lang="en-US" sz="467" kern="0" dirty="0">
+                <a:solidFill>
+                  <a:prstClr val="black"/>
+                </a:solidFill>
+                <a:latin typeface="Calibri" panose="020F0502020204030204"/>
+              </a:endParaRPr>
+            </a:p>
+          </p:txBody>
+        </p:sp>
+        <p:cxnSp>
+          <p:nvCxnSpPr>
+            <p:cNvPr id="8" name="Straight Connector 7">
+              <a:extLst>
+                <a:ext uri="{FF2B5EF4-FFF2-40B4-BE49-F238E27FC236}">
+                  <a16:creationId xmlns:a16="http://schemas.microsoft.com/office/drawing/2014/main" id="{C03085CF-A6FE-C8D9-DDA6-D19E739D4B64}"/>
+                </a:ext>
+              </a:extLst>
+            </p:cNvPr>
+            <p:cNvCxnSpPr>
+              <a:cxnSpLocks/>
+            </p:cNvCxnSpPr>
+            <p:nvPr/>
+          </p:nvCxnSpPr>
+          <p:spPr>
+            <a:xfrm>
+              <a:off x="6985000" y="4827977"/>
+              <a:ext cx="290754" cy="0"/>
+            </a:xfrm>
+            <a:prstGeom prst="line">
+              <a:avLst/>
+            </a:prstGeom>
+            <a:ln w="15875">
+              <a:solidFill>
+                <a:schemeClr val="bg1">
+                  <a:lumMod val="95000"/>
+                  <a:lumOff val="5000"/>
+                </a:schemeClr>
+              </a:solidFill>
+            </a:ln>
+          </p:spPr>
+          <p:style>
+            <a:lnRef idx="1">
+              <a:schemeClr val="accent1"/>
+            </a:lnRef>
+            <a:fillRef idx="0">
+              <a:schemeClr val="accent1"/>
+            </a:fillRef>
+            <a:effectRef idx="0">
+              <a:schemeClr val="accent1"/>
+            </a:effectRef>
+            <a:fontRef idx="minor">
+              <a:schemeClr val="tx1"/>
+            </a:fontRef>
+          </p:style>
+        </p:cxnSp>
+        <p:cxnSp>
+          <p:nvCxnSpPr>
+            <p:cNvPr id="9" name="Straight Connector 8">
+              <a:extLst>
+                <a:ext uri="{FF2B5EF4-FFF2-40B4-BE49-F238E27FC236}">
+                  <a16:creationId xmlns:a16="http://schemas.microsoft.com/office/drawing/2014/main" id="{D343A29C-1D8C-602B-AAC7-B27541DC20BF}"/>
+                </a:ext>
+              </a:extLst>
+            </p:cNvPr>
+            <p:cNvCxnSpPr>
+              <a:cxnSpLocks/>
+            </p:cNvCxnSpPr>
+            <p:nvPr/>
+          </p:nvCxnSpPr>
+          <p:spPr>
+            <a:xfrm>
+              <a:off x="6985000" y="5089587"/>
+              <a:ext cx="290754" cy="0"/>
+            </a:xfrm>
+            <a:prstGeom prst="line">
+              <a:avLst/>
+            </a:prstGeom>
+            <a:ln w="15875">
+              <a:solidFill>
+                <a:schemeClr val="bg1">
+                  <a:lumMod val="95000"/>
+                  <a:lumOff val="5000"/>
+                </a:schemeClr>
+              </a:solidFill>
+            </a:ln>
+          </p:spPr>
+          <p:style>
+            <a:lnRef idx="1">
+              <a:schemeClr val="accent1"/>
+            </a:lnRef>
+            <a:fillRef idx="0">
+              <a:schemeClr val="accent1"/>
+            </a:fillRef>
+            <a:effectRef idx="0">
+              <a:schemeClr val="accent1"/>
+            </a:effectRef>
+            <a:fontRef idx="minor">
+              <a:schemeClr val="tx1"/>
+            </a:fontRef>
+          </p:style>
+        </p:cxnSp>
+      </p:grpSp>
+      <p:sp>
+        <p:nvSpPr>
+          <p:cNvPr id="44" name="Rectangle 43">
+            <a:extLst>
+              <a:ext uri="{FF2B5EF4-FFF2-40B4-BE49-F238E27FC236}">
+                <a16:creationId xmlns:a16="http://schemas.microsoft.com/office/drawing/2014/main" id="{F5687A3C-A3E0-CBD4-3561-F426CA4C120D}"/>
+              </a:ext>
+            </a:extLst>
+          </p:cNvPr>
+          <p:cNvSpPr/>
+          <p:nvPr/>
+        </p:nvSpPr>
+        <p:spPr>
+          <a:xfrm>
+            <a:off x="4852397" y="3024811"/>
+            <a:ext cx="1311074" cy="1847698"/>
+          </a:xfrm>
+          <a:prstGeom prst="rect">
+            <a:avLst/>
+          </a:prstGeom>
+          <a:solidFill>
+            <a:srgbClr val="FFFFFF">
+              <a:lumMod val="95000"/>
+            </a:srgbClr>
+          </a:solidFill>
+          <a:ln w="12700" cap="flat" cmpd="sng" algn="ctr">
+            <a:solidFill>
+              <a:srgbClr val="4472C4">
+                <a:shade val="50000"/>
+              </a:srgbClr>
+            </a:solidFill>
+            <a:prstDash val="solid"/>
+            <a:miter lim="800000"/>
+          </a:ln>
+          <a:effectLst/>
+        </p:spPr>
+        <p:txBody>
+          <a:bodyPr rtlCol="0" anchor="ctr"/>
+          <a:lstStyle/>
+          <a:p>
+            <a:pPr marL="0" marR="0" lvl="0" indent="0" algn="ctr" defTabSz="304770" eaLnBrk="1" fontAlgn="auto" latinLnBrk="0" hangingPunct="1">
+              <a:lnSpc>
+                <a:spcPct val="100000"/>
+              </a:lnSpc>
+              <a:spcBef>
+                <a:spcPts val="0"/>
+              </a:spcBef>
+              <a:spcAft>
+                <a:spcPts val="0"/>
+              </a:spcAft>
+              <a:buClrTx/>
+              <a:buSzTx/>
+              <a:buFontTx/>
+              <a:buNone/>
+              <a:tabLst/>
+              <a:defRPr/>
+            </a:pPr>
+            <a:endParaRPr kumimoji="0" lang="en-US" sz="2000" b="0" i="0" u="none" strike="noStrike" kern="0" cap="none" spc="0" normalizeH="0" baseline="0" noProof="0" dirty="0">
+              <a:ln>
+                <a:noFill/>
+              </a:ln>
+              <a:solidFill>
+                <a:prstClr val="black"/>
+              </a:solidFill>
+              <a:effectLst/>
+              <a:uLnTx/>
+              <a:uFillTx/>
+              <a:latin typeface="Calibri" panose="020F0502020204030204"/>
+            </a:endParaRPr>
+          </a:p>
+        </p:txBody>
+      </p:sp>
+      <p:grpSp>
+        <p:nvGrpSpPr>
+          <p:cNvPr id="45" name="Group 44">
+            <a:extLst>
+              <a:ext uri="{FF2B5EF4-FFF2-40B4-BE49-F238E27FC236}">
+                <a16:creationId xmlns:a16="http://schemas.microsoft.com/office/drawing/2014/main" id="{4FEB8FB6-68D7-8A60-1078-3D7A45B58A18}"/>
+              </a:ext>
+            </a:extLst>
+          </p:cNvPr>
+          <p:cNvGrpSpPr/>
+          <p:nvPr/>
+        </p:nvGrpSpPr>
+        <p:grpSpPr>
+          <a:xfrm>
+            <a:off x="3576392" y="3248490"/>
+            <a:ext cx="656665" cy="250799"/>
+            <a:chOff x="6985000" y="4827977"/>
+            <a:chExt cx="656665" cy="261610"/>
+          </a:xfrm>
+        </p:grpSpPr>
+        <p:sp>
+          <p:nvSpPr>
+            <p:cNvPr id="46" name="Rectangle 45">
+              <a:extLst>
+                <a:ext uri="{FF2B5EF4-FFF2-40B4-BE49-F238E27FC236}">
+                  <a16:creationId xmlns:a16="http://schemas.microsoft.com/office/drawing/2014/main" id="{2B6D530F-B45E-5C21-F8A2-372362E4F34D}"/>
+                </a:ext>
+              </a:extLst>
+            </p:cNvPr>
+            <p:cNvSpPr/>
+            <p:nvPr/>
+          </p:nvSpPr>
+          <p:spPr>
+            <a:xfrm>
+              <a:off x="7520299" y="4827977"/>
+              <a:ext cx="121366" cy="261610"/>
+            </a:xfrm>
+            <a:prstGeom prst="rect">
+              <a:avLst/>
+            </a:prstGeom>
+            <a:noFill/>
+            <a:ln w="12700" cap="flat" cmpd="sng" algn="ctr">
+              <a:solidFill>
+                <a:srgbClr val="000000">
+                  <a:lumMod val="95000"/>
+                  <a:lumOff val="5000"/>
+                </a:srgbClr>
+              </a:solidFill>
+              <a:prstDash val="solid"/>
+              <a:miter lim="800000"/>
+            </a:ln>
+            <a:effectLst/>
+          </p:spPr>
+          <p:txBody>
+            <a:bodyPr rtlCol="0" anchor="ctr"/>
+            <a:lstStyle/>
+            <a:p>
+              <a:pPr marL="0" marR="0" lvl="0" indent="0" algn="ctr" defTabSz="304770" eaLnBrk="1" fontAlgn="auto" latinLnBrk="0" hangingPunct="1">
+                <a:lnSpc>
+                  <a:spcPct val="100000"/>
+                </a:lnSpc>
+                <a:spcBef>
+                  <a:spcPts val="0"/>
+                </a:spcBef>
+                <a:spcAft>
+                  <a:spcPts val="0"/>
+                </a:spcAft>
+                <a:buClrTx/>
+                <a:buSzTx/>
+                <a:buFontTx/>
+                <a:buNone/>
+                <a:tabLst/>
+                <a:defRPr/>
+              </a:pPr>
+              <a:endParaRPr kumimoji="0" lang="en-US" sz="467" b="0" i="0" u="none" strike="noStrike" kern="0" cap="none" spc="0" normalizeH="0" baseline="0" noProof="0" dirty="0">
+                <a:ln>
+                  <a:noFill/>
+                </a:ln>
+                <a:solidFill>
+                  <a:prstClr val="black"/>
+                </a:solidFill>
+                <a:effectLst/>
+                <a:uLnTx/>
+                <a:uFillTx/>
+                <a:latin typeface="Calibri" panose="020F0502020204030204"/>
+              </a:endParaRPr>
+            </a:p>
+          </p:txBody>
+        </p:sp>
+        <p:sp>
+          <p:nvSpPr>
+            <p:cNvPr id="47" name="Rectangle 46">
+              <a:extLst>
+                <a:ext uri="{FF2B5EF4-FFF2-40B4-BE49-F238E27FC236}">
+                  <a16:creationId xmlns:a16="http://schemas.microsoft.com/office/drawing/2014/main" id="{63504776-8891-3DB6-A953-6669EEB781FE}"/>
+                </a:ext>
+              </a:extLst>
+            </p:cNvPr>
+            <p:cNvSpPr/>
+            <p:nvPr/>
+          </p:nvSpPr>
+          <p:spPr>
+            <a:xfrm>
+              <a:off x="7398933" y="4827977"/>
+              <a:ext cx="121366" cy="261610"/>
+            </a:xfrm>
+            <a:prstGeom prst="rect">
+              <a:avLst/>
+            </a:prstGeom>
+            <a:noFill/>
+            <a:ln w="12700" cap="flat" cmpd="sng" algn="ctr">
+              <a:solidFill>
+                <a:srgbClr val="000000">
+                  <a:lumMod val="95000"/>
+                  <a:lumOff val="5000"/>
+                </a:srgbClr>
+              </a:solidFill>
+              <a:prstDash val="solid"/>
+              <a:miter lim="800000"/>
+            </a:ln>
+            <a:effectLst/>
+          </p:spPr>
+          <p:txBody>
+            <a:bodyPr rtlCol="0" anchor="ctr"/>
+            <a:lstStyle/>
+            <a:p>
+              <a:pPr marL="0" marR="0" lvl="0" indent="0" algn="ctr" defTabSz="304770" eaLnBrk="1" fontAlgn="auto" latinLnBrk="0" hangingPunct="1">
+                <a:lnSpc>
+                  <a:spcPct val="100000"/>
+                </a:lnSpc>
+                <a:spcBef>
+                  <a:spcPts val="0"/>
+                </a:spcBef>
+                <a:spcAft>
+                  <a:spcPts val="0"/>
+                </a:spcAft>
+                <a:buClrTx/>
+                <a:buSzTx/>
+                <a:buFontTx/>
+                <a:buNone/>
+                <a:tabLst/>
+                <a:defRPr/>
+              </a:pPr>
+              <a:endParaRPr kumimoji="0" lang="en-US" sz="467" b="0" i="0" u="none" strike="noStrike" kern="0" cap="none" spc="0" normalizeH="0" baseline="0" noProof="0" dirty="0">
+                <a:ln>
+                  <a:noFill/>
+                </a:ln>
+                <a:solidFill>
+                  <a:prstClr val="black"/>
+                </a:solidFill>
+                <a:effectLst/>
+                <a:uLnTx/>
+                <a:uFillTx/>
+                <a:latin typeface="Calibri" panose="020F0502020204030204"/>
+              </a:endParaRPr>
+            </a:p>
+          </p:txBody>
+        </p:sp>
+        <p:sp>
+          <p:nvSpPr>
+            <p:cNvPr id="48" name="Rectangle 47">
+              <a:extLst>
+                <a:ext uri="{FF2B5EF4-FFF2-40B4-BE49-F238E27FC236}">
+                  <a16:creationId xmlns:a16="http://schemas.microsoft.com/office/drawing/2014/main" id="{7DED99B3-117B-3172-29CB-957A5D835BDD}"/>
+                </a:ext>
+              </a:extLst>
+            </p:cNvPr>
+            <p:cNvSpPr/>
+            <p:nvPr/>
+          </p:nvSpPr>
+          <p:spPr>
+            <a:xfrm>
+              <a:off x="7275754" y="4827977"/>
+              <a:ext cx="121366" cy="261610"/>
+            </a:xfrm>
+            <a:prstGeom prst="rect">
+              <a:avLst/>
+            </a:prstGeom>
+            <a:noFill/>
+            <a:ln w="12700" cap="flat" cmpd="sng" algn="ctr">
+              <a:solidFill>
+                <a:srgbClr val="000000">
+                  <a:lumMod val="95000"/>
+                  <a:lumOff val="5000"/>
+                </a:srgbClr>
+              </a:solidFill>
+              <a:prstDash val="solid"/>
+              <a:miter lim="800000"/>
+            </a:ln>
+            <a:effectLst/>
+          </p:spPr>
+          <p:txBody>
+            <a:bodyPr rtlCol="0" anchor="ctr"/>
+            <a:lstStyle/>
+            <a:p>
+              <a:pPr marL="0" marR="0" lvl="0" indent="0" algn="ctr" defTabSz="304770" eaLnBrk="1" fontAlgn="auto" latinLnBrk="0" hangingPunct="1">
+                <a:lnSpc>
+                  <a:spcPct val="100000"/>
+                </a:lnSpc>
+                <a:spcBef>
+                  <a:spcPts val="0"/>
+                </a:spcBef>
+                <a:spcAft>
+                  <a:spcPts val="0"/>
+                </a:spcAft>
+                <a:buClrTx/>
+                <a:buSzTx/>
+                <a:buFontTx/>
+                <a:buNone/>
+                <a:tabLst/>
+                <a:defRPr/>
+              </a:pPr>
+              <a:endParaRPr kumimoji="0" lang="en-US" sz="467" b="0" i="0" u="none" strike="noStrike" kern="0" cap="none" spc="0" normalizeH="0" baseline="0" noProof="0" dirty="0">
+                <a:ln>
+                  <a:noFill/>
+                </a:ln>
+                <a:solidFill>
+                  <a:prstClr val="black"/>
+                </a:solidFill>
+                <a:effectLst/>
+                <a:uLnTx/>
+                <a:uFillTx/>
+                <a:latin typeface="Calibri" panose="020F0502020204030204"/>
+              </a:endParaRPr>
+            </a:p>
+          </p:txBody>
+        </p:sp>
+        <p:cxnSp>
+          <p:nvCxnSpPr>
+            <p:cNvPr id="49" name="Straight Connector 48">
+              <a:extLst>
+                <a:ext uri="{FF2B5EF4-FFF2-40B4-BE49-F238E27FC236}">
+                  <a16:creationId xmlns:a16="http://schemas.microsoft.com/office/drawing/2014/main" id="{CBCCB3ED-BFF5-39CD-E242-4818A9D4D098}"/>
+                </a:ext>
+              </a:extLst>
+            </p:cNvPr>
+            <p:cNvCxnSpPr>
+              <a:cxnSpLocks/>
+            </p:cNvCxnSpPr>
+            <p:nvPr/>
+          </p:nvCxnSpPr>
+          <p:spPr>
+            <a:xfrm>
+              <a:off x="6985000" y="4827977"/>
+              <a:ext cx="290754" cy="0"/>
+            </a:xfrm>
+            <a:prstGeom prst="line">
+              <a:avLst/>
+            </a:prstGeom>
+            <a:noFill/>
+            <a:ln w="15875" cap="flat" cmpd="sng" algn="ctr">
+              <a:solidFill>
+                <a:srgbClr val="000000">
+                  <a:lumMod val="95000"/>
+                  <a:lumOff val="5000"/>
+                </a:srgbClr>
+              </a:solidFill>
+              <a:prstDash val="solid"/>
+            </a:ln>
+            <a:effectLst/>
+          </p:spPr>
+        </p:cxnSp>
+        <p:cxnSp>
+          <p:nvCxnSpPr>
+            <p:cNvPr id="50" name="Straight Connector 49">
+              <a:extLst>
+                <a:ext uri="{FF2B5EF4-FFF2-40B4-BE49-F238E27FC236}">
+                  <a16:creationId xmlns:a16="http://schemas.microsoft.com/office/drawing/2014/main" id="{A9F6AA4E-292E-954C-A20A-92D42B487C1F}"/>
+                </a:ext>
+              </a:extLst>
+            </p:cNvPr>
+            <p:cNvCxnSpPr>
+              <a:cxnSpLocks/>
+            </p:cNvCxnSpPr>
+            <p:nvPr/>
+          </p:nvCxnSpPr>
+          <p:spPr>
+            <a:xfrm>
+              <a:off x="6985000" y="5089587"/>
+              <a:ext cx="290754" cy="0"/>
+            </a:xfrm>
+            <a:prstGeom prst="line">
+              <a:avLst/>
+            </a:prstGeom>
+            <a:noFill/>
+            <a:ln w="15875" cap="flat" cmpd="sng" algn="ctr">
+              <a:solidFill>
+                <a:srgbClr val="000000">
+                  <a:lumMod val="95000"/>
+                  <a:lumOff val="5000"/>
+                </a:srgbClr>
+              </a:solidFill>
+              <a:prstDash val="solid"/>
+            </a:ln>
+            <a:effectLst/>
+          </p:spPr>
+        </p:cxnSp>
+      </p:grpSp>
+      <p:grpSp>
+        <p:nvGrpSpPr>
+          <p:cNvPr id="51" name="Group 50">
+            <a:extLst>
+              <a:ext uri="{FF2B5EF4-FFF2-40B4-BE49-F238E27FC236}">
+                <a16:creationId xmlns:a16="http://schemas.microsoft.com/office/drawing/2014/main" id="{7F8F9E3C-6A2E-756F-03B8-F369CB0A87AC}"/>
+              </a:ext>
+            </a:extLst>
+          </p:cNvPr>
+          <p:cNvGrpSpPr/>
+          <p:nvPr/>
+        </p:nvGrpSpPr>
+        <p:grpSpPr>
+          <a:xfrm>
+            <a:off x="3576392" y="3685056"/>
+            <a:ext cx="656665" cy="250799"/>
+            <a:chOff x="6985000" y="4827977"/>
+            <a:chExt cx="656665" cy="261610"/>
+          </a:xfrm>
+        </p:grpSpPr>
+        <p:sp>
+          <p:nvSpPr>
+            <p:cNvPr id="52" name="Rectangle 51">
+              <a:extLst>
+                <a:ext uri="{FF2B5EF4-FFF2-40B4-BE49-F238E27FC236}">
+                  <a16:creationId xmlns:a16="http://schemas.microsoft.com/office/drawing/2014/main" id="{8222E412-511C-C880-198A-F1AAD3107442}"/>
+                </a:ext>
+              </a:extLst>
+            </p:cNvPr>
+            <p:cNvSpPr/>
+            <p:nvPr/>
+          </p:nvSpPr>
+          <p:spPr>
+            <a:xfrm>
+              <a:off x="7520299" y="4827977"/>
+              <a:ext cx="121366" cy="261610"/>
+            </a:xfrm>
+            <a:prstGeom prst="rect">
+              <a:avLst/>
+            </a:prstGeom>
+            <a:noFill/>
+            <a:ln w="12700" cap="flat" cmpd="sng" algn="ctr">
+              <a:solidFill>
+                <a:srgbClr val="000000">
+                  <a:lumMod val="95000"/>
+                  <a:lumOff val="5000"/>
+                </a:srgbClr>
+              </a:solidFill>
+              <a:prstDash val="solid"/>
+              <a:miter lim="800000"/>
+            </a:ln>
+            <a:effectLst/>
+          </p:spPr>
+          <p:txBody>
+            <a:bodyPr rtlCol="0" anchor="ctr"/>
+            <a:lstStyle/>
+            <a:p>
+              <a:pPr marL="0" marR="0" lvl="0" indent="0" algn="ctr" defTabSz="304770" eaLnBrk="1" fontAlgn="auto" latinLnBrk="0" hangingPunct="1">
+                <a:lnSpc>
+                  <a:spcPct val="100000"/>
+                </a:lnSpc>
+                <a:spcBef>
+                  <a:spcPts val="0"/>
+                </a:spcBef>
+                <a:spcAft>
+                  <a:spcPts val="0"/>
+                </a:spcAft>
+                <a:buClrTx/>
+                <a:buSzTx/>
+                <a:buFontTx/>
+                <a:buNone/>
+                <a:tabLst/>
+                <a:defRPr/>
+              </a:pPr>
+              <a:endParaRPr kumimoji="0" lang="en-US" sz="467" b="0" i="0" u="none" strike="noStrike" kern="0" cap="none" spc="0" normalizeH="0" baseline="0" noProof="0" dirty="0">
+                <a:ln>
+                  <a:noFill/>
+                </a:ln>
+                <a:solidFill>
+                  <a:prstClr val="black"/>
+                </a:solidFill>
+                <a:effectLst/>
+                <a:uLnTx/>
+                <a:uFillTx/>
+                <a:latin typeface="Calibri" panose="020F0502020204030204"/>
+              </a:endParaRPr>
+            </a:p>
+          </p:txBody>
+        </p:sp>
+        <p:sp>
+          <p:nvSpPr>
+            <p:cNvPr id="53" name="Rectangle 52">
+              <a:extLst>
+                <a:ext uri="{FF2B5EF4-FFF2-40B4-BE49-F238E27FC236}">
+                  <a16:creationId xmlns:a16="http://schemas.microsoft.com/office/drawing/2014/main" id="{D8A27522-5917-A669-66AE-EFD6C038AF96}"/>
+                </a:ext>
+              </a:extLst>
+            </p:cNvPr>
+            <p:cNvSpPr/>
+            <p:nvPr/>
+          </p:nvSpPr>
+          <p:spPr>
+            <a:xfrm>
+              <a:off x="7398933" y="4827977"/>
+              <a:ext cx="121366" cy="261610"/>
+            </a:xfrm>
+            <a:prstGeom prst="rect">
+              <a:avLst/>
+            </a:prstGeom>
+            <a:noFill/>
+            <a:ln w="12700" cap="flat" cmpd="sng" algn="ctr">
+              <a:solidFill>
+                <a:srgbClr val="000000">
+                  <a:lumMod val="95000"/>
+                  <a:lumOff val="5000"/>
+                </a:srgbClr>
+              </a:solidFill>
+              <a:prstDash val="solid"/>
+              <a:miter lim="800000"/>
+            </a:ln>
+            <a:effectLst/>
+          </p:spPr>
+          <p:txBody>
+            <a:bodyPr rtlCol="0" anchor="ctr"/>
+            <a:lstStyle/>
+            <a:p>
+              <a:pPr marL="0" marR="0" lvl="0" indent="0" algn="ctr" defTabSz="304770" eaLnBrk="1" fontAlgn="auto" latinLnBrk="0" hangingPunct="1">
+                <a:lnSpc>
+                  <a:spcPct val="100000"/>
+                </a:lnSpc>
+                <a:spcBef>
+                  <a:spcPts val="0"/>
+                </a:spcBef>
+                <a:spcAft>
+                  <a:spcPts val="0"/>
+                </a:spcAft>
+                <a:buClrTx/>
+                <a:buSzTx/>
+                <a:buFontTx/>
+                <a:buNone/>
+                <a:tabLst/>
+                <a:defRPr/>
+              </a:pPr>
+              <a:endParaRPr kumimoji="0" lang="en-US" sz="467" b="0" i="0" u="none" strike="noStrike" kern="0" cap="none" spc="0" normalizeH="0" baseline="0" noProof="0" dirty="0">
+                <a:ln>
+                  <a:noFill/>
+                </a:ln>
+                <a:solidFill>
+                  <a:prstClr val="black"/>
+                </a:solidFill>
+                <a:effectLst/>
+                <a:uLnTx/>
+                <a:uFillTx/>
+                <a:latin typeface="Calibri" panose="020F0502020204030204"/>
+              </a:endParaRPr>
+            </a:p>
+          </p:txBody>
+        </p:sp>
+        <p:sp>
+          <p:nvSpPr>
+            <p:cNvPr id="54" name="Rectangle 53">
+              <a:extLst>
+                <a:ext uri="{FF2B5EF4-FFF2-40B4-BE49-F238E27FC236}">
+                  <a16:creationId xmlns:a16="http://schemas.microsoft.com/office/drawing/2014/main" id="{E2A02DB3-86F5-985C-0AA4-F4481AC84FA9}"/>
+                </a:ext>
+              </a:extLst>
+            </p:cNvPr>
+            <p:cNvSpPr/>
+            <p:nvPr/>
+          </p:nvSpPr>
+          <p:spPr>
+            <a:xfrm>
+              <a:off x="7275754" y="4827977"/>
+              <a:ext cx="121366" cy="261610"/>
+            </a:xfrm>
+            <a:prstGeom prst="rect">
+              <a:avLst/>
+            </a:prstGeom>
+            <a:noFill/>
+            <a:ln w="12700" cap="flat" cmpd="sng" algn="ctr">
+              <a:solidFill>
+                <a:srgbClr val="000000">
+                  <a:lumMod val="95000"/>
+                  <a:lumOff val="5000"/>
+                </a:srgbClr>
+              </a:solidFill>
+              <a:prstDash val="solid"/>
+              <a:miter lim="800000"/>
+            </a:ln>
+            <a:effectLst/>
+          </p:spPr>
+          <p:txBody>
+            <a:bodyPr rtlCol="0" anchor="ctr"/>
+            <a:lstStyle/>
+            <a:p>
+              <a:pPr marL="0" marR="0" lvl="0" indent="0" algn="ctr" defTabSz="304770" eaLnBrk="1" fontAlgn="auto" latinLnBrk="0" hangingPunct="1">
+                <a:lnSpc>
+                  <a:spcPct val="100000"/>
+                </a:lnSpc>
+                <a:spcBef>
+                  <a:spcPts val="0"/>
+                </a:spcBef>
+                <a:spcAft>
+                  <a:spcPts val="0"/>
+                </a:spcAft>
+                <a:buClrTx/>
+                <a:buSzTx/>
+                <a:buFontTx/>
+                <a:buNone/>
+                <a:tabLst/>
+                <a:defRPr/>
+              </a:pPr>
+              <a:endParaRPr kumimoji="0" lang="en-US" sz="467" b="0" i="0" u="none" strike="noStrike" kern="0" cap="none" spc="0" normalizeH="0" baseline="0" noProof="0" dirty="0">
+                <a:ln>
+                  <a:noFill/>
+                </a:ln>
+                <a:solidFill>
+                  <a:prstClr val="black"/>
+                </a:solidFill>
+                <a:effectLst/>
+                <a:uLnTx/>
+                <a:uFillTx/>
+                <a:latin typeface="Calibri" panose="020F0502020204030204"/>
+              </a:endParaRPr>
+            </a:p>
+          </p:txBody>
+        </p:sp>
+        <p:cxnSp>
+          <p:nvCxnSpPr>
+            <p:cNvPr id="55" name="Straight Connector 54">
+              <a:extLst>
+                <a:ext uri="{FF2B5EF4-FFF2-40B4-BE49-F238E27FC236}">
+                  <a16:creationId xmlns:a16="http://schemas.microsoft.com/office/drawing/2014/main" id="{6CF900F1-2E1D-9A58-C97A-620F3738C428}"/>
+                </a:ext>
+              </a:extLst>
+            </p:cNvPr>
+            <p:cNvCxnSpPr>
+              <a:cxnSpLocks/>
+            </p:cNvCxnSpPr>
+            <p:nvPr/>
+          </p:nvCxnSpPr>
+          <p:spPr>
+            <a:xfrm>
+              <a:off x="6985000" y="4827977"/>
+              <a:ext cx="290754" cy="0"/>
+            </a:xfrm>
+            <a:prstGeom prst="line">
+              <a:avLst/>
+            </a:prstGeom>
+            <a:noFill/>
+            <a:ln w="15875" cap="flat" cmpd="sng" algn="ctr">
+              <a:solidFill>
+                <a:srgbClr val="000000">
+                  <a:lumMod val="95000"/>
+                  <a:lumOff val="5000"/>
+                </a:srgbClr>
+              </a:solidFill>
+              <a:prstDash val="solid"/>
+            </a:ln>
+            <a:effectLst/>
+          </p:spPr>
+        </p:cxnSp>
+        <p:cxnSp>
+          <p:nvCxnSpPr>
+            <p:cNvPr id="56" name="Straight Connector 55">
+              <a:extLst>
+                <a:ext uri="{FF2B5EF4-FFF2-40B4-BE49-F238E27FC236}">
+                  <a16:creationId xmlns:a16="http://schemas.microsoft.com/office/drawing/2014/main" id="{2485F541-2710-2FCD-EFA2-BB023B5F7501}"/>
+                </a:ext>
+              </a:extLst>
+            </p:cNvPr>
+            <p:cNvCxnSpPr>
+              <a:cxnSpLocks/>
+            </p:cNvCxnSpPr>
+            <p:nvPr/>
+          </p:nvCxnSpPr>
+          <p:spPr>
+            <a:xfrm>
+              <a:off x="6985000" y="5089587"/>
+              <a:ext cx="290754" cy="0"/>
+            </a:xfrm>
+            <a:prstGeom prst="line">
+              <a:avLst/>
+            </a:prstGeom>
+            <a:noFill/>
+            <a:ln w="15875" cap="flat" cmpd="sng" algn="ctr">
+              <a:solidFill>
+                <a:srgbClr val="000000">
+                  <a:lumMod val="95000"/>
+                  <a:lumOff val="5000"/>
+                </a:srgbClr>
+              </a:solidFill>
+              <a:prstDash val="solid"/>
+            </a:ln>
+            <a:effectLst/>
+          </p:spPr>
+        </p:cxnSp>
+      </p:grpSp>
+      <p:grpSp>
+        <p:nvGrpSpPr>
+          <p:cNvPr id="57" name="Group 56">
+            <a:extLst>
+              <a:ext uri="{FF2B5EF4-FFF2-40B4-BE49-F238E27FC236}">
+                <a16:creationId xmlns:a16="http://schemas.microsoft.com/office/drawing/2014/main" id="{0A1B81C8-C7EC-0A1E-0D2A-5C66177BE1A8}"/>
+              </a:ext>
+            </a:extLst>
+          </p:cNvPr>
+          <p:cNvGrpSpPr/>
+          <p:nvPr/>
+        </p:nvGrpSpPr>
+        <p:grpSpPr>
+          <a:xfrm>
+            <a:off x="3576392" y="4380388"/>
+            <a:ext cx="656665" cy="250799"/>
+            <a:chOff x="6985000" y="4827977"/>
+            <a:chExt cx="656665" cy="261610"/>
+          </a:xfrm>
+        </p:grpSpPr>
+        <p:sp>
+          <p:nvSpPr>
+            <p:cNvPr id="58" name="Rectangle 57">
+              <a:extLst>
+                <a:ext uri="{FF2B5EF4-FFF2-40B4-BE49-F238E27FC236}">
+                  <a16:creationId xmlns:a16="http://schemas.microsoft.com/office/drawing/2014/main" id="{8B419F9E-F265-35BF-EB31-6B00C80A6BF3}"/>
+                </a:ext>
+              </a:extLst>
+            </p:cNvPr>
+            <p:cNvSpPr/>
+            <p:nvPr/>
+          </p:nvSpPr>
+          <p:spPr>
+            <a:xfrm>
+              <a:off x="7520299" y="4827977"/>
+              <a:ext cx="121366" cy="261610"/>
+            </a:xfrm>
+            <a:prstGeom prst="rect">
+              <a:avLst/>
+            </a:prstGeom>
+            <a:noFill/>
+            <a:ln w="12700" cap="flat" cmpd="sng" algn="ctr">
+              <a:solidFill>
+                <a:srgbClr val="000000">
+                  <a:lumMod val="95000"/>
+                  <a:lumOff val="5000"/>
+                </a:srgbClr>
+              </a:solidFill>
+              <a:prstDash val="solid"/>
+              <a:miter lim="800000"/>
+            </a:ln>
+            <a:effectLst/>
+          </p:spPr>
+          <p:txBody>
+            <a:bodyPr rtlCol="0" anchor="ctr"/>
+            <a:lstStyle/>
+            <a:p>
+              <a:pPr marL="0" marR="0" lvl="0" indent="0" algn="ctr" defTabSz="304770" eaLnBrk="1" fontAlgn="auto" latinLnBrk="0" hangingPunct="1">
+                <a:lnSpc>
+                  <a:spcPct val="100000"/>
+                </a:lnSpc>
+                <a:spcBef>
+                  <a:spcPts val="0"/>
+                </a:spcBef>
+                <a:spcAft>
+                  <a:spcPts val="0"/>
+                </a:spcAft>
+                <a:buClrTx/>
+                <a:buSzTx/>
+                <a:buFontTx/>
+                <a:buNone/>
+                <a:tabLst/>
+                <a:defRPr/>
+              </a:pPr>
+              <a:endParaRPr kumimoji="0" lang="en-US" sz="467" b="0" i="0" u="none" strike="noStrike" kern="0" cap="none" spc="0" normalizeH="0" baseline="0" noProof="0" dirty="0">
+                <a:ln>
+                  <a:noFill/>
+                </a:ln>
+                <a:solidFill>
+                  <a:prstClr val="black"/>
+                </a:solidFill>
+                <a:effectLst/>
+                <a:uLnTx/>
+                <a:uFillTx/>
+                <a:latin typeface="Calibri" panose="020F0502020204030204"/>
+              </a:endParaRPr>
+            </a:p>
+          </p:txBody>
+        </p:sp>
+        <p:sp>
+          <p:nvSpPr>
+            <p:cNvPr id="59" name="Rectangle 58">
+              <a:extLst>
+                <a:ext uri="{FF2B5EF4-FFF2-40B4-BE49-F238E27FC236}">
+                  <a16:creationId xmlns:a16="http://schemas.microsoft.com/office/drawing/2014/main" id="{EA77254D-C1DB-74C5-511A-987897EDB40C}"/>
+                </a:ext>
+              </a:extLst>
+            </p:cNvPr>
+            <p:cNvSpPr/>
+            <p:nvPr/>
+          </p:nvSpPr>
+          <p:spPr>
+            <a:xfrm>
+              <a:off x="7398933" y="4827977"/>
+              <a:ext cx="121366" cy="261610"/>
+            </a:xfrm>
+            <a:prstGeom prst="rect">
+              <a:avLst/>
+            </a:prstGeom>
+            <a:noFill/>
+            <a:ln w="12700" cap="flat" cmpd="sng" algn="ctr">
+              <a:solidFill>
+                <a:srgbClr val="000000">
+                  <a:lumMod val="95000"/>
+                  <a:lumOff val="5000"/>
+                </a:srgbClr>
+              </a:solidFill>
+              <a:prstDash val="solid"/>
+              <a:miter lim="800000"/>
+            </a:ln>
+            <a:effectLst/>
+          </p:spPr>
+          <p:txBody>
+            <a:bodyPr rtlCol="0" anchor="ctr"/>
+            <a:lstStyle/>
+            <a:p>
+              <a:pPr marL="0" marR="0" lvl="0" indent="0" algn="ctr" defTabSz="304770" eaLnBrk="1" fontAlgn="auto" latinLnBrk="0" hangingPunct="1">
+                <a:lnSpc>
+                  <a:spcPct val="100000"/>
+                </a:lnSpc>
+                <a:spcBef>
+                  <a:spcPts val="0"/>
+                </a:spcBef>
+                <a:spcAft>
+                  <a:spcPts val="0"/>
+                </a:spcAft>
+                <a:buClrTx/>
+                <a:buSzTx/>
+                <a:buFontTx/>
+                <a:buNone/>
+                <a:tabLst/>
+                <a:defRPr/>
+              </a:pPr>
+              <a:endParaRPr kumimoji="0" lang="en-US" sz="467" b="0" i="0" u="none" strike="noStrike" kern="0" cap="none" spc="0" normalizeH="0" baseline="0" noProof="0" dirty="0">
+                <a:ln>
+                  <a:noFill/>
+                </a:ln>
+                <a:solidFill>
+                  <a:prstClr val="black"/>
+                </a:solidFill>
+                <a:effectLst/>
+                <a:uLnTx/>
+                <a:uFillTx/>
+                <a:latin typeface="Calibri" panose="020F0502020204030204"/>
+              </a:endParaRPr>
+            </a:p>
+          </p:txBody>
+        </p:sp>
+        <p:sp>
+          <p:nvSpPr>
+            <p:cNvPr id="60" name="Rectangle 59">
+              <a:extLst>
+                <a:ext uri="{FF2B5EF4-FFF2-40B4-BE49-F238E27FC236}">
+                  <a16:creationId xmlns:a16="http://schemas.microsoft.com/office/drawing/2014/main" id="{483E94DD-5BB0-97B2-52C5-47D3AFEE5A7B}"/>
+                </a:ext>
+              </a:extLst>
+            </p:cNvPr>
+            <p:cNvSpPr/>
+            <p:nvPr/>
+          </p:nvSpPr>
+          <p:spPr>
+            <a:xfrm>
+              <a:off x="7275754" y="4827977"/>
+              <a:ext cx="121366" cy="261610"/>
+            </a:xfrm>
+            <a:prstGeom prst="rect">
+              <a:avLst/>
+            </a:prstGeom>
+            <a:noFill/>
+            <a:ln w="12700" cap="flat" cmpd="sng" algn="ctr">
+              <a:solidFill>
+                <a:srgbClr val="000000">
+                  <a:lumMod val="95000"/>
+                  <a:lumOff val="5000"/>
+                </a:srgbClr>
+              </a:solidFill>
+              <a:prstDash val="solid"/>
+              <a:miter lim="800000"/>
+            </a:ln>
+            <a:effectLst/>
+          </p:spPr>
+          <p:txBody>
+            <a:bodyPr rtlCol="0" anchor="ctr"/>
+            <a:lstStyle/>
+            <a:p>
+              <a:pPr marL="0" marR="0" lvl="0" indent="0" algn="ctr" defTabSz="304770" eaLnBrk="1" fontAlgn="auto" latinLnBrk="0" hangingPunct="1">
+                <a:lnSpc>
+                  <a:spcPct val="100000"/>
+                </a:lnSpc>
+                <a:spcBef>
+                  <a:spcPts val="0"/>
+                </a:spcBef>
+                <a:spcAft>
+                  <a:spcPts val="0"/>
+                </a:spcAft>
+                <a:buClrTx/>
+                <a:buSzTx/>
+                <a:buFontTx/>
+                <a:buNone/>
+                <a:tabLst/>
+                <a:defRPr/>
+              </a:pPr>
+              <a:endParaRPr kumimoji="0" lang="en-US" sz="467" b="0" i="0" u="none" strike="noStrike" kern="0" cap="none" spc="0" normalizeH="0" baseline="0" noProof="0" dirty="0">
+                <a:ln>
+                  <a:noFill/>
+                </a:ln>
+                <a:solidFill>
+                  <a:prstClr val="black"/>
+                </a:solidFill>
+                <a:effectLst/>
+                <a:uLnTx/>
+                <a:uFillTx/>
+                <a:latin typeface="Calibri" panose="020F0502020204030204"/>
+              </a:endParaRPr>
+            </a:p>
+          </p:txBody>
+        </p:sp>
+        <p:cxnSp>
+          <p:nvCxnSpPr>
+            <p:cNvPr id="61" name="Straight Connector 60">
+              <a:extLst>
+                <a:ext uri="{FF2B5EF4-FFF2-40B4-BE49-F238E27FC236}">
+                  <a16:creationId xmlns:a16="http://schemas.microsoft.com/office/drawing/2014/main" id="{67194FB7-EF90-5173-A6F3-32B60A0602E5}"/>
+                </a:ext>
+              </a:extLst>
+            </p:cNvPr>
+            <p:cNvCxnSpPr>
+              <a:cxnSpLocks/>
+            </p:cNvCxnSpPr>
+            <p:nvPr/>
+          </p:nvCxnSpPr>
+          <p:spPr>
+            <a:xfrm>
+              <a:off x="6985000" y="4827977"/>
+              <a:ext cx="290754" cy="0"/>
+            </a:xfrm>
+            <a:prstGeom prst="line">
+              <a:avLst/>
+            </a:prstGeom>
+            <a:noFill/>
+            <a:ln w="15875" cap="flat" cmpd="sng" algn="ctr">
+              <a:solidFill>
+                <a:srgbClr val="000000">
+                  <a:lumMod val="95000"/>
+                  <a:lumOff val="5000"/>
+                </a:srgbClr>
+              </a:solidFill>
+              <a:prstDash val="solid"/>
+            </a:ln>
+            <a:effectLst/>
+          </p:spPr>
+        </p:cxnSp>
+        <p:cxnSp>
+          <p:nvCxnSpPr>
+            <p:cNvPr id="62" name="Straight Connector 61">
+              <a:extLst>
+                <a:ext uri="{FF2B5EF4-FFF2-40B4-BE49-F238E27FC236}">
+                  <a16:creationId xmlns:a16="http://schemas.microsoft.com/office/drawing/2014/main" id="{0DA3EE9F-B19D-6856-5E20-DB038CCE79DA}"/>
+                </a:ext>
+              </a:extLst>
+            </p:cNvPr>
+            <p:cNvCxnSpPr>
+              <a:cxnSpLocks/>
+            </p:cNvCxnSpPr>
+            <p:nvPr/>
+          </p:nvCxnSpPr>
+          <p:spPr>
+            <a:xfrm>
+              <a:off x="6985000" y="5089587"/>
+              <a:ext cx="290754" cy="0"/>
+            </a:xfrm>
+            <a:prstGeom prst="line">
+              <a:avLst/>
+            </a:prstGeom>
+            <a:noFill/>
+            <a:ln w="15875" cap="flat" cmpd="sng" algn="ctr">
+              <a:solidFill>
+                <a:srgbClr val="000000">
+                  <a:lumMod val="95000"/>
+                  <a:lumOff val="5000"/>
+                </a:srgbClr>
+              </a:solidFill>
+              <a:prstDash val="solid"/>
+            </a:ln>
+            <a:effectLst/>
+          </p:spPr>
+        </p:cxnSp>
+      </p:grpSp>
+      <p:sp>
+        <p:nvSpPr>
+          <p:cNvPr id="63" name="TextBox 62">
+            <a:extLst>
+              <a:ext uri="{FF2B5EF4-FFF2-40B4-BE49-F238E27FC236}">
+                <a16:creationId xmlns:a16="http://schemas.microsoft.com/office/drawing/2014/main" id="{A33E3EB5-A726-8EFF-C507-3E1F931E3EA7}"/>
+              </a:ext>
+            </a:extLst>
+          </p:cNvPr>
+          <p:cNvSpPr txBox="1"/>
+          <p:nvPr/>
+        </p:nvSpPr>
+        <p:spPr>
+          <a:xfrm rot="5400000">
+            <a:off x="3846902" y="3979403"/>
+            <a:ext cx="343004" cy="400110"/>
+          </a:xfrm>
+          <a:prstGeom prst="rect">
+            <a:avLst/>
+          </a:prstGeom>
+          <a:noFill/>
+        </p:spPr>
+        <p:txBody>
+          <a:bodyPr wrap="square" rtlCol="0">
+            <a:spAutoFit/>
+          </a:bodyPr>
+          <a:lstStyle/>
+          <a:p>
+            <a:pPr algn="ctr"/>
+            <a:r>
+              <a:rPr lang="en-US" sz="2000" dirty="0">
+                <a:solidFill>
+                  <a:srgbClr val="000000"/>
+                </a:solidFill>
+                <a:latin typeface="NVIDIA Sans" panose="020B0503020203020204" pitchFamily="34" charset="0"/>
+                <a:cs typeface="NVIDIA Sans" panose="020B0503020203020204" pitchFamily="34" charset="0"/>
+              </a:rPr>
+              <a:t>…</a:t>
+            </a:r>
+          </a:p>
+        </p:txBody>
+      </p:sp>
+      <p:cxnSp>
+        <p:nvCxnSpPr>
+          <p:cNvPr id="65" name="Straight Arrow Connector 64">
+            <a:extLst>
+              <a:ext uri="{FF2B5EF4-FFF2-40B4-BE49-F238E27FC236}">
+                <a16:creationId xmlns:a16="http://schemas.microsoft.com/office/drawing/2014/main" id="{32BAA868-C760-78C7-7D3C-0E1199C3C81D}"/>
+              </a:ext>
+            </a:extLst>
+          </p:cNvPr>
+          <p:cNvCxnSpPr>
+            <a:cxnSpLocks/>
+          </p:cNvCxnSpPr>
+          <p:nvPr/>
+        </p:nvCxnSpPr>
+        <p:spPr>
+          <a:xfrm flipV="1">
+            <a:off x="2998509" y="3415375"/>
+            <a:ext cx="577883" cy="437661"/>
+          </a:xfrm>
+          <a:prstGeom prst="straightConnector1">
+            <a:avLst/>
+          </a:prstGeom>
+          <a:noFill/>
+          <a:ln w="15875" cap="flat" cmpd="sng" algn="ctr">
+            <a:solidFill>
+              <a:srgbClr val="8C8C8C"/>
+            </a:solidFill>
+            <a:prstDash val="dash"/>
+            <a:tailEnd type="triangle"/>
+          </a:ln>
+          <a:effectLst/>
+        </p:spPr>
+      </p:cxnSp>
+      <p:cxnSp>
+        <p:nvCxnSpPr>
+          <p:cNvPr id="66" name="Straight Arrow Connector 65">
+            <a:extLst>
+              <a:ext uri="{FF2B5EF4-FFF2-40B4-BE49-F238E27FC236}">
+                <a16:creationId xmlns:a16="http://schemas.microsoft.com/office/drawing/2014/main" id="{EDA14239-0817-7CF3-77CB-F8DC1C40EDCB}"/>
+              </a:ext>
+            </a:extLst>
+          </p:cNvPr>
+          <p:cNvCxnSpPr>
+            <a:cxnSpLocks/>
+          </p:cNvCxnSpPr>
+          <p:nvPr/>
+        </p:nvCxnSpPr>
+        <p:spPr>
+          <a:xfrm flipV="1">
+            <a:off x="2998509" y="3853036"/>
+            <a:ext cx="560950" cy="140134"/>
+          </a:xfrm>
+          <a:prstGeom prst="straightConnector1">
+            <a:avLst/>
+          </a:prstGeom>
+          <a:noFill/>
+          <a:ln w="15875" cap="flat" cmpd="sng" algn="ctr">
+            <a:solidFill>
+              <a:srgbClr val="8C8C8C"/>
+            </a:solidFill>
+            <a:prstDash val="dash"/>
+            <a:tailEnd type="triangle"/>
+          </a:ln>
+          <a:effectLst/>
+        </p:spPr>
+      </p:cxnSp>
+      <p:cxnSp>
+        <p:nvCxnSpPr>
+          <p:cNvPr id="67" name="Straight Arrow Connector 66">
+            <a:extLst>
+              <a:ext uri="{FF2B5EF4-FFF2-40B4-BE49-F238E27FC236}">
+                <a16:creationId xmlns:a16="http://schemas.microsoft.com/office/drawing/2014/main" id="{BDE3F361-6BA1-FF67-B8EF-A764576C9A2E}"/>
+              </a:ext>
+            </a:extLst>
+          </p:cNvPr>
+          <p:cNvCxnSpPr>
+            <a:cxnSpLocks/>
+          </p:cNvCxnSpPr>
+          <p:nvPr/>
+        </p:nvCxnSpPr>
+        <p:spPr>
+          <a:xfrm>
+            <a:off x="2998509" y="4146657"/>
+            <a:ext cx="560950" cy="385028"/>
+          </a:xfrm>
+          <a:prstGeom prst="straightConnector1">
+            <a:avLst/>
+          </a:prstGeom>
+          <a:noFill/>
+          <a:ln w="15875" cap="flat" cmpd="sng" algn="ctr">
+            <a:solidFill>
+              <a:srgbClr val="8C8C8C"/>
+            </a:solidFill>
+            <a:prstDash val="dash"/>
+            <a:tailEnd type="triangle"/>
+          </a:ln>
+          <a:effectLst/>
+        </p:spPr>
+      </p:cxnSp>
+      <p:sp>
+        <p:nvSpPr>
+          <p:cNvPr id="69" name="TextBox 68">
+            <a:extLst>
+              <a:ext uri="{FF2B5EF4-FFF2-40B4-BE49-F238E27FC236}">
+                <a16:creationId xmlns:a16="http://schemas.microsoft.com/office/drawing/2014/main" id="{56ABBD28-FB96-0138-014A-0B09E576CA76}"/>
+              </a:ext>
+            </a:extLst>
+          </p:cNvPr>
+          <p:cNvSpPr txBox="1"/>
+          <p:nvPr/>
+        </p:nvSpPr>
+        <p:spPr>
+          <a:xfrm>
+            <a:off x="4629326" y="3705022"/>
+            <a:ext cx="753731" cy="461665"/>
+          </a:xfrm>
+          <a:prstGeom prst="rect">
+            <a:avLst/>
+          </a:prstGeom>
+          <a:gradFill rotWithShape="1">
+            <a:gsLst>
+              <a:gs pos="0">
+                <a:srgbClr val="008564">
+                  <a:tint val="50000"/>
+                  <a:satMod val="300000"/>
+                </a:srgbClr>
+              </a:gs>
+              <a:gs pos="35000">
+                <a:srgbClr val="008564">
+                  <a:tint val="37000"/>
+                  <a:satMod val="300000"/>
+                </a:srgbClr>
+              </a:gs>
+              <a:gs pos="100000">
+                <a:srgbClr val="008564">
+                  <a:tint val="15000"/>
+                  <a:satMod val="350000"/>
+                </a:srgbClr>
+              </a:gs>
+            </a:gsLst>
+            <a:lin ang="16200000" scaled="1"/>
+          </a:gradFill>
+          <a:ln w="9525" cap="flat" cmpd="sng" algn="ctr">
+            <a:solidFill>
+              <a:srgbClr val="008564">
+                <a:shade val="95000"/>
+                <a:satMod val="105000"/>
+              </a:srgbClr>
+            </a:solidFill>
+            <a:prstDash val="solid"/>
+          </a:ln>
+          <a:effectLst>
+            <a:outerShdw blurRad="40000" dist="20000" dir="5400000" rotWithShape="0">
+              <a:srgbClr val="000000">
+                <a:alpha val="38000"/>
+              </a:srgbClr>
+            </a:outerShdw>
+          </a:effectLst>
+        </p:spPr>
+        <p:txBody>
+          <a:bodyPr wrap="none" rtlCol="0">
+            <a:spAutoFit/>
+          </a:bodyPr>
+          <a:lstStyle/>
+          <a:p>
+            <a:pPr marL="0" marR="0" lvl="0" indent="0" algn="ctr" defTabSz="914400" eaLnBrk="1" fontAlgn="auto" latinLnBrk="0" hangingPunct="1">
+              <a:lnSpc>
+                <a:spcPct val="100000"/>
+              </a:lnSpc>
+              <a:spcBef>
+                <a:spcPts val="0"/>
+              </a:spcBef>
+              <a:spcAft>
+                <a:spcPts val="0"/>
+              </a:spcAft>
+              <a:buClrTx/>
+              <a:buSzTx/>
+              <a:buFontTx/>
+              <a:buNone/>
+              <a:tabLst/>
+              <a:defRPr/>
+            </a:pPr>
+            <a:r>
+              <a:rPr kumimoji="0" lang="en-US" sz="1200" b="0" i="0" u="none" strike="noStrike" kern="0" cap="none" spc="0" normalizeH="0" baseline="0" noProof="0" dirty="0">
+                <a:ln>
+                  <a:noFill/>
+                </a:ln>
+                <a:solidFill>
+                  <a:srgbClr val="000000"/>
+                </a:solidFill>
+                <a:effectLst/>
+                <a:uLnTx/>
+                <a:uFillTx/>
+                <a:latin typeface="NVIDIA Sans" panose="020B0503020203020204" pitchFamily="34" charset="0"/>
+                <a:ea typeface="+mn-ea"/>
+                <a:cs typeface="NVIDIA Sans" panose="020B0503020203020204" pitchFamily="34" charset="0"/>
+              </a:rPr>
+              <a:t>PF </a:t>
+            </a:r>
+            <a:r>
+              <a:rPr kumimoji="0" lang="en-US" sz="1200" b="0" i="0" u="none" strike="noStrike" kern="0" cap="none" spc="0" normalizeH="0" baseline="0" noProof="0" dirty="0" err="1">
+                <a:ln>
+                  <a:noFill/>
+                </a:ln>
+                <a:solidFill>
+                  <a:srgbClr val="000000"/>
+                </a:solidFill>
+                <a:effectLst/>
+                <a:uLnTx/>
+                <a:uFillTx/>
+                <a:latin typeface="NVIDIA Sans" panose="020B0503020203020204" pitchFamily="34" charset="0"/>
+                <a:ea typeface="+mn-ea"/>
+                <a:cs typeface="NVIDIA Sans" panose="020B0503020203020204" pitchFamily="34" charset="0"/>
+              </a:rPr>
+              <a:t>repr</a:t>
+            </a:r>
+            <a:r>
+              <a:rPr kumimoji="0" lang="en-US" sz="1200" b="0" i="0" u="none" strike="noStrike" kern="0" cap="none" spc="0" normalizeH="0" baseline="0" noProof="0" dirty="0">
+                <a:ln>
+                  <a:noFill/>
+                </a:ln>
+                <a:solidFill>
+                  <a:srgbClr val="000000"/>
+                </a:solidFill>
+                <a:effectLst/>
+                <a:uLnTx/>
+                <a:uFillTx/>
+                <a:latin typeface="NVIDIA Sans" panose="020B0503020203020204" pitchFamily="34" charset="0"/>
+                <a:ea typeface="+mn-ea"/>
+                <a:cs typeface="NVIDIA Sans" panose="020B0503020203020204" pitchFamily="34" charset="0"/>
+              </a:rPr>
+              <a:t> </a:t>
+            </a:r>
+          </a:p>
+          <a:p>
+            <a:pPr marL="0" marR="0" lvl="0" indent="0" algn="ctr" defTabSz="914400" eaLnBrk="1" fontAlgn="auto" latinLnBrk="0" hangingPunct="1">
+              <a:lnSpc>
+                <a:spcPct val="100000"/>
+              </a:lnSpc>
+              <a:spcBef>
+                <a:spcPts val="0"/>
+              </a:spcBef>
+              <a:spcAft>
+                <a:spcPts val="0"/>
+              </a:spcAft>
+              <a:buClrTx/>
+              <a:buSzTx/>
+              <a:buFontTx/>
+              <a:buNone/>
+              <a:tabLst/>
+              <a:defRPr/>
+            </a:pPr>
+            <a:r>
+              <a:rPr kumimoji="0" lang="en-US" sz="1200" b="0" i="0" u="none" strike="noStrike" kern="0" cap="none" spc="0" normalizeH="0" baseline="0" noProof="0" dirty="0">
+                <a:ln>
+                  <a:noFill/>
+                </a:ln>
+                <a:solidFill>
+                  <a:srgbClr val="000000"/>
+                </a:solidFill>
+                <a:effectLst/>
+                <a:uLnTx/>
+                <a:uFillTx/>
+                <a:latin typeface="NVIDIA Sans" panose="020B0503020203020204" pitchFamily="34" charset="0"/>
+                <a:ea typeface="+mn-ea"/>
+                <a:cs typeface="NVIDIA Sans" panose="020B0503020203020204" pitchFamily="34" charset="0"/>
+              </a:rPr>
+              <a:t>RXQ</a:t>
+            </a:r>
+          </a:p>
+        </p:txBody>
+      </p:sp>
+      <p:sp>
+        <p:nvSpPr>
+          <p:cNvPr id="70" name="TextBox 69">
+            <a:extLst>
+              <a:ext uri="{FF2B5EF4-FFF2-40B4-BE49-F238E27FC236}">
+                <a16:creationId xmlns:a16="http://schemas.microsoft.com/office/drawing/2014/main" id="{09770520-C4E9-F323-8E01-7C8911BEE8AB}"/>
+              </a:ext>
+            </a:extLst>
+          </p:cNvPr>
+          <p:cNvSpPr txBox="1"/>
+          <p:nvPr/>
+        </p:nvSpPr>
+        <p:spPr>
+          <a:xfrm>
+            <a:off x="5618441" y="4380388"/>
+            <a:ext cx="598241" cy="276999"/>
+          </a:xfrm>
+          <a:prstGeom prst="rect">
+            <a:avLst/>
+          </a:prstGeom>
+          <a:gradFill rotWithShape="1">
+            <a:gsLst>
+              <a:gs pos="0">
+                <a:srgbClr val="008564">
+                  <a:tint val="50000"/>
+                  <a:satMod val="300000"/>
+                </a:srgbClr>
+              </a:gs>
+              <a:gs pos="35000">
+                <a:srgbClr val="008564">
+                  <a:tint val="37000"/>
+                  <a:satMod val="300000"/>
+                </a:srgbClr>
+              </a:gs>
+              <a:gs pos="100000">
+                <a:srgbClr val="008564">
+                  <a:tint val="15000"/>
+                  <a:satMod val="350000"/>
+                </a:srgbClr>
+              </a:gs>
+            </a:gsLst>
+            <a:lin ang="16200000" scaled="1"/>
+          </a:gradFill>
+          <a:ln w="9525" cap="flat" cmpd="sng" algn="ctr">
+            <a:solidFill>
+              <a:srgbClr val="008564">
+                <a:shade val="95000"/>
+                <a:satMod val="105000"/>
+              </a:srgbClr>
+            </a:solidFill>
+            <a:prstDash val="solid"/>
+          </a:ln>
+          <a:effectLst>
+            <a:outerShdw blurRad="40000" dist="20000" dir="5400000" rotWithShape="0">
+              <a:srgbClr val="000000">
+                <a:alpha val="38000"/>
+              </a:srgbClr>
+            </a:outerShdw>
+          </a:effectLst>
+        </p:spPr>
+        <p:txBody>
+          <a:bodyPr wrap="none" rtlCol="0">
+            <a:spAutoFit/>
+          </a:bodyPr>
+          <a:lstStyle/>
+          <a:p>
+            <a:pPr marL="0" marR="0" lvl="0" indent="0" algn="ctr" defTabSz="914400" eaLnBrk="1" fontAlgn="auto" latinLnBrk="0" hangingPunct="1">
+              <a:lnSpc>
+                <a:spcPct val="100000"/>
+              </a:lnSpc>
+              <a:spcBef>
+                <a:spcPts val="0"/>
+              </a:spcBef>
+              <a:spcAft>
+                <a:spcPts val="0"/>
+              </a:spcAft>
+              <a:buClrTx/>
+              <a:buSzTx/>
+              <a:buFontTx/>
+              <a:buNone/>
+              <a:tabLst/>
+              <a:defRPr/>
+            </a:pPr>
+            <a:r>
+              <a:rPr kumimoji="0" lang="en-US" sz="1200" b="0" i="0" u="none" strike="noStrike" kern="0" cap="none" spc="0" normalizeH="0" baseline="0" noProof="0" dirty="0" err="1">
+                <a:ln>
+                  <a:noFill/>
+                </a:ln>
+                <a:solidFill>
+                  <a:srgbClr val="000000"/>
+                </a:solidFill>
+                <a:effectLst/>
+                <a:uLnTx/>
+                <a:uFillTx/>
+                <a:latin typeface="NVIDIA Sans" panose="020B0503020203020204" pitchFamily="34" charset="0"/>
+                <a:ea typeface="+mn-ea"/>
+                <a:cs typeface="NVIDIA Sans" panose="020B0503020203020204" pitchFamily="34" charset="0"/>
+              </a:rPr>
+              <a:t>reprN</a:t>
+            </a:r>
+            <a:endParaRPr kumimoji="0" lang="en-US" sz="1200" b="0" i="0" u="none" strike="noStrike" kern="0" cap="none" spc="0" normalizeH="0" baseline="0" noProof="0" dirty="0">
+              <a:ln>
+                <a:noFill/>
+              </a:ln>
+              <a:solidFill>
+                <a:srgbClr val="000000"/>
+              </a:solidFill>
+              <a:effectLst/>
+              <a:uLnTx/>
+              <a:uFillTx/>
+              <a:latin typeface="NVIDIA Sans" panose="020B0503020203020204" pitchFamily="34" charset="0"/>
+              <a:ea typeface="+mn-ea"/>
+              <a:cs typeface="NVIDIA Sans" panose="020B0503020203020204" pitchFamily="34" charset="0"/>
+            </a:endParaRPr>
+          </a:p>
+        </p:txBody>
+      </p:sp>
+      <p:sp>
+        <p:nvSpPr>
+          <p:cNvPr id="71" name="TextBox 70">
+            <a:extLst>
+              <a:ext uri="{FF2B5EF4-FFF2-40B4-BE49-F238E27FC236}">
+                <a16:creationId xmlns:a16="http://schemas.microsoft.com/office/drawing/2014/main" id="{199D1094-CEAE-A17E-B73E-A5CD531D8EBA}"/>
+              </a:ext>
+            </a:extLst>
+          </p:cNvPr>
+          <p:cNvSpPr txBox="1"/>
+          <p:nvPr/>
+        </p:nvSpPr>
+        <p:spPr>
+          <a:xfrm>
+            <a:off x="3264826" y="3024552"/>
+            <a:ext cx="1326005" cy="246221"/>
+          </a:xfrm>
+          <a:prstGeom prst="rect">
+            <a:avLst/>
+          </a:prstGeom>
+          <a:noFill/>
+        </p:spPr>
+        <p:txBody>
+          <a:bodyPr wrap="none" rtlCol="0">
+            <a:spAutoFit/>
+          </a:bodyPr>
+          <a:lstStyle/>
+          <a:p>
+            <a:pPr algn="ctr"/>
+            <a:r>
+              <a:rPr lang="en-US" sz="1000" dirty="0">
+                <a:solidFill>
+                  <a:srgbClr val="000000"/>
+                </a:solidFill>
+                <a:latin typeface="NVIDIA Sans" panose="020B0503020203020204" pitchFamily="34" charset="0"/>
+                <a:cs typeface="NVIDIA Sans" panose="020B0503020203020204" pitchFamily="34" charset="0"/>
+              </a:rPr>
+              <a:t>HW meter Buckets</a:t>
+            </a:r>
+          </a:p>
+        </p:txBody>
+      </p:sp>
+      <p:sp>
+        <p:nvSpPr>
+          <p:cNvPr id="72" name="TextBox 71">
+            <a:extLst>
+              <a:ext uri="{FF2B5EF4-FFF2-40B4-BE49-F238E27FC236}">
+                <a16:creationId xmlns:a16="http://schemas.microsoft.com/office/drawing/2014/main" id="{D3A81272-8CE3-F35F-C212-5BC1D61AC2D4}"/>
+              </a:ext>
+            </a:extLst>
+          </p:cNvPr>
+          <p:cNvSpPr txBox="1"/>
+          <p:nvPr/>
+        </p:nvSpPr>
+        <p:spPr>
+          <a:xfrm>
+            <a:off x="5639280" y="3251070"/>
+            <a:ext cx="577402" cy="276999"/>
+          </a:xfrm>
+          <a:prstGeom prst="rect">
+            <a:avLst/>
+          </a:prstGeom>
+          <a:gradFill rotWithShape="1">
+            <a:gsLst>
+              <a:gs pos="0">
+                <a:srgbClr val="008564">
+                  <a:tint val="50000"/>
+                  <a:satMod val="300000"/>
+                </a:srgbClr>
+              </a:gs>
+              <a:gs pos="35000">
+                <a:srgbClr val="008564">
+                  <a:tint val="37000"/>
+                  <a:satMod val="300000"/>
+                </a:srgbClr>
+              </a:gs>
+              <a:gs pos="100000">
+                <a:srgbClr val="008564">
+                  <a:tint val="15000"/>
+                  <a:satMod val="350000"/>
+                </a:srgbClr>
+              </a:gs>
+            </a:gsLst>
+            <a:lin ang="16200000" scaled="1"/>
+          </a:gradFill>
+          <a:ln w="9525" cap="flat" cmpd="sng" algn="ctr">
+            <a:solidFill>
+              <a:srgbClr val="008564">
+                <a:shade val="95000"/>
+                <a:satMod val="105000"/>
+              </a:srgbClr>
+            </a:solidFill>
+            <a:prstDash val="solid"/>
+          </a:ln>
+          <a:effectLst>
+            <a:outerShdw blurRad="40000" dist="20000" dir="5400000" rotWithShape="0">
+              <a:srgbClr val="000000">
+                <a:alpha val="38000"/>
+              </a:srgbClr>
+            </a:outerShdw>
+          </a:effectLst>
+        </p:spPr>
+        <p:txBody>
+          <a:bodyPr wrap="none" rtlCol="0">
+            <a:spAutoFit/>
+          </a:bodyPr>
+          <a:lstStyle/>
+          <a:p>
+            <a:pPr marL="0" marR="0" lvl="0" indent="0" algn="ctr" defTabSz="914400" eaLnBrk="1" fontAlgn="auto" latinLnBrk="0" hangingPunct="1">
+              <a:lnSpc>
+                <a:spcPct val="100000"/>
+              </a:lnSpc>
+              <a:spcBef>
+                <a:spcPts val="0"/>
+              </a:spcBef>
+              <a:spcAft>
+                <a:spcPts val="0"/>
+              </a:spcAft>
+              <a:buClrTx/>
+              <a:buSzTx/>
+              <a:buFontTx/>
+              <a:buNone/>
+              <a:tabLst/>
+              <a:defRPr/>
+            </a:pPr>
+            <a:r>
+              <a:rPr kumimoji="0" lang="en-US" sz="1200" b="0" i="0" u="none" strike="noStrike" kern="0" cap="none" spc="0" normalizeH="0" baseline="0" noProof="0" dirty="0">
+                <a:ln>
+                  <a:noFill/>
+                </a:ln>
+                <a:solidFill>
+                  <a:srgbClr val="000000"/>
+                </a:solidFill>
+                <a:effectLst/>
+                <a:uLnTx/>
+                <a:uFillTx/>
+                <a:latin typeface="NVIDIA Sans" panose="020B0503020203020204" pitchFamily="34" charset="0"/>
+                <a:ea typeface="+mn-ea"/>
+                <a:cs typeface="NVIDIA Sans" panose="020B0503020203020204" pitchFamily="34" charset="0"/>
+              </a:rPr>
+              <a:t>repr1</a:t>
+            </a:r>
+          </a:p>
+        </p:txBody>
+      </p:sp>
+      <p:sp>
+        <p:nvSpPr>
+          <p:cNvPr id="73" name="TextBox 72">
+            <a:extLst>
+              <a:ext uri="{FF2B5EF4-FFF2-40B4-BE49-F238E27FC236}">
+                <a16:creationId xmlns:a16="http://schemas.microsoft.com/office/drawing/2014/main" id="{66DE66C0-8727-E68B-7F5A-FAFC46E5847B}"/>
+              </a:ext>
+            </a:extLst>
+          </p:cNvPr>
+          <p:cNvSpPr txBox="1"/>
+          <p:nvPr/>
+        </p:nvSpPr>
+        <p:spPr>
+          <a:xfrm rot="5400000">
+            <a:off x="5825387" y="3855319"/>
+            <a:ext cx="343004" cy="400110"/>
+          </a:xfrm>
+          <a:prstGeom prst="rect">
+            <a:avLst/>
+          </a:prstGeom>
+          <a:noFill/>
+        </p:spPr>
+        <p:txBody>
+          <a:bodyPr wrap="square" rtlCol="0">
+            <a:spAutoFit/>
+          </a:bodyPr>
+          <a:lstStyle/>
+          <a:p>
+            <a:pPr algn="ctr"/>
+            <a:r>
+              <a:rPr lang="en-US" sz="2000" dirty="0">
+                <a:solidFill>
+                  <a:srgbClr val="000000"/>
+                </a:solidFill>
+                <a:latin typeface="NVIDIA Sans" panose="020B0503020203020204" pitchFamily="34" charset="0"/>
+                <a:cs typeface="NVIDIA Sans" panose="020B0503020203020204" pitchFamily="34" charset="0"/>
+              </a:rPr>
+              <a:t>…</a:t>
+            </a:r>
+          </a:p>
+        </p:txBody>
+      </p:sp>
+      <p:sp>
+        <p:nvSpPr>
+          <p:cNvPr id="74" name="TextBox 73">
+            <a:extLst>
+              <a:ext uri="{FF2B5EF4-FFF2-40B4-BE49-F238E27FC236}">
+                <a16:creationId xmlns:a16="http://schemas.microsoft.com/office/drawing/2014/main" id="{840243E1-869D-AA4E-AEA7-33D05EAF64A5}"/>
+              </a:ext>
+            </a:extLst>
+          </p:cNvPr>
+          <p:cNvSpPr txBox="1"/>
+          <p:nvPr/>
+        </p:nvSpPr>
+        <p:spPr>
+          <a:xfrm>
+            <a:off x="2147047" y="3822223"/>
+            <a:ext cx="780984" cy="276999"/>
+          </a:xfrm>
+          <a:prstGeom prst="rect">
+            <a:avLst/>
+          </a:prstGeom>
+          <a:gradFill rotWithShape="1">
+            <a:gsLst>
+              <a:gs pos="0">
+                <a:srgbClr val="890C58">
+                  <a:tint val="50000"/>
+                  <a:satMod val="300000"/>
+                </a:srgbClr>
+              </a:gs>
+              <a:gs pos="35000">
+                <a:srgbClr val="890C58">
+                  <a:tint val="37000"/>
+                  <a:satMod val="300000"/>
+                </a:srgbClr>
+              </a:gs>
+              <a:gs pos="100000">
+                <a:srgbClr val="890C58">
+                  <a:tint val="15000"/>
+                  <a:satMod val="350000"/>
+                </a:srgbClr>
+              </a:gs>
+            </a:gsLst>
+            <a:lin ang="16200000" scaled="1"/>
+          </a:gradFill>
+          <a:ln w="9525" cap="flat" cmpd="sng" algn="ctr">
+            <a:solidFill>
+              <a:srgbClr val="890C58">
+                <a:shade val="95000"/>
+                <a:satMod val="105000"/>
+              </a:srgbClr>
+            </a:solidFill>
+            <a:prstDash val="solid"/>
+          </a:ln>
+          <a:effectLst>
+            <a:outerShdw blurRad="40000" dist="20000" dir="5400000" rotWithShape="0">
+              <a:srgbClr val="000000">
+                <a:alpha val="38000"/>
+              </a:srgbClr>
+            </a:outerShdw>
+          </a:effectLst>
+        </p:spPr>
+        <p:txBody>
+          <a:bodyPr wrap="none" rtlCol="0">
+            <a:spAutoFit/>
+          </a:bodyPr>
+          <a:lstStyle/>
+          <a:p>
+            <a:pPr marL="0" marR="0" lvl="0" indent="0" algn="ctr" defTabSz="914400" eaLnBrk="1" fontAlgn="auto" latinLnBrk="0" hangingPunct="1">
+              <a:lnSpc>
+                <a:spcPct val="100000"/>
+              </a:lnSpc>
+              <a:spcBef>
+                <a:spcPts val="0"/>
+              </a:spcBef>
+              <a:spcAft>
+                <a:spcPts val="0"/>
+              </a:spcAft>
+              <a:buClrTx/>
+              <a:buSzTx/>
+              <a:buFontTx/>
+              <a:buNone/>
+              <a:tabLst/>
+              <a:defRPr/>
+            </a:pPr>
+            <a:r>
+              <a:rPr kumimoji="0" lang="en-US" sz="1200" b="0" i="0" u="none" strike="noStrike" kern="0" cap="none" spc="0" normalizeH="0" baseline="0" noProof="0" dirty="0">
+                <a:ln>
+                  <a:noFill/>
+                </a:ln>
+                <a:solidFill>
+                  <a:srgbClr val="000000"/>
+                </a:solidFill>
+                <a:effectLst/>
+                <a:uLnTx/>
+                <a:uFillTx/>
+                <a:latin typeface="NVIDIA Sans" panose="020B0503020203020204" pitchFamily="34" charset="0"/>
+                <a:ea typeface="+mn-ea"/>
+                <a:cs typeface="NVIDIA Sans" panose="020B0503020203020204" pitchFamily="34" charset="0"/>
+              </a:rPr>
+              <a:t>steering</a:t>
+            </a:r>
+          </a:p>
+        </p:txBody>
+      </p:sp>
+      <p:cxnSp>
+        <p:nvCxnSpPr>
+          <p:cNvPr id="92" name="Straight Arrow Connector 91">
+            <a:extLst>
+              <a:ext uri="{FF2B5EF4-FFF2-40B4-BE49-F238E27FC236}">
+                <a16:creationId xmlns:a16="http://schemas.microsoft.com/office/drawing/2014/main" id="{15328191-D8C1-701F-4A44-4ED1C51530CE}"/>
+              </a:ext>
+            </a:extLst>
+          </p:cNvPr>
+          <p:cNvCxnSpPr>
+            <a:cxnSpLocks/>
+          </p:cNvCxnSpPr>
+          <p:nvPr/>
+        </p:nvCxnSpPr>
+        <p:spPr>
+          <a:xfrm>
+            <a:off x="4246594" y="3963778"/>
+            <a:ext cx="344237" cy="0"/>
+          </a:xfrm>
+          <a:prstGeom prst="straightConnector1">
+            <a:avLst/>
+          </a:prstGeom>
+          <a:ln w="50800">
+            <a:solidFill>
+              <a:schemeClr val="accent5"/>
+            </a:solidFill>
+            <a:prstDash val="solid"/>
+            <a:tailEnd type="triangle"/>
+          </a:ln>
+        </p:spPr>
+        <p:style>
+          <a:lnRef idx="1">
+            <a:schemeClr val="accent1"/>
+          </a:lnRef>
+          <a:fillRef idx="0">
+            <a:schemeClr val="accent1"/>
+          </a:fillRef>
+          <a:effectRef idx="0">
+            <a:schemeClr val="accent1"/>
+          </a:effectRef>
+          <a:fontRef idx="minor">
+            <a:schemeClr val="tx1"/>
+          </a:fontRef>
+        </p:style>
+      </p:cxnSp>
+      <p:sp>
+        <p:nvSpPr>
+          <p:cNvPr id="93" name="TextBox 92">
+            <a:extLst>
+              <a:ext uri="{FF2B5EF4-FFF2-40B4-BE49-F238E27FC236}">
+                <a16:creationId xmlns:a16="http://schemas.microsoft.com/office/drawing/2014/main" id="{4FF6D0D2-0251-2F7A-D893-E2175D8B49EB}"/>
+              </a:ext>
+            </a:extLst>
+          </p:cNvPr>
+          <p:cNvSpPr txBox="1"/>
+          <p:nvPr/>
+        </p:nvSpPr>
+        <p:spPr>
+          <a:xfrm>
+            <a:off x="3762334" y="4600956"/>
+            <a:ext cx="987771" cy="246221"/>
+          </a:xfrm>
+          <a:prstGeom prst="rect">
+            <a:avLst/>
+          </a:prstGeom>
+          <a:noFill/>
+        </p:spPr>
+        <p:txBody>
+          <a:bodyPr wrap="none" rtlCol="0">
+            <a:spAutoFit/>
+          </a:bodyPr>
+          <a:lstStyle/>
+          <a:p>
+            <a:pPr marL="0" marR="0" lvl="0" indent="0" algn="ctr" defTabSz="914400" rtl="0" eaLnBrk="1" fontAlgn="auto" latinLnBrk="0" hangingPunct="1">
+              <a:lnSpc>
+                <a:spcPct val="100000"/>
+              </a:lnSpc>
+              <a:spcBef>
+                <a:spcPts val="0"/>
+              </a:spcBef>
+              <a:spcAft>
+                <a:spcPts val="0"/>
+              </a:spcAft>
+              <a:buClrTx/>
+              <a:buSzTx/>
+              <a:buFontTx/>
+              <a:buNone/>
+              <a:tabLst/>
+              <a:defRPr/>
+            </a:pPr>
+            <a:r>
+              <a:rPr kumimoji="0" lang="en-US" sz="1000" b="0" i="0" u="none" strike="noStrike" kern="1200" cap="none" spc="0" normalizeH="0" baseline="0" noProof="0" dirty="0">
+                <a:ln>
+                  <a:noFill/>
+                </a:ln>
+                <a:solidFill>
+                  <a:srgbClr val="000000"/>
+                </a:solidFill>
+                <a:effectLst/>
+                <a:uLnTx/>
+                <a:uFillTx/>
+                <a:latin typeface="NVIDIA Sans" panose="020B0503020203020204" pitchFamily="34" charset="0"/>
+                <a:ea typeface="+mn-ea"/>
+                <a:cs typeface="NVIDIA Sans" panose="020B0503020203020204" pitchFamily="34" charset="0"/>
+              </a:rPr>
+              <a:t>Drop if &gt; rate</a:t>
+            </a:r>
+          </a:p>
+        </p:txBody>
+      </p:sp>
+      <p:sp>
+        <p:nvSpPr>
+          <p:cNvPr id="95" name="TextBox 94">
+            <a:extLst>
+              <a:ext uri="{FF2B5EF4-FFF2-40B4-BE49-F238E27FC236}">
+                <a16:creationId xmlns:a16="http://schemas.microsoft.com/office/drawing/2014/main" id="{99958FEE-C17D-7775-D2DF-A20F9F1D1A10}"/>
+              </a:ext>
+            </a:extLst>
+          </p:cNvPr>
+          <p:cNvSpPr txBox="1"/>
+          <p:nvPr/>
+        </p:nvSpPr>
+        <p:spPr>
+          <a:xfrm>
+            <a:off x="2014236" y="3061741"/>
+            <a:ext cx="439544" cy="276999"/>
+          </a:xfrm>
+          <a:prstGeom prst="rect">
+            <a:avLst/>
+          </a:prstGeom>
+          <a:noFill/>
+        </p:spPr>
+        <p:txBody>
+          <a:bodyPr wrap="none" rtlCol="0">
+            <a:spAutoFit/>
+          </a:bodyPr>
+          <a:lstStyle/>
+          <a:p>
+            <a:r>
+              <a:rPr lang="en-US" sz="1200" dirty="0"/>
+              <a:t>NIC</a:t>
+            </a:r>
+          </a:p>
+        </p:txBody>
+      </p:sp>
+      <p:cxnSp>
+        <p:nvCxnSpPr>
+          <p:cNvPr id="96" name="Straight Arrow Connector 95">
+            <a:extLst>
+              <a:ext uri="{FF2B5EF4-FFF2-40B4-BE49-F238E27FC236}">
+                <a16:creationId xmlns:a16="http://schemas.microsoft.com/office/drawing/2014/main" id="{DC45AE1C-7649-0C70-F860-B2C8A1697970}"/>
+              </a:ext>
+            </a:extLst>
+          </p:cNvPr>
+          <p:cNvCxnSpPr>
+            <a:cxnSpLocks/>
+          </p:cNvCxnSpPr>
+          <p:nvPr/>
+        </p:nvCxnSpPr>
+        <p:spPr>
+          <a:xfrm>
+            <a:off x="5383057" y="3960722"/>
+            <a:ext cx="344237" cy="0"/>
+          </a:xfrm>
+          <a:prstGeom prst="straightConnector1">
+            <a:avLst/>
+          </a:prstGeom>
+          <a:ln w="50800">
+            <a:solidFill>
+              <a:schemeClr val="accent5"/>
+            </a:solidFill>
+            <a:prstDash val="solid"/>
+            <a:tailEnd type="triangle"/>
+          </a:ln>
+        </p:spPr>
+        <p:style>
+          <a:lnRef idx="1">
+            <a:schemeClr val="accent1"/>
+          </a:lnRef>
+          <a:fillRef idx="0">
+            <a:schemeClr val="accent1"/>
+          </a:fillRef>
+          <a:effectRef idx="0">
+            <a:schemeClr val="accent1"/>
+          </a:effectRef>
+          <a:fontRef idx="minor">
+            <a:schemeClr val="tx1"/>
+          </a:fontRef>
+        </p:style>
+      </p:cxnSp>
+      <p:sp>
+        <p:nvSpPr>
+          <p:cNvPr id="97" name="TextBox 96">
+            <a:extLst>
+              <a:ext uri="{FF2B5EF4-FFF2-40B4-BE49-F238E27FC236}">
+                <a16:creationId xmlns:a16="http://schemas.microsoft.com/office/drawing/2014/main" id="{C9C72E0F-ABB4-36DA-B459-1E4787C47D89}"/>
+              </a:ext>
+            </a:extLst>
+          </p:cNvPr>
+          <p:cNvSpPr txBox="1"/>
+          <p:nvPr/>
+        </p:nvSpPr>
+        <p:spPr>
+          <a:xfrm>
+            <a:off x="4863102" y="3034317"/>
+            <a:ext cx="609782" cy="276999"/>
+          </a:xfrm>
+          <a:prstGeom prst="rect">
+            <a:avLst/>
+          </a:prstGeom>
+          <a:noFill/>
+        </p:spPr>
+        <p:txBody>
+          <a:bodyPr wrap="none" rtlCol="0">
+            <a:spAutoFit/>
+          </a:bodyPr>
+          <a:lstStyle/>
+          <a:p>
+            <a:r>
+              <a:rPr lang="en-US" sz="1200" dirty="0"/>
+              <a:t>Kernel</a:t>
+            </a:r>
+          </a:p>
+        </p:txBody>
+      </p:sp>
+      <p:sp>
+        <p:nvSpPr>
+          <p:cNvPr id="98" name="TextBox 97">
+            <a:extLst>
+              <a:ext uri="{FF2B5EF4-FFF2-40B4-BE49-F238E27FC236}">
+                <a16:creationId xmlns:a16="http://schemas.microsoft.com/office/drawing/2014/main" id="{82BE93A4-386D-5B7F-8919-CA1FB4F0C2E3}"/>
+              </a:ext>
+            </a:extLst>
+          </p:cNvPr>
+          <p:cNvSpPr txBox="1"/>
+          <p:nvPr/>
+        </p:nvSpPr>
+        <p:spPr>
+          <a:xfrm>
+            <a:off x="1162756" y="1964267"/>
+            <a:ext cx="1152495" cy="369332"/>
+          </a:xfrm>
+          <a:prstGeom prst="rect">
+            <a:avLst/>
+          </a:prstGeom>
+          <a:noFill/>
+        </p:spPr>
+        <p:txBody>
+          <a:bodyPr wrap="none" rtlCol="0">
+            <a:spAutoFit/>
+          </a:bodyPr>
+          <a:lstStyle/>
+          <a:p>
+            <a:r>
+              <a:rPr lang="en-US" dirty="0" err="1"/>
+              <a:t>meter.pdf</a:t>
+            </a:r>
+            <a:endParaRPr lang="en-US" dirty="0"/>
+          </a:p>
+        </p:txBody>
+      </p:sp>
+    </p:spTree>
+    <p:extLst>
+      <p:ext uri="{BB962C8B-B14F-4D97-AF65-F5344CB8AC3E}">
+        <p14:creationId xmlns:p14="http://schemas.microsoft.com/office/powerpoint/2010/main" val="591813500"/>
+      </p:ext>
+    </p:extLst>
+  </p:cSld>
+  <p:clrMapOvr>
+    <a:masterClrMapping/>
+  </p:clrMapOvr>
+</p:sld>
+</file>
+
 <file path=ppt/slides/slide2.xml><?xml version="1.0" encoding="utf-8"?>
 <p:sld xmlns:a="http://schemas.openxmlformats.org/drawingml/2006/main" xmlns:r="http://schemas.openxmlformats.org/officeDocument/2006/relationships" xmlns:p="http://schemas.openxmlformats.org/presentationml/2006/main">
   <p:cSld>
@@ -34590,10 +36926,10 @@
       </p:grpSpPr>
       <p:sp>
         <p:nvSpPr>
-          <p:cNvPr id="7" name="Rounded Rectangle 6">
-            <a:extLst>
-              <a:ext uri="{FF2B5EF4-FFF2-40B4-BE49-F238E27FC236}">
-                <a16:creationId xmlns:a16="http://schemas.microsoft.com/office/drawing/2014/main" id="{F7916BC9-BB9D-F3AD-9945-33C79E239913}"/>
+          <p:cNvPr id="42" name="Rectangle 41">
+            <a:extLst>
+              <a:ext uri="{FF2B5EF4-FFF2-40B4-BE49-F238E27FC236}">
+                <a16:creationId xmlns:a16="http://schemas.microsoft.com/office/drawing/2014/main" id="{54B9F686-A756-06E5-BDC0-453DDF783D92}"/>
               </a:ext>
             </a:extLst>
           </p:cNvPr>
@@ -34602,17 +36938,168 @@
         </p:nvSpPr>
         <p:spPr>
           <a:xfrm>
-            <a:off x="5955259" y="4125790"/>
-            <a:ext cx="717332" cy="291662"/>
+            <a:off x="5950767" y="2714333"/>
+            <a:ext cx="3109285" cy="3040181"/>
+          </a:xfrm>
+          <a:prstGeom prst="rect">
+            <a:avLst/>
+          </a:prstGeom>
+          <a:solidFill>
+            <a:schemeClr val="bg2">
+              <a:lumMod val="90000"/>
+              <a:alpha val="34000"/>
+            </a:schemeClr>
+          </a:solidFill>
+        </p:spPr>
+        <p:style>
+          <a:lnRef idx="2">
+            <a:schemeClr val="accent1">
+              <a:shade val="15000"/>
+            </a:schemeClr>
+          </a:lnRef>
+          <a:fillRef idx="1">
+            <a:schemeClr val="accent1"/>
+          </a:fillRef>
+          <a:effectRef idx="0">
+            <a:schemeClr val="accent1"/>
+          </a:effectRef>
+          <a:fontRef idx="minor">
+            <a:schemeClr val="lt1"/>
+          </a:fontRef>
+        </p:style>
+        <p:txBody>
+          <a:bodyPr rtlCol="0" anchor="ctr"/>
+          <a:lstStyle/>
+          <a:p>
+            <a:pPr algn="ctr"/>
+            <a:endParaRPr lang="en-US"/>
+          </a:p>
+        </p:txBody>
+      </p:sp>
+      <p:sp>
+        <p:nvSpPr>
+          <p:cNvPr id="25" name="Rectangle 24">
+            <a:extLst>
+              <a:ext uri="{FF2B5EF4-FFF2-40B4-BE49-F238E27FC236}">
+                <a16:creationId xmlns:a16="http://schemas.microsoft.com/office/drawing/2014/main" id="{AA27AF0C-9891-0B35-9B75-A2F7135EBEA1}"/>
+              </a:ext>
+            </a:extLst>
+          </p:cNvPr>
+          <p:cNvSpPr/>
+          <p:nvPr/>
+        </p:nvSpPr>
+        <p:spPr>
+          <a:xfrm>
+            <a:off x="5950767" y="899831"/>
+            <a:ext cx="2546914" cy="1618560"/>
+          </a:xfrm>
+          <a:prstGeom prst="rect">
+            <a:avLst/>
+          </a:prstGeom>
+          <a:solidFill>
+            <a:schemeClr val="bg2">
+              <a:lumMod val="90000"/>
+              <a:alpha val="34000"/>
+            </a:schemeClr>
+          </a:solidFill>
+        </p:spPr>
+        <p:style>
+          <a:lnRef idx="2">
+            <a:schemeClr val="accent1">
+              <a:shade val="15000"/>
+            </a:schemeClr>
+          </a:lnRef>
+          <a:fillRef idx="1">
+            <a:schemeClr val="accent1"/>
+          </a:fillRef>
+          <a:effectRef idx="0">
+            <a:schemeClr val="accent1"/>
+          </a:effectRef>
+          <a:fontRef idx="minor">
+            <a:schemeClr val="lt1"/>
+          </a:fontRef>
+        </p:style>
+        <p:txBody>
+          <a:bodyPr rtlCol="0" anchor="ctr"/>
+          <a:lstStyle/>
+          <a:p>
+            <a:pPr algn="ctr"/>
+            <a:endParaRPr lang="en-US"/>
+          </a:p>
+        </p:txBody>
+      </p:sp>
+      <p:sp>
+        <p:nvSpPr>
+          <p:cNvPr id="32" name="Rectangle 31">
+            <a:extLst>
+              <a:ext uri="{FF2B5EF4-FFF2-40B4-BE49-F238E27FC236}">
+                <a16:creationId xmlns:a16="http://schemas.microsoft.com/office/drawing/2014/main" id="{407A2C3E-1F0C-4A50-D3CC-17EEC621C19F}"/>
+              </a:ext>
+            </a:extLst>
+          </p:cNvPr>
+          <p:cNvSpPr/>
+          <p:nvPr/>
+        </p:nvSpPr>
+        <p:spPr>
+          <a:xfrm>
+            <a:off x="3225113" y="3883702"/>
+            <a:ext cx="2397211" cy="1889233"/>
+          </a:xfrm>
+          <a:prstGeom prst="rect">
+            <a:avLst/>
+          </a:prstGeom>
+          <a:solidFill>
+            <a:schemeClr val="bg2">
+              <a:lumMod val="90000"/>
+              <a:alpha val="34000"/>
+            </a:schemeClr>
+          </a:solidFill>
+        </p:spPr>
+        <p:style>
+          <a:lnRef idx="2">
+            <a:schemeClr val="accent1">
+              <a:shade val="15000"/>
+            </a:schemeClr>
+          </a:lnRef>
+          <a:fillRef idx="1">
+            <a:schemeClr val="accent1"/>
+          </a:fillRef>
+          <a:effectRef idx="0">
+            <a:schemeClr val="accent1"/>
+          </a:effectRef>
+          <a:fontRef idx="minor">
+            <a:schemeClr val="lt1"/>
+          </a:fontRef>
+        </p:style>
+        <p:txBody>
+          <a:bodyPr rtlCol="0" anchor="ctr"/>
+          <a:lstStyle/>
+          <a:p>
+            <a:pPr algn="ctr"/>
+            <a:endParaRPr lang="en-US"/>
+          </a:p>
+        </p:txBody>
+      </p:sp>
+      <p:sp>
+        <p:nvSpPr>
+          <p:cNvPr id="4" name="Rounded Rectangle 3">
+            <a:extLst>
+              <a:ext uri="{FF2B5EF4-FFF2-40B4-BE49-F238E27FC236}">
+                <a16:creationId xmlns:a16="http://schemas.microsoft.com/office/drawing/2014/main" id="{FCED59A4-2AF4-6159-C09C-9137FCA1EA61}"/>
+              </a:ext>
+            </a:extLst>
+          </p:cNvPr>
+          <p:cNvSpPr/>
+          <p:nvPr/>
+        </p:nvSpPr>
+        <p:spPr>
+          <a:xfrm>
+            <a:off x="3542558" y="4384257"/>
+            <a:ext cx="1797269" cy="830317"/>
           </a:xfrm>
           <a:prstGeom prst="roundRect">
             <a:avLst/>
           </a:prstGeom>
-          <a:solidFill>
-            <a:schemeClr val="bg1">
-              <a:lumMod val="95000"/>
-            </a:schemeClr>
-          </a:solidFill>
         </p:spPr>
         <p:style>
           <a:lnRef idx="2">
@@ -34634,18 +37121,19 @@
           <a:p>
             <a:pPr algn="ctr"/>
             <a:r>
-              <a:rPr lang="en-US" sz="1400" dirty="0"/>
-              <a:t>repr1</a:t>
-            </a:r>
-          </a:p>
-        </p:txBody>
-      </p:sp>
-      <p:sp>
-        <p:nvSpPr>
-          <p:cNvPr id="14" name="Rounded Rectangle 13">
-            <a:extLst>
-              <a:ext uri="{FF2B5EF4-FFF2-40B4-BE49-F238E27FC236}">
-                <a16:creationId xmlns:a16="http://schemas.microsoft.com/office/drawing/2014/main" id="{CE9DFE42-196A-E6E6-29AE-2CCBB39BACD9}"/>
+              <a:rPr lang="en-US" sz="1600" dirty="0" err="1"/>
+              <a:t>switchdev</a:t>
+            </a:r>
+            <a:endParaRPr lang="en-US" sz="1600" dirty="0"/>
+          </a:p>
+        </p:txBody>
+      </p:sp>
+      <p:sp>
+        <p:nvSpPr>
+          <p:cNvPr id="6" name="Rounded Rectangle 5">
+            <a:extLst>
+              <a:ext uri="{FF2B5EF4-FFF2-40B4-BE49-F238E27FC236}">
+                <a16:creationId xmlns:a16="http://schemas.microsoft.com/office/drawing/2014/main" id="{A93F171A-9E89-8481-8C6C-AA9F88BF5F37}"/>
               </a:ext>
             </a:extLst>
           </p:cNvPr>
@@ -34654,7 +37142,7 @@
         </p:nvSpPr>
         <p:spPr>
           <a:xfrm>
-            <a:off x="5939768" y="3206077"/>
+            <a:off x="4044427" y="5214574"/>
             <a:ext cx="717332" cy="291662"/>
           </a:xfrm>
           <a:prstGeom prst="roundRect">
@@ -34682,17 +37170,261 @@
             <a:pPr algn="ctr"/>
             <a:r>
               <a:rPr lang="en-US" sz="1400" dirty="0"/>
+              <a:t>uplink</a:t>
+            </a:r>
+          </a:p>
+        </p:txBody>
+      </p:sp>
+      <p:sp>
+        <p:nvSpPr>
+          <p:cNvPr id="7" name="Rounded Rectangle 6">
+            <a:extLst>
+              <a:ext uri="{FF2B5EF4-FFF2-40B4-BE49-F238E27FC236}">
+                <a16:creationId xmlns:a16="http://schemas.microsoft.com/office/drawing/2014/main" id="{E0671EE7-922E-219B-7DD1-76A5A6EF1E8D}"/>
+              </a:ext>
+            </a:extLst>
+          </p:cNvPr>
+          <p:cNvSpPr/>
+          <p:nvPr/>
+        </p:nvSpPr>
+        <p:spPr>
+          <a:xfrm>
+            <a:off x="3542558" y="4097851"/>
+            <a:ext cx="717332" cy="291662"/>
+          </a:xfrm>
+          <a:prstGeom prst="roundRect">
+            <a:avLst/>
+          </a:prstGeom>
+        </p:spPr>
+        <p:style>
+          <a:lnRef idx="2">
+            <a:schemeClr val="accent6"/>
+          </a:lnRef>
+          <a:fillRef idx="1">
+            <a:schemeClr val="lt1"/>
+          </a:fillRef>
+          <a:effectRef idx="0">
+            <a:schemeClr val="accent6"/>
+          </a:effectRef>
+          <a:fontRef idx="minor">
+            <a:schemeClr val="dk1"/>
+          </a:fontRef>
+        </p:style>
+        <p:txBody>
+          <a:bodyPr rtlCol="0" anchor="ctr"/>
+          <a:lstStyle/>
+          <a:p>
+            <a:pPr algn="ctr"/>
+            <a:r>
+              <a:rPr lang="en-US" sz="1400" dirty="0"/>
               <a:t>vport1</a:t>
+            </a:r>
+          </a:p>
+        </p:txBody>
+      </p:sp>
+      <p:sp>
+        <p:nvSpPr>
+          <p:cNvPr id="8" name="Rounded Rectangle 7">
+            <a:extLst>
+              <a:ext uri="{FF2B5EF4-FFF2-40B4-BE49-F238E27FC236}">
+                <a16:creationId xmlns:a16="http://schemas.microsoft.com/office/drawing/2014/main" id="{8C42BB90-43B4-D29B-D8D4-1E78E273261B}"/>
+              </a:ext>
+            </a:extLst>
+          </p:cNvPr>
+          <p:cNvSpPr/>
+          <p:nvPr/>
+        </p:nvSpPr>
+        <p:spPr>
+          <a:xfrm>
+            <a:off x="4611986" y="4092595"/>
+            <a:ext cx="717332" cy="291662"/>
+          </a:xfrm>
+          <a:prstGeom prst="roundRect">
+            <a:avLst/>
+          </a:prstGeom>
+        </p:spPr>
+        <p:style>
+          <a:lnRef idx="2">
+            <a:schemeClr val="accent6"/>
+          </a:lnRef>
+          <a:fillRef idx="1">
+            <a:schemeClr val="lt1"/>
+          </a:fillRef>
+          <a:effectRef idx="0">
+            <a:schemeClr val="accent6"/>
+          </a:effectRef>
+          <a:fontRef idx="minor">
+            <a:schemeClr val="dk1"/>
+          </a:fontRef>
+        </p:style>
+        <p:txBody>
+          <a:bodyPr rtlCol="0" anchor="ctr"/>
+          <a:lstStyle/>
+          <a:p>
+            <a:pPr algn="ctr"/>
+            <a:r>
+              <a:rPr lang="en-US" sz="1400" dirty="0"/>
+              <a:t>vport2</a:t>
+            </a:r>
+          </a:p>
+        </p:txBody>
+      </p:sp>
+      <p:sp>
+        <p:nvSpPr>
+          <p:cNvPr id="13" name="Rounded Rectangle 12">
+            <a:extLst>
+              <a:ext uri="{FF2B5EF4-FFF2-40B4-BE49-F238E27FC236}">
+                <a16:creationId xmlns:a16="http://schemas.microsoft.com/office/drawing/2014/main" id="{E16450AA-71B2-CE6B-4031-984245D788E5}"/>
+              </a:ext>
+            </a:extLst>
+          </p:cNvPr>
+          <p:cNvSpPr/>
+          <p:nvPr/>
+        </p:nvSpPr>
+        <p:spPr>
+          <a:xfrm>
+            <a:off x="6341924" y="1966891"/>
+            <a:ext cx="717332" cy="291662"/>
+          </a:xfrm>
+          <a:prstGeom prst="roundRect">
+            <a:avLst/>
+          </a:prstGeom>
+          <a:solidFill>
+            <a:schemeClr val="accent2"/>
+          </a:solidFill>
+        </p:spPr>
+        <p:style>
+          <a:lnRef idx="2">
+            <a:schemeClr val="accent6"/>
+          </a:lnRef>
+          <a:fillRef idx="1">
+            <a:schemeClr val="lt1"/>
+          </a:fillRef>
+          <a:effectRef idx="0">
+            <a:schemeClr val="accent6"/>
+          </a:effectRef>
+          <a:fontRef idx="minor">
+            <a:schemeClr val="dk1"/>
+          </a:fontRef>
+        </p:style>
+        <p:txBody>
+          <a:bodyPr rtlCol="0" anchor="ctr"/>
+          <a:lstStyle/>
+          <a:p>
+            <a:pPr algn="ctr"/>
+            <a:r>
+              <a:rPr lang="en-US" sz="1400" dirty="0"/>
+              <a:t>vport1</a:t>
+            </a:r>
+          </a:p>
+        </p:txBody>
+      </p:sp>
+      <p:sp>
+        <p:nvSpPr>
+          <p:cNvPr id="14" name="Rounded Rectangle 13">
+            <a:extLst>
+              <a:ext uri="{FF2B5EF4-FFF2-40B4-BE49-F238E27FC236}">
+                <a16:creationId xmlns:a16="http://schemas.microsoft.com/office/drawing/2014/main" id="{30CF6CEE-47AF-F165-2A90-28511E99A420}"/>
+              </a:ext>
+            </a:extLst>
+          </p:cNvPr>
+          <p:cNvSpPr/>
+          <p:nvPr/>
+        </p:nvSpPr>
+        <p:spPr>
+          <a:xfrm>
+            <a:off x="7418171" y="1966891"/>
+            <a:ext cx="717332" cy="291662"/>
+          </a:xfrm>
+          <a:prstGeom prst="roundRect">
+            <a:avLst/>
+          </a:prstGeom>
+          <a:solidFill>
+            <a:schemeClr val="accent6">
+              <a:lumMod val="20000"/>
+              <a:lumOff val="80000"/>
+            </a:schemeClr>
+          </a:solidFill>
+        </p:spPr>
+        <p:style>
+          <a:lnRef idx="2">
+            <a:schemeClr val="accent6"/>
+          </a:lnRef>
+          <a:fillRef idx="1">
+            <a:schemeClr val="lt1"/>
+          </a:fillRef>
+          <a:effectRef idx="0">
+            <a:schemeClr val="accent6"/>
+          </a:effectRef>
+          <a:fontRef idx="minor">
+            <a:schemeClr val="dk1"/>
+          </a:fontRef>
+        </p:style>
+        <p:txBody>
+          <a:bodyPr rtlCol="0" anchor="ctr"/>
+          <a:lstStyle/>
+          <a:p>
+            <a:pPr algn="ctr"/>
+            <a:r>
+              <a:rPr lang="en-US" sz="1400" dirty="0"/>
+              <a:t>vport2</a:t>
+            </a:r>
+          </a:p>
+        </p:txBody>
+      </p:sp>
+      <p:sp>
+        <p:nvSpPr>
+          <p:cNvPr id="15" name="Rounded Rectangle 14">
+            <a:extLst>
+              <a:ext uri="{FF2B5EF4-FFF2-40B4-BE49-F238E27FC236}">
+                <a16:creationId xmlns:a16="http://schemas.microsoft.com/office/drawing/2014/main" id="{C213DFA3-8113-B454-271D-99E1414F4237}"/>
+              </a:ext>
+            </a:extLst>
+          </p:cNvPr>
+          <p:cNvSpPr/>
+          <p:nvPr/>
+        </p:nvSpPr>
+        <p:spPr>
+          <a:xfrm>
+            <a:off x="6063401" y="995999"/>
+            <a:ext cx="1147757" cy="970892"/>
+          </a:xfrm>
+          <a:prstGeom prst="roundRect">
+            <a:avLst/>
+          </a:prstGeom>
+        </p:spPr>
+        <p:style>
+          <a:lnRef idx="2">
+            <a:schemeClr val="accent6"/>
+          </a:lnRef>
+          <a:fillRef idx="1">
+            <a:schemeClr val="lt1"/>
+          </a:fillRef>
+          <a:effectRef idx="0">
+            <a:schemeClr val="accent6"/>
+          </a:effectRef>
+          <a:fontRef idx="minor">
+            <a:schemeClr val="dk1"/>
+          </a:fontRef>
+        </p:style>
+        <p:txBody>
+          <a:bodyPr rtlCol="0" anchor="ctr"/>
+          <a:lstStyle/>
+          <a:p>
+            <a:pPr algn="ctr"/>
+            <a:r>
+              <a:rPr lang="en-US" sz="1400" dirty="0"/>
+              <a:t>VM1/ Container</a:t>
             </a:r>
           </a:p>
         </p:txBody>
       </p:sp>
       <p:cxnSp>
         <p:nvCxnSpPr>
-          <p:cNvPr id="16" name="Straight Connector 15">
-            <a:extLst>
-              <a:ext uri="{FF2B5EF4-FFF2-40B4-BE49-F238E27FC236}">
-                <a16:creationId xmlns:a16="http://schemas.microsoft.com/office/drawing/2014/main" id="{529999F8-139E-8534-1EAE-0C47DA09CBF3}"/>
+          <p:cNvPr id="31" name="Straight Connector 30">
+            <a:extLst>
+              <a:ext uri="{FF2B5EF4-FFF2-40B4-BE49-F238E27FC236}">
+                <a16:creationId xmlns:a16="http://schemas.microsoft.com/office/drawing/2014/main" id="{09E6552B-7A37-0DC4-39B3-04D462A13EC2}"/>
               </a:ext>
             </a:extLst>
           </p:cNvPr>
@@ -34703,16 +37435,15 @@
         </p:nvCxnSpPr>
         <p:spPr>
           <a:xfrm flipV="1">
-            <a:off x="6313925" y="3542127"/>
+            <a:off x="4372870" y="5506236"/>
             <a:ext cx="0" cy="533399"/>
           </a:xfrm>
           <a:prstGeom prst="line">
             <a:avLst/>
           </a:prstGeom>
           <a:ln>
-            <a:prstDash val="dash"/>
             <a:headEnd type="triangle"/>
-            <a:tailEnd type="none"/>
+            <a:tailEnd type="triangle"/>
           </a:ln>
         </p:spPr>
         <p:style>
@@ -34732,10 +37463,57 @@
       </p:cxnSp>
       <p:sp>
         <p:nvSpPr>
-          <p:cNvPr id="18" name="TextBox 17">
-            <a:extLst>
-              <a:ext uri="{FF2B5EF4-FFF2-40B4-BE49-F238E27FC236}">
-                <a16:creationId xmlns:a16="http://schemas.microsoft.com/office/drawing/2014/main" id="{5CD5E337-699E-D3BB-8464-A8B73B10AAC5}"/>
+          <p:cNvPr id="22" name="Rounded Rectangle 21">
+            <a:extLst>
+              <a:ext uri="{FF2B5EF4-FFF2-40B4-BE49-F238E27FC236}">
+                <a16:creationId xmlns:a16="http://schemas.microsoft.com/office/drawing/2014/main" id="{81A3C4DF-ABA0-DD59-C471-37FB40C3FDE3}"/>
+              </a:ext>
+            </a:extLst>
+          </p:cNvPr>
+          <p:cNvSpPr/>
+          <p:nvPr/>
+        </p:nvSpPr>
+        <p:spPr>
+          <a:xfrm>
+            <a:off x="7263427" y="985301"/>
+            <a:ext cx="1147757" cy="970892"/>
+          </a:xfrm>
+          <a:prstGeom prst="roundRect">
+            <a:avLst/>
+          </a:prstGeom>
+        </p:spPr>
+        <p:style>
+          <a:lnRef idx="2">
+            <a:schemeClr val="accent6"/>
+          </a:lnRef>
+          <a:fillRef idx="1">
+            <a:schemeClr val="lt1"/>
+          </a:fillRef>
+          <a:effectRef idx="0">
+            <a:schemeClr val="accent6"/>
+          </a:effectRef>
+          <a:fontRef idx="minor">
+            <a:schemeClr val="dk1"/>
+          </a:fontRef>
+        </p:style>
+        <p:txBody>
+          <a:bodyPr rtlCol="0" anchor="ctr"/>
+          <a:lstStyle/>
+          <a:p>
+            <a:pPr algn="ctr"/>
+            <a:r>
+              <a:rPr lang="en-US" sz="1400" dirty="0"/>
+              <a:t>VM2/ Container</a:t>
+            </a:r>
+          </a:p>
+        </p:txBody>
+      </p:sp>
+      <p:sp>
+        <p:nvSpPr>
+          <p:cNvPr id="23" name="TextBox 22">
+            <a:extLst>
+              <a:ext uri="{FF2B5EF4-FFF2-40B4-BE49-F238E27FC236}">
+                <a16:creationId xmlns:a16="http://schemas.microsoft.com/office/drawing/2014/main" id="{7C1CAE90-8E34-0ECF-D2BF-1242B673F955}"/>
               </a:ext>
             </a:extLst>
           </p:cNvPr>
@@ -34744,8 +37522,8 @@
         </p:nvSpPr>
         <p:spPr>
           <a:xfrm>
-            <a:off x="5718640" y="3625785"/>
-            <a:ext cx="554960" cy="307777"/>
+            <a:off x="5075108" y="5415960"/>
+            <a:ext cx="524503" cy="338554"/>
           </a:xfrm>
           <a:prstGeom prst="rect">
             <a:avLst/>
@@ -34759,18 +37537,18 @@
           <a:lstStyle/>
           <a:p>
             <a:r>
-              <a:rPr lang="en-US" sz="1400" dirty="0"/>
-              <a:t>miss</a:t>
-            </a:r>
-          </a:p>
-        </p:txBody>
-      </p:sp>
-      <p:sp>
-        <p:nvSpPr>
-          <p:cNvPr id="19" name="TextBox 18">
-            <a:extLst>
-              <a:ext uri="{FF2B5EF4-FFF2-40B4-BE49-F238E27FC236}">
-                <a16:creationId xmlns:a16="http://schemas.microsoft.com/office/drawing/2014/main" id="{B0EF0CA5-8BE1-AA9F-DE3C-6B2C87B6FC90}"/>
+              <a:rPr lang="en-US" sz="1600" dirty="0"/>
+              <a:t>NIC</a:t>
+            </a:r>
+          </a:p>
+        </p:txBody>
+      </p:sp>
+      <p:sp>
+        <p:nvSpPr>
+          <p:cNvPr id="26" name="TextBox 25">
+            <a:extLst>
+              <a:ext uri="{FF2B5EF4-FFF2-40B4-BE49-F238E27FC236}">
+                <a16:creationId xmlns:a16="http://schemas.microsoft.com/office/drawing/2014/main" id="{7FD9F989-26F1-65BE-6A2A-A34AD53FA089}"/>
               </a:ext>
             </a:extLst>
           </p:cNvPr>
@@ -34779,8 +37557,8 @@
         </p:nvSpPr>
         <p:spPr>
           <a:xfrm>
-            <a:off x="5848173" y="2525505"/>
-            <a:ext cx="900524" cy="307777"/>
+            <a:off x="7899618" y="2241621"/>
+            <a:ext cx="608243" cy="338554"/>
           </a:xfrm>
           <a:prstGeom prst="rect">
             <a:avLst/>
@@ -34788,38 +37566,249 @@
           <a:noFill/>
         </p:spPr>
         <p:txBody>
-          <a:bodyPr wrap="square" rtlCol="0">
+          <a:bodyPr wrap="none" rtlCol="0">
             <a:spAutoFit/>
           </a:bodyPr>
           <a:lstStyle/>
           <a:p>
             <a:r>
+              <a:rPr lang="en-US" sz="1600" dirty="0"/>
+              <a:t>Host</a:t>
+            </a:r>
+          </a:p>
+        </p:txBody>
+      </p:sp>
+      <p:sp>
+        <p:nvSpPr>
+          <p:cNvPr id="27" name="Rounded Rectangle 26">
+            <a:extLst>
+              <a:ext uri="{FF2B5EF4-FFF2-40B4-BE49-F238E27FC236}">
+                <a16:creationId xmlns:a16="http://schemas.microsoft.com/office/drawing/2014/main" id="{216D8A09-5F0D-C44D-EB1C-A741802E532E}"/>
+              </a:ext>
+            </a:extLst>
+          </p:cNvPr>
+          <p:cNvSpPr/>
+          <p:nvPr/>
+        </p:nvSpPr>
+        <p:spPr>
+          <a:xfrm>
+            <a:off x="6312911" y="4366706"/>
+            <a:ext cx="1797269" cy="830317"/>
+          </a:xfrm>
+          <a:prstGeom prst="roundRect">
+            <a:avLst/>
+          </a:prstGeom>
+        </p:spPr>
+        <p:style>
+          <a:lnRef idx="2">
+            <a:schemeClr val="accent6"/>
+          </a:lnRef>
+          <a:fillRef idx="1">
+            <a:schemeClr val="lt1"/>
+          </a:fillRef>
+          <a:effectRef idx="0">
+            <a:schemeClr val="accent6"/>
+          </a:effectRef>
+          <a:fontRef idx="minor">
+            <a:schemeClr val="dk1"/>
+          </a:fontRef>
+        </p:style>
+        <p:txBody>
+          <a:bodyPr rtlCol="0" anchor="ctr"/>
+          <a:lstStyle/>
+          <a:p>
+            <a:pPr algn="ctr"/>
+            <a:r>
+              <a:rPr lang="en-US" sz="1600" dirty="0"/>
+              <a:t>Software Switch</a:t>
+            </a:r>
+          </a:p>
+          <a:p>
+            <a:pPr algn="ctr"/>
+            <a:r>
               <a:rPr lang="en-US" sz="1400" dirty="0"/>
-              <a:t>VM send</a:t>
+              <a:t>OVS / Linux bridge</a:t>
+            </a:r>
+          </a:p>
+        </p:txBody>
+      </p:sp>
+      <p:sp>
+        <p:nvSpPr>
+          <p:cNvPr id="29" name="Rounded Rectangle 28">
+            <a:extLst>
+              <a:ext uri="{FF2B5EF4-FFF2-40B4-BE49-F238E27FC236}">
+                <a16:creationId xmlns:a16="http://schemas.microsoft.com/office/drawing/2014/main" id="{7B6B2C8C-5712-86B2-ED70-4C329C25A505}"/>
+              </a:ext>
+            </a:extLst>
+          </p:cNvPr>
+          <p:cNvSpPr/>
+          <p:nvPr/>
+        </p:nvSpPr>
+        <p:spPr>
+          <a:xfrm>
+            <a:off x="8095270" y="4629781"/>
+            <a:ext cx="717332" cy="270324"/>
+          </a:xfrm>
+          <a:prstGeom prst="roundRect">
+            <a:avLst/>
+          </a:prstGeom>
+          <a:solidFill>
+            <a:schemeClr val="accent2"/>
+          </a:solidFill>
+        </p:spPr>
+        <p:style>
+          <a:lnRef idx="2">
+            <a:schemeClr val="accent6"/>
+          </a:lnRef>
+          <a:fillRef idx="1">
+            <a:schemeClr val="lt1"/>
+          </a:fillRef>
+          <a:effectRef idx="0">
+            <a:schemeClr val="accent6"/>
+          </a:effectRef>
+          <a:fontRef idx="minor">
+            <a:schemeClr val="dk1"/>
+          </a:fontRef>
+        </p:style>
+        <p:txBody>
+          <a:bodyPr rtlCol="0" anchor="ctr"/>
+          <a:lstStyle/>
+          <a:p>
+            <a:pPr algn="ctr"/>
+            <a:r>
+              <a:rPr lang="en-US" sz="1200" dirty="0"/>
+              <a:t>PF </a:t>
+            </a:r>
+            <a:r>
+              <a:rPr lang="en-US" sz="1200" dirty="0" err="1"/>
+              <a:t>repr</a:t>
+            </a:r>
+            <a:endParaRPr lang="en-US" sz="1200" dirty="0"/>
+          </a:p>
+        </p:txBody>
+      </p:sp>
+      <p:sp>
+        <p:nvSpPr>
+          <p:cNvPr id="30" name="Rounded Rectangle 29">
+            <a:extLst>
+              <a:ext uri="{FF2B5EF4-FFF2-40B4-BE49-F238E27FC236}">
+                <a16:creationId xmlns:a16="http://schemas.microsoft.com/office/drawing/2014/main" id="{1B1D8E42-31AD-8F48-8278-A55C620E8CAC}"/>
+              </a:ext>
+            </a:extLst>
+          </p:cNvPr>
+          <p:cNvSpPr/>
+          <p:nvPr/>
+        </p:nvSpPr>
+        <p:spPr>
+          <a:xfrm>
+            <a:off x="6312911" y="4080300"/>
+            <a:ext cx="717332" cy="291662"/>
+          </a:xfrm>
+          <a:prstGeom prst="roundRect">
+            <a:avLst/>
+          </a:prstGeom>
+          <a:solidFill>
+            <a:schemeClr val="accent2"/>
+          </a:solidFill>
+        </p:spPr>
+        <p:style>
+          <a:lnRef idx="2">
+            <a:schemeClr val="accent6"/>
+          </a:lnRef>
+          <a:fillRef idx="1">
+            <a:schemeClr val="lt1"/>
+          </a:fillRef>
+          <a:effectRef idx="0">
+            <a:schemeClr val="accent6"/>
+          </a:effectRef>
+          <a:fontRef idx="minor">
+            <a:schemeClr val="dk1"/>
+          </a:fontRef>
+        </p:style>
+        <p:txBody>
+          <a:bodyPr rtlCol="0" anchor="ctr"/>
+          <a:lstStyle/>
+          <a:p>
+            <a:pPr algn="ctr"/>
+            <a:r>
+              <a:rPr lang="en-US" sz="1400" dirty="0"/>
+              <a:t>repr1</a:t>
+            </a:r>
+          </a:p>
+        </p:txBody>
+      </p:sp>
+      <p:sp>
+        <p:nvSpPr>
+          <p:cNvPr id="33" name="Rounded Rectangle 32">
+            <a:extLst>
+              <a:ext uri="{FF2B5EF4-FFF2-40B4-BE49-F238E27FC236}">
+                <a16:creationId xmlns:a16="http://schemas.microsoft.com/office/drawing/2014/main" id="{9A8FDF0E-0D96-EF6C-AC8D-92523127615D}"/>
+              </a:ext>
+            </a:extLst>
+          </p:cNvPr>
+          <p:cNvSpPr/>
+          <p:nvPr/>
+        </p:nvSpPr>
+        <p:spPr>
+          <a:xfrm>
+            <a:off x="7382339" y="4075044"/>
+            <a:ext cx="717332" cy="291662"/>
+          </a:xfrm>
+          <a:prstGeom prst="roundRect">
+            <a:avLst/>
+          </a:prstGeom>
+          <a:solidFill>
+            <a:schemeClr val="accent6">
+              <a:lumMod val="20000"/>
+              <a:lumOff val="80000"/>
+            </a:schemeClr>
+          </a:solidFill>
+        </p:spPr>
+        <p:style>
+          <a:lnRef idx="2">
+            <a:schemeClr val="accent6"/>
+          </a:lnRef>
+          <a:fillRef idx="1">
+            <a:schemeClr val="lt1"/>
+          </a:fillRef>
+          <a:effectRef idx="0">
+            <a:schemeClr val="accent6"/>
+          </a:effectRef>
+          <a:fontRef idx="minor">
+            <a:schemeClr val="dk1"/>
+          </a:fontRef>
+        </p:style>
+        <p:txBody>
+          <a:bodyPr rtlCol="0" anchor="ctr"/>
+          <a:lstStyle/>
+          <a:p>
+            <a:pPr algn="ctr"/>
+            <a:r>
+              <a:rPr lang="en-US" sz="1400" dirty="0"/>
+              <a:t>repr2</a:t>
             </a:r>
           </a:p>
         </p:txBody>
       </p:sp>
       <p:cxnSp>
         <p:nvCxnSpPr>
-          <p:cNvPr id="20" name="Straight Connector 19">
-            <a:extLst>
-              <a:ext uri="{FF2B5EF4-FFF2-40B4-BE49-F238E27FC236}">
-                <a16:creationId xmlns:a16="http://schemas.microsoft.com/office/drawing/2014/main" id="{9BBC5139-9DA8-F141-D779-412F7F57830B}"/>
+          <p:cNvPr id="34" name="Straight Connector 33">
+            <a:extLst>
+              <a:ext uri="{FF2B5EF4-FFF2-40B4-BE49-F238E27FC236}">
+                <a16:creationId xmlns:a16="http://schemas.microsoft.com/office/drawing/2014/main" id="{40DF36BD-0424-CE5F-3591-84A7A4F64ADE}"/>
               </a:ext>
             </a:extLst>
           </p:cNvPr>
           <p:cNvCxnSpPr>
             <a:cxnSpLocks/>
-            <a:stCxn id="14" idx="0"/>
-            <a:endCxn id="19" idx="2"/>
+            <a:endCxn id="35" idx="2"/>
           </p:cNvCxnSpPr>
           <p:nvPr/>
         </p:nvCxnSpPr>
         <p:spPr>
           <a:xfrm flipV="1">
-            <a:off x="6298434" y="2833282"/>
-            <a:ext cx="1" cy="372795"/>
+            <a:off x="7198836" y="5576413"/>
+            <a:ext cx="0" cy="440415"/>
           </a:xfrm>
           <a:prstGeom prst="line">
             <a:avLst/>
@@ -34827,7 +37816,7 @@
           <a:ln>
             <a:prstDash val="dash"/>
             <a:headEnd type="triangle"/>
-            <a:tailEnd type="none"/>
+            <a:tailEnd type="triangle"/>
           </a:ln>
         </p:spPr>
         <p:style>
@@ -34847,110 +37836,10 @@
       </p:cxnSp>
       <p:sp>
         <p:nvSpPr>
-          <p:cNvPr id="23" name="TextBox 22">
-            <a:extLst>
-              <a:ext uri="{FF2B5EF4-FFF2-40B4-BE49-F238E27FC236}">
-                <a16:creationId xmlns:a16="http://schemas.microsoft.com/office/drawing/2014/main" id="{B3098634-9BFB-47D3-FC5F-3E955AE1F6C3}"/>
-              </a:ext>
-            </a:extLst>
-          </p:cNvPr>
-          <p:cNvSpPr txBox="1"/>
-          <p:nvPr/>
-        </p:nvSpPr>
-        <p:spPr>
-          <a:xfrm>
-            <a:off x="6332972" y="3821207"/>
-            <a:ext cx="324128" cy="307777"/>
-          </a:xfrm>
-          <a:prstGeom prst="rect">
-            <a:avLst/>
-          </a:prstGeom>
-          <a:noFill/>
-        </p:spPr>
-        <p:txBody>
-          <a:bodyPr wrap="none" rtlCol="0">
-            <a:spAutoFit/>
-          </a:bodyPr>
-          <a:lstStyle/>
-          <a:p>
-            <a:r>
-              <a:rPr lang="en-US" sz="1400" dirty="0" err="1">
-                <a:solidFill>
-                  <a:schemeClr val="tx1">
-                    <a:lumMod val="50000"/>
-                    <a:lumOff val="50000"/>
-                  </a:schemeClr>
-                </a:solidFill>
-              </a:rPr>
-              <a:t>rx</a:t>
-            </a:r>
-            <a:endParaRPr lang="en-US" sz="1400" dirty="0">
-              <a:solidFill>
-                <a:schemeClr val="tx1">
-                  <a:lumMod val="50000"/>
-                  <a:lumOff val="50000"/>
-                </a:schemeClr>
-              </a:solidFill>
-            </a:endParaRPr>
-          </a:p>
-        </p:txBody>
-      </p:sp>
-      <p:sp>
-        <p:nvSpPr>
-          <p:cNvPr id="25" name="TextBox 24">
-            <a:extLst>
-              <a:ext uri="{FF2B5EF4-FFF2-40B4-BE49-F238E27FC236}">
-                <a16:creationId xmlns:a16="http://schemas.microsoft.com/office/drawing/2014/main" id="{AA2FA901-92B3-F91B-382A-433C1EFB4F76}"/>
-              </a:ext>
-            </a:extLst>
-          </p:cNvPr>
-          <p:cNvSpPr txBox="1"/>
-          <p:nvPr/>
-        </p:nvSpPr>
-        <p:spPr>
-          <a:xfrm>
-            <a:off x="6313925" y="2909552"/>
-            <a:ext cx="322524" cy="307777"/>
-          </a:xfrm>
-          <a:prstGeom prst="rect">
-            <a:avLst/>
-          </a:prstGeom>
-          <a:noFill/>
-        </p:spPr>
-        <p:txBody>
-          <a:bodyPr wrap="none" rtlCol="0">
-            <a:spAutoFit/>
-          </a:bodyPr>
-          <a:lstStyle/>
-          <a:p>
-            <a:r>
-              <a:rPr lang="en-US" sz="1400" dirty="0" err="1">
-                <a:solidFill>
-                  <a:schemeClr val="tx1">
-                    <a:lumMod val="50000"/>
-                    <a:lumOff val="50000"/>
-                  </a:schemeClr>
-                </a:solidFill>
-              </a:rPr>
-              <a:t>tx</a:t>
-            </a:r>
-            <a:endParaRPr lang="en-US" sz="1400" dirty="0">
-              <a:solidFill>
-                <a:schemeClr val="tx1">
-                  <a:lumMod val="50000"/>
-                  <a:lumOff val="50000"/>
-                </a:schemeClr>
-              </a:solidFill>
-            </a:endParaRPr>
-          </a:p>
-        </p:txBody>
-      </p:sp>
-      <p:sp>
-        <p:nvSpPr>
-          <p:cNvPr id="27" name="Rounded Rectangle 26">
-            <a:extLst>
-              <a:ext uri="{FF2B5EF4-FFF2-40B4-BE49-F238E27FC236}">
-                <a16:creationId xmlns:a16="http://schemas.microsoft.com/office/drawing/2014/main" id="{F8B0AD5B-4340-99CB-7A6C-534550760D04}"/>
+          <p:cNvPr id="35" name="Rounded Rectangle 34">
+            <a:extLst>
+              <a:ext uri="{FF2B5EF4-FFF2-40B4-BE49-F238E27FC236}">
+                <a16:creationId xmlns:a16="http://schemas.microsoft.com/office/drawing/2014/main" id="{648C944C-E705-200B-403D-32D45A8CD4CF}"/>
               </a:ext>
             </a:extLst>
           </p:cNvPr>
@@ -34959,8 +37848,8 @@
         </p:nvSpPr>
         <p:spPr>
           <a:xfrm>
-            <a:off x="7062239" y="4125790"/>
-            <a:ext cx="717332" cy="291662"/>
+            <a:off x="6840170" y="5191767"/>
+            <a:ext cx="717332" cy="384646"/>
           </a:xfrm>
           <a:prstGeom prst="roundRect">
             <a:avLst/>
@@ -34986,70 +37875,23 @@
           <a:p>
             <a:pPr algn="ctr"/>
             <a:r>
-              <a:rPr lang="en-US" sz="1400" dirty="0"/>
-              <a:t>vport1</a:t>
-            </a:r>
-          </a:p>
-        </p:txBody>
-      </p:sp>
-      <p:sp>
-        <p:nvSpPr>
-          <p:cNvPr id="28" name="Rounded Rectangle 27">
-            <a:extLst>
-              <a:ext uri="{FF2B5EF4-FFF2-40B4-BE49-F238E27FC236}">
-                <a16:creationId xmlns:a16="http://schemas.microsoft.com/office/drawing/2014/main" id="{6076CDB8-3200-BAD4-9206-0BC5299F704C}"/>
-              </a:ext>
-            </a:extLst>
-          </p:cNvPr>
-          <p:cNvSpPr/>
-          <p:nvPr/>
-        </p:nvSpPr>
-        <p:spPr>
-          <a:xfrm>
-            <a:off x="7046748" y="3206077"/>
-            <a:ext cx="717332" cy="291662"/>
-          </a:xfrm>
-          <a:prstGeom prst="roundRect">
-            <a:avLst/>
-          </a:prstGeom>
-          <a:solidFill>
-            <a:schemeClr val="bg1">
-              <a:lumMod val="95000"/>
-            </a:schemeClr>
-          </a:solidFill>
-        </p:spPr>
-        <p:style>
-          <a:lnRef idx="2">
-            <a:schemeClr val="accent6"/>
-          </a:lnRef>
-          <a:fillRef idx="1">
-            <a:schemeClr val="lt1"/>
-          </a:fillRef>
-          <a:effectRef idx="0">
-            <a:schemeClr val="accent6"/>
-          </a:effectRef>
-          <a:fontRef idx="minor">
-            <a:schemeClr val="dk1"/>
-          </a:fontRef>
-        </p:style>
-        <p:txBody>
-          <a:bodyPr rtlCol="0" anchor="ctr"/>
-          <a:lstStyle/>
-          <a:p>
-            <a:pPr algn="ctr"/>
-            <a:r>
-              <a:rPr lang="en-US" sz="1400" dirty="0"/>
-              <a:t>repr1</a:t>
-            </a:r>
+              <a:rPr lang="en-US" sz="1200" dirty="0"/>
+              <a:t>Uplink </a:t>
+            </a:r>
+            <a:r>
+              <a:rPr lang="en-US" sz="1200" dirty="0" err="1"/>
+              <a:t>repr</a:t>
+            </a:r>
+            <a:endParaRPr lang="en-US" sz="1200" dirty="0"/>
           </a:p>
         </p:txBody>
       </p:sp>
       <p:cxnSp>
         <p:nvCxnSpPr>
-          <p:cNvPr id="29" name="Straight Connector 28">
-            <a:extLst>
-              <a:ext uri="{FF2B5EF4-FFF2-40B4-BE49-F238E27FC236}">
-                <a16:creationId xmlns:a16="http://schemas.microsoft.com/office/drawing/2014/main" id="{AE1E0126-E096-5973-0A6D-957EDE11E879}"/>
+          <p:cNvPr id="37" name="Straight Connector 36">
+            <a:extLst>
+              <a:ext uri="{FF2B5EF4-FFF2-40B4-BE49-F238E27FC236}">
+                <a16:creationId xmlns:a16="http://schemas.microsoft.com/office/drawing/2014/main" id="{DC2A839C-3424-6D20-5EAA-FA212BAC78A5}"/>
               </a:ext>
             </a:extLst>
           </p:cNvPr>
@@ -35060,7 +37902,7 @@
         </p:nvCxnSpPr>
         <p:spPr>
           <a:xfrm flipV="1">
-            <a:off x="7420905" y="3542127"/>
+            <a:off x="6634544" y="3529002"/>
             <a:ext cx="0" cy="533399"/>
           </a:xfrm>
           <a:prstGeom prst="line">
@@ -35069,7 +37911,7 @@
           <a:ln>
             <a:prstDash val="dash"/>
             <a:headEnd type="triangle"/>
-            <a:tailEnd type="none"/>
+            <a:tailEnd type="triangle"/>
           </a:ln>
         </p:spPr>
         <p:style>
@@ -35087,61 +37929,24 @@
           </a:fontRef>
         </p:style>
       </p:cxnSp>
-      <p:sp>
-        <p:nvSpPr>
-          <p:cNvPr id="31" name="TextBox 30">
-            <a:extLst>
-              <a:ext uri="{FF2B5EF4-FFF2-40B4-BE49-F238E27FC236}">
-                <a16:creationId xmlns:a16="http://schemas.microsoft.com/office/drawing/2014/main" id="{94C9BC3F-6D1E-EC44-A044-9839E3F4EC41}"/>
-              </a:ext>
-            </a:extLst>
-          </p:cNvPr>
-          <p:cNvSpPr txBox="1"/>
-          <p:nvPr/>
-        </p:nvSpPr>
-        <p:spPr>
-          <a:xfrm>
-            <a:off x="6929161" y="2532585"/>
-            <a:ext cx="952505" cy="307777"/>
-          </a:xfrm>
-          <a:prstGeom prst="rect">
-            <a:avLst/>
-          </a:prstGeom>
-          <a:noFill/>
-        </p:spPr>
-        <p:txBody>
-          <a:bodyPr wrap="none" rtlCol="0">
-            <a:spAutoFit/>
-          </a:bodyPr>
-          <a:lstStyle/>
-          <a:p>
-            <a:r>
-              <a:rPr lang="en-US" sz="1400" dirty="0"/>
-              <a:t>DPU send</a:t>
-            </a:r>
-          </a:p>
-        </p:txBody>
-      </p:sp>
       <p:cxnSp>
         <p:nvCxnSpPr>
-          <p:cNvPr id="32" name="Straight Connector 31">
-            <a:extLst>
-              <a:ext uri="{FF2B5EF4-FFF2-40B4-BE49-F238E27FC236}">
-                <a16:creationId xmlns:a16="http://schemas.microsoft.com/office/drawing/2014/main" id="{9F72F0C7-9D11-A2C3-D193-C5552CF19CA9}"/>
+          <p:cNvPr id="38" name="Straight Connector 37">
+            <a:extLst>
+              <a:ext uri="{FF2B5EF4-FFF2-40B4-BE49-F238E27FC236}">
+                <a16:creationId xmlns:a16="http://schemas.microsoft.com/office/drawing/2014/main" id="{95C79122-6135-02DA-C609-6C600FADFCD4}"/>
               </a:ext>
             </a:extLst>
           </p:cNvPr>
           <p:cNvCxnSpPr>
             <a:cxnSpLocks/>
-            <a:stCxn id="28" idx="0"/>
-            <a:endCxn id="31" idx="2"/>
           </p:cNvCxnSpPr>
           <p:nvPr/>
         </p:nvCxnSpPr>
         <p:spPr>
           <a:xfrm flipV="1">
-            <a:off x="7405414" y="2840362"/>
-            <a:ext cx="0" cy="365715"/>
+            <a:off x="7763128" y="3541645"/>
+            <a:ext cx="0" cy="533399"/>
           </a:xfrm>
           <a:prstGeom prst="line">
             <a:avLst/>
@@ -35149,7 +37954,7 @@
           <a:ln>
             <a:prstDash val="dash"/>
             <a:headEnd type="triangle"/>
-            <a:tailEnd type="none"/>
+            <a:tailEnd type="triangle"/>
           </a:ln>
         </p:spPr>
         <p:style>
@@ -35169,10 +37974,10 @@
       </p:cxnSp>
       <p:sp>
         <p:nvSpPr>
-          <p:cNvPr id="33" name="TextBox 32">
-            <a:extLst>
-              <a:ext uri="{FF2B5EF4-FFF2-40B4-BE49-F238E27FC236}">
-                <a16:creationId xmlns:a16="http://schemas.microsoft.com/office/drawing/2014/main" id="{3F760E2C-62CD-1D21-D010-82D5B0F0A295}"/>
+          <p:cNvPr id="39" name="TextBox 38">
+            <a:extLst>
+              <a:ext uri="{FF2B5EF4-FFF2-40B4-BE49-F238E27FC236}">
+                <a16:creationId xmlns:a16="http://schemas.microsoft.com/office/drawing/2014/main" id="{B91EA664-9637-6C19-90B2-55F99CB7B8C0}"/>
               </a:ext>
             </a:extLst>
           </p:cNvPr>
@@ -35181,13 +37986,18 @@
         </p:nvSpPr>
         <p:spPr>
           <a:xfrm>
-            <a:off x="7439952" y="3821207"/>
-            <a:ext cx="324128" cy="307777"/>
+            <a:off x="6099978" y="2880776"/>
+            <a:ext cx="2633670" cy="584775"/>
           </a:xfrm>
           <a:prstGeom prst="rect">
             <a:avLst/>
           </a:prstGeom>
           <a:noFill/>
+          <a:ln>
+            <a:solidFill>
+              <a:schemeClr val="accent6"/>
+            </a:solidFill>
+          </a:ln>
         </p:spPr>
         <p:txBody>
           <a:bodyPr wrap="none" rtlCol="0">
@@ -35196,33 +38006,24 @@
           <a:lstStyle/>
           <a:p>
             <a:r>
-              <a:rPr lang="en-US" sz="1400" dirty="0" err="1">
-                <a:solidFill>
-                  <a:schemeClr val="tx1">
-                    <a:lumMod val="50000"/>
-                    <a:lumOff val="50000"/>
-                  </a:schemeClr>
-                </a:solidFill>
-              </a:rPr>
-              <a:t>rx</a:t>
-            </a:r>
-            <a:endParaRPr lang="en-US" sz="1400" dirty="0">
-              <a:solidFill>
-                <a:schemeClr val="tx1">
-                  <a:lumMod val="50000"/>
-                  <a:lumOff val="50000"/>
-                </a:schemeClr>
-              </a:solidFill>
-            </a:endParaRPr>
-          </a:p>
-        </p:txBody>
-      </p:sp>
-      <p:sp>
-        <p:nvSpPr>
-          <p:cNvPr id="34" name="TextBox 33">
-            <a:extLst>
-              <a:ext uri="{FF2B5EF4-FFF2-40B4-BE49-F238E27FC236}">
-                <a16:creationId xmlns:a16="http://schemas.microsoft.com/office/drawing/2014/main" id="{B548456C-D9E8-1C4B-98E3-A2A5BAB49EB2}"/>
+              <a:rPr lang="en-US" sz="1600" dirty="0"/>
+              <a:t>Software handles/programs</a:t>
+            </a:r>
+          </a:p>
+          <a:p>
+            <a:r>
+              <a:rPr lang="en-US" sz="1600" dirty="0"/>
+              <a:t>offload rules</a:t>
+            </a:r>
+          </a:p>
+        </p:txBody>
+      </p:sp>
+      <p:sp>
+        <p:nvSpPr>
+          <p:cNvPr id="41" name="TextBox 40">
+            <a:extLst>
+              <a:ext uri="{FF2B5EF4-FFF2-40B4-BE49-F238E27FC236}">
+                <a16:creationId xmlns:a16="http://schemas.microsoft.com/office/drawing/2014/main" id="{0FACC784-3695-2C23-C952-6EB78EBD2982}"/>
               </a:ext>
             </a:extLst>
           </p:cNvPr>
@@ -35231,8 +38032,8 @@
         </p:nvSpPr>
         <p:spPr>
           <a:xfrm>
-            <a:off x="7420905" y="2909552"/>
-            <a:ext cx="322524" cy="307777"/>
+            <a:off x="0" y="197576"/>
+            <a:ext cx="1024704" cy="369332"/>
           </a:xfrm>
           <a:prstGeom prst="rect">
             <a:avLst/>
@@ -35246,33 +38047,19 @@
           <a:lstStyle/>
           <a:p>
             <a:r>
-              <a:rPr lang="en-US" sz="1400" dirty="0" err="1">
-                <a:solidFill>
-                  <a:schemeClr val="tx1">
-                    <a:lumMod val="50000"/>
-                    <a:lumOff val="50000"/>
-                  </a:schemeClr>
-                </a:solidFill>
-              </a:rPr>
-              <a:t>tx</a:t>
-            </a:r>
-            <a:endParaRPr lang="en-US" sz="1400" dirty="0">
-              <a:solidFill>
-                <a:schemeClr val="tx1">
-                  <a:lumMod val="50000"/>
-                  <a:lumOff val="50000"/>
-                </a:schemeClr>
-              </a:solidFill>
-            </a:endParaRPr>
-          </a:p>
-        </p:txBody>
-      </p:sp>
-      <p:sp>
-        <p:nvSpPr>
-          <p:cNvPr id="38" name="TextBox 37">
-            <a:extLst>
-              <a:ext uri="{FF2B5EF4-FFF2-40B4-BE49-F238E27FC236}">
-                <a16:creationId xmlns:a16="http://schemas.microsoft.com/office/drawing/2014/main" id="{3624EACB-7A75-D033-6C11-F7754A92D981}"/>
+              <a:rPr lang="en-US" dirty="0" err="1"/>
+              <a:t>arch.pdf</a:t>
+            </a:r>
+            <a:endParaRPr lang="en-US" dirty="0"/>
+          </a:p>
+        </p:txBody>
+      </p:sp>
+      <p:sp>
+        <p:nvSpPr>
+          <p:cNvPr id="43" name="TextBox 42">
+            <a:extLst>
+              <a:ext uri="{FF2B5EF4-FFF2-40B4-BE49-F238E27FC236}">
+                <a16:creationId xmlns:a16="http://schemas.microsoft.com/office/drawing/2014/main" id="{248AEE48-4A82-8BFE-AE9A-8C4402CAB65C}"/>
               </a:ext>
             </a:extLst>
           </p:cNvPr>
@@ -35281,8 +38068,8 @@
         </p:nvSpPr>
         <p:spPr>
           <a:xfrm>
-            <a:off x="1307690" y="757084"/>
-            <a:ext cx="1008033" cy="369332"/>
+            <a:off x="7764529" y="5410263"/>
+            <a:ext cx="1322093" cy="307777"/>
           </a:xfrm>
           <a:prstGeom prst="rect">
             <a:avLst/>
@@ -35296,17 +38083,259 @@
           <a:lstStyle/>
           <a:p>
             <a:r>
-              <a:rPr lang="en-US" dirty="0" err="1"/>
-              <a:t>pipe.pdf</a:t>
-            </a:r>
-            <a:endParaRPr lang="en-US" dirty="0"/>
+              <a:rPr lang="en-US" sz="1400" dirty="0"/>
+              <a:t>NIC-DPU/Host</a:t>
+            </a:r>
+          </a:p>
+        </p:txBody>
+      </p:sp>
+      <p:cxnSp>
+        <p:nvCxnSpPr>
+          <p:cNvPr id="44" name="Straight Connector 43">
+            <a:extLst>
+              <a:ext uri="{FF2B5EF4-FFF2-40B4-BE49-F238E27FC236}">
+                <a16:creationId xmlns:a16="http://schemas.microsoft.com/office/drawing/2014/main" id="{21E21F01-4EA9-9851-C6DF-AEDCDE26E773}"/>
+              </a:ext>
+            </a:extLst>
+          </p:cNvPr>
+          <p:cNvCxnSpPr>
+            <a:cxnSpLocks/>
+          </p:cNvCxnSpPr>
+          <p:nvPr/>
+        </p:nvCxnSpPr>
+        <p:spPr>
+          <a:xfrm flipH="1">
+            <a:off x="725658" y="1763599"/>
+            <a:ext cx="574239" cy="0"/>
+          </a:xfrm>
+          <a:prstGeom prst="line">
+            <a:avLst/>
+          </a:prstGeom>
+          <a:ln>
+            <a:headEnd type="triangle"/>
+            <a:tailEnd type="triangle"/>
+          </a:ln>
+        </p:spPr>
+        <p:style>
+          <a:lnRef idx="2">
+            <a:schemeClr val="accent1"/>
+          </a:lnRef>
+          <a:fillRef idx="0">
+            <a:schemeClr val="accent1"/>
+          </a:fillRef>
+          <a:effectRef idx="1">
+            <a:schemeClr val="accent1"/>
+          </a:effectRef>
+          <a:fontRef idx="minor">
+            <a:schemeClr val="tx1"/>
+          </a:fontRef>
+        </p:style>
+      </p:cxnSp>
+      <p:cxnSp>
+        <p:nvCxnSpPr>
+          <p:cNvPr id="46" name="Straight Connector 45">
+            <a:extLst>
+              <a:ext uri="{FF2B5EF4-FFF2-40B4-BE49-F238E27FC236}">
+                <a16:creationId xmlns:a16="http://schemas.microsoft.com/office/drawing/2014/main" id="{3ED0B107-97F4-D72B-6B33-0F9CD36F8E8A}"/>
+              </a:ext>
+            </a:extLst>
+          </p:cNvPr>
+          <p:cNvCxnSpPr>
+            <a:cxnSpLocks/>
+          </p:cNvCxnSpPr>
+          <p:nvPr/>
+        </p:nvCxnSpPr>
+        <p:spPr>
+          <a:xfrm flipH="1">
+            <a:off x="725658" y="2045147"/>
+            <a:ext cx="574239" cy="0"/>
+          </a:xfrm>
+          <a:prstGeom prst="line">
+            <a:avLst/>
+          </a:prstGeom>
+          <a:ln>
+            <a:prstDash val="dash"/>
+            <a:headEnd type="triangle"/>
+            <a:tailEnd type="triangle"/>
+          </a:ln>
+        </p:spPr>
+        <p:style>
+          <a:lnRef idx="2">
+            <a:schemeClr val="accent1"/>
+          </a:lnRef>
+          <a:fillRef idx="0">
+            <a:schemeClr val="accent1"/>
+          </a:fillRef>
+          <a:effectRef idx="1">
+            <a:schemeClr val="accent1"/>
+          </a:effectRef>
+          <a:fontRef idx="minor">
+            <a:schemeClr val="tx1"/>
+          </a:fontRef>
+        </p:style>
+      </p:cxnSp>
+      <p:sp>
+        <p:nvSpPr>
+          <p:cNvPr id="48" name="TextBox 47">
+            <a:extLst>
+              <a:ext uri="{FF2B5EF4-FFF2-40B4-BE49-F238E27FC236}">
+                <a16:creationId xmlns:a16="http://schemas.microsoft.com/office/drawing/2014/main" id="{D9496C08-86FC-8684-834F-9CC317D8A13F}"/>
+              </a:ext>
+            </a:extLst>
+          </p:cNvPr>
+          <p:cNvSpPr txBox="1"/>
+          <p:nvPr/>
+        </p:nvSpPr>
+        <p:spPr>
+          <a:xfrm>
+            <a:off x="1324078" y="1591141"/>
+            <a:ext cx="1084977" cy="584775"/>
+          </a:xfrm>
+          <a:prstGeom prst="rect">
+            <a:avLst/>
+          </a:prstGeom>
+          <a:noFill/>
+        </p:spPr>
+        <p:txBody>
+          <a:bodyPr wrap="none" rtlCol="0">
+            <a:spAutoFit/>
+          </a:bodyPr>
+          <a:lstStyle/>
+          <a:p>
+            <a:r>
+              <a:rPr lang="en-US" sz="1600" dirty="0"/>
+              <a:t>Fast-path</a:t>
+            </a:r>
+          </a:p>
+          <a:p>
+            <a:r>
+              <a:rPr lang="en-US" sz="1600" dirty="0"/>
+              <a:t>Slow-path</a:t>
+            </a:r>
+          </a:p>
+        </p:txBody>
+      </p:sp>
+      <p:sp>
+        <p:nvSpPr>
+          <p:cNvPr id="50" name="TextBox 49">
+            <a:extLst>
+              <a:ext uri="{FF2B5EF4-FFF2-40B4-BE49-F238E27FC236}">
+                <a16:creationId xmlns:a16="http://schemas.microsoft.com/office/drawing/2014/main" id="{37259F81-18CC-A3EE-79AE-9E277C9F4FCD}"/>
+              </a:ext>
+            </a:extLst>
+          </p:cNvPr>
+          <p:cNvSpPr txBox="1"/>
+          <p:nvPr/>
+        </p:nvSpPr>
+        <p:spPr>
+          <a:xfrm>
+            <a:off x="8221635" y="2503382"/>
+            <a:ext cx="973215" cy="307777"/>
+          </a:xfrm>
+          <a:prstGeom prst="rect">
+            <a:avLst/>
+          </a:prstGeom>
+          <a:noFill/>
+        </p:spPr>
+        <p:txBody>
+          <a:bodyPr wrap="none" rtlCol="0">
+            <a:spAutoFit/>
+          </a:bodyPr>
+          <a:lstStyle/>
+          <a:p>
+            <a:r>
+              <a:rPr lang="en-US" sz="1400" dirty="0"/>
+              <a:t>Slow-path</a:t>
+            </a:r>
+          </a:p>
+        </p:txBody>
+      </p:sp>
+      <p:sp>
+        <p:nvSpPr>
+          <p:cNvPr id="51" name="TextBox 50">
+            <a:extLst>
+              <a:ext uri="{FF2B5EF4-FFF2-40B4-BE49-F238E27FC236}">
+                <a16:creationId xmlns:a16="http://schemas.microsoft.com/office/drawing/2014/main" id="{FFEFE3A5-B2B3-0995-0EF1-65AFDCDE396C}"/>
+              </a:ext>
+            </a:extLst>
+          </p:cNvPr>
+          <p:cNvSpPr txBox="1"/>
+          <p:nvPr/>
+        </p:nvSpPr>
+        <p:spPr>
+          <a:xfrm>
+            <a:off x="2982786" y="3581658"/>
+            <a:ext cx="928716" cy="307777"/>
+          </a:xfrm>
+          <a:prstGeom prst="rect">
+            <a:avLst/>
+          </a:prstGeom>
+          <a:noFill/>
+        </p:spPr>
+        <p:txBody>
+          <a:bodyPr wrap="none" rtlCol="0">
+            <a:spAutoFit/>
+          </a:bodyPr>
+          <a:lstStyle/>
+          <a:p>
+            <a:r>
+              <a:rPr lang="en-US" sz="1400" dirty="0"/>
+              <a:t>Fast-path</a:t>
+            </a:r>
+          </a:p>
+        </p:txBody>
+      </p:sp>
+      <p:sp>
+        <p:nvSpPr>
+          <p:cNvPr id="2" name="Rounded Rectangle 1">
+            <a:extLst>
+              <a:ext uri="{FF2B5EF4-FFF2-40B4-BE49-F238E27FC236}">
+                <a16:creationId xmlns:a16="http://schemas.microsoft.com/office/drawing/2014/main" id="{C430559F-F57A-27E4-8766-759F949F060D}"/>
+              </a:ext>
+            </a:extLst>
+          </p:cNvPr>
+          <p:cNvSpPr/>
+          <p:nvPr/>
+        </p:nvSpPr>
+        <p:spPr>
+          <a:xfrm>
+            <a:off x="7015073" y="2333247"/>
+            <a:ext cx="351123" cy="179607"/>
+          </a:xfrm>
+          <a:prstGeom prst="roundRect">
+            <a:avLst/>
+          </a:prstGeom>
+        </p:spPr>
+        <p:style>
+          <a:lnRef idx="2">
+            <a:schemeClr val="accent6"/>
+          </a:lnRef>
+          <a:fillRef idx="1">
+            <a:schemeClr val="lt1"/>
+          </a:fillRef>
+          <a:effectRef idx="0">
+            <a:schemeClr val="accent6"/>
+          </a:effectRef>
+          <a:fontRef idx="minor">
+            <a:schemeClr val="dk1"/>
+          </a:fontRef>
+        </p:style>
+        <p:txBody>
+          <a:bodyPr rtlCol="0" anchor="ctr"/>
+          <a:lstStyle/>
+          <a:p>
+            <a:pPr algn="ctr"/>
+            <a:r>
+              <a:rPr lang="en-US" sz="1000" dirty="0"/>
+              <a:t>PF</a:t>
+            </a:r>
           </a:p>
         </p:txBody>
       </p:sp>
     </p:spTree>
     <p:extLst>
       <p:ext uri="{BB962C8B-B14F-4D97-AF65-F5344CB8AC3E}">
-        <p14:creationId xmlns:p14="http://schemas.microsoft.com/office/powerpoint/2010/main" val="569685561"/>
+        <p14:creationId xmlns:p14="http://schemas.microsoft.com/office/powerpoint/2010/main" val="479571896"/>
       </p:ext>
     </p:extLst>
   </p:cSld>
@@ -35347,6 +38376,751 @@
         </p:nvSpPr>
         <p:spPr>
           <a:xfrm>
+            <a:off x="5955259" y="4125790"/>
+            <a:ext cx="717332" cy="291662"/>
+          </a:xfrm>
+          <a:prstGeom prst="roundRect">
+            <a:avLst/>
+          </a:prstGeom>
+          <a:solidFill>
+            <a:schemeClr val="bg1">
+              <a:lumMod val="95000"/>
+            </a:schemeClr>
+          </a:solidFill>
+        </p:spPr>
+        <p:style>
+          <a:lnRef idx="2">
+            <a:schemeClr val="accent6"/>
+          </a:lnRef>
+          <a:fillRef idx="1">
+            <a:schemeClr val="lt1"/>
+          </a:fillRef>
+          <a:effectRef idx="0">
+            <a:schemeClr val="accent6"/>
+          </a:effectRef>
+          <a:fontRef idx="minor">
+            <a:schemeClr val="dk1"/>
+          </a:fontRef>
+        </p:style>
+        <p:txBody>
+          <a:bodyPr rtlCol="0" anchor="ctr"/>
+          <a:lstStyle/>
+          <a:p>
+            <a:pPr algn="ctr"/>
+            <a:r>
+              <a:rPr lang="en-US" sz="1400" dirty="0"/>
+              <a:t>repr1</a:t>
+            </a:r>
+          </a:p>
+        </p:txBody>
+      </p:sp>
+      <p:sp>
+        <p:nvSpPr>
+          <p:cNvPr id="14" name="Rounded Rectangle 13">
+            <a:extLst>
+              <a:ext uri="{FF2B5EF4-FFF2-40B4-BE49-F238E27FC236}">
+                <a16:creationId xmlns:a16="http://schemas.microsoft.com/office/drawing/2014/main" id="{CE9DFE42-196A-E6E6-29AE-2CCBB39BACD9}"/>
+              </a:ext>
+            </a:extLst>
+          </p:cNvPr>
+          <p:cNvSpPr/>
+          <p:nvPr/>
+        </p:nvSpPr>
+        <p:spPr>
+          <a:xfrm>
+            <a:off x="5939768" y="3206077"/>
+            <a:ext cx="717332" cy="291662"/>
+          </a:xfrm>
+          <a:prstGeom prst="roundRect">
+            <a:avLst/>
+          </a:prstGeom>
+        </p:spPr>
+        <p:style>
+          <a:lnRef idx="2">
+            <a:schemeClr val="accent6"/>
+          </a:lnRef>
+          <a:fillRef idx="1">
+            <a:schemeClr val="lt1"/>
+          </a:fillRef>
+          <a:effectRef idx="0">
+            <a:schemeClr val="accent6"/>
+          </a:effectRef>
+          <a:fontRef idx="minor">
+            <a:schemeClr val="dk1"/>
+          </a:fontRef>
+        </p:style>
+        <p:txBody>
+          <a:bodyPr rtlCol="0" anchor="ctr"/>
+          <a:lstStyle/>
+          <a:p>
+            <a:pPr algn="ctr"/>
+            <a:r>
+              <a:rPr lang="en-US" sz="1400" dirty="0"/>
+              <a:t>vport1</a:t>
+            </a:r>
+          </a:p>
+        </p:txBody>
+      </p:sp>
+      <p:cxnSp>
+        <p:nvCxnSpPr>
+          <p:cNvPr id="16" name="Straight Connector 15">
+            <a:extLst>
+              <a:ext uri="{FF2B5EF4-FFF2-40B4-BE49-F238E27FC236}">
+                <a16:creationId xmlns:a16="http://schemas.microsoft.com/office/drawing/2014/main" id="{529999F8-139E-8534-1EAE-0C47DA09CBF3}"/>
+              </a:ext>
+            </a:extLst>
+          </p:cNvPr>
+          <p:cNvCxnSpPr>
+            <a:cxnSpLocks/>
+          </p:cNvCxnSpPr>
+          <p:nvPr/>
+        </p:nvCxnSpPr>
+        <p:spPr>
+          <a:xfrm flipV="1">
+            <a:off x="6313925" y="3542127"/>
+            <a:ext cx="0" cy="533399"/>
+          </a:xfrm>
+          <a:prstGeom prst="line">
+            <a:avLst/>
+          </a:prstGeom>
+          <a:ln>
+            <a:prstDash val="dash"/>
+            <a:headEnd type="triangle"/>
+            <a:tailEnd type="none"/>
+          </a:ln>
+        </p:spPr>
+        <p:style>
+          <a:lnRef idx="2">
+            <a:schemeClr val="accent1"/>
+          </a:lnRef>
+          <a:fillRef idx="0">
+            <a:schemeClr val="accent1"/>
+          </a:fillRef>
+          <a:effectRef idx="1">
+            <a:schemeClr val="accent1"/>
+          </a:effectRef>
+          <a:fontRef idx="minor">
+            <a:schemeClr val="tx1"/>
+          </a:fontRef>
+        </p:style>
+      </p:cxnSp>
+      <p:sp>
+        <p:nvSpPr>
+          <p:cNvPr id="18" name="TextBox 17">
+            <a:extLst>
+              <a:ext uri="{FF2B5EF4-FFF2-40B4-BE49-F238E27FC236}">
+                <a16:creationId xmlns:a16="http://schemas.microsoft.com/office/drawing/2014/main" id="{5CD5E337-699E-D3BB-8464-A8B73B10AAC5}"/>
+              </a:ext>
+            </a:extLst>
+          </p:cNvPr>
+          <p:cNvSpPr txBox="1"/>
+          <p:nvPr/>
+        </p:nvSpPr>
+        <p:spPr>
+          <a:xfrm>
+            <a:off x="5718640" y="3625785"/>
+            <a:ext cx="554960" cy="307777"/>
+          </a:xfrm>
+          <a:prstGeom prst="rect">
+            <a:avLst/>
+          </a:prstGeom>
+          <a:noFill/>
+        </p:spPr>
+        <p:txBody>
+          <a:bodyPr wrap="none" rtlCol="0">
+            <a:spAutoFit/>
+          </a:bodyPr>
+          <a:lstStyle/>
+          <a:p>
+            <a:r>
+              <a:rPr lang="en-US" sz="1400" dirty="0"/>
+              <a:t>miss</a:t>
+            </a:r>
+          </a:p>
+        </p:txBody>
+      </p:sp>
+      <p:sp>
+        <p:nvSpPr>
+          <p:cNvPr id="19" name="TextBox 18">
+            <a:extLst>
+              <a:ext uri="{FF2B5EF4-FFF2-40B4-BE49-F238E27FC236}">
+                <a16:creationId xmlns:a16="http://schemas.microsoft.com/office/drawing/2014/main" id="{B0EF0CA5-8BE1-AA9F-DE3C-6B2C87B6FC90}"/>
+              </a:ext>
+            </a:extLst>
+          </p:cNvPr>
+          <p:cNvSpPr txBox="1"/>
+          <p:nvPr/>
+        </p:nvSpPr>
+        <p:spPr>
+          <a:xfrm>
+            <a:off x="5848173" y="2525505"/>
+            <a:ext cx="900524" cy="307777"/>
+          </a:xfrm>
+          <a:prstGeom prst="rect">
+            <a:avLst/>
+          </a:prstGeom>
+          <a:noFill/>
+        </p:spPr>
+        <p:txBody>
+          <a:bodyPr wrap="square" rtlCol="0">
+            <a:spAutoFit/>
+          </a:bodyPr>
+          <a:lstStyle/>
+          <a:p>
+            <a:r>
+              <a:rPr lang="en-US" sz="1400" dirty="0"/>
+              <a:t>VM send</a:t>
+            </a:r>
+          </a:p>
+        </p:txBody>
+      </p:sp>
+      <p:cxnSp>
+        <p:nvCxnSpPr>
+          <p:cNvPr id="20" name="Straight Connector 19">
+            <a:extLst>
+              <a:ext uri="{FF2B5EF4-FFF2-40B4-BE49-F238E27FC236}">
+                <a16:creationId xmlns:a16="http://schemas.microsoft.com/office/drawing/2014/main" id="{9BBC5139-9DA8-F141-D779-412F7F57830B}"/>
+              </a:ext>
+            </a:extLst>
+          </p:cNvPr>
+          <p:cNvCxnSpPr>
+            <a:cxnSpLocks/>
+            <a:stCxn id="14" idx="0"/>
+            <a:endCxn id="19" idx="2"/>
+          </p:cNvCxnSpPr>
+          <p:nvPr/>
+        </p:nvCxnSpPr>
+        <p:spPr>
+          <a:xfrm flipV="1">
+            <a:off x="6298434" y="2833282"/>
+            <a:ext cx="1" cy="372795"/>
+          </a:xfrm>
+          <a:prstGeom prst="line">
+            <a:avLst/>
+          </a:prstGeom>
+          <a:ln>
+            <a:prstDash val="dash"/>
+            <a:headEnd type="triangle"/>
+            <a:tailEnd type="none"/>
+          </a:ln>
+        </p:spPr>
+        <p:style>
+          <a:lnRef idx="2">
+            <a:schemeClr val="accent1"/>
+          </a:lnRef>
+          <a:fillRef idx="0">
+            <a:schemeClr val="accent1"/>
+          </a:fillRef>
+          <a:effectRef idx="1">
+            <a:schemeClr val="accent1"/>
+          </a:effectRef>
+          <a:fontRef idx="minor">
+            <a:schemeClr val="tx1"/>
+          </a:fontRef>
+        </p:style>
+      </p:cxnSp>
+      <p:sp>
+        <p:nvSpPr>
+          <p:cNvPr id="23" name="TextBox 22">
+            <a:extLst>
+              <a:ext uri="{FF2B5EF4-FFF2-40B4-BE49-F238E27FC236}">
+                <a16:creationId xmlns:a16="http://schemas.microsoft.com/office/drawing/2014/main" id="{B3098634-9BFB-47D3-FC5F-3E955AE1F6C3}"/>
+              </a:ext>
+            </a:extLst>
+          </p:cNvPr>
+          <p:cNvSpPr txBox="1"/>
+          <p:nvPr/>
+        </p:nvSpPr>
+        <p:spPr>
+          <a:xfrm>
+            <a:off x="6332972" y="3821207"/>
+            <a:ext cx="324128" cy="307777"/>
+          </a:xfrm>
+          <a:prstGeom prst="rect">
+            <a:avLst/>
+          </a:prstGeom>
+          <a:noFill/>
+        </p:spPr>
+        <p:txBody>
+          <a:bodyPr wrap="none" rtlCol="0">
+            <a:spAutoFit/>
+          </a:bodyPr>
+          <a:lstStyle/>
+          <a:p>
+            <a:r>
+              <a:rPr lang="en-US" sz="1400" dirty="0" err="1">
+                <a:solidFill>
+                  <a:schemeClr val="tx1">
+                    <a:lumMod val="50000"/>
+                    <a:lumOff val="50000"/>
+                  </a:schemeClr>
+                </a:solidFill>
+              </a:rPr>
+              <a:t>rx</a:t>
+            </a:r>
+            <a:endParaRPr lang="en-US" sz="1400" dirty="0">
+              <a:solidFill>
+                <a:schemeClr val="tx1">
+                  <a:lumMod val="50000"/>
+                  <a:lumOff val="50000"/>
+                </a:schemeClr>
+              </a:solidFill>
+            </a:endParaRPr>
+          </a:p>
+        </p:txBody>
+      </p:sp>
+      <p:sp>
+        <p:nvSpPr>
+          <p:cNvPr id="25" name="TextBox 24">
+            <a:extLst>
+              <a:ext uri="{FF2B5EF4-FFF2-40B4-BE49-F238E27FC236}">
+                <a16:creationId xmlns:a16="http://schemas.microsoft.com/office/drawing/2014/main" id="{AA2FA901-92B3-F91B-382A-433C1EFB4F76}"/>
+              </a:ext>
+            </a:extLst>
+          </p:cNvPr>
+          <p:cNvSpPr txBox="1"/>
+          <p:nvPr/>
+        </p:nvSpPr>
+        <p:spPr>
+          <a:xfrm>
+            <a:off x="6313925" y="2909552"/>
+            <a:ext cx="322524" cy="307777"/>
+          </a:xfrm>
+          <a:prstGeom prst="rect">
+            <a:avLst/>
+          </a:prstGeom>
+          <a:noFill/>
+        </p:spPr>
+        <p:txBody>
+          <a:bodyPr wrap="none" rtlCol="0">
+            <a:spAutoFit/>
+          </a:bodyPr>
+          <a:lstStyle/>
+          <a:p>
+            <a:r>
+              <a:rPr lang="en-US" sz="1400" dirty="0" err="1">
+                <a:solidFill>
+                  <a:schemeClr val="tx1">
+                    <a:lumMod val="50000"/>
+                    <a:lumOff val="50000"/>
+                  </a:schemeClr>
+                </a:solidFill>
+              </a:rPr>
+              <a:t>tx</a:t>
+            </a:r>
+            <a:endParaRPr lang="en-US" sz="1400" dirty="0">
+              <a:solidFill>
+                <a:schemeClr val="tx1">
+                  <a:lumMod val="50000"/>
+                  <a:lumOff val="50000"/>
+                </a:schemeClr>
+              </a:solidFill>
+            </a:endParaRPr>
+          </a:p>
+        </p:txBody>
+      </p:sp>
+      <p:sp>
+        <p:nvSpPr>
+          <p:cNvPr id="27" name="Rounded Rectangle 26">
+            <a:extLst>
+              <a:ext uri="{FF2B5EF4-FFF2-40B4-BE49-F238E27FC236}">
+                <a16:creationId xmlns:a16="http://schemas.microsoft.com/office/drawing/2014/main" id="{F8B0AD5B-4340-99CB-7A6C-534550760D04}"/>
+              </a:ext>
+            </a:extLst>
+          </p:cNvPr>
+          <p:cNvSpPr/>
+          <p:nvPr/>
+        </p:nvSpPr>
+        <p:spPr>
+          <a:xfrm>
+            <a:off x="7062239" y="4125790"/>
+            <a:ext cx="717332" cy="291662"/>
+          </a:xfrm>
+          <a:prstGeom prst="roundRect">
+            <a:avLst/>
+          </a:prstGeom>
+        </p:spPr>
+        <p:style>
+          <a:lnRef idx="2">
+            <a:schemeClr val="accent6"/>
+          </a:lnRef>
+          <a:fillRef idx="1">
+            <a:schemeClr val="lt1"/>
+          </a:fillRef>
+          <a:effectRef idx="0">
+            <a:schemeClr val="accent6"/>
+          </a:effectRef>
+          <a:fontRef idx="minor">
+            <a:schemeClr val="dk1"/>
+          </a:fontRef>
+        </p:style>
+        <p:txBody>
+          <a:bodyPr rtlCol="0" anchor="ctr"/>
+          <a:lstStyle/>
+          <a:p>
+            <a:pPr algn="ctr"/>
+            <a:r>
+              <a:rPr lang="en-US" sz="1400" dirty="0"/>
+              <a:t>vport1</a:t>
+            </a:r>
+          </a:p>
+        </p:txBody>
+      </p:sp>
+      <p:sp>
+        <p:nvSpPr>
+          <p:cNvPr id="28" name="Rounded Rectangle 27">
+            <a:extLst>
+              <a:ext uri="{FF2B5EF4-FFF2-40B4-BE49-F238E27FC236}">
+                <a16:creationId xmlns:a16="http://schemas.microsoft.com/office/drawing/2014/main" id="{6076CDB8-3200-BAD4-9206-0BC5299F704C}"/>
+              </a:ext>
+            </a:extLst>
+          </p:cNvPr>
+          <p:cNvSpPr/>
+          <p:nvPr/>
+        </p:nvSpPr>
+        <p:spPr>
+          <a:xfrm>
+            <a:off x="7046748" y="3206077"/>
+            <a:ext cx="717332" cy="291662"/>
+          </a:xfrm>
+          <a:prstGeom prst="roundRect">
+            <a:avLst/>
+          </a:prstGeom>
+          <a:solidFill>
+            <a:schemeClr val="bg1">
+              <a:lumMod val="95000"/>
+            </a:schemeClr>
+          </a:solidFill>
+        </p:spPr>
+        <p:style>
+          <a:lnRef idx="2">
+            <a:schemeClr val="accent6"/>
+          </a:lnRef>
+          <a:fillRef idx="1">
+            <a:schemeClr val="lt1"/>
+          </a:fillRef>
+          <a:effectRef idx="0">
+            <a:schemeClr val="accent6"/>
+          </a:effectRef>
+          <a:fontRef idx="minor">
+            <a:schemeClr val="dk1"/>
+          </a:fontRef>
+        </p:style>
+        <p:txBody>
+          <a:bodyPr rtlCol="0" anchor="ctr"/>
+          <a:lstStyle/>
+          <a:p>
+            <a:pPr algn="ctr"/>
+            <a:r>
+              <a:rPr lang="en-US" sz="1400" dirty="0"/>
+              <a:t>repr1</a:t>
+            </a:r>
+          </a:p>
+        </p:txBody>
+      </p:sp>
+      <p:cxnSp>
+        <p:nvCxnSpPr>
+          <p:cNvPr id="29" name="Straight Connector 28">
+            <a:extLst>
+              <a:ext uri="{FF2B5EF4-FFF2-40B4-BE49-F238E27FC236}">
+                <a16:creationId xmlns:a16="http://schemas.microsoft.com/office/drawing/2014/main" id="{AE1E0126-E096-5973-0A6D-957EDE11E879}"/>
+              </a:ext>
+            </a:extLst>
+          </p:cNvPr>
+          <p:cNvCxnSpPr>
+            <a:cxnSpLocks/>
+          </p:cNvCxnSpPr>
+          <p:nvPr/>
+        </p:nvCxnSpPr>
+        <p:spPr>
+          <a:xfrm flipV="1">
+            <a:off x="7420905" y="3542127"/>
+            <a:ext cx="0" cy="533399"/>
+          </a:xfrm>
+          <a:prstGeom prst="line">
+            <a:avLst/>
+          </a:prstGeom>
+          <a:ln>
+            <a:prstDash val="dash"/>
+            <a:headEnd type="triangle"/>
+            <a:tailEnd type="none"/>
+          </a:ln>
+        </p:spPr>
+        <p:style>
+          <a:lnRef idx="2">
+            <a:schemeClr val="accent1"/>
+          </a:lnRef>
+          <a:fillRef idx="0">
+            <a:schemeClr val="accent1"/>
+          </a:fillRef>
+          <a:effectRef idx="1">
+            <a:schemeClr val="accent1"/>
+          </a:effectRef>
+          <a:fontRef idx="minor">
+            <a:schemeClr val="tx1"/>
+          </a:fontRef>
+        </p:style>
+      </p:cxnSp>
+      <p:sp>
+        <p:nvSpPr>
+          <p:cNvPr id="31" name="TextBox 30">
+            <a:extLst>
+              <a:ext uri="{FF2B5EF4-FFF2-40B4-BE49-F238E27FC236}">
+                <a16:creationId xmlns:a16="http://schemas.microsoft.com/office/drawing/2014/main" id="{94C9BC3F-6D1E-EC44-A044-9839E3F4EC41}"/>
+              </a:ext>
+            </a:extLst>
+          </p:cNvPr>
+          <p:cNvSpPr txBox="1"/>
+          <p:nvPr/>
+        </p:nvSpPr>
+        <p:spPr>
+          <a:xfrm>
+            <a:off x="6929161" y="2532585"/>
+            <a:ext cx="952505" cy="307777"/>
+          </a:xfrm>
+          <a:prstGeom prst="rect">
+            <a:avLst/>
+          </a:prstGeom>
+          <a:noFill/>
+        </p:spPr>
+        <p:txBody>
+          <a:bodyPr wrap="none" rtlCol="0">
+            <a:spAutoFit/>
+          </a:bodyPr>
+          <a:lstStyle/>
+          <a:p>
+            <a:r>
+              <a:rPr lang="en-US" sz="1400" dirty="0"/>
+              <a:t>DPU send</a:t>
+            </a:r>
+          </a:p>
+        </p:txBody>
+      </p:sp>
+      <p:cxnSp>
+        <p:nvCxnSpPr>
+          <p:cNvPr id="32" name="Straight Connector 31">
+            <a:extLst>
+              <a:ext uri="{FF2B5EF4-FFF2-40B4-BE49-F238E27FC236}">
+                <a16:creationId xmlns:a16="http://schemas.microsoft.com/office/drawing/2014/main" id="{9F72F0C7-9D11-A2C3-D193-C5552CF19CA9}"/>
+              </a:ext>
+            </a:extLst>
+          </p:cNvPr>
+          <p:cNvCxnSpPr>
+            <a:cxnSpLocks/>
+            <a:stCxn id="28" idx="0"/>
+            <a:endCxn id="31" idx="2"/>
+          </p:cNvCxnSpPr>
+          <p:nvPr/>
+        </p:nvCxnSpPr>
+        <p:spPr>
+          <a:xfrm flipV="1">
+            <a:off x="7405414" y="2840362"/>
+            <a:ext cx="0" cy="365715"/>
+          </a:xfrm>
+          <a:prstGeom prst="line">
+            <a:avLst/>
+          </a:prstGeom>
+          <a:ln>
+            <a:prstDash val="dash"/>
+            <a:headEnd type="triangle"/>
+            <a:tailEnd type="none"/>
+          </a:ln>
+        </p:spPr>
+        <p:style>
+          <a:lnRef idx="2">
+            <a:schemeClr val="accent1"/>
+          </a:lnRef>
+          <a:fillRef idx="0">
+            <a:schemeClr val="accent1"/>
+          </a:fillRef>
+          <a:effectRef idx="1">
+            <a:schemeClr val="accent1"/>
+          </a:effectRef>
+          <a:fontRef idx="minor">
+            <a:schemeClr val="tx1"/>
+          </a:fontRef>
+        </p:style>
+      </p:cxnSp>
+      <p:sp>
+        <p:nvSpPr>
+          <p:cNvPr id="33" name="TextBox 32">
+            <a:extLst>
+              <a:ext uri="{FF2B5EF4-FFF2-40B4-BE49-F238E27FC236}">
+                <a16:creationId xmlns:a16="http://schemas.microsoft.com/office/drawing/2014/main" id="{3F760E2C-62CD-1D21-D010-82D5B0F0A295}"/>
+              </a:ext>
+            </a:extLst>
+          </p:cNvPr>
+          <p:cNvSpPr txBox="1"/>
+          <p:nvPr/>
+        </p:nvSpPr>
+        <p:spPr>
+          <a:xfrm>
+            <a:off x="7439952" y="3821207"/>
+            <a:ext cx="324128" cy="307777"/>
+          </a:xfrm>
+          <a:prstGeom prst="rect">
+            <a:avLst/>
+          </a:prstGeom>
+          <a:noFill/>
+        </p:spPr>
+        <p:txBody>
+          <a:bodyPr wrap="none" rtlCol="0">
+            <a:spAutoFit/>
+          </a:bodyPr>
+          <a:lstStyle/>
+          <a:p>
+            <a:r>
+              <a:rPr lang="en-US" sz="1400" dirty="0" err="1">
+                <a:solidFill>
+                  <a:schemeClr val="tx1">
+                    <a:lumMod val="50000"/>
+                    <a:lumOff val="50000"/>
+                  </a:schemeClr>
+                </a:solidFill>
+              </a:rPr>
+              <a:t>rx</a:t>
+            </a:r>
+            <a:endParaRPr lang="en-US" sz="1400" dirty="0">
+              <a:solidFill>
+                <a:schemeClr val="tx1">
+                  <a:lumMod val="50000"/>
+                  <a:lumOff val="50000"/>
+                </a:schemeClr>
+              </a:solidFill>
+            </a:endParaRPr>
+          </a:p>
+        </p:txBody>
+      </p:sp>
+      <p:sp>
+        <p:nvSpPr>
+          <p:cNvPr id="34" name="TextBox 33">
+            <a:extLst>
+              <a:ext uri="{FF2B5EF4-FFF2-40B4-BE49-F238E27FC236}">
+                <a16:creationId xmlns:a16="http://schemas.microsoft.com/office/drawing/2014/main" id="{B548456C-D9E8-1C4B-98E3-A2A5BAB49EB2}"/>
+              </a:ext>
+            </a:extLst>
+          </p:cNvPr>
+          <p:cNvSpPr txBox="1"/>
+          <p:nvPr/>
+        </p:nvSpPr>
+        <p:spPr>
+          <a:xfrm>
+            <a:off x="7420905" y="2909552"/>
+            <a:ext cx="322524" cy="307777"/>
+          </a:xfrm>
+          <a:prstGeom prst="rect">
+            <a:avLst/>
+          </a:prstGeom>
+          <a:noFill/>
+        </p:spPr>
+        <p:txBody>
+          <a:bodyPr wrap="none" rtlCol="0">
+            <a:spAutoFit/>
+          </a:bodyPr>
+          <a:lstStyle/>
+          <a:p>
+            <a:r>
+              <a:rPr lang="en-US" sz="1400" dirty="0" err="1">
+                <a:solidFill>
+                  <a:schemeClr val="tx1">
+                    <a:lumMod val="50000"/>
+                    <a:lumOff val="50000"/>
+                  </a:schemeClr>
+                </a:solidFill>
+              </a:rPr>
+              <a:t>tx</a:t>
+            </a:r>
+            <a:endParaRPr lang="en-US" sz="1400" dirty="0">
+              <a:solidFill>
+                <a:schemeClr val="tx1">
+                  <a:lumMod val="50000"/>
+                  <a:lumOff val="50000"/>
+                </a:schemeClr>
+              </a:solidFill>
+            </a:endParaRPr>
+          </a:p>
+        </p:txBody>
+      </p:sp>
+      <p:sp>
+        <p:nvSpPr>
+          <p:cNvPr id="38" name="TextBox 37">
+            <a:extLst>
+              <a:ext uri="{FF2B5EF4-FFF2-40B4-BE49-F238E27FC236}">
+                <a16:creationId xmlns:a16="http://schemas.microsoft.com/office/drawing/2014/main" id="{3624EACB-7A75-D033-6C11-F7754A92D981}"/>
+              </a:ext>
+            </a:extLst>
+          </p:cNvPr>
+          <p:cNvSpPr txBox="1"/>
+          <p:nvPr/>
+        </p:nvSpPr>
+        <p:spPr>
+          <a:xfrm>
+            <a:off x="1307690" y="757084"/>
+            <a:ext cx="1008033" cy="369332"/>
+          </a:xfrm>
+          <a:prstGeom prst="rect">
+            <a:avLst/>
+          </a:prstGeom>
+          <a:noFill/>
+        </p:spPr>
+        <p:txBody>
+          <a:bodyPr wrap="none" rtlCol="0">
+            <a:spAutoFit/>
+          </a:bodyPr>
+          <a:lstStyle/>
+          <a:p>
+            <a:r>
+              <a:rPr lang="en-US" dirty="0" err="1"/>
+              <a:t>pipe.pdf</a:t>
+            </a:r>
+            <a:endParaRPr lang="en-US" dirty="0"/>
+          </a:p>
+        </p:txBody>
+      </p:sp>
+    </p:spTree>
+    <p:extLst>
+      <p:ext uri="{BB962C8B-B14F-4D97-AF65-F5344CB8AC3E}">
+        <p14:creationId xmlns:p14="http://schemas.microsoft.com/office/powerpoint/2010/main" val="569685561"/>
+      </p:ext>
+    </p:extLst>
+  </p:cSld>
+  <p:clrMapOvr>
+    <a:masterClrMapping/>
+  </p:clrMapOvr>
+</p:sld>
+</file>
+
+<file path=ppt/slides/slide5.xml><?xml version="1.0" encoding="utf-8"?>
+<p:sld xmlns:a="http://schemas.openxmlformats.org/drawingml/2006/main" xmlns:r="http://schemas.openxmlformats.org/officeDocument/2006/relationships" xmlns:p="http://schemas.openxmlformats.org/presentationml/2006/main">
+  <p:cSld>
+    <p:spTree>
+      <p:nvGrpSpPr>
+        <p:cNvPr id="1" name=""/>
+        <p:cNvGrpSpPr/>
+        <p:nvPr/>
+      </p:nvGrpSpPr>
+      <p:grpSpPr>
+        <a:xfrm>
+          <a:off x="0" y="0"/>
+          <a:ext cx="0" cy="0"/>
+          <a:chOff x="0" y="0"/>
+          <a:chExt cx="0" cy="0"/>
+        </a:xfrm>
+      </p:grpSpPr>
+      <p:sp>
+        <p:nvSpPr>
+          <p:cNvPr id="7" name="Rounded Rectangle 6">
+            <a:extLst>
+              <a:ext uri="{FF2B5EF4-FFF2-40B4-BE49-F238E27FC236}">
+                <a16:creationId xmlns:a16="http://schemas.microsoft.com/office/drawing/2014/main" id="{F7916BC9-BB9D-F3AD-9945-33C79E239913}"/>
+              </a:ext>
+            </a:extLst>
+          </p:cNvPr>
+          <p:cNvSpPr/>
+          <p:nvPr/>
+        </p:nvSpPr>
+        <p:spPr>
+          <a:xfrm>
             <a:off x="5066661" y="4742085"/>
             <a:ext cx="2214999" cy="341926"/>
           </a:xfrm>
@@ -36081,7 +39855,7 @@
 </p:sld>
 </file>
 
-<file path=ppt/slides/slide5.xml><?xml version="1.0" encoding="utf-8"?>
+<file path=ppt/slides/slide6.xml><?xml version="1.0" encoding="utf-8"?>
 <p:sld xmlns:a="http://schemas.openxmlformats.org/drawingml/2006/main" xmlns:r="http://schemas.openxmlformats.org/officeDocument/2006/relationships" xmlns:p="http://schemas.openxmlformats.org/presentationml/2006/main">
   <p:cSld>
     <p:spTree>
@@ -37038,7 +40812,7 @@
         </p:nvSpPr>
         <p:spPr>
           <a:xfrm>
-            <a:off x="9161222" y="2875120"/>
+            <a:off x="9128091" y="2877643"/>
             <a:ext cx="663964" cy="276999"/>
           </a:xfrm>
           <a:prstGeom prst="rect">
@@ -37057,7 +40831,7 @@
               <a:t>NAPI </a:t>
             </a:r>
             <a:r>
-              <a:rPr lang="en-US" sz="1200"/>
+              <a:rPr lang="en-US" sz="1200" dirty="0" err="1"/>
               <a:t>rx</a:t>
             </a:r>
             <a:endParaRPr lang="en-US" sz="1200" dirty="0"/>
@@ -37183,42 +40957,6 @@
               <a:rPr lang="en-US" sz="1200" dirty="0"/>
               <a:t> depth</a:t>
             </a:r>
-          </a:p>
-        </p:txBody>
-      </p:sp>
-      <p:sp>
-        <p:nvSpPr>
-          <p:cNvPr id="41" name="TextBox 40">
-            <a:extLst>
-              <a:ext uri="{FF2B5EF4-FFF2-40B4-BE49-F238E27FC236}">
-                <a16:creationId xmlns:a16="http://schemas.microsoft.com/office/drawing/2014/main" id="{7D8BBA20-8DC2-2D1B-7FB9-BE7C387A9E5F}"/>
-              </a:ext>
-            </a:extLst>
-          </p:cNvPr>
-          <p:cNvSpPr txBox="1"/>
-          <p:nvPr/>
-        </p:nvSpPr>
-        <p:spPr>
-          <a:xfrm>
-            <a:off x="847023" y="837398"/>
-            <a:ext cx="490327" cy="369332"/>
-          </a:xfrm>
-          <a:prstGeom prst="rect">
-            <a:avLst/>
-          </a:prstGeom>
-          <a:noFill/>
-        </p:spPr>
-        <p:txBody>
-          <a:bodyPr wrap="none" rtlCol="0">
-            <a:spAutoFit/>
-          </a:bodyPr>
-          <a:lstStyle/>
-          <a:p>
-            <a:r>
-              <a:rPr lang="en-US" dirty="0" err="1"/>
-              <a:t>rxq</a:t>
-            </a:r>
-            <a:endParaRPr lang="en-US" dirty="0"/>
           </a:p>
         </p:txBody>
       </p:sp>
@@ -37498,12 +41236,12 @@
         <p:spPr>
           <a:xfrm flipH="1" flipV="1">
             <a:off x="8495965" y="2891702"/>
-            <a:ext cx="1329221" cy="121918"/>
+            <a:ext cx="1296090" cy="124441"/>
           </a:xfrm>
           <a:prstGeom prst="curvedConnector4">
             <a:avLst>
-              <a:gd name="adj1" fmla="val -17198"/>
-              <a:gd name="adj2" fmla="val 301104"/>
+              <a:gd name="adj1" fmla="val -17638"/>
+              <a:gd name="adj2" fmla="val 294999"/>
             </a:avLst>
           </a:prstGeom>
           <a:ln w="12700">
@@ -37609,7 +41347,7 @@
 </p:sld>
 </file>
 
-<file path=ppt/slides/slide6.xml><?xml version="1.0" encoding="utf-8"?>
+<file path=ppt/slides/slide7.xml><?xml version="1.0" encoding="utf-8"?>
 <p:sld xmlns:a="http://schemas.openxmlformats.org/drawingml/2006/main" xmlns:r="http://schemas.openxmlformats.org/officeDocument/2006/relationships" xmlns:p="http://schemas.openxmlformats.org/presentationml/2006/main">
   <p:cSld>
     <p:spTree>
@@ -40041,14 +43779,14 @@
     <mc:Choice Requires="p14">
       <p:transition p14:dur="10"/>
     </mc:Choice>
-    <mc:Fallback xmlns="" xmlns:a16="http://schemas.microsoft.com/office/drawing/2014/main">
+    <mc:Fallback xmlns:a16="http://schemas.microsoft.com/office/drawing/2014/main" xmlns="">
       <p:transition/>
     </mc:Fallback>
   </mc:AlternateContent>
 </p:sld>
 </file>
 
-<file path=ppt/slides/slide7.xml><?xml version="1.0" encoding="utf-8"?>
+<file path=ppt/slides/slide8.xml><?xml version="1.0" encoding="utf-8"?>
 <p:sld xmlns:a="http://schemas.openxmlformats.org/drawingml/2006/main" xmlns:r="http://schemas.openxmlformats.org/officeDocument/2006/relationships" xmlns:p="http://schemas.openxmlformats.org/presentationml/2006/main">
   <p:cSld>
     <p:spTree>
@@ -43868,14 +47606,14 @@
     <mc:Choice Requires="p14">
       <p:transition p14:dur="10"/>
     </mc:Choice>
-    <mc:Fallback xmlns="" xmlns:a16="http://schemas.microsoft.com/office/drawing/2014/main">
+    <mc:Fallback xmlns:a16="http://schemas.microsoft.com/office/drawing/2014/main" xmlns="">
       <p:transition/>
     </mc:Fallback>
   </mc:AlternateContent>
 </p:sld>
 </file>
 
-<file path=ppt/slides/slide8.xml><?xml version="1.0" encoding="utf-8"?>
+<file path=ppt/slides/slide9.xml><?xml version="1.0" encoding="utf-8"?>
 <p:sld xmlns:a="http://schemas.openxmlformats.org/drawingml/2006/main" xmlns:r="http://schemas.openxmlformats.org/officeDocument/2006/relationships" xmlns:p="http://schemas.openxmlformats.org/presentationml/2006/main">
   <p:cSld>
     <p:spTree>
@@ -46102,2341 +49840,6 @@
     <p:extLst>
       <p:ext uri="{BB962C8B-B14F-4D97-AF65-F5344CB8AC3E}">
         <p14:creationId xmlns:p14="http://schemas.microsoft.com/office/powerpoint/2010/main" val="2820013475"/>
-      </p:ext>
-    </p:extLst>
-  </p:cSld>
-  <p:clrMapOvr>
-    <a:masterClrMapping/>
-  </p:clrMapOvr>
-</p:sld>
-</file>
-
-<file path=ppt/slides/slide9.xml><?xml version="1.0" encoding="utf-8"?>
-<p:sld xmlns:a="http://schemas.openxmlformats.org/drawingml/2006/main" xmlns:r="http://schemas.openxmlformats.org/officeDocument/2006/relationships" xmlns:p="http://schemas.openxmlformats.org/presentationml/2006/main">
-  <p:cSld>
-    <p:spTree>
-      <p:nvGrpSpPr>
-        <p:cNvPr id="1" name=""/>
-        <p:cNvGrpSpPr/>
-        <p:nvPr/>
-      </p:nvGrpSpPr>
-      <p:grpSpPr>
-        <a:xfrm>
-          <a:off x="0" y="0"/>
-          <a:ext cx="0" cy="0"/>
-          <a:chOff x="0" y="0"/>
-          <a:chExt cx="0" cy="0"/>
-        </a:xfrm>
-      </p:grpSpPr>
-      <p:sp>
-        <p:nvSpPr>
-          <p:cNvPr id="94" name="Rectangle 93">
-            <a:extLst>
-              <a:ext uri="{FF2B5EF4-FFF2-40B4-BE49-F238E27FC236}">
-                <a16:creationId xmlns:a16="http://schemas.microsoft.com/office/drawing/2014/main" id="{67CAA1AB-95D5-E391-5573-AE484EF2FBC6}"/>
-              </a:ext>
-            </a:extLst>
-          </p:cNvPr>
-          <p:cNvSpPr/>
-          <p:nvPr/>
-        </p:nvSpPr>
-        <p:spPr>
-          <a:xfrm>
-            <a:off x="2014236" y="3012006"/>
-            <a:ext cx="2724306" cy="1847698"/>
-          </a:xfrm>
-          <a:prstGeom prst="rect">
-            <a:avLst/>
-          </a:prstGeom>
-          <a:solidFill>
-            <a:schemeClr val="bg1">
-              <a:lumMod val="85000"/>
-            </a:schemeClr>
-          </a:solidFill>
-          <a:ln w="12700" cap="flat" cmpd="sng" algn="ctr">
-            <a:solidFill>
-              <a:srgbClr val="4472C4">
-                <a:shade val="50000"/>
-              </a:srgbClr>
-            </a:solidFill>
-            <a:prstDash val="solid"/>
-            <a:miter lim="800000"/>
-          </a:ln>
-          <a:effectLst/>
-        </p:spPr>
-        <p:txBody>
-          <a:bodyPr rtlCol="0" anchor="ctr"/>
-          <a:lstStyle/>
-          <a:p>
-            <a:pPr marL="0" marR="0" lvl="0" indent="0" algn="ctr" defTabSz="304770" eaLnBrk="1" fontAlgn="auto" latinLnBrk="0" hangingPunct="1">
-              <a:lnSpc>
-                <a:spcPct val="100000"/>
-              </a:lnSpc>
-              <a:spcBef>
-                <a:spcPts val="0"/>
-              </a:spcBef>
-              <a:spcAft>
-                <a:spcPts val="0"/>
-              </a:spcAft>
-              <a:buClrTx/>
-              <a:buSzTx/>
-              <a:buFontTx/>
-              <a:buNone/>
-              <a:tabLst/>
-              <a:defRPr/>
-            </a:pPr>
-            <a:endParaRPr kumimoji="0" lang="en-US" sz="2000" b="0" i="0" u="none" strike="noStrike" kern="0" cap="none" spc="0" normalizeH="0" baseline="0" noProof="0" dirty="0">
-              <a:ln>
-                <a:noFill/>
-              </a:ln>
-              <a:solidFill>
-                <a:prstClr val="black"/>
-              </a:solidFill>
-              <a:effectLst/>
-              <a:uLnTx/>
-              <a:uFillTx/>
-              <a:latin typeface="Calibri" panose="020F0502020204030204"/>
-            </a:endParaRPr>
-          </a:p>
-        </p:txBody>
-      </p:sp>
-      <p:sp>
-        <p:nvSpPr>
-          <p:cNvPr id="2" name="Title 1">
-            <a:extLst>
-              <a:ext uri="{FF2B5EF4-FFF2-40B4-BE49-F238E27FC236}">
-                <a16:creationId xmlns:a16="http://schemas.microsoft.com/office/drawing/2014/main" id="{0DA3CB7C-AA13-229D-3E7C-6AD6B7A42632}"/>
-              </a:ext>
-            </a:extLst>
-          </p:cNvPr>
-          <p:cNvSpPr>
-            <a:spLocks noGrp="1"/>
-          </p:cNvSpPr>
-          <p:nvPr>
-            <p:ph type="title"/>
-          </p:nvPr>
-        </p:nvSpPr>
-        <p:spPr/>
-        <p:txBody>
-          <a:bodyPr/>
-          <a:lstStyle/>
-          <a:p>
-            <a:endParaRPr lang="en-US"/>
-          </a:p>
-        </p:txBody>
-      </p:sp>
-      <p:grpSp>
-        <p:nvGrpSpPr>
-          <p:cNvPr id="4" name="Group 3">
-            <a:extLst>
-              <a:ext uri="{FF2B5EF4-FFF2-40B4-BE49-F238E27FC236}">
-                <a16:creationId xmlns:a16="http://schemas.microsoft.com/office/drawing/2014/main" id="{31188C9F-BC62-6116-625D-8028E673B69A}"/>
-              </a:ext>
-            </a:extLst>
-          </p:cNvPr>
-          <p:cNvGrpSpPr/>
-          <p:nvPr/>
-        </p:nvGrpSpPr>
-        <p:grpSpPr>
-          <a:xfrm>
-            <a:off x="3576392" y="3237680"/>
-            <a:ext cx="656665" cy="261610"/>
-            <a:chOff x="6985000" y="4827977"/>
-            <a:chExt cx="656665" cy="261610"/>
-          </a:xfrm>
-        </p:grpSpPr>
-        <p:sp>
-          <p:nvSpPr>
-            <p:cNvPr id="5" name="Rectangle 4">
-              <a:extLst>
-                <a:ext uri="{FF2B5EF4-FFF2-40B4-BE49-F238E27FC236}">
-                  <a16:creationId xmlns:a16="http://schemas.microsoft.com/office/drawing/2014/main" id="{43FF7F3C-97BC-F130-A0FF-6AE2E0392D57}"/>
-                </a:ext>
-              </a:extLst>
-            </p:cNvPr>
-            <p:cNvSpPr/>
-            <p:nvPr/>
-          </p:nvSpPr>
-          <p:spPr>
-            <a:xfrm>
-              <a:off x="7520299" y="4827977"/>
-              <a:ext cx="121366" cy="261610"/>
-            </a:xfrm>
-            <a:prstGeom prst="rect">
-              <a:avLst/>
-            </a:prstGeom>
-            <a:noFill/>
-            <a:ln w="12700" cap="flat" cmpd="sng" algn="ctr">
-              <a:solidFill>
-                <a:schemeClr val="bg1">
-                  <a:lumMod val="95000"/>
-                  <a:lumOff val="5000"/>
-                </a:schemeClr>
-              </a:solidFill>
-              <a:prstDash val="solid"/>
-              <a:miter lim="800000"/>
-            </a:ln>
-            <a:effectLst/>
-          </p:spPr>
-          <p:txBody>
-            <a:bodyPr rtlCol="0" anchor="ctr"/>
-            <a:lstStyle/>
-            <a:p>
-              <a:pPr algn="ctr" defTabSz="304770">
-                <a:defRPr/>
-              </a:pPr>
-              <a:endParaRPr lang="en-US" sz="467" kern="0" dirty="0">
-                <a:solidFill>
-                  <a:prstClr val="black"/>
-                </a:solidFill>
-                <a:latin typeface="Calibri" panose="020F0502020204030204"/>
-              </a:endParaRPr>
-            </a:p>
-          </p:txBody>
-        </p:sp>
-        <p:sp>
-          <p:nvSpPr>
-            <p:cNvPr id="6" name="Rectangle 5">
-              <a:extLst>
-                <a:ext uri="{FF2B5EF4-FFF2-40B4-BE49-F238E27FC236}">
-                  <a16:creationId xmlns:a16="http://schemas.microsoft.com/office/drawing/2014/main" id="{1BFC69AA-6CF2-6D32-5A9F-18179CF913F0}"/>
-                </a:ext>
-              </a:extLst>
-            </p:cNvPr>
-            <p:cNvSpPr/>
-            <p:nvPr/>
-          </p:nvSpPr>
-          <p:spPr>
-            <a:xfrm>
-              <a:off x="7398933" y="4827977"/>
-              <a:ext cx="121366" cy="261610"/>
-            </a:xfrm>
-            <a:prstGeom prst="rect">
-              <a:avLst/>
-            </a:prstGeom>
-            <a:noFill/>
-            <a:ln w="12700" cap="flat" cmpd="sng" algn="ctr">
-              <a:solidFill>
-                <a:schemeClr val="bg1">
-                  <a:lumMod val="95000"/>
-                  <a:lumOff val="5000"/>
-                </a:schemeClr>
-              </a:solidFill>
-              <a:prstDash val="solid"/>
-              <a:miter lim="800000"/>
-            </a:ln>
-            <a:effectLst/>
-          </p:spPr>
-          <p:txBody>
-            <a:bodyPr rtlCol="0" anchor="ctr"/>
-            <a:lstStyle/>
-            <a:p>
-              <a:pPr algn="ctr" defTabSz="304770">
-                <a:defRPr/>
-              </a:pPr>
-              <a:endParaRPr lang="en-US" sz="467" kern="0" dirty="0">
-                <a:solidFill>
-                  <a:prstClr val="black"/>
-                </a:solidFill>
-                <a:latin typeface="Calibri" panose="020F0502020204030204"/>
-              </a:endParaRPr>
-            </a:p>
-          </p:txBody>
-        </p:sp>
-        <p:sp>
-          <p:nvSpPr>
-            <p:cNvPr id="7" name="Rectangle 6">
-              <a:extLst>
-                <a:ext uri="{FF2B5EF4-FFF2-40B4-BE49-F238E27FC236}">
-                  <a16:creationId xmlns:a16="http://schemas.microsoft.com/office/drawing/2014/main" id="{42A253E6-9521-5422-7874-BE213F2751D7}"/>
-                </a:ext>
-              </a:extLst>
-            </p:cNvPr>
-            <p:cNvSpPr/>
-            <p:nvPr/>
-          </p:nvSpPr>
-          <p:spPr>
-            <a:xfrm>
-              <a:off x="7275754" y="4827977"/>
-              <a:ext cx="121366" cy="261610"/>
-            </a:xfrm>
-            <a:prstGeom prst="rect">
-              <a:avLst/>
-            </a:prstGeom>
-            <a:noFill/>
-            <a:ln w="12700" cap="flat" cmpd="sng" algn="ctr">
-              <a:solidFill>
-                <a:schemeClr val="bg1">
-                  <a:lumMod val="95000"/>
-                  <a:lumOff val="5000"/>
-                </a:schemeClr>
-              </a:solidFill>
-              <a:prstDash val="solid"/>
-              <a:miter lim="800000"/>
-            </a:ln>
-            <a:effectLst/>
-          </p:spPr>
-          <p:txBody>
-            <a:bodyPr rtlCol="0" anchor="ctr"/>
-            <a:lstStyle/>
-            <a:p>
-              <a:pPr algn="ctr" defTabSz="304770">
-                <a:defRPr/>
-              </a:pPr>
-              <a:endParaRPr lang="en-US" sz="467" kern="0" dirty="0">
-                <a:solidFill>
-                  <a:prstClr val="black"/>
-                </a:solidFill>
-                <a:latin typeface="Calibri" panose="020F0502020204030204"/>
-              </a:endParaRPr>
-            </a:p>
-          </p:txBody>
-        </p:sp>
-        <p:cxnSp>
-          <p:nvCxnSpPr>
-            <p:cNvPr id="8" name="Straight Connector 7">
-              <a:extLst>
-                <a:ext uri="{FF2B5EF4-FFF2-40B4-BE49-F238E27FC236}">
-                  <a16:creationId xmlns:a16="http://schemas.microsoft.com/office/drawing/2014/main" id="{C03085CF-A6FE-C8D9-DDA6-D19E739D4B64}"/>
-                </a:ext>
-              </a:extLst>
-            </p:cNvPr>
-            <p:cNvCxnSpPr>
-              <a:cxnSpLocks/>
-            </p:cNvCxnSpPr>
-            <p:nvPr/>
-          </p:nvCxnSpPr>
-          <p:spPr>
-            <a:xfrm>
-              <a:off x="6985000" y="4827977"/>
-              <a:ext cx="290754" cy="0"/>
-            </a:xfrm>
-            <a:prstGeom prst="line">
-              <a:avLst/>
-            </a:prstGeom>
-            <a:ln w="15875">
-              <a:solidFill>
-                <a:schemeClr val="bg1">
-                  <a:lumMod val="95000"/>
-                  <a:lumOff val="5000"/>
-                </a:schemeClr>
-              </a:solidFill>
-            </a:ln>
-          </p:spPr>
-          <p:style>
-            <a:lnRef idx="1">
-              <a:schemeClr val="accent1"/>
-            </a:lnRef>
-            <a:fillRef idx="0">
-              <a:schemeClr val="accent1"/>
-            </a:fillRef>
-            <a:effectRef idx="0">
-              <a:schemeClr val="accent1"/>
-            </a:effectRef>
-            <a:fontRef idx="minor">
-              <a:schemeClr val="tx1"/>
-            </a:fontRef>
-          </p:style>
-        </p:cxnSp>
-        <p:cxnSp>
-          <p:nvCxnSpPr>
-            <p:cNvPr id="9" name="Straight Connector 8">
-              <a:extLst>
-                <a:ext uri="{FF2B5EF4-FFF2-40B4-BE49-F238E27FC236}">
-                  <a16:creationId xmlns:a16="http://schemas.microsoft.com/office/drawing/2014/main" id="{D343A29C-1D8C-602B-AAC7-B27541DC20BF}"/>
-                </a:ext>
-              </a:extLst>
-            </p:cNvPr>
-            <p:cNvCxnSpPr>
-              <a:cxnSpLocks/>
-            </p:cNvCxnSpPr>
-            <p:nvPr/>
-          </p:nvCxnSpPr>
-          <p:spPr>
-            <a:xfrm>
-              <a:off x="6985000" y="5089587"/>
-              <a:ext cx="290754" cy="0"/>
-            </a:xfrm>
-            <a:prstGeom prst="line">
-              <a:avLst/>
-            </a:prstGeom>
-            <a:ln w="15875">
-              <a:solidFill>
-                <a:schemeClr val="bg1">
-                  <a:lumMod val="95000"/>
-                  <a:lumOff val="5000"/>
-                </a:schemeClr>
-              </a:solidFill>
-            </a:ln>
-          </p:spPr>
-          <p:style>
-            <a:lnRef idx="1">
-              <a:schemeClr val="accent1"/>
-            </a:lnRef>
-            <a:fillRef idx="0">
-              <a:schemeClr val="accent1"/>
-            </a:fillRef>
-            <a:effectRef idx="0">
-              <a:schemeClr val="accent1"/>
-            </a:effectRef>
-            <a:fontRef idx="minor">
-              <a:schemeClr val="tx1"/>
-            </a:fontRef>
-          </p:style>
-        </p:cxnSp>
-      </p:grpSp>
-      <p:sp>
-        <p:nvSpPr>
-          <p:cNvPr id="44" name="Rectangle 43">
-            <a:extLst>
-              <a:ext uri="{FF2B5EF4-FFF2-40B4-BE49-F238E27FC236}">
-                <a16:creationId xmlns:a16="http://schemas.microsoft.com/office/drawing/2014/main" id="{F5687A3C-A3E0-CBD4-3561-F426CA4C120D}"/>
-              </a:ext>
-            </a:extLst>
-          </p:cNvPr>
-          <p:cNvSpPr/>
-          <p:nvPr/>
-        </p:nvSpPr>
-        <p:spPr>
-          <a:xfrm>
-            <a:off x="4852397" y="3024811"/>
-            <a:ext cx="1311074" cy="1847698"/>
-          </a:xfrm>
-          <a:prstGeom prst="rect">
-            <a:avLst/>
-          </a:prstGeom>
-          <a:solidFill>
-            <a:srgbClr val="FFFFFF">
-              <a:lumMod val="95000"/>
-            </a:srgbClr>
-          </a:solidFill>
-          <a:ln w="12700" cap="flat" cmpd="sng" algn="ctr">
-            <a:solidFill>
-              <a:srgbClr val="4472C4">
-                <a:shade val="50000"/>
-              </a:srgbClr>
-            </a:solidFill>
-            <a:prstDash val="solid"/>
-            <a:miter lim="800000"/>
-          </a:ln>
-          <a:effectLst/>
-        </p:spPr>
-        <p:txBody>
-          <a:bodyPr rtlCol="0" anchor="ctr"/>
-          <a:lstStyle/>
-          <a:p>
-            <a:pPr marL="0" marR="0" lvl="0" indent="0" algn="ctr" defTabSz="304770" eaLnBrk="1" fontAlgn="auto" latinLnBrk="0" hangingPunct="1">
-              <a:lnSpc>
-                <a:spcPct val="100000"/>
-              </a:lnSpc>
-              <a:spcBef>
-                <a:spcPts val="0"/>
-              </a:spcBef>
-              <a:spcAft>
-                <a:spcPts val="0"/>
-              </a:spcAft>
-              <a:buClrTx/>
-              <a:buSzTx/>
-              <a:buFontTx/>
-              <a:buNone/>
-              <a:tabLst/>
-              <a:defRPr/>
-            </a:pPr>
-            <a:endParaRPr kumimoji="0" lang="en-US" sz="2000" b="0" i="0" u="none" strike="noStrike" kern="0" cap="none" spc="0" normalizeH="0" baseline="0" noProof="0" dirty="0">
-              <a:ln>
-                <a:noFill/>
-              </a:ln>
-              <a:solidFill>
-                <a:prstClr val="black"/>
-              </a:solidFill>
-              <a:effectLst/>
-              <a:uLnTx/>
-              <a:uFillTx/>
-              <a:latin typeface="Calibri" panose="020F0502020204030204"/>
-            </a:endParaRPr>
-          </a:p>
-        </p:txBody>
-      </p:sp>
-      <p:grpSp>
-        <p:nvGrpSpPr>
-          <p:cNvPr id="45" name="Group 44">
-            <a:extLst>
-              <a:ext uri="{FF2B5EF4-FFF2-40B4-BE49-F238E27FC236}">
-                <a16:creationId xmlns:a16="http://schemas.microsoft.com/office/drawing/2014/main" id="{4FEB8FB6-68D7-8A60-1078-3D7A45B58A18}"/>
-              </a:ext>
-            </a:extLst>
-          </p:cNvPr>
-          <p:cNvGrpSpPr/>
-          <p:nvPr/>
-        </p:nvGrpSpPr>
-        <p:grpSpPr>
-          <a:xfrm>
-            <a:off x="3576392" y="3248490"/>
-            <a:ext cx="656665" cy="250799"/>
-            <a:chOff x="6985000" y="4827977"/>
-            <a:chExt cx="656665" cy="261610"/>
-          </a:xfrm>
-        </p:grpSpPr>
-        <p:sp>
-          <p:nvSpPr>
-            <p:cNvPr id="46" name="Rectangle 45">
-              <a:extLst>
-                <a:ext uri="{FF2B5EF4-FFF2-40B4-BE49-F238E27FC236}">
-                  <a16:creationId xmlns:a16="http://schemas.microsoft.com/office/drawing/2014/main" id="{2B6D530F-B45E-5C21-F8A2-372362E4F34D}"/>
-                </a:ext>
-              </a:extLst>
-            </p:cNvPr>
-            <p:cNvSpPr/>
-            <p:nvPr/>
-          </p:nvSpPr>
-          <p:spPr>
-            <a:xfrm>
-              <a:off x="7520299" y="4827977"/>
-              <a:ext cx="121366" cy="261610"/>
-            </a:xfrm>
-            <a:prstGeom prst="rect">
-              <a:avLst/>
-            </a:prstGeom>
-            <a:noFill/>
-            <a:ln w="12700" cap="flat" cmpd="sng" algn="ctr">
-              <a:solidFill>
-                <a:srgbClr val="000000">
-                  <a:lumMod val="95000"/>
-                  <a:lumOff val="5000"/>
-                </a:srgbClr>
-              </a:solidFill>
-              <a:prstDash val="solid"/>
-              <a:miter lim="800000"/>
-            </a:ln>
-            <a:effectLst/>
-          </p:spPr>
-          <p:txBody>
-            <a:bodyPr rtlCol="0" anchor="ctr"/>
-            <a:lstStyle/>
-            <a:p>
-              <a:pPr marL="0" marR="0" lvl="0" indent="0" algn="ctr" defTabSz="304770" eaLnBrk="1" fontAlgn="auto" latinLnBrk="0" hangingPunct="1">
-                <a:lnSpc>
-                  <a:spcPct val="100000"/>
-                </a:lnSpc>
-                <a:spcBef>
-                  <a:spcPts val="0"/>
-                </a:spcBef>
-                <a:spcAft>
-                  <a:spcPts val="0"/>
-                </a:spcAft>
-                <a:buClrTx/>
-                <a:buSzTx/>
-                <a:buFontTx/>
-                <a:buNone/>
-                <a:tabLst/>
-                <a:defRPr/>
-              </a:pPr>
-              <a:endParaRPr kumimoji="0" lang="en-US" sz="467" b="0" i="0" u="none" strike="noStrike" kern="0" cap="none" spc="0" normalizeH="0" baseline="0" noProof="0" dirty="0">
-                <a:ln>
-                  <a:noFill/>
-                </a:ln>
-                <a:solidFill>
-                  <a:prstClr val="black"/>
-                </a:solidFill>
-                <a:effectLst/>
-                <a:uLnTx/>
-                <a:uFillTx/>
-                <a:latin typeface="Calibri" panose="020F0502020204030204"/>
-              </a:endParaRPr>
-            </a:p>
-          </p:txBody>
-        </p:sp>
-        <p:sp>
-          <p:nvSpPr>
-            <p:cNvPr id="47" name="Rectangle 46">
-              <a:extLst>
-                <a:ext uri="{FF2B5EF4-FFF2-40B4-BE49-F238E27FC236}">
-                  <a16:creationId xmlns:a16="http://schemas.microsoft.com/office/drawing/2014/main" id="{63504776-8891-3DB6-A953-6669EEB781FE}"/>
-                </a:ext>
-              </a:extLst>
-            </p:cNvPr>
-            <p:cNvSpPr/>
-            <p:nvPr/>
-          </p:nvSpPr>
-          <p:spPr>
-            <a:xfrm>
-              <a:off x="7398933" y="4827977"/>
-              <a:ext cx="121366" cy="261610"/>
-            </a:xfrm>
-            <a:prstGeom prst="rect">
-              <a:avLst/>
-            </a:prstGeom>
-            <a:noFill/>
-            <a:ln w="12700" cap="flat" cmpd="sng" algn="ctr">
-              <a:solidFill>
-                <a:srgbClr val="000000">
-                  <a:lumMod val="95000"/>
-                  <a:lumOff val="5000"/>
-                </a:srgbClr>
-              </a:solidFill>
-              <a:prstDash val="solid"/>
-              <a:miter lim="800000"/>
-            </a:ln>
-            <a:effectLst/>
-          </p:spPr>
-          <p:txBody>
-            <a:bodyPr rtlCol="0" anchor="ctr"/>
-            <a:lstStyle/>
-            <a:p>
-              <a:pPr marL="0" marR="0" lvl="0" indent="0" algn="ctr" defTabSz="304770" eaLnBrk="1" fontAlgn="auto" latinLnBrk="0" hangingPunct="1">
-                <a:lnSpc>
-                  <a:spcPct val="100000"/>
-                </a:lnSpc>
-                <a:spcBef>
-                  <a:spcPts val="0"/>
-                </a:spcBef>
-                <a:spcAft>
-                  <a:spcPts val="0"/>
-                </a:spcAft>
-                <a:buClrTx/>
-                <a:buSzTx/>
-                <a:buFontTx/>
-                <a:buNone/>
-                <a:tabLst/>
-                <a:defRPr/>
-              </a:pPr>
-              <a:endParaRPr kumimoji="0" lang="en-US" sz="467" b="0" i="0" u="none" strike="noStrike" kern="0" cap="none" spc="0" normalizeH="0" baseline="0" noProof="0" dirty="0">
-                <a:ln>
-                  <a:noFill/>
-                </a:ln>
-                <a:solidFill>
-                  <a:prstClr val="black"/>
-                </a:solidFill>
-                <a:effectLst/>
-                <a:uLnTx/>
-                <a:uFillTx/>
-                <a:latin typeface="Calibri" panose="020F0502020204030204"/>
-              </a:endParaRPr>
-            </a:p>
-          </p:txBody>
-        </p:sp>
-        <p:sp>
-          <p:nvSpPr>
-            <p:cNvPr id="48" name="Rectangle 47">
-              <a:extLst>
-                <a:ext uri="{FF2B5EF4-FFF2-40B4-BE49-F238E27FC236}">
-                  <a16:creationId xmlns:a16="http://schemas.microsoft.com/office/drawing/2014/main" id="{7DED99B3-117B-3172-29CB-957A5D835BDD}"/>
-                </a:ext>
-              </a:extLst>
-            </p:cNvPr>
-            <p:cNvSpPr/>
-            <p:nvPr/>
-          </p:nvSpPr>
-          <p:spPr>
-            <a:xfrm>
-              <a:off x="7275754" y="4827977"/>
-              <a:ext cx="121366" cy="261610"/>
-            </a:xfrm>
-            <a:prstGeom prst="rect">
-              <a:avLst/>
-            </a:prstGeom>
-            <a:noFill/>
-            <a:ln w="12700" cap="flat" cmpd="sng" algn="ctr">
-              <a:solidFill>
-                <a:srgbClr val="000000">
-                  <a:lumMod val="95000"/>
-                  <a:lumOff val="5000"/>
-                </a:srgbClr>
-              </a:solidFill>
-              <a:prstDash val="solid"/>
-              <a:miter lim="800000"/>
-            </a:ln>
-            <a:effectLst/>
-          </p:spPr>
-          <p:txBody>
-            <a:bodyPr rtlCol="0" anchor="ctr"/>
-            <a:lstStyle/>
-            <a:p>
-              <a:pPr marL="0" marR="0" lvl="0" indent="0" algn="ctr" defTabSz="304770" eaLnBrk="1" fontAlgn="auto" latinLnBrk="0" hangingPunct="1">
-                <a:lnSpc>
-                  <a:spcPct val="100000"/>
-                </a:lnSpc>
-                <a:spcBef>
-                  <a:spcPts val="0"/>
-                </a:spcBef>
-                <a:spcAft>
-                  <a:spcPts val="0"/>
-                </a:spcAft>
-                <a:buClrTx/>
-                <a:buSzTx/>
-                <a:buFontTx/>
-                <a:buNone/>
-                <a:tabLst/>
-                <a:defRPr/>
-              </a:pPr>
-              <a:endParaRPr kumimoji="0" lang="en-US" sz="467" b="0" i="0" u="none" strike="noStrike" kern="0" cap="none" spc="0" normalizeH="0" baseline="0" noProof="0" dirty="0">
-                <a:ln>
-                  <a:noFill/>
-                </a:ln>
-                <a:solidFill>
-                  <a:prstClr val="black"/>
-                </a:solidFill>
-                <a:effectLst/>
-                <a:uLnTx/>
-                <a:uFillTx/>
-                <a:latin typeface="Calibri" panose="020F0502020204030204"/>
-              </a:endParaRPr>
-            </a:p>
-          </p:txBody>
-        </p:sp>
-        <p:cxnSp>
-          <p:nvCxnSpPr>
-            <p:cNvPr id="49" name="Straight Connector 48">
-              <a:extLst>
-                <a:ext uri="{FF2B5EF4-FFF2-40B4-BE49-F238E27FC236}">
-                  <a16:creationId xmlns:a16="http://schemas.microsoft.com/office/drawing/2014/main" id="{CBCCB3ED-BFF5-39CD-E242-4818A9D4D098}"/>
-                </a:ext>
-              </a:extLst>
-            </p:cNvPr>
-            <p:cNvCxnSpPr>
-              <a:cxnSpLocks/>
-            </p:cNvCxnSpPr>
-            <p:nvPr/>
-          </p:nvCxnSpPr>
-          <p:spPr>
-            <a:xfrm>
-              <a:off x="6985000" y="4827977"/>
-              <a:ext cx="290754" cy="0"/>
-            </a:xfrm>
-            <a:prstGeom prst="line">
-              <a:avLst/>
-            </a:prstGeom>
-            <a:noFill/>
-            <a:ln w="15875" cap="flat" cmpd="sng" algn="ctr">
-              <a:solidFill>
-                <a:srgbClr val="000000">
-                  <a:lumMod val="95000"/>
-                  <a:lumOff val="5000"/>
-                </a:srgbClr>
-              </a:solidFill>
-              <a:prstDash val="solid"/>
-            </a:ln>
-            <a:effectLst/>
-          </p:spPr>
-        </p:cxnSp>
-        <p:cxnSp>
-          <p:nvCxnSpPr>
-            <p:cNvPr id="50" name="Straight Connector 49">
-              <a:extLst>
-                <a:ext uri="{FF2B5EF4-FFF2-40B4-BE49-F238E27FC236}">
-                  <a16:creationId xmlns:a16="http://schemas.microsoft.com/office/drawing/2014/main" id="{A9F6AA4E-292E-954C-A20A-92D42B487C1F}"/>
-                </a:ext>
-              </a:extLst>
-            </p:cNvPr>
-            <p:cNvCxnSpPr>
-              <a:cxnSpLocks/>
-            </p:cNvCxnSpPr>
-            <p:nvPr/>
-          </p:nvCxnSpPr>
-          <p:spPr>
-            <a:xfrm>
-              <a:off x="6985000" y="5089587"/>
-              <a:ext cx="290754" cy="0"/>
-            </a:xfrm>
-            <a:prstGeom prst="line">
-              <a:avLst/>
-            </a:prstGeom>
-            <a:noFill/>
-            <a:ln w="15875" cap="flat" cmpd="sng" algn="ctr">
-              <a:solidFill>
-                <a:srgbClr val="000000">
-                  <a:lumMod val="95000"/>
-                  <a:lumOff val="5000"/>
-                </a:srgbClr>
-              </a:solidFill>
-              <a:prstDash val="solid"/>
-            </a:ln>
-            <a:effectLst/>
-          </p:spPr>
-        </p:cxnSp>
-      </p:grpSp>
-      <p:grpSp>
-        <p:nvGrpSpPr>
-          <p:cNvPr id="51" name="Group 50">
-            <a:extLst>
-              <a:ext uri="{FF2B5EF4-FFF2-40B4-BE49-F238E27FC236}">
-                <a16:creationId xmlns:a16="http://schemas.microsoft.com/office/drawing/2014/main" id="{7F8F9E3C-6A2E-756F-03B8-F369CB0A87AC}"/>
-              </a:ext>
-            </a:extLst>
-          </p:cNvPr>
-          <p:cNvGrpSpPr/>
-          <p:nvPr/>
-        </p:nvGrpSpPr>
-        <p:grpSpPr>
-          <a:xfrm>
-            <a:off x="3576392" y="3685056"/>
-            <a:ext cx="656665" cy="250799"/>
-            <a:chOff x="6985000" y="4827977"/>
-            <a:chExt cx="656665" cy="261610"/>
-          </a:xfrm>
-        </p:grpSpPr>
-        <p:sp>
-          <p:nvSpPr>
-            <p:cNvPr id="52" name="Rectangle 51">
-              <a:extLst>
-                <a:ext uri="{FF2B5EF4-FFF2-40B4-BE49-F238E27FC236}">
-                  <a16:creationId xmlns:a16="http://schemas.microsoft.com/office/drawing/2014/main" id="{8222E412-511C-C880-198A-F1AAD3107442}"/>
-                </a:ext>
-              </a:extLst>
-            </p:cNvPr>
-            <p:cNvSpPr/>
-            <p:nvPr/>
-          </p:nvSpPr>
-          <p:spPr>
-            <a:xfrm>
-              <a:off x="7520299" y="4827977"/>
-              <a:ext cx="121366" cy="261610"/>
-            </a:xfrm>
-            <a:prstGeom prst="rect">
-              <a:avLst/>
-            </a:prstGeom>
-            <a:noFill/>
-            <a:ln w="12700" cap="flat" cmpd="sng" algn="ctr">
-              <a:solidFill>
-                <a:srgbClr val="000000">
-                  <a:lumMod val="95000"/>
-                  <a:lumOff val="5000"/>
-                </a:srgbClr>
-              </a:solidFill>
-              <a:prstDash val="solid"/>
-              <a:miter lim="800000"/>
-            </a:ln>
-            <a:effectLst/>
-          </p:spPr>
-          <p:txBody>
-            <a:bodyPr rtlCol="0" anchor="ctr"/>
-            <a:lstStyle/>
-            <a:p>
-              <a:pPr marL="0" marR="0" lvl="0" indent="0" algn="ctr" defTabSz="304770" eaLnBrk="1" fontAlgn="auto" latinLnBrk="0" hangingPunct="1">
-                <a:lnSpc>
-                  <a:spcPct val="100000"/>
-                </a:lnSpc>
-                <a:spcBef>
-                  <a:spcPts val="0"/>
-                </a:spcBef>
-                <a:spcAft>
-                  <a:spcPts val="0"/>
-                </a:spcAft>
-                <a:buClrTx/>
-                <a:buSzTx/>
-                <a:buFontTx/>
-                <a:buNone/>
-                <a:tabLst/>
-                <a:defRPr/>
-              </a:pPr>
-              <a:endParaRPr kumimoji="0" lang="en-US" sz="467" b="0" i="0" u="none" strike="noStrike" kern="0" cap="none" spc="0" normalizeH="0" baseline="0" noProof="0" dirty="0">
-                <a:ln>
-                  <a:noFill/>
-                </a:ln>
-                <a:solidFill>
-                  <a:prstClr val="black"/>
-                </a:solidFill>
-                <a:effectLst/>
-                <a:uLnTx/>
-                <a:uFillTx/>
-                <a:latin typeface="Calibri" panose="020F0502020204030204"/>
-              </a:endParaRPr>
-            </a:p>
-          </p:txBody>
-        </p:sp>
-        <p:sp>
-          <p:nvSpPr>
-            <p:cNvPr id="53" name="Rectangle 52">
-              <a:extLst>
-                <a:ext uri="{FF2B5EF4-FFF2-40B4-BE49-F238E27FC236}">
-                  <a16:creationId xmlns:a16="http://schemas.microsoft.com/office/drawing/2014/main" id="{D8A27522-5917-A669-66AE-EFD6C038AF96}"/>
-                </a:ext>
-              </a:extLst>
-            </p:cNvPr>
-            <p:cNvSpPr/>
-            <p:nvPr/>
-          </p:nvSpPr>
-          <p:spPr>
-            <a:xfrm>
-              <a:off x="7398933" y="4827977"/>
-              <a:ext cx="121366" cy="261610"/>
-            </a:xfrm>
-            <a:prstGeom prst="rect">
-              <a:avLst/>
-            </a:prstGeom>
-            <a:noFill/>
-            <a:ln w="12700" cap="flat" cmpd="sng" algn="ctr">
-              <a:solidFill>
-                <a:srgbClr val="000000">
-                  <a:lumMod val="95000"/>
-                  <a:lumOff val="5000"/>
-                </a:srgbClr>
-              </a:solidFill>
-              <a:prstDash val="solid"/>
-              <a:miter lim="800000"/>
-            </a:ln>
-            <a:effectLst/>
-          </p:spPr>
-          <p:txBody>
-            <a:bodyPr rtlCol="0" anchor="ctr"/>
-            <a:lstStyle/>
-            <a:p>
-              <a:pPr marL="0" marR="0" lvl="0" indent="0" algn="ctr" defTabSz="304770" eaLnBrk="1" fontAlgn="auto" latinLnBrk="0" hangingPunct="1">
-                <a:lnSpc>
-                  <a:spcPct val="100000"/>
-                </a:lnSpc>
-                <a:spcBef>
-                  <a:spcPts val="0"/>
-                </a:spcBef>
-                <a:spcAft>
-                  <a:spcPts val="0"/>
-                </a:spcAft>
-                <a:buClrTx/>
-                <a:buSzTx/>
-                <a:buFontTx/>
-                <a:buNone/>
-                <a:tabLst/>
-                <a:defRPr/>
-              </a:pPr>
-              <a:endParaRPr kumimoji="0" lang="en-US" sz="467" b="0" i="0" u="none" strike="noStrike" kern="0" cap="none" spc="0" normalizeH="0" baseline="0" noProof="0" dirty="0">
-                <a:ln>
-                  <a:noFill/>
-                </a:ln>
-                <a:solidFill>
-                  <a:prstClr val="black"/>
-                </a:solidFill>
-                <a:effectLst/>
-                <a:uLnTx/>
-                <a:uFillTx/>
-                <a:latin typeface="Calibri" panose="020F0502020204030204"/>
-              </a:endParaRPr>
-            </a:p>
-          </p:txBody>
-        </p:sp>
-        <p:sp>
-          <p:nvSpPr>
-            <p:cNvPr id="54" name="Rectangle 53">
-              <a:extLst>
-                <a:ext uri="{FF2B5EF4-FFF2-40B4-BE49-F238E27FC236}">
-                  <a16:creationId xmlns:a16="http://schemas.microsoft.com/office/drawing/2014/main" id="{E2A02DB3-86F5-985C-0AA4-F4481AC84FA9}"/>
-                </a:ext>
-              </a:extLst>
-            </p:cNvPr>
-            <p:cNvSpPr/>
-            <p:nvPr/>
-          </p:nvSpPr>
-          <p:spPr>
-            <a:xfrm>
-              <a:off x="7275754" y="4827977"/>
-              <a:ext cx="121366" cy="261610"/>
-            </a:xfrm>
-            <a:prstGeom prst="rect">
-              <a:avLst/>
-            </a:prstGeom>
-            <a:noFill/>
-            <a:ln w="12700" cap="flat" cmpd="sng" algn="ctr">
-              <a:solidFill>
-                <a:srgbClr val="000000">
-                  <a:lumMod val="95000"/>
-                  <a:lumOff val="5000"/>
-                </a:srgbClr>
-              </a:solidFill>
-              <a:prstDash val="solid"/>
-              <a:miter lim="800000"/>
-            </a:ln>
-            <a:effectLst/>
-          </p:spPr>
-          <p:txBody>
-            <a:bodyPr rtlCol="0" anchor="ctr"/>
-            <a:lstStyle/>
-            <a:p>
-              <a:pPr marL="0" marR="0" lvl="0" indent="0" algn="ctr" defTabSz="304770" eaLnBrk="1" fontAlgn="auto" latinLnBrk="0" hangingPunct="1">
-                <a:lnSpc>
-                  <a:spcPct val="100000"/>
-                </a:lnSpc>
-                <a:spcBef>
-                  <a:spcPts val="0"/>
-                </a:spcBef>
-                <a:spcAft>
-                  <a:spcPts val="0"/>
-                </a:spcAft>
-                <a:buClrTx/>
-                <a:buSzTx/>
-                <a:buFontTx/>
-                <a:buNone/>
-                <a:tabLst/>
-                <a:defRPr/>
-              </a:pPr>
-              <a:endParaRPr kumimoji="0" lang="en-US" sz="467" b="0" i="0" u="none" strike="noStrike" kern="0" cap="none" spc="0" normalizeH="0" baseline="0" noProof="0" dirty="0">
-                <a:ln>
-                  <a:noFill/>
-                </a:ln>
-                <a:solidFill>
-                  <a:prstClr val="black"/>
-                </a:solidFill>
-                <a:effectLst/>
-                <a:uLnTx/>
-                <a:uFillTx/>
-                <a:latin typeface="Calibri" panose="020F0502020204030204"/>
-              </a:endParaRPr>
-            </a:p>
-          </p:txBody>
-        </p:sp>
-        <p:cxnSp>
-          <p:nvCxnSpPr>
-            <p:cNvPr id="55" name="Straight Connector 54">
-              <a:extLst>
-                <a:ext uri="{FF2B5EF4-FFF2-40B4-BE49-F238E27FC236}">
-                  <a16:creationId xmlns:a16="http://schemas.microsoft.com/office/drawing/2014/main" id="{6CF900F1-2E1D-9A58-C97A-620F3738C428}"/>
-                </a:ext>
-              </a:extLst>
-            </p:cNvPr>
-            <p:cNvCxnSpPr>
-              <a:cxnSpLocks/>
-            </p:cNvCxnSpPr>
-            <p:nvPr/>
-          </p:nvCxnSpPr>
-          <p:spPr>
-            <a:xfrm>
-              <a:off x="6985000" y="4827977"/>
-              <a:ext cx="290754" cy="0"/>
-            </a:xfrm>
-            <a:prstGeom prst="line">
-              <a:avLst/>
-            </a:prstGeom>
-            <a:noFill/>
-            <a:ln w="15875" cap="flat" cmpd="sng" algn="ctr">
-              <a:solidFill>
-                <a:srgbClr val="000000">
-                  <a:lumMod val="95000"/>
-                  <a:lumOff val="5000"/>
-                </a:srgbClr>
-              </a:solidFill>
-              <a:prstDash val="solid"/>
-            </a:ln>
-            <a:effectLst/>
-          </p:spPr>
-        </p:cxnSp>
-        <p:cxnSp>
-          <p:nvCxnSpPr>
-            <p:cNvPr id="56" name="Straight Connector 55">
-              <a:extLst>
-                <a:ext uri="{FF2B5EF4-FFF2-40B4-BE49-F238E27FC236}">
-                  <a16:creationId xmlns:a16="http://schemas.microsoft.com/office/drawing/2014/main" id="{2485F541-2710-2FCD-EFA2-BB023B5F7501}"/>
-                </a:ext>
-              </a:extLst>
-            </p:cNvPr>
-            <p:cNvCxnSpPr>
-              <a:cxnSpLocks/>
-            </p:cNvCxnSpPr>
-            <p:nvPr/>
-          </p:nvCxnSpPr>
-          <p:spPr>
-            <a:xfrm>
-              <a:off x="6985000" y="5089587"/>
-              <a:ext cx="290754" cy="0"/>
-            </a:xfrm>
-            <a:prstGeom prst="line">
-              <a:avLst/>
-            </a:prstGeom>
-            <a:noFill/>
-            <a:ln w="15875" cap="flat" cmpd="sng" algn="ctr">
-              <a:solidFill>
-                <a:srgbClr val="000000">
-                  <a:lumMod val="95000"/>
-                  <a:lumOff val="5000"/>
-                </a:srgbClr>
-              </a:solidFill>
-              <a:prstDash val="solid"/>
-            </a:ln>
-            <a:effectLst/>
-          </p:spPr>
-        </p:cxnSp>
-      </p:grpSp>
-      <p:grpSp>
-        <p:nvGrpSpPr>
-          <p:cNvPr id="57" name="Group 56">
-            <a:extLst>
-              <a:ext uri="{FF2B5EF4-FFF2-40B4-BE49-F238E27FC236}">
-                <a16:creationId xmlns:a16="http://schemas.microsoft.com/office/drawing/2014/main" id="{0A1B81C8-C7EC-0A1E-0D2A-5C66177BE1A8}"/>
-              </a:ext>
-            </a:extLst>
-          </p:cNvPr>
-          <p:cNvGrpSpPr/>
-          <p:nvPr/>
-        </p:nvGrpSpPr>
-        <p:grpSpPr>
-          <a:xfrm>
-            <a:off x="3576392" y="4380388"/>
-            <a:ext cx="656665" cy="250799"/>
-            <a:chOff x="6985000" y="4827977"/>
-            <a:chExt cx="656665" cy="261610"/>
-          </a:xfrm>
-        </p:grpSpPr>
-        <p:sp>
-          <p:nvSpPr>
-            <p:cNvPr id="58" name="Rectangle 57">
-              <a:extLst>
-                <a:ext uri="{FF2B5EF4-FFF2-40B4-BE49-F238E27FC236}">
-                  <a16:creationId xmlns:a16="http://schemas.microsoft.com/office/drawing/2014/main" id="{8B419F9E-F265-35BF-EB31-6B00C80A6BF3}"/>
-                </a:ext>
-              </a:extLst>
-            </p:cNvPr>
-            <p:cNvSpPr/>
-            <p:nvPr/>
-          </p:nvSpPr>
-          <p:spPr>
-            <a:xfrm>
-              <a:off x="7520299" y="4827977"/>
-              <a:ext cx="121366" cy="261610"/>
-            </a:xfrm>
-            <a:prstGeom prst="rect">
-              <a:avLst/>
-            </a:prstGeom>
-            <a:noFill/>
-            <a:ln w="12700" cap="flat" cmpd="sng" algn="ctr">
-              <a:solidFill>
-                <a:srgbClr val="000000">
-                  <a:lumMod val="95000"/>
-                  <a:lumOff val="5000"/>
-                </a:srgbClr>
-              </a:solidFill>
-              <a:prstDash val="solid"/>
-              <a:miter lim="800000"/>
-            </a:ln>
-            <a:effectLst/>
-          </p:spPr>
-          <p:txBody>
-            <a:bodyPr rtlCol="0" anchor="ctr"/>
-            <a:lstStyle/>
-            <a:p>
-              <a:pPr marL="0" marR="0" lvl="0" indent="0" algn="ctr" defTabSz="304770" eaLnBrk="1" fontAlgn="auto" latinLnBrk="0" hangingPunct="1">
-                <a:lnSpc>
-                  <a:spcPct val="100000"/>
-                </a:lnSpc>
-                <a:spcBef>
-                  <a:spcPts val="0"/>
-                </a:spcBef>
-                <a:spcAft>
-                  <a:spcPts val="0"/>
-                </a:spcAft>
-                <a:buClrTx/>
-                <a:buSzTx/>
-                <a:buFontTx/>
-                <a:buNone/>
-                <a:tabLst/>
-                <a:defRPr/>
-              </a:pPr>
-              <a:endParaRPr kumimoji="0" lang="en-US" sz="467" b="0" i="0" u="none" strike="noStrike" kern="0" cap="none" spc="0" normalizeH="0" baseline="0" noProof="0" dirty="0">
-                <a:ln>
-                  <a:noFill/>
-                </a:ln>
-                <a:solidFill>
-                  <a:prstClr val="black"/>
-                </a:solidFill>
-                <a:effectLst/>
-                <a:uLnTx/>
-                <a:uFillTx/>
-                <a:latin typeface="Calibri" panose="020F0502020204030204"/>
-              </a:endParaRPr>
-            </a:p>
-          </p:txBody>
-        </p:sp>
-        <p:sp>
-          <p:nvSpPr>
-            <p:cNvPr id="59" name="Rectangle 58">
-              <a:extLst>
-                <a:ext uri="{FF2B5EF4-FFF2-40B4-BE49-F238E27FC236}">
-                  <a16:creationId xmlns:a16="http://schemas.microsoft.com/office/drawing/2014/main" id="{EA77254D-C1DB-74C5-511A-987897EDB40C}"/>
-                </a:ext>
-              </a:extLst>
-            </p:cNvPr>
-            <p:cNvSpPr/>
-            <p:nvPr/>
-          </p:nvSpPr>
-          <p:spPr>
-            <a:xfrm>
-              <a:off x="7398933" y="4827977"/>
-              <a:ext cx="121366" cy="261610"/>
-            </a:xfrm>
-            <a:prstGeom prst="rect">
-              <a:avLst/>
-            </a:prstGeom>
-            <a:noFill/>
-            <a:ln w="12700" cap="flat" cmpd="sng" algn="ctr">
-              <a:solidFill>
-                <a:srgbClr val="000000">
-                  <a:lumMod val="95000"/>
-                  <a:lumOff val="5000"/>
-                </a:srgbClr>
-              </a:solidFill>
-              <a:prstDash val="solid"/>
-              <a:miter lim="800000"/>
-            </a:ln>
-            <a:effectLst/>
-          </p:spPr>
-          <p:txBody>
-            <a:bodyPr rtlCol="0" anchor="ctr"/>
-            <a:lstStyle/>
-            <a:p>
-              <a:pPr marL="0" marR="0" lvl="0" indent="0" algn="ctr" defTabSz="304770" eaLnBrk="1" fontAlgn="auto" latinLnBrk="0" hangingPunct="1">
-                <a:lnSpc>
-                  <a:spcPct val="100000"/>
-                </a:lnSpc>
-                <a:spcBef>
-                  <a:spcPts val="0"/>
-                </a:spcBef>
-                <a:spcAft>
-                  <a:spcPts val="0"/>
-                </a:spcAft>
-                <a:buClrTx/>
-                <a:buSzTx/>
-                <a:buFontTx/>
-                <a:buNone/>
-                <a:tabLst/>
-                <a:defRPr/>
-              </a:pPr>
-              <a:endParaRPr kumimoji="0" lang="en-US" sz="467" b="0" i="0" u="none" strike="noStrike" kern="0" cap="none" spc="0" normalizeH="0" baseline="0" noProof="0" dirty="0">
-                <a:ln>
-                  <a:noFill/>
-                </a:ln>
-                <a:solidFill>
-                  <a:prstClr val="black"/>
-                </a:solidFill>
-                <a:effectLst/>
-                <a:uLnTx/>
-                <a:uFillTx/>
-                <a:latin typeface="Calibri" panose="020F0502020204030204"/>
-              </a:endParaRPr>
-            </a:p>
-          </p:txBody>
-        </p:sp>
-        <p:sp>
-          <p:nvSpPr>
-            <p:cNvPr id="60" name="Rectangle 59">
-              <a:extLst>
-                <a:ext uri="{FF2B5EF4-FFF2-40B4-BE49-F238E27FC236}">
-                  <a16:creationId xmlns:a16="http://schemas.microsoft.com/office/drawing/2014/main" id="{483E94DD-5BB0-97B2-52C5-47D3AFEE5A7B}"/>
-                </a:ext>
-              </a:extLst>
-            </p:cNvPr>
-            <p:cNvSpPr/>
-            <p:nvPr/>
-          </p:nvSpPr>
-          <p:spPr>
-            <a:xfrm>
-              <a:off x="7275754" y="4827977"/>
-              <a:ext cx="121366" cy="261610"/>
-            </a:xfrm>
-            <a:prstGeom prst="rect">
-              <a:avLst/>
-            </a:prstGeom>
-            <a:noFill/>
-            <a:ln w="12700" cap="flat" cmpd="sng" algn="ctr">
-              <a:solidFill>
-                <a:srgbClr val="000000">
-                  <a:lumMod val="95000"/>
-                  <a:lumOff val="5000"/>
-                </a:srgbClr>
-              </a:solidFill>
-              <a:prstDash val="solid"/>
-              <a:miter lim="800000"/>
-            </a:ln>
-            <a:effectLst/>
-          </p:spPr>
-          <p:txBody>
-            <a:bodyPr rtlCol="0" anchor="ctr"/>
-            <a:lstStyle/>
-            <a:p>
-              <a:pPr marL="0" marR="0" lvl="0" indent="0" algn="ctr" defTabSz="304770" eaLnBrk="1" fontAlgn="auto" latinLnBrk="0" hangingPunct="1">
-                <a:lnSpc>
-                  <a:spcPct val="100000"/>
-                </a:lnSpc>
-                <a:spcBef>
-                  <a:spcPts val="0"/>
-                </a:spcBef>
-                <a:spcAft>
-                  <a:spcPts val="0"/>
-                </a:spcAft>
-                <a:buClrTx/>
-                <a:buSzTx/>
-                <a:buFontTx/>
-                <a:buNone/>
-                <a:tabLst/>
-                <a:defRPr/>
-              </a:pPr>
-              <a:endParaRPr kumimoji="0" lang="en-US" sz="467" b="0" i="0" u="none" strike="noStrike" kern="0" cap="none" spc="0" normalizeH="0" baseline="0" noProof="0" dirty="0">
-                <a:ln>
-                  <a:noFill/>
-                </a:ln>
-                <a:solidFill>
-                  <a:prstClr val="black"/>
-                </a:solidFill>
-                <a:effectLst/>
-                <a:uLnTx/>
-                <a:uFillTx/>
-                <a:latin typeface="Calibri" panose="020F0502020204030204"/>
-              </a:endParaRPr>
-            </a:p>
-          </p:txBody>
-        </p:sp>
-        <p:cxnSp>
-          <p:nvCxnSpPr>
-            <p:cNvPr id="61" name="Straight Connector 60">
-              <a:extLst>
-                <a:ext uri="{FF2B5EF4-FFF2-40B4-BE49-F238E27FC236}">
-                  <a16:creationId xmlns:a16="http://schemas.microsoft.com/office/drawing/2014/main" id="{67194FB7-EF90-5173-A6F3-32B60A0602E5}"/>
-                </a:ext>
-              </a:extLst>
-            </p:cNvPr>
-            <p:cNvCxnSpPr>
-              <a:cxnSpLocks/>
-            </p:cNvCxnSpPr>
-            <p:nvPr/>
-          </p:nvCxnSpPr>
-          <p:spPr>
-            <a:xfrm>
-              <a:off x="6985000" y="4827977"/>
-              <a:ext cx="290754" cy="0"/>
-            </a:xfrm>
-            <a:prstGeom prst="line">
-              <a:avLst/>
-            </a:prstGeom>
-            <a:noFill/>
-            <a:ln w="15875" cap="flat" cmpd="sng" algn="ctr">
-              <a:solidFill>
-                <a:srgbClr val="000000">
-                  <a:lumMod val="95000"/>
-                  <a:lumOff val="5000"/>
-                </a:srgbClr>
-              </a:solidFill>
-              <a:prstDash val="solid"/>
-            </a:ln>
-            <a:effectLst/>
-          </p:spPr>
-        </p:cxnSp>
-        <p:cxnSp>
-          <p:nvCxnSpPr>
-            <p:cNvPr id="62" name="Straight Connector 61">
-              <a:extLst>
-                <a:ext uri="{FF2B5EF4-FFF2-40B4-BE49-F238E27FC236}">
-                  <a16:creationId xmlns:a16="http://schemas.microsoft.com/office/drawing/2014/main" id="{0DA3EE9F-B19D-6856-5E20-DB038CCE79DA}"/>
-                </a:ext>
-              </a:extLst>
-            </p:cNvPr>
-            <p:cNvCxnSpPr>
-              <a:cxnSpLocks/>
-            </p:cNvCxnSpPr>
-            <p:nvPr/>
-          </p:nvCxnSpPr>
-          <p:spPr>
-            <a:xfrm>
-              <a:off x="6985000" y="5089587"/>
-              <a:ext cx="290754" cy="0"/>
-            </a:xfrm>
-            <a:prstGeom prst="line">
-              <a:avLst/>
-            </a:prstGeom>
-            <a:noFill/>
-            <a:ln w="15875" cap="flat" cmpd="sng" algn="ctr">
-              <a:solidFill>
-                <a:srgbClr val="000000">
-                  <a:lumMod val="95000"/>
-                  <a:lumOff val="5000"/>
-                </a:srgbClr>
-              </a:solidFill>
-              <a:prstDash val="solid"/>
-            </a:ln>
-            <a:effectLst/>
-          </p:spPr>
-        </p:cxnSp>
-      </p:grpSp>
-      <p:sp>
-        <p:nvSpPr>
-          <p:cNvPr id="63" name="TextBox 62">
-            <a:extLst>
-              <a:ext uri="{FF2B5EF4-FFF2-40B4-BE49-F238E27FC236}">
-                <a16:creationId xmlns:a16="http://schemas.microsoft.com/office/drawing/2014/main" id="{A33E3EB5-A726-8EFF-C507-3E1F931E3EA7}"/>
-              </a:ext>
-            </a:extLst>
-          </p:cNvPr>
-          <p:cNvSpPr txBox="1"/>
-          <p:nvPr/>
-        </p:nvSpPr>
-        <p:spPr>
-          <a:xfrm rot="5400000">
-            <a:off x="3846902" y="3979403"/>
-            <a:ext cx="343004" cy="400110"/>
-          </a:xfrm>
-          <a:prstGeom prst="rect">
-            <a:avLst/>
-          </a:prstGeom>
-          <a:noFill/>
-        </p:spPr>
-        <p:txBody>
-          <a:bodyPr wrap="square" rtlCol="0">
-            <a:spAutoFit/>
-          </a:bodyPr>
-          <a:lstStyle/>
-          <a:p>
-            <a:pPr algn="ctr"/>
-            <a:r>
-              <a:rPr lang="en-US" sz="2000" dirty="0">
-                <a:solidFill>
-                  <a:srgbClr val="000000"/>
-                </a:solidFill>
-                <a:latin typeface="NVIDIA Sans" panose="020B0503020203020204" pitchFamily="34" charset="0"/>
-                <a:cs typeface="NVIDIA Sans" panose="020B0503020203020204" pitchFamily="34" charset="0"/>
-              </a:rPr>
-              <a:t>…</a:t>
-            </a:r>
-          </a:p>
-        </p:txBody>
-      </p:sp>
-      <p:cxnSp>
-        <p:nvCxnSpPr>
-          <p:cNvPr id="65" name="Straight Arrow Connector 64">
-            <a:extLst>
-              <a:ext uri="{FF2B5EF4-FFF2-40B4-BE49-F238E27FC236}">
-                <a16:creationId xmlns:a16="http://schemas.microsoft.com/office/drawing/2014/main" id="{32BAA868-C760-78C7-7D3C-0E1199C3C81D}"/>
-              </a:ext>
-            </a:extLst>
-          </p:cNvPr>
-          <p:cNvCxnSpPr>
-            <a:cxnSpLocks/>
-          </p:cNvCxnSpPr>
-          <p:nvPr/>
-        </p:nvCxnSpPr>
-        <p:spPr>
-          <a:xfrm flipV="1">
-            <a:off x="2998509" y="3415375"/>
-            <a:ext cx="577883" cy="437661"/>
-          </a:xfrm>
-          <a:prstGeom prst="straightConnector1">
-            <a:avLst/>
-          </a:prstGeom>
-          <a:noFill/>
-          <a:ln w="15875" cap="flat" cmpd="sng" algn="ctr">
-            <a:solidFill>
-              <a:srgbClr val="8C8C8C"/>
-            </a:solidFill>
-            <a:prstDash val="dash"/>
-            <a:tailEnd type="triangle"/>
-          </a:ln>
-          <a:effectLst/>
-        </p:spPr>
-      </p:cxnSp>
-      <p:cxnSp>
-        <p:nvCxnSpPr>
-          <p:cNvPr id="66" name="Straight Arrow Connector 65">
-            <a:extLst>
-              <a:ext uri="{FF2B5EF4-FFF2-40B4-BE49-F238E27FC236}">
-                <a16:creationId xmlns:a16="http://schemas.microsoft.com/office/drawing/2014/main" id="{EDA14239-0817-7CF3-77CB-F8DC1C40EDCB}"/>
-              </a:ext>
-            </a:extLst>
-          </p:cNvPr>
-          <p:cNvCxnSpPr>
-            <a:cxnSpLocks/>
-          </p:cNvCxnSpPr>
-          <p:nvPr/>
-        </p:nvCxnSpPr>
-        <p:spPr>
-          <a:xfrm flipV="1">
-            <a:off x="2998509" y="3853036"/>
-            <a:ext cx="560950" cy="140134"/>
-          </a:xfrm>
-          <a:prstGeom prst="straightConnector1">
-            <a:avLst/>
-          </a:prstGeom>
-          <a:noFill/>
-          <a:ln w="15875" cap="flat" cmpd="sng" algn="ctr">
-            <a:solidFill>
-              <a:srgbClr val="8C8C8C"/>
-            </a:solidFill>
-            <a:prstDash val="dash"/>
-            <a:tailEnd type="triangle"/>
-          </a:ln>
-          <a:effectLst/>
-        </p:spPr>
-      </p:cxnSp>
-      <p:cxnSp>
-        <p:nvCxnSpPr>
-          <p:cNvPr id="67" name="Straight Arrow Connector 66">
-            <a:extLst>
-              <a:ext uri="{FF2B5EF4-FFF2-40B4-BE49-F238E27FC236}">
-                <a16:creationId xmlns:a16="http://schemas.microsoft.com/office/drawing/2014/main" id="{BDE3F361-6BA1-FF67-B8EF-A764576C9A2E}"/>
-              </a:ext>
-            </a:extLst>
-          </p:cNvPr>
-          <p:cNvCxnSpPr>
-            <a:cxnSpLocks/>
-          </p:cNvCxnSpPr>
-          <p:nvPr/>
-        </p:nvCxnSpPr>
-        <p:spPr>
-          <a:xfrm>
-            <a:off x="2998509" y="4146657"/>
-            <a:ext cx="560950" cy="385028"/>
-          </a:xfrm>
-          <a:prstGeom prst="straightConnector1">
-            <a:avLst/>
-          </a:prstGeom>
-          <a:noFill/>
-          <a:ln w="15875" cap="flat" cmpd="sng" algn="ctr">
-            <a:solidFill>
-              <a:srgbClr val="8C8C8C"/>
-            </a:solidFill>
-            <a:prstDash val="dash"/>
-            <a:tailEnd type="triangle"/>
-          </a:ln>
-          <a:effectLst/>
-        </p:spPr>
-      </p:cxnSp>
-      <p:sp>
-        <p:nvSpPr>
-          <p:cNvPr id="69" name="TextBox 68">
-            <a:extLst>
-              <a:ext uri="{FF2B5EF4-FFF2-40B4-BE49-F238E27FC236}">
-                <a16:creationId xmlns:a16="http://schemas.microsoft.com/office/drawing/2014/main" id="{56ABBD28-FB96-0138-014A-0B09E576CA76}"/>
-              </a:ext>
-            </a:extLst>
-          </p:cNvPr>
-          <p:cNvSpPr txBox="1"/>
-          <p:nvPr/>
-        </p:nvSpPr>
-        <p:spPr>
-          <a:xfrm>
-            <a:off x="4629326" y="3705022"/>
-            <a:ext cx="753731" cy="461665"/>
-          </a:xfrm>
-          <a:prstGeom prst="rect">
-            <a:avLst/>
-          </a:prstGeom>
-          <a:gradFill rotWithShape="1">
-            <a:gsLst>
-              <a:gs pos="0">
-                <a:srgbClr val="008564">
-                  <a:tint val="50000"/>
-                  <a:satMod val="300000"/>
-                </a:srgbClr>
-              </a:gs>
-              <a:gs pos="35000">
-                <a:srgbClr val="008564">
-                  <a:tint val="37000"/>
-                  <a:satMod val="300000"/>
-                </a:srgbClr>
-              </a:gs>
-              <a:gs pos="100000">
-                <a:srgbClr val="008564">
-                  <a:tint val="15000"/>
-                  <a:satMod val="350000"/>
-                </a:srgbClr>
-              </a:gs>
-            </a:gsLst>
-            <a:lin ang="16200000" scaled="1"/>
-          </a:gradFill>
-          <a:ln w="9525" cap="flat" cmpd="sng" algn="ctr">
-            <a:solidFill>
-              <a:srgbClr val="008564">
-                <a:shade val="95000"/>
-                <a:satMod val="105000"/>
-              </a:srgbClr>
-            </a:solidFill>
-            <a:prstDash val="solid"/>
-          </a:ln>
-          <a:effectLst>
-            <a:outerShdw blurRad="40000" dist="20000" dir="5400000" rotWithShape="0">
-              <a:srgbClr val="000000">
-                <a:alpha val="38000"/>
-              </a:srgbClr>
-            </a:outerShdw>
-          </a:effectLst>
-        </p:spPr>
-        <p:txBody>
-          <a:bodyPr wrap="none" rtlCol="0">
-            <a:spAutoFit/>
-          </a:bodyPr>
-          <a:lstStyle/>
-          <a:p>
-            <a:pPr marL="0" marR="0" lvl="0" indent="0" algn="ctr" defTabSz="914400" eaLnBrk="1" fontAlgn="auto" latinLnBrk="0" hangingPunct="1">
-              <a:lnSpc>
-                <a:spcPct val="100000"/>
-              </a:lnSpc>
-              <a:spcBef>
-                <a:spcPts val="0"/>
-              </a:spcBef>
-              <a:spcAft>
-                <a:spcPts val="0"/>
-              </a:spcAft>
-              <a:buClrTx/>
-              <a:buSzTx/>
-              <a:buFontTx/>
-              <a:buNone/>
-              <a:tabLst/>
-              <a:defRPr/>
-            </a:pPr>
-            <a:r>
-              <a:rPr kumimoji="0" lang="en-US" sz="1200" b="0" i="0" u="none" strike="noStrike" kern="0" cap="none" spc="0" normalizeH="0" baseline="0" noProof="0" dirty="0">
-                <a:ln>
-                  <a:noFill/>
-                </a:ln>
-                <a:solidFill>
-                  <a:srgbClr val="000000"/>
-                </a:solidFill>
-                <a:effectLst/>
-                <a:uLnTx/>
-                <a:uFillTx/>
-                <a:latin typeface="NVIDIA Sans" panose="020B0503020203020204" pitchFamily="34" charset="0"/>
-                <a:ea typeface="+mn-ea"/>
-                <a:cs typeface="NVIDIA Sans" panose="020B0503020203020204" pitchFamily="34" charset="0"/>
-              </a:rPr>
-              <a:t>PF </a:t>
-            </a:r>
-            <a:r>
-              <a:rPr kumimoji="0" lang="en-US" sz="1200" b="0" i="0" u="none" strike="noStrike" kern="0" cap="none" spc="0" normalizeH="0" baseline="0" noProof="0" dirty="0" err="1">
-                <a:ln>
-                  <a:noFill/>
-                </a:ln>
-                <a:solidFill>
-                  <a:srgbClr val="000000"/>
-                </a:solidFill>
-                <a:effectLst/>
-                <a:uLnTx/>
-                <a:uFillTx/>
-                <a:latin typeface="NVIDIA Sans" panose="020B0503020203020204" pitchFamily="34" charset="0"/>
-                <a:ea typeface="+mn-ea"/>
-                <a:cs typeface="NVIDIA Sans" panose="020B0503020203020204" pitchFamily="34" charset="0"/>
-              </a:rPr>
-              <a:t>repr</a:t>
-            </a:r>
-            <a:r>
-              <a:rPr kumimoji="0" lang="en-US" sz="1200" b="0" i="0" u="none" strike="noStrike" kern="0" cap="none" spc="0" normalizeH="0" baseline="0" noProof="0" dirty="0">
-                <a:ln>
-                  <a:noFill/>
-                </a:ln>
-                <a:solidFill>
-                  <a:srgbClr val="000000"/>
-                </a:solidFill>
-                <a:effectLst/>
-                <a:uLnTx/>
-                <a:uFillTx/>
-                <a:latin typeface="NVIDIA Sans" panose="020B0503020203020204" pitchFamily="34" charset="0"/>
-                <a:ea typeface="+mn-ea"/>
-                <a:cs typeface="NVIDIA Sans" panose="020B0503020203020204" pitchFamily="34" charset="0"/>
-              </a:rPr>
-              <a:t> </a:t>
-            </a:r>
-          </a:p>
-          <a:p>
-            <a:pPr marL="0" marR="0" lvl="0" indent="0" algn="ctr" defTabSz="914400" eaLnBrk="1" fontAlgn="auto" latinLnBrk="0" hangingPunct="1">
-              <a:lnSpc>
-                <a:spcPct val="100000"/>
-              </a:lnSpc>
-              <a:spcBef>
-                <a:spcPts val="0"/>
-              </a:spcBef>
-              <a:spcAft>
-                <a:spcPts val="0"/>
-              </a:spcAft>
-              <a:buClrTx/>
-              <a:buSzTx/>
-              <a:buFontTx/>
-              <a:buNone/>
-              <a:tabLst/>
-              <a:defRPr/>
-            </a:pPr>
-            <a:r>
-              <a:rPr kumimoji="0" lang="en-US" sz="1200" b="0" i="0" u="none" strike="noStrike" kern="0" cap="none" spc="0" normalizeH="0" baseline="0" noProof="0" dirty="0">
-                <a:ln>
-                  <a:noFill/>
-                </a:ln>
-                <a:solidFill>
-                  <a:srgbClr val="000000"/>
-                </a:solidFill>
-                <a:effectLst/>
-                <a:uLnTx/>
-                <a:uFillTx/>
-                <a:latin typeface="NVIDIA Sans" panose="020B0503020203020204" pitchFamily="34" charset="0"/>
-                <a:ea typeface="+mn-ea"/>
-                <a:cs typeface="NVIDIA Sans" panose="020B0503020203020204" pitchFamily="34" charset="0"/>
-              </a:rPr>
-              <a:t>RXQ</a:t>
-            </a:r>
-          </a:p>
-        </p:txBody>
-      </p:sp>
-      <p:sp>
-        <p:nvSpPr>
-          <p:cNvPr id="70" name="TextBox 69">
-            <a:extLst>
-              <a:ext uri="{FF2B5EF4-FFF2-40B4-BE49-F238E27FC236}">
-                <a16:creationId xmlns:a16="http://schemas.microsoft.com/office/drawing/2014/main" id="{09770520-C4E9-F323-8E01-7C8911BEE8AB}"/>
-              </a:ext>
-            </a:extLst>
-          </p:cNvPr>
-          <p:cNvSpPr txBox="1"/>
-          <p:nvPr/>
-        </p:nvSpPr>
-        <p:spPr>
-          <a:xfrm>
-            <a:off x="5618441" y="4380388"/>
-            <a:ext cx="598241" cy="276999"/>
-          </a:xfrm>
-          <a:prstGeom prst="rect">
-            <a:avLst/>
-          </a:prstGeom>
-          <a:gradFill rotWithShape="1">
-            <a:gsLst>
-              <a:gs pos="0">
-                <a:srgbClr val="008564">
-                  <a:tint val="50000"/>
-                  <a:satMod val="300000"/>
-                </a:srgbClr>
-              </a:gs>
-              <a:gs pos="35000">
-                <a:srgbClr val="008564">
-                  <a:tint val="37000"/>
-                  <a:satMod val="300000"/>
-                </a:srgbClr>
-              </a:gs>
-              <a:gs pos="100000">
-                <a:srgbClr val="008564">
-                  <a:tint val="15000"/>
-                  <a:satMod val="350000"/>
-                </a:srgbClr>
-              </a:gs>
-            </a:gsLst>
-            <a:lin ang="16200000" scaled="1"/>
-          </a:gradFill>
-          <a:ln w="9525" cap="flat" cmpd="sng" algn="ctr">
-            <a:solidFill>
-              <a:srgbClr val="008564">
-                <a:shade val="95000"/>
-                <a:satMod val="105000"/>
-              </a:srgbClr>
-            </a:solidFill>
-            <a:prstDash val="solid"/>
-          </a:ln>
-          <a:effectLst>
-            <a:outerShdw blurRad="40000" dist="20000" dir="5400000" rotWithShape="0">
-              <a:srgbClr val="000000">
-                <a:alpha val="38000"/>
-              </a:srgbClr>
-            </a:outerShdw>
-          </a:effectLst>
-        </p:spPr>
-        <p:txBody>
-          <a:bodyPr wrap="none" rtlCol="0">
-            <a:spAutoFit/>
-          </a:bodyPr>
-          <a:lstStyle/>
-          <a:p>
-            <a:pPr marL="0" marR="0" lvl="0" indent="0" algn="ctr" defTabSz="914400" eaLnBrk="1" fontAlgn="auto" latinLnBrk="0" hangingPunct="1">
-              <a:lnSpc>
-                <a:spcPct val="100000"/>
-              </a:lnSpc>
-              <a:spcBef>
-                <a:spcPts val="0"/>
-              </a:spcBef>
-              <a:spcAft>
-                <a:spcPts val="0"/>
-              </a:spcAft>
-              <a:buClrTx/>
-              <a:buSzTx/>
-              <a:buFontTx/>
-              <a:buNone/>
-              <a:tabLst/>
-              <a:defRPr/>
-            </a:pPr>
-            <a:r>
-              <a:rPr kumimoji="0" lang="en-US" sz="1200" b="0" i="0" u="none" strike="noStrike" kern="0" cap="none" spc="0" normalizeH="0" baseline="0" noProof="0" dirty="0" err="1">
-                <a:ln>
-                  <a:noFill/>
-                </a:ln>
-                <a:solidFill>
-                  <a:srgbClr val="000000"/>
-                </a:solidFill>
-                <a:effectLst/>
-                <a:uLnTx/>
-                <a:uFillTx/>
-                <a:latin typeface="NVIDIA Sans" panose="020B0503020203020204" pitchFamily="34" charset="0"/>
-                <a:ea typeface="+mn-ea"/>
-                <a:cs typeface="NVIDIA Sans" panose="020B0503020203020204" pitchFamily="34" charset="0"/>
-              </a:rPr>
-              <a:t>reprN</a:t>
-            </a:r>
-            <a:endParaRPr kumimoji="0" lang="en-US" sz="1200" b="0" i="0" u="none" strike="noStrike" kern="0" cap="none" spc="0" normalizeH="0" baseline="0" noProof="0" dirty="0">
-              <a:ln>
-                <a:noFill/>
-              </a:ln>
-              <a:solidFill>
-                <a:srgbClr val="000000"/>
-              </a:solidFill>
-              <a:effectLst/>
-              <a:uLnTx/>
-              <a:uFillTx/>
-              <a:latin typeface="NVIDIA Sans" panose="020B0503020203020204" pitchFamily="34" charset="0"/>
-              <a:ea typeface="+mn-ea"/>
-              <a:cs typeface="NVIDIA Sans" panose="020B0503020203020204" pitchFamily="34" charset="0"/>
-            </a:endParaRPr>
-          </a:p>
-        </p:txBody>
-      </p:sp>
-      <p:sp>
-        <p:nvSpPr>
-          <p:cNvPr id="71" name="TextBox 70">
-            <a:extLst>
-              <a:ext uri="{FF2B5EF4-FFF2-40B4-BE49-F238E27FC236}">
-                <a16:creationId xmlns:a16="http://schemas.microsoft.com/office/drawing/2014/main" id="{199D1094-CEAE-A17E-B73E-A5CD531D8EBA}"/>
-              </a:ext>
-            </a:extLst>
-          </p:cNvPr>
-          <p:cNvSpPr txBox="1"/>
-          <p:nvPr/>
-        </p:nvSpPr>
-        <p:spPr>
-          <a:xfrm>
-            <a:off x="3264826" y="3024552"/>
-            <a:ext cx="1326005" cy="246221"/>
-          </a:xfrm>
-          <a:prstGeom prst="rect">
-            <a:avLst/>
-          </a:prstGeom>
-          <a:noFill/>
-        </p:spPr>
-        <p:txBody>
-          <a:bodyPr wrap="none" rtlCol="0">
-            <a:spAutoFit/>
-          </a:bodyPr>
-          <a:lstStyle/>
-          <a:p>
-            <a:pPr algn="ctr"/>
-            <a:r>
-              <a:rPr lang="en-US" sz="1000" dirty="0">
-                <a:solidFill>
-                  <a:srgbClr val="000000"/>
-                </a:solidFill>
-                <a:latin typeface="NVIDIA Sans" panose="020B0503020203020204" pitchFamily="34" charset="0"/>
-                <a:cs typeface="NVIDIA Sans" panose="020B0503020203020204" pitchFamily="34" charset="0"/>
-              </a:rPr>
-              <a:t>HW meter Buckets</a:t>
-            </a:r>
-          </a:p>
-        </p:txBody>
-      </p:sp>
-      <p:sp>
-        <p:nvSpPr>
-          <p:cNvPr id="72" name="TextBox 71">
-            <a:extLst>
-              <a:ext uri="{FF2B5EF4-FFF2-40B4-BE49-F238E27FC236}">
-                <a16:creationId xmlns:a16="http://schemas.microsoft.com/office/drawing/2014/main" id="{D3A81272-8CE3-F35F-C212-5BC1D61AC2D4}"/>
-              </a:ext>
-            </a:extLst>
-          </p:cNvPr>
-          <p:cNvSpPr txBox="1"/>
-          <p:nvPr/>
-        </p:nvSpPr>
-        <p:spPr>
-          <a:xfrm>
-            <a:off x="5639280" y="3251070"/>
-            <a:ext cx="577402" cy="276999"/>
-          </a:xfrm>
-          <a:prstGeom prst="rect">
-            <a:avLst/>
-          </a:prstGeom>
-          <a:gradFill rotWithShape="1">
-            <a:gsLst>
-              <a:gs pos="0">
-                <a:srgbClr val="008564">
-                  <a:tint val="50000"/>
-                  <a:satMod val="300000"/>
-                </a:srgbClr>
-              </a:gs>
-              <a:gs pos="35000">
-                <a:srgbClr val="008564">
-                  <a:tint val="37000"/>
-                  <a:satMod val="300000"/>
-                </a:srgbClr>
-              </a:gs>
-              <a:gs pos="100000">
-                <a:srgbClr val="008564">
-                  <a:tint val="15000"/>
-                  <a:satMod val="350000"/>
-                </a:srgbClr>
-              </a:gs>
-            </a:gsLst>
-            <a:lin ang="16200000" scaled="1"/>
-          </a:gradFill>
-          <a:ln w="9525" cap="flat" cmpd="sng" algn="ctr">
-            <a:solidFill>
-              <a:srgbClr val="008564">
-                <a:shade val="95000"/>
-                <a:satMod val="105000"/>
-              </a:srgbClr>
-            </a:solidFill>
-            <a:prstDash val="solid"/>
-          </a:ln>
-          <a:effectLst>
-            <a:outerShdw blurRad="40000" dist="20000" dir="5400000" rotWithShape="0">
-              <a:srgbClr val="000000">
-                <a:alpha val="38000"/>
-              </a:srgbClr>
-            </a:outerShdw>
-          </a:effectLst>
-        </p:spPr>
-        <p:txBody>
-          <a:bodyPr wrap="none" rtlCol="0">
-            <a:spAutoFit/>
-          </a:bodyPr>
-          <a:lstStyle/>
-          <a:p>
-            <a:pPr marL="0" marR="0" lvl="0" indent="0" algn="ctr" defTabSz="914400" eaLnBrk="1" fontAlgn="auto" latinLnBrk="0" hangingPunct="1">
-              <a:lnSpc>
-                <a:spcPct val="100000"/>
-              </a:lnSpc>
-              <a:spcBef>
-                <a:spcPts val="0"/>
-              </a:spcBef>
-              <a:spcAft>
-                <a:spcPts val="0"/>
-              </a:spcAft>
-              <a:buClrTx/>
-              <a:buSzTx/>
-              <a:buFontTx/>
-              <a:buNone/>
-              <a:tabLst/>
-              <a:defRPr/>
-            </a:pPr>
-            <a:r>
-              <a:rPr kumimoji="0" lang="en-US" sz="1200" b="0" i="0" u="none" strike="noStrike" kern="0" cap="none" spc="0" normalizeH="0" baseline="0" noProof="0" dirty="0">
-                <a:ln>
-                  <a:noFill/>
-                </a:ln>
-                <a:solidFill>
-                  <a:srgbClr val="000000"/>
-                </a:solidFill>
-                <a:effectLst/>
-                <a:uLnTx/>
-                <a:uFillTx/>
-                <a:latin typeface="NVIDIA Sans" panose="020B0503020203020204" pitchFamily="34" charset="0"/>
-                <a:ea typeface="+mn-ea"/>
-                <a:cs typeface="NVIDIA Sans" panose="020B0503020203020204" pitchFamily="34" charset="0"/>
-              </a:rPr>
-              <a:t>repr1</a:t>
-            </a:r>
-          </a:p>
-        </p:txBody>
-      </p:sp>
-      <p:sp>
-        <p:nvSpPr>
-          <p:cNvPr id="73" name="TextBox 72">
-            <a:extLst>
-              <a:ext uri="{FF2B5EF4-FFF2-40B4-BE49-F238E27FC236}">
-                <a16:creationId xmlns:a16="http://schemas.microsoft.com/office/drawing/2014/main" id="{66DE66C0-8727-E68B-7F5A-FAFC46E5847B}"/>
-              </a:ext>
-            </a:extLst>
-          </p:cNvPr>
-          <p:cNvSpPr txBox="1"/>
-          <p:nvPr/>
-        </p:nvSpPr>
-        <p:spPr>
-          <a:xfrm rot="5400000">
-            <a:off x="5825387" y="3855319"/>
-            <a:ext cx="343004" cy="400110"/>
-          </a:xfrm>
-          <a:prstGeom prst="rect">
-            <a:avLst/>
-          </a:prstGeom>
-          <a:noFill/>
-        </p:spPr>
-        <p:txBody>
-          <a:bodyPr wrap="square" rtlCol="0">
-            <a:spAutoFit/>
-          </a:bodyPr>
-          <a:lstStyle/>
-          <a:p>
-            <a:pPr algn="ctr"/>
-            <a:r>
-              <a:rPr lang="en-US" sz="2000" dirty="0">
-                <a:solidFill>
-                  <a:srgbClr val="000000"/>
-                </a:solidFill>
-                <a:latin typeface="NVIDIA Sans" panose="020B0503020203020204" pitchFamily="34" charset="0"/>
-                <a:cs typeface="NVIDIA Sans" panose="020B0503020203020204" pitchFamily="34" charset="0"/>
-              </a:rPr>
-              <a:t>…</a:t>
-            </a:r>
-          </a:p>
-        </p:txBody>
-      </p:sp>
-      <p:sp>
-        <p:nvSpPr>
-          <p:cNvPr id="74" name="TextBox 73">
-            <a:extLst>
-              <a:ext uri="{FF2B5EF4-FFF2-40B4-BE49-F238E27FC236}">
-                <a16:creationId xmlns:a16="http://schemas.microsoft.com/office/drawing/2014/main" id="{840243E1-869D-AA4E-AEA7-33D05EAF64A5}"/>
-              </a:ext>
-            </a:extLst>
-          </p:cNvPr>
-          <p:cNvSpPr txBox="1"/>
-          <p:nvPr/>
-        </p:nvSpPr>
-        <p:spPr>
-          <a:xfrm>
-            <a:off x="2147047" y="3822223"/>
-            <a:ext cx="780984" cy="276999"/>
-          </a:xfrm>
-          <a:prstGeom prst="rect">
-            <a:avLst/>
-          </a:prstGeom>
-          <a:gradFill rotWithShape="1">
-            <a:gsLst>
-              <a:gs pos="0">
-                <a:srgbClr val="890C58">
-                  <a:tint val="50000"/>
-                  <a:satMod val="300000"/>
-                </a:srgbClr>
-              </a:gs>
-              <a:gs pos="35000">
-                <a:srgbClr val="890C58">
-                  <a:tint val="37000"/>
-                  <a:satMod val="300000"/>
-                </a:srgbClr>
-              </a:gs>
-              <a:gs pos="100000">
-                <a:srgbClr val="890C58">
-                  <a:tint val="15000"/>
-                  <a:satMod val="350000"/>
-                </a:srgbClr>
-              </a:gs>
-            </a:gsLst>
-            <a:lin ang="16200000" scaled="1"/>
-          </a:gradFill>
-          <a:ln w="9525" cap="flat" cmpd="sng" algn="ctr">
-            <a:solidFill>
-              <a:srgbClr val="890C58">
-                <a:shade val="95000"/>
-                <a:satMod val="105000"/>
-              </a:srgbClr>
-            </a:solidFill>
-            <a:prstDash val="solid"/>
-          </a:ln>
-          <a:effectLst>
-            <a:outerShdw blurRad="40000" dist="20000" dir="5400000" rotWithShape="0">
-              <a:srgbClr val="000000">
-                <a:alpha val="38000"/>
-              </a:srgbClr>
-            </a:outerShdw>
-          </a:effectLst>
-        </p:spPr>
-        <p:txBody>
-          <a:bodyPr wrap="none" rtlCol="0">
-            <a:spAutoFit/>
-          </a:bodyPr>
-          <a:lstStyle/>
-          <a:p>
-            <a:pPr marL="0" marR="0" lvl="0" indent="0" algn="ctr" defTabSz="914400" eaLnBrk="1" fontAlgn="auto" latinLnBrk="0" hangingPunct="1">
-              <a:lnSpc>
-                <a:spcPct val="100000"/>
-              </a:lnSpc>
-              <a:spcBef>
-                <a:spcPts val="0"/>
-              </a:spcBef>
-              <a:spcAft>
-                <a:spcPts val="0"/>
-              </a:spcAft>
-              <a:buClrTx/>
-              <a:buSzTx/>
-              <a:buFontTx/>
-              <a:buNone/>
-              <a:tabLst/>
-              <a:defRPr/>
-            </a:pPr>
-            <a:r>
-              <a:rPr kumimoji="0" lang="en-US" sz="1200" b="0" i="0" u="none" strike="noStrike" kern="0" cap="none" spc="0" normalizeH="0" baseline="0" noProof="0" dirty="0">
-                <a:ln>
-                  <a:noFill/>
-                </a:ln>
-                <a:solidFill>
-                  <a:srgbClr val="000000"/>
-                </a:solidFill>
-                <a:effectLst/>
-                <a:uLnTx/>
-                <a:uFillTx/>
-                <a:latin typeface="NVIDIA Sans" panose="020B0503020203020204" pitchFamily="34" charset="0"/>
-                <a:ea typeface="+mn-ea"/>
-                <a:cs typeface="NVIDIA Sans" panose="020B0503020203020204" pitchFamily="34" charset="0"/>
-              </a:rPr>
-              <a:t>steering</a:t>
-            </a:r>
-          </a:p>
-        </p:txBody>
-      </p:sp>
-      <p:cxnSp>
-        <p:nvCxnSpPr>
-          <p:cNvPr id="92" name="Straight Arrow Connector 91">
-            <a:extLst>
-              <a:ext uri="{FF2B5EF4-FFF2-40B4-BE49-F238E27FC236}">
-                <a16:creationId xmlns:a16="http://schemas.microsoft.com/office/drawing/2014/main" id="{15328191-D8C1-701F-4A44-4ED1C51530CE}"/>
-              </a:ext>
-            </a:extLst>
-          </p:cNvPr>
-          <p:cNvCxnSpPr>
-            <a:cxnSpLocks/>
-          </p:cNvCxnSpPr>
-          <p:nvPr/>
-        </p:nvCxnSpPr>
-        <p:spPr>
-          <a:xfrm>
-            <a:off x="4246594" y="3963778"/>
-            <a:ext cx="344237" cy="0"/>
-          </a:xfrm>
-          <a:prstGeom prst="straightConnector1">
-            <a:avLst/>
-          </a:prstGeom>
-          <a:ln w="50800">
-            <a:solidFill>
-              <a:schemeClr val="accent5"/>
-            </a:solidFill>
-            <a:prstDash val="solid"/>
-            <a:tailEnd type="triangle"/>
-          </a:ln>
-        </p:spPr>
-        <p:style>
-          <a:lnRef idx="1">
-            <a:schemeClr val="accent1"/>
-          </a:lnRef>
-          <a:fillRef idx="0">
-            <a:schemeClr val="accent1"/>
-          </a:fillRef>
-          <a:effectRef idx="0">
-            <a:schemeClr val="accent1"/>
-          </a:effectRef>
-          <a:fontRef idx="minor">
-            <a:schemeClr val="tx1"/>
-          </a:fontRef>
-        </p:style>
-      </p:cxnSp>
-      <p:sp>
-        <p:nvSpPr>
-          <p:cNvPr id="93" name="TextBox 92">
-            <a:extLst>
-              <a:ext uri="{FF2B5EF4-FFF2-40B4-BE49-F238E27FC236}">
-                <a16:creationId xmlns:a16="http://schemas.microsoft.com/office/drawing/2014/main" id="{4FF6D0D2-0251-2F7A-D893-E2175D8B49EB}"/>
-              </a:ext>
-            </a:extLst>
-          </p:cNvPr>
-          <p:cNvSpPr txBox="1"/>
-          <p:nvPr/>
-        </p:nvSpPr>
-        <p:spPr>
-          <a:xfrm>
-            <a:off x="3762334" y="4600956"/>
-            <a:ext cx="987771" cy="246221"/>
-          </a:xfrm>
-          <a:prstGeom prst="rect">
-            <a:avLst/>
-          </a:prstGeom>
-          <a:noFill/>
-        </p:spPr>
-        <p:txBody>
-          <a:bodyPr wrap="none" rtlCol="0">
-            <a:spAutoFit/>
-          </a:bodyPr>
-          <a:lstStyle/>
-          <a:p>
-            <a:pPr marL="0" marR="0" lvl="0" indent="0" algn="ctr" defTabSz="914400" rtl="0" eaLnBrk="1" fontAlgn="auto" latinLnBrk="0" hangingPunct="1">
-              <a:lnSpc>
-                <a:spcPct val="100000"/>
-              </a:lnSpc>
-              <a:spcBef>
-                <a:spcPts val="0"/>
-              </a:spcBef>
-              <a:spcAft>
-                <a:spcPts val="0"/>
-              </a:spcAft>
-              <a:buClrTx/>
-              <a:buSzTx/>
-              <a:buFontTx/>
-              <a:buNone/>
-              <a:tabLst/>
-              <a:defRPr/>
-            </a:pPr>
-            <a:r>
-              <a:rPr kumimoji="0" lang="en-US" sz="1000" b="0" i="0" u="none" strike="noStrike" kern="1200" cap="none" spc="0" normalizeH="0" baseline="0" noProof="0" dirty="0">
-                <a:ln>
-                  <a:noFill/>
-                </a:ln>
-                <a:solidFill>
-                  <a:srgbClr val="000000"/>
-                </a:solidFill>
-                <a:effectLst/>
-                <a:uLnTx/>
-                <a:uFillTx/>
-                <a:latin typeface="NVIDIA Sans" panose="020B0503020203020204" pitchFamily="34" charset="0"/>
-                <a:ea typeface="+mn-ea"/>
-                <a:cs typeface="NVIDIA Sans" panose="020B0503020203020204" pitchFamily="34" charset="0"/>
-              </a:rPr>
-              <a:t>Drop if &gt; rate</a:t>
-            </a:r>
-          </a:p>
-        </p:txBody>
-      </p:sp>
-      <p:sp>
-        <p:nvSpPr>
-          <p:cNvPr id="95" name="TextBox 94">
-            <a:extLst>
-              <a:ext uri="{FF2B5EF4-FFF2-40B4-BE49-F238E27FC236}">
-                <a16:creationId xmlns:a16="http://schemas.microsoft.com/office/drawing/2014/main" id="{99958FEE-C17D-7775-D2DF-A20F9F1D1A10}"/>
-              </a:ext>
-            </a:extLst>
-          </p:cNvPr>
-          <p:cNvSpPr txBox="1"/>
-          <p:nvPr/>
-        </p:nvSpPr>
-        <p:spPr>
-          <a:xfrm>
-            <a:off x="2014236" y="3061741"/>
-            <a:ext cx="439544" cy="276999"/>
-          </a:xfrm>
-          <a:prstGeom prst="rect">
-            <a:avLst/>
-          </a:prstGeom>
-          <a:noFill/>
-        </p:spPr>
-        <p:txBody>
-          <a:bodyPr wrap="none" rtlCol="0">
-            <a:spAutoFit/>
-          </a:bodyPr>
-          <a:lstStyle/>
-          <a:p>
-            <a:r>
-              <a:rPr lang="en-US" sz="1200" dirty="0"/>
-              <a:t>NIC</a:t>
-            </a:r>
-          </a:p>
-        </p:txBody>
-      </p:sp>
-      <p:cxnSp>
-        <p:nvCxnSpPr>
-          <p:cNvPr id="96" name="Straight Arrow Connector 95">
-            <a:extLst>
-              <a:ext uri="{FF2B5EF4-FFF2-40B4-BE49-F238E27FC236}">
-                <a16:creationId xmlns:a16="http://schemas.microsoft.com/office/drawing/2014/main" id="{DC45AE1C-7649-0C70-F860-B2C8A1697970}"/>
-              </a:ext>
-            </a:extLst>
-          </p:cNvPr>
-          <p:cNvCxnSpPr>
-            <a:cxnSpLocks/>
-          </p:cNvCxnSpPr>
-          <p:nvPr/>
-        </p:nvCxnSpPr>
-        <p:spPr>
-          <a:xfrm>
-            <a:off x="5383057" y="3960722"/>
-            <a:ext cx="344237" cy="0"/>
-          </a:xfrm>
-          <a:prstGeom prst="straightConnector1">
-            <a:avLst/>
-          </a:prstGeom>
-          <a:ln w="50800">
-            <a:solidFill>
-              <a:schemeClr val="accent5"/>
-            </a:solidFill>
-            <a:prstDash val="solid"/>
-            <a:tailEnd type="triangle"/>
-          </a:ln>
-        </p:spPr>
-        <p:style>
-          <a:lnRef idx="1">
-            <a:schemeClr val="accent1"/>
-          </a:lnRef>
-          <a:fillRef idx="0">
-            <a:schemeClr val="accent1"/>
-          </a:fillRef>
-          <a:effectRef idx="0">
-            <a:schemeClr val="accent1"/>
-          </a:effectRef>
-          <a:fontRef idx="minor">
-            <a:schemeClr val="tx1"/>
-          </a:fontRef>
-        </p:style>
-      </p:cxnSp>
-      <p:sp>
-        <p:nvSpPr>
-          <p:cNvPr id="97" name="TextBox 96">
-            <a:extLst>
-              <a:ext uri="{FF2B5EF4-FFF2-40B4-BE49-F238E27FC236}">
-                <a16:creationId xmlns:a16="http://schemas.microsoft.com/office/drawing/2014/main" id="{C9C72E0F-ABB4-36DA-B459-1E4787C47D89}"/>
-              </a:ext>
-            </a:extLst>
-          </p:cNvPr>
-          <p:cNvSpPr txBox="1"/>
-          <p:nvPr/>
-        </p:nvSpPr>
-        <p:spPr>
-          <a:xfrm>
-            <a:off x="4863102" y="3034317"/>
-            <a:ext cx="609782" cy="276999"/>
-          </a:xfrm>
-          <a:prstGeom prst="rect">
-            <a:avLst/>
-          </a:prstGeom>
-          <a:noFill/>
-        </p:spPr>
-        <p:txBody>
-          <a:bodyPr wrap="none" rtlCol="0">
-            <a:spAutoFit/>
-          </a:bodyPr>
-          <a:lstStyle/>
-          <a:p>
-            <a:r>
-              <a:rPr lang="en-US" sz="1200" dirty="0"/>
-              <a:t>Kernel</a:t>
-            </a:r>
-          </a:p>
-        </p:txBody>
-      </p:sp>
-      <p:sp>
-        <p:nvSpPr>
-          <p:cNvPr id="98" name="TextBox 97">
-            <a:extLst>
-              <a:ext uri="{FF2B5EF4-FFF2-40B4-BE49-F238E27FC236}">
-                <a16:creationId xmlns:a16="http://schemas.microsoft.com/office/drawing/2014/main" id="{82BE93A4-386D-5B7F-8919-CA1FB4F0C2E3}"/>
-              </a:ext>
-            </a:extLst>
-          </p:cNvPr>
-          <p:cNvSpPr txBox="1"/>
-          <p:nvPr/>
-        </p:nvSpPr>
-        <p:spPr>
-          <a:xfrm>
-            <a:off x="1162756" y="1964267"/>
-            <a:ext cx="1152495" cy="369332"/>
-          </a:xfrm>
-          <a:prstGeom prst="rect">
-            <a:avLst/>
-          </a:prstGeom>
-          <a:noFill/>
-        </p:spPr>
-        <p:txBody>
-          <a:bodyPr wrap="none" rtlCol="0">
-            <a:spAutoFit/>
-          </a:bodyPr>
-          <a:lstStyle/>
-          <a:p>
-            <a:r>
-              <a:rPr lang="en-US" dirty="0" err="1"/>
-              <a:t>meter.pdf</a:t>
-            </a:r>
-            <a:endParaRPr lang="en-US" dirty="0"/>
-          </a:p>
-        </p:txBody>
-      </p:sp>
-    </p:spTree>
-    <p:extLst>
-      <p:ext uri="{BB962C8B-B14F-4D97-AF65-F5344CB8AC3E}">
-        <p14:creationId xmlns:p14="http://schemas.microsoft.com/office/powerpoint/2010/main" val="591813500"/>
       </p:ext>
     </p:extLst>
   </p:cSld>
